--- a/網頁製作期末報告_team12.pptx
+++ b/網頁製作期末報告_team12.pptx
@@ -5,7 +5,7 @@
     <p:sldMasterId id="2147483648" r:id="rId1"/>
   </p:sldMasterIdLst>
   <p:notesMasterIdLst>
-    <p:notesMasterId r:id="rId11"/>
+    <p:notesMasterId r:id="rId12"/>
   </p:notesMasterIdLst>
   <p:sldIdLst>
     <p:sldId id="256" r:id="rId2"/>
@@ -13,10 +13,11 @@
     <p:sldId id="260" r:id="rId4"/>
     <p:sldId id="257" r:id="rId5"/>
     <p:sldId id="281" r:id="rId6"/>
-    <p:sldId id="280" r:id="rId7"/>
-    <p:sldId id="282" r:id="rId8"/>
-    <p:sldId id="267" r:id="rId9"/>
-    <p:sldId id="278" r:id="rId10"/>
+    <p:sldId id="267" r:id="rId7"/>
+    <p:sldId id="280" r:id="rId8"/>
+    <p:sldId id="282" r:id="rId9"/>
+    <p:sldId id="283" r:id="rId10"/>
+    <p:sldId id="278" r:id="rId11"/>
   </p:sldIdLst>
   <p:sldSz cx="12192000" cy="6858000"/>
   <p:notesSz cx="6858000" cy="9144000"/>
@@ -8661,7 +8662,7 @@
             <a:fld id="{C58E8D3C-FBF1-4539-9426-280357BE4821}" type="datetime1">
               <a:rPr lang="zh-CN" altLang="en-US"/>
               <a:pPr/>
-              <a:t>2019/5/29</a:t>
+              <a:t>2019/6/1</a:t>
             </a:fld>
             <a:endParaRPr lang="zh-CN" altLang="en-US" sz="1200"/>
           </a:p>
@@ -9205,7 +9206,7 @@
             <a:fld id="{9AE23ABE-706A-49A6-B353-C9D9ED05DF06}" type="datetime1">
               <a:rPr lang="zh-CN" altLang="en-US"/>
               <a:pPr/>
-              <a:t>2019/5/29</a:t>
+              <a:t>2019/6/1</a:t>
             </a:fld>
             <a:endParaRPr lang="zh-CN" altLang="en-US" sz="1800">
               <a:solidFill>
@@ -9395,7 +9396,7 @@
             <a:fld id="{9AE23ABE-706A-49A6-B353-C9D9ED05DF06}" type="datetime1">
               <a:rPr lang="zh-CN" altLang="en-US"/>
               <a:pPr/>
-              <a:t>2019/5/29</a:t>
+              <a:t>2019/6/1</a:t>
             </a:fld>
             <a:endParaRPr lang="zh-CN" altLang="en-US" sz="1800">
               <a:solidFill>
@@ -9595,7 +9596,7 @@
             <a:fld id="{9AE23ABE-706A-49A6-B353-C9D9ED05DF06}" type="datetime1">
               <a:rPr lang="zh-CN" altLang="en-US"/>
               <a:pPr/>
-              <a:t>2019/5/29</a:t>
+              <a:t>2019/6/1</a:t>
             </a:fld>
             <a:endParaRPr lang="zh-CN" altLang="en-US" sz="1800">
               <a:solidFill>
@@ -9744,7 +9745,7 @@
             <a:fld id="{9AE23ABE-706A-49A6-B353-C9D9ED05DF06}" type="datetime1">
               <a:rPr lang="zh-CN" altLang="en-US"/>
               <a:pPr/>
-              <a:t>2019/5/29</a:t>
+              <a:t>2019/6/1</a:t>
             </a:fld>
             <a:endParaRPr lang="zh-CN" altLang="en-US" sz="1800">
               <a:solidFill>
@@ -9944,7 +9945,7 @@
             <a:fld id="{9AE23ABE-706A-49A6-B353-C9D9ED05DF06}" type="datetime1">
               <a:rPr lang="zh-CN" altLang="en-US"/>
               <a:pPr/>
-              <a:t>2019/5/29</a:t>
+              <a:t>2019/6/1</a:t>
             </a:fld>
             <a:endParaRPr lang="zh-CN" altLang="en-US" sz="1800">
               <a:solidFill>
@@ -10157,7 +10158,7 @@
             <a:fld id="{9AE23ABE-706A-49A6-B353-C9D9ED05DF06}" type="datetime1">
               <a:rPr lang="zh-CN" altLang="en-US"/>
               <a:pPr/>
-              <a:t>2019/5/29</a:t>
+              <a:t>2019/6/1</a:t>
             </a:fld>
             <a:endParaRPr lang="zh-CN" altLang="en-US" sz="1800">
               <a:solidFill>
@@ -10464,7 +10465,7 @@
             <a:fld id="{9AE23ABE-706A-49A6-B353-C9D9ED05DF06}" type="datetime1">
               <a:rPr lang="zh-CN" altLang="en-US"/>
               <a:pPr/>
-              <a:t>2019/5/29</a:t>
+              <a:t>2019/6/1</a:t>
             </a:fld>
             <a:endParaRPr lang="zh-CN" altLang="en-US" sz="1800">
               <a:solidFill>
@@ -10910,7 +10911,7 @@
             <a:fld id="{9AE23ABE-706A-49A6-B353-C9D9ED05DF06}" type="datetime1">
               <a:rPr lang="zh-CN" altLang="en-US"/>
               <a:pPr/>
-              <a:t>2019/5/29</a:t>
+              <a:t>2019/6/1</a:t>
             </a:fld>
             <a:endParaRPr lang="zh-CN" altLang="en-US" sz="1800">
               <a:solidFill>
@@ -11049,7 +11050,7 @@
             <a:fld id="{9AE23ABE-706A-49A6-B353-C9D9ED05DF06}" type="datetime1">
               <a:rPr lang="zh-CN" altLang="en-US"/>
               <a:pPr/>
-              <a:t>2019/5/29</a:t>
+              <a:t>2019/6/1</a:t>
             </a:fld>
             <a:endParaRPr lang="zh-CN" altLang="en-US" sz="1800">
               <a:solidFill>
@@ -11166,7 +11167,7 @@
             <a:fld id="{9AE23ABE-706A-49A6-B353-C9D9ED05DF06}" type="datetime1">
               <a:rPr lang="zh-CN" altLang="en-US"/>
               <a:pPr/>
-              <a:t>2019/5/29</a:t>
+              <a:t>2019/6/1</a:t>
             </a:fld>
             <a:endParaRPr lang="zh-CN" altLang="en-US" sz="1800">
               <a:solidFill>
@@ -11463,7 +11464,7 @@
             <a:fld id="{9AE23ABE-706A-49A6-B353-C9D9ED05DF06}" type="datetime1">
               <a:rPr lang="zh-CN" altLang="en-US"/>
               <a:pPr/>
-              <a:t>2019/5/29</a:t>
+              <a:t>2019/6/1</a:t>
             </a:fld>
             <a:endParaRPr lang="zh-CN" altLang="en-US" sz="1800">
               <a:solidFill>
@@ -11737,7 +11738,7 @@
             <a:fld id="{9AE23ABE-706A-49A6-B353-C9D9ED05DF06}" type="datetime1">
               <a:rPr lang="zh-CN" altLang="en-US"/>
               <a:pPr/>
-              <a:t>2019/5/29</a:t>
+              <a:t>2019/6/1</a:t>
             </a:fld>
             <a:endParaRPr lang="zh-CN" altLang="en-US" sz="1800">
               <a:solidFill>
@@ -12057,7 +12058,7 @@
             <a:fld id="{9AE23ABE-706A-49A6-B353-C9D9ED05DF06}" type="datetime1">
               <a:rPr lang="zh-CN" altLang="en-US"/>
               <a:pPr/>
-              <a:t>2019/5/29</a:t>
+              <a:t>2019/6/1</a:t>
             </a:fld>
             <a:endParaRPr lang="zh-CN" altLang="en-US" sz="1800">
               <a:solidFill>
@@ -12995,6 +12996,449 @@
 </p:sld>
 </file>
 
+<file path=ppt/slides/slide10.xml><?xml version="1.0" encoding="utf-8"?>
+<p:sld xmlns:a="http://schemas.openxmlformats.org/drawingml/2006/main" xmlns:r="http://schemas.openxmlformats.org/officeDocument/2006/relationships" xmlns:p="http://schemas.openxmlformats.org/presentationml/2006/main">
+  <p:cSld>
+    <p:bg bwMode="auto">
+      <p:bgPr>
+        <a:solidFill>
+          <a:srgbClr val="FFFBEF"/>
+        </a:solidFill>
+        <a:effectLst/>
+      </p:bgPr>
+    </p:bg>
+    <p:spTree>
+      <p:nvGrpSpPr>
+        <p:cNvPr id="1" name=""/>
+        <p:cNvGrpSpPr/>
+        <p:nvPr/>
+      </p:nvGrpSpPr>
+      <p:grpSpPr>
+        <a:xfrm>
+          <a:off x="0" y="0"/>
+          <a:ext cx="0" cy="0"/>
+          <a:chOff x="0" y="0"/>
+          <a:chExt cx="0" cy="0"/>
+        </a:xfrm>
+      </p:grpSpPr>
+      <p:grpSp>
+        <p:nvGrpSpPr>
+          <p:cNvPr id="24578" name="组合 2"/>
+          <p:cNvGrpSpPr>
+            <a:grpSpLocks/>
+          </p:cNvGrpSpPr>
+          <p:nvPr/>
+        </p:nvGrpSpPr>
+        <p:grpSpPr bwMode="auto">
+          <a:xfrm>
+            <a:off x="4751388" y="1468438"/>
+            <a:ext cx="2173287" cy="1147762"/>
+            <a:chOff x="0" y="0"/>
+            <a:chExt cx="2174421" cy="1146629"/>
+          </a:xfrm>
+        </p:grpSpPr>
+        <p:sp>
+          <p:nvSpPr>
+            <p:cNvPr id="24579" name="椭圆 30"/>
+            <p:cNvSpPr>
+              <a:spLocks noChangeArrowheads="1"/>
+            </p:cNvSpPr>
+            <p:nvPr/>
+          </p:nvSpPr>
+          <p:spPr bwMode="auto">
+            <a:xfrm>
+              <a:off x="1260430" y="0"/>
+              <a:ext cx="157331" cy="157331"/>
+            </a:xfrm>
+            <a:prstGeom prst="ellipse">
+              <a:avLst/>
+            </a:prstGeom>
+            <a:solidFill>
+              <a:srgbClr val="A1BD70"/>
+            </a:solidFill>
+            <a:ln>
+              <a:noFill/>
+            </a:ln>
+            <a:extLst>
+              <a:ext uri="{91240B29-F687-4F45-9708-019B960494DF}">
+                <a14:hiddenLine xmlns:a14="http://schemas.microsoft.com/office/drawing/2010/main" w="12700" cap="flat" cmpd="sng">
+                  <a:solidFill>
+                    <a:srgbClr val="42719B"/>
+                  </a:solidFill>
+                  <a:bevel/>
+                  <a:headEnd/>
+                  <a:tailEnd/>
+                </a14:hiddenLine>
+              </a:ext>
+            </a:extLst>
+          </p:spPr>
+          <p:txBody>
+            <a:bodyPr anchor="ctr"/>
+            <a:lstStyle/>
+            <a:p>
+              <a:pPr algn="ctr"/>
+              <a:endParaRPr lang="zh-CN" altLang="zh-CN">
+                <a:solidFill>
+                  <a:srgbClr val="FFFFFF"/>
+                </a:solidFill>
+                <a:latin typeface="宋体" pitchFamily="2" charset="-122"/>
+                <a:sym typeface="宋体" pitchFamily="2" charset="-122"/>
+              </a:endParaRPr>
+            </a:p>
+          </p:txBody>
+        </p:sp>
+        <p:sp>
+          <p:nvSpPr>
+            <p:cNvPr id="24580" name="任意多边形 31"/>
+            <p:cNvSpPr>
+              <a:spLocks noChangeArrowheads="1"/>
+            </p:cNvSpPr>
+            <p:nvPr/>
+          </p:nvSpPr>
+          <p:spPr bwMode="auto">
+            <a:xfrm>
+              <a:off x="0" y="0"/>
+              <a:ext cx="2174421" cy="1146629"/>
+            </a:xfrm>
+            <a:custGeom>
+              <a:avLst/>
+              <a:gdLst>
+                <a:gd name="T0" fmla="*/ 0 w 1415434"/>
+                <a:gd name="T1" fmla="*/ 839566 h 857250"/>
+                <a:gd name="T2" fmla="*/ 837584 w 1415434"/>
+                <a:gd name="T3" fmla="*/ 0 h 857250"/>
+                <a:gd name="T4" fmla="*/ 913784 w 1415434"/>
+                <a:gd name="T5" fmla="*/ 12700 h 857250"/>
+                <a:gd name="T6" fmla="*/ 1415434 w 1415434"/>
+                <a:gd name="T7" fmla="*/ 857250 h 857250"/>
+                <a:gd name="T8" fmla="*/ 0 60000 65536"/>
+                <a:gd name="T9" fmla="*/ 0 60000 65536"/>
+                <a:gd name="T10" fmla="*/ 0 60000 65536"/>
+                <a:gd name="T11" fmla="*/ 0 60000 65536"/>
+                <a:gd name="T12" fmla="*/ 0 w 1415434"/>
+                <a:gd name="T13" fmla="*/ 0 h 857250"/>
+                <a:gd name="T14" fmla="*/ 1415434 w 1415434"/>
+                <a:gd name="T15" fmla="*/ 857250 h 857250"/>
+              </a:gdLst>
+              <a:ahLst/>
+              <a:cxnLst>
+                <a:cxn ang="T8">
+                  <a:pos x="T0" y="T1"/>
+                </a:cxn>
+                <a:cxn ang="T9">
+                  <a:pos x="T2" y="T3"/>
+                </a:cxn>
+                <a:cxn ang="T10">
+                  <a:pos x="T4" y="T5"/>
+                </a:cxn>
+                <a:cxn ang="T11">
+                  <a:pos x="T6" y="T7"/>
+                </a:cxn>
+              </a:cxnLst>
+              <a:rect l="T12" t="T13" r="T14" b="T15"/>
+              <a:pathLst>
+                <a:path w="1415434" h="857250">
+                  <a:moveTo>
+                    <a:pt x="0" y="839566"/>
+                  </a:moveTo>
+                  <a:lnTo>
+                    <a:pt x="837584" y="0"/>
+                  </a:lnTo>
+                  <a:lnTo>
+                    <a:pt x="913784" y="12700"/>
+                  </a:lnTo>
+                  <a:lnTo>
+                    <a:pt x="1415434" y="857250"/>
+                  </a:lnTo>
+                </a:path>
+              </a:pathLst>
+            </a:custGeom>
+            <a:noFill/>
+            <a:ln w="12700" cap="flat" cmpd="sng">
+              <a:solidFill>
+                <a:srgbClr val="A1BD70"/>
+              </a:solidFill>
+              <a:bevel/>
+              <a:headEnd/>
+              <a:tailEnd/>
+            </a:ln>
+            <a:extLst>
+              <a:ext uri="{909E8E84-426E-40DD-AFC4-6F175D3DCCD1}">
+                <a14:hiddenFill xmlns:a14="http://schemas.microsoft.com/office/drawing/2010/main">
+                  <a:solidFill>
+                    <a:srgbClr val="FFFFFF"/>
+                  </a:solidFill>
+                </a14:hiddenFill>
+              </a:ext>
+            </a:extLst>
+          </p:spPr>
+          <p:txBody>
+            <a:bodyPr anchor="ctr"/>
+            <a:lstStyle/>
+            <a:p>
+              <a:pPr algn="ctr"/>
+              <a:endParaRPr lang="zh-CN" altLang="zh-CN">
+                <a:solidFill>
+                  <a:srgbClr val="FFFFFF"/>
+                </a:solidFill>
+                <a:latin typeface="宋体" pitchFamily="2" charset="-122"/>
+                <a:sym typeface="宋体" pitchFamily="2" charset="-122"/>
+              </a:endParaRPr>
+            </a:p>
+          </p:txBody>
+        </p:sp>
+      </p:grpSp>
+      <p:sp>
+        <p:nvSpPr>
+          <p:cNvPr id="24581" name="矩形 3"/>
+          <p:cNvSpPr>
+            <a:spLocks noChangeArrowheads="1"/>
+          </p:cNvSpPr>
+          <p:nvPr/>
+        </p:nvSpPr>
+        <p:spPr bwMode="auto">
+          <a:xfrm rot="199097">
+            <a:off x="3717925" y="2409825"/>
+            <a:ext cx="4340225" cy="1784350"/>
+          </a:xfrm>
+          <a:prstGeom prst="rect">
+            <a:avLst/>
+          </a:prstGeom>
+          <a:solidFill>
+            <a:srgbClr val="A1BD70"/>
+          </a:solidFill>
+          <a:ln>
+            <a:noFill/>
+          </a:ln>
+          <a:extLst>
+            <a:ext uri="{91240B29-F687-4F45-9708-019B960494DF}">
+              <a14:hiddenLine xmlns:a14="http://schemas.microsoft.com/office/drawing/2010/main" w="12700" cap="flat" cmpd="sng">
+                <a:solidFill>
+                  <a:srgbClr val="42719B"/>
+                </a:solidFill>
+                <a:bevel/>
+                <a:headEnd/>
+                <a:tailEnd/>
+              </a14:hiddenLine>
+            </a:ext>
+          </a:extLst>
+        </p:spPr>
+        <p:txBody>
+          <a:bodyPr anchor="ctr"/>
+          <a:lstStyle/>
+          <a:p>
+            <a:pPr algn="ctr"/>
+            <a:endParaRPr lang="zh-CN" altLang="zh-CN">
+              <a:solidFill>
+                <a:srgbClr val="FFFFFF"/>
+              </a:solidFill>
+              <a:latin typeface="宋体" pitchFamily="2" charset="-122"/>
+              <a:sym typeface="宋体" pitchFamily="2" charset="-122"/>
+            </a:endParaRPr>
+          </a:p>
+        </p:txBody>
+      </p:sp>
+      <p:sp>
+        <p:nvSpPr>
+          <p:cNvPr id="24582" name="文本框 32"/>
+          <p:cNvSpPr>
+            <a:spLocks noChangeArrowheads="1"/>
+          </p:cNvSpPr>
+          <p:nvPr/>
+        </p:nvSpPr>
+        <p:spPr bwMode="auto">
+          <a:xfrm rot="180406">
+            <a:off x="4829175" y="2965450"/>
+            <a:ext cx="2857500" cy="831850"/>
+          </a:xfrm>
+          <a:prstGeom prst="rect">
+            <a:avLst/>
+          </a:prstGeom>
+          <a:noFill/>
+          <a:ln>
+            <a:noFill/>
+          </a:ln>
+          <a:extLst>
+            <a:ext uri="{909E8E84-426E-40DD-AFC4-6F175D3DCCD1}">
+              <a14:hiddenFill xmlns:a14="http://schemas.microsoft.com/office/drawing/2010/main">
+                <a:solidFill>
+                  <a:srgbClr val="FFFFFF"/>
+                </a:solidFill>
+              </a14:hiddenFill>
+            </a:ext>
+            <a:ext uri="{91240B29-F687-4F45-9708-019B960494DF}">
+              <a14:hiddenLine xmlns:a14="http://schemas.microsoft.com/office/drawing/2010/main" w="9525">
+                <a:solidFill>
+                  <a:srgbClr val="000000"/>
+                </a:solidFill>
+                <a:miter lim="800000"/>
+                <a:headEnd/>
+                <a:tailEnd/>
+              </a14:hiddenLine>
+            </a:ext>
+          </a:extLst>
+        </p:spPr>
+        <p:txBody>
+          <a:bodyPr wrap="none">
+            <a:spAutoFit/>
+          </a:bodyPr>
+          <a:lstStyle/>
+          <a:p>
+            <a:r>
+              <a:rPr lang="en-US" sz="4800" b="1">
+                <a:solidFill>
+                  <a:schemeClr val="bg1"/>
+                </a:solidFill>
+                <a:latin typeface="微软雅黑" pitchFamily="34" charset="-122"/>
+                <a:ea typeface="微软雅黑" pitchFamily="34" charset="-122"/>
+                <a:sym typeface="微软雅黑" pitchFamily="34" charset="-122"/>
+              </a:rPr>
+              <a:t>THANKS</a:t>
+            </a:r>
+            <a:endParaRPr lang="zh-CN" altLang="en-US" sz="4800" b="1">
+              <a:solidFill>
+                <a:schemeClr val="bg1"/>
+              </a:solidFill>
+              <a:latin typeface="微软雅黑" pitchFamily="34" charset="-122"/>
+              <a:ea typeface="微软雅黑" pitchFamily="34" charset="-122"/>
+              <a:sym typeface="微软雅黑" pitchFamily="34" charset="-122"/>
+            </a:endParaRPr>
+          </a:p>
+        </p:txBody>
+      </p:sp>
+      <p:grpSp>
+        <p:nvGrpSpPr>
+          <p:cNvPr id="24583" name="组合 5"/>
+          <p:cNvGrpSpPr>
+            <a:grpSpLocks/>
+          </p:cNvGrpSpPr>
+          <p:nvPr/>
+        </p:nvGrpSpPr>
+        <p:grpSpPr bwMode="auto">
+          <a:xfrm>
+            <a:off x="3689350" y="2309813"/>
+            <a:ext cx="1001713" cy="1784350"/>
+            <a:chOff x="0" y="0"/>
+            <a:chExt cx="817387" cy="1456496"/>
+          </a:xfrm>
+        </p:grpSpPr>
+        <p:sp>
+          <p:nvSpPr>
+            <p:cNvPr id="24584" name="矩形 35"/>
+            <p:cNvSpPr>
+              <a:spLocks noChangeArrowheads="1"/>
+            </p:cNvSpPr>
+            <p:nvPr/>
+          </p:nvSpPr>
+          <p:spPr bwMode="auto">
+            <a:xfrm rot="199097">
+              <a:off x="0" y="726049"/>
+              <a:ext cx="774524" cy="730447"/>
+            </a:xfrm>
+            <a:prstGeom prst="rect">
+              <a:avLst/>
+            </a:prstGeom>
+            <a:solidFill>
+              <a:srgbClr val="FFDD6C"/>
+            </a:solidFill>
+            <a:ln>
+              <a:noFill/>
+            </a:ln>
+            <a:extLst>
+              <a:ext uri="{91240B29-F687-4F45-9708-019B960494DF}">
+                <a14:hiddenLine xmlns:a14="http://schemas.microsoft.com/office/drawing/2010/main" w="12700" cap="flat" cmpd="sng">
+                  <a:solidFill>
+                    <a:srgbClr val="42719B"/>
+                  </a:solidFill>
+                  <a:bevel/>
+                  <a:headEnd/>
+                  <a:tailEnd/>
+                </a14:hiddenLine>
+              </a:ext>
+            </a:extLst>
+          </p:spPr>
+          <p:txBody>
+            <a:bodyPr anchor="ctr"/>
+            <a:lstStyle/>
+            <a:p>
+              <a:pPr algn="ctr"/>
+              <a:endParaRPr lang="zh-CN" altLang="zh-CN">
+                <a:solidFill>
+                  <a:srgbClr val="FFFFFF"/>
+                </a:solidFill>
+                <a:latin typeface="宋体" pitchFamily="2" charset="-122"/>
+                <a:sym typeface="宋体" pitchFamily="2" charset="-122"/>
+              </a:endParaRPr>
+            </a:p>
+          </p:txBody>
+        </p:sp>
+        <p:sp>
+          <p:nvSpPr>
+            <p:cNvPr id="24585" name="矩形 38"/>
+            <p:cNvSpPr>
+              <a:spLocks noChangeArrowheads="1"/>
+            </p:cNvSpPr>
+            <p:nvPr/>
+          </p:nvSpPr>
+          <p:spPr bwMode="auto">
+            <a:xfrm rot="199097">
+              <a:off x="42863" y="0"/>
+              <a:ext cx="774524" cy="730447"/>
+            </a:xfrm>
+            <a:prstGeom prst="rect">
+              <a:avLst/>
+            </a:prstGeom>
+            <a:solidFill>
+              <a:srgbClr val="F0644D"/>
+            </a:solidFill>
+            <a:ln>
+              <a:noFill/>
+            </a:ln>
+            <a:extLst>
+              <a:ext uri="{91240B29-F687-4F45-9708-019B960494DF}">
+                <a14:hiddenLine xmlns:a14="http://schemas.microsoft.com/office/drawing/2010/main" w="12700" cap="flat" cmpd="sng">
+                  <a:solidFill>
+                    <a:srgbClr val="42719B"/>
+                  </a:solidFill>
+                  <a:bevel/>
+                  <a:headEnd/>
+                  <a:tailEnd/>
+                </a14:hiddenLine>
+              </a:ext>
+            </a:extLst>
+          </p:spPr>
+          <p:txBody>
+            <a:bodyPr anchor="ctr"/>
+            <a:lstStyle/>
+            <a:p>
+              <a:pPr algn="ctr"/>
+              <a:endParaRPr lang="zh-CN" altLang="zh-CN">
+                <a:solidFill>
+                  <a:srgbClr val="FFFFFF"/>
+                </a:solidFill>
+                <a:latin typeface="宋体" pitchFamily="2" charset="-122"/>
+                <a:sym typeface="宋体" pitchFamily="2" charset="-122"/>
+              </a:endParaRPr>
+            </a:p>
+          </p:txBody>
+        </p:sp>
+      </p:grpSp>
+    </p:spTree>
+  </p:cSld>
+  <p:clrMapOvr>
+    <a:masterClrMapping/>
+  </p:clrMapOvr>
+  <p:transition spd="slow"/>
+  <p:timing>
+    <p:tnLst>
+      <p:par>
+        <p:cTn id="1" dur="indefinite" restart="never" nodeType="tmRoot"/>
+      </p:par>
+    </p:tnLst>
+  </p:timing>
+</p:sld>
+</file>
+
 <file path=ppt/slides/slide2.xml><?xml version="1.0" encoding="utf-8"?>
 <p:sld xmlns:a="http://schemas.openxmlformats.org/drawingml/2006/main" xmlns:r="http://schemas.openxmlformats.org/officeDocument/2006/relationships" xmlns:p="http://schemas.openxmlformats.org/presentationml/2006/main">
   <p:cSld>
@@ -13138,173 +13582,6 @@
           </a:p>
         </p:txBody>
       </p:sp>
-      <p:grpSp>
-        <p:nvGrpSpPr>
-          <p:cNvPr id="4100" name="组合 56"/>
-          <p:cNvGrpSpPr>
-            <a:grpSpLocks/>
-          </p:cNvGrpSpPr>
-          <p:nvPr/>
-        </p:nvGrpSpPr>
-        <p:grpSpPr bwMode="auto">
-          <a:xfrm>
-            <a:off x="7369971" y="1917700"/>
-            <a:ext cx="1905109" cy="730614"/>
-            <a:chOff x="0" y="0"/>
-            <a:chExt cx="1905331" cy="731334"/>
-          </a:xfrm>
-        </p:grpSpPr>
-        <p:sp>
-          <p:nvSpPr>
-            <p:cNvPr id="4101" name="文本框 57"/>
-            <p:cNvSpPr>
-              <a:spLocks noChangeArrowheads="1"/>
-            </p:cNvSpPr>
-            <p:nvPr/>
-          </p:nvSpPr>
-          <p:spPr bwMode="auto">
-            <a:xfrm>
-              <a:off x="0" y="361638"/>
-              <a:ext cx="1220348" cy="369696"/>
-            </a:xfrm>
-            <a:prstGeom prst="rect">
-              <a:avLst/>
-            </a:prstGeom>
-            <a:noFill/>
-            <a:ln>
-              <a:noFill/>
-            </a:ln>
-            <a:extLst>
-              <a:ext uri="{909E8E84-426E-40DD-AFC4-6F175D3DCCD1}">
-                <a14:hiddenFill xmlns:a14="http://schemas.microsoft.com/office/drawing/2010/main">
-                  <a:solidFill>
-                    <a:srgbClr val="FFFFFF"/>
-                  </a:solidFill>
-                </a14:hiddenFill>
-              </a:ext>
-              <a:ext uri="{91240B29-F687-4F45-9708-019B960494DF}">
-                <a14:hiddenLine xmlns:a14="http://schemas.microsoft.com/office/drawing/2010/main" w="9525">
-                  <a:solidFill>
-                    <a:srgbClr val="000000"/>
-                  </a:solidFill>
-                  <a:miter lim="800000"/>
-                  <a:headEnd/>
-                  <a:tailEnd/>
-                </a14:hiddenLine>
-              </a:ext>
-            </a:extLst>
-          </p:spPr>
-          <p:txBody>
-            <a:bodyPr wrap="none">
-              <a:spAutoFit/>
-            </a:bodyPr>
-            <a:lstStyle/>
-            <a:p>
-              <a:r>
-                <a:rPr lang="en-US" altLang="zh-TW" dirty="0">
-                  <a:solidFill>
-                    <a:srgbClr val="000000"/>
-                  </a:solidFill>
-                  <a:latin typeface="微软雅黑" pitchFamily="34" charset="-122"/>
-                  <a:ea typeface="微软雅黑" pitchFamily="34" charset="-122"/>
-                  <a:sym typeface="微软雅黑" pitchFamily="34" charset="-122"/>
-                </a:rPr>
-                <a:t>About</a:t>
-              </a:r>
-              <a:r>
-                <a:rPr lang="zh-TW" altLang="en-US" dirty="0">
-                  <a:solidFill>
-                    <a:srgbClr val="000000"/>
-                  </a:solidFill>
-                  <a:latin typeface="微软雅黑" pitchFamily="34" charset="-122"/>
-                  <a:ea typeface="微软雅黑" pitchFamily="34" charset="-122"/>
-                  <a:sym typeface="微软雅黑" pitchFamily="34" charset="-122"/>
-                </a:rPr>
-                <a:t> </a:t>
-              </a:r>
-              <a:r>
-                <a:rPr lang="en-US" altLang="zh-TW" dirty="0">
-                  <a:solidFill>
-                    <a:srgbClr val="000000"/>
-                  </a:solidFill>
-                  <a:latin typeface="微软雅黑" pitchFamily="34" charset="-122"/>
-                  <a:ea typeface="微软雅黑" pitchFamily="34" charset="-122"/>
-                  <a:sym typeface="微软雅黑" pitchFamily="34" charset="-122"/>
-                </a:rPr>
-                <a:t>Us</a:t>
-              </a:r>
-              <a:endParaRPr lang="zh-CN" altLang="en-US" dirty="0">
-                <a:solidFill>
-                  <a:srgbClr val="000000"/>
-                </a:solidFill>
-                <a:latin typeface="微软雅黑" pitchFamily="34" charset="-122"/>
-                <a:ea typeface="微软雅黑" pitchFamily="34" charset="-122"/>
-                <a:sym typeface="微软雅黑" pitchFamily="34" charset="-122"/>
-              </a:endParaRPr>
-            </a:p>
-          </p:txBody>
-        </p:sp>
-        <p:sp>
-          <p:nvSpPr>
-            <p:cNvPr id="4102" name="文本框 58"/>
-            <p:cNvSpPr>
-              <a:spLocks noChangeArrowheads="1"/>
-            </p:cNvSpPr>
-            <p:nvPr/>
-          </p:nvSpPr>
-          <p:spPr bwMode="auto">
-            <a:xfrm>
-              <a:off x="0" y="0"/>
-              <a:ext cx="1905331" cy="462120"/>
-            </a:xfrm>
-            <a:prstGeom prst="rect">
-              <a:avLst/>
-            </a:prstGeom>
-            <a:noFill/>
-            <a:ln>
-              <a:noFill/>
-            </a:ln>
-            <a:extLst>
-              <a:ext uri="{909E8E84-426E-40DD-AFC4-6F175D3DCCD1}">
-                <a14:hiddenFill xmlns:a14="http://schemas.microsoft.com/office/drawing/2010/main">
-                  <a:solidFill>
-                    <a:srgbClr val="FFFFFF"/>
-                  </a:solidFill>
-                </a14:hiddenFill>
-              </a:ext>
-              <a:ext uri="{91240B29-F687-4F45-9708-019B960494DF}">
-                <a14:hiddenLine xmlns:a14="http://schemas.microsoft.com/office/drawing/2010/main" w="9525">
-                  <a:solidFill>
-                    <a:srgbClr val="000000"/>
-                  </a:solidFill>
-                  <a:miter lim="800000"/>
-                  <a:headEnd/>
-                  <a:tailEnd/>
-                </a14:hiddenLine>
-              </a:ext>
-            </a:extLst>
-          </p:spPr>
-          <p:txBody>
-            <a:bodyPr wrap="square">
-              <a:spAutoFit/>
-            </a:bodyPr>
-            <a:lstStyle/>
-            <a:p>
-              <a:r>
-                <a:rPr lang="zh-CN" altLang="en-US" sz="2400" dirty="0">
-                  <a:solidFill>
-                    <a:srgbClr val="000000"/>
-                  </a:solidFill>
-                  <a:latin typeface="微软雅黑" pitchFamily="34" charset="-122"/>
-                  <a:ea typeface="微软雅黑" pitchFamily="34" charset="-122"/>
-                  <a:sym typeface="微软雅黑" pitchFamily="34" charset="-122"/>
-                </a:rPr>
-                <a:t>關於我們</a:t>
-              </a:r>
-            </a:p>
-          </p:txBody>
-        </p:sp>
-      </p:grpSp>
       <p:sp>
         <p:nvSpPr>
           <p:cNvPr id="4103" name="文本框 82"/>
@@ -13362,546 +13639,6 @@
           </a:p>
         </p:txBody>
       </p:sp>
-      <p:grpSp>
-        <p:nvGrpSpPr>
-          <p:cNvPr id="4104" name="组合 6"/>
-          <p:cNvGrpSpPr>
-            <a:grpSpLocks/>
-          </p:cNvGrpSpPr>
-          <p:nvPr/>
-        </p:nvGrpSpPr>
-        <p:grpSpPr bwMode="auto">
-          <a:xfrm>
-            <a:off x="6604796" y="1878013"/>
-            <a:ext cx="665162" cy="719137"/>
-            <a:chOff x="0" y="0"/>
-            <a:chExt cx="665978" cy="720170"/>
-          </a:xfrm>
-        </p:grpSpPr>
-        <p:sp>
-          <p:nvSpPr>
-            <p:cNvPr id="4105" name="椭圆 62"/>
-            <p:cNvSpPr>
-              <a:spLocks noChangeArrowheads="1"/>
-            </p:cNvSpPr>
-            <p:nvPr/>
-          </p:nvSpPr>
-          <p:spPr bwMode="auto">
-            <a:xfrm>
-              <a:off x="0" y="0"/>
-              <a:ext cx="665978" cy="665978"/>
-            </a:xfrm>
-            <a:prstGeom prst="ellipse">
-              <a:avLst/>
-            </a:prstGeom>
-            <a:solidFill>
-              <a:srgbClr val="A1BD70"/>
-            </a:solidFill>
-            <a:ln>
-              <a:noFill/>
-            </a:ln>
-            <a:extLst>
-              <a:ext uri="{91240B29-F687-4F45-9708-019B960494DF}">
-                <a14:hiddenLine xmlns:a14="http://schemas.microsoft.com/office/drawing/2010/main" w="12700" cap="flat" cmpd="sng">
-                  <a:solidFill>
-                    <a:srgbClr val="42719B"/>
-                  </a:solidFill>
-                  <a:bevel/>
-                  <a:headEnd/>
-                  <a:tailEnd/>
-                </a14:hiddenLine>
-              </a:ext>
-            </a:extLst>
-          </p:spPr>
-          <p:txBody>
-            <a:bodyPr anchor="ctr"/>
-            <a:lstStyle/>
-            <a:p>
-              <a:pPr algn="ctr"/>
-              <a:endParaRPr lang="zh-CN" altLang="zh-CN">
-                <a:solidFill>
-                  <a:srgbClr val="FFFFFF"/>
-                </a:solidFill>
-                <a:latin typeface="宋体" pitchFamily="2" charset="-122"/>
-                <a:sym typeface="宋体" pitchFamily="2" charset="-122"/>
-              </a:endParaRPr>
-            </a:p>
-          </p:txBody>
-        </p:sp>
-        <p:sp>
-          <p:nvSpPr>
-            <p:cNvPr id="4106" name="文本框 89"/>
-            <p:cNvSpPr>
-              <a:spLocks noChangeArrowheads="1"/>
-            </p:cNvSpPr>
-            <p:nvPr/>
-          </p:nvSpPr>
-          <p:spPr bwMode="auto">
-            <a:xfrm>
-              <a:off x="99179" y="12284"/>
-              <a:ext cx="500458" cy="707886"/>
-            </a:xfrm>
-            <a:prstGeom prst="rect">
-              <a:avLst/>
-            </a:prstGeom>
-            <a:noFill/>
-            <a:ln>
-              <a:noFill/>
-            </a:ln>
-            <a:extLst>
-              <a:ext uri="{909E8E84-426E-40DD-AFC4-6F175D3DCCD1}">
-                <a14:hiddenFill xmlns:a14="http://schemas.microsoft.com/office/drawing/2010/main">
-                  <a:solidFill>
-                    <a:srgbClr val="FFFFFF"/>
-                  </a:solidFill>
-                </a14:hiddenFill>
-              </a:ext>
-              <a:ext uri="{91240B29-F687-4F45-9708-019B960494DF}">
-                <a14:hiddenLine xmlns:a14="http://schemas.microsoft.com/office/drawing/2010/main" w="9525">
-                  <a:solidFill>
-                    <a:srgbClr val="000000"/>
-                  </a:solidFill>
-                  <a:miter lim="800000"/>
-                  <a:headEnd/>
-                  <a:tailEnd/>
-                </a14:hiddenLine>
-              </a:ext>
-            </a:extLst>
-          </p:spPr>
-          <p:txBody>
-            <a:bodyPr wrap="none">
-              <a:spAutoFit/>
-            </a:bodyPr>
-            <a:lstStyle/>
-            <a:p>
-              <a:r>
-                <a:rPr lang="en-US" sz="4000" b="1">
-                  <a:solidFill>
-                    <a:srgbClr val="FFFBEF"/>
-                  </a:solidFill>
-                  <a:latin typeface="微软雅黑" pitchFamily="34" charset="-122"/>
-                  <a:ea typeface="微软雅黑" pitchFamily="34" charset="-122"/>
-                  <a:sym typeface="微软雅黑" pitchFamily="34" charset="-122"/>
-                </a:rPr>
-                <a:t>1</a:t>
-              </a:r>
-              <a:endParaRPr lang="zh-CN" altLang="en-US" sz="1600" b="1">
-                <a:solidFill>
-                  <a:srgbClr val="FFFBEF"/>
-                </a:solidFill>
-                <a:latin typeface="微软雅黑" pitchFamily="34" charset="-122"/>
-                <a:ea typeface="微软雅黑" pitchFamily="34" charset="-122"/>
-                <a:sym typeface="微软雅黑" pitchFamily="34" charset="-122"/>
-              </a:endParaRPr>
-            </a:p>
-          </p:txBody>
-        </p:sp>
-      </p:grpSp>
-      <p:grpSp>
-        <p:nvGrpSpPr>
-          <p:cNvPr id="4107" name="组合 7"/>
-          <p:cNvGrpSpPr>
-            <a:grpSpLocks/>
-          </p:cNvGrpSpPr>
-          <p:nvPr/>
-        </p:nvGrpSpPr>
-        <p:grpSpPr bwMode="auto">
-          <a:xfrm>
-            <a:off x="6604796" y="2784475"/>
-            <a:ext cx="665162" cy="715963"/>
-            <a:chOff x="0" y="0"/>
-            <a:chExt cx="665978" cy="716197"/>
-          </a:xfrm>
-        </p:grpSpPr>
-        <p:sp>
-          <p:nvSpPr>
-            <p:cNvPr id="4108" name="椭圆 65"/>
-            <p:cNvSpPr>
-              <a:spLocks noChangeArrowheads="1"/>
-            </p:cNvSpPr>
-            <p:nvPr/>
-          </p:nvSpPr>
-          <p:spPr bwMode="auto">
-            <a:xfrm>
-              <a:off x="0" y="50219"/>
-              <a:ext cx="665978" cy="665978"/>
-            </a:xfrm>
-            <a:prstGeom prst="ellipse">
-              <a:avLst/>
-            </a:prstGeom>
-            <a:solidFill>
-              <a:srgbClr val="A1BD70"/>
-            </a:solidFill>
-            <a:ln>
-              <a:noFill/>
-            </a:ln>
-            <a:extLst>
-              <a:ext uri="{91240B29-F687-4F45-9708-019B960494DF}">
-                <a14:hiddenLine xmlns:a14="http://schemas.microsoft.com/office/drawing/2010/main" w="12700" cap="flat" cmpd="sng">
-                  <a:solidFill>
-                    <a:srgbClr val="42719B"/>
-                  </a:solidFill>
-                  <a:bevel/>
-                  <a:headEnd/>
-                  <a:tailEnd/>
-                </a14:hiddenLine>
-              </a:ext>
-            </a:extLst>
-          </p:spPr>
-          <p:txBody>
-            <a:bodyPr anchor="ctr"/>
-            <a:lstStyle/>
-            <a:p>
-              <a:pPr algn="ctr"/>
-              <a:endParaRPr lang="zh-CN" altLang="zh-CN">
-                <a:solidFill>
-                  <a:srgbClr val="FFFFFF"/>
-                </a:solidFill>
-                <a:latin typeface="宋体" pitchFamily="2" charset="-122"/>
-                <a:sym typeface="宋体" pitchFamily="2" charset="-122"/>
-              </a:endParaRPr>
-            </a:p>
-          </p:txBody>
-        </p:sp>
-        <p:sp>
-          <p:nvSpPr>
-            <p:cNvPr id="4109" name="文本框 90"/>
-            <p:cNvSpPr>
-              <a:spLocks noChangeArrowheads="1"/>
-            </p:cNvSpPr>
-            <p:nvPr/>
-          </p:nvSpPr>
-          <p:spPr bwMode="auto">
-            <a:xfrm>
-              <a:off x="99179" y="0"/>
-              <a:ext cx="500458" cy="707886"/>
-            </a:xfrm>
-            <a:prstGeom prst="rect">
-              <a:avLst/>
-            </a:prstGeom>
-            <a:noFill/>
-            <a:ln>
-              <a:noFill/>
-            </a:ln>
-            <a:extLst>
-              <a:ext uri="{909E8E84-426E-40DD-AFC4-6F175D3DCCD1}">
-                <a14:hiddenFill xmlns:a14="http://schemas.microsoft.com/office/drawing/2010/main">
-                  <a:solidFill>
-                    <a:srgbClr val="FFFFFF"/>
-                  </a:solidFill>
-                </a14:hiddenFill>
-              </a:ext>
-              <a:ext uri="{91240B29-F687-4F45-9708-019B960494DF}">
-                <a14:hiddenLine xmlns:a14="http://schemas.microsoft.com/office/drawing/2010/main" w="9525">
-                  <a:solidFill>
-                    <a:srgbClr val="000000"/>
-                  </a:solidFill>
-                  <a:miter lim="800000"/>
-                  <a:headEnd/>
-                  <a:tailEnd/>
-                </a14:hiddenLine>
-              </a:ext>
-            </a:extLst>
-          </p:spPr>
-          <p:txBody>
-            <a:bodyPr wrap="none">
-              <a:spAutoFit/>
-            </a:bodyPr>
-            <a:lstStyle/>
-            <a:p>
-              <a:r>
-                <a:rPr lang="en-US" sz="4000" b="1">
-                  <a:solidFill>
-                    <a:srgbClr val="FFFBEF"/>
-                  </a:solidFill>
-                  <a:latin typeface="微软雅黑" pitchFamily="34" charset="-122"/>
-                  <a:ea typeface="微软雅黑" pitchFamily="34" charset="-122"/>
-                  <a:sym typeface="微软雅黑" pitchFamily="34" charset="-122"/>
-                </a:rPr>
-                <a:t>2</a:t>
-              </a:r>
-              <a:endParaRPr lang="zh-CN" altLang="en-US" sz="1600" b="1">
-                <a:solidFill>
-                  <a:srgbClr val="FFFBEF"/>
-                </a:solidFill>
-                <a:latin typeface="微软雅黑" pitchFamily="34" charset="-122"/>
-                <a:ea typeface="微软雅黑" pitchFamily="34" charset="-122"/>
-                <a:sym typeface="微软雅黑" pitchFamily="34" charset="-122"/>
-              </a:endParaRPr>
-            </a:p>
-          </p:txBody>
-        </p:sp>
-      </p:grpSp>
-      <p:grpSp>
-        <p:nvGrpSpPr>
-          <p:cNvPr id="4110" name="组合 8"/>
-          <p:cNvGrpSpPr>
-            <a:grpSpLocks/>
-          </p:cNvGrpSpPr>
-          <p:nvPr/>
-        </p:nvGrpSpPr>
-        <p:grpSpPr bwMode="auto">
-          <a:xfrm>
-            <a:off x="6604796" y="3736975"/>
-            <a:ext cx="665162" cy="715963"/>
-            <a:chOff x="0" y="0"/>
-            <a:chExt cx="665978" cy="716479"/>
-          </a:xfrm>
-        </p:grpSpPr>
-        <p:sp>
-          <p:nvSpPr>
-            <p:cNvPr id="4111" name="椭圆 61"/>
-            <p:cNvSpPr>
-              <a:spLocks noChangeArrowheads="1"/>
-            </p:cNvSpPr>
-            <p:nvPr/>
-          </p:nvSpPr>
-          <p:spPr bwMode="auto">
-            <a:xfrm>
-              <a:off x="0" y="0"/>
-              <a:ext cx="665978" cy="665978"/>
-            </a:xfrm>
-            <a:prstGeom prst="ellipse">
-              <a:avLst/>
-            </a:prstGeom>
-            <a:solidFill>
-              <a:srgbClr val="FFDE6F"/>
-            </a:solidFill>
-            <a:ln>
-              <a:noFill/>
-            </a:ln>
-            <a:extLst>
-              <a:ext uri="{91240B29-F687-4F45-9708-019B960494DF}">
-                <a14:hiddenLine xmlns:a14="http://schemas.microsoft.com/office/drawing/2010/main" w="12700" cap="flat" cmpd="sng">
-                  <a:solidFill>
-                    <a:srgbClr val="42719B"/>
-                  </a:solidFill>
-                  <a:bevel/>
-                  <a:headEnd/>
-                  <a:tailEnd/>
-                </a14:hiddenLine>
-              </a:ext>
-            </a:extLst>
-          </p:spPr>
-          <p:txBody>
-            <a:bodyPr anchor="ctr"/>
-            <a:lstStyle/>
-            <a:p>
-              <a:pPr algn="ctr"/>
-              <a:endParaRPr lang="zh-CN" altLang="zh-CN">
-                <a:solidFill>
-                  <a:srgbClr val="FFFFFF"/>
-                </a:solidFill>
-                <a:latin typeface="宋体" pitchFamily="2" charset="-122"/>
-                <a:sym typeface="宋体" pitchFamily="2" charset="-122"/>
-              </a:endParaRPr>
-            </a:p>
-          </p:txBody>
-        </p:sp>
-        <p:sp>
-          <p:nvSpPr>
-            <p:cNvPr id="4112" name="文本框 91"/>
-            <p:cNvSpPr>
-              <a:spLocks noChangeArrowheads="1"/>
-            </p:cNvSpPr>
-            <p:nvPr/>
-          </p:nvSpPr>
-          <p:spPr bwMode="auto">
-            <a:xfrm>
-              <a:off x="82760" y="8593"/>
-              <a:ext cx="500458" cy="707886"/>
-            </a:xfrm>
-            <a:prstGeom prst="rect">
-              <a:avLst/>
-            </a:prstGeom>
-            <a:noFill/>
-            <a:ln>
-              <a:noFill/>
-            </a:ln>
-            <a:extLst>
-              <a:ext uri="{909E8E84-426E-40DD-AFC4-6F175D3DCCD1}">
-                <a14:hiddenFill xmlns:a14="http://schemas.microsoft.com/office/drawing/2010/main">
-                  <a:solidFill>
-                    <a:srgbClr val="FFFFFF"/>
-                  </a:solidFill>
-                </a14:hiddenFill>
-              </a:ext>
-              <a:ext uri="{91240B29-F687-4F45-9708-019B960494DF}">
-                <a14:hiddenLine xmlns:a14="http://schemas.microsoft.com/office/drawing/2010/main" w="9525">
-                  <a:solidFill>
-                    <a:srgbClr val="000000"/>
-                  </a:solidFill>
-                  <a:miter lim="800000"/>
-                  <a:headEnd/>
-                  <a:tailEnd/>
-                </a14:hiddenLine>
-              </a:ext>
-            </a:extLst>
-          </p:spPr>
-          <p:txBody>
-            <a:bodyPr wrap="none">
-              <a:spAutoFit/>
-            </a:bodyPr>
-            <a:lstStyle/>
-            <a:p>
-              <a:r>
-                <a:rPr lang="en-US" sz="4000" b="1">
-                  <a:solidFill>
-                    <a:srgbClr val="FFFBEF"/>
-                  </a:solidFill>
-                  <a:latin typeface="微软雅黑" pitchFamily="34" charset="-122"/>
-                  <a:ea typeface="微软雅黑" pitchFamily="34" charset="-122"/>
-                  <a:sym typeface="微软雅黑" pitchFamily="34" charset="-122"/>
-                </a:rPr>
-                <a:t>3</a:t>
-              </a:r>
-              <a:endParaRPr lang="zh-CN" altLang="en-US" sz="1600" b="1">
-                <a:solidFill>
-                  <a:srgbClr val="FFFBEF"/>
-                </a:solidFill>
-                <a:latin typeface="微软雅黑" pitchFamily="34" charset="-122"/>
-                <a:ea typeface="微软雅黑" pitchFamily="34" charset="-122"/>
-                <a:sym typeface="微软雅黑" pitchFamily="34" charset="-122"/>
-              </a:endParaRPr>
-            </a:p>
-          </p:txBody>
-        </p:sp>
-      </p:grpSp>
-      <p:grpSp>
-        <p:nvGrpSpPr>
-          <p:cNvPr id="4113" name="组合 9"/>
-          <p:cNvGrpSpPr>
-            <a:grpSpLocks/>
-          </p:cNvGrpSpPr>
-          <p:nvPr/>
-        </p:nvGrpSpPr>
-        <p:grpSpPr bwMode="auto">
-          <a:xfrm>
-            <a:off x="6604796" y="4687888"/>
-            <a:ext cx="665162" cy="708025"/>
-            <a:chOff x="0" y="0"/>
-            <a:chExt cx="665978" cy="707886"/>
-          </a:xfrm>
-        </p:grpSpPr>
-        <p:sp>
-          <p:nvSpPr>
-            <p:cNvPr id="4114" name="椭圆 64"/>
-            <p:cNvSpPr>
-              <a:spLocks noChangeArrowheads="1"/>
-            </p:cNvSpPr>
-            <p:nvPr/>
-          </p:nvSpPr>
-          <p:spPr bwMode="auto">
-            <a:xfrm>
-              <a:off x="0" y="0"/>
-              <a:ext cx="665978" cy="665978"/>
-            </a:xfrm>
-            <a:prstGeom prst="ellipse">
-              <a:avLst/>
-            </a:prstGeom>
-            <a:solidFill>
-              <a:srgbClr val="F58D76"/>
-            </a:solidFill>
-            <a:ln>
-              <a:noFill/>
-            </a:ln>
-            <a:extLst>
-              <a:ext uri="{91240B29-F687-4F45-9708-019B960494DF}">
-                <a14:hiddenLine xmlns:a14="http://schemas.microsoft.com/office/drawing/2010/main" w="12700" cap="flat" cmpd="sng">
-                  <a:solidFill>
-                    <a:srgbClr val="42719B"/>
-                  </a:solidFill>
-                  <a:bevel/>
-                  <a:headEnd/>
-                  <a:tailEnd/>
-                </a14:hiddenLine>
-              </a:ext>
-            </a:extLst>
-          </p:spPr>
-          <p:txBody>
-            <a:bodyPr anchor="ctr"/>
-            <a:lstStyle/>
-            <a:p>
-              <a:pPr algn="ctr"/>
-              <a:endParaRPr lang="zh-CN" altLang="zh-CN">
-                <a:solidFill>
-                  <a:srgbClr val="FFFFFF"/>
-                </a:solidFill>
-                <a:latin typeface="宋体" pitchFamily="2" charset="-122"/>
-                <a:sym typeface="宋体" pitchFamily="2" charset="-122"/>
-              </a:endParaRPr>
-            </a:p>
-          </p:txBody>
-        </p:sp>
-        <p:sp>
-          <p:nvSpPr>
-            <p:cNvPr id="4115" name="文本框 92"/>
-            <p:cNvSpPr>
-              <a:spLocks noChangeArrowheads="1"/>
-            </p:cNvSpPr>
-            <p:nvPr/>
-          </p:nvSpPr>
-          <p:spPr bwMode="auto">
-            <a:xfrm>
-              <a:off x="82760" y="0"/>
-              <a:ext cx="500458" cy="707886"/>
-            </a:xfrm>
-            <a:prstGeom prst="rect">
-              <a:avLst/>
-            </a:prstGeom>
-            <a:noFill/>
-            <a:ln>
-              <a:noFill/>
-            </a:ln>
-            <a:extLst>
-              <a:ext uri="{909E8E84-426E-40DD-AFC4-6F175D3DCCD1}">
-                <a14:hiddenFill xmlns:a14="http://schemas.microsoft.com/office/drawing/2010/main">
-                  <a:solidFill>
-                    <a:srgbClr val="FFFFFF"/>
-                  </a:solidFill>
-                </a14:hiddenFill>
-              </a:ext>
-              <a:ext uri="{91240B29-F687-4F45-9708-019B960494DF}">
-                <a14:hiddenLine xmlns:a14="http://schemas.microsoft.com/office/drawing/2010/main" w="9525">
-                  <a:solidFill>
-                    <a:srgbClr val="000000"/>
-                  </a:solidFill>
-                  <a:miter lim="800000"/>
-                  <a:headEnd/>
-                  <a:tailEnd/>
-                </a14:hiddenLine>
-              </a:ext>
-            </a:extLst>
-          </p:spPr>
-          <p:txBody>
-            <a:bodyPr wrap="none">
-              <a:spAutoFit/>
-            </a:bodyPr>
-            <a:lstStyle/>
-            <a:p>
-              <a:r>
-                <a:rPr lang="en-US" sz="4000" b="1">
-                  <a:solidFill>
-                    <a:srgbClr val="FFFBEF"/>
-                  </a:solidFill>
-                  <a:latin typeface="微软雅黑" pitchFamily="34" charset="-122"/>
-                  <a:ea typeface="微软雅黑" pitchFamily="34" charset="-122"/>
-                  <a:sym typeface="微软雅黑" pitchFamily="34" charset="-122"/>
-                </a:rPr>
-                <a:t>4</a:t>
-              </a:r>
-              <a:endParaRPr lang="zh-CN" altLang="en-US" sz="1600" b="1">
-                <a:solidFill>
-                  <a:srgbClr val="FFFBEF"/>
-                </a:solidFill>
-                <a:latin typeface="微软雅黑" pitchFamily="34" charset="-122"/>
-                <a:ea typeface="微软雅黑" pitchFamily="34" charset="-122"/>
-                <a:sym typeface="微软雅黑" pitchFamily="34" charset="-122"/>
-              </a:endParaRPr>
-            </a:p>
-          </p:txBody>
-        </p:sp>
-      </p:grpSp>
       <p:grpSp>
         <p:nvGrpSpPr>
           <p:cNvPr id="4116" name="组合 11"/>
@@ -14105,504 +13842,6 @@
           </p:txBody>
         </p:sp>
       </p:grpSp>
-      <p:grpSp>
-        <p:nvGrpSpPr>
-          <p:cNvPr id="4123" name="组合 107"/>
-          <p:cNvGrpSpPr>
-            <a:grpSpLocks/>
-          </p:cNvGrpSpPr>
-          <p:nvPr/>
-        </p:nvGrpSpPr>
-        <p:grpSpPr bwMode="auto">
-          <a:xfrm>
-            <a:off x="7369971" y="2828925"/>
-            <a:ext cx="1415772" cy="731399"/>
-            <a:chOff x="0" y="0"/>
-            <a:chExt cx="1415936" cy="730532"/>
-          </a:xfrm>
-        </p:grpSpPr>
-        <p:sp>
-          <p:nvSpPr>
-            <p:cNvPr id="4124" name="文本框 108"/>
-            <p:cNvSpPr>
-              <a:spLocks noChangeArrowheads="1"/>
-            </p:cNvSpPr>
-            <p:nvPr/>
-          </p:nvSpPr>
-          <p:spPr bwMode="auto">
-            <a:xfrm>
-              <a:off x="0" y="361638"/>
-              <a:ext cx="1389003" cy="368894"/>
-            </a:xfrm>
-            <a:prstGeom prst="rect">
-              <a:avLst/>
-            </a:prstGeom>
-            <a:noFill/>
-            <a:ln>
-              <a:noFill/>
-            </a:ln>
-            <a:extLst>
-              <a:ext uri="{909E8E84-426E-40DD-AFC4-6F175D3DCCD1}">
-                <a14:hiddenFill xmlns:a14="http://schemas.microsoft.com/office/drawing/2010/main">
-                  <a:solidFill>
-                    <a:srgbClr val="FFFFFF"/>
-                  </a:solidFill>
-                </a14:hiddenFill>
-              </a:ext>
-              <a:ext uri="{91240B29-F687-4F45-9708-019B960494DF}">
-                <a14:hiddenLine xmlns:a14="http://schemas.microsoft.com/office/drawing/2010/main" w="9525">
-                  <a:solidFill>
-                    <a:srgbClr val="000000"/>
-                  </a:solidFill>
-                  <a:miter lim="800000"/>
-                  <a:headEnd/>
-                  <a:tailEnd/>
-                </a14:hiddenLine>
-              </a:ext>
-            </a:extLst>
-          </p:spPr>
-          <p:txBody>
-            <a:bodyPr wrap="none">
-              <a:spAutoFit/>
-            </a:bodyPr>
-            <a:lstStyle/>
-            <a:p>
-              <a:r>
-                <a:rPr lang="en-US" altLang="zh-TW" dirty="0">
-                  <a:solidFill>
-                    <a:srgbClr val="000000"/>
-                  </a:solidFill>
-                  <a:latin typeface="微软雅黑" pitchFamily="34" charset="-122"/>
-                  <a:ea typeface="微软雅黑" pitchFamily="34" charset="-122"/>
-                  <a:sym typeface="微软雅黑" pitchFamily="34" charset="-122"/>
-                </a:rPr>
-                <a:t>Motivation</a:t>
-              </a:r>
-              <a:endParaRPr lang="zh-CN" altLang="en-US" dirty="0">
-                <a:solidFill>
-                  <a:srgbClr val="000000"/>
-                </a:solidFill>
-                <a:latin typeface="微软雅黑" pitchFamily="34" charset="-122"/>
-                <a:ea typeface="微软雅黑" pitchFamily="34" charset="-122"/>
-                <a:sym typeface="微软雅黑" pitchFamily="34" charset="-122"/>
-              </a:endParaRPr>
-            </a:p>
-          </p:txBody>
-        </p:sp>
-        <p:sp>
-          <p:nvSpPr>
-            <p:cNvPr id="4125" name="文本框 109"/>
-            <p:cNvSpPr>
-              <a:spLocks noChangeArrowheads="1"/>
-            </p:cNvSpPr>
-            <p:nvPr/>
-          </p:nvSpPr>
-          <p:spPr bwMode="auto">
-            <a:xfrm>
-              <a:off x="0" y="0"/>
-              <a:ext cx="1415936" cy="461118"/>
-            </a:xfrm>
-            <a:prstGeom prst="rect">
-              <a:avLst/>
-            </a:prstGeom>
-            <a:noFill/>
-            <a:ln>
-              <a:noFill/>
-            </a:ln>
-            <a:extLst>
-              <a:ext uri="{909E8E84-426E-40DD-AFC4-6F175D3DCCD1}">
-                <a14:hiddenFill xmlns:a14="http://schemas.microsoft.com/office/drawing/2010/main">
-                  <a:solidFill>
-                    <a:srgbClr val="FFFFFF"/>
-                  </a:solidFill>
-                </a14:hiddenFill>
-              </a:ext>
-              <a:ext uri="{91240B29-F687-4F45-9708-019B960494DF}">
-                <a14:hiddenLine xmlns:a14="http://schemas.microsoft.com/office/drawing/2010/main" w="9525">
-                  <a:solidFill>
-                    <a:srgbClr val="000000"/>
-                  </a:solidFill>
-                  <a:miter lim="800000"/>
-                  <a:headEnd/>
-                  <a:tailEnd/>
-                </a14:hiddenLine>
-              </a:ext>
-            </a:extLst>
-          </p:spPr>
-          <p:txBody>
-            <a:bodyPr wrap="none">
-              <a:spAutoFit/>
-            </a:bodyPr>
-            <a:lstStyle/>
-            <a:p>
-              <a:r>
-                <a:rPr lang="zh-CN" altLang="en-US" sz="2400" dirty="0">
-                  <a:solidFill>
-                    <a:srgbClr val="000000"/>
-                  </a:solidFill>
-                  <a:latin typeface="微软雅黑" pitchFamily="34" charset="-122"/>
-                  <a:ea typeface="微软雅黑" pitchFamily="34" charset="-122"/>
-                  <a:sym typeface="微软雅黑" pitchFamily="34" charset="-122"/>
-                </a:rPr>
-                <a:t>開發動機</a:t>
-              </a:r>
-            </a:p>
-          </p:txBody>
-        </p:sp>
-      </p:grpSp>
-      <p:grpSp>
-        <p:nvGrpSpPr>
-          <p:cNvPr id="4126" name="组合 110"/>
-          <p:cNvGrpSpPr>
-            <a:grpSpLocks/>
-          </p:cNvGrpSpPr>
-          <p:nvPr/>
-        </p:nvGrpSpPr>
-        <p:grpSpPr bwMode="auto">
-          <a:xfrm>
-            <a:off x="7367794" y="3778816"/>
-            <a:ext cx="2781531" cy="731399"/>
-            <a:chOff x="0" y="0"/>
-            <a:chExt cx="2781853" cy="730532"/>
-          </a:xfrm>
-        </p:grpSpPr>
-        <p:sp>
-          <p:nvSpPr>
-            <p:cNvPr id="4127" name="文本框 111"/>
-            <p:cNvSpPr>
-              <a:spLocks noChangeArrowheads="1"/>
-            </p:cNvSpPr>
-            <p:nvPr/>
-          </p:nvSpPr>
-          <p:spPr bwMode="auto">
-            <a:xfrm>
-              <a:off x="0" y="361638"/>
-              <a:ext cx="2781853" cy="368894"/>
-            </a:xfrm>
-            <a:prstGeom prst="rect">
-              <a:avLst/>
-            </a:prstGeom>
-            <a:noFill/>
-            <a:ln>
-              <a:noFill/>
-            </a:ln>
-            <a:extLst>
-              <a:ext uri="{909E8E84-426E-40DD-AFC4-6F175D3DCCD1}">
-                <a14:hiddenFill xmlns:a14="http://schemas.microsoft.com/office/drawing/2010/main">
-                  <a:solidFill>
-                    <a:srgbClr val="FFFFFF"/>
-                  </a:solidFill>
-                </a14:hiddenFill>
-              </a:ext>
-              <a:ext uri="{91240B29-F687-4F45-9708-019B960494DF}">
-                <a14:hiddenLine xmlns:a14="http://schemas.microsoft.com/office/drawing/2010/main" w="9525">
-                  <a:solidFill>
-                    <a:srgbClr val="000000"/>
-                  </a:solidFill>
-                  <a:miter lim="800000"/>
-                  <a:headEnd/>
-                  <a:tailEnd/>
-                </a14:hiddenLine>
-              </a:ext>
-            </a:extLst>
-          </p:spPr>
-          <p:txBody>
-            <a:bodyPr wrap="none">
-              <a:spAutoFit/>
-            </a:bodyPr>
-            <a:lstStyle/>
-            <a:p>
-              <a:r>
-                <a:rPr lang="en-US" altLang="zh-TW" dirty="0">
-                  <a:solidFill>
-                    <a:srgbClr val="000000"/>
-                  </a:solidFill>
-                  <a:latin typeface="微软雅黑" pitchFamily="34" charset="-122"/>
-                  <a:ea typeface="微软雅黑" pitchFamily="34" charset="-122"/>
-                  <a:sym typeface="微软雅黑" pitchFamily="34" charset="-122"/>
-                </a:rPr>
-                <a:t>Architecture</a:t>
-              </a:r>
-              <a:r>
-                <a:rPr lang="zh-TW" altLang="en-US" dirty="0">
-                  <a:solidFill>
-                    <a:srgbClr val="000000"/>
-                  </a:solidFill>
-                  <a:latin typeface="微软雅黑" pitchFamily="34" charset="-122"/>
-                  <a:ea typeface="微软雅黑" pitchFamily="34" charset="-122"/>
-                  <a:sym typeface="微软雅黑" pitchFamily="34" charset="-122"/>
-                </a:rPr>
-                <a:t> </a:t>
-              </a:r>
-              <a:r>
-                <a:rPr lang="en-US" altLang="zh-TW" dirty="0">
-                  <a:solidFill>
-                    <a:srgbClr val="000000"/>
-                  </a:solidFill>
-                  <a:latin typeface="微软雅黑" pitchFamily="34" charset="-122"/>
-                  <a:ea typeface="微软雅黑" pitchFamily="34" charset="-122"/>
-                  <a:sym typeface="微软雅黑" pitchFamily="34" charset="-122"/>
-                </a:rPr>
-                <a:t>of</a:t>
-              </a:r>
-              <a:r>
-                <a:rPr lang="zh-TW" altLang="en-US" dirty="0">
-                  <a:solidFill>
-                    <a:srgbClr val="000000"/>
-                  </a:solidFill>
-                  <a:latin typeface="微软雅黑" pitchFamily="34" charset="-122"/>
-                  <a:ea typeface="微软雅黑" pitchFamily="34" charset="-122"/>
-                  <a:sym typeface="微软雅黑" pitchFamily="34" charset="-122"/>
-                </a:rPr>
-                <a:t> </a:t>
-              </a:r>
-              <a:r>
-                <a:rPr lang="en-US" altLang="zh-TW" dirty="0">
-                  <a:solidFill>
-                    <a:srgbClr val="000000"/>
-                  </a:solidFill>
-                  <a:latin typeface="微软雅黑" pitchFamily="34" charset="-122"/>
-                  <a:ea typeface="微软雅黑" pitchFamily="34" charset="-122"/>
-                  <a:sym typeface="微软雅黑" pitchFamily="34" charset="-122"/>
-                </a:rPr>
-                <a:t>Website</a:t>
-              </a:r>
-              <a:endParaRPr lang="zh-CN" altLang="en-US" dirty="0">
-                <a:solidFill>
-                  <a:srgbClr val="000000"/>
-                </a:solidFill>
-                <a:latin typeface="微软雅黑" pitchFamily="34" charset="-122"/>
-                <a:ea typeface="微软雅黑" pitchFamily="34" charset="-122"/>
-                <a:sym typeface="微软雅黑" pitchFamily="34" charset="-122"/>
-              </a:endParaRPr>
-            </a:p>
-          </p:txBody>
-        </p:sp>
-        <p:sp>
-          <p:nvSpPr>
-            <p:cNvPr id="4128" name="文本框 112"/>
-            <p:cNvSpPr>
-              <a:spLocks noChangeArrowheads="1"/>
-            </p:cNvSpPr>
-            <p:nvPr/>
-          </p:nvSpPr>
-          <p:spPr bwMode="auto">
-            <a:xfrm>
-              <a:off x="0" y="0"/>
-              <a:ext cx="1415936" cy="461118"/>
-            </a:xfrm>
-            <a:prstGeom prst="rect">
-              <a:avLst/>
-            </a:prstGeom>
-            <a:noFill/>
-            <a:ln>
-              <a:noFill/>
-            </a:ln>
-            <a:extLst>
-              <a:ext uri="{909E8E84-426E-40DD-AFC4-6F175D3DCCD1}">
-                <a14:hiddenFill xmlns:a14="http://schemas.microsoft.com/office/drawing/2010/main">
-                  <a:solidFill>
-                    <a:srgbClr val="FFFFFF"/>
-                  </a:solidFill>
-                </a14:hiddenFill>
-              </a:ext>
-              <a:ext uri="{91240B29-F687-4F45-9708-019B960494DF}">
-                <a14:hiddenLine xmlns:a14="http://schemas.microsoft.com/office/drawing/2010/main" w="9525">
-                  <a:solidFill>
-                    <a:srgbClr val="000000"/>
-                  </a:solidFill>
-                  <a:miter lim="800000"/>
-                  <a:headEnd/>
-                  <a:tailEnd/>
-                </a14:hiddenLine>
-              </a:ext>
-            </a:extLst>
-          </p:spPr>
-          <p:txBody>
-            <a:bodyPr wrap="none">
-              <a:spAutoFit/>
-            </a:bodyPr>
-            <a:lstStyle/>
-            <a:p>
-              <a:r>
-                <a:rPr lang="zh-CN" altLang="en-US" sz="2400" dirty="0">
-                  <a:solidFill>
-                    <a:srgbClr val="000000"/>
-                  </a:solidFill>
-                  <a:latin typeface="微软雅黑" pitchFamily="34" charset="-122"/>
-                  <a:ea typeface="微软雅黑" pitchFamily="34" charset="-122"/>
-                  <a:sym typeface="微软雅黑" pitchFamily="34" charset="-122"/>
-                </a:rPr>
-                <a:t>網站架構</a:t>
-              </a:r>
-            </a:p>
-          </p:txBody>
-        </p:sp>
-      </p:grpSp>
-      <p:grpSp>
-        <p:nvGrpSpPr>
-          <p:cNvPr id="4129" name="组合 113"/>
-          <p:cNvGrpSpPr>
-            <a:grpSpLocks/>
-          </p:cNvGrpSpPr>
-          <p:nvPr/>
-        </p:nvGrpSpPr>
-        <p:grpSpPr bwMode="auto">
-          <a:xfrm>
-            <a:off x="7369971" y="4652963"/>
-            <a:ext cx="1800493" cy="730614"/>
-            <a:chOff x="0" y="0"/>
-            <a:chExt cx="1800698" cy="731334"/>
-          </a:xfrm>
-        </p:grpSpPr>
-        <p:sp>
-          <p:nvSpPr>
-            <p:cNvPr id="4130" name="文本框 114"/>
-            <p:cNvSpPr>
-              <a:spLocks noChangeArrowheads="1"/>
-            </p:cNvSpPr>
-            <p:nvPr/>
-          </p:nvSpPr>
-          <p:spPr bwMode="auto">
-            <a:xfrm>
-              <a:off x="0" y="361638"/>
-              <a:ext cx="1800698" cy="369696"/>
-            </a:xfrm>
-            <a:prstGeom prst="rect">
-              <a:avLst/>
-            </a:prstGeom>
-            <a:noFill/>
-            <a:ln>
-              <a:noFill/>
-            </a:ln>
-            <a:extLst>
-              <a:ext uri="{909E8E84-426E-40DD-AFC4-6F175D3DCCD1}">
-                <a14:hiddenFill xmlns:a14="http://schemas.microsoft.com/office/drawing/2010/main">
-                  <a:solidFill>
-                    <a:srgbClr val="FFFFFF"/>
-                  </a:solidFill>
-                </a14:hiddenFill>
-              </a:ext>
-              <a:ext uri="{91240B29-F687-4F45-9708-019B960494DF}">
-                <a14:hiddenLine xmlns:a14="http://schemas.microsoft.com/office/drawing/2010/main" w="9525">
-                  <a:solidFill>
-                    <a:srgbClr val="000000"/>
-                  </a:solidFill>
-                  <a:miter lim="800000"/>
-                  <a:headEnd/>
-                  <a:tailEnd/>
-                </a14:hiddenLine>
-              </a:ext>
-            </a:extLst>
-          </p:spPr>
-          <p:txBody>
-            <a:bodyPr wrap="none">
-              <a:spAutoFit/>
-            </a:bodyPr>
-            <a:lstStyle/>
-            <a:p>
-              <a:r>
-                <a:rPr lang="en-US" altLang="zh-TW" dirty="0">
-                  <a:solidFill>
-                    <a:srgbClr val="000000"/>
-                  </a:solidFill>
-                  <a:latin typeface="微软雅黑" pitchFamily="34" charset="-122"/>
-                  <a:ea typeface="微软雅黑" pitchFamily="34" charset="-122"/>
-                  <a:sym typeface="微软雅黑" pitchFamily="34" charset="-122"/>
-                </a:rPr>
-                <a:t>Time</a:t>
-              </a:r>
-              <a:r>
-                <a:rPr lang="zh-TW" altLang="en-US" dirty="0">
-                  <a:solidFill>
-                    <a:srgbClr val="000000"/>
-                  </a:solidFill>
-                  <a:latin typeface="微软雅黑" pitchFamily="34" charset="-122"/>
-                  <a:ea typeface="微软雅黑" pitchFamily="34" charset="-122"/>
-                  <a:sym typeface="微软雅黑" pitchFamily="34" charset="-122"/>
-                </a:rPr>
-                <a:t> </a:t>
-              </a:r>
-              <a:r>
-                <a:rPr lang="en-US" altLang="zh-TW" dirty="0">
-                  <a:solidFill>
-                    <a:srgbClr val="000000"/>
-                  </a:solidFill>
-                  <a:latin typeface="微软雅黑" pitchFamily="34" charset="-122"/>
-                  <a:ea typeface="微软雅黑" pitchFamily="34" charset="-122"/>
-                  <a:sym typeface="微软雅黑" pitchFamily="34" charset="-122"/>
-                </a:rPr>
-                <a:t>Schedule</a:t>
-              </a:r>
-              <a:endParaRPr lang="zh-CN" altLang="en-US" dirty="0">
-                <a:solidFill>
-                  <a:srgbClr val="000000"/>
-                </a:solidFill>
-                <a:latin typeface="微软雅黑" pitchFamily="34" charset="-122"/>
-                <a:ea typeface="微软雅黑" pitchFamily="34" charset="-122"/>
-                <a:sym typeface="微软雅黑" pitchFamily="34" charset="-122"/>
-              </a:endParaRPr>
-            </a:p>
-          </p:txBody>
-        </p:sp>
-        <p:sp>
-          <p:nvSpPr>
-            <p:cNvPr id="4131" name="文本框 115"/>
-            <p:cNvSpPr>
-              <a:spLocks noChangeArrowheads="1"/>
-            </p:cNvSpPr>
-            <p:nvPr/>
-          </p:nvSpPr>
-          <p:spPr bwMode="auto">
-            <a:xfrm>
-              <a:off x="0" y="0"/>
-              <a:ext cx="184752" cy="462120"/>
-            </a:xfrm>
-            <a:prstGeom prst="rect">
-              <a:avLst/>
-            </a:prstGeom>
-            <a:noFill/>
-            <a:ln>
-              <a:noFill/>
-            </a:ln>
-            <a:extLst>
-              <a:ext uri="{909E8E84-426E-40DD-AFC4-6F175D3DCCD1}">
-                <a14:hiddenFill xmlns:a14="http://schemas.microsoft.com/office/drawing/2010/main">
-                  <a:solidFill>
-                    <a:srgbClr val="FFFFFF"/>
-                  </a:solidFill>
-                </a14:hiddenFill>
-              </a:ext>
-              <a:ext uri="{91240B29-F687-4F45-9708-019B960494DF}">
-                <a14:hiddenLine xmlns:a14="http://schemas.microsoft.com/office/drawing/2010/main" w="9525">
-                  <a:solidFill>
-                    <a:srgbClr val="000000"/>
-                  </a:solidFill>
-                  <a:miter lim="800000"/>
-                  <a:headEnd/>
-                  <a:tailEnd/>
-                </a14:hiddenLine>
-              </a:ext>
-            </a:extLst>
-          </p:spPr>
-          <p:txBody>
-            <a:bodyPr wrap="none">
-              <a:spAutoFit/>
-            </a:bodyPr>
-            <a:lstStyle/>
-            <a:p>
-              <a:endParaRPr lang="zh-CN" altLang="en-US" sz="2400" dirty="0">
-                <a:solidFill>
-                  <a:srgbClr val="000000"/>
-                </a:solidFill>
-                <a:latin typeface="微软雅黑" pitchFamily="34" charset="-122"/>
-                <a:ea typeface="微软雅黑" pitchFamily="34" charset="-122"/>
-                <a:sym typeface="微软雅黑" pitchFamily="34" charset="-122"/>
-              </a:endParaRPr>
-            </a:p>
-          </p:txBody>
-        </p:sp>
-      </p:grpSp>
       <p:sp>
         <p:nvSpPr>
           <p:cNvPr id="4135" name="椭圆 120"/>
@@ -14720,23 +13959,12 @@
             <a:avLst/>
           </a:prstGeom>
           <a:solidFill>
-            <a:srgbClr val="FFDE6F"/>
+            <a:srgbClr val="BCDFDD"/>
           </a:solidFill>
           <a:ln>
             <a:noFill/>
           </a:ln>
-          <a:extLst>
-            <a:ext uri="{91240B29-F687-4F45-9708-019B960494DF}">
-              <a14:hiddenLine xmlns:a14="http://schemas.microsoft.com/office/drawing/2010/main" w="12700" cap="flat" cmpd="sng">
-                <a:solidFill>
-                  <a:srgbClr val="42719B"/>
-                </a:solidFill>
-                <a:bevel/>
-                <a:headEnd/>
-                <a:tailEnd/>
-              </a14:hiddenLine>
-            </a:ext>
-          </a:extLst>
+          <a:extLst/>
         </p:spPr>
         <p:txBody>
           <a:bodyPr anchor="ctr"/>
@@ -14825,18 +14053,7 @@
           <a:ln>
             <a:noFill/>
           </a:ln>
-          <a:extLst>
-            <a:ext uri="{91240B29-F687-4F45-9708-019B960494DF}">
-              <a14:hiddenLine xmlns:a14="http://schemas.microsoft.com/office/drawing/2010/main" w="12700" cap="flat" cmpd="sng">
-                <a:solidFill>
-                  <a:srgbClr val="42719B"/>
-                </a:solidFill>
-                <a:bevel/>
-                <a:headEnd/>
-                <a:tailEnd/>
-              </a14:hiddenLine>
-            </a:ext>
-          </a:extLst>
+          <a:extLst/>
         </p:spPr>
         <p:txBody>
           <a:bodyPr anchor="ctr"/>
@@ -14853,9 +14070,1167 @@
           </a:p>
         </p:txBody>
       </p:sp>
+      <p:grpSp>
+        <p:nvGrpSpPr>
+          <p:cNvPr id="91" name="组合 56"/>
+          <p:cNvGrpSpPr>
+            <a:grpSpLocks/>
+          </p:cNvGrpSpPr>
+          <p:nvPr/>
+        </p:nvGrpSpPr>
+        <p:grpSpPr bwMode="auto">
+          <a:xfrm>
+            <a:off x="7969061" y="531539"/>
+            <a:ext cx="1905109" cy="730614"/>
+            <a:chOff x="0" y="0"/>
+            <a:chExt cx="1905331" cy="731334"/>
+          </a:xfrm>
+        </p:grpSpPr>
+        <p:sp>
+          <p:nvSpPr>
+            <p:cNvPr id="92" name="文本框 57"/>
+            <p:cNvSpPr>
+              <a:spLocks noChangeArrowheads="1"/>
+            </p:cNvSpPr>
+            <p:nvPr/>
+          </p:nvSpPr>
+          <p:spPr bwMode="auto">
+            <a:xfrm>
+              <a:off x="0" y="361638"/>
+              <a:ext cx="1220348" cy="369696"/>
+            </a:xfrm>
+            <a:prstGeom prst="rect">
+              <a:avLst/>
+            </a:prstGeom>
+            <a:noFill/>
+            <a:ln>
+              <a:noFill/>
+            </a:ln>
+            <a:extLst>
+              <a:ext uri="{909E8E84-426E-40DD-AFC4-6F175D3DCCD1}">
+                <a14:hiddenFill xmlns:a14="http://schemas.microsoft.com/office/drawing/2010/main">
+                  <a:solidFill>
+                    <a:srgbClr val="FFFFFF"/>
+                  </a:solidFill>
+                </a14:hiddenFill>
+              </a:ext>
+              <a:ext uri="{91240B29-F687-4F45-9708-019B960494DF}">
+                <a14:hiddenLine xmlns:a14="http://schemas.microsoft.com/office/drawing/2010/main" w="9525">
+                  <a:solidFill>
+                    <a:srgbClr val="000000"/>
+                  </a:solidFill>
+                  <a:miter lim="800000"/>
+                  <a:headEnd/>
+                  <a:tailEnd/>
+                </a14:hiddenLine>
+              </a:ext>
+            </a:extLst>
+          </p:spPr>
+          <p:txBody>
+            <a:bodyPr wrap="none">
+              <a:spAutoFit/>
+            </a:bodyPr>
+            <a:lstStyle/>
+            <a:p>
+              <a:r>
+                <a:rPr lang="en-US" altLang="zh-TW" dirty="0">
+                  <a:solidFill>
+                    <a:srgbClr val="000000"/>
+                  </a:solidFill>
+                  <a:latin typeface="微软雅黑" pitchFamily="34" charset="-122"/>
+                  <a:ea typeface="微软雅黑" pitchFamily="34" charset="-122"/>
+                  <a:sym typeface="微软雅黑" pitchFamily="34" charset="-122"/>
+                </a:rPr>
+                <a:t>About</a:t>
+              </a:r>
+              <a:r>
+                <a:rPr lang="zh-TW" altLang="en-US" dirty="0">
+                  <a:solidFill>
+                    <a:srgbClr val="000000"/>
+                  </a:solidFill>
+                  <a:latin typeface="微软雅黑" pitchFamily="34" charset="-122"/>
+                  <a:ea typeface="微软雅黑" pitchFamily="34" charset="-122"/>
+                  <a:sym typeface="微软雅黑" pitchFamily="34" charset="-122"/>
+                </a:rPr>
+                <a:t> </a:t>
+              </a:r>
+              <a:r>
+                <a:rPr lang="en-US" altLang="zh-TW" dirty="0">
+                  <a:solidFill>
+                    <a:srgbClr val="000000"/>
+                  </a:solidFill>
+                  <a:latin typeface="微软雅黑" pitchFamily="34" charset="-122"/>
+                  <a:ea typeface="微软雅黑" pitchFamily="34" charset="-122"/>
+                  <a:sym typeface="微软雅黑" pitchFamily="34" charset="-122"/>
+                </a:rPr>
+                <a:t>Us</a:t>
+              </a:r>
+              <a:endParaRPr lang="zh-CN" altLang="en-US" dirty="0">
+                <a:solidFill>
+                  <a:srgbClr val="000000"/>
+                </a:solidFill>
+                <a:latin typeface="微软雅黑" pitchFamily="34" charset="-122"/>
+                <a:ea typeface="微软雅黑" pitchFamily="34" charset="-122"/>
+                <a:sym typeface="微软雅黑" pitchFamily="34" charset="-122"/>
+              </a:endParaRPr>
+            </a:p>
+          </p:txBody>
+        </p:sp>
+        <p:sp>
+          <p:nvSpPr>
+            <p:cNvPr id="93" name="文本框 58"/>
+            <p:cNvSpPr>
+              <a:spLocks noChangeArrowheads="1"/>
+            </p:cNvSpPr>
+            <p:nvPr/>
+          </p:nvSpPr>
+          <p:spPr bwMode="auto">
+            <a:xfrm>
+              <a:off x="0" y="0"/>
+              <a:ext cx="1905331" cy="462120"/>
+            </a:xfrm>
+            <a:prstGeom prst="rect">
+              <a:avLst/>
+            </a:prstGeom>
+            <a:noFill/>
+            <a:ln>
+              <a:noFill/>
+            </a:ln>
+            <a:extLst>
+              <a:ext uri="{909E8E84-426E-40DD-AFC4-6F175D3DCCD1}">
+                <a14:hiddenFill xmlns:a14="http://schemas.microsoft.com/office/drawing/2010/main">
+                  <a:solidFill>
+                    <a:srgbClr val="FFFFFF"/>
+                  </a:solidFill>
+                </a14:hiddenFill>
+              </a:ext>
+              <a:ext uri="{91240B29-F687-4F45-9708-019B960494DF}">
+                <a14:hiddenLine xmlns:a14="http://schemas.microsoft.com/office/drawing/2010/main" w="9525">
+                  <a:solidFill>
+                    <a:srgbClr val="000000"/>
+                  </a:solidFill>
+                  <a:miter lim="800000"/>
+                  <a:headEnd/>
+                  <a:tailEnd/>
+                </a14:hiddenLine>
+              </a:ext>
+            </a:extLst>
+          </p:spPr>
+          <p:txBody>
+            <a:bodyPr wrap="square">
+              <a:spAutoFit/>
+            </a:bodyPr>
+            <a:lstStyle/>
+            <a:p>
+              <a:r>
+                <a:rPr lang="zh-CN" altLang="en-US" sz="2400" dirty="0">
+                  <a:solidFill>
+                    <a:srgbClr val="000000"/>
+                  </a:solidFill>
+                  <a:latin typeface="微软雅黑" pitchFamily="34" charset="-122"/>
+                  <a:ea typeface="微软雅黑" pitchFamily="34" charset="-122"/>
+                  <a:sym typeface="微软雅黑" pitchFamily="34" charset="-122"/>
+                </a:rPr>
+                <a:t>關於我們</a:t>
+              </a:r>
+            </a:p>
+          </p:txBody>
+        </p:sp>
+      </p:grpSp>
+      <p:grpSp>
+        <p:nvGrpSpPr>
+          <p:cNvPr id="94" name="组合 6"/>
+          <p:cNvGrpSpPr>
+            <a:grpSpLocks/>
+          </p:cNvGrpSpPr>
+          <p:nvPr/>
+        </p:nvGrpSpPr>
+        <p:grpSpPr bwMode="auto">
+          <a:xfrm>
+            <a:off x="7203886" y="491852"/>
+            <a:ext cx="665162" cy="719137"/>
+            <a:chOff x="0" y="0"/>
+            <a:chExt cx="665978" cy="720170"/>
+          </a:xfrm>
+        </p:grpSpPr>
+        <p:sp>
+          <p:nvSpPr>
+            <p:cNvPr id="95" name="椭圆 62"/>
+            <p:cNvSpPr>
+              <a:spLocks noChangeArrowheads="1"/>
+            </p:cNvSpPr>
+            <p:nvPr/>
+          </p:nvSpPr>
+          <p:spPr bwMode="auto">
+            <a:xfrm>
+              <a:off x="0" y="0"/>
+              <a:ext cx="665978" cy="665978"/>
+            </a:xfrm>
+            <a:prstGeom prst="ellipse">
+              <a:avLst/>
+            </a:prstGeom>
+            <a:solidFill>
+              <a:srgbClr val="F58D76"/>
+            </a:solidFill>
+            <a:ln>
+              <a:noFill/>
+            </a:ln>
+            <a:extLst>
+              <a:ext uri="{91240B29-F687-4F45-9708-019B960494DF}">
+                <a14:hiddenLine xmlns:a14="http://schemas.microsoft.com/office/drawing/2010/main" w="12700" cap="flat" cmpd="sng">
+                  <a:solidFill>
+                    <a:srgbClr val="42719B"/>
+                  </a:solidFill>
+                  <a:bevel/>
+                  <a:headEnd/>
+                  <a:tailEnd/>
+                </a14:hiddenLine>
+              </a:ext>
+            </a:extLst>
+          </p:spPr>
+          <p:txBody>
+            <a:bodyPr anchor="ctr"/>
+            <a:lstStyle/>
+            <a:p>
+              <a:pPr algn="ctr"/>
+              <a:endParaRPr lang="zh-CN" altLang="zh-CN">
+                <a:solidFill>
+                  <a:srgbClr val="FFFFFF"/>
+                </a:solidFill>
+                <a:latin typeface="宋体" pitchFamily="2" charset="-122"/>
+                <a:sym typeface="宋体" pitchFamily="2" charset="-122"/>
+              </a:endParaRPr>
+            </a:p>
+          </p:txBody>
+        </p:sp>
+        <p:sp>
+          <p:nvSpPr>
+            <p:cNvPr id="96" name="文本框 89"/>
+            <p:cNvSpPr>
+              <a:spLocks noChangeArrowheads="1"/>
+            </p:cNvSpPr>
+            <p:nvPr/>
+          </p:nvSpPr>
+          <p:spPr bwMode="auto">
+            <a:xfrm>
+              <a:off x="99179" y="12284"/>
+              <a:ext cx="500458" cy="707886"/>
+            </a:xfrm>
+            <a:prstGeom prst="rect">
+              <a:avLst/>
+            </a:prstGeom>
+            <a:noFill/>
+            <a:ln>
+              <a:noFill/>
+            </a:ln>
+            <a:extLst>
+              <a:ext uri="{909E8E84-426E-40DD-AFC4-6F175D3DCCD1}">
+                <a14:hiddenFill xmlns:a14="http://schemas.microsoft.com/office/drawing/2010/main">
+                  <a:solidFill>
+                    <a:srgbClr val="FFFFFF"/>
+                  </a:solidFill>
+                </a14:hiddenFill>
+              </a:ext>
+              <a:ext uri="{91240B29-F687-4F45-9708-019B960494DF}">
+                <a14:hiddenLine xmlns:a14="http://schemas.microsoft.com/office/drawing/2010/main" w="9525">
+                  <a:solidFill>
+                    <a:srgbClr val="000000"/>
+                  </a:solidFill>
+                  <a:miter lim="800000"/>
+                  <a:headEnd/>
+                  <a:tailEnd/>
+                </a14:hiddenLine>
+              </a:ext>
+            </a:extLst>
+          </p:spPr>
+          <p:txBody>
+            <a:bodyPr wrap="none">
+              <a:spAutoFit/>
+            </a:bodyPr>
+            <a:lstStyle/>
+            <a:p>
+              <a:r>
+                <a:rPr lang="en-US" sz="4000" b="1" dirty="0">
+                  <a:solidFill>
+                    <a:srgbClr val="FFFBEF"/>
+                  </a:solidFill>
+                  <a:latin typeface="微软雅黑" pitchFamily="34" charset="-122"/>
+                  <a:ea typeface="微软雅黑" pitchFamily="34" charset="-122"/>
+                  <a:sym typeface="微软雅黑" pitchFamily="34" charset="-122"/>
+                </a:rPr>
+                <a:t>1</a:t>
+              </a:r>
+              <a:endParaRPr lang="zh-CN" altLang="en-US" sz="1600" b="1" dirty="0">
+                <a:solidFill>
+                  <a:srgbClr val="FFFBEF"/>
+                </a:solidFill>
+                <a:latin typeface="微软雅黑" pitchFamily="34" charset="-122"/>
+                <a:ea typeface="微软雅黑" pitchFamily="34" charset="-122"/>
+                <a:sym typeface="微软雅黑" pitchFamily="34" charset="-122"/>
+              </a:endParaRPr>
+            </a:p>
+          </p:txBody>
+        </p:sp>
+      </p:grpSp>
+      <p:grpSp>
+        <p:nvGrpSpPr>
+          <p:cNvPr id="97" name="组合 7"/>
+          <p:cNvGrpSpPr>
+            <a:grpSpLocks/>
+          </p:cNvGrpSpPr>
+          <p:nvPr/>
+        </p:nvGrpSpPr>
+        <p:grpSpPr bwMode="auto">
+          <a:xfrm>
+            <a:off x="7203886" y="1448517"/>
+            <a:ext cx="665162" cy="721429"/>
+            <a:chOff x="0" y="50219"/>
+            <a:chExt cx="665978" cy="721665"/>
+          </a:xfrm>
+        </p:grpSpPr>
+        <p:sp>
+          <p:nvSpPr>
+            <p:cNvPr id="98" name="椭圆 65"/>
+            <p:cNvSpPr>
+              <a:spLocks noChangeArrowheads="1"/>
+            </p:cNvSpPr>
+            <p:nvPr/>
+          </p:nvSpPr>
+          <p:spPr bwMode="auto">
+            <a:xfrm>
+              <a:off x="0" y="50219"/>
+              <a:ext cx="665978" cy="665978"/>
+            </a:xfrm>
+            <a:prstGeom prst="ellipse">
+              <a:avLst/>
+            </a:prstGeom>
+            <a:solidFill>
+              <a:srgbClr val="A1BD70"/>
+            </a:solidFill>
+            <a:ln>
+              <a:noFill/>
+            </a:ln>
+            <a:extLst>
+              <a:ext uri="{91240B29-F687-4F45-9708-019B960494DF}">
+                <a14:hiddenLine xmlns:a14="http://schemas.microsoft.com/office/drawing/2010/main" w="12700" cap="flat" cmpd="sng">
+                  <a:solidFill>
+                    <a:srgbClr val="42719B"/>
+                  </a:solidFill>
+                  <a:bevel/>
+                  <a:headEnd/>
+                  <a:tailEnd/>
+                </a14:hiddenLine>
+              </a:ext>
+            </a:extLst>
+          </p:spPr>
+          <p:txBody>
+            <a:bodyPr anchor="ctr"/>
+            <a:lstStyle/>
+            <a:p>
+              <a:pPr algn="ctr"/>
+              <a:endParaRPr lang="zh-CN" altLang="zh-CN">
+                <a:solidFill>
+                  <a:srgbClr val="FFFFFF"/>
+                </a:solidFill>
+                <a:latin typeface="宋体" pitchFamily="2" charset="-122"/>
+                <a:sym typeface="宋体" pitchFamily="2" charset="-122"/>
+              </a:endParaRPr>
+            </a:p>
+          </p:txBody>
+        </p:sp>
+        <p:sp>
+          <p:nvSpPr>
+            <p:cNvPr id="99" name="文本框 90"/>
+            <p:cNvSpPr>
+              <a:spLocks noChangeArrowheads="1"/>
+            </p:cNvSpPr>
+            <p:nvPr/>
+          </p:nvSpPr>
+          <p:spPr bwMode="auto">
+            <a:xfrm>
+              <a:off x="81010" y="63998"/>
+              <a:ext cx="500458" cy="707886"/>
+            </a:xfrm>
+            <a:prstGeom prst="rect">
+              <a:avLst/>
+            </a:prstGeom>
+            <a:noFill/>
+            <a:ln>
+              <a:noFill/>
+            </a:ln>
+            <a:extLst>
+              <a:ext uri="{909E8E84-426E-40DD-AFC4-6F175D3DCCD1}">
+                <a14:hiddenFill xmlns:a14="http://schemas.microsoft.com/office/drawing/2010/main">
+                  <a:solidFill>
+                    <a:srgbClr val="FFFFFF"/>
+                  </a:solidFill>
+                </a14:hiddenFill>
+              </a:ext>
+              <a:ext uri="{91240B29-F687-4F45-9708-019B960494DF}">
+                <a14:hiddenLine xmlns:a14="http://schemas.microsoft.com/office/drawing/2010/main" w="9525">
+                  <a:solidFill>
+                    <a:srgbClr val="000000"/>
+                  </a:solidFill>
+                  <a:miter lim="800000"/>
+                  <a:headEnd/>
+                  <a:tailEnd/>
+                </a14:hiddenLine>
+              </a:ext>
+            </a:extLst>
+          </p:spPr>
+          <p:txBody>
+            <a:bodyPr wrap="none">
+              <a:spAutoFit/>
+            </a:bodyPr>
+            <a:lstStyle/>
+            <a:p>
+              <a:r>
+                <a:rPr lang="en-US" sz="4000" b="1" dirty="0">
+                  <a:solidFill>
+                    <a:srgbClr val="FFFBEF"/>
+                  </a:solidFill>
+                  <a:latin typeface="微软雅黑" pitchFamily="34" charset="-122"/>
+                  <a:ea typeface="微软雅黑" pitchFamily="34" charset="-122"/>
+                  <a:sym typeface="微软雅黑" pitchFamily="34" charset="-122"/>
+                </a:rPr>
+                <a:t>2</a:t>
+              </a:r>
+              <a:endParaRPr lang="zh-CN" altLang="en-US" sz="1600" b="1" dirty="0">
+                <a:solidFill>
+                  <a:srgbClr val="FFFBEF"/>
+                </a:solidFill>
+                <a:latin typeface="微软雅黑" pitchFamily="34" charset="-122"/>
+                <a:ea typeface="微软雅黑" pitchFamily="34" charset="-122"/>
+                <a:sym typeface="微软雅黑" pitchFamily="34" charset="-122"/>
+              </a:endParaRPr>
+            </a:p>
+          </p:txBody>
+        </p:sp>
+      </p:grpSp>
+      <p:grpSp>
+        <p:nvGrpSpPr>
+          <p:cNvPr id="100" name="组合 8"/>
+          <p:cNvGrpSpPr>
+            <a:grpSpLocks/>
+          </p:cNvGrpSpPr>
+          <p:nvPr/>
+        </p:nvGrpSpPr>
+        <p:grpSpPr bwMode="auto">
+          <a:xfrm>
+            <a:off x="7202139" y="2350814"/>
+            <a:ext cx="665162" cy="715963"/>
+            <a:chOff x="0" y="0"/>
+            <a:chExt cx="665978" cy="716479"/>
+          </a:xfrm>
+        </p:grpSpPr>
+        <p:sp>
+          <p:nvSpPr>
+            <p:cNvPr id="101" name="椭圆 61"/>
+            <p:cNvSpPr>
+              <a:spLocks noChangeArrowheads="1"/>
+            </p:cNvSpPr>
+            <p:nvPr/>
+          </p:nvSpPr>
+          <p:spPr bwMode="auto">
+            <a:xfrm>
+              <a:off x="0" y="0"/>
+              <a:ext cx="665978" cy="665978"/>
+            </a:xfrm>
+            <a:prstGeom prst="ellipse">
+              <a:avLst/>
+            </a:prstGeom>
+            <a:solidFill>
+              <a:srgbClr val="A37F67"/>
+            </a:solidFill>
+            <a:ln>
+              <a:noFill/>
+            </a:ln>
+            <a:extLst>
+              <a:ext uri="{91240B29-F687-4F45-9708-019B960494DF}">
+                <a14:hiddenLine xmlns:a14="http://schemas.microsoft.com/office/drawing/2010/main" w="12700" cap="flat" cmpd="sng">
+                  <a:solidFill>
+                    <a:srgbClr val="42719B"/>
+                  </a:solidFill>
+                  <a:bevel/>
+                  <a:headEnd/>
+                  <a:tailEnd/>
+                </a14:hiddenLine>
+              </a:ext>
+            </a:extLst>
+          </p:spPr>
+          <p:txBody>
+            <a:bodyPr anchor="ctr"/>
+            <a:lstStyle/>
+            <a:p>
+              <a:pPr algn="ctr"/>
+              <a:endParaRPr lang="zh-CN" altLang="zh-CN">
+                <a:solidFill>
+                  <a:srgbClr val="FFFFFF"/>
+                </a:solidFill>
+                <a:latin typeface="宋体" pitchFamily="2" charset="-122"/>
+                <a:sym typeface="宋体" pitchFamily="2" charset="-122"/>
+              </a:endParaRPr>
+            </a:p>
+          </p:txBody>
+        </p:sp>
+        <p:sp>
+          <p:nvSpPr>
+            <p:cNvPr id="102" name="文本框 91"/>
+            <p:cNvSpPr>
+              <a:spLocks noChangeArrowheads="1"/>
+            </p:cNvSpPr>
+            <p:nvPr/>
+          </p:nvSpPr>
+          <p:spPr bwMode="auto">
+            <a:xfrm>
+              <a:off x="82760" y="8593"/>
+              <a:ext cx="500458" cy="707886"/>
+            </a:xfrm>
+            <a:prstGeom prst="rect">
+              <a:avLst/>
+            </a:prstGeom>
+            <a:noFill/>
+            <a:ln>
+              <a:noFill/>
+            </a:ln>
+            <a:extLst>
+              <a:ext uri="{909E8E84-426E-40DD-AFC4-6F175D3DCCD1}">
+                <a14:hiddenFill xmlns:a14="http://schemas.microsoft.com/office/drawing/2010/main">
+                  <a:solidFill>
+                    <a:srgbClr val="FFFFFF"/>
+                  </a:solidFill>
+                </a14:hiddenFill>
+              </a:ext>
+              <a:ext uri="{91240B29-F687-4F45-9708-019B960494DF}">
+                <a14:hiddenLine xmlns:a14="http://schemas.microsoft.com/office/drawing/2010/main" w="9525">
+                  <a:solidFill>
+                    <a:srgbClr val="000000"/>
+                  </a:solidFill>
+                  <a:miter lim="800000"/>
+                  <a:headEnd/>
+                  <a:tailEnd/>
+                </a14:hiddenLine>
+              </a:ext>
+            </a:extLst>
+          </p:spPr>
+          <p:txBody>
+            <a:bodyPr wrap="none">
+              <a:spAutoFit/>
+            </a:bodyPr>
+            <a:lstStyle/>
+            <a:p>
+              <a:r>
+                <a:rPr lang="en-US" sz="4000" b="1" dirty="0">
+                  <a:solidFill>
+                    <a:srgbClr val="FFFBEF"/>
+                  </a:solidFill>
+                  <a:latin typeface="微软雅黑" pitchFamily="34" charset="-122"/>
+                  <a:ea typeface="微软雅黑" pitchFamily="34" charset="-122"/>
+                  <a:sym typeface="微软雅黑" pitchFamily="34" charset="-122"/>
+                </a:rPr>
+                <a:t>3</a:t>
+              </a:r>
+              <a:endParaRPr lang="zh-CN" altLang="en-US" sz="1600" b="1" dirty="0">
+                <a:solidFill>
+                  <a:srgbClr val="FFFBEF"/>
+                </a:solidFill>
+                <a:latin typeface="微软雅黑" pitchFamily="34" charset="-122"/>
+                <a:ea typeface="微软雅黑" pitchFamily="34" charset="-122"/>
+                <a:sym typeface="微软雅黑" pitchFamily="34" charset="-122"/>
+              </a:endParaRPr>
+            </a:p>
+          </p:txBody>
+        </p:sp>
+      </p:grpSp>
+      <p:grpSp>
+        <p:nvGrpSpPr>
+          <p:cNvPr id="103" name="组合 9"/>
+          <p:cNvGrpSpPr>
+            <a:grpSpLocks/>
+          </p:cNvGrpSpPr>
+          <p:nvPr/>
+        </p:nvGrpSpPr>
+        <p:grpSpPr bwMode="auto">
+          <a:xfrm>
+            <a:off x="7202139" y="3228980"/>
+            <a:ext cx="665162" cy="708025"/>
+            <a:chOff x="0" y="0"/>
+            <a:chExt cx="665978" cy="707886"/>
+          </a:xfrm>
+        </p:grpSpPr>
+        <p:sp>
+          <p:nvSpPr>
+            <p:cNvPr id="104" name="椭圆 64"/>
+            <p:cNvSpPr>
+              <a:spLocks noChangeArrowheads="1"/>
+            </p:cNvSpPr>
+            <p:nvPr/>
+          </p:nvSpPr>
+          <p:spPr bwMode="auto">
+            <a:xfrm>
+              <a:off x="0" y="0"/>
+              <a:ext cx="665978" cy="665978"/>
+            </a:xfrm>
+            <a:prstGeom prst="ellipse">
+              <a:avLst/>
+            </a:prstGeom>
+            <a:solidFill>
+              <a:srgbClr val="BCDFDD"/>
+            </a:solidFill>
+            <a:ln>
+              <a:noFill/>
+            </a:ln>
+            <a:extLst>
+              <a:ext uri="{91240B29-F687-4F45-9708-019B960494DF}">
+                <a14:hiddenLine xmlns:a14="http://schemas.microsoft.com/office/drawing/2010/main" w="12700" cap="flat" cmpd="sng">
+                  <a:solidFill>
+                    <a:srgbClr val="42719B"/>
+                  </a:solidFill>
+                  <a:bevel/>
+                  <a:headEnd/>
+                  <a:tailEnd/>
+                </a14:hiddenLine>
+              </a:ext>
+            </a:extLst>
+          </p:spPr>
+          <p:txBody>
+            <a:bodyPr anchor="ctr"/>
+            <a:lstStyle/>
+            <a:p>
+              <a:pPr algn="ctr"/>
+              <a:endParaRPr lang="zh-CN" altLang="zh-CN">
+                <a:solidFill>
+                  <a:srgbClr val="FFFFFF"/>
+                </a:solidFill>
+                <a:latin typeface="宋体" pitchFamily="2" charset="-122"/>
+                <a:sym typeface="宋体" pitchFamily="2" charset="-122"/>
+              </a:endParaRPr>
+            </a:p>
+          </p:txBody>
+        </p:sp>
+        <p:sp>
+          <p:nvSpPr>
+            <p:cNvPr id="105" name="文本框 92"/>
+            <p:cNvSpPr>
+              <a:spLocks noChangeArrowheads="1"/>
+            </p:cNvSpPr>
+            <p:nvPr/>
+          </p:nvSpPr>
+          <p:spPr bwMode="auto">
+            <a:xfrm>
+              <a:off x="82760" y="0"/>
+              <a:ext cx="500458" cy="707886"/>
+            </a:xfrm>
+            <a:prstGeom prst="rect">
+              <a:avLst/>
+            </a:prstGeom>
+            <a:noFill/>
+            <a:ln>
+              <a:noFill/>
+            </a:ln>
+            <a:extLst>
+              <a:ext uri="{909E8E84-426E-40DD-AFC4-6F175D3DCCD1}">
+                <a14:hiddenFill xmlns:a14="http://schemas.microsoft.com/office/drawing/2010/main">
+                  <a:solidFill>
+                    <a:srgbClr val="FFFFFF"/>
+                  </a:solidFill>
+                </a14:hiddenFill>
+              </a:ext>
+              <a:ext uri="{91240B29-F687-4F45-9708-019B960494DF}">
+                <a14:hiddenLine xmlns:a14="http://schemas.microsoft.com/office/drawing/2010/main" w="9525">
+                  <a:solidFill>
+                    <a:srgbClr val="000000"/>
+                  </a:solidFill>
+                  <a:miter lim="800000"/>
+                  <a:headEnd/>
+                  <a:tailEnd/>
+                </a14:hiddenLine>
+              </a:ext>
+            </a:extLst>
+          </p:spPr>
+          <p:txBody>
+            <a:bodyPr wrap="none">
+              <a:spAutoFit/>
+            </a:bodyPr>
+            <a:lstStyle/>
+            <a:p>
+              <a:r>
+                <a:rPr lang="en-US" sz="4000" b="1" dirty="0">
+                  <a:solidFill>
+                    <a:srgbClr val="FFFBEF"/>
+                  </a:solidFill>
+                  <a:latin typeface="微软雅黑" pitchFamily="34" charset="-122"/>
+                  <a:ea typeface="微软雅黑" pitchFamily="34" charset="-122"/>
+                  <a:sym typeface="微软雅黑" pitchFamily="34" charset="-122"/>
+                </a:rPr>
+                <a:t>4</a:t>
+              </a:r>
+              <a:endParaRPr lang="zh-CN" altLang="en-US" sz="1600" b="1" dirty="0">
+                <a:solidFill>
+                  <a:srgbClr val="FFFBEF"/>
+                </a:solidFill>
+                <a:latin typeface="微软雅黑" pitchFamily="34" charset="-122"/>
+                <a:ea typeface="微软雅黑" pitchFamily="34" charset="-122"/>
+                <a:sym typeface="微软雅黑" pitchFamily="34" charset="-122"/>
+              </a:endParaRPr>
+            </a:p>
+          </p:txBody>
+        </p:sp>
+      </p:grpSp>
+      <p:grpSp>
+        <p:nvGrpSpPr>
+          <p:cNvPr id="106" name="组合 107"/>
+          <p:cNvGrpSpPr>
+            <a:grpSpLocks/>
+          </p:cNvGrpSpPr>
+          <p:nvPr/>
+        </p:nvGrpSpPr>
+        <p:grpSpPr bwMode="auto">
+          <a:xfrm>
+            <a:off x="7969061" y="1442764"/>
+            <a:ext cx="1415772" cy="731399"/>
+            <a:chOff x="0" y="0"/>
+            <a:chExt cx="1415936" cy="730532"/>
+          </a:xfrm>
+        </p:grpSpPr>
+        <p:sp>
+          <p:nvSpPr>
+            <p:cNvPr id="107" name="文本框 108"/>
+            <p:cNvSpPr>
+              <a:spLocks noChangeArrowheads="1"/>
+            </p:cNvSpPr>
+            <p:nvPr/>
+          </p:nvSpPr>
+          <p:spPr bwMode="auto">
+            <a:xfrm>
+              <a:off x="0" y="361638"/>
+              <a:ext cx="1389003" cy="368894"/>
+            </a:xfrm>
+            <a:prstGeom prst="rect">
+              <a:avLst/>
+            </a:prstGeom>
+            <a:noFill/>
+            <a:ln>
+              <a:noFill/>
+            </a:ln>
+            <a:extLst>
+              <a:ext uri="{909E8E84-426E-40DD-AFC4-6F175D3DCCD1}">
+                <a14:hiddenFill xmlns:a14="http://schemas.microsoft.com/office/drawing/2010/main">
+                  <a:solidFill>
+                    <a:srgbClr val="FFFFFF"/>
+                  </a:solidFill>
+                </a14:hiddenFill>
+              </a:ext>
+              <a:ext uri="{91240B29-F687-4F45-9708-019B960494DF}">
+                <a14:hiddenLine xmlns:a14="http://schemas.microsoft.com/office/drawing/2010/main" w="9525">
+                  <a:solidFill>
+                    <a:srgbClr val="000000"/>
+                  </a:solidFill>
+                  <a:miter lim="800000"/>
+                  <a:headEnd/>
+                  <a:tailEnd/>
+                </a14:hiddenLine>
+              </a:ext>
+            </a:extLst>
+          </p:spPr>
+          <p:txBody>
+            <a:bodyPr wrap="none">
+              <a:spAutoFit/>
+            </a:bodyPr>
+            <a:lstStyle/>
+            <a:p>
+              <a:r>
+                <a:rPr lang="en-US" altLang="zh-TW" dirty="0">
+                  <a:solidFill>
+                    <a:srgbClr val="000000"/>
+                  </a:solidFill>
+                  <a:latin typeface="微软雅黑" pitchFamily="34" charset="-122"/>
+                  <a:ea typeface="微软雅黑" pitchFamily="34" charset="-122"/>
+                  <a:sym typeface="微软雅黑" pitchFamily="34" charset="-122"/>
+                </a:rPr>
+                <a:t>Motivation</a:t>
+              </a:r>
+              <a:endParaRPr lang="zh-CN" altLang="en-US" dirty="0">
+                <a:solidFill>
+                  <a:srgbClr val="000000"/>
+                </a:solidFill>
+                <a:latin typeface="微软雅黑" pitchFamily="34" charset="-122"/>
+                <a:ea typeface="微软雅黑" pitchFamily="34" charset="-122"/>
+                <a:sym typeface="微软雅黑" pitchFamily="34" charset="-122"/>
+              </a:endParaRPr>
+            </a:p>
+          </p:txBody>
+        </p:sp>
+        <p:sp>
+          <p:nvSpPr>
+            <p:cNvPr id="108" name="文本框 109"/>
+            <p:cNvSpPr>
+              <a:spLocks noChangeArrowheads="1"/>
+            </p:cNvSpPr>
+            <p:nvPr/>
+          </p:nvSpPr>
+          <p:spPr bwMode="auto">
+            <a:xfrm>
+              <a:off x="0" y="0"/>
+              <a:ext cx="1415936" cy="461118"/>
+            </a:xfrm>
+            <a:prstGeom prst="rect">
+              <a:avLst/>
+            </a:prstGeom>
+            <a:noFill/>
+            <a:ln>
+              <a:noFill/>
+            </a:ln>
+            <a:extLst>
+              <a:ext uri="{909E8E84-426E-40DD-AFC4-6F175D3DCCD1}">
+                <a14:hiddenFill xmlns:a14="http://schemas.microsoft.com/office/drawing/2010/main">
+                  <a:solidFill>
+                    <a:srgbClr val="FFFFFF"/>
+                  </a:solidFill>
+                </a14:hiddenFill>
+              </a:ext>
+              <a:ext uri="{91240B29-F687-4F45-9708-019B960494DF}">
+                <a14:hiddenLine xmlns:a14="http://schemas.microsoft.com/office/drawing/2010/main" w="9525">
+                  <a:solidFill>
+                    <a:srgbClr val="000000"/>
+                  </a:solidFill>
+                  <a:miter lim="800000"/>
+                  <a:headEnd/>
+                  <a:tailEnd/>
+                </a14:hiddenLine>
+              </a:ext>
+            </a:extLst>
+          </p:spPr>
+          <p:txBody>
+            <a:bodyPr wrap="none">
+              <a:spAutoFit/>
+            </a:bodyPr>
+            <a:lstStyle/>
+            <a:p>
+              <a:r>
+                <a:rPr lang="zh-CN" altLang="en-US" sz="2400" dirty="0">
+                  <a:solidFill>
+                    <a:srgbClr val="000000"/>
+                  </a:solidFill>
+                  <a:latin typeface="微软雅黑" pitchFamily="34" charset="-122"/>
+                  <a:ea typeface="微软雅黑" pitchFamily="34" charset="-122"/>
+                  <a:sym typeface="微软雅黑" pitchFamily="34" charset="-122"/>
+                </a:rPr>
+                <a:t>開發動機</a:t>
+              </a:r>
+            </a:p>
+          </p:txBody>
+        </p:sp>
+      </p:grpSp>
+      <p:grpSp>
+        <p:nvGrpSpPr>
+          <p:cNvPr id="109" name="组合 110"/>
+          <p:cNvGrpSpPr>
+            <a:grpSpLocks/>
+          </p:cNvGrpSpPr>
+          <p:nvPr/>
+        </p:nvGrpSpPr>
+        <p:grpSpPr bwMode="auto">
+          <a:xfrm>
+            <a:off x="7951707" y="3270771"/>
+            <a:ext cx="1800493" cy="731399"/>
+            <a:chOff x="0" y="0"/>
+            <a:chExt cx="1800702" cy="730532"/>
+          </a:xfrm>
+        </p:grpSpPr>
+        <p:sp>
+          <p:nvSpPr>
+            <p:cNvPr id="110" name="文本框 111"/>
+            <p:cNvSpPr>
+              <a:spLocks noChangeArrowheads="1"/>
+            </p:cNvSpPr>
+            <p:nvPr/>
+          </p:nvSpPr>
+          <p:spPr bwMode="auto">
+            <a:xfrm>
+              <a:off x="0" y="361638"/>
+              <a:ext cx="1800702" cy="368894"/>
+            </a:xfrm>
+            <a:prstGeom prst="rect">
+              <a:avLst/>
+            </a:prstGeom>
+            <a:noFill/>
+            <a:ln>
+              <a:noFill/>
+            </a:ln>
+            <a:extLst>
+              <a:ext uri="{909E8E84-426E-40DD-AFC4-6F175D3DCCD1}">
+                <a14:hiddenFill xmlns:a14="http://schemas.microsoft.com/office/drawing/2010/main">
+                  <a:solidFill>
+                    <a:srgbClr val="FFFFFF"/>
+                  </a:solidFill>
+                </a14:hiddenFill>
+              </a:ext>
+              <a:ext uri="{91240B29-F687-4F45-9708-019B960494DF}">
+                <a14:hiddenLine xmlns:a14="http://schemas.microsoft.com/office/drawing/2010/main" w="9525">
+                  <a:solidFill>
+                    <a:srgbClr val="000000"/>
+                  </a:solidFill>
+                  <a:miter lim="800000"/>
+                  <a:headEnd/>
+                  <a:tailEnd/>
+                </a14:hiddenLine>
+              </a:ext>
+            </a:extLst>
+          </p:spPr>
+          <p:txBody>
+            <a:bodyPr wrap="none">
+              <a:spAutoFit/>
+            </a:bodyPr>
+            <a:lstStyle/>
+            <a:p>
+              <a:r>
+                <a:rPr lang="en-US" altLang="zh-TW" dirty="0" smtClean="0">
+                  <a:solidFill>
+                    <a:srgbClr val="000000"/>
+                  </a:solidFill>
+                  <a:latin typeface="微软雅黑" pitchFamily="34" charset="-122"/>
+                  <a:ea typeface="微软雅黑" pitchFamily="34" charset="-122"/>
+                  <a:sym typeface="微软雅黑" pitchFamily="34" charset="-122"/>
+                </a:rPr>
+                <a:t>Time Schedule</a:t>
+              </a:r>
+              <a:endParaRPr lang="zh-CN" altLang="en-US" dirty="0">
+                <a:solidFill>
+                  <a:srgbClr val="000000"/>
+                </a:solidFill>
+                <a:latin typeface="微软雅黑" pitchFamily="34" charset="-122"/>
+                <a:ea typeface="微软雅黑" pitchFamily="34" charset="-122"/>
+                <a:sym typeface="微软雅黑" pitchFamily="34" charset="-122"/>
+              </a:endParaRPr>
+            </a:p>
+          </p:txBody>
+        </p:sp>
+        <p:sp>
+          <p:nvSpPr>
+            <p:cNvPr id="111" name="文本框 112"/>
+            <p:cNvSpPr>
+              <a:spLocks noChangeArrowheads="1"/>
+            </p:cNvSpPr>
+            <p:nvPr/>
+          </p:nvSpPr>
+          <p:spPr bwMode="auto">
+            <a:xfrm>
+              <a:off x="0" y="0"/>
+              <a:ext cx="1415936" cy="461118"/>
+            </a:xfrm>
+            <a:prstGeom prst="rect">
+              <a:avLst/>
+            </a:prstGeom>
+            <a:noFill/>
+            <a:ln>
+              <a:noFill/>
+            </a:ln>
+            <a:extLst>
+              <a:ext uri="{909E8E84-426E-40DD-AFC4-6F175D3DCCD1}">
+                <a14:hiddenFill xmlns:a14="http://schemas.microsoft.com/office/drawing/2010/main">
+                  <a:solidFill>
+                    <a:srgbClr val="FFFFFF"/>
+                  </a:solidFill>
+                </a14:hiddenFill>
+              </a:ext>
+              <a:ext uri="{91240B29-F687-4F45-9708-019B960494DF}">
+                <a14:hiddenLine xmlns:a14="http://schemas.microsoft.com/office/drawing/2010/main" w="9525">
+                  <a:solidFill>
+                    <a:srgbClr val="000000"/>
+                  </a:solidFill>
+                  <a:miter lim="800000"/>
+                  <a:headEnd/>
+                  <a:tailEnd/>
+                </a14:hiddenLine>
+              </a:ext>
+            </a:extLst>
+          </p:spPr>
+          <p:txBody>
+            <a:bodyPr wrap="none">
+              <a:spAutoFit/>
+            </a:bodyPr>
+            <a:lstStyle/>
+            <a:p>
+              <a:r>
+                <a:rPr lang="zh-TW" altLang="en-US" sz="2400" dirty="0" smtClean="0">
+                  <a:solidFill>
+                    <a:srgbClr val="000000"/>
+                  </a:solidFill>
+                  <a:latin typeface="微软雅黑" pitchFamily="34" charset="-122"/>
+                  <a:ea typeface="微软雅黑" pitchFamily="34" charset="-122"/>
+                  <a:sym typeface="微软雅黑" pitchFamily="34" charset="-122"/>
+                </a:rPr>
+                <a:t>時程規</a:t>
+              </a:r>
+              <a:r>
+                <a:rPr lang="zh-TW" altLang="en-US" sz="2400" dirty="0">
+                  <a:solidFill>
+                    <a:srgbClr val="000000"/>
+                  </a:solidFill>
+                  <a:latin typeface="微软雅黑" pitchFamily="34" charset="-122"/>
+                  <a:ea typeface="微软雅黑" pitchFamily="34" charset="-122"/>
+                  <a:sym typeface="微软雅黑" pitchFamily="34" charset="-122"/>
+                </a:rPr>
+                <a:t>劃</a:t>
+              </a:r>
+              <a:endParaRPr lang="zh-CN" altLang="en-US" sz="2400" dirty="0">
+                <a:solidFill>
+                  <a:srgbClr val="000000"/>
+                </a:solidFill>
+                <a:latin typeface="微软雅黑" pitchFamily="34" charset="-122"/>
+                <a:ea typeface="微软雅黑" pitchFamily="34" charset="-122"/>
+                <a:sym typeface="微软雅黑" pitchFamily="34" charset="-122"/>
+              </a:endParaRPr>
+            </a:p>
+          </p:txBody>
+        </p:sp>
+      </p:grpSp>
+      <p:grpSp>
+        <p:nvGrpSpPr>
+          <p:cNvPr id="112" name="组合 113"/>
+          <p:cNvGrpSpPr>
+            <a:grpSpLocks/>
+          </p:cNvGrpSpPr>
+          <p:nvPr/>
+        </p:nvGrpSpPr>
+        <p:grpSpPr bwMode="auto">
+          <a:xfrm>
+            <a:off x="7966884" y="4367731"/>
+            <a:ext cx="2781531" cy="565370"/>
+            <a:chOff x="-2177" y="1102014"/>
+            <a:chExt cx="2781849" cy="565927"/>
+          </a:xfrm>
+        </p:grpSpPr>
+        <p:sp>
+          <p:nvSpPr>
+            <p:cNvPr id="113" name="文本框 114"/>
+            <p:cNvSpPr>
+              <a:spLocks noChangeArrowheads="1"/>
+            </p:cNvSpPr>
+            <p:nvPr/>
+          </p:nvSpPr>
+          <p:spPr bwMode="auto">
+            <a:xfrm>
+              <a:off x="-2177" y="1298245"/>
+              <a:ext cx="2781849" cy="369696"/>
+            </a:xfrm>
+            <a:prstGeom prst="rect">
+              <a:avLst/>
+            </a:prstGeom>
+            <a:noFill/>
+            <a:ln>
+              <a:noFill/>
+            </a:ln>
+            <a:extLst>
+              <a:ext uri="{909E8E84-426E-40DD-AFC4-6F175D3DCCD1}">
+                <a14:hiddenFill xmlns:a14="http://schemas.microsoft.com/office/drawing/2010/main">
+                  <a:solidFill>
+                    <a:srgbClr val="FFFFFF"/>
+                  </a:solidFill>
+                </a14:hiddenFill>
+              </a:ext>
+              <a:ext uri="{91240B29-F687-4F45-9708-019B960494DF}">
+                <a14:hiddenLine xmlns:a14="http://schemas.microsoft.com/office/drawing/2010/main" w="9525">
+                  <a:solidFill>
+                    <a:srgbClr val="000000"/>
+                  </a:solidFill>
+                  <a:miter lim="800000"/>
+                  <a:headEnd/>
+                  <a:tailEnd/>
+                </a14:hiddenLine>
+              </a:ext>
+            </a:extLst>
+          </p:spPr>
+          <p:txBody>
+            <a:bodyPr wrap="none">
+              <a:spAutoFit/>
+            </a:bodyPr>
+            <a:lstStyle/>
+            <a:p>
+              <a:r>
+                <a:rPr lang="en-US" altLang="zh-TW" dirty="0" smtClean="0">
+                  <a:solidFill>
+                    <a:srgbClr val="000000"/>
+                  </a:solidFill>
+                  <a:latin typeface="微软雅黑" pitchFamily="34" charset="-122"/>
+                  <a:ea typeface="微软雅黑" pitchFamily="34" charset="-122"/>
+                  <a:sym typeface="微软雅黑" pitchFamily="34" charset="-122"/>
+                </a:rPr>
+                <a:t>Architecture of Website</a:t>
+              </a:r>
+              <a:endParaRPr lang="zh-CN" altLang="en-US" dirty="0">
+                <a:solidFill>
+                  <a:srgbClr val="000000"/>
+                </a:solidFill>
+                <a:latin typeface="微软雅黑" pitchFamily="34" charset="-122"/>
+                <a:ea typeface="微软雅黑" pitchFamily="34" charset="-122"/>
+                <a:sym typeface="微软雅黑" pitchFamily="34" charset="-122"/>
+              </a:endParaRPr>
+            </a:p>
+          </p:txBody>
+        </p:sp>
+        <p:sp>
+          <p:nvSpPr>
+            <p:cNvPr id="114" name="文本框 115"/>
+            <p:cNvSpPr>
+              <a:spLocks noChangeArrowheads="1"/>
+            </p:cNvSpPr>
+            <p:nvPr/>
+          </p:nvSpPr>
+          <p:spPr bwMode="auto">
+            <a:xfrm>
+              <a:off x="-2177" y="1102014"/>
+              <a:ext cx="184752" cy="462120"/>
+            </a:xfrm>
+            <a:prstGeom prst="rect">
+              <a:avLst/>
+            </a:prstGeom>
+            <a:noFill/>
+            <a:ln>
+              <a:noFill/>
+            </a:ln>
+            <a:extLst>
+              <a:ext uri="{909E8E84-426E-40DD-AFC4-6F175D3DCCD1}">
+                <a14:hiddenFill xmlns:a14="http://schemas.microsoft.com/office/drawing/2010/main">
+                  <a:solidFill>
+                    <a:srgbClr val="FFFFFF"/>
+                  </a:solidFill>
+                </a14:hiddenFill>
+              </a:ext>
+              <a:ext uri="{91240B29-F687-4F45-9708-019B960494DF}">
+                <a14:hiddenLine xmlns:a14="http://schemas.microsoft.com/office/drawing/2010/main" w="9525">
+                  <a:solidFill>
+                    <a:srgbClr val="000000"/>
+                  </a:solidFill>
+                  <a:miter lim="800000"/>
+                  <a:headEnd/>
+                  <a:tailEnd/>
+                </a14:hiddenLine>
+              </a:ext>
+            </a:extLst>
+          </p:spPr>
+          <p:txBody>
+            <a:bodyPr wrap="none">
+              <a:spAutoFit/>
+            </a:bodyPr>
+            <a:lstStyle/>
+            <a:p>
+              <a:endParaRPr lang="zh-CN" altLang="en-US" sz="2400" dirty="0">
+                <a:solidFill>
+                  <a:srgbClr val="000000"/>
+                </a:solidFill>
+                <a:latin typeface="微软雅黑" pitchFamily="34" charset="-122"/>
+                <a:ea typeface="微软雅黑" pitchFamily="34" charset="-122"/>
+                <a:sym typeface="微软雅黑" pitchFamily="34" charset="-122"/>
+              </a:endParaRPr>
+            </a:p>
+          </p:txBody>
+        </p:sp>
+      </p:grpSp>
       <p:sp>
         <p:nvSpPr>
-          <p:cNvPr id="45" name="文本框 112">
+          <p:cNvPr id="115" name="文本框 112">
             <a:extLst>
               <a:ext uri="{FF2B5EF4-FFF2-40B4-BE49-F238E27FC236}">
                 <a16:creationId xmlns:a16="http://schemas.microsoft.com/office/drawing/2014/main" id="{BE6CC460-A769-754F-BF4F-E2D6DE494DAC}"/>
@@ -14869,7 +15244,7 @@
         </p:nvSpPr>
         <p:spPr bwMode="auto">
           <a:xfrm>
-            <a:off x="7367794" y="4666088"/>
+            <a:off x="7966884" y="4205808"/>
             <a:ext cx="1415772" cy="461665"/>
           </a:xfrm>
           <a:prstGeom prst="rect">
@@ -14906,7 +15281,7 @@
           <a:lstStyle/>
           <a:p>
             <a:r>
-              <a:rPr lang="zh-CN" altLang="en-US" sz="2400" dirty="0">
+              <a:rPr lang="zh-TW" altLang="en-US" sz="2400" dirty="0" smtClean="0">
                 <a:solidFill>
                   <a:srgbClr val="000000"/>
                 </a:solidFill>
@@ -14914,11 +15289,1053 @@
                 <a:ea typeface="微软雅黑" pitchFamily="34" charset="-122"/>
                 <a:sym typeface="微软雅黑" pitchFamily="34" charset="-122"/>
               </a:rPr>
-              <a:t>時程規劃</a:t>
+              <a:t>網站架</a:t>
             </a:r>
+            <a:r>
+              <a:rPr lang="zh-TW" altLang="en-US" sz="2400" dirty="0">
+                <a:solidFill>
+                  <a:srgbClr val="000000"/>
+                </a:solidFill>
+                <a:latin typeface="微软雅黑" pitchFamily="34" charset="-122"/>
+                <a:ea typeface="微软雅黑" pitchFamily="34" charset="-122"/>
+                <a:sym typeface="微软雅黑" pitchFamily="34" charset="-122"/>
+              </a:rPr>
+              <a:t>構</a:t>
+            </a:r>
+            <a:endParaRPr lang="zh-CN" altLang="en-US" sz="2400" dirty="0">
+              <a:solidFill>
+                <a:srgbClr val="000000"/>
+              </a:solidFill>
+              <a:latin typeface="微软雅黑" pitchFamily="34" charset="-122"/>
+              <a:ea typeface="微软雅黑" pitchFamily="34" charset="-122"/>
+              <a:sym typeface="微软雅黑" pitchFamily="34" charset="-122"/>
+            </a:endParaRPr>
           </a:p>
         </p:txBody>
       </p:sp>
+      <p:grpSp>
+        <p:nvGrpSpPr>
+          <p:cNvPr id="116" name="组合 8"/>
+          <p:cNvGrpSpPr>
+            <a:grpSpLocks/>
+          </p:cNvGrpSpPr>
+          <p:nvPr/>
+        </p:nvGrpSpPr>
+        <p:grpSpPr bwMode="auto">
+          <a:xfrm>
+            <a:off x="7219989" y="4053101"/>
+            <a:ext cx="665162" cy="716473"/>
+            <a:chOff x="0" y="0"/>
+            <a:chExt cx="665978" cy="716990"/>
+          </a:xfrm>
+        </p:grpSpPr>
+        <p:sp>
+          <p:nvSpPr>
+            <p:cNvPr id="117" name="椭圆 61"/>
+            <p:cNvSpPr>
+              <a:spLocks noChangeArrowheads="1"/>
+            </p:cNvSpPr>
+            <p:nvPr/>
+          </p:nvSpPr>
+          <p:spPr bwMode="auto">
+            <a:xfrm>
+              <a:off x="0" y="0"/>
+              <a:ext cx="665978" cy="665978"/>
+            </a:xfrm>
+            <a:prstGeom prst="ellipse">
+              <a:avLst/>
+            </a:prstGeom>
+            <a:solidFill>
+              <a:srgbClr val="F58D76"/>
+            </a:solidFill>
+            <a:ln>
+              <a:noFill/>
+            </a:ln>
+            <a:extLst>
+              <a:ext uri="{91240B29-F687-4F45-9708-019B960494DF}">
+                <a14:hiddenLine xmlns:a14="http://schemas.microsoft.com/office/drawing/2010/main" w="12700" cap="flat" cmpd="sng">
+                  <a:solidFill>
+                    <a:srgbClr val="42719B"/>
+                  </a:solidFill>
+                  <a:bevel/>
+                  <a:headEnd/>
+                  <a:tailEnd/>
+                </a14:hiddenLine>
+              </a:ext>
+            </a:extLst>
+          </p:spPr>
+          <p:txBody>
+            <a:bodyPr anchor="ctr"/>
+            <a:lstStyle/>
+            <a:p>
+              <a:pPr algn="ctr"/>
+              <a:endParaRPr lang="zh-CN" altLang="zh-CN">
+                <a:solidFill>
+                  <a:srgbClr val="FFFFFF"/>
+                </a:solidFill>
+                <a:latin typeface="宋体" pitchFamily="2" charset="-122"/>
+                <a:sym typeface="宋体" pitchFamily="2" charset="-122"/>
+              </a:endParaRPr>
+            </a:p>
+          </p:txBody>
+        </p:sp>
+        <p:sp>
+          <p:nvSpPr>
+            <p:cNvPr id="118" name="文本框 91"/>
+            <p:cNvSpPr>
+              <a:spLocks noChangeArrowheads="1"/>
+            </p:cNvSpPr>
+            <p:nvPr/>
+          </p:nvSpPr>
+          <p:spPr bwMode="auto">
+            <a:xfrm>
+              <a:off x="82760" y="8593"/>
+              <a:ext cx="501072" cy="708397"/>
+            </a:xfrm>
+            <a:prstGeom prst="rect">
+              <a:avLst/>
+            </a:prstGeom>
+            <a:noFill/>
+            <a:ln>
+              <a:noFill/>
+            </a:ln>
+            <a:extLst>
+              <a:ext uri="{909E8E84-426E-40DD-AFC4-6F175D3DCCD1}">
+                <a14:hiddenFill xmlns:a14="http://schemas.microsoft.com/office/drawing/2010/main">
+                  <a:solidFill>
+                    <a:srgbClr val="FFFFFF"/>
+                  </a:solidFill>
+                </a14:hiddenFill>
+              </a:ext>
+              <a:ext uri="{91240B29-F687-4F45-9708-019B960494DF}">
+                <a14:hiddenLine xmlns:a14="http://schemas.microsoft.com/office/drawing/2010/main" w="9525">
+                  <a:solidFill>
+                    <a:srgbClr val="000000"/>
+                  </a:solidFill>
+                  <a:miter lim="800000"/>
+                  <a:headEnd/>
+                  <a:tailEnd/>
+                </a14:hiddenLine>
+              </a:ext>
+            </a:extLst>
+          </p:spPr>
+          <p:txBody>
+            <a:bodyPr wrap="none">
+              <a:spAutoFit/>
+            </a:bodyPr>
+            <a:lstStyle/>
+            <a:p>
+              <a:r>
+                <a:rPr lang="en-US" altLang="zh-CN" sz="4000" b="1" dirty="0" smtClean="0">
+                  <a:solidFill>
+                    <a:srgbClr val="FFFBEF"/>
+                  </a:solidFill>
+                  <a:latin typeface="微软雅黑" pitchFamily="34" charset="-122"/>
+                  <a:ea typeface="微软雅黑" pitchFamily="34" charset="-122"/>
+                  <a:sym typeface="微软雅黑" pitchFamily="34" charset="-122"/>
+                </a:rPr>
+                <a:t>5</a:t>
+              </a:r>
+              <a:endParaRPr lang="zh-CN" altLang="en-US" sz="4000" b="1" dirty="0">
+                <a:solidFill>
+                  <a:srgbClr val="FFFBEF"/>
+                </a:solidFill>
+                <a:latin typeface="微软雅黑" pitchFamily="34" charset="-122"/>
+                <a:ea typeface="微软雅黑" pitchFamily="34" charset="-122"/>
+                <a:sym typeface="微软雅黑" pitchFamily="34" charset="-122"/>
+              </a:endParaRPr>
+            </a:p>
+          </p:txBody>
+        </p:sp>
+      </p:grpSp>
+      <p:grpSp>
+        <p:nvGrpSpPr>
+          <p:cNvPr id="119" name="组合 110"/>
+          <p:cNvGrpSpPr>
+            <a:grpSpLocks/>
+          </p:cNvGrpSpPr>
+          <p:nvPr/>
+        </p:nvGrpSpPr>
+        <p:grpSpPr bwMode="auto">
+          <a:xfrm>
+            <a:off x="7967137" y="2379212"/>
+            <a:ext cx="2075889" cy="731399"/>
+            <a:chOff x="0" y="0"/>
+            <a:chExt cx="2076130" cy="730532"/>
+          </a:xfrm>
+        </p:grpSpPr>
+        <p:sp>
+          <p:nvSpPr>
+            <p:cNvPr id="120" name="文本框 111"/>
+            <p:cNvSpPr>
+              <a:spLocks noChangeArrowheads="1"/>
+            </p:cNvSpPr>
+            <p:nvPr/>
+          </p:nvSpPr>
+          <p:spPr bwMode="auto">
+            <a:xfrm>
+              <a:off x="0" y="361638"/>
+              <a:ext cx="2076130" cy="368894"/>
+            </a:xfrm>
+            <a:prstGeom prst="rect">
+              <a:avLst/>
+            </a:prstGeom>
+            <a:noFill/>
+            <a:ln>
+              <a:noFill/>
+            </a:ln>
+            <a:extLst>
+              <a:ext uri="{909E8E84-426E-40DD-AFC4-6F175D3DCCD1}">
+                <a14:hiddenFill xmlns:a14="http://schemas.microsoft.com/office/drawing/2010/main">
+                  <a:solidFill>
+                    <a:srgbClr val="FFFFFF"/>
+                  </a:solidFill>
+                </a14:hiddenFill>
+              </a:ext>
+              <a:ext uri="{91240B29-F687-4F45-9708-019B960494DF}">
+                <a14:hiddenLine xmlns:a14="http://schemas.microsoft.com/office/drawing/2010/main" w="9525">
+                  <a:solidFill>
+                    <a:srgbClr val="000000"/>
+                  </a:solidFill>
+                  <a:miter lim="800000"/>
+                  <a:headEnd/>
+                  <a:tailEnd/>
+                </a14:hiddenLine>
+              </a:ext>
+            </a:extLst>
+          </p:spPr>
+          <p:txBody>
+            <a:bodyPr wrap="none">
+              <a:spAutoFit/>
+            </a:bodyPr>
+            <a:lstStyle/>
+            <a:p>
+              <a:r>
+                <a:rPr lang="en-US" altLang="zh-TW" dirty="0" smtClean="0">
+                  <a:solidFill>
+                    <a:srgbClr val="000000"/>
+                  </a:solidFill>
+                  <a:latin typeface="微软雅黑" pitchFamily="34" charset="-122"/>
+                  <a:ea typeface="微软雅黑" pitchFamily="34" charset="-122"/>
+                  <a:sym typeface="微软雅黑" pitchFamily="34" charset="-122"/>
+                </a:rPr>
+                <a:t>Meeting Minutes</a:t>
+              </a:r>
+              <a:endParaRPr lang="zh-CN" altLang="en-US" dirty="0">
+                <a:solidFill>
+                  <a:srgbClr val="000000"/>
+                </a:solidFill>
+                <a:latin typeface="微软雅黑" pitchFamily="34" charset="-122"/>
+                <a:ea typeface="微软雅黑" pitchFamily="34" charset="-122"/>
+                <a:sym typeface="微软雅黑" pitchFamily="34" charset="-122"/>
+              </a:endParaRPr>
+            </a:p>
+          </p:txBody>
+        </p:sp>
+        <p:sp>
+          <p:nvSpPr>
+            <p:cNvPr id="121" name="文本框 112"/>
+            <p:cNvSpPr>
+              <a:spLocks noChangeArrowheads="1"/>
+            </p:cNvSpPr>
+            <p:nvPr/>
+          </p:nvSpPr>
+          <p:spPr bwMode="auto">
+            <a:xfrm>
+              <a:off x="0" y="0"/>
+              <a:ext cx="1415936" cy="461118"/>
+            </a:xfrm>
+            <a:prstGeom prst="rect">
+              <a:avLst/>
+            </a:prstGeom>
+            <a:noFill/>
+            <a:ln>
+              <a:noFill/>
+            </a:ln>
+            <a:extLst>
+              <a:ext uri="{909E8E84-426E-40DD-AFC4-6F175D3DCCD1}">
+                <a14:hiddenFill xmlns:a14="http://schemas.microsoft.com/office/drawing/2010/main">
+                  <a:solidFill>
+                    <a:srgbClr val="FFFFFF"/>
+                  </a:solidFill>
+                </a14:hiddenFill>
+              </a:ext>
+              <a:ext uri="{91240B29-F687-4F45-9708-019B960494DF}">
+                <a14:hiddenLine xmlns:a14="http://schemas.microsoft.com/office/drawing/2010/main" w="9525">
+                  <a:solidFill>
+                    <a:srgbClr val="000000"/>
+                  </a:solidFill>
+                  <a:miter lim="800000"/>
+                  <a:headEnd/>
+                  <a:tailEnd/>
+                </a14:hiddenLine>
+              </a:ext>
+            </a:extLst>
+          </p:spPr>
+          <p:txBody>
+            <a:bodyPr wrap="none">
+              <a:spAutoFit/>
+            </a:bodyPr>
+            <a:lstStyle/>
+            <a:p>
+              <a:r>
+                <a:rPr lang="zh-TW" altLang="en-US" sz="2400" dirty="0" smtClean="0">
+                  <a:solidFill>
+                    <a:srgbClr val="000000"/>
+                  </a:solidFill>
+                  <a:latin typeface="微软雅黑" pitchFamily="34" charset="-122"/>
+                  <a:ea typeface="微软雅黑" pitchFamily="34" charset="-122"/>
+                  <a:sym typeface="微软雅黑" pitchFamily="34" charset="-122"/>
+                </a:rPr>
+                <a:t>會議</a:t>
+              </a:r>
+              <a:r>
+                <a:rPr lang="zh-TW" altLang="en-US" sz="2400" dirty="0">
+                  <a:solidFill>
+                    <a:srgbClr val="000000"/>
+                  </a:solidFill>
+                  <a:latin typeface="微软雅黑" pitchFamily="34" charset="-122"/>
+                  <a:ea typeface="微软雅黑" pitchFamily="34" charset="-122"/>
+                  <a:sym typeface="微软雅黑" pitchFamily="34" charset="-122"/>
+                </a:rPr>
+                <a:t>記錄</a:t>
+              </a:r>
+              <a:endParaRPr lang="zh-CN" altLang="en-US" sz="2400" dirty="0">
+                <a:solidFill>
+                  <a:srgbClr val="000000"/>
+                </a:solidFill>
+                <a:latin typeface="微软雅黑" pitchFamily="34" charset="-122"/>
+                <a:ea typeface="微软雅黑" pitchFamily="34" charset="-122"/>
+                <a:sym typeface="微软雅黑" pitchFamily="34" charset="-122"/>
+              </a:endParaRPr>
+            </a:p>
+          </p:txBody>
+        </p:sp>
+      </p:grpSp>
+      <p:grpSp>
+        <p:nvGrpSpPr>
+          <p:cNvPr id="122" name="组合 113"/>
+          <p:cNvGrpSpPr>
+            <a:grpSpLocks/>
+          </p:cNvGrpSpPr>
+          <p:nvPr/>
+        </p:nvGrpSpPr>
+        <p:grpSpPr bwMode="auto">
+          <a:xfrm>
+            <a:off x="7966884" y="5170240"/>
+            <a:ext cx="1818255" cy="565370"/>
+            <a:chOff x="-2177" y="1102014"/>
+            <a:chExt cx="1818463" cy="565927"/>
+          </a:xfrm>
+        </p:grpSpPr>
+        <p:sp>
+          <p:nvSpPr>
+            <p:cNvPr id="123" name="文本框 114"/>
+            <p:cNvSpPr>
+              <a:spLocks noChangeArrowheads="1"/>
+            </p:cNvSpPr>
+            <p:nvPr/>
+          </p:nvSpPr>
+          <p:spPr bwMode="auto">
+            <a:xfrm>
+              <a:off x="-2177" y="1298245"/>
+              <a:ext cx="1818463" cy="369696"/>
+            </a:xfrm>
+            <a:prstGeom prst="rect">
+              <a:avLst/>
+            </a:prstGeom>
+            <a:noFill/>
+            <a:ln>
+              <a:noFill/>
+            </a:ln>
+            <a:extLst>
+              <a:ext uri="{909E8E84-426E-40DD-AFC4-6F175D3DCCD1}">
+                <a14:hiddenFill xmlns:a14="http://schemas.microsoft.com/office/drawing/2010/main">
+                  <a:solidFill>
+                    <a:srgbClr val="FFFFFF"/>
+                  </a:solidFill>
+                </a14:hiddenFill>
+              </a:ext>
+              <a:ext uri="{91240B29-F687-4F45-9708-019B960494DF}">
+                <a14:hiddenLine xmlns:a14="http://schemas.microsoft.com/office/drawing/2010/main" w="9525">
+                  <a:solidFill>
+                    <a:srgbClr val="000000"/>
+                  </a:solidFill>
+                  <a:miter lim="800000"/>
+                  <a:headEnd/>
+                  <a:tailEnd/>
+                </a14:hiddenLine>
+              </a:ext>
+            </a:extLst>
+          </p:spPr>
+          <p:txBody>
+            <a:bodyPr wrap="none">
+              <a:spAutoFit/>
+            </a:bodyPr>
+            <a:lstStyle/>
+            <a:p>
+              <a:r>
+                <a:rPr lang="en-US" altLang="zh-TW" dirty="0" smtClean="0">
+                  <a:solidFill>
+                    <a:srgbClr val="000000"/>
+                  </a:solidFill>
+                  <a:latin typeface="微软雅黑" pitchFamily="34" charset="-122"/>
+                  <a:ea typeface="微软雅黑" pitchFamily="34" charset="-122"/>
+                  <a:sym typeface="微软雅黑" pitchFamily="34" charset="-122"/>
+                </a:rPr>
+                <a:t>Website Demo</a:t>
+              </a:r>
+              <a:endParaRPr lang="zh-CN" altLang="en-US" dirty="0">
+                <a:solidFill>
+                  <a:srgbClr val="000000"/>
+                </a:solidFill>
+                <a:latin typeface="微软雅黑" pitchFamily="34" charset="-122"/>
+                <a:ea typeface="微软雅黑" pitchFamily="34" charset="-122"/>
+                <a:sym typeface="微软雅黑" pitchFamily="34" charset="-122"/>
+              </a:endParaRPr>
+            </a:p>
+          </p:txBody>
+        </p:sp>
+        <p:sp>
+          <p:nvSpPr>
+            <p:cNvPr id="124" name="文本框 115"/>
+            <p:cNvSpPr>
+              <a:spLocks noChangeArrowheads="1"/>
+            </p:cNvSpPr>
+            <p:nvPr/>
+          </p:nvSpPr>
+          <p:spPr bwMode="auto">
+            <a:xfrm>
+              <a:off x="-2177" y="1102014"/>
+              <a:ext cx="184752" cy="462120"/>
+            </a:xfrm>
+            <a:prstGeom prst="rect">
+              <a:avLst/>
+            </a:prstGeom>
+            <a:noFill/>
+            <a:ln>
+              <a:noFill/>
+            </a:ln>
+            <a:extLst>
+              <a:ext uri="{909E8E84-426E-40DD-AFC4-6F175D3DCCD1}">
+                <a14:hiddenFill xmlns:a14="http://schemas.microsoft.com/office/drawing/2010/main">
+                  <a:solidFill>
+                    <a:srgbClr val="FFFFFF"/>
+                  </a:solidFill>
+                </a14:hiddenFill>
+              </a:ext>
+              <a:ext uri="{91240B29-F687-4F45-9708-019B960494DF}">
+                <a14:hiddenLine xmlns:a14="http://schemas.microsoft.com/office/drawing/2010/main" w="9525">
+                  <a:solidFill>
+                    <a:srgbClr val="000000"/>
+                  </a:solidFill>
+                  <a:miter lim="800000"/>
+                  <a:headEnd/>
+                  <a:tailEnd/>
+                </a14:hiddenLine>
+              </a:ext>
+            </a:extLst>
+          </p:spPr>
+          <p:txBody>
+            <a:bodyPr wrap="none">
+              <a:spAutoFit/>
+            </a:bodyPr>
+            <a:lstStyle/>
+            <a:p>
+              <a:endParaRPr lang="zh-CN" altLang="en-US" sz="2400" dirty="0">
+                <a:solidFill>
+                  <a:srgbClr val="000000"/>
+                </a:solidFill>
+                <a:latin typeface="微软雅黑" pitchFamily="34" charset="-122"/>
+                <a:ea typeface="微软雅黑" pitchFamily="34" charset="-122"/>
+                <a:sym typeface="微软雅黑" pitchFamily="34" charset="-122"/>
+              </a:endParaRPr>
+            </a:p>
+          </p:txBody>
+        </p:sp>
+      </p:grpSp>
+      <p:sp>
+        <p:nvSpPr>
+          <p:cNvPr id="125" name="文本框 112">
+            <a:extLst>
+              <a:ext uri="{FF2B5EF4-FFF2-40B4-BE49-F238E27FC236}">
+                <a16:creationId xmlns:a16="http://schemas.microsoft.com/office/drawing/2014/main" id="{BE6CC460-A769-754F-BF4F-E2D6DE494DAC}"/>
+              </a:ext>
+            </a:extLst>
+          </p:cNvPr>
+          <p:cNvSpPr>
+            <a:spLocks noChangeArrowheads="1"/>
+          </p:cNvSpPr>
+          <p:nvPr/>
+        </p:nvSpPr>
+        <p:spPr bwMode="auto">
+          <a:xfrm>
+            <a:off x="7966884" y="5008317"/>
+            <a:ext cx="1415772" cy="461665"/>
+          </a:xfrm>
+          <a:prstGeom prst="rect">
+            <a:avLst/>
+          </a:prstGeom>
+          <a:noFill/>
+          <a:ln>
+            <a:noFill/>
+          </a:ln>
+          <a:extLst>
+            <a:ext uri="{909E8E84-426E-40DD-AFC4-6F175D3DCCD1}">
+              <a14:hiddenFill xmlns:a14="http://schemas.microsoft.com/office/drawing/2010/main">
+                <a:solidFill>
+                  <a:srgbClr val="FFFFFF"/>
+                </a:solidFill>
+              </a14:hiddenFill>
+            </a:ext>
+            <a:ext uri="{91240B29-F687-4F45-9708-019B960494DF}">
+              <a14:hiddenLine xmlns:a14="http://schemas.microsoft.com/office/drawing/2010/main" w="9525">
+                <a:solidFill>
+                  <a:srgbClr val="000000"/>
+                </a:solidFill>
+                <a:miter lim="800000"/>
+                <a:headEnd/>
+                <a:tailEnd/>
+              </a14:hiddenLine>
+            </a:ext>
+          </a:extLst>
+        </p:spPr>
+        <p:txBody>
+          <a:bodyPr wrap="none">
+            <a:spAutoFit/>
+          </a:bodyPr>
+          <a:lstStyle/>
+          <a:p>
+            <a:r>
+              <a:rPr lang="zh-TW" altLang="en-US" sz="2400" dirty="0" smtClean="0">
+                <a:solidFill>
+                  <a:srgbClr val="000000"/>
+                </a:solidFill>
+                <a:latin typeface="微软雅黑" pitchFamily="34" charset="-122"/>
+                <a:ea typeface="微软雅黑" pitchFamily="34" charset="-122"/>
+                <a:sym typeface="微软雅黑" pitchFamily="34" charset="-122"/>
+              </a:rPr>
+              <a:t>網站展</a:t>
+            </a:r>
+            <a:r>
+              <a:rPr lang="zh-TW" altLang="en-US" sz="2400" dirty="0">
+                <a:solidFill>
+                  <a:srgbClr val="000000"/>
+                </a:solidFill>
+                <a:latin typeface="微软雅黑" pitchFamily="34" charset="-122"/>
+                <a:ea typeface="微软雅黑" pitchFamily="34" charset="-122"/>
+                <a:sym typeface="微软雅黑" pitchFamily="34" charset="-122"/>
+              </a:rPr>
+              <a:t>示</a:t>
+            </a:r>
+            <a:endParaRPr lang="zh-CN" altLang="en-US" sz="2400" dirty="0">
+              <a:solidFill>
+                <a:srgbClr val="000000"/>
+              </a:solidFill>
+              <a:latin typeface="微软雅黑" pitchFamily="34" charset="-122"/>
+              <a:ea typeface="微软雅黑" pitchFamily="34" charset="-122"/>
+              <a:sym typeface="微软雅黑" pitchFamily="34" charset="-122"/>
+            </a:endParaRPr>
+          </a:p>
+        </p:txBody>
+      </p:sp>
+      <p:grpSp>
+        <p:nvGrpSpPr>
+          <p:cNvPr id="126" name="组合 8"/>
+          <p:cNvGrpSpPr>
+            <a:grpSpLocks/>
+          </p:cNvGrpSpPr>
+          <p:nvPr/>
+        </p:nvGrpSpPr>
+        <p:grpSpPr bwMode="auto">
+          <a:xfrm>
+            <a:off x="7202139" y="4880912"/>
+            <a:ext cx="665162" cy="716473"/>
+            <a:chOff x="0" y="0"/>
+            <a:chExt cx="665978" cy="716990"/>
+          </a:xfrm>
+        </p:grpSpPr>
+        <p:sp>
+          <p:nvSpPr>
+            <p:cNvPr id="127" name="椭圆 61"/>
+            <p:cNvSpPr>
+              <a:spLocks noChangeArrowheads="1"/>
+            </p:cNvSpPr>
+            <p:nvPr/>
+          </p:nvSpPr>
+          <p:spPr bwMode="auto">
+            <a:xfrm>
+              <a:off x="0" y="0"/>
+              <a:ext cx="665978" cy="665978"/>
+            </a:xfrm>
+            <a:prstGeom prst="ellipse">
+              <a:avLst/>
+            </a:prstGeom>
+            <a:solidFill>
+              <a:srgbClr val="A1BD70"/>
+            </a:solidFill>
+            <a:ln>
+              <a:noFill/>
+            </a:ln>
+            <a:extLst>
+              <a:ext uri="{91240B29-F687-4F45-9708-019B960494DF}">
+                <a14:hiddenLine xmlns:a14="http://schemas.microsoft.com/office/drawing/2010/main" w="12700" cap="flat" cmpd="sng">
+                  <a:solidFill>
+                    <a:srgbClr val="42719B"/>
+                  </a:solidFill>
+                  <a:bevel/>
+                  <a:headEnd/>
+                  <a:tailEnd/>
+                </a14:hiddenLine>
+              </a:ext>
+            </a:extLst>
+          </p:spPr>
+          <p:txBody>
+            <a:bodyPr anchor="ctr"/>
+            <a:lstStyle/>
+            <a:p>
+              <a:pPr algn="ctr"/>
+              <a:endParaRPr lang="zh-CN" altLang="zh-CN">
+                <a:solidFill>
+                  <a:srgbClr val="FFFFFF"/>
+                </a:solidFill>
+                <a:latin typeface="宋体" pitchFamily="2" charset="-122"/>
+                <a:sym typeface="宋体" pitchFamily="2" charset="-122"/>
+              </a:endParaRPr>
+            </a:p>
+          </p:txBody>
+        </p:sp>
+        <p:sp>
+          <p:nvSpPr>
+            <p:cNvPr id="128" name="文本框 91"/>
+            <p:cNvSpPr>
+              <a:spLocks noChangeArrowheads="1"/>
+            </p:cNvSpPr>
+            <p:nvPr/>
+          </p:nvSpPr>
+          <p:spPr bwMode="auto">
+            <a:xfrm>
+              <a:off x="82760" y="8593"/>
+              <a:ext cx="501072" cy="708397"/>
+            </a:xfrm>
+            <a:prstGeom prst="rect">
+              <a:avLst/>
+            </a:prstGeom>
+            <a:noFill/>
+            <a:ln>
+              <a:noFill/>
+            </a:ln>
+            <a:extLst>
+              <a:ext uri="{909E8E84-426E-40DD-AFC4-6F175D3DCCD1}">
+                <a14:hiddenFill xmlns:a14="http://schemas.microsoft.com/office/drawing/2010/main">
+                  <a:solidFill>
+                    <a:srgbClr val="FFFFFF"/>
+                  </a:solidFill>
+                </a14:hiddenFill>
+              </a:ext>
+              <a:ext uri="{91240B29-F687-4F45-9708-019B960494DF}">
+                <a14:hiddenLine xmlns:a14="http://schemas.microsoft.com/office/drawing/2010/main" w="9525">
+                  <a:solidFill>
+                    <a:srgbClr val="000000"/>
+                  </a:solidFill>
+                  <a:miter lim="800000"/>
+                  <a:headEnd/>
+                  <a:tailEnd/>
+                </a14:hiddenLine>
+              </a:ext>
+            </a:extLst>
+          </p:spPr>
+          <p:txBody>
+            <a:bodyPr wrap="none">
+              <a:spAutoFit/>
+            </a:bodyPr>
+            <a:lstStyle/>
+            <a:p>
+              <a:r>
+                <a:rPr lang="en-US" altLang="zh-CN" sz="4000" b="1" dirty="0" smtClean="0">
+                  <a:solidFill>
+                    <a:srgbClr val="FFFBEF"/>
+                  </a:solidFill>
+                  <a:latin typeface="微软雅黑" pitchFamily="34" charset="-122"/>
+                  <a:ea typeface="微软雅黑" pitchFamily="34" charset="-122"/>
+                  <a:sym typeface="微软雅黑" pitchFamily="34" charset="-122"/>
+                </a:rPr>
+                <a:t>6</a:t>
+              </a:r>
+              <a:endParaRPr lang="zh-CN" altLang="en-US" sz="4000" b="1" dirty="0">
+                <a:solidFill>
+                  <a:srgbClr val="FFFBEF"/>
+                </a:solidFill>
+                <a:latin typeface="微软雅黑" pitchFamily="34" charset="-122"/>
+                <a:ea typeface="微软雅黑" pitchFamily="34" charset="-122"/>
+                <a:sym typeface="微软雅黑" pitchFamily="34" charset="-122"/>
+              </a:endParaRPr>
+            </a:p>
+          </p:txBody>
+        </p:sp>
+      </p:grpSp>
+      <p:grpSp>
+        <p:nvGrpSpPr>
+          <p:cNvPr id="129" name="组合 113"/>
+          <p:cNvGrpSpPr>
+            <a:grpSpLocks/>
+          </p:cNvGrpSpPr>
+          <p:nvPr/>
+        </p:nvGrpSpPr>
+        <p:grpSpPr bwMode="auto">
+          <a:xfrm>
+            <a:off x="7951386" y="5989866"/>
+            <a:ext cx="1800814" cy="461665"/>
+            <a:chOff x="-17677" y="1102014"/>
+            <a:chExt cx="1801019" cy="462120"/>
+          </a:xfrm>
+        </p:grpSpPr>
+        <p:sp>
+          <p:nvSpPr>
+            <p:cNvPr id="130" name="文本框 114"/>
+            <p:cNvSpPr>
+              <a:spLocks noChangeArrowheads="1"/>
+            </p:cNvSpPr>
+            <p:nvPr/>
+          </p:nvSpPr>
+          <p:spPr bwMode="auto">
+            <a:xfrm>
+              <a:off x="-17677" y="1194438"/>
+              <a:ext cx="1801019" cy="369696"/>
+            </a:xfrm>
+            <a:prstGeom prst="rect">
+              <a:avLst/>
+            </a:prstGeom>
+            <a:noFill/>
+            <a:ln>
+              <a:noFill/>
+            </a:ln>
+            <a:extLst>
+              <a:ext uri="{909E8E84-426E-40DD-AFC4-6F175D3DCCD1}">
+                <a14:hiddenFill xmlns:a14="http://schemas.microsoft.com/office/drawing/2010/main">
+                  <a:solidFill>
+                    <a:srgbClr val="FFFFFF"/>
+                  </a:solidFill>
+                </a14:hiddenFill>
+              </a:ext>
+              <a:ext uri="{91240B29-F687-4F45-9708-019B960494DF}">
+                <a14:hiddenLine xmlns:a14="http://schemas.microsoft.com/office/drawing/2010/main" w="9525">
+                  <a:solidFill>
+                    <a:srgbClr val="000000"/>
+                  </a:solidFill>
+                  <a:miter lim="800000"/>
+                  <a:headEnd/>
+                  <a:tailEnd/>
+                </a14:hiddenLine>
+              </a:ext>
+            </a:extLst>
+          </p:spPr>
+          <p:txBody>
+            <a:bodyPr wrap="none">
+              <a:spAutoFit/>
+            </a:bodyPr>
+            <a:lstStyle/>
+            <a:p>
+              <a:r>
+                <a:rPr lang="en-US" altLang="zh-TW" dirty="0" smtClean="0">
+                  <a:solidFill>
+                    <a:srgbClr val="000000"/>
+                  </a:solidFill>
+                  <a:latin typeface="微软雅黑" pitchFamily="34" charset="-122"/>
+                  <a:ea typeface="微软雅黑" pitchFamily="34" charset="-122"/>
+                  <a:sym typeface="微软雅黑" pitchFamily="34" charset="-122"/>
+                </a:rPr>
+                <a:t>Self Evaluation</a:t>
+              </a:r>
+              <a:endParaRPr lang="zh-CN" altLang="en-US" dirty="0">
+                <a:solidFill>
+                  <a:srgbClr val="000000"/>
+                </a:solidFill>
+                <a:latin typeface="微软雅黑" pitchFamily="34" charset="-122"/>
+                <a:ea typeface="微软雅黑" pitchFamily="34" charset="-122"/>
+                <a:sym typeface="微软雅黑" pitchFamily="34" charset="-122"/>
+              </a:endParaRPr>
+            </a:p>
+          </p:txBody>
+        </p:sp>
+        <p:sp>
+          <p:nvSpPr>
+            <p:cNvPr id="131" name="文本框 115"/>
+            <p:cNvSpPr>
+              <a:spLocks noChangeArrowheads="1"/>
+            </p:cNvSpPr>
+            <p:nvPr/>
+          </p:nvSpPr>
+          <p:spPr bwMode="auto">
+            <a:xfrm>
+              <a:off x="-2177" y="1102014"/>
+              <a:ext cx="184752" cy="462120"/>
+            </a:xfrm>
+            <a:prstGeom prst="rect">
+              <a:avLst/>
+            </a:prstGeom>
+            <a:noFill/>
+            <a:ln>
+              <a:noFill/>
+            </a:ln>
+            <a:extLst>
+              <a:ext uri="{909E8E84-426E-40DD-AFC4-6F175D3DCCD1}">
+                <a14:hiddenFill xmlns:a14="http://schemas.microsoft.com/office/drawing/2010/main">
+                  <a:solidFill>
+                    <a:srgbClr val="FFFFFF"/>
+                  </a:solidFill>
+                </a14:hiddenFill>
+              </a:ext>
+              <a:ext uri="{91240B29-F687-4F45-9708-019B960494DF}">
+                <a14:hiddenLine xmlns:a14="http://schemas.microsoft.com/office/drawing/2010/main" w="9525">
+                  <a:solidFill>
+                    <a:srgbClr val="000000"/>
+                  </a:solidFill>
+                  <a:miter lim="800000"/>
+                  <a:headEnd/>
+                  <a:tailEnd/>
+                </a14:hiddenLine>
+              </a:ext>
+            </a:extLst>
+          </p:spPr>
+          <p:txBody>
+            <a:bodyPr wrap="none">
+              <a:spAutoFit/>
+            </a:bodyPr>
+            <a:lstStyle/>
+            <a:p>
+              <a:endParaRPr lang="zh-CN" altLang="en-US" sz="2400" dirty="0">
+                <a:solidFill>
+                  <a:srgbClr val="000000"/>
+                </a:solidFill>
+                <a:latin typeface="微软雅黑" pitchFamily="34" charset="-122"/>
+                <a:ea typeface="微软雅黑" pitchFamily="34" charset="-122"/>
+                <a:sym typeface="微软雅黑" pitchFamily="34" charset="-122"/>
+              </a:endParaRPr>
+            </a:p>
+          </p:txBody>
+        </p:sp>
+      </p:grpSp>
+      <p:sp>
+        <p:nvSpPr>
+          <p:cNvPr id="132" name="文本框 112">
+            <a:extLst>
+              <a:ext uri="{FF2B5EF4-FFF2-40B4-BE49-F238E27FC236}">
+                <a16:creationId xmlns:a16="http://schemas.microsoft.com/office/drawing/2014/main" id="{BE6CC460-A769-754F-BF4F-E2D6DE494DAC}"/>
+              </a:ext>
+            </a:extLst>
+          </p:cNvPr>
+          <p:cNvSpPr>
+            <a:spLocks noChangeArrowheads="1"/>
+          </p:cNvSpPr>
+          <p:nvPr/>
+        </p:nvSpPr>
+        <p:spPr bwMode="auto">
+          <a:xfrm>
+            <a:off x="7966884" y="5722844"/>
+            <a:ext cx="1415772" cy="461665"/>
+          </a:xfrm>
+          <a:prstGeom prst="rect">
+            <a:avLst/>
+          </a:prstGeom>
+          <a:noFill/>
+          <a:ln>
+            <a:noFill/>
+          </a:ln>
+          <a:extLst>
+            <a:ext uri="{909E8E84-426E-40DD-AFC4-6F175D3DCCD1}">
+              <a14:hiddenFill xmlns:a14="http://schemas.microsoft.com/office/drawing/2010/main">
+                <a:solidFill>
+                  <a:srgbClr val="FFFFFF"/>
+                </a:solidFill>
+              </a14:hiddenFill>
+            </a:ext>
+            <a:ext uri="{91240B29-F687-4F45-9708-019B960494DF}">
+              <a14:hiddenLine xmlns:a14="http://schemas.microsoft.com/office/drawing/2010/main" w="9525">
+                <a:solidFill>
+                  <a:srgbClr val="000000"/>
+                </a:solidFill>
+                <a:miter lim="800000"/>
+                <a:headEnd/>
+                <a:tailEnd/>
+              </a14:hiddenLine>
+            </a:ext>
+          </a:extLst>
+        </p:spPr>
+        <p:txBody>
+          <a:bodyPr wrap="none">
+            <a:spAutoFit/>
+          </a:bodyPr>
+          <a:lstStyle/>
+          <a:p>
+            <a:r>
+              <a:rPr lang="zh-TW" altLang="en-US" sz="2400" dirty="0" smtClean="0">
+                <a:solidFill>
+                  <a:srgbClr val="000000"/>
+                </a:solidFill>
+                <a:latin typeface="微软雅黑" pitchFamily="34" charset="-122"/>
+                <a:ea typeface="微软雅黑" pitchFamily="34" charset="-122"/>
+                <a:sym typeface="微软雅黑" pitchFamily="34" charset="-122"/>
+              </a:rPr>
+              <a:t>組員自</a:t>
+            </a:r>
+            <a:r>
+              <a:rPr lang="zh-TW" altLang="en-US" sz="2400" dirty="0">
+                <a:solidFill>
+                  <a:srgbClr val="000000"/>
+                </a:solidFill>
+                <a:latin typeface="微软雅黑" pitchFamily="34" charset="-122"/>
+                <a:ea typeface="微软雅黑" pitchFamily="34" charset="-122"/>
+                <a:sym typeface="微软雅黑" pitchFamily="34" charset="-122"/>
+              </a:rPr>
+              <a:t>評</a:t>
+            </a:r>
+            <a:endParaRPr lang="zh-CN" altLang="en-US" sz="2400" dirty="0">
+              <a:solidFill>
+                <a:srgbClr val="000000"/>
+              </a:solidFill>
+              <a:latin typeface="微软雅黑" pitchFamily="34" charset="-122"/>
+              <a:ea typeface="微软雅黑" pitchFamily="34" charset="-122"/>
+              <a:sym typeface="微软雅黑" pitchFamily="34" charset="-122"/>
+            </a:endParaRPr>
+          </a:p>
+        </p:txBody>
+      </p:sp>
+      <p:grpSp>
+        <p:nvGrpSpPr>
+          <p:cNvPr id="133" name="组合 8"/>
+          <p:cNvGrpSpPr>
+            <a:grpSpLocks/>
+          </p:cNvGrpSpPr>
+          <p:nvPr/>
+        </p:nvGrpSpPr>
+        <p:grpSpPr bwMode="auto">
+          <a:xfrm>
+            <a:off x="7210908" y="5700538"/>
+            <a:ext cx="665162" cy="716473"/>
+            <a:chOff x="0" y="0"/>
+            <a:chExt cx="665978" cy="716990"/>
+          </a:xfrm>
+        </p:grpSpPr>
+        <p:sp>
+          <p:nvSpPr>
+            <p:cNvPr id="134" name="椭圆 61"/>
+            <p:cNvSpPr>
+              <a:spLocks noChangeArrowheads="1"/>
+            </p:cNvSpPr>
+            <p:nvPr/>
+          </p:nvSpPr>
+          <p:spPr bwMode="auto">
+            <a:xfrm>
+              <a:off x="0" y="0"/>
+              <a:ext cx="665978" cy="665978"/>
+            </a:xfrm>
+            <a:prstGeom prst="ellipse">
+              <a:avLst/>
+            </a:prstGeom>
+            <a:solidFill>
+              <a:srgbClr val="FFDE6F"/>
+            </a:solidFill>
+            <a:ln>
+              <a:noFill/>
+            </a:ln>
+            <a:extLst>
+              <a:ext uri="{91240B29-F687-4F45-9708-019B960494DF}">
+                <a14:hiddenLine xmlns:a14="http://schemas.microsoft.com/office/drawing/2010/main" w="12700" cap="flat" cmpd="sng">
+                  <a:solidFill>
+                    <a:srgbClr val="42719B"/>
+                  </a:solidFill>
+                  <a:bevel/>
+                  <a:headEnd/>
+                  <a:tailEnd/>
+                </a14:hiddenLine>
+              </a:ext>
+            </a:extLst>
+          </p:spPr>
+          <p:txBody>
+            <a:bodyPr anchor="ctr"/>
+            <a:lstStyle/>
+            <a:p>
+              <a:pPr algn="ctr"/>
+              <a:endParaRPr lang="zh-CN" altLang="zh-CN">
+                <a:solidFill>
+                  <a:srgbClr val="FFFFFF"/>
+                </a:solidFill>
+                <a:latin typeface="宋体" pitchFamily="2" charset="-122"/>
+                <a:sym typeface="宋体" pitchFamily="2" charset="-122"/>
+              </a:endParaRPr>
+            </a:p>
+          </p:txBody>
+        </p:sp>
+        <p:sp>
+          <p:nvSpPr>
+            <p:cNvPr id="135" name="文本框 91"/>
+            <p:cNvSpPr>
+              <a:spLocks noChangeArrowheads="1"/>
+            </p:cNvSpPr>
+            <p:nvPr/>
+          </p:nvSpPr>
+          <p:spPr bwMode="auto">
+            <a:xfrm>
+              <a:off x="82760" y="8593"/>
+              <a:ext cx="501072" cy="708397"/>
+            </a:xfrm>
+            <a:prstGeom prst="rect">
+              <a:avLst/>
+            </a:prstGeom>
+            <a:noFill/>
+            <a:ln>
+              <a:noFill/>
+            </a:ln>
+            <a:extLst>
+              <a:ext uri="{909E8E84-426E-40DD-AFC4-6F175D3DCCD1}">
+                <a14:hiddenFill xmlns:a14="http://schemas.microsoft.com/office/drawing/2010/main">
+                  <a:solidFill>
+                    <a:srgbClr val="FFFFFF"/>
+                  </a:solidFill>
+                </a14:hiddenFill>
+              </a:ext>
+              <a:ext uri="{91240B29-F687-4F45-9708-019B960494DF}">
+                <a14:hiddenLine xmlns:a14="http://schemas.microsoft.com/office/drawing/2010/main" w="9525">
+                  <a:solidFill>
+                    <a:srgbClr val="000000"/>
+                  </a:solidFill>
+                  <a:miter lim="800000"/>
+                  <a:headEnd/>
+                  <a:tailEnd/>
+                </a14:hiddenLine>
+              </a:ext>
+            </a:extLst>
+          </p:spPr>
+          <p:txBody>
+            <a:bodyPr wrap="none">
+              <a:spAutoFit/>
+            </a:bodyPr>
+            <a:lstStyle/>
+            <a:p>
+              <a:r>
+                <a:rPr lang="en-US" altLang="zh-CN" sz="4000" b="1" dirty="0" smtClean="0">
+                  <a:solidFill>
+                    <a:srgbClr val="FFFBEF"/>
+                  </a:solidFill>
+                  <a:latin typeface="微软雅黑" pitchFamily="34" charset="-122"/>
+                  <a:ea typeface="微软雅黑" pitchFamily="34" charset="-122"/>
+                  <a:sym typeface="微软雅黑" pitchFamily="34" charset="-122"/>
+                </a:rPr>
+                <a:t>7</a:t>
+              </a:r>
+              <a:endParaRPr lang="zh-CN" altLang="en-US" sz="4000" b="1" dirty="0">
+                <a:solidFill>
+                  <a:srgbClr val="FFFBEF"/>
+                </a:solidFill>
+                <a:latin typeface="微软雅黑" pitchFamily="34" charset="-122"/>
+                <a:ea typeface="微软雅黑" pitchFamily="34" charset="-122"/>
+                <a:sym typeface="微软雅黑" pitchFamily="34" charset="-122"/>
+              </a:endParaRPr>
+            </a:p>
+          </p:txBody>
+        </p:sp>
+      </p:grpSp>
     </p:spTree>
   </p:cSld>
   <p:clrMapOvr>
@@ -17724,11 +19141,7 @@
                       </a:pPr>
                       <a:r>
                         <a:rPr lang="zh-TW" altLang="en-US" sz="2000" kern="1200" dirty="0" smtClean="0"/>
-                        <a:t>蒐集</a:t>
-                      </a:r>
-                      <a:r>
-                        <a:rPr lang="zh-TW" altLang="en-US" sz="2000" kern="1200" dirty="0" smtClean="0"/>
-                        <a:t>資料</a:t>
+                        <a:t>蒐集資料</a:t>
                       </a:r>
                       <a:endParaRPr lang="zh-TW" altLang="en-US" sz="2000" b="0" kern="1200" dirty="0" smtClean="0">
                         <a:solidFill>
@@ -17766,11 +19179,7 @@
                       </a:pPr>
                       <a:r>
                         <a:rPr lang="zh-TW" altLang="en-US" sz="2000" kern="1200" dirty="0" smtClean="0"/>
-                        <a:t>決定</a:t>
-                      </a:r>
-                      <a:r>
-                        <a:rPr lang="zh-TW" altLang="en-US" sz="2000" kern="1200" dirty="0" smtClean="0"/>
-                        <a:t>主題</a:t>
+                        <a:t>決定主題</a:t>
                       </a:r>
                       <a:endParaRPr lang="zh-TW" altLang="en-US" sz="2000" b="0" kern="1200" dirty="0" smtClean="0">
                         <a:solidFill>
@@ -17808,11 +19217,7 @@
                       </a:pPr>
                       <a:r>
                         <a:rPr lang="zh-TW" altLang="en-US" sz="2000" kern="1200" dirty="0" smtClean="0"/>
-                        <a:t>設計</a:t>
-                      </a:r>
-                      <a:r>
-                        <a:rPr lang="zh-TW" altLang="en-US" sz="2000" kern="1200" dirty="0" smtClean="0"/>
-                        <a:t>介面</a:t>
+                        <a:t>設計介面</a:t>
                       </a:r>
                       <a:endParaRPr lang="zh-TW" altLang="en-US" sz="2000" b="0" kern="1200" dirty="0" smtClean="0">
                         <a:solidFill>
@@ -17850,11 +19255,7 @@
                       </a:pPr>
                       <a:r>
                         <a:rPr lang="zh-TW" altLang="en-US" sz="2000" dirty="0" smtClean="0"/>
-                        <a:t>製作前</a:t>
-                      </a:r>
-                      <a:r>
-                        <a:rPr lang="zh-TW" altLang="en-US" sz="2000" dirty="0" smtClean="0"/>
-                        <a:t>端</a:t>
+                        <a:t>製作前端</a:t>
                       </a:r>
                       <a:endParaRPr lang="zh-TW" altLang="en-US" sz="2000" b="0" dirty="0" smtClean="0">
                         <a:solidFill>
@@ -18061,11 +19462,7 @@
                       </a:pPr>
                       <a:r>
                         <a:rPr lang="zh-TW" altLang="en-US" sz="2000" kern="1200" dirty="0" smtClean="0"/>
-                        <a:t>製作前</a:t>
-                      </a:r>
-                      <a:r>
-                        <a:rPr lang="zh-TW" altLang="en-US" sz="2000" kern="1200" dirty="0" smtClean="0"/>
-                        <a:t>端</a:t>
+                        <a:t>製作前端</a:t>
                       </a:r>
                       <a:endParaRPr lang="zh-TW" altLang="en-US" sz="2000" b="0" kern="1200" dirty="0" smtClean="0">
                         <a:solidFill>
@@ -18087,11 +19484,7 @@
                       <a:pPr marL="0" algn="dist" defTabSz="914400" rtl="0" eaLnBrk="1" latinLnBrk="0" hangingPunct="1"/>
                       <a:r>
                         <a:rPr lang="zh-TW" altLang="en-US" sz="2000" kern="1200" dirty="0" smtClean="0"/>
-                        <a:t>製作</a:t>
-                      </a:r>
-                      <a:r>
-                        <a:rPr lang="zh-TW" altLang="en-US" sz="2000" kern="1200" dirty="0" smtClean="0"/>
-                        <a:t>後端</a:t>
+                        <a:t>製作後端</a:t>
                       </a:r>
                       <a:endParaRPr lang="zh-TW" altLang="en-US" sz="2000" b="0" kern="1200" dirty="0">
                         <a:solidFill>
@@ -18262,530 +19655,6 @@
 </file>
 
 <file path=ppt/slides/slide6.xml><?xml version="1.0" encoding="utf-8"?>
-<p:sld xmlns:a="http://schemas.openxmlformats.org/drawingml/2006/main" xmlns:r="http://schemas.openxmlformats.org/officeDocument/2006/relationships" xmlns:p="http://schemas.openxmlformats.org/presentationml/2006/main">
-  <p:cSld>
-    <p:bg bwMode="auto">
-      <p:bgPr>
-        <a:solidFill>
-          <a:srgbClr val="FFFBEF"/>
-        </a:solidFill>
-        <a:effectLst/>
-      </p:bgPr>
-    </p:bg>
-    <p:spTree>
-      <p:nvGrpSpPr>
-        <p:cNvPr id="1" name=""/>
-        <p:cNvGrpSpPr/>
-        <p:nvPr/>
-      </p:nvGrpSpPr>
-      <p:grpSpPr>
-        <a:xfrm>
-          <a:off x="0" y="0"/>
-          <a:ext cx="0" cy="0"/>
-          <a:chOff x="0" y="0"/>
-          <a:chExt cx="0" cy="0"/>
-        </a:xfrm>
-      </p:grpSpPr>
-      <p:sp>
-        <p:nvSpPr>
-          <p:cNvPr id="13339" name="矩形 109"/>
-          <p:cNvSpPr>
-            <a:spLocks noChangeArrowheads="1"/>
-          </p:cNvSpPr>
-          <p:nvPr/>
-        </p:nvSpPr>
-        <p:spPr bwMode="auto">
-          <a:xfrm>
-            <a:off x="0" y="314325"/>
-            <a:ext cx="228600" cy="685800"/>
-          </a:xfrm>
-          <a:prstGeom prst="rect">
-            <a:avLst/>
-          </a:prstGeom>
-          <a:solidFill>
-            <a:srgbClr val="595959"/>
-          </a:solidFill>
-          <a:ln>
-            <a:noFill/>
-          </a:ln>
-          <a:extLst>
-            <a:ext uri="{91240B29-F687-4F45-9708-019B960494DF}">
-              <a14:hiddenLine xmlns:a14="http://schemas.microsoft.com/office/drawing/2010/main" w="12700" cap="flat" cmpd="sng">
-                <a:solidFill>
-                  <a:srgbClr val="42719B"/>
-                </a:solidFill>
-                <a:bevel/>
-                <a:headEnd/>
-                <a:tailEnd/>
-              </a14:hiddenLine>
-            </a:ext>
-          </a:extLst>
-        </p:spPr>
-        <p:txBody>
-          <a:bodyPr anchor="ctr"/>
-          <a:lstStyle/>
-          <a:p>
-            <a:pPr algn="ctr"/>
-            <a:endParaRPr lang="zh-CN" altLang="zh-CN">
-              <a:solidFill>
-                <a:srgbClr val="FFFFFF"/>
-              </a:solidFill>
-              <a:latin typeface="宋体" pitchFamily="2" charset="-122"/>
-              <a:sym typeface="宋体" pitchFamily="2" charset="-122"/>
-            </a:endParaRPr>
-          </a:p>
-        </p:txBody>
-      </p:sp>
-      <p:sp>
-        <p:nvSpPr>
-          <p:cNvPr id="13340" name="文本框 110"/>
-          <p:cNvSpPr>
-            <a:spLocks noChangeArrowheads="1"/>
-          </p:cNvSpPr>
-          <p:nvPr/>
-        </p:nvSpPr>
-        <p:spPr bwMode="auto">
-          <a:xfrm>
-            <a:off x="320675" y="339725"/>
-            <a:ext cx="7812844" cy="646331"/>
-          </a:xfrm>
-          <a:prstGeom prst="rect">
-            <a:avLst/>
-          </a:prstGeom>
-          <a:noFill/>
-          <a:ln>
-            <a:noFill/>
-          </a:ln>
-          <a:extLst>
-            <a:ext uri="{909E8E84-426E-40DD-AFC4-6F175D3DCCD1}">
-              <a14:hiddenFill xmlns:a14="http://schemas.microsoft.com/office/drawing/2010/main">
-                <a:solidFill>
-                  <a:srgbClr val="FFFFFF"/>
-                </a:solidFill>
-              </a14:hiddenFill>
-            </a:ext>
-            <a:ext uri="{91240B29-F687-4F45-9708-019B960494DF}">
-              <a14:hiddenLine xmlns:a14="http://schemas.microsoft.com/office/drawing/2010/main" w="9525">
-                <a:solidFill>
-                  <a:srgbClr val="000000"/>
-                </a:solidFill>
-                <a:miter lim="800000"/>
-                <a:headEnd/>
-                <a:tailEnd/>
-              </a14:hiddenLine>
-            </a:ext>
-          </a:extLst>
-        </p:spPr>
-        <p:txBody>
-          <a:bodyPr wrap="none">
-            <a:spAutoFit/>
-          </a:bodyPr>
-          <a:lstStyle/>
-          <a:p>
-            <a:r>
-              <a:rPr lang="zh-CN" altLang="en-US" sz="3600" b="1" dirty="0">
-                <a:solidFill>
-                  <a:srgbClr val="000000"/>
-                </a:solidFill>
-                <a:latin typeface="微软雅黑" pitchFamily="34" charset="-122"/>
-                <a:ea typeface="微软雅黑" pitchFamily="34" charset="-122"/>
-                <a:sym typeface="微软雅黑" pitchFamily="34" charset="-122"/>
-              </a:rPr>
-              <a:t>網站架構</a:t>
-            </a:r>
-            <a:r>
-              <a:rPr lang="zh-TW" altLang="en-US" sz="3600" b="1" dirty="0">
-                <a:solidFill>
-                  <a:srgbClr val="000000"/>
-                </a:solidFill>
-                <a:latin typeface="微软雅黑" pitchFamily="34" charset="-122"/>
-                <a:ea typeface="微软雅黑" pitchFamily="34" charset="-122"/>
-                <a:sym typeface="微软雅黑" pitchFamily="34" charset="-122"/>
-              </a:rPr>
-              <a:t> </a:t>
-            </a:r>
-            <a:r>
-              <a:rPr lang="en-US" altLang="zh-TW" sz="3600" b="1" dirty="0">
-                <a:solidFill>
-                  <a:srgbClr val="000000"/>
-                </a:solidFill>
-                <a:latin typeface="微软雅黑" pitchFamily="34" charset="-122"/>
-                <a:ea typeface="微软雅黑" pitchFamily="34" charset="-122"/>
-                <a:sym typeface="微软雅黑" pitchFamily="34" charset="-122"/>
-              </a:rPr>
-              <a:t>Architecture</a:t>
-            </a:r>
-            <a:r>
-              <a:rPr lang="zh-TW" altLang="en-US" sz="3600" b="1" dirty="0">
-                <a:solidFill>
-                  <a:srgbClr val="000000"/>
-                </a:solidFill>
-                <a:latin typeface="微软雅黑" pitchFamily="34" charset="-122"/>
-                <a:ea typeface="微软雅黑" pitchFamily="34" charset="-122"/>
-                <a:sym typeface="微软雅黑" pitchFamily="34" charset="-122"/>
-              </a:rPr>
-              <a:t> </a:t>
-            </a:r>
-            <a:r>
-              <a:rPr lang="en-US" altLang="zh-TW" sz="3600" b="1" dirty="0">
-                <a:solidFill>
-                  <a:srgbClr val="000000"/>
-                </a:solidFill>
-                <a:latin typeface="微软雅黑" pitchFamily="34" charset="-122"/>
-                <a:ea typeface="微软雅黑" pitchFamily="34" charset="-122"/>
-                <a:sym typeface="微软雅黑" pitchFamily="34" charset="-122"/>
-              </a:rPr>
-              <a:t>of</a:t>
-            </a:r>
-            <a:r>
-              <a:rPr lang="zh-TW" altLang="en-US" sz="3600" b="1" dirty="0">
-                <a:solidFill>
-                  <a:srgbClr val="000000"/>
-                </a:solidFill>
-                <a:latin typeface="微软雅黑" pitchFamily="34" charset="-122"/>
-                <a:ea typeface="微软雅黑" pitchFamily="34" charset="-122"/>
-                <a:sym typeface="微软雅黑" pitchFamily="34" charset="-122"/>
-              </a:rPr>
-              <a:t> </a:t>
-            </a:r>
-            <a:r>
-              <a:rPr lang="en-US" altLang="zh-TW" sz="3600" b="1" dirty="0">
-                <a:solidFill>
-                  <a:srgbClr val="000000"/>
-                </a:solidFill>
-                <a:latin typeface="微软雅黑" pitchFamily="34" charset="-122"/>
-                <a:ea typeface="微软雅黑" pitchFamily="34" charset="-122"/>
-                <a:sym typeface="微软雅黑" pitchFamily="34" charset="-122"/>
-              </a:rPr>
-              <a:t>Website</a:t>
-            </a:r>
-            <a:r>
-              <a:rPr lang="zh-TW" altLang="en-US" sz="3600" b="1" dirty="0">
-                <a:solidFill>
-                  <a:srgbClr val="000000"/>
-                </a:solidFill>
-                <a:latin typeface="微软雅黑" pitchFamily="34" charset="-122"/>
-                <a:ea typeface="微软雅黑" pitchFamily="34" charset="-122"/>
-                <a:sym typeface="微软雅黑" pitchFamily="34" charset="-122"/>
-              </a:rPr>
-              <a:t> </a:t>
-            </a:r>
-            <a:endParaRPr lang="zh-CN" altLang="en-US" sz="3600" b="1" dirty="0">
-              <a:solidFill>
-                <a:srgbClr val="000000"/>
-              </a:solidFill>
-              <a:latin typeface="微软雅黑" pitchFamily="34" charset="-122"/>
-              <a:ea typeface="微软雅黑" pitchFamily="34" charset="-122"/>
-              <a:sym typeface="微软雅黑" pitchFamily="34" charset="-122"/>
-            </a:endParaRPr>
-          </a:p>
-        </p:txBody>
-      </p:sp>
-      <p:graphicFrame>
-        <p:nvGraphicFramePr>
-          <p:cNvPr id="29" name="內容版面配置區 4"/>
-          <p:cNvGraphicFramePr>
-            <a:graphicFrameLocks/>
-          </p:cNvGraphicFramePr>
-          <p:nvPr>
-            <p:extLst>
-              <p:ext uri="{D42A27DB-BD31-4B8C-83A1-F6EECF244321}">
-                <p14:modId xmlns:p14="http://schemas.microsoft.com/office/powerpoint/2010/main" val="253112608"/>
-              </p:ext>
-            </p:extLst>
-          </p:nvPr>
-        </p:nvGraphicFramePr>
-        <p:xfrm>
-          <a:off x="838200" y="1825625"/>
-          <a:ext cx="10515600" cy="4351338"/>
-        </p:xfrm>
-        <a:graphic>
-          <a:graphicData uri="http://schemas.openxmlformats.org/drawingml/2006/diagram">
-            <dgm:relIds xmlns:dgm="http://schemas.openxmlformats.org/drawingml/2006/diagram" xmlns:r="http://schemas.openxmlformats.org/officeDocument/2006/relationships" r:dm="rId2" r:lo="rId3" r:qs="rId4" r:cs="rId5"/>
-          </a:graphicData>
-        </a:graphic>
-      </p:graphicFrame>
-    </p:spTree>
-    <p:extLst>
-      <p:ext uri="{BB962C8B-B14F-4D97-AF65-F5344CB8AC3E}">
-        <p14:creationId xmlns:p14="http://schemas.microsoft.com/office/powerpoint/2010/main" val="517765445"/>
-      </p:ext>
-    </p:extLst>
-  </p:cSld>
-  <p:clrMapOvr>
-    <a:masterClrMapping/>
-  </p:clrMapOvr>
-  <p:transition spd="slow"/>
-  <p:timing>
-    <p:tnLst>
-      <p:par>
-        <p:cTn id="1" dur="indefinite" restart="never" nodeType="tmRoot"/>
-      </p:par>
-    </p:tnLst>
-  </p:timing>
-</p:sld>
-</file>
-
-<file path=ppt/slides/slide7.xml><?xml version="1.0" encoding="utf-8"?>
-<p:sld xmlns:a="http://schemas.openxmlformats.org/drawingml/2006/main" xmlns:r="http://schemas.openxmlformats.org/officeDocument/2006/relationships" xmlns:p="http://schemas.openxmlformats.org/presentationml/2006/main">
-  <p:cSld>
-    <p:bg bwMode="auto">
-      <p:bgPr>
-        <a:solidFill>
-          <a:srgbClr val="FFFBEF"/>
-        </a:solidFill>
-        <a:effectLst/>
-      </p:bgPr>
-    </p:bg>
-    <p:spTree>
-      <p:nvGrpSpPr>
-        <p:cNvPr id="1" name=""/>
-        <p:cNvGrpSpPr/>
-        <p:nvPr/>
-      </p:nvGrpSpPr>
-      <p:grpSpPr>
-        <a:xfrm>
-          <a:off x="0" y="0"/>
-          <a:ext cx="0" cy="0"/>
-          <a:chOff x="0" y="0"/>
-          <a:chExt cx="0" cy="0"/>
-        </a:xfrm>
-      </p:grpSpPr>
-      <p:sp>
-        <p:nvSpPr>
-          <p:cNvPr id="13339" name="矩形 109"/>
-          <p:cNvSpPr>
-            <a:spLocks noChangeArrowheads="1"/>
-          </p:cNvSpPr>
-          <p:nvPr/>
-        </p:nvSpPr>
-        <p:spPr bwMode="auto">
-          <a:xfrm>
-            <a:off x="0" y="314325"/>
-            <a:ext cx="228600" cy="685800"/>
-          </a:xfrm>
-          <a:prstGeom prst="rect">
-            <a:avLst/>
-          </a:prstGeom>
-          <a:solidFill>
-            <a:srgbClr val="595959"/>
-          </a:solidFill>
-          <a:ln>
-            <a:noFill/>
-          </a:ln>
-          <a:extLst>
-            <a:ext uri="{91240B29-F687-4F45-9708-019B960494DF}">
-              <a14:hiddenLine xmlns:a14="http://schemas.microsoft.com/office/drawing/2010/main" w="12700" cap="flat" cmpd="sng">
-                <a:solidFill>
-                  <a:srgbClr val="42719B"/>
-                </a:solidFill>
-                <a:bevel/>
-                <a:headEnd/>
-                <a:tailEnd/>
-              </a14:hiddenLine>
-            </a:ext>
-          </a:extLst>
-        </p:spPr>
-        <p:txBody>
-          <a:bodyPr anchor="ctr"/>
-          <a:lstStyle/>
-          <a:p>
-            <a:pPr marL="0" marR="0" lvl="0" indent="0" algn="ctr" defTabSz="914400" rtl="0" eaLnBrk="1" fontAlgn="base" latinLnBrk="0" hangingPunct="1">
-              <a:lnSpc>
-                <a:spcPct val="100000"/>
-              </a:lnSpc>
-              <a:spcBef>
-                <a:spcPct val="0"/>
-              </a:spcBef>
-              <a:spcAft>
-                <a:spcPct val="0"/>
-              </a:spcAft>
-              <a:buClrTx/>
-              <a:buSzTx/>
-              <a:buFont typeface="Arial" pitchFamily="34" charset="0"/>
-              <a:buNone/>
-              <a:tabLst/>
-              <a:defRPr/>
-            </a:pPr>
-            <a:endParaRPr kumimoji="0" lang="zh-CN" altLang="zh-CN" sz="1800" b="0" i="0" u="none" strike="noStrike" kern="1200" cap="none" spc="0" normalizeH="0" baseline="0" noProof="0">
-              <a:ln>
-                <a:noFill/>
-              </a:ln>
-              <a:solidFill>
-                <a:srgbClr val="FFFFFF"/>
-              </a:solidFill>
-              <a:effectLst/>
-              <a:uLnTx/>
-              <a:uFillTx/>
-              <a:latin typeface="宋体" pitchFamily="2" charset="-122"/>
-              <a:ea typeface="宋体" pitchFamily="2" charset="-122"/>
-              <a:cs typeface="+mn-cs"/>
-              <a:sym typeface="宋体" pitchFamily="2" charset="-122"/>
-            </a:endParaRPr>
-          </a:p>
-        </p:txBody>
-      </p:sp>
-      <p:sp>
-        <p:nvSpPr>
-          <p:cNvPr id="13340" name="文本框 110"/>
-          <p:cNvSpPr>
-            <a:spLocks noChangeArrowheads="1"/>
-          </p:cNvSpPr>
-          <p:nvPr/>
-        </p:nvSpPr>
-        <p:spPr bwMode="auto">
-          <a:xfrm>
-            <a:off x="320675" y="339725"/>
-            <a:ext cx="5719130" cy="646331"/>
-          </a:xfrm>
-          <a:prstGeom prst="rect">
-            <a:avLst/>
-          </a:prstGeom>
-          <a:noFill/>
-          <a:ln>
-            <a:noFill/>
-          </a:ln>
-          <a:extLst>
-            <a:ext uri="{909E8E84-426E-40DD-AFC4-6F175D3DCCD1}">
-              <a14:hiddenFill xmlns:a14="http://schemas.microsoft.com/office/drawing/2010/main">
-                <a:solidFill>
-                  <a:srgbClr val="FFFFFF"/>
-                </a:solidFill>
-              </a14:hiddenFill>
-            </a:ext>
-            <a:ext uri="{91240B29-F687-4F45-9708-019B960494DF}">
-              <a14:hiddenLine xmlns:a14="http://schemas.microsoft.com/office/drawing/2010/main" w="9525">
-                <a:solidFill>
-                  <a:srgbClr val="000000"/>
-                </a:solidFill>
-                <a:miter lim="800000"/>
-                <a:headEnd/>
-                <a:tailEnd/>
-              </a14:hiddenLine>
-            </a:ext>
-          </a:extLst>
-        </p:spPr>
-        <p:txBody>
-          <a:bodyPr wrap="none">
-            <a:spAutoFit/>
-          </a:bodyPr>
-          <a:lstStyle/>
-          <a:p>
-            <a:pPr marL="0" marR="0" lvl="0" indent="0" algn="l" defTabSz="914400" rtl="0" eaLnBrk="1" fontAlgn="base" latinLnBrk="0" hangingPunct="1">
-              <a:lnSpc>
-                <a:spcPct val="100000"/>
-              </a:lnSpc>
-              <a:spcBef>
-                <a:spcPct val="0"/>
-              </a:spcBef>
-              <a:spcAft>
-                <a:spcPct val="0"/>
-              </a:spcAft>
-              <a:buClrTx/>
-              <a:buSzTx/>
-              <a:buFont typeface="Arial" pitchFamily="34" charset="0"/>
-              <a:buNone/>
-              <a:tabLst/>
-              <a:defRPr/>
-            </a:pPr>
-            <a:r>
-              <a:rPr kumimoji="0" lang="zh-CN" altLang="en-US" sz="3600" b="1" i="0" u="none" strike="noStrike" kern="1200" cap="none" spc="0" normalizeH="0" baseline="0" noProof="0" dirty="0" smtClean="0">
-                <a:ln>
-                  <a:noFill/>
-                </a:ln>
-                <a:solidFill>
-                  <a:srgbClr val="000000"/>
-                </a:solidFill>
-                <a:effectLst/>
-                <a:uLnTx/>
-                <a:uFillTx/>
-                <a:latin typeface="微软雅黑" pitchFamily="34" charset="-122"/>
-                <a:ea typeface="微软雅黑" pitchFamily="34" charset="-122"/>
-                <a:cs typeface="+mn-cs"/>
-                <a:sym typeface="微软雅黑" pitchFamily="34" charset="-122"/>
-              </a:rPr>
-              <a:t>網站</a:t>
-            </a:r>
-            <a:r>
-              <a:rPr lang="zh-TW" altLang="en-US" sz="3600" b="1" noProof="0" dirty="0" smtClean="0">
-                <a:solidFill>
-                  <a:srgbClr val="000000"/>
-                </a:solidFill>
-                <a:latin typeface="微软雅黑" pitchFamily="34" charset="-122"/>
-                <a:ea typeface="微软雅黑" pitchFamily="34" charset="-122"/>
-                <a:sym typeface="微软雅黑" pitchFamily="34" charset="-122"/>
-              </a:rPr>
-              <a:t>展示 </a:t>
-            </a:r>
-            <a:r>
-              <a:rPr lang="en-US" altLang="zh-TW" sz="3600" b="1" noProof="0" dirty="0" smtClean="0">
-                <a:solidFill>
-                  <a:srgbClr val="000000"/>
-                </a:solidFill>
-                <a:latin typeface="微软雅黑" pitchFamily="34" charset="-122"/>
-                <a:ea typeface="微软雅黑" pitchFamily="34" charset="-122"/>
-                <a:sym typeface="微软雅黑" pitchFamily="34" charset="-122"/>
-              </a:rPr>
-              <a:t>Website Demo</a:t>
-            </a:r>
-            <a:r>
-              <a:rPr kumimoji="0" lang="zh-TW" altLang="en-US" sz="3600" b="1" i="0" u="none" strike="noStrike" kern="1200" cap="none" spc="0" normalizeH="0" baseline="0" noProof="0" dirty="0" smtClean="0">
-                <a:ln>
-                  <a:noFill/>
-                </a:ln>
-                <a:solidFill>
-                  <a:srgbClr val="000000"/>
-                </a:solidFill>
-                <a:effectLst/>
-                <a:uLnTx/>
-                <a:uFillTx/>
-                <a:latin typeface="微软雅黑" pitchFamily="34" charset="-122"/>
-                <a:ea typeface="微软雅黑" pitchFamily="34" charset="-122"/>
-                <a:cs typeface="+mn-cs"/>
-                <a:sym typeface="微软雅黑" pitchFamily="34" charset="-122"/>
-              </a:rPr>
-              <a:t> </a:t>
-            </a:r>
-            <a:endParaRPr kumimoji="0" lang="zh-CN" altLang="en-US" sz="3600" b="1" i="0" u="none" strike="noStrike" kern="1200" cap="none" spc="0" normalizeH="0" baseline="0" noProof="0" dirty="0">
-              <a:ln>
-                <a:noFill/>
-              </a:ln>
-              <a:solidFill>
-                <a:srgbClr val="000000"/>
-              </a:solidFill>
-              <a:effectLst/>
-              <a:uLnTx/>
-              <a:uFillTx/>
-              <a:latin typeface="微软雅黑" pitchFamily="34" charset="-122"/>
-              <a:ea typeface="微软雅黑" pitchFamily="34" charset="-122"/>
-              <a:cs typeface="+mn-cs"/>
-              <a:sym typeface="微软雅黑" pitchFamily="34" charset="-122"/>
-            </a:endParaRPr>
-          </a:p>
-        </p:txBody>
-      </p:sp>
-    </p:spTree>
-    <p:extLst>
-      <p:ext uri="{BB962C8B-B14F-4D97-AF65-F5344CB8AC3E}">
-        <p14:creationId xmlns:p14="http://schemas.microsoft.com/office/powerpoint/2010/main" val="3270829502"/>
-      </p:ext>
-    </p:extLst>
-  </p:cSld>
-  <p:clrMapOvr>
-    <a:masterClrMapping/>
-  </p:clrMapOvr>
-  <p:transition spd="slow"/>
-  <p:timing>
-    <p:tnLst>
-      <p:par>
-        <p:cTn id="1" dur="indefinite" restart="never" nodeType="tmRoot"/>
-      </p:par>
-    </p:tnLst>
-  </p:timing>
-</p:sld>
-</file>
-
-<file path=ppt/slides/slide8.xml><?xml version="1.0" encoding="utf-8"?>
 <p:sld xmlns:a="http://schemas.openxmlformats.org/drawingml/2006/main" xmlns:r="http://schemas.openxmlformats.org/officeDocument/2006/relationships" xmlns:p="http://schemas.openxmlformats.org/presentationml/2006/main">
   <p:cSld>
     <p:bg bwMode="auto">
@@ -20145,7 +21014,7 @@
 </p:sld>
 </file>
 
-<file path=ppt/slides/slide9.xml><?xml version="1.0" encoding="utf-8"?>
+<file path=ppt/slides/slide7.xml><?xml version="1.0" encoding="utf-8"?>
 <p:sld xmlns:a="http://schemas.openxmlformats.org/drawingml/2006/main" xmlns:r="http://schemas.openxmlformats.org/officeDocument/2006/relationships" xmlns:p="http://schemas.openxmlformats.org/presentationml/2006/main">
   <p:cSld>
     <p:bg bwMode="auto">
@@ -20170,191 +21039,24 @@
           <a:chExt cx="0" cy="0"/>
         </a:xfrm>
       </p:grpSpPr>
-      <p:grpSp>
-        <p:nvGrpSpPr>
-          <p:cNvPr id="24578" name="组合 2"/>
-          <p:cNvGrpSpPr>
-            <a:grpSpLocks/>
-          </p:cNvGrpSpPr>
-          <p:nvPr/>
-        </p:nvGrpSpPr>
-        <p:grpSpPr bwMode="auto">
-          <a:xfrm>
-            <a:off x="4751388" y="1468438"/>
-            <a:ext cx="2173287" cy="1147762"/>
-            <a:chOff x="0" y="0"/>
-            <a:chExt cx="2174421" cy="1146629"/>
-          </a:xfrm>
-        </p:grpSpPr>
-        <p:sp>
-          <p:nvSpPr>
-            <p:cNvPr id="24579" name="椭圆 30"/>
-            <p:cNvSpPr>
-              <a:spLocks noChangeArrowheads="1"/>
-            </p:cNvSpPr>
-            <p:nvPr/>
-          </p:nvSpPr>
-          <p:spPr bwMode="auto">
-            <a:xfrm>
-              <a:off x="1260430" y="0"/>
-              <a:ext cx="157331" cy="157331"/>
-            </a:xfrm>
-            <a:prstGeom prst="ellipse">
-              <a:avLst/>
-            </a:prstGeom>
-            <a:solidFill>
-              <a:srgbClr val="A1BD70"/>
-            </a:solidFill>
-            <a:ln>
-              <a:noFill/>
-            </a:ln>
-            <a:extLst>
-              <a:ext uri="{91240B29-F687-4F45-9708-019B960494DF}">
-                <a14:hiddenLine xmlns:a14="http://schemas.microsoft.com/office/drawing/2010/main" w="12700" cap="flat" cmpd="sng">
-                  <a:solidFill>
-                    <a:srgbClr val="42719B"/>
-                  </a:solidFill>
-                  <a:bevel/>
-                  <a:headEnd/>
-                  <a:tailEnd/>
-                </a14:hiddenLine>
-              </a:ext>
-            </a:extLst>
-          </p:spPr>
-          <p:txBody>
-            <a:bodyPr anchor="ctr"/>
-            <a:lstStyle/>
-            <a:p>
-              <a:pPr algn="ctr"/>
-              <a:endParaRPr lang="zh-CN" altLang="zh-CN">
-                <a:solidFill>
-                  <a:srgbClr val="FFFFFF"/>
-                </a:solidFill>
-                <a:latin typeface="宋体" pitchFamily="2" charset="-122"/>
-                <a:sym typeface="宋体" pitchFamily="2" charset="-122"/>
-              </a:endParaRPr>
-            </a:p>
-          </p:txBody>
-        </p:sp>
-        <p:sp>
-          <p:nvSpPr>
-            <p:cNvPr id="24580" name="任意多边形 31"/>
-            <p:cNvSpPr>
-              <a:spLocks noChangeArrowheads="1"/>
-            </p:cNvSpPr>
-            <p:nvPr/>
-          </p:nvSpPr>
-          <p:spPr bwMode="auto">
-            <a:xfrm>
-              <a:off x="0" y="0"/>
-              <a:ext cx="2174421" cy="1146629"/>
-            </a:xfrm>
-            <a:custGeom>
-              <a:avLst/>
-              <a:gdLst>
-                <a:gd name="T0" fmla="*/ 0 w 1415434"/>
-                <a:gd name="T1" fmla="*/ 839566 h 857250"/>
-                <a:gd name="T2" fmla="*/ 837584 w 1415434"/>
-                <a:gd name="T3" fmla="*/ 0 h 857250"/>
-                <a:gd name="T4" fmla="*/ 913784 w 1415434"/>
-                <a:gd name="T5" fmla="*/ 12700 h 857250"/>
-                <a:gd name="T6" fmla="*/ 1415434 w 1415434"/>
-                <a:gd name="T7" fmla="*/ 857250 h 857250"/>
-                <a:gd name="T8" fmla="*/ 0 60000 65536"/>
-                <a:gd name="T9" fmla="*/ 0 60000 65536"/>
-                <a:gd name="T10" fmla="*/ 0 60000 65536"/>
-                <a:gd name="T11" fmla="*/ 0 60000 65536"/>
-                <a:gd name="T12" fmla="*/ 0 w 1415434"/>
-                <a:gd name="T13" fmla="*/ 0 h 857250"/>
-                <a:gd name="T14" fmla="*/ 1415434 w 1415434"/>
-                <a:gd name="T15" fmla="*/ 857250 h 857250"/>
-              </a:gdLst>
-              <a:ahLst/>
-              <a:cxnLst>
-                <a:cxn ang="T8">
-                  <a:pos x="T0" y="T1"/>
-                </a:cxn>
-                <a:cxn ang="T9">
-                  <a:pos x="T2" y="T3"/>
-                </a:cxn>
-                <a:cxn ang="T10">
-                  <a:pos x="T4" y="T5"/>
-                </a:cxn>
-                <a:cxn ang="T11">
-                  <a:pos x="T6" y="T7"/>
-                </a:cxn>
-              </a:cxnLst>
-              <a:rect l="T12" t="T13" r="T14" b="T15"/>
-              <a:pathLst>
-                <a:path w="1415434" h="857250">
-                  <a:moveTo>
-                    <a:pt x="0" y="839566"/>
-                  </a:moveTo>
-                  <a:lnTo>
-                    <a:pt x="837584" y="0"/>
-                  </a:lnTo>
-                  <a:lnTo>
-                    <a:pt x="913784" y="12700"/>
-                  </a:lnTo>
-                  <a:lnTo>
-                    <a:pt x="1415434" y="857250"/>
-                  </a:lnTo>
-                </a:path>
-              </a:pathLst>
-            </a:custGeom>
-            <a:noFill/>
-            <a:ln w="12700" cap="flat" cmpd="sng">
-              <a:solidFill>
-                <a:srgbClr val="A1BD70"/>
-              </a:solidFill>
-              <a:bevel/>
-              <a:headEnd/>
-              <a:tailEnd/>
-            </a:ln>
-            <a:extLst>
-              <a:ext uri="{909E8E84-426E-40DD-AFC4-6F175D3DCCD1}">
-                <a14:hiddenFill xmlns:a14="http://schemas.microsoft.com/office/drawing/2010/main">
-                  <a:solidFill>
-                    <a:srgbClr val="FFFFFF"/>
-                  </a:solidFill>
-                </a14:hiddenFill>
-              </a:ext>
-            </a:extLst>
-          </p:spPr>
-          <p:txBody>
-            <a:bodyPr anchor="ctr"/>
-            <a:lstStyle/>
-            <a:p>
-              <a:pPr algn="ctr"/>
-              <a:endParaRPr lang="zh-CN" altLang="zh-CN">
-                <a:solidFill>
-                  <a:srgbClr val="FFFFFF"/>
-                </a:solidFill>
-                <a:latin typeface="宋体" pitchFamily="2" charset="-122"/>
-                <a:sym typeface="宋体" pitchFamily="2" charset="-122"/>
-              </a:endParaRPr>
-            </a:p>
-          </p:txBody>
-        </p:sp>
-      </p:grpSp>
       <p:sp>
         <p:nvSpPr>
-          <p:cNvPr id="24581" name="矩形 3"/>
+          <p:cNvPr id="13339" name="矩形 109"/>
           <p:cNvSpPr>
             <a:spLocks noChangeArrowheads="1"/>
           </p:cNvSpPr>
           <p:nvPr/>
         </p:nvSpPr>
         <p:spPr bwMode="auto">
-          <a:xfrm rot="199097">
-            <a:off x="3717925" y="2409825"/>
-            <a:ext cx="4340225" cy="1784350"/>
+          <a:xfrm>
+            <a:off x="0" y="314325"/>
+            <a:ext cx="228600" cy="685800"/>
           </a:xfrm>
           <a:prstGeom prst="rect">
             <a:avLst/>
           </a:prstGeom>
           <a:solidFill>
-            <a:srgbClr val="A1BD70"/>
+            <a:srgbClr val="595959"/>
           </a:solidFill>
           <a:ln>
             <a:noFill/>
@@ -20389,16 +21091,16 @@
       </p:sp>
       <p:sp>
         <p:nvSpPr>
-          <p:cNvPr id="24582" name="文本框 32"/>
+          <p:cNvPr id="13340" name="文本框 110"/>
           <p:cNvSpPr>
             <a:spLocks noChangeArrowheads="1"/>
           </p:cNvSpPr>
           <p:nvPr/>
         </p:nvSpPr>
         <p:spPr bwMode="auto">
-          <a:xfrm rot="180406">
-            <a:off x="4829175" y="2965450"/>
-            <a:ext cx="2857500" cy="831850"/>
+          <a:xfrm>
+            <a:off x="320675" y="339725"/>
+            <a:ext cx="7812844" cy="646331"/>
           </a:xfrm>
           <a:prstGeom prst="rect">
             <a:avLst/>
@@ -20434,19 +21136,96 @@
           <a:lstStyle/>
           <a:p>
             <a:r>
-              <a:rPr lang="en-US" sz="4800" b="1">
+              <a:rPr lang="zh-CN" altLang="en-US" sz="3600" b="1" dirty="0">
                 <a:solidFill>
-                  <a:schemeClr val="bg1"/>
+                  <a:srgbClr val="000000"/>
                 </a:solidFill>
                 <a:latin typeface="微软雅黑" pitchFamily="34" charset="-122"/>
                 <a:ea typeface="微软雅黑" pitchFamily="34" charset="-122"/>
                 <a:sym typeface="微软雅黑" pitchFamily="34" charset="-122"/>
               </a:rPr>
-              <a:t>THANKS</a:t>
+              <a:t>網站架構</a:t>
             </a:r>
-            <a:endParaRPr lang="zh-CN" altLang="en-US" sz="4800" b="1">
+            <a:r>
+              <a:rPr lang="zh-TW" altLang="en-US" sz="3600" b="1" dirty="0">
+                <a:solidFill>
+                  <a:srgbClr val="000000"/>
+                </a:solidFill>
+                <a:latin typeface="微软雅黑" pitchFamily="34" charset="-122"/>
+                <a:ea typeface="微软雅黑" pitchFamily="34" charset="-122"/>
+                <a:sym typeface="微软雅黑" pitchFamily="34" charset="-122"/>
+              </a:rPr>
+              <a:t> </a:t>
+            </a:r>
+            <a:r>
+              <a:rPr lang="en-US" altLang="zh-TW" sz="3600" b="1" dirty="0">
+                <a:solidFill>
+                  <a:srgbClr val="000000"/>
+                </a:solidFill>
+                <a:latin typeface="微软雅黑" pitchFamily="34" charset="-122"/>
+                <a:ea typeface="微软雅黑" pitchFamily="34" charset="-122"/>
+                <a:sym typeface="微软雅黑" pitchFamily="34" charset="-122"/>
+              </a:rPr>
+              <a:t>Architecture</a:t>
+            </a:r>
+            <a:r>
+              <a:rPr lang="zh-TW" altLang="en-US" sz="3600" b="1" dirty="0">
+                <a:solidFill>
+                  <a:srgbClr val="000000"/>
+                </a:solidFill>
+                <a:latin typeface="微软雅黑" pitchFamily="34" charset="-122"/>
+                <a:ea typeface="微软雅黑" pitchFamily="34" charset="-122"/>
+                <a:sym typeface="微软雅黑" pitchFamily="34" charset="-122"/>
+              </a:rPr>
+              <a:t> </a:t>
+            </a:r>
+            <a:r>
+              <a:rPr lang="en-US" altLang="zh-TW" sz="3600" b="1" dirty="0">
+                <a:solidFill>
+                  <a:srgbClr val="000000"/>
+                </a:solidFill>
+                <a:latin typeface="微软雅黑" pitchFamily="34" charset="-122"/>
+                <a:ea typeface="微软雅黑" pitchFamily="34" charset="-122"/>
+                <a:sym typeface="微软雅黑" pitchFamily="34" charset="-122"/>
+              </a:rPr>
+              <a:t>of</a:t>
+            </a:r>
+            <a:r>
+              <a:rPr lang="zh-TW" altLang="en-US" sz="3600" b="1" dirty="0">
+                <a:solidFill>
+                  <a:srgbClr val="000000"/>
+                </a:solidFill>
+                <a:latin typeface="微软雅黑" pitchFamily="34" charset="-122"/>
+                <a:ea typeface="微软雅黑" pitchFamily="34" charset="-122"/>
+                <a:sym typeface="微软雅黑" pitchFamily="34" charset="-122"/>
+              </a:rPr>
+              <a:t> </a:t>
+            </a:r>
+            <a:r>
+              <a:rPr lang="en-US" altLang="zh-TW" sz="3600" b="1" dirty="0">
+                <a:solidFill>
+                  <a:srgbClr val="000000"/>
+                </a:solidFill>
+                <a:latin typeface="微软雅黑" pitchFamily="34" charset="-122"/>
+                <a:ea typeface="微软雅黑" pitchFamily="34" charset="-122"/>
+                <a:sym typeface="微软雅黑" pitchFamily="34" charset="-122"/>
+              </a:rPr>
+              <a:t>Website</a:t>
+            </a:r>
+            <a:r>
+              <a:rPr lang="zh-TW" altLang="en-US" sz="3600" b="1" dirty="0">
+                <a:solidFill>
+                  <a:srgbClr val="000000"/>
+                </a:solidFill>
+                <a:latin typeface="微软雅黑" pitchFamily="34" charset="-122"/>
+                <a:ea typeface="微软雅黑" pitchFamily="34" charset="-122"/>
+                <a:sym typeface="微软雅黑" pitchFamily="34" charset="-122"/>
+              </a:rPr>
+              <a:t> </a:t>
+            </a:r>
+            <a:endParaRPr lang="zh-CN" altLang="en-US" sz="3600" b="1" dirty="0">
               <a:solidFill>
-                <a:schemeClr val="bg1"/>
+                <a:srgbClr val="000000"/>
               </a:solidFill>
               <a:latin typeface="微软雅黑" pitchFamily="34" charset="-122"/>
               <a:ea typeface="微软雅黑" pitchFamily="34" charset="-122"/>
@@ -20455,124 +21234,516 @@
           </a:p>
         </p:txBody>
       </p:sp>
-      <p:grpSp>
-        <p:nvGrpSpPr>
-          <p:cNvPr id="24583" name="组合 5"/>
-          <p:cNvGrpSpPr>
-            <a:grpSpLocks/>
-          </p:cNvGrpSpPr>
+      <p:graphicFrame>
+        <p:nvGraphicFramePr>
+          <p:cNvPr id="29" name="內容版面配置區 4"/>
+          <p:cNvGraphicFramePr>
+            <a:graphicFrameLocks/>
+          </p:cNvGraphicFramePr>
+          <p:nvPr>
+            <p:extLst>
+              <p:ext uri="{D42A27DB-BD31-4B8C-83A1-F6EECF244321}">
+                <p14:modId xmlns:p14="http://schemas.microsoft.com/office/powerpoint/2010/main" val="253112608"/>
+              </p:ext>
+            </p:extLst>
+          </p:nvPr>
+        </p:nvGraphicFramePr>
+        <p:xfrm>
+          <a:off x="838200" y="1825625"/>
+          <a:ext cx="10515600" cy="4351338"/>
+        </p:xfrm>
+        <a:graphic>
+          <a:graphicData uri="http://schemas.openxmlformats.org/drawingml/2006/diagram">
+            <dgm:relIds xmlns:dgm="http://schemas.openxmlformats.org/drawingml/2006/diagram" xmlns:r="http://schemas.openxmlformats.org/officeDocument/2006/relationships" r:dm="rId2" r:lo="rId3" r:qs="rId4" r:cs="rId5"/>
+          </a:graphicData>
+        </a:graphic>
+      </p:graphicFrame>
+    </p:spTree>
+    <p:extLst>
+      <p:ext uri="{BB962C8B-B14F-4D97-AF65-F5344CB8AC3E}">
+        <p14:creationId xmlns:p14="http://schemas.microsoft.com/office/powerpoint/2010/main" val="517765445"/>
+      </p:ext>
+    </p:extLst>
+  </p:cSld>
+  <p:clrMapOvr>
+    <a:masterClrMapping/>
+  </p:clrMapOvr>
+  <p:transition spd="slow"/>
+  <p:timing>
+    <p:tnLst>
+      <p:par>
+        <p:cTn id="1" dur="indefinite" restart="never" nodeType="tmRoot"/>
+      </p:par>
+    </p:tnLst>
+  </p:timing>
+</p:sld>
+</file>
+
+<file path=ppt/slides/slide8.xml><?xml version="1.0" encoding="utf-8"?>
+<p:sld xmlns:a="http://schemas.openxmlformats.org/drawingml/2006/main" xmlns:r="http://schemas.openxmlformats.org/officeDocument/2006/relationships" xmlns:p="http://schemas.openxmlformats.org/presentationml/2006/main">
+  <p:cSld>
+    <p:bg bwMode="auto">
+      <p:bgPr>
+        <a:solidFill>
+          <a:srgbClr val="FFFBEF"/>
+        </a:solidFill>
+        <a:effectLst/>
+      </p:bgPr>
+    </p:bg>
+    <p:spTree>
+      <p:nvGrpSpPr>
+        <p:cNvPr id="1" name=""/>
+        <p:cNvGrpSpPr/>
+        <p:nvPr/>
+      </p:nvGrpSpPr>
+      <p:grpSpPr>
+        <a:xfrm>
+          <a:off x="0" y="0"/>
+          <a:ext cx="0" cy="0"/>
+          <a:chOff x="0" y="0"/>
+          <a:chExt cx="0" cy="0"/>
+        </a:xfrm>
+      </p:grpSpPr>
+      <p:sp>
+        <p:nvSpPr>
+          <p:cNvPr id="13339" name="矩形 109"/>
+          <p:cNvSpPr>
+            <a:spLocks noChangeArrowheads="1"/>
+          </p:cNvSpPr>
           <p:nvPr/>
-        </p:nvGrpSpPr>
-        <p:grpSpPr bwMode="auto">
+        </p:nvSpPr>
+        <p:spPr bwMode="auto">
           <a:xfrm>
-            <a:off x="3689350" y="2309813"/>
-            <a:ext cx="1001713" cy="1784350"/>
-            <a:chOff x="0" y="0"/>
-            <a:chExt cx="817387" cy="1456496"/>
+            <a:off x="0" y="314325"/>
+            <a:ext cx="228600" cy="685800"/>
           </a:xfrm>
-        </p:grpSpPr>
-        <p:sp>
-          <p:nvSpPr>
-            <p:cNvPr id="24584" name="矩形 35"/>
-            <p:cNvSpPr>
-              <a:spLocks noChangeArrowheads="1"/>
-            </p:cNvSpPr>
-            <p:nvPr/>
-          </p:nvSpPr>
-          <p:spPr bwMode="auto">
-            <a:xfrm rot="199097">
-              <a:off x="0" y="726049"/>
-              <a:ext cx="774524" cy="730447"/>
-            </a:xfrm>
-            <a:prstGeom prst="rect">
-              <a:avLst/>
-            </a:prstGeom>
-            <a:solidFill>
-              <a:srgbClr val="FFDD6C"/>
-            </a:solidFill>
-            <a:ln>
-              <a:noFill/>
-            </a:ln>
-            <a:extLst>
-              <a:ext uri="{91240B29-F687-4F45-9708-019B960494DF}">
-                <a14:hiddenLine xmlns:a14="http://schemas.microsoft.com/office/drawing/2010/main" w="12700" cap="flat" cmpd="sng">
-                  <a:solidFill>
-                    <a:srgbClr val="42719B"/>
-                  </a:solidFill>
-                  <a:bevel/>
-                  <a:headEnd/>
-                  <a:tailEnd/>
-                </a14:hiddenLine>
-              </a:ext>
-            </a:extLst>
-          </p:spPr>
-          <p:txBody>
-            <a:bodyPr anchor="ctr"/>
-            <a:lstStyle/>
-            <a:p>
-              <a:pPr algn="ctr"/>
-              <a:endParaRPr lang="zh-CN" altLang="zh-CN">
+          <a:prstGeom prst="rect">
+            <a:avLst/>
+          </a:prstGeom>
+          <a:solidFill>
+            <a:srgbClr val="595959"/>
+          </a:solidFill>
+          <a:ln>
+            <a:noFill/>
+          </a:ln>
+          <a:extLst>
+            <a:ext uri="{91240B29-F687-4F45-9708-019B960494DF}">
+              <a14:hiddenLine xmlns:a14="http://schemas.microsoft.com/office/drawing/2010/main" w="12700" cap="flat" cmpd="sng">
+                <a:solidFill>
+                  <a:srgbClr val="42719B"/>
+                </a:solidFill>
+                <a:bevel/>
+                <a:headEnd/>
+                <a:tailEnd/>
+              </a14:hiddenLine>
+            </a:ext>
+          </a:extLst>
+        </p:spPr>
+        <p:txBody>
+          <a:bodyPr anchor="ctr"/>
+          <a:lstStyle/>
+          <a:p>
+            <a:pPr marL="0" marR="0" lvl="0" indent="0" algn="ctr" defTabSz="914400" rtl="0" eaLnBrk="1" fontAlgn="base" latinLnBrk="0" hangingPunct="1">
+              <a:lnSpc>
+                <a:spcPct val="100000"/>
+              </a:lnSpc>
+              <a:spcBef>
+                <a:spcPct val="0"/>
+              </a:spcBef>
+              <a:spcAft>
+                <a:spcPct val="0"/>
+              </a:spcAft>
+              <a:buClrTx/>
+              <a:buSzTx/>
+              <a:buFont typeface="Arial" pitchFamily="34" charset="0"/>
+              <a:buNone/>
+              <a:tabLst/>
+              <a:defRPr/>
+            </a:pPr>
+            <a:endParaRPr kumimoji="0" lang="zh-CN" altLang="zh-CN" sz="1800" b="0" i="0" u="none" strike="noStrike" kern="1200" cap="none" spc="0" normalizeH="0" baseline="0" noProof="0">
+              <a:ln>
+                <a:noFill/>
+              </a:ln>
+              <a:solidFill>
+                <a:srgbClr val="FFFFFF"/>
+              </a:solidFill>
+              <a:effectLst/>
+              <a:uLnTx/>
+              <a:uFillTx/>
+              <a:latin typeface="宋体" pitchFamily="2" charset="-122"/>
+              <a:ea typeface="宋体" pitchFamily="2" charset="-122"/>
+              <a:cs typeface="+mn-cs"/>
+              <a:sym typeface="宋体" pitchFamily="2" charset="-122"/>
+            </a:endParaRPr>
+          </a:p>
+        </p:txBody>
+      </p:sp>
+      <p:sp>
+        <p:nvSpPr>
+          <p:cNvPr id="13340" name="文本框 110"/>
+          <p:cNvSpPr>
+            <a:spLocks noChangeArrowheads="1"/>
+          </p:cNvSpPr>
+          <p:nvPr/>
+        </p:nvSpPr>
+        <p:spPr bwMode="auto">
+          <a:xfrm>
+            <a:off x="320675" y="339725"/>
+            <a:ext cx="5719130" cy="646331"/>
+          </a:xfrm>
+          <a:prstGeom prst="rect">
+            <a:avLst/>
+          </a:prstGeom>
+          <a:noFill/>
+          <a:ln>
+            <a:noFill/>
+          </a:ln>
+          <a:extLst>
+            <a:ext uri="{909E8E84-426E-40DD-AFC4-6F175D3DCCD1}">
+              <a14:hiddenFill xmlns:a14="http://schemas.microsoft.com/office/drawing/2010/main">
                 <a:solidFill>
                   <a:srgbClr val="FFFFFF"/>
                 </a:solidFill>
-                <a:latin typeface="宋体" pitchFamily="2" charset="-122"/>
-                <a:sym typeface="宋体" pitchFamily="2" charset="-122"/>
-              </a:endParaRPr>
-            </a:p>
-          </p:txBody>
-        </p:sp>
-        <p:sp>
-          <p:nvSpPr>
-            <p:cNvPr id="24585" name="矩形 38"/>
-            <p:cNvSpPr>
-              <a:spLocks noChangeArrowheads="1"/>
-            </p:cNvSpPr>
-            <p:nvPr/>
-          </p:nvSpPr>
-          <p:spPr bwMode="auto">
-            <a:xfrm rot="199097">
-              <a:off x="42863" y="0"/>
-              <a:ext cx="774524" cy="730447"/>
-            </a:xfrm>
-            <a:prstGeom prst="rect">
-              <a:avLst/>
-            </a:prstGeom>
-            <a:solidFill>
-              <a:srgbClr val="F0644D"/>
-            </a:solidFill>
-            <a:ln>
-              <a:noFill/>
-            </a:ln>
-            <a:extLst>
-              <a:ext uri="{91240B29-F687-4F45-9708-019B960494DF}">
-                <a14:hiddenLine xmlns:a14="http://schemas.microsoft.com/office/drawing/2010/main" w="12700" cap="flat" cmpd="sng">
-                  <a:solidFill>
-                    <a:srgbClr val="42719B"/>
-                  </a:solidFill>
-                  <a:bevel/>
-                  <a:headEnd/>
-                  <a:tailEnd/>
-                </a14:hiddenLine>
-              </a:ext>
-            </a:extLst>
-          </p:spPr>
-          <p:txBody>
-            <a:bodyPr anchor="ctr"/>
-            <a:lstStyle/>
-            <a:p>
-              <a:pPr algn="ctr"/>
-              <a:endParaRPr lang="zh-CN" altLang="zh-CN">
+              </a14:hiddenFill>
+            </a:ext>
+            <a:ext uri="{91240B29-F687-4F45-9708-019B960494DF}">
+              <a14:hiddenLine xmlns:a14="http://schemas.microsoft.com/office/drawing/2010/main" w="9525">
+                <a:solidFill>
+                  <a:srgbClr val="000000"/>
+                </a:solidFill>
+                <a:miter lim="800000"/>
+                <a:headEnd/>
+                <a:tailEnd/>
+              </a14:hiddenLine>
+            </a:ext>
+          </a:extLst>
+        </p:spPr>
+        <p:txBody>
+          <a:bodyPr wrap="none">
+            <a:spAutoFit/>
+          </a:bodyPr>
+          <a:lstStyle/>
+          <a:p>
+            <a:pPr marL="0" marR="0" lvl="0" indent="0" algn="l" defTabSz="914400" rtl="0" eaLnBrk="1" fontAlgn="base" latinLnBrk="0" hangingPunct="1">
+              <a:lnSpc>
+                <a:spcPct val="100000"/>
+              </a:lnSpc>
+              <a:spcBef>
+                <a:spcPct val="0"/>
+              </a:spcBef>
+              <a:spcAft>
+                <a:spcPct val="0"/>
+              </a:spcAft>
+              <a:buClrTx/>
+              <a:buSzTx/>
+              <a:buFont typeface="Arial" pitchFamily="34" charset="0"/>
+              <a:buNone/>
+              <a:tabLst/>
+              <a:defRPr/>
+            </a:pPr>
+            <a:r>
+              <a:rPr kumimoji="0" lang="zh-CN" altLang="en-US" sz="3600" b="1" i="0" u="none" strike="noStrike" kern="1200" cap="none" spc="0" normalizeH="0" baseline="0" noProof="0" dirty="0" smtClean="0">
+                <a:ln>
+                  <a:noFill/>
+                </a:ln>
+                <a:solidFill>
+                  <a:srgbClr val="000000"/>
+                </a:solidFill>
+                <a:effectLst/>
+                <a:uLnTx/>
+                <a:uFillTx/>
+                <a:latin typeface="微软雅黑" pitchFamily="34" charset="-122"/>
+                <a:ea typeface="微软雅黑" pitchFamily="34" charset="-122"/>
+                <a:cs typeface="+mn-cs"/>
+                <a:sym typeface="微软雅黑" pitchFamily="34" charset="-122"/>
+              </a:rPr>
+              <a:t>網站</a:t>
+            </a:r>
+            <a:r>
+              <a:rPr lang="zh-TW" altLang="en-US" sz="3600" b="1" noProof="0" dirty="0" smtClean="0">
+                <a:solidFill>
+                  <a:srgbClr val="000000"/>
+                </a:solidFill>
+                <a:latin typeface="微软雅黑" pitchFamily="34" charset="-122"/>
+                <a:ea typeface="微软雅黑" pitchFamily="34" charset="-122"/>
+                <a:sym typeface="微软雅黑" pitchFamily="34" charset="-122"/>
+              </a:rPr>
+              <a:t>展示 </a:t>
+            </a:r>
+            <a:r>
+              <a:rPr lang="en-US" altLang="zh-TW" sz="3600" b="1" noProof="0" dirty="0" smtClean="0">
+                <a:solidFill>
+                  <a:srgbClr val="000000"/>
+                </a:solidFill>
+                <a:latin typeface="微软雅黑" pitchFamily="34" charset="-122"/>
+                <a:ea typeface="微软雅黑" pitchFamily="34" charset="-122"/>
+                <a:sym typeface="微软雅黑" pitchFamily="34" charset="-122"/>
+              </a:rPr>
+              <a:t>Website Demo</a:t>
+            </a:r>
+            <a:r>
+              <a:rPr kumimoji="0" lang="zh-TW" altLang="en-US" sz="3600" b="1" i="0" u="none" strike="noStrike" kern="1200" cap="none" spc="0" normalizeH="0" baseline="0" noProof="0" dirty="0" smtClean="0">
+                <a:ln>
+                  <a:noFill/>
+                </a:ln>
+                <a:solidFill>
+                  <a:srgbClr val="000000"/>
+                </a:solidFill>
+                <a:effectLst/>
+                <a:uLnTx/>
+                <a:uFillTx/>
+                <a:latin typeface="微软雅黑" pitchFamily="34" charset="-122"/>
+                <a:ea typeface="微软雅黑" pitchFamily="34" charset="-122"/>
+                <a:cs typeface="+mn-cs"/>
+                <a:sym typeface="微软雅黑" pitchFamily="34" charset="-122"/>
+              </a:rPr>
+              <a:t> </a:t>
+            </a:r>
+            <a:endParaRPr kumimoji="0" lang="zh-CN" altLang="en-US" sz="3600" b="1" i="0" u="none" strike="noStrike" kern="1200" cap="none" spc="0" normalizeH="0" baseline="0" noProof="0" dirty="0">
+              <a:ln>
+                <a:noFill/>
+              </a:ln>
+              <a:solidFill>
+                <a:srgbClr val="000000"/>
+              </a:solidFill>
+              <a:effectLst/>
+              <a:uLnTx/>
+              <a:uFillTx/>
+              <a:latin typeface="微软雅黑" pitchFamily="34" charset="-122"/>
+              <a:ea typeface="微软雅黑" pitchFamily="34" charset="-122"/>
+              <a:cs typeface="+mn-cs"/>
+              <a:sym typeface="微软雅黑" pitchFamily="34" charset="-122"/>
+            </a:endParaRPr>
+          </a:p>
+        </p:txBody>
+      </p:sp>
+    </p:spTree>
+    <p:extLst>
+      <p:ext uri="{BB962C8B-B14F-4D97-AF65-F5344CB8AC3E}">
+        <p14:creationId xmlns:p14="http://schemas.microsoft.com/office/powerpoint/2010/main" val="3270829502"/>
+      </p:ext>
+    </p:extLst>
+  </p:cSld>
+  <p:clrMapOvr>
+    <a:masterClrMapping/>
+  </p:clrMapOvr>
+  <p:transition spd="slow"/>
+  <p:timing>
+    <p:tnLst>
+      <p:par>
+        <p:cTn id="1" dur="indefinite" restart="never" nodeType="tmRoot"/>
+      </p:par>
+    </p:tnLst>
+  </p:timing>
+</p:sld>
+</file>
+
+<file path=ppt/slides/slide9.xml><?xml version="1.0" encoding="utf-8"?>
+<p:sld xmlns:a="http://schemas.openxmlformats.org/drawingml/2006/main" xmlns:r="http://schemas.openxmlformats.org/officeDocument/2006/relationships" xmlns:p="http://schemas.openxmlformats.org/presentationml/2006/main">
+  <p:cSld>
+    <p:bg bwMode="auto">
+      <p:bgPr>
+        <a:solidFill>
+          <a:srgbClr val="FFFBEF"/>
+        </a:solidFill>
+        <a:effectLst/>
+      </p:bgPr>
+    </p:bg>
+    <p:spTree>
+      <p:nvGrpSpPr>
+        <p:cNvPr id="1" name=""/>
+        <p:cNvGrpSpPr/>
+        <p:nvPr/>
+      </p:nvGrpSpPr>
+      <p:grpSpPr>
+        <a:xfrm>
+          <a:off x="0" y="0"/>
+          <a:ext cx="0" cy="0"/>
+          <a:chOff x="0" y="0"/>
+          <a:chExt cx="0" cy="0"/>
+        </a:xfrm>
+      </p:grpSpPr>
+      <p:sp>
+        <p:nvSpPr>
+          <p:cNvPr id="13339" name="矩形 109"/>
+          <p:cNvSpPr>
+            <a:spLocks noChangeArrowheads="1"/>
+          </p:cNvSpPr>
+          <p:nvPr/>
+        </p:nvSpPr>
+        <p:spPr bwMode="auto">
+          <a:xfrm>
+            <a:off x="0" y="314325"/>
+            <a:ext cx="228600" cy="685800"/>
+          </a:xfrm>
+          <a:prstGeom prst="rect">
+            <a:avLst/>
+          </a:prstGeom>
+          <a:solidFill>
+            <a:srgbClr val="595959"/>
+          </a:solidFill>
+          <a:ln>
+            <a:noFill/>
+          </a:ln>
+          <a:extLst>
+            <a:ext uri="{91240B29-F687-4F45-9708-019B960494DF}">
+              <a14:hiddenLine xmlns:a14="http://schemas.microsoft.com/office/drawing/2010/main" w="12700" cap="flat" cmpd="sng">
+                <a:solidFill>
+                  <a:srgbClr val="42719B"/>
+                </a:solidFill>
+                <a:bevel/>
+                <a:headEnd/>
+                <a:tailEnd/>
+              </a14:hiddenLine>
+            </a:ext>
+          </a:extLst>
+        </p:spPr>
+        <p:txBody>
+          <a:bodyPr anchor="ctr"/>
+          <a:lstStyle/>
+          <a:p>
+            <a:pPr marL="0" marR="0" lvl="0" indent="0" algn="ctr" defTabSz="914400" rtl="0" eaLnBrk="1" fontAlgn="base" latinLnBrk="0" hangingPunct="1">
+              <a:lnSpc>
+                <a:spcPct val="100000"/>
+              </a:lnSpc>
+              <a:spcBef>
+                <a:spcPct val="0"/>
+              </a:spcBef>
+              <a:spcAft>
+                <a:spcPct val="0"/>
+              </a:spcAft>
+              <a:buClrTx/>
+              <a:buSzTx/>
+              <a:buFont typeface="Arial" pitchFamily="34" charset="0"/>
+              <a:buNone/>
+              <a:tabLst/>
+              <a:defRPr/>
+            </a:pPr>
+            <a:endParaRPr kumimoji="0" lang="zh-CN" altLang="zh-CN" sz="1800" b="0" i="0" u="none" strike="noStrike" kern="1200" cap="none" spc="0" normalizeH="0" baseline="0" noProof="0">
+              <a:ln>
+                <a:noFill/>
+              </a:ln>
+              <a:solidFill>
+                <a:srgbClr val="FFFFFF"/>
+              </a:solidFill>
+              <a:effectLst/>
+              <a:uLnTx/>
+              <a:uFillTx/>
+              <a:latin typeface="宋体" pitchFamily="2" charset="-122"/>
+              <a:ea typeface="宋体" pitchFamily="2" charset="-122"/>
+              <a:cs typeface="+mn-cs"/>
+              <a:sym typeface="宋体" pitchFamily="2" charset="-122"/>
+            </a:endParaRPr>
+          </a:p>
+        </p:txBody>
+      </p:sp>
+      <p:sp>
+        <p:nvSpPr>
+          <p:cNvPr id="13340" name="文本框 110"/>
+          <p:cNvSpPr>
+            <a:spLocks noChangeArrowheads="1"/>
+          </p:cNvSpPr>
+          <p:nvPr/>
+        </p:nvSpPr>
+        <p:spPr bwMode="auto">
+          <a:xfrm>
+            <a:off x="320675" y="339725"/>
+            <a:ext cx="5477782" cy="1200329"/>
+          </a:xfrm>
+          <a:prstGeom prst="rect">
+            <a:avLst/>
+          </a:prstGeom>
+          <a:noFill/>
+          <a:ln>
+            <a:noFill/>
+          </a:ln>
+          <a:extLst>
+            <a:ext uri="{909E8E84-426E-40DD-AFC4-6F175D3DCCD1}">
+              <a14:hiddenFill xmlns:a14="http://schemas.microsoft.com/office/drawing/2010/main">
                 <a:solidFill>
                   <a:srgbClr val="FFFFFF"/>
                 </a:solidFill>
-                <a:latin typeface="宋体" pitchFamily="2" charset="-122"/>
-                <a:sym typeface="宋体" pitchFamily="2" charset="-122"/>
-              </a:endParaRPr>
-            </a:p>
-          </p:txBody>
-        </p:sp>
-      </p:grpSp>
+              </a14:hiddenFill>
+            </a:ext>
+            <a:ext uri="{91240B29-F687-4F45-9708-019B960494DF}">
+              <a14:hiddenLine xmlns:a14="http://schemas.microsoft.com/office/drawing/2010/main" w="9525">
+                <a:solidFill>
+                  <a:srgbClr val="000000"/>
+                </a:solidFill>
+                <a:miter lim="800000"/>
+                <a:headEnd/>
+                <a:tailEnd/>
+              </a14:hiddenLine>
+            </a:ext>
+          </a:extLst>
+        </p:spPr>
+        <p:txBody>
+          <a:bodyPr wrap="none">
+            <a:spAutoFit/>
+          </a:bodyPr>
+          <a:lstStyle/>
+          <a:p>
+            <a:pPr>
+              <a:defRPr/>
+            </a:pPr>
+            <a:r>
+              <a:rPr lang="zh-TW" altLang="en-US" sz="3600" b="1" dirty="0" smtClean="0">
+                <a:solidFill>
+                  <a:srgbClr val="000000"/>
+                </a:solidFill>
+                <a:latin typeface="微软雅黑" pitchFamily="34" charset="-122"/>
+                <a:ea typeface="微软雅黑" pitchFamily="34" charset="-122"/>
+                <a:sym typeface="微软雅黑" pitchFamily="34" charset="-122"/>
+              </a:rPr>
+              <a:t>組員自評 </a:t>
+            </a:r>
+            <a:r>
+              <a:rPr lang="en-US" altLang="zh-TW" sz="3600" b="1" dirty="0"/>
+              <a:t>Self Evaluation</a:t>
+            </a:r>
+          </a:p>
+          <a:p>
+            <a:pPr marL="0" marR="0" lvl="0" indent="0" algn="l" defTabSz="914400" rtl="0" eaLnBrk="1" fontAlgn="base" latinLnBrk="0" hangingPunct="1">
+              <a:lnSpc>
+                <a:spcPct val="100000"/>
+              </a:lnSpc>
+              <a:spcBef>
+                <a:spcPct val="0"/>
+              </a:spcBef>
+              <a:spcAft>
+                <a:spcPct val="0"/>
+              </a:spcAft>
+              <a:buClrTx/>
+              <a:buSzTx/>
+              <a:buFont typeface="Arial" pitchFamily="34" charset="0"/>
+              <a:buNone/>
+              <a:tabLst/>
+              <a:defRPr/>
+            </a:pPr>
+            <a:endParaRPr kumimoji="0" lang="zh-CN" altLang="en-US" sz="3600" b="1" i="0" u="none" strike="noStrike" kern="1200" cap="none" spc="0" normalizeH="0" baseline="0" noProof="0" dirty="0">
+              <a:ln>
+                <a:noFill/>
+              </a:ln>
+              <a:solidFill>
+                <a:srgbClr val="000000"/>
+              </a:solidFill>
+              <a:effectLst/>
+              <a:uLnTx/>
+              <a:uFillTx/>
+              <a:latin typeface="微软雅黑" pitchFamily="34" charset="-122"/>
+              <a:ea typeface="微软雅黑" pitchFamily="34" charset="-122"/>
+              <a:cs typeface="+mn-cs"/>
+              <a:sym typeface="微软雅黑" pitchFamily="34" charset="-122"/>
+            </a:endParaRPr>
+          </a:p>
+        </p:txBody>
+      </p:sp>
     </p:spTree>
+    <p:extLst>
+      <p:ext uri="{BB962C8B-B14F-4D97-AF65-F5344CB8AC3E}">
+        <p14:creationId xmlns:p14="http://schemas.microsoft.com/office/powerpoint/2010/main" val="1608087004"/>
+      </p:ext>
+    </p:extLst>
   </p:cSld>
   <p:clrMapOvr>
     <a:masterClrMapping/>

--- a/網頁製作期末報告_team12.pptx
+++ b/網頁製作期末報告_team12.pptx
@@ -5,7 +5,7 @@
     <p:sldMasterId id="2147483648" r:id="rId1"/>
   </p:sldMasterIdLst>
   <p:notesMasterIdLst>
-    <p:notesMasterId r:id="rId12"/>
+    <p:notesMasterId r:id="rId13"/>
   </p:notesMasterIdLst>
   <p:sldIdLst>
     <p:sldId id="256" r:id="rId2"/>
@@ -16,8 +16,9 @@
     <p:sldId id="267" r:id="rId7"/>
     <p:sldId id="280" r:id="rId8"/>
     <p:sldId id="282" r:id="rId9"/>
-    <p:sldId id="283" r:id="rId10"/>
-    <p:sldId id="278" r:id="rId11"/>
+    <p:sldId id="284" r:id="rId10"/>
+    <p:sldId id="283" r:id="rId11"/>
+    <p:sldId id="278" r:id="rId12"/>
   </p:sldIdLst>
   <p:sldSz cx="12192000" cy="6858000"/>
   <p:notesSz cx="6858000" cy="9144000"/>
@@ -1661,73 +1662,6 @@
         </a:p>
       </dgm:t>
     </dgm:pt>
-    <dgm:pt modelId="{54345FCA-1D51-4528-9600-2EAC1CC5E4B8}">
-      <dgm:prSet phldrT="[文字]" custT="1"/>
-      <dgm:spPr>
-        <a:noFill/>
-        <a:ln>
-          <a:solidFill>
-            <a:schemeClr val="accent1"/>
-          </a:solidFill>
-        </a:ln>
-      </dgm:spPr>
-      <dgm:t>
-        <a:bodyPr/>
-        <a:lstStyle/>
-        <a:p>
-          <a:r>
-            <a:rPr lang="zh-TW" altLang="en-US" sz="2000" dirty="0" smtClean="0">
-              <a:solidFill>
-                <a:schemeClr val="accent1">
-                  <a:lumMod val="75000"/>
-                </a:schemeClr>
-              </a:solidFill>
-              <a:latin typeface="Microsoft YaHei" panose="020B0503020204020204" pitchFamily="34" charset="-122"/>
-              <a:ea typeface="Microsoft YaHei" panose="020B0503020204020204" pitchFamily="34" charset="-122"/>
-            </a:rPr>
-            <a:t>資料庫</a:t>
-          </a:r>
-          <a:endParaRPr lang="zh-TW" altLang="en-US" sz="2000" dirty="0">
-            <a:solidFill>
-              <a:schemeClr val="accent1">
-                <a:lumMod val="75000"/>
-              </a:schemeClr>
-            </a:solidFill>
-            <a:latin typeface="Microsoft YaHei" panose="020B0503020204020204" pitchFamily="34" charset="-122"/>
-            <a:ea typeface="Microsoft YaHei" panose="020B0503020204020204" pitchFamily="34" charset="-122"/>
-          </a:endParaRPr>
-        </a:p>
-      </dgm:t>
-    </dgm:pt>
-    <dgm:pt modelId="{03E857F5-E46B-41CE-B438-1FC83F6B66C7}" type="parTrans" cxnId="{04E6E7C3-27FC-428F-B6D4-6721178BEC3B}">
-      <dgm:prSet/>
-      <dgm:spPr>
-        <a:noFill/>
-        <a:ln>
-          <a:solidFill>
-            <a:schemeClr val="accent1"/>
-          </a:solidFill>
-        </a:ln>
-      </dgm:spPr>
-      <dgm:t>
-        <a:bodyPr/>
-        <a:lstStyle/>
-        <a:p>
-          <a:endParaRPr lang="zh-TW" altLang="en-US"/>
-        </a:p>
-      </dgm:t>
-    </dgm:pt>
-    <dgm:pt modelId="{9CAA5EA6-C3A4-4640-BBC4-D5410D294203}" type="sibTrans" cxnId="{04E6E7C3-27FC-428F-B6D4-6721178BEC3B}">
-      <dgm:prSet/>
-      <dgm:spPr/>
-      <dgm:t>
-        <a:bodyPr/>
-        <a:lstStyle/>
-        <a:p>
-          <a:endParaRPr lang="zh-TW" altLang="en-US"/>
-        </a:p>
-      </dgm:t>
-    </dgm:pt>
     <dgm:pt modelId="{456EFB4D-5F86-49D7-9E7C-1AC24E46B4B3}">
       <dgm:prSet phldrT="[文字]" custT="1"/>
       <dgm:spPr>
@@ -2010,73 +1944,6 @@
       </dgm:t>
     </dgm:pt>
     <dgm:pt modelId="{B1105A89-5987-47BA-9BE1-BAF1CCFE64DA}" type="sibTrans" cxnId="{0F2367CF-E311-4F1D-BEC3-917D75975745}">
-      <dgm:prSet/>
-      <dgm:spPr/>
-      <dgm:t>
-        <a:bodyPr/>
-        <a:lstStyle/>
-        <a:p>
-          <a:endParaRPr lang="zh-TW" altLang="en-US"/>
-        </a:p>
-      </dgm:t>
-    </dgm:pt>
-    <dgm:pt modelId="{C9375578-3FBA-4A85-93A1-23523D2ECDD2}">
-      <dgm:prSet phldrT="[文字]" custT="1"/>
-      <dgm:spPr>
-        <a:noFill/>
-        <a:ln>
-          <a:solidFill>
-            <a:schemeClr val="accent1"/>
-          </a:solidFill>
-        </a:ln>
-      </dgm:spPr>
-      <dgm:t>
-        <a:bodyPr/>
-        <a:lstStyle/>
-        <a:p>
-          <a:r>
-            <a:rPr lang="zh-TW" altLang="en-US" sz="2000" dirty="0" smtClean="0">
-              <a:solidFill>
-                <a:schemeClr val="accent1">
-                  <a:lumMod val="75000"/>
-                </a:schemeClr>
-              </a:solidFill>
-              <a:latin typeface="Microsoft YaHei" panose="020B0503020204020204" pitchFamily="34" charset="-122"/>
-              <a:ea typeface="Microsoft YaHei" panose="020B0503020204020204" pitchFamily="34" charset="-122"/>
-            </a:rPr>
-            <a:t>資料庫</a:t>
-          </a:r>
-          <a:endParaRPr lang="zh-TW" altLang="en-US" sz="2000" dirty="0">
-            <a:solidFill>
-              <a:schemeClr val="accent1">
-                <a:lumMod val="75000"/>
-              </a:schemeClr>
-            </a:solidFill>
-            <a:latin typeface="Microsoft YaHei" panose="020B0503020204020204" pitchFamily="34" charset="-122"/>
-            <a:ea typeface="Microsoft YaHei" panose="020B0503020204020204" pitchFamily="34" charset="-122"/>
-          </a:endParaRPr>
-        </a:p>
-      </dgm:t>
-    </dgm:pt>
-    <dgm:pt modelId="{CA452DC2-8F61-4870-85DA-DD1945DD05E0}" type="parTrans" cxnId="{811D112E-0017-4F98-8078-1A2C1898F439}">
-      <dgm:prSet/>
-      <dgm:spPr>
-        <a:noFill/>
-        <a:ln>
-          <a:solidFill>
-            <a:schemeClr val="accent1"/>
-          </a:solidFill>
-        </a:ln>
-      </dgm:spPr>
-      <dgm:t>
-        <a:bodyPr/>
-        <a:lstStyle/>
-        <a:p>
-          <a:endParaRPr lang="zh-TW" altLang="en-US"/>
-        </a:p>
-      </dgm:t>
-    </dgm:pt>
-    <dgm:pt modelId="{7217CAD3-5408-4939-8177-58C366B607CF}" type="sibTrans" cxnId="{811D112E-0017-4F98-8078-1A2C1898F439}">
       <dgm:prSet/>
       <dgm:spPr/>
       <dgm:t>
@@ -2575,7 +2442,7 @@
       <dgm:spPr/>
     </dgm:pt>
     <dgm:pt modelId="{0B87949C-CADD-4ADB-9B44-66536814C313}" type="pres">
-      <dgm:prSet presAssocID="{482F4C95-C39E-4FE4-8AEE-D23440ACDF34}" presName="Name64" presStyleLbl="parChTrans1D4" presStyleIdx="0" presStyleCnt="7"/>
+      <dgm:prSet presAssocID="{482F4C95-C39E-4FE4-8AEE-D23440ACDF34}" presName="Name64" presStyleLbl="parChTrans1D4" presStyleIdx="0" presStyleCnt="5"/>
       <dgm:spPr/>
       <dgm:t>
         <a:bodyPr/>
@@ -2598,7 +2465,7 @@
       <dgm:spPr/>
     </dgm:pt>
     <dgm:pt modelId="{546555B4-497F-4CFC-9A68-6CAC8179DF4B}" type="pres">
-      <dgm:prSet presAssocID="{0F7BC3FB-E80C-4CEA-81AA-AA240D39D3F7}" presName="rootText" presStyleLbl="node4" presStyleIdx="0" presStyleCnt="7">
+      <dgm:prSet presAssocID="{0F7BC3FB-E80C-4CEA-81AA-AA240D39D3F7}" presName="rootText" presStyleLbl="node4" presStyleIdx="0" presStyleCnt="5">
         <dgm:presLayoutVars>
           <dgm:chPref val="3"/>
         </dgm:presLayoutVars>
@@ -2613,7 +2480,7 @@
       </dgm:t>
     </dgm:pt>
     <dgm:pt modelId="{6D6B7336-0BAC-4179-9FC0-2DBC8948A8C6}" type="pres">
-      <dgm:prSet presAssocID="{0F7BC3FB-E80C-4CEA-81AA-AA240D39D3F7}" presName="rootConnector" presStyleLbl="node4" presStyleIdx="0" presStyleCnt="7"/>
+      <dgm:prSet presAssocID="{0F7BC3FB-E80C-4CEA-81AA-AA240D39D3F7}" presName="rootConnector" presStyleLbl="node4" presStyleIdx="0" presStyleCnt="5"/>
       <dgm:spPr/>
       <dgm:t>
         <a:bodyPr/>
@@ -2745,65 +2612,8 @@
       <dgm:prSet presAssocID="{3066FB2A-3BDB-47F1-B2D7-290D180FEFA8}" presName="hierChild4" presStyleCnt="0"/>
       <dgm:spPr/>
     </dgm:pt>
-    <dgm:pt modelId="{4DA60511-3642-4AB9-8C1E-0C1F7DBA18BF}" type="pres">
-      <dgm:prSet presAssocID="{03E857F5-E46B-41CE-B438-1FC83F6B66C7}" presName="Name64" presStyleLbl="parChTrans1D4" presStyleIdx="1" presStyleCnt="7"/>
-      <dgm:spPr/>
-      <dgm:t>
-        <a:bodyPr/>
-        <a:lstStyle/>
-        <a:p>
-          <a:endParaRPr lang="zh-TW" altLang="en-US"/>
-        </a:p>
-      </dgm:t>
-    </dgm:pt>
-    <dgm:pt modelId="{6E6C23CD-98C4-4F06-9519-7B637B05F19B}" type="pres">
-      <dgm:prSet presAssocID="{54345FCA-1D51-4528-9600-2EAC1CC5E4B8}" presName="hierRoot2" presStyleCnt="0">
-        <dgm:presLayoutVars>
-          <dgm:hierBranch val="init"/>
-        </dgm:presLayoutVars>
-      </dgm:prSet>
-      <dgm:spPr/>
-    </dgm:pt>
-    <dgm:pt modelId="{1E0C5D82-2A08-498B-A1D6-0C02EF261BA4}" type="pres">
-      <dgm:prSet presAssocID="{54345FCA-1D51-4528-9600-2EAC1CC5E4B8}" presName="rootComposite" presStyleCnt="0"/>
-      <dgm:spPr/>
-    </dgm:pt>
-    <dgm:pt modelId="{8388C967-0C20-44EA-9282-9085219A4FA3}" type="pres">
-      <dgm:prSet presAssocID="{54345FCA-1D51-4528-9600-2EAC1CC5E4B8}" presName="rootText" presStyleLbl="node4" presStyleIdx="1" presStyleCnt="7">
-        <dgm:presLayoutVars>
-          <dgm:chPref val="3"/>
-        </dgm:presLayoutVars>
-      </dgm:prSet>
-      <dgm:spPr>
-        <a:prstGeom prst="diamond">
-          <a:avLst/>
-        </a:prstGeom>
-      </dgm:spPr>
-      <dgm:t>
-        <a:bodyPr/>
-        <a:lstStyle/>
-        <a:p>
-          <a:endParaRPr lang="zh-TW" altLang="en-US"/>
-        </a:p>
-      </dgm:t>
-    </dgm:pt>
-    <dgm:pt modelId="{B65DAE90-D17E-4113-9F9D-F5E3EB44CBC4}" type="pres">
-      <dgm:prSet presAssocID="{54345FCA-1D51-4528-9600-2EAC1CC5E4B8}" presName="rootConnector" presStyleLbl="node4" presStyleIdx="1" presStyleCnt="7"/>
-      <dgm:spPr/>
-      <dgm:t>
-        <a:bodyPr/>
-        <a:lstStyle/>
-        <a:p>
-          <a:endParaRPr lang="zh-TW" altLang="en-US"/>
-        </a:p>
-      </dgm:t>
-    </dgm:pt>
-    <dgm:pt modelId="{3281BB39-0309-4150-AA73-9FE28FA6D2C7}" type="pres">
-      <dgm:prSet presAssocID="{54345FCA-1D51-4528-9600-2EAC1CC5E4B8}" presName="hierChild4" presStyleCnt="0"/>
-      <dgm:spPr/>
-    </dgm:pt>
     <dgm:pt modelId="{5DB87ACE-F670-40BC-8C12-494FF3EB8DB8}" type="pres">
-      <dgm:prSet presAssocID="{29F0002A-D376-49D6-B212-7BA7C73A8D8F}" presName="Name64" presStyleLbl="parChTrans1D4" presStyleIdx="2" presStyleCnt="7"/>
+      <dgm:prSet presAssocID="{29F0002A-D376-49D6-B212-7BA7C73A8D8F}" presName="Name64" presStyleLbl="parChTrans1D4" presStyleIdx="1" presStyleCnt="5"/>
       <dgm:spPr/>
       <dgm:t>
         <a:bodyPr/>
@@ -2826,7 +2636,7 @@
       <dgm:spPr/>
     </dgm:pt>
     <dgm:pt modelId="{3E004AE2-9D40-4241-96F1-12E022FC3A31}" type="pres">
-      <dgm:prSet presAssocID="{456EFB4D-5F86-49D7-9E7C-1AC24E46B4B3}" presName="rootText" presStyleLbl="node4" presStyleIdx="2" presStyleCnt="7">
+      <dgm:prSet presAssocID="{456EFB4D-5F86-49D7-9E7C-1AC24E46B4B3}" presName="rootText" presStyleLbl="node4" presStyleIdx="1" presStyleCnt="5">
         <dgm:presLayoutVars>
           <dgm:chPref val="3"/>
         </dgm:presLayoutVars>
@@ -2841,7 +2651,7 @@
       </dgm:t>
     </dgm:pt>
     <dgm:pt modelId="{89B501C5-19D8-4241-8237-869FFFEB0097}" type="pres">
-      <dgm:prSet presAssocID="{456EFB4D-5F86-49D7-9E7C-1AC24E46B4B3}" presName="rootConnector" presStyleLbl="node4" presStyleIdx="2" presStyleCnt="7"/>
+      <dgm:prSet presAssocID="{456EFB4D-5F86-49D7-9E7C-1AC24E46B4B3}" presName="rootConnector" presStyleLbl="node4" presStyleIdx="1" presStyleCnt="5"/>
       <dgm:spPr/>
       <dgm:t>
         <a:bodyPr/>
@@ -2857,10 +2667,6 @@
     </dgm:pt>
     <dgm:pt modelId="{BEB7811D-C965-4CF2-A0C2-6444CC2AA991}" type="pres">
       <dgm:prSet presAssocID="{456EFB4D-5F86-49D7-9E7C-1AC24E46B4B3}" presName="hierChild5" presStyleCnt="0"/>
-      <dgm:spPr/>
-    </dgm:pt>
-    <dgm:pt modelId="{74587A92-7FD4-4385-B33C-63BC3AE78691}" type="pres">
-      <dgm:prSet presAssocID="{54345FCA-1D51-4528-9600-2EAC1CC5E4B8}" presName="hierChild5" presStyleCnt="0"/>
       <dgm:spPr/>
     </dgm:pt>
     <dgm:pt modelId="{D6568473-1998-47F2-9B25-C9061AF6A739}" type="pres">
@@ -2978,7 +2784,7 @@
       <dgm:spPr/>
     </dgm:pt>
     <dgm:pt modelId="{CC7A5250-6500-4A51-9436-4C21D6C86379}" type="pres">
-      <dgm:prSet presAssocID="{EE410091-5290-4695-BC58-C69249079662}" presName="Name64" presStyleLbl="parChTrans1D4" presStyleIdx="3" presStyleCnt="7"/>
+      <dgm:prSet presAssocID="{EE410091-5290-4695-BC58-C69249079662}" presName="Name64" presStyleLbl="parChTrans1D4" presStyleIdx="2" presStyleCnt="5"/>
       <dgm:spPr/>
       <dgm:t>
         <a:bodyPr/>
@@ -3001,7 +2807,7 @@
       <dgm:spPr/>
     </dgm:pt>
     <dgm:pt modelId="{AA4C86B0-F639-4AEB-9B75-A19178E3A88F}" type="pres">
-      <dgm:prSet presAssocID="{A4429014-4AA8-464C-A54D-EC2D244DE0BE}" presName="rootText" presStyleLbl="node4" presStyleIdx="3" presStyleCnt="7">
+      <dgm:prSet presAssocID="{A4429014-4AA8-464C-A54D-EC2D244DE0BE}" presName="rootText" presStyleLbl="node4" presStyleIdx="2" presStyleCnt="5">
         <dgm:presLayoutVars>
           <dgm:chPref val="3"/>
         </dgm:presLayoutVars>
@@ -3016,7 +2822,7 @@
       </dgm:t>
     </dgm:pt>
     <dgm:pt modelId="{2CB3FD73-E719-47C4-BF66-D8B44B85BF6E}" type="pres">
-      <dgm:prSet presAssocID="{A4429014-4AA8-464C-A54D-EC2D244DE0BE}" presName="rootConnector" presStyleLbl="node4" presStyleIdx="3" presStyleCnt="7"/>
+      <dgm:prSet presAssocID="{A4429014-4AA8-464C-A54D-EC2D244DE0BE}" presName="rootConnector" presStyleLbl="node4" presStyleIdx="2" presStyleCnt="5"/>
       <dgm:spPr/>
       <dgm:t>
         <a:bodyPr/>
@@ -3031,7 +2837,7 @@
       <dgm:spPr/>
     </dgm:pt>
     <dgm:pt modelId="{9F7575F3-5B79-42D1-BA96-888F37B0AA43}" type="pres">
-      <dgm:prSet presAssocID="{B14781C4-63C4-4A95-B779-F20A7851480D}" presName="Name64" presStyleLbl="parChTrans1D4" presStyleIdx="4" presStyleCnt="7"/>
+      <dgm:prSet presAssocID="{B14781C4-63C4-4A95-B779-F20A7851480D}" presName="Name64" presStyleLbl="parChTrans1D4" presStyleIdx="3" presStyleCnt="5"/>
       <dgm:spPr/>
       <dgm:t>
         <a:bodyPr/>
@@ -3054,7 +2860,7 @@
       <dgm:spPr/>
     </dgm:pt>
     <dgm:pt modelId="{BE5D859A-F7E5-4FDD-A3BF-C2DDC37EF257}" type="pres">
-      <dgm:prSet presAssocID="{1A1ECAE7-03E0-4037-B94B-CCA02892EC8E}" presName="rootText" presStyleLbl="node4" presStyleIdx="4" presStyleCnt="7">
+      <dgm:prSet presAssocID="{1A1ECAE7-03E0-4037-B94B-CCA02892EC8E}" presName="rootText" presStyleLbl="node4" presStyleIdx="3" presStyleCnt="5">
         <dgm:presLayoutVars>
           <dgm:chPref val="3"/>
         </dgm:presLayoutVars>
@@ -3069,7 +2875,7 @@
       </dgm:t>
     </dgm:pt>
     <dgm:pt modelId="{CE33FEB2-0105-4B00-9AF7-D0DED4DA9741}" type="pres">
-      <dgm:prSet presAssocID="{1A1ECAE7-03E0-4037-B94B-CCA02892EC8E}" presName="rootConnector" presStyleLbl="node4" presStyleIdx="4" presStyleCnt="7"/>
+      <dgm:prSet presAssocID="{1A1ECAE7-03E0-4037-B94B-CCA02892EC8E}" presName="rootConnector" presStyleLbl="node4" presStyleIdx="3" presStyleCnt="5"/>
       <dgm:spPr/>
       <dgm:t>
         <a:bodyPr/>
@@ -3152,65 +2958,8 @@
       <dgm:prSet presAssocID="{0370135D-4CB0-41C6-90F3-69D36FCE2812}" presName="hierChild4" presStyleCnt="0"/>
       <dgm:spPr/>
     </dgm:pt>
-    <dgm:pt modelId="{310DC558-8B29-404E-8D43-2E74F024B8D9}" type="pres">
-      <dgm:prSet presAssocID="{CA452DC2-8F61-4870-85DA-DD1945DD05E0}" presName="Name64" presStyleLbl="parChTrans1D3" presStyleIdx="4" presStyleCnt="6"/>
-      <dgm:spPr/>
-      <dgm:t>
-        <a:bodyPr/>
-        <a:lstStyle/>
-        <a:p>
-          <a:endParaRPr lang="zh-TW" altLang="en-US"/>
-        </a:p>
-      </dgm:t>
-    </dgm:pt>
-    <dgm:pt modelId="{5BE19C6F-2C67-4CF9-A670-6B8A74779F0E}" type="pres">
-      <dgm:prSet presAssocID="{C9375578-3FBA-4A85-93A1-23523D2ECDD2}" presName="hierRoot2" presStyleCnt="0">
-        <dgm:presLayoutVars>
-          <dgm:hierBranch val="init"/>
-        </dgm:presLayoutVars>
-      </dgm:prSet>
-      <dgm:spPr/>
-    </dgm:pt>
-    <dgm:pt modelId="{C5D2EED6-24F7-4727-8ECF-06A886C902BB}" type="pres">
-      <dgm:prSet presAssocID="{C9375578-3FBA-4A85-93A1-23523D2ECDD2}" presName="rootComposite" presStyleCnt="0"/>
-      <dgm:spPr/>
-    </dgm:pt>
-    <dgm:pt modelId="{89F1C3EC-8753-4D6B-945D-735BB0BB83F6}" type="pres">
-      <dgm:prSet presAssocID="{C9375578-3FBA-4A85-93A1-23523D2ECDD2}" presName="rootText" presStyleLbl="node3" presStyleIdx="4" presStyleCnt="6">
-        <dgm:presLayoutVars>
-          <dgm:chPref val="3"/>
-        </dgm:presLayoutVars>
-      </dgm:prSet>
-      <dgm:spPr>
-        <a:prstGeom prst="diamond">
-          <a:avLst/>
-        </a:prstGeom>
-      </dgm:spPr>
-      <dgm:t>
-        <a:bodyPr/>
-        <a:lstStyle/>
-        <a:p>
-          <a:endParaRPr lang="zh-TW" altLang="en-US"/>
-        </a:p>
-      </dgm:t>
-    </dgm:pt>
-    <dgm:pt modelId="{A83D8F02-2777-40C1-A2F6-E82B75063F09}" type="pres">
-      <dgm:prSet presAssocID="{C9375578-3FBA-4A85-93A1-23523D2ECDD2}" presName="rootConnector" presStyleLbl="node3" presStyleIdx="4" presStyleCnt="6"/>
-      <dgm:spPr/>
-      <dgm:t>
-        <a:bodyPr/>
-        <a:lstStyle/>
-        <a:p>
-          <a:endParaRPr lang="zh-TW" altLang="en-US"/>
-        </a:p>
-      </dgm:t>
-    </dgm:pt>
-    <dgm:pt modelId="{1DCAC504-C47A-4AD2-AF9D-B7092FDE414D}" type="pres">
-      <dgm:prSet presAssocID="{C9375578-3FBA-4A85-93A1-23523D2ECDD2}" presName="hierChild4" presStyleCnt="0"/>
-      <dgm:spPr/>
-    </dgm:pt>
     <dgm:pt modelId="{1810DF6F-3D7E-4284-A074-DAEF315817FA}" type="pres">
-      <dgm:prSet presAssocID="{9C57C07B-B624-4E14-8AA6-21FA669B0EB9}" presName="Name64" presStyleLbl="parChTrans1D4" presStyleIdx="5" presStyleCnt="7"/>
+      <dgm:prSet presAssocID="{9C57C07B-B624-4E14-8AA6-21FA669B0EB9}" presName="Name64" presStyleLbl="parChTrans1D3" presStyleIdx="4" presStyleCnt="6"/>
       <dgm:spPr/>
       <dgm:t>
         <a:bodyPr/>
@@ -3233,7 +2982,7 @@
       <dgm:spPr/>
     </dgm:pt>
     <dgm:pt modelId="{17EFAFCB-1F6F-434B-B168-74BEDD648862}" type="pres">
-      <dgm:prSet presAssocID="{97E0FF12-E87C-4191-BEDA-C2CF8E9C49C6}" presName="rootText" presStyleLbl="node4" presStyleIdx="5" presStyleCnt="7">
+      <dgm:prSet presAssocID="{97E0FF12-E87C-4191-BEDA-C2CF8E9C49C6}" presName="rootText" presStyleLbl="node3" presStyleIdx="4" presStyleCnt="6">
         <dgm:presLayoutVars>
           <dgm:chPref val="3"/>
         </dgm:presLayoutVars>
@@ -3248,7 +2997,7 @@
       </dgm:t>
     </dgm:pt>
     <dgm:pt modelId="{DE9C5D20-9DD3-4735-BA51-F98AED01086B}" type="pres">
-      <dgm:prSet presAssocID="{97E0FF12-E87C-4191-BEDA-C2CF8E9C49C6}" presName="rootConnector" presStyleLbl="node4" presStyleIdx="5" presStyleCnt="7"/>
+      <dgm:prSet presAssocID="{97E0FF12-E87C-4191-BEDA-C2CF8E9C49C6}" presName="rootConnector" presStyleLbl="node3" presStyleIdx="4" presStyleCnt="6"/>
       <dgm:spPr/>
       <dgm:t>
         <a:bodyPr/>
@@ -3264,10 +3013,6 @@
     </dgm:pt>
     <dgm:pt modelId="{21C34BD3-26DE-4B3D-AE17-782E5666CA49}" type="pres">
       <dgm:prSet presAssocID="{97E0FF12-E87C-4191-BEDA-C2CF8E9C49C6}" presName="hierChild5" presStyleCnt="0"/>
-      <dgm:spPr/>
-    </dgm:pt>
-    <dgm:pt modelId="{637C4B7D-506B-458B-A13F-F528FCC181EE}" type="pres">
-      <dgm:prSet presAssocID="{C9375578-3FBA-4A85-93A1-23523D2ECDD2}" presName="hierChild5" presStyleCnt="0"/>
       <dgm:spPr/>
     </dgm:pt>
     <dgm:pt modelId="{081E4265-2B54-4E76-8B6A-87C29808A620}" type="pres">
@@ -3381,7 +3126,7 @@
       <dgm:spPr/>
     </dgm:pt>
     <dgm:pt modelId="{A9E9207E-0E7C-42F3-919C-E73AA3AE5500}" type="pres">
-      <dgm:prSet presAssocID="{F0578613-3253-40E2-A678-537EC0662ABF}" presName="Name64" presStyleLbl="parChTrans1D4" presStyleIdx="6" presStyleCnt="7"/>
+      <dgm:prSet presAssocID="{F0578613-3253-40E2-A678-537EC0662ABF}" presName="Name64" presStyleLbl="parChTrans1D4" presStyleIdx="4" presStyleCnt="5"/>
       <dgm:spPr/>
       <dgm:t>
         <a:bodyPr/>
@@ -3404,7 +3149,7 @@
       <dgm:spPr/>
     </dgm:pt>
     <dgm:pt modelId="{73AD7060-D478-4BF1-8F1C-3E9BC1E48B9D}" type="pres">
-      <dgm:prSet presAssocID="{4B726AFC-917B-462E-ABD5-ABB0EE292728}" presName="rootText" presStyleLbl="node4" presStyleIdx="6" presStyleCnt="7">
+      <dgm:prSet presAssocID="{4B726AFC-917B-462E-ABD5-ABB0EE292728}" presName="rootText" presStyleLbl="node4" presStyleIdx="4" presStyleCnt="5">
         <dgm:presLayoutVars>
           <dgm:chPref val="3"/>
         </dgm:presLayoutVars>
@@ -3419,7 +3164,7 @@
       </dgm:t>
     </dgm:pt>
     <dgm:pt modelId="{C0C6F18E-FC4C-4B8D-844C-552E8C7BF176}" type="pres">
-      <dgm:prSet presAssocID="{4B726AFC-917B-462E-ABD5-ABB0EE292728}" presName="rootConnector" presStyleLbl="node4" presStyleIdx="6" presStyleCnt="7"/>
+      <dgm:prSet presAssocID="{4B726AFC-917B-462E-ABD5-ABB0EE292728}" presName="rootConnector" presStyleLbl="node4" presStyleIdx="4" presStyleCnt="5"/>
       <dgm:spPr/>
       <dgm:t>
         <a:bodyPr/>
@@ -3451,10 +3196,8 @@
     </dgm:pt>
   </dgm:ptLst>
   <dgm:cxnLst>
-    <dgm:cxn modelId="{92A3CCE5-B472-46B4-8837-EB9D1C8657FD}" type="presOf" srcId="{C9375578-3FBA-4A85-93A1-23523D2ECDD2}" destId="{89F1C3EC-8753-4D6B-945D-735BB0BB83F6}" srcOrd="0" destOrd="0" presId="urn:microsoft.com/office/officeart/2009/3/layout/HorizontalOrganizationChart"/>
     <dgm:cxn modelId="{269BAF42-F384-467F-A6B9-D974A7F5205B}" type="presOf" srcId="{0370135D-4CB0-41C6-90F3-69D36FCE2812}" destId="{1988D759-4C64-49E1-9B0A-C662E4BF8E4E}" srcOrd="0" destOrd="0" presId="urn:microsoft.com/office/officeart/2009/3/layout/HorizontalOrganizationChart"/>
     <dgm:cxn modelId="{47B48C9D-6EC3-49FF-9480-A37C51BAB2BD}" type="presOf" srcId="{6589238D-7105-4711-B647-47273AEFFE8A}" destId="{7AEC9F57-B00C-41AA-956B-0BCB9CB450F5}" srcOrd="0" destOrd="0" presId="urn:microsoft.com/office/officeart/2009/3/layout/HorizontalOrganizationChart"/>
-    <dgm:cxn modelId="{62B26575-DD91-43EB-98A9-89D35DB5B215}" type="presOf" srcId="{03E857F5-E46B-41CE-B438-1FC83F6B66C7}" destId="{4DA60511-3642-4AB9-8C1E-0C1F7DBA18BF}" srcOrd="0" destOrd="0" presId="urn:microsoft.com/office/officeart/2009/3/layout/HorizontalOrganizationChart"/>
     <dgm:cxn modelId="{ACCF8A68-96BF-47A9-8317-A58B881E6D83}" type="presOf" srcId="{3066FB2A-3BDB-47F1-B2D7-290D180FEFA8}" destId="{9942659A-9E16-4846-9EFD-74683EC9C39F}" srcOrd="1" destOrd="0" presId="urn:microsoft.com/office/officeart/2009/3/layout/HorizontalOrganizationChart"/>
     <dgm:cxn modelId="{F2BD9738-AA6C-47BD-BD90-8C28E528C41A}" type="presOf" srcId="{5010CE28-93FA-43BD-ABE3-2B210CDDD388}" destId="{3A14D23D-67F3-4D6C-B91C-CE3984F42A17}" srcOrd="1" destOrd="0" presId="urn:microsoft.com/office/officeart/2009/3/layout/HorizontalOrganizationChart"/>
     <dgm:cxn modelId="{3B9D8677-AB80-439C-9075-DFB6C9058224}" type="presOf" srcId="{53277C34-1D1E-459F-9AD3-C0779D377249}" destId="{DAEF1BCF-716E-4F79-A6A0-B873EB34ABFE}" srcOrd="0" destOrd="0" presId="urn:microsoft.com/office/officeart/2009/3/layout/HorizontalOrganizationChart"/>
@@ -3464,28 +3207,28 @@
     <dgm:cxn modelId="{09546176-B5A8-4830-83CF-7CE45B17DAC5}" srcId="{DA582B4F-3C48-48D3-B6BB-FE6E25EDECCE}" destId="{0F7BC3FB-E80C-4CEA-81AA-AA240D39D3F7}" srcOrd="0" destOrd="0" parTransId="{482F4C95-C39E-4FE4-8AEE-D23440ACDF34}" sibTransId="{72B793E9-17E4-4AD0-80E9-4FE0A85865FB}"/>
     <dgm:cxn modelId="{A66C9931-19D6-4DBE-839A-B7785551C177}" type="presOf" srcId="{A9CB41C0-408C-4E56-BB3B-995A1E6A8DB2}" destId="{26E0FDD5-602A-40B2-89FA-95393297CE78}" srcOrd="0" destOrd="0" presId="urn:microsoft.com/office/officeart/2009/3/layout/HorizontalOrganizationChart"/>
     <dgm:cxn modelId="{0E0FAD0D-1F3B-4A70-B061-135CFA50A7C3}" type="presOf" srcId="{1E28F03F-B06A-411F-98AA-D894E72D13F8}" destId="{164642DC-28D3-407D-8442-8E4BE1AECDEE}" srcOrd="0" destOrd="0" presId="urn:microsoft.com/office/officeart/2009/3/layout/HorizontalOrganizationChart"/>
-    <dgm:cxn modelId="{23642B2E-3EFA-48D3-89DC-C88544A09019}" type="presOf" srcId="{97E0FF12-E87C-4191-BEDA-C2CF8E9C49C6}" destId="{17EFAFCB-1F6F-434B-B168-74BEDD648862}" srcOrd="0" destOrd="0" presId="urn:microsoft.com/office/officeart/2009/3/layout/HorizontalOrganizationChart"/>
     <dgm:cxn modelId="{03CD404E-0DDB-4D1E-80CE-0696F86C0530}" type="presOf" srcId="{3066FB2A-3BDB-47F1-B2D7-290D180FEFA8}" destId="{280AAF32-CF85-4DDC-BC1E-E1799EA69538}" srcOrd="0" destOrd="0" presId="urn:microsoft.com/office/officeart/2009/3/layout/HorizontalOrganizationChart"/>
     <dgm:cxn modelId="{3D4C84B6-D761-4B0B-98F5-0CB66F29346F}" type="presOf" srcId="{BAC266E5-D12F-430D-B56F-D65DBBF23ADD}" destId="{B157BEF4-9FB3-47F1-A8B8-355283167242}" srcOrd="0" destOrd="0" presId="urn:microsoft.com/office/officeart/2009/3/layout/HorizontalOrganizationChart"/>
+    <dgm:cxn modelId="{ADE8322B-49C4-4BC4-8A86-83F919CE20F3}" type="presOf" srcId="{97E0FF12-E87C-4191-BEDA-C2CF8E9C49C6}" destId="{DE9C5D20-9DD3-4735-BA51-F98AED01086B}" srcOrd="1" destOrd="0" presId="urn:microsoft.com/office/officeart/2009/3/layout/HorizontalOrganizationChart"/>
     <dgm:cxn modelId="{830E5546-DC34-46E4-9557-D0CD6C5F5D9F}" type="presOf" srcId="{4B726AFC-917B-462E-ABD5-ABB0EE292728}" destId="{73AD7060-D478-4BF1-8F1C-3E9BC1E48B9D}" srcOrd="0" destOrd="0" presId="urn:microsoft.com/office/officeart/2009/3/layout/HorizontalOrganizationChart"/>
     <dgm:cxn modelId="{8A3D6693-6667-450F-B8DD-9705B61CC0EE}" srcId="{A870D306-D6D5-4B5D-8235-47138035B827}" destId="{5010CE28-93FA-43BD-ABE3-2B210CDDD388}" srcOrd="0" destOrd="0" parTransId="{D8C7871B-87D3-468E-AC39-96966901E1C4}" sibTransId="{8B8A6D35-B92D-4405-BD84-BDFE19DE5F9C}"/>
     <dgm:cxn modelId="{8F45389F-31FB-4199-8979-DA9BB5202553}" type="presOf" srcId="{80F7076E-1B48-4A94-960C-3622E1343EDE}" destId="{6168AE62-4054-46BA-8243-38082AC90379}" srcOrd="0" destOrd="0" presId="urn:microsoft.com/office/officeart/2009/3/layout/HorizontalOrganizationChart"/>
     <dgm:cxn modelId="{274E7C82-8432-4FF8-B2A2-8134D7D75333}" srcId="{C488DDC1-257E-4026-BDA2-905482E4C9C8}" destId="{973CCD07-7FB0-4860-8B33-D0306AE4E28B}" srcOrd="0" destOrd="0" parTransId="{A4BD198B-4FED-40AF-B9F3-380BA935C3CD}" sibTransId="{C782F34E-03F3-4DE8-B6D3-55C71A70A044}"/>
-    <dgm:cxn modelId="{4991DCE5-586B-4724-8F5C-381912500F3B}" type="presOf" srcId="{9C57C07B-B624-4E14-8AA6-21FA669B0EB9}" destId="{1810DF6F-3D7E-4284-A074-DAEF315817FA}" srcOrd="0" destOrd="0" presId="urn:microsoft.com/office/officeart/2009/3/layout/HorizontalOrganizationChart"/>
-    <dgm:cxn modelId="{E88D361C-5A6B-48D6-A745-FB22BB11C370}" srcId="{54345FCA-1D51-4528-9600-2EAC1CC5E4B8}" destId="{456EFB4D-5F86-49D7-9E7C-1AC24E46B4B3}" srcOrd="0" destOrd="0" parTransId="{29F0002A-D376-49D6-B212-7BA7C73A8D8F}" sibTransId="{720ECC7E-6208-45B2-B917-D6564223DE5A}"/>
+    <dgm:cxn modelId="{E5855979-A7B5-437C-BB9F-B51C513E568B}" type="presOf" srcId="{9C57C07B-B624-4E14-8AA6-21FA669B0EB9}" destId="{1810DF6F-3D7E-4284-A074-DAEF315817FA}" srcOrd="0" destOrd="0" presId="urn:microsoft.com/office/officeart/2009/3/layout/HorizontalOrganizationChart"/>
+    <dgm:cxn modelId="{E88D361C-5A6B-48D6-A745-FB22BB11C370}" srcId="{3066FB2A-3BDB-47F1-B2D7-290D180FEFA8}" destId="{456EFB4D-5F86-49D7-9E7C-1AC24E46B4B3}" srcOrd="0" destOrd="0" parTransId="{29F0002A-D376-49D6-B212-7BA7C73A8D8F}" sibTransId="{720ECC7E-6208-45B2-B917-D6564223DE5A}"/>
     <dgm:cxn modelId="{F090A4C8-88C7-4FFC-822D-32AA68213A64}" type="presOf" srcId="{EE410091-5290-4695-BC58-C69249079662}" destId="{CC7A5250-6500-4A51-9436-4C21D6C86379}" srcOrd="0" destOrd="0" presId="urn:microsoft.com/office/officeart/2009/3/layout/HorizontalOrganizationChart"/>
     <dgm:cxn modelId="{099E79B2-57BD-46ED-B3C8-EBED27A0A9D5}" srcId="{80F7076E-1B48-4A94-960C-3622E1343EDE}" destId="{A4429014-4AA8-464C-A54D-EC2D244DE0BE}" srcOrd="0" destOrd="0" parTransId="{EE410091-5290-4695-BC58-C69249079662}" sibTransId="{F1FDA292-8725-4AE7-B32E-5AFED013B37F}"/>
     <dgm:cxn modelId="{62D284D0-4559-41CC-8E78-B5EC7B995C6D}" srcId="{5010CE28-93FA-43BD-ABE3-2B210CDDD388}" destId="{4B726AFC-917B-462E-ABD5-ABB0EE292728}" srcOrd="0" destOrd="0" parTransId="{F0578613-3253-40E2-A678-537EC0662ABF}" sibTransId="{DA2E0ED2-DE76-4361-BA33-873308FF95AE}"/>
     <dgm:cxn modelId="{1DA8BF4D-C8AA-4D63-9F8A-C0AE15BBD30F}" type="presOf" srcId="{4B726AFC-917B-462E-ABD5-ABB0EE292728}" destId="{C0C6F18E-FC4C-4B8D-844C-552E8C7BF176}" srcOrd="1" destOrd="0" presId="urn:microsoft.com/office/officeart/2009/3/layout/HorizontalOrganizationChart"/>
     <dgm:cxn modelId="{76FB93B1-041F-426C-A122-F11CD0CCC3C9}" type="presOf" srcId="{24A7A657-2692-4C3F-BF91-B5CF9ABCBF4D}" destId="{1228EBAC-25AD-4134-8AEC-69968979BA7A}" srcOrd="0" destOrd="0" presId="urn:microsoft.com/office/officeart/2009/3/layout/HorizontalOrganizationChart"/>
-    <dgm:cxn modelId="{82253782-37B7-4135-974A-C0F908214302}" type="presOf" srcId="{456EFB4D-5F86-49D7-9E7C-1AC24E46B4B3}" destId="{89B501C5-19D8-4241-8237-869FFFEB0097}" srcOrd="1" destOrd="0" presId="urn:microsoft.com/office/officeart/2009/3/layout/HorizontalOrganizationChart"/>
     <dgm:cxn modelId="{1FE88A7D-4101-44C4-BF84-05FF804A090E}" type="presOf" srcId="{A4429014-4AA8-464C-A54D-EC2D244DE0BE}" destId="{AA4C86B0-F639-4AEB-9B75-A19178E3A88F}" srcOrd="0" destOrd="0" presId="urn:microsoft.com/office/officeart/2009/3/layout/HorizontalOrganizationChart"/>
+    <dgm:cxn modelId="{99DE9D07-0D52-4B37-8779-AD58CDF6238C}" type="presOf" srcId="{6589238D-7105-4711-B647-47273AEFFE8A}" destId="{C7F9608F-81E9-415B-AC4D-B4E48E0FDD6F}" srcOrd="1" destOrd="0" presId="urn:microsoft.com/office/officeart/2009/3/layout/HorizontalOrganizationChart"/>
     <dgm:cxn modelId="{F6278E2C-72C7-4348-A097-F1D1544C3C3B}" type="presOf" srcId="{80F7076E-1B48-4A94-960C-3622E1343EDE}" destId="{3CB44A20-29EB-4F4F-B983-F5916E5CC107}" srcOrd="1" destOrd="0" presId="urn:microsoft.com/office/officeart/2009/3/layout/HorizontalOrganizationChart"/>
-    <dgm:cxn modelId="{99DE9D07-0D52-4B37-8779-AD58CDF6238C}" type="presOf" srcId="{6589238D-7105-4711-B647-47273AEFFE8A}" destId="{C7F9608F-81E9-415B-AC4D-B4E48E0FDD6F}" srcOrd="1" destOrd="0" presId="urn:microsoft.com/office/officeart/2009/3/layout/HorizontalOrganizationChart"/>
     <dgm:cxn modelId="{2CD676E7-FDAF-44A7-B3DC-1472945E274D}" srcId="{6589238D-7105-4711-B647-47273AEFFE8A}" destId="{3066FB2A-3BDB-47F1-B2D7-290D180FEFA8}" srcOrd="0" destOrd="0" parTransId="{4B01905F-FFBC-4707-BB8D-B7156B5C85E2}" sibTransId="{7119E590-E581-4016-842C-A8F918037C3A}"/>
     <dgm:cxn modelId="{36FE8420-50F7-469B-B737-BD4DFAC4E284}" type="presOf" srcId="{DA582B4F-3C48-48D3-B6BB-FE6E25EDECCE}" destId="{61766B6C-73E2-440E-B346-462F4D023185}" srcOrd="1" destOrd="0" presId="urn:microsoft.com/office/officeart/2009/3/layout/HorizontalOrganizationChart"/>
-    <dgm:cxn modelId="{B050793B-8B51-4456-BA97-1A152BBE8A23}" srcId="{C9375578-3FBA-4A85-93A1-23523D2ECDD2}" destId="{97E0FF12-E87C-4191-BEDA-C2CF8E9C49C6}" srcOrd="0" destOrd="0" parTransId="{9C57C07B-B624-4E14-8AA6-21FA669B0EB9}" sibTransId="{E0E7C847-5ED8-4CBC-B497-1F78152E32BC}"/>
-    <dgm:cxn modelId="{3B58BB24-5787-4B8C-8A9C-FF665B326514}" type="presOf" srcId="{C9375578-3FBA-4A85-93A1-23523D2ECDD2}" destId="{A83D8F02-2777-40C1-A2F6-E82B75063F09}" srcOrd="1" destOrd="0" presId="urn:microsoft.com/office/officeart/2009/3/layout/HorizontalOrganizationChart"/>
+    <dgm:cxn modelId="{B050793B-8B51-4456-BA97-1A152BBE8A23}" srcId="{0370135D-4CB0-41C6-90F3-69D36FCE2812}" destId="{97E0FF12-E87C-4191-BEDA-C2CF8E9C49C6}" srcOrd="0" destOrd="0" parTransId="{9C57C07B-B624-4E14-8AA6-21FA669B0EB9}" sibTransId="{E0E7C847-5ED8-4CBC-B497-1F78152E32BC}"/>
+    <dgm:cxn modelId="{9B19483A-FBC8-49C8-9FF5-D8CCF37CD529}" type="presOf" srcId="{456EFB4D-5F86-49D7-9E7C-1AC24E46B4B3}" destId="{3E004AE2-9D40-4241-96F1-12E022FC3A31}" srcOrd="0" destOrd="0" presId="urn:microsoft.com/office/officeart/2009/3/layout/HorizontalOrganizationChart"/>
+    <dgm:cxn modelId="{03A68A41-BA05-42DA-820F-2F2DFCEFA55C}" type="presOf" srcId="{97E0FF12-E87C-4191-BEDA-C2CF8E9C49C6}" destId="{17EFAFCB-1F6F-434B-B168-74BEDD648862}" srcOrd="0" destOrd="0" presId="urn:microsoft.com/office/officeart/2009/3/layout/HorizontalOrganizationChart"/>
     <dgm:cxn modelId="{61691010-1C54-4DC3-837C-20EBCC944B2B}" type="presOf" srcId="{D8C7871B-87D3-468E-AC39-96966901E1C4}" destId="{A4BEB405-E33B-4BA8-A049-A2CCB3FE00CF}" srcOrd="0" destOrd="0" presId="urn:microsoft.com/office/officeart/2009/3/layout/HorizontalOrganizationChart"/>
     <dgm:cxn modelId="{59D20FBD-CFF1-44E5-A691-2D5FF58EAD10}" type="presOf" srcId="{A870D306-D6D5-4B5D-8235-47138035B827}" destId="{D54B5BE5-3ADC-4249-A95A-56A54139C7AA}" srcOrd="1" destOrd="0" presId="urn:microsoft.com/office/officeart/2009/3/layout/HorizontalOrganizationChart"/>
     <dgm:cxn modelId="{627E07E8-DB8E-465C-B220-5F3FA3AAB955}" type="presOf" srcId="{89817D6D-04D1-4CC8-AF7D-15C398DE9063}" destId="{58938279-F9FE-475E-A10B-324C3F4EDD94}" srcOrd="0" destOrd="0" presId="urn:microsoft.com/office/officeart/2009/3/layout/HorizontalOrganizationChart"/>
@@ -3493,43 +3236,37 @@
     <dgm:cxn modelId="{357F1366-5988-463E-835A-8B7F114A27B6}" type="presOf" srcId="{973CCD07-7FB0-4860-8B33-D0306AE4E28B}" destId="{24DDA01A-0185-4AD2-9263-AC3D7FB155FB}" srcOrd="0" destOrd="0" presId="urn:microsoft.com/office/officeart/2009/3/layout/HorizontalOrganizationChart"/>
     <dgm:cxn modelId="{2B6C5317-8F7A-46E2-BA94-00B631FD3F29}" srcId="{C488DDC1-257E-4026-BDA2-905482E4C9C8}" destId="{0370135D-4CB0-41C6-90F3-69D36FCE2812}" srcOrd="4" destOrd="0" parTransId="{1E28F03F-B06A-411F-98AA-D894E72D13F8}" sibTransId="{7EEE441B-5534-4FA3-8BF8-558C31EF9AB5}"/>
     <dgm:cxn modelId="{A9BB9392-014E-40C8-8441-E2B67C27B62F}" type="presOf" srcId="{973CCD07-7FB0-4860-8B33-D0306AE4E28B}" destId="{C2A56672-1E2D-40E1-B5EA-F79C5CD37A3F}" srcOrd="1" destOrd="0" presId="urn:microsoft.com/office/officeart/2009/3/layout/HorizontalOrganizationChart"/>
-    <dgm:cxn modelId="{04E6E7C3-27FC-428F-B6D4-6721178BEC3B}" srcId="{3066FB2A-3BDB-47F1-B2D7-290D180FEFA8}" destId="{54345FCA-1D51-4528-9600-2EAC1CC5E4B8}" srcOrd="0" destOrd="0" parTransId="{03E857F5-E46B-41CE-B438-1FC83F6B66C7}" sibTransId="{9CAA5EA6-C3A4-4640-BBC4-D5410D294203}"/>
+    <dgm:cxn modelId="{2FB62ACD-0348-4284-A3FC-9E08AC707455}" type="presOf" srcId="{29F0002A-D376-49D6-B212-7BA7C73A8D8F}" destId="{5DB87ACE-F670-40BC-8C12-494FF3EB8DB8}" srcOrd="0" destOrd="0" presId="urn:microsoft.com/office/officeart/2009/3/layout/HorizontalOrganizationChart"/>
     <dgm:cxn modelId="{40A84559-49D2-45E6-AACB-D924895CEA58}" srcId="{C488DDC1-257E-4026-BDA2-905482E4C9C8}" destId="{53277C34-1D1E-459F-9AD3-C0779D377249}" srcOrd="3" destOrd="0" parTransId="{6B688450-80F7-40AF-A621-CDA54BBE8041}" sibTransId="{4C04894C-888A-478A-8FC5-1D6A7E6A8851}"/>
     <dgm:cxn modelId="{48D57844-EB68-4627-80FB-E2E2FAD95AD4}" type="presOf" srcId="{6964A4E3-E4D8-41F7-9536-D76244C68EA4}" destId="{A1DC0112-D484-4EA5-A810-A055780A2D9B}" srcOrd="0" destOrd="0" presId="urn:microsoft.com/office/officeart/2009/3/layout/HorizontalOrganizationChart"/>
-    <dgm:cxn modelId="{F247D10C-86AD-44E4-B1B0-B2ACB3D9463F}" type="presOf" srcId="{456EFB4D-5F86-49D7-9E7C-1AC24E46B4B3}" destId="{3E004AE2-9D40-4241-96F1-12E022FC3A31}" srcOrd="0" destOrd="0" presId="urn:microsoft.com/office/officeart/2009/3/layout/HorizontalOrganizationChart"/>
     <dgm:cxn modelId="{CCDD2691-7ED1-4985-BEB0-B058E6125C50}" srcId="{C488DDC1-257E-4026-BDA2-905482E4C9C8}" destId="{A870D306-D6D5-4B5D-8235-47138035B827}" srcOrd="5" destOrd="0" parTransId="{08CE5C67-8365-43AB-962D-6D2673BA6E03}" sibTransId="{9E021D36-0DB1-4083-A0ED-9A3C723EB2F3}"/>
     <dgm:cxn modelId="{BD4C3795-D20E-4896-B1A6-012CEC5000B3}" type="presOf" srcId="{C3FC4818-F09E-46E0-BA77-A22C4FFF5272}" destId="{EC035766-3D74-4310-9F9E-75026757262E}" srcOrd="0" destOrd="0" presId="urn:microsoft.com/office/officeart/2009/3/layout/HorizontalOrganizationChart"/>
-    <dgm:cxn modelId="{2EF1FCDE-F913-4311-BC6D-F6EA0C77A673}" type="presOf" srcId="{97E0FF12-E87C-4191-BEDA-C2CF8E9C49C6}" destId="{DE9C5D20-9DD3-4735-BA51-F98AED01086B}" srcOrd="1" destOrd="0" presId="urn:microsoft.com/office/officeart/2009/3/layout/HorizontalOrganizationChart"/>
     <dgm:cxn modelId="{D630D2D1-C54E-4EC1-B4DF-3535839ECE05}" type="presOf" srcId="{A4429014-4AA8-464C-A54D-EC2D244DE0BE}" destId="{2CB3FD73-E719-47C4-BF66-D8B44B85BF6E}" srcOrd="1" destOrd="0" presId="urn:microsoft.com/office/officeart/2009/3/layout/HorizontalOrganizationChart"/>
     <dgm:cxn modelId="{E488008F-6314-41E7-9EF5-C50FC664A6C7}" type="presOf" srcId="{DA582B4F-3C48-48D3-B6BB-FE6E25EDECCE}" destId="{97C99E41-96AD-44E6-A36A-DF4E5F51DB7B}" srcOrd="0" destOrd="0" presId="urn:microsoft.com/office/officeart/2009/3/layout/HorizontalOrganizationChart"/>
-    <dgm:cxn modelId="{811D112E-0017-4F98-8078-1A2C1898F439}" srcId="{0370135D-4CB0-41C6-90F3-69D36FCE2812}" destId="{C9375578-3FBA-4A85-93A1-23523D2ECDD2}" srcOrd="0" destOrd="0" parTransId="{CA452DC2-8F61-4870-85DA-DD1945DD05E0}" sibTransId="{7217CAD3-5408-4939-8177-58C366B607CF}"/>
     <dgm:cxn modelId="{B21F572C-2D21-4D0D-B25F-D17C6F6CF09E}" type="presOf" srcId="{89817D6D-04D1-4CC8-AF7D-15C398DE9063}" destId="{54DC3190-090A-40EE-A0E7-1E5D8BB8437F}" srcOrd="1" destOrd="0" presId="urn:microsoft.com/office/officeart/2009/3/layout/HorizontalOrganizationChart"/>
     <dgm:cxn modelId="{69CAAC18-39B4-47E6-9E71-1A5F35EFC948}" type="presOf" srcId="{482F4C95-C39E-4FE4-8AEE-D23440ACDF34}" destId="{0B87949C-CADD-4ADB-9B44-66536814C313}" srcOrd="0" destOrd="0" presId="urn:microsoft.com/office/officeart/2009/3/layout/HorizontalOrganizationChart"/>
-    <dgm:cxn modelId="{B1698383-B344-4539-ABD0-4667DFC38D30}" type="presOf" srcId="{54345FCA-1D51-4528-9600-2EAC1CC5E4B8}" destId="{B65DAE90-D17E-4113-9F9D-F5E3EB44CBC4}" srcOrd="1" destOrd="0" presId="urn:microsoft.com/office/officeart/2009/3/layout/HorizontalOrganizationChart"/>
     <dgm:cxn modelId="{5E1B9FC0-9EB5-4A00-AABC-AE8850500877}" srcId="{FEEF8090-3A68-4C1D-B4FD-0107C029ED35}" destId="{C488DDC1-257E-4026-BDA2-905482E4C9C8}" srcOrd="0" destOrd="0" parTransId="{3AFCC133-CCAB-4011-B342-EF2D27D8624B}" sibTransId="{5045D27D-3FB9-4913-BD00-60BC1101FE97}"/>
     <dgm:cxn modelId="{EAB542E9-D93B-44A6-8ACE-C1CB4E36BA56}" type="presOf" srcId="{4B01905F-FFBC-4707-BB8D-B7156B5C85E2}" destId="{64C95314-F436-4381-9523-85573A0BF7CD}" srcOrd="0" destOrd="0" presId="urn:microsoft.com/office/officeart/2009/3/layout/HorizontalOrganizationChart"/>
     <dgm:cxn modelId="{4776E2F4-1130-42C5-BE2F-A0B5037A8E9B}" srcId="{89817D6D-04D1-4CC8-AF7D-15C398DE9063}" destId="{DA582B4F-3C48-48D3-B6BB-FE6E25EDECCE}" srcOrd="0" destOrd="0" parTransId="{24A7A657-2692-4C3F-BF91-B5CF9ABCBF4D}" sibTransId="{1D58D5D8-E495-45B0-B35E-DA37E1A0E5EC}"/>
-    <dgm:cxn modelId="{06D2B3FF-6755-48CF-8197-D5AAF5ADF182}" type="presOf" srcId="{54345FCA-1D51-4528-9600-2EAC1CC5E4B8}" destId="{8388C967-0C20-44EA-9282-9085219A4FA3}" srcOrd="0" destOrd="0" presId="urn:microsoft.com/office/officeart/2009/3/layout/HorizontalOrganizationChart"/>
     <dgm:cxn modelId="{3236F308-4345-44DC-835D-5BD75BB27137}" srcId="{C488DDC1-257E-4026-BDA2-905482E4C9C8}" destId="{89817D6D-04D1-4CC8-AF7D-15C398DE9063}" srcOrd="1" destOrd="0" parTransId="{BAC266E5-D12F-430D-B56F-D65DBBF23ADD}" sibTransId="{076E4D95-2C3B-41D2-B0F8-736FC2A9D53C}"/>
     <dgm:cxn modelId="{24A9567C-D79A-4223-A068-52DDA16CA4B5}" type="presOf" srcId="{A870D306-D6D5-4B5D-8235-47138035B827}" destId="{CDA0F56F-8C7E-4BBC-A9AD-C32F01F858BC}" srcOrd="0" destOrd="0" presId="urn:microsoft.com/office/officeart/2009/3/layout/HorizontalOrganizationChart"/>
+    <dgm:cxn modelId="{94C99953-E033-4E23-B3D6-08296E7C9500}" type="presOf" srcId="{6B688450-80F7-40AF-A621-CDA54BBE8041}" destId="{72F3265F-EABC-423F-B41E-D53CB31BC9EA}" srcOrd="0" destOrd="0" presId="urn:microsoft.com/office/officeart/2009/3/layout/HorizontalOrganizationChart"/>
     <dgm:cxn modelId="{E260CB09-F7EC-407B-BFE0-46B87B886C5E}" type="presOf" srcId="{1A1ECAE7-03E0-4037-B94B-CCA02892EC8E}" destId="{CE33FEB2-0105-4B00-9AF7-D0DED4DA9741}" srcOrd="1" destOrd="0" presId="urn:microsoft.com/office/officeart/2009/3/layout/HorizontalOrganizationChart"/>
-    <dgm:cxn modelId="{94C99953-E033-4E23-B3D6-08296E7C9500}" type="presOf" srcId="{6B688450-80F7-40AF-A621-CDA54BBE8041}" destId="{72F3265F-EABC-423F-B41E-D53CB31BC9EA}" srcOrd="0" destOrd="0" presId="urn:microsoft.com/office/officeart/2009/3/layout/HorizontalOrganizationChart"/>
     <dgm:cxn modelId="{0F2367CF-E311-4F1D-BEC3-917D75975745}" srcId="{A4429014-4AA8-464C-A54D-EC2D244DE0BE}" destId="{1A1ECAE7-03E0-4037-B94B-CCA02892EC8E}" srcOrd="0" destOrd="0" parTransId="{B14781C4-63C4-4A95-B779-F20A7851480D}" sibTransId="{B1105A89-5987-47BA-9BE1-BAF1CCFE64DA}"/>
-    <dgm:cxn modelId="{DC3D678B-D0E4-4CD1-AD52-53F3D13B793D}" type="presOf" srcId="{CA452DC2-8F61-4870-85DA-DD1945DD05E0}" destId="{310DC558-8B29-404E-8D43-2E74F024B8D9}" srcOrd="0" destOrd="0" presId="urn:microsoft.com/office/officeart/2009/3/layout/HorizontalOrganizationChart"/>
+    <dgm:cxn modelId="{C410BCEA-2760-4F03-A5AD-44E8B6FBA7CF}" srcId="{53277C34-1D1E-459F-9AD3-C0779D377249}" destId="{80F7076E-1B48-4A94-960C-3622E1343EDE}" srcOrd="0" destOrd="0" parTransId="{6964A4E3-E4D8-41F7-9536-D76244C68EA4}" sibTransId="{7C6FE4BC-C13F-42C1-94A6-A63D3CE93742}"/>
     <dgm:cxn modelId="{E92F9C12-4F33-41D1-A072-43A5098AB2C7}" type="presOf" srcId="{53277C34-1D1E-459F-9AD3-C0779D377249}" destId="{5232913A-463D-4FE5-B199-34052089008C}" srcOrd="1" destOrd="0" presId="urn:microsoft.com/office/officeart/2009/3/layout/HorizontalOrganizationChart"/>
-    <dgm:cxn modelId="{C410BCEA-2760-4F03-A5AD-44E8B6FBA7CF}" srcId="{53277C34-1D1E-459F-9AD3-C0779D377249}" destId="{80F7076E-1B48-4A94-960C-3622E1343EDE}" srcOrd="0" destOrd="0" parTransId="{6964A4E3-E4D8-41F7-9536-D76244C68EA4}" sibTransId="{7C6FE4BC-C13F-42C1-94A6-A63D3CE93742}"/>
     <dgm:cxn modelId="{84F736EC-D32D-4FA1-A9B7-64DA4EE3201D}" type="presOf" srcId="{08CE5C67-8365-43AB-962D-6D2673BA6E03}" destId="{7B323650-A8AC-46FB-B935-F4E7D76BB4DF}" srcOrd="0" destOrd="0" presId="urn:microsoft.com/office/officeart/2009/3/layout/HorizontalOrganizationChart"/>
     <dgm:cxn modelId="{CCD87678-3421-4870-9931-49803BAECDA0}" type="presOf" srcId="{F0578613-3253-40E2-A678-537EC0662ABF}" destId="{A9E9207E-0E7C-42F3-919C-E73AA3AE5500}" srcOrd="0" destOrd="0" presId="urn:microsoft.com/office/officeart/2009/3/layout/HorizontalOrganizationChart"/>
     <dgm:cxn modelId="{8C7CCB68-3BAD-42C8-B383-327476AB1949}" type="presOf" srcId="{5010CE28-93FA-43BD-ABE3-2B210CDDD388}" destId="{C1E59680-54D6-42F6-9DCB-ED0CEE482C8D}" srcOrd="0" destOrd="0" presId="urn:microsoft.com/office/officeart/2009/3/layout/HorizontalOrganizationChart"/>
     <dgm:cxn modelId="{619B7BC1-66CF-4813-8985-D2E4F4ABE82E}" type="presOf" srcId="{0F7BC3FB-E80C-4CEA-81AA-AA240D39D3F7}" destId="{546555B4-497F-4CFC-9A68-6CAC8179DF4B}" srcOrd="0" destOrd="0" presId="urn:microsoft.com/office/officeart/2009/3/layout/HorizontalOrganizationChart"/>
     <dgm:cxn modelId="{1535D3E6-D54E-4002-A54B-15C531799CE4}" type="presOf" srcId="{1A1ECAE7-03E0-4037-B94B-CCA02892EC8E}" destId="{BE5D859A-F7E5-4FDD-A3BF-C2DDC37EF257}" srcOrd="0" destOrd="0" presId="urn:microsoft.com/office/officeart/2009/3/layout/HorizontalOrganizationChart"/>
     <dgm:cxn modelId="{616517A8-2BC5-4D8C-9757-BD76FBCC4C32}" type="presOf" srcId="{B14781C4-63C4-4A95-B779-F20A7851480D}" destId="{9F7575F3-5B79-42D1-BA96-888F37B0AA43}" srcOrd="0" destOrd="0" presId="urn:microsoft.com/office/officeart/2009/3/layout/HorizontalOrganizationChart"/>
-    <dgm:cxn modelId="{252B8E88-3CFB-418D-955B-41C06784CAF4}" type="presOf" srcId="{29F0002A-D376-49D6-B212-7BA7C73A8D8F}" destId="{5DB87ACE-F670-40BC-8C12-494FF3EB8DB8}" srcOrd="0" destOrd="0" presId="urn:microsoft.com/office/officeart/2009/3/layout/HorizontalOrganizationChart"/>
     <dgm:cxn modelId="{DC79B2D0-92FB-4863-956C-6ECF559CB5A7}" type="presOf" srcId="{C488DDC1-257E-4026-BDA2-905482E4C9C8}" destId="{215BDFBD-6852-4495-B7E0-094FD58A2651}" srcOrd="0" destOrd="0" presId="urn:microsoft.com/office/officeart/2009/3/layout/HorizontalOrganizationChart"/>
+    <dgm:cxn modelId="{E2C4449D-93B4-4F2E-AFBA-B0A4483617EA}" type="presOf" srcId="{456EFB4D-5F86-49D7-9E7C-1AC24E46B4B3}" destId="{89B501C5-19D8-4241-8237-869FFFEB0097}" srcOrd="1" destOrd="0" presId="urn:microsoft.com/office/officeart/2009/3/layout/HorizontalOrganizationChart"/>
     <dgm:cxn modelId="{17DF7650-E6A8-46D0-A79A-DD21716062E3}" srcId="{973CCD07-7FB0-4860-8B33-D0306AE4E28B}" destId="{C3FC4818-F09E-46E0-BA77-A22C4FFF5272}" srcOrd="0" destOrd="0" parTransId="{09E4935A-C2CE-4E4B-8C07-CE9BD0D14D62}" sibTransId="{4D5AE663-75F0-4C7A-8869-C3DA98702EB3}"/>
     <dgm:cxn modelId="{1BF5404D-A39E-4247-A7F9-043D369BC5AD}" srcId="{C488DDC1-257E-4026-BDA2-905482E4C9C8}" destId="{6589238D-7105-4711-B647-47273AEFFE8A}" srcOrd="2" destOrd="0" parTransId="{A9CB41C0-408C-4E56-BB3B-995A1E6A8DB2}" sibTransId="{4B4450EF-C130-46E9-9C78-831E3565EE4D}"/>
+    <dgm:cxn modelId="{EB5D0473-2E16-437A-AE5F-20616581AD7A}" type="presOf" srcId="{09E4935A-C2CE-4E4B-8C07-CE9BD0D14D62}" destId="{B701F459-8A7A-4102-9920-188A3CFE23CD}" srcOrd="0" destOrd="0" presId="urn:microsoft.com/office/officeart/2009/3/layout/HorizontalOrganizationChart"/>
     <dgm:cxn modelId="{C29F4313-990F-4DEA-9BB3-8FE5883179E5}" type="presOf" srcId="{0370135D-4CB0-41C6-90F3-69D36FCE2812}" destId="{0231FA7D-A8BE-462F-AC4B-251AE6362AA7}" srcOrd="1" destOrd="0" presId="urn:microsoft.com/office/officeart/2009/3/layout/HorizontalOrganizationChart"/>
-    <dgm:cxn modelId="{EB5D0473-2E16-437A-AE5F-20616581AD7A}" type="presOf" srcId="{09E4935A-C2CE-4E4B-8C07-CE9BD0D14D62}" destId="{B701F459-8A7A-4102-9920-188A3CFE23CD}" srcOrd="0" destOrd="0" presId="urn:microsoft.com/office/officeart/2009/3/layout/HorizontalOrganizationChart"/>
     <dgm:cxn modelId="{A38D7195-56D7-418A-9A1D-B009F4D38435}" type="presOf" srcId="{C488DDC1-257E-4026-BDA2-905482E4C9C8}" destId="{109E3BB9-4E87-4BB6-975A-61F145755FF5}" srcOrd="1" destOrd="0" presId="urn:microsoft.com/office/officeart/2009/3/layout/HorizontalOrganizationChart"/>
     <dgm:cxn modelId="{D535F9F1-F522-4024-9C5D-C4B378416E34}" type="presParOf" srcId="{3FA8ABCE-0A92-4967-90A8-23A264E1B5EA}" destId="{D3DD1CD1-467C-4A58-A86C-8E5F879FE5B8}" srcOrd="0" destOrd="0" presId="urn:microsoft.com/office/officeart/2009/3/layout/HorizontalOrganizationChart"/>
     <dgm:cxn modelId="{6E4BFAA6-1C33-4AAE-B71F-AF63F28F0B04}" type="presParOf" srcId="{D3DD1CD1-467C-4A58-A86C-8E5F879FE5B8}" destId="{3370557D-77B8-4A7E-B5FD-4F7D98D1E07B}" srcOrd="0" destOrd="0" presId="urn:microsoft.com/office/officeart/2009/3/layout/HorizontalOrganizationChart"/>
@@ -3583,20 +3320,13 @@
     <dgm:cxn modelId="{1EB512E3-8A7C-4B5B-977E-3B874DA5D8B7}" type="presParOf" srcId="{D12EF704-F4BC-4BE9-B2EB-75A17CF017BC}" destId="{280AAF32-CF85-4DDC-BC1E-E1799EA69538}" srcOrd="0" destOrd="0" presId="urn:microsoft.com/office/officeart/2009/3/layout/HorizontalOrganizationChart"/>
     <dgm:cxn modelId="{4F5CA054-0554-4F15-B32A-DB254696FD07}" type="presParOf" srcId="{D12EF704-F4BC-4BE9-B2EB-75A17CF017BC}" destId="{9942659A-9E16-4846-9EFD-74683EC9C39F}" srcOrd="1" destOrd="0" presId="urn:microsoft.com/office/officeart/2009/3/layout/HorizontalOrganizationChart"/>
     <dgm:cxn modelId="{AE873EA9-A69E-4AA0-890B-2965EDC55772}" type="presParOf" srcId="{8990CAF5-46D9-4E5E-87DF-05ED7D659B5B}" destId="{3A562307-D431-492C-9F82-1E356CDE7CF0}" srcOrd="1" destOrd="0" presId="urn:microsoft.com/office/officeart/2009/3/layout/HorizontalOrganizationChart"/>
-    <dgm:cxn modelId="{6E96A795-4DD3-4C28-BC2D-886570412E68}" type="presParOf" srcId="{3A562307-D431-492C-9F82-1E356CDE7CF0}" destId="{4DA60511-3642-4AB9-8C1E-0C1F7DBA18BF}" srcOrd="0" destOrd="0" presId="urn:microsoft.com/office/officeart/2009/3/layout/HorizontalOrganizationChart"/>
-    <dgm:cxn modelId="{9D1D99E6-9F72-4820-AEEB-F655DEDFC7B9}" type="presParOf" srcId="{3A562307-D431-492C-9F82-1E356CDE7CF0}" destId="{6E6C23CD-98C4-4F06-9519-7B637B05F19B}" srcOrd="1" destOrd="0" presId="urn:microsoft.com/office/officeart/2009/3/layout/HorizontalOrganizationChart"/>
-    <dgm:cxn modelId="{0FC00EF4-4DCC-4D0E-8EC9-A3C0F53FD3F1}" type="presParOf" srcId="{6E6C23CD-98C4-4F06-9519-7B637B05F19B}" destId="{1E0C5D82-2A08-498B-A1D6-0C02EF261BA4}" srcOrd="0" destOrd="0" presId="urn:microsoft.com/office/officeart/2009/3/layout/HorizontalOrganizationChart"/>
-    <dgm:cxn modelId="{44298D4F-C0CD-4BA2-A4FA-D73AC84BC6AF}" type="presParOf" srcId="{1E0C5D82-2A08-498B-A1D6-0C02EF261BA4}" destId="{8388C967-0C20-44EA-9282-9085219A4FA3}" srcOrd="0" destOrd="0" presId="urn:microsoft.com/office/officeart/2009/3/layout/HorizontalOrganizationChart"/>
-    <dgm:cxn modelId="{8AA2C4B0-A2A2-48EE-B6B5-E713050A7D44}" type="presParOf" srcId="{1E0C5D82-2A08-498B-A1D6-0C02EF261BA4}" destId="{B65DAE90-D17E-4113-9F9D-F5E3EB44CBC4}" srcOrd="1" destOrd="0" presId="urn:microsoft.com/office/officeart/2009/3/layout/HorizontalOrganizationChart"/>
-    <dgm:cxn modelId="{413192BD-58AD-4AAC-9EEC-FE95E261DC05}" type="presParOf" srcId="{6E6C23CD-98C4-4F06-9519-7B637B05F19B}" destId="{3281BB39-0309-4150-AA73-9FE28FA6D2C7}" srcOrd="1" destOrd="0" presId="urn:microsoft.com/office/officeart/2009/3/layout/HorizontalOrganizationChart"/>
-    <dgm:cxn modelId="{DEA8BE61-F133-4253-8568-FFEDF0AAEBCD}" type="presParOf" srcId="{3281BB39-0309-4150-AA73-9FE28FA6D2C7}" destId="{5DB87ACE-F670-40BC-8C12-494FF3EB8DB8}" srcOrd="0" destOrd="0" presId="urn:microsoft.com/office/officeart/2009/3/layout/HorizontalOrganizationChart"/>
-    <dgm:cxn modelId="{6366C39E-53F1-4DC6-915C-E00AA27C3178}" type="presParOf" srcId="{3281BB39-0309-4150-AA73-9FE28FA6D2C7}" destId="{7A27A3A2-7F96-4582-AE64-67F79485D3C0}" srcOrd="1" destOrd="0" presId="urn:microsoft.com/office/officeart/2009/3/layout/HorizontalOrganizationChart"/>
-    <dgm:cxn modelId="{C020D26D-536E-41C5-8384-427CE58EFF10}" type="presParOf" srcId="{7A27A3A2-7F96-4582-AE64-67F79485D3C0}" destId="{CC1893C7-94C2-46CC-975F-6E11249A7151}" srcOrd="0" destOrd="0" presId="urn:microsoft.com/office/officeart/2009/3/layout/HorizontalOrganizationChart"/>
-    <dgm:cxn modelId="{1FBC36C6-F6FD-4441-9BC9-026CC8647B34}" type="presParOf" srcId="{CC1893C7-94C2-46CC-975F-6E11249A7151}" destId="{3E004AE2-9D40-4241-96F1-12E022FC3A31}" srcOrd="0" destOrd="0" presId="urn:microsoft.com/office/officeart/2009/3/layout/HorizontalOrganizationChart"/>
-    <dgm:cxn modelId="{F144493B-8F9B-47FD-BF82-1668F4057760}" type="presParOf" srcId="{CC1893C7-94C2-46CC-975F-6E11249A7151}" destId="{89B501C5-19D8-4241-8237-869FFFEB0097}" srcOrd="1" destOrd="0" presId="urn:microsoft.com/office/officeart/2009/3/layout/HorizontalOrganizationChart"/>
-    <dgm:cxn modelId="{7D51CD8F-1C9C-4531-ADF9-D4D33EBD8147}" type="presParOf" srcId="{7A27A3A2-7F96-4582-AE64-67F79485D3C0}" destId="{44F0CE75-0D94-49B4-9092-904508A7069F}" srcOrd="1" destOrd="0" presId="urn:microsoft.com/office/officeart/2009/3/layout/HorizontalOrganizationChart"/>
-    <dgm:cxn modelId="{872C5611-D6C8-4339-9AEF-E1847D8BDEFE}" type="presParOf" srcId="{7A27A3A2-7F96-4582-AE64-67F79485D3C0}" destId="{BEB7811D-C965-4CF2-A0C2-6444CC2AA991}" srcOrd="2" destOrd="0" presId="urn:microsoft.com/office/officeart/2009/3/layout/HorizontalOrganizationChart"/>
-    <dgm:cxn modelId="{7B8486FB-4BFA-4A32-A301-628C6598584E}" type="presParOf" srcId="{6E6C23CD-98C4-4F06-9519-7B637B05F19B}" destId="{74587A92-7FD4-4385-B33C-63BC3AE78691}" srcOrd="2" destOrd="0" presId="urn:microsoft.com/office/officeart/2009/3/layout/HorizontalOrganizationChart"/>
+    <dgm:cxn modelId="{86BAB55A-D9E7-461B-86D9-C93E25268A34}" type="presParOf" srcId="{3A562307-D431-492C-9F82-1E356CDE7CF0}" destId="{5DB87ACE-F670-40BC-8C12-494FF3EB8DB8}" srcOrd="0" destOrd="0" presId="urn:microsoft.com/office/officeart/2009/3/layout/HorizontalOrganizationChart"/>
+    <dgm:cxn modelId="{1EF0C257-77E0-472C-9A71-9CA55A9BA88F}" type="presParOf" srcId="{3A562307-D431-492C-9F82-1E356CDE7CF0}" destId="{7A27A3A2-7F96-4582-AE64-67F79485D3C0}" srcOrd="1" destOrd="0" presId="urn:microsoft.com/office/officeart/2009/3/layout/HorizontalOrganizationChart"/>
+    <dgm:cxn modelId="{DBFBB686-25EB-498D-9D87-6B97A8E7ED1B}" type="presParOf" srcId="{7A27A3A2-7F96-4582-AE64-67F79485D3C0}" destId="{CC1893C7-94C2-46CC-975F-6E11249A7151}" srcOrd="0" destOrd="0" presId="urn:microsoft.com/office/officeart/2009/3/layout/HorizontalOrganizationChart"/>
+    <dgm:cxn modelId="{3133F7C9-37C3-4BDD-BF39-8DB8C181518C}" type="presParOf" srcId="{CC1893C7-94C2-46CC-975F-6E11249A7151}" destId="{3E004AE2-9D40-4241-96F1-12E022FC3A31}" srcOrd="0" destOrd="0" presId="urn:microsoft.com/office/officeart/2009/3/layout/HorizontalOrganizationChart"/>
+    <dgm:cxn modelId="{90730894-59CC-48D2-B254-E647CCE9743A}" type="presParOf" srcId="{CC1893C7-94C2-46CC-975F-6E11249A7151}" destId="{89B501C5-19D8-4241-8237-869FFFEB0097}" srcOrd="1" destOrd="0" presId="urn:microsoft.com/office/officeart/2009/3/layout/HorizontalOrganizationChart"/>
+    <dgm:cxn modelId="{A6ABF44E-5E74-4165-906D-F3AE4B56D47D}" type="presParOf" srcId="{7A27A3A2-7F96-4582-AE64-67F79485D3C0}" destId="{44F0CE75-0D94-49B4-9092-904508A7069F}" srcOrd="1" destOrd="0" presId="urn:microsoft.com/office/officeart/2009/3/layout/HorizontalOrganizationChart"/>
+    <dgm:cxn modelId="{B7B592EA-7F45-4B51-B6B3-B78E3721B317}" type="presParOf" srcId="{7A27A3A2-7F96-4582-AE64-67F79485D3C0}" destId="{BEB7811D-C965-4CF2-A0C2-6444CC2AA991}" srcOrd="2" destOrd="0" presId="urn:microsoft.com/office/officeart/2009/3/layout/HorizontalOrganizationChart"/>
     <dgm:cxn modelId="{F16B1120-AE9D-4045-AC5C-88811781963B}" type="presParOf" srcId="{8990CAF5-46D9-4E5E-87DF-05ED7D659B5B}" destId="{D6568473-1998-47F2-9B25-C9061AF6A739}" srcOrd="2" destOrd="0" presId="urn:microsoft.com/office/officeart/2009/3/layout/HorizontalOrganizationChart"/>
     <dgm:cxn modelId="{5BF14EFC-0964-41AD-8C71-0A4F2F8B24D3}" type="presParOf" srcId="{AAB13DC1-6071-48B8-AF4D-38457F2A7759}" destId="{C196C70A-A811-490A-9AA9-A9FFE48A2294}" srcOrd="2" destOrd="0" presId="urn:microsoft.com/office/officeart/2009/3/layout/HorizontalOrganizationChart"/>
     <dgm:cxn modelId="{6F9832CB-880D-48C5-98A7-EC9F98382E7A}" type="presParOf" srcId="{D5D46D2C-4292-4449-B867-18542388B306}" destId="{72F3265F-EABC-423F-B41E-D53CB31BC9EA}" srcOrd="6" destOrd="0" presId="urn:microsoft.com/office/officeart/2009/3/layout/HorizontalOrganizationChart"/>
@@ -3633,20 +3363,13 @@
     <dgm:cxn modelId="{DC719B7E-E652-4AD4-8E20-3A89538C7150}" type="presParOf" srcId="{C71999EC-6171-4C3B-9AFF-7DEAC9C7D44E}" destId="{1988D759-4C64-49E1-9B0A-C662E4BF8E4E}" srcOrd="0" destOrd="0" presId="urn:microsoft.com/office/officeart/2009/3/layout/HorizontalOrganizationChart"/>
     <dgm:cxn modelId="{F6F247B0-8D15-4F6B-B1F9-629594B1F1CB}" type="presParOf" srcId="{C71999EC-6171-4C3B-9AFF-7DEAC9C7D44E}" destId="{0231FA7D-A8BE-462F-AC4B-251AE6362AA7}" srcOrd="1" destOrd="0" presId="urn:microsoft.com/office/officeart/2009/3/layout/HorizontalOrganizationChart"/>
     <dgm:cxn modelId="{C8829B71-0891-486A-AE87-769F8D141046}" type="presParOf" srcId="{C7DD8106-BA08-4EAE-A805-385409BB394D}" destId="{A6C8C52B-D11F-443C-BB9F-A3ACAD7EE9F4}" srcOrd="1" destOrd="0" presId="urn:microsoft.com/office/officeart/2009/3/layout/HorizontalOrganizationChart"/>
-    <dgm:cxn modelId="{95D801ED-89C0-4EC1-A0DB-B7BE319A0B20}" type="presParOf" srcId="{A6C8C52B-D11F-443C-BB9F-A3ACAD7EE9F4}" destId="{310DC558-8B29-404E-8D43-2E74F024B8D9}" srcOrd="0" destOrd="0" presId="urn:microsoft.com/office/officeart/2009/3/layout/HorizontalOrganizationChart"/>
-    <dgm:cxn modelId="{F6658B1E-A2AE-4539-8DB8-0A405B309718}" type="presParOf" srcId="{A6C8C52B-D11F-443C-BB9F-A3ACAD7EE9F4}" destId="{5BE19C6F-2C67-4CF9-A670-6B8A74779F0E}" srcOrd="1" destOrd="0" presId="urn:microsoft.com/office/officeart/2009/3/layout/HorizontalOrganizationChart"/>
-    <dgm:cxn modelId="{EE722EE7-D597-4B8B-838D-D58687C23504}" type="presParOf" srcId="{5BE19C6F-2C67-4CF9-A670-6B8A74779F0E}" destId="{C5D2EED6-24F7-4727-8ECF-06A886C902BB}" srcOrd="0" destOrd="0" presId="urn:microsoft.com/office/officeart/2009/3/layout/HorizontalOrganizationChart"/>
-    <dgm:cxn modelId="{CB9A1096-E9C4-4590-875A-CFAB76DECFE0}" type="presParOf" srcId="{C5D2EED6-24F7-4727-8ECF-06A886C902BB}" destId="{89F1C3EC-8753-4D6B-945D-735BB0BB83F6}" srcOrd="0" destOrd="0" presId="urn:microsoft.com/office/officeart/2009/3/layout/HorizontalOrganizationChart"/>
-    <dgm:cxn modelId="{70831264-6A79-4EDA-90C7-779A930D3AE3}" type="presParOf" srcId="{C5D2EED6-24F7-4727-8ECF-06A886C902BB}" destId="{A83D8F02-2777-40C1-A2F6-E82B75063F09}" srcOrd="1" destOrd="0" presId="urn:microsoft.com/office/officeart/2009/3/layout/HorizontalOrganizationChart"/>
-    <dgm:cxn modelId="{7ECF9B14-DDA0-4F9E-AD5C-537B53105735}" type="presParOf" srcId="{5BE19C6F-2C67-4CF9-A670-6B8A74779F0E}" destId="{1DCAC504-C47A-4AD2-AF9D-B7092FDE414D}" srcOrd="1" destOrd="0" presId="urn:microsoft.com/office/officeart/2009/3/layout/HorizontalOrganizationChart"/>
-    <dgm:cxn modelId="{7F822111-25EA-4DEF-9F2F-FFD3EC2F5E55}" type="presParOf" srcId="{1DCAC504-C47A-4AD2-AF9D-B7092FDE414D}" destId="{1810DF6F-3D7E-4284-A074-DAEF315817FA}" srcOrd="0" destOrd="0" presId="urn:microsoft.com/office/officeart/2009/3/layout/HorizontalOrganizationChart"/>
-    <dgm:cxn modelId="{49E4178F-FA93-41B9-BBE4-6C291E663BDA}" type="presParOf" srcId="{1DCAC504-C47A-4AD2-AF9D-B7092FDE414D}" destId="{29E8D192-5A86-429D-9CB2-845933FE9E42}" srcOrd="1" destOrd="0" presId="urn:microsoft.com/office/officeart/2009/3/layout/HorizontalOrganizationChart"/>
-    <dgm:cxn modelId="{AA65FCC1-18FC-4FFC-B3B0-2F6E2CD01F70}" type="presParOf" srcId="{29E8D192-5A86-429D-9CB2-845933FE9E42}" destId="{D77D22E9-5EC5-48CF-BA13-CA8CA8DF5D11}" srcOrd="0" destOrd="0" presId="urn:microsoft.com/office/officeart/2009/3/layout/HorizontalOrganizationChart"/>
-    <dgm:cxn modelId="{F6A2DF3C-5511-4298-84E9-2E7AD5355915}" type="presParOf" srcId="{D77D22E9-5EC5-48CF-BA13-CA8CA8DF5D11}" destId="{17EFAFCB-1F6F-434B-B168-74BEDD648862}" srcOrd="0" destOrd="0" presId="urn:microsoft.com/office/officeart/2009/3/layout/HorizontalOrganizationChart"/>
-    <dgm:cxn modelId="{CB062F04-2BF8-4E7D-89A9-C9F37BB0012D}" type="presParOf" srcId="{D77D22E9-5EC5-48CF-BA13-CA8CA8DF5D11}" destId="{DE9C5D20-9DD3-4735-BA51-F98AED01086B}" srcOrd="1" destOrd="0" presId="urn:microsoft.com/office/officeart/2009/3/layout/HorizontalOrganizationChart"/>
-    <dgm:cxn modelId="{E81F3AD4-09C3-4E59-82BF-FA9503B6A1ED}" type="presParOf" srcId="{29E8D192-5A86-429D-9CB2-845933FE9E42}" destId="{82F723B6-7402-405D-98FF-67C3F4C7ADEE}" srcOrd="1" destOrd="0" presId="urn:microsoft.com/office/officeart/2009/3/layout/HorizontalOrganizationChart"/>
-    <dgm:cxn modelId="{371F8A87-4153-4F55-96C4-63CDBD54B414}" type="presParOf" srcId="{29E8D192-5A86-429D-9CB2-845933FE9E42}" destId="{21C34BD3-26DE-4B3D-AE17-782E5666CA49}" srcOrd="2" destOrd="0" presId="urn:microsoft.com/office/officeart/2009/3/layout/HorizontalOrganizationChart"/>
-    <dgm:cxn modelId="{AD985E10-B40F-4E1D-AE57-40FD67A38CB7}" type="presParOf" srcId="{5BE19C6F-2C67-4CF9-A670-6B8A74779F0E}" destId="{637C4B7D-506B-458B-A13F-F528FCC181EE}" srcOrd="2" destOrd="0" presId="urn:microsoft.com/office/officeart/2009/3/layout/HorizontalOrganizationChart"/>
+    <dgm:cxn modelId="{862EC7DD-BFEF-4F38-A252-C22E3085629A}" type="presParOf" srcId="{A6C8C52B-D11F-443C-BB9F-A3ACAD7EE9F4}" destId="{1810DF6F-3D7E-4284-A074-DAEF315817FA}" srcOrd="0" destOrd="0" presId="urn:microsoft.com/office/officeart/2009/3/layout/HorizontalOrganizationChart"/>
+    <dgm:cxn modelId="{9435252E-A704-4049-932F-590C8440B955}" type="presParOf" srcId="{A6C8C52B-D11F-443C-BB9F-A3ACAD7EE9F4}" destId="{29E8D192-5A86-429D-9CB2-845933FE9E42}" srcOrd="1" destOrd="0" presId="urn:microsoft.com/office/officeart/2009/3/layout/HorizontalOrganizationChart"/>
+    <dgm:cxn modelId="{4653D1EA-D84D-4999-A10E-56DB9E8669C9}" type="presParOf" srcId="{29E8D192-5A86-429D-9CB2-845933FE9E42}" destId="{D77D22E9-5EC5-48CF-BA13-CA8CA8DF5D11}" srcOrd="0" destOrd="0" presId="urn:microsoft.com/office/officeart/2009/3/layout/HorizontalOrganizationChart"/>
+    <dgm:cxn modelId="{CC1FF54D-AC12-4FD4-BDC5-7F27F25A06B0}" type="presParOf" srcId="{D77D22E9-5EC5-48CF-BA13-CA8CA8DF5D11}" destId="{17EFAFCB-1F6F-434B-B168-74BEDD648862}" srcOrd="0" destOrd="0" presId="urn:microsoft.com/office/officeart/2009/3/layout/HorizontalOrganizationChart"/>
+    <dgm:cxn modelId="{D9D1935B-0B63-4C98-8CE2-DD179F1053EC}" type="presParOf" srcId="{D77D22E9-5EC5-48CF-BA13-CA8CA8DF5D11}" destId="{DE9C5D20-9DD3-4735-BA51-F98AED01086B}" srcOrd="1" destOrd="0" presId="urn:microsoft.com/office/officeart/2009/3/layout/HorizontalOrganizationChart"/>
+    <dgm:cxn modelId="{AF1B850E-9081-4DBA-90AB-A12BE5866505}" type="presParOf" srcId="{29E8D192-5A86-429D-9CB2-845933FE9E42}" destId="{82F723B6-7402-405D-98FF-67C3F4C7ADEE}" srcOrd="1" destOrd="0" presId="urn:microsoft.com/office/officeart/2009/3/layout/HorizontalOrganizationChart"/>
+    <dgm:cxn modelId="{ED949433-3778-4996-A46C-651DC6CB91BA}" type="presParOf" srcId="{29E8D192-5A86-429D-9CB2-845933FE9E42}" destId="{21C34BD3-26DE-4B3D-AE17-782E5666CA49}" srcOrd="2" destOrd="0" presId="urn:microsoft.com/office/officeart/2009/3/layout/HorizontalOrganizationChart"/>
     <dgm:cxn modelId="{522DA1FB-2C42-4416-A417-603362D40724}" type="presParOf" srcId="{C7DD8106-BA08-4EAE-A805-385409BB394D}" destId="{081E4265-2B54-4E76-8B6A-87C29808A620}" srcOrd="2" destOrd="0" presId="urn:microsoft.com/office/officeart/2009/3/layout/HorizontalOrganizationChart"/>
     <dgm:cxn modelId="{6E447264-A2C4-45B6-AEF4-F7E62223749B}" type="presParOf" srcId="{D5D46D2C-4292-4449-B867-18542388B306}" destId="{7B323650-A8AC-46FB-B935-F4E7D76BB4DF}" srcOrd="10" destOrd="0" presId="urn:microsoft.com/office/officeart/2009/3/layout/HorizontalOrganizationChart"/>
     <dgm:cxn modelId="{3AE06988-7CC0-4006-948D-6143999B73F5}" type="presParOf" srcId="{D5D46D2C-4292-4449-B867-18542388B306}" destId="{4438A663-CDA0-4E34-A08C-7DDB13EAE1FE}" srcOrd="11" destOrd="0" presId="urn:microsoft.com/office/officeart/2009/3/layout/HorizontalOrganizationChart"/>
@@ -3843,55 +3566,6 @@
       </dsp:style>
     </dsp:sp>
     <dsp:sp modelId="{1810DF6F-3D7E-4284-A074-DAEF315817FA}">
-      <dsp:nvSpPr>
-        <dsp:cNvPr id="0" name=""/>
-        <dsp:cNvSpPr/>
-      </dsp:nvSpPr>
-      <dsp:spPr>
-        <a:xfrm>
-          <a:off x="6143513" y="3272519"/>
-          <a:ext cx="354285" cy="91440"/>
-        </a:xfrm>
-        <a:custGeom>
-          <a:avLst/>
-          <a:gdLst/>
-          <a:ahLst/>
-          <a:cxnLst/>
-          <a:rect l="0" t="0" r="0" b="0"/>
-          <a:pathLst>
-            <a:path>
-              <a:moveTo>
-                <a:pt x="0" y="45720"/>
-              </a:moveTo>
-              <a:lnTo>
-                <a:pt x="354285" y="45720"/>
-              </a:lnTo>
-            </a:path>
-          </a:pathLst>
-        </a:custGeom>
-        <a:noFill/>
-        <a:ln w="25400" cap="flat" cmpd="sng" algn="ctr">
-          <a:solidFill>
-            <a:schemeClr val="accent1"/>
-          </a:solidFill>
-          <a:prstDash val="solid"/>
-        </a:ln>
-        <a:effectLst/>
-      </dsp:spPr>
-      <dsp:style>
-        <a:lnRef idx="2">
-          <a:scrgbClr r="0" g="0" b="0"/>
-        </a:lnRef>
-        <a:fillRef idx="0">
-          <a:scrgbClr r="0" g="0" b="0"/>
-        </a:fillRef>
-        <a:effectRef idx="0">
-          <a:scrgbClr r="0" g="0" b="0"/>
-        </a:effectRef>
-        <a:fontRef idx="minor"/>
-      </dsp:style>
-    </dsp:sp>
-    <dsp:sp modelId="{310DC558-8B29-404E-8D43-2E74F024B8D9}">
       <dsp:nvSpPr>
         <dsp:cNvPr id="0" name=""/>
         <dsp:cNvSpPr/>
@@ -4198,55 +3872,6 @@
       </dsp:style>
     </dsp:sp>
     <dsp:sp modelId="{5DB87ACE-F670-40BC-8C12-494FF3EB8DB8}">
-      <dsp:nvSpPr>
-        <dsp:cNvPr id="0" name=""/>
-        <dsp:cNvSpPr/>
-      </dsp:nvSpPr>
-      <dsp:spPr>
-        <a:xfrm>
-          <a:off x="8269225" y="1749092"/>
-          <a:ext cx="354285" cy="91440"/>
-        </a:xfrm>
-        <a:custGeom>
-          <a:avLst/>
-          <a:gdLst/>
-          <a:ahLst/>
-          <a:cxnLst/>
-          <a:rect l="0" t="0" r="0" b="0"/>
-          <a:pathLst>
-            <a:path>
-              <a:moveTo>
-                <a:pt x="0" y="45720"/>
-              </a:moveTo>
-              <a:lnTo>
-                <a:pt x="354285" y="45720"/>
-              </a:lnTo>
-            </a:path>
-          </a:pathLst>
-        </a:custGeom>
-        <a:noFill/>
-        <a:ln w="25400" cap="flat" cmpd="sng" algn="ctr">
-          <a:solidFill>
-            <a:schemeClr val="accent1"/>
-          </a:solidFill>
-          <a:prstDash val="solid"/>
-        </a:ln>
-        <a:effectLst/>
-      </dsp:spPr>
-      <dsp:style>
-        <a:lnRef idx="2">
-          <a:scrgbClr r="0" g="0" b="0"/>
-        </a:lnRef>
-        <a:fillRef idx="0">
-          <a:scrgbClr r="0" g="0" b="0"/>
-        </a:fillRef>
-        <a:effectRef idx="0">
-          <a:scrgbClr r="0" g="0" b="0"/>
-        </a:effectRef>
-        <a:fontRef idx="minor"/>
-      </dsp:style>
-    </dsp:sp>
-    <dsp:sp modelId="{4DA60511-3642-4AB9-8C1E-0C1F7DBA18BF}">
       <dsp:nvSpPr>
         <dsp:cNvPr id="0" name=""/>
         <dsp:cNvSpPr/>
@@ -5304,7 +4929,7 @@
         <a:ext cx="1771426" cy="540285"/>
       </dsp:txXfrm>
     </dsp:sp>
-    <dsp:sp modelId="{8388C967-0C20-44EA-9282-9085219A4FA3}">
+    <dsp:sp modelId="{3E004AE2-9D40-4241-96F1-12E022FC3A31}">
       <dsp:nvSpPr>
         <dsp:cNvPr id="0" name=""/>
         <dsp:cNvSpPr/>
@@ -5312,87 +4937,6 @@
       <dsp:spPr>
         <a:xfrm>
           <a:off x="6497798" y="1524669"/>
-          <a:ext cx="1771426" cy="540285"/>
-        </a:xfrm>
-        <a:prstGeom prst="diamond">
-          <a:avLst/>
-        </a:prstGeom>
-        <a:noFill/>
-        <a:ln w="25400" cap="flat" cmpd="sng" algn="ctr">
-          <a:solidFill>
-            <a:schemeClr val="accent1"/>
-          </a:solidFill>
-          <a:prstDash val="solid"/>
-        </a:ln>
-        <a:effectLst/>
-      </dsp:spPr>
-      <dsp:style>
-        <a:lnRef idx="2">
-          <a:scrgbClr r="0" g="0" b="0"/>
-        </a:lnRef>
-        <a:fillRef idx="1">
-          <a:scrgbClr r="0" g="0" b="0"/>
-        </a:fillRef>
-        <a:effectRef idx="0">
-          <a:scrgbClr r="0" g="0" b="0"/>
-        </a:effectRef>
-        <a:fontRef idx="minor">
-          <a:schemeClr val="lt1"/>
-        </a:fontRef>
-      </dsp:style>
-      <dsp:txBody>
-        <a:bodyPr spcFirstLastPara="0" vert="horz" wrap="square" lIns="12700" tIns="12700" rIns="12700" bIns="12700" numCol="1" spcCol="1270" anchor="ctr" anchorCtr="0">
-          <a:noAutofit/>
-        </a:bodyPr>
-        <a:lstStyle/>
-        <a:p>
-          <a:pPr lvl="0" algn="ctr" defTabSz="889000">
-            <a:lnSpc>
-              <a:spcPct val="90000"/>
-            </a:lnSpc>
-            <a:spcBef>
-              <a:spcPct val="0"/>
-            </a:spcBef>
-            <a:spcAft>
-              <a:spcPct val="35000"/>
-            </a:spcAft>
-          </a:pPr>
-          <a:r>
-            <a:rPr lang="zh-TW" altLang="en-US" sz="2000" kern="1200" dirty="0" smtClean="0">
-              <a:solidFill>
-                <a:schemeClr val="accent1">
-                  <a:lumMod val="75000"/>
-                </a:schemeClr>
-              </a:solidFill>
-              <a:latin typeface="Microsoft YaHei" panose="020B0503020204020204" pitchFamily="34" charset="-122"/>
-              <a:ea typeface="Microsoft YaHei" panose="020B0503020204020204" pitchFamily="34" charset="-122"/>
-            </a:rPr>
-            <a:t>資料庫</a:t>
-          </a:r>
-          <a:endParaRPr lang="zh-TW" altLang="en-US" sz="2000" kern="1200" dirty="0">
-            <a:solidFill>
-              <a:schemeClr val="accent1">
-                <a:lumMod val="75000"/>
-              </a:schemeClr>
-            </a:solidFill>
-            <a:latin typeface="Microsoft YaHei" panose="020B0503020204020204" pitchFamily="34" charset="-122"/>
-            <a:ea typeface="Microsoft YaHei" panose="020B0503020204020204" pitchFamily="34" charset="-122"/>
-          </a:endParaRPr>
-        </a:p>
-      </dsp:txBody>
-      <dsp:txXfrm>
-        <a:off x="6940655" y="1659740"/>
-        <a:ext cx="885713" cy="270143"/>
-      </dsp:txXfrm>
-    </dsp:sp>
-    <dsp:sp modelId="{3E004AE2-9D40-4241-96F1-12E022FC3A31}">
-      <dsp:nvSpPr>
-        <dsp:cNvPr id="0" name=""/>
-        <dsp:cNvSpPr/>
-      </dsp:nvSpPr>
-      <dsp:spPr>
-        <a:xfrm>
-          <a:off x="8623510" y="1524669"/>
           <a:ext cx="1771426" cy="540285"/>
         </a:xfrm>
         <a:prstGeom prst="rect">
@@ -5486,7 +5030,7 @@
         </a:p>
       </dsp:txBody>
       <dsp:txXfrm>
-        <a:off x="8623510" y="1524669"/>
+        <a:off x="6497798" y="1524669"/>
         <a:ext cx="1771426" cy="540285"/>
       </dsp:txXfrm>
     </dsp:sp>
@@ -5895,7 +5439,7 @@
         <a:ext cx="1771426" cy="540285"/>
       </dsp:txXfrm>
     </dsp:sp>
-    <dsp:sp modelId="{89F1C3EC-8753-4D6B-945D-735BB0BB83F6}">
+    <dsp:sp modelId="{17EFAFCB-1F6F-434B-B168-74BEDD648862}">
       <dsp:nvSpPr>
         <dsp:cNvPr id="0" name=""/>
         <dsp:cNvSpPr/>
@@ -5903,87 +5447,6 @@
       <dsp:spPr>
         <a:xfrm>
           <a:off x="4372086" y="3048096"/>
-          <a:ext cx="1771426" cy="540285"/>
-        </a:xfrm>
-        <a:prstGeom prst="diamond">
-          <a:avLst/>
-        </a:prstGeom>
-        <a:noFill/>
-        <a:ln w="25400" cap="flat" cmpd="sng" algn="ctr">
-          <a:solidFill>
-            <a:schemeClr val="accent1"/>
-          </a:solidFill>
-          <a:prstDash val="solid"/>
-        </a:ln>
-        <a:effectLst/>
-      </dsp:spPr>
-      <dsp:style>
-        <a:lnRef idx="2">
-          <a:scrgbClr r="0" g="0" b="0"/>
-        </a:lnRef>
-        <a:fillRef idx="1">
-          <a:scrgbClr r="0" g="0" b="0"/>
-        </a:fillRef>
-        <a:effectRef idx="0">
-          <a:scrgbClr r="0" g="0" b="0"/>
-        </a:effectRef>
-        <a:fontRef idx="minor">
-          <a:schemeClr val="lt1"/>
-        </a:fontRef>
-      </dsp:style>
-      <dsp:txBody>
-        <a:bodyPr spcFirstLastPara="0" vert="horz" wrap="square" lIns="12700" tIns="12700" rIns="12700" bIns="12700" numCol="1" spcCol="1270" anchor="ctr" anchorCtr="0">
-          <a:noAutofit/>
-        </a:bodyPr>
-        <a:lstStyle/>
-        <a:p>
-          <a:pPr lvl="0" algn="ctr" defTabSz="889000">
-            <a:lnSpc>
-              <a:spcPct val="90000"/>
-            </a:lnSpc>
-            <a:spcBef>
-              <a:spcPct val="0"/>
-            </a:spcBef>
-            <a:spcAft>
-              <a:spcPct val="35000"/>
-            </a:spcAft>
-          </a:pPr>
-          <a:r>
-            <a:rPr lang="zh-TW" altLang="en-US" sz="2000" kern="1200" dirty="0" smtClean="0">
-              <a:solidFill>
-                <a:schemeClr val="accent1">
-                  <a:lumMod val="75000"/>
-                </a:schemeClr>
-              </a:solidFill>
-              <a:latin typeface="Microsoft YaHei" panose="020B0503020204020204" pitchFamily="34" charset="-122"/>
-              <a:ea typeface="Microsoft YaHei" panose="020B0503020204020204" pitchFamily="34" charset="-122"/>
-            </a:rPr>
-            <a:t>資料庫</a:t>
-          </a:r>
-          <a:endParaRPr lang="zh-TW" altLang="en-US" sz="2000" kern="1200" dirty="0">
-            <a:solidFill>
-              <a:schemeClr val="accent1">
-                <a:lumMod val="75000"/>
-              </a:schemeClr>
-            </a:solidFill>
-            <a:latin typeface="Microsoft YaHei" panose="020B0503020204020204" pitchFamily="34" charset="-122"/>
-            <a:ea typeface="Microsoft YaHei" panose="020B0503020204020204" pitchFamily="34" charset="-122"/>
-          </a:endParaRPr>
-        </a:p>
-      </dsp:txBody>
-      <dsp:txXfrm>
-        <a:off x="4814943" y="3183167"/>
-        <a:ext cx="885713" cy="270143"/>
-      </dsp:txXfrm>
-    </dsp:sp>
-    <dsp:sp modelId="{17EFAFCB-1F6F-434B-B168-74BEDD648862}">
-      <dsp:nvSpPr>
-        <dsp:cNvPr id="0" name=""/>
-        <dsp:cNvSpPr/>
-      </dsp:nvSpPr>
-      <dsp:spPr>
-        <a:xfrm>
-          <a:off x="6497798" y="3048096"/>
           <a:ext cx="1771426" cy="540285"/>
         </a:xfrm>
         <a:prstGeom prst="rect">
@@ -6053,7 +5516,7 @@
         </a:p>
       </dsp:txBody>
       <dsp:txXfrm>
-        <a:off x="6497798" y="3048096"/>
+        <a:off x="4372086" y="3048096"/>
         <a:ext cx="1771426" cy="540285"/>
       </dsp:txXfrm>
     </dsp:sp>
@@ -12997,6 +12460,710 @@
 </file>
 
 <file path=ppt/slides/slide10.xml><?xml version="1.0" encoding="utf-8"?>
+<p:sld xmlns:a="http://schemas.openxmlformats.org/drawingml/2006/main" xmlns:r="http://schemas.openxmlformats.org/officeDocument/2006/relationships" xmlns:p="http://schemas.openxmlformats.org/presentationml/2006/main">
+  <p:cSld>
+    <p:bg bwMode="auto">
+      <p:bgPr>
+        <a:solidFill>
+          <a:srgbClr val="FFFBEF"/>
+        </a:solidFill>
+        <a:effectLst/>
+      </p:bgPr>
+    </p:bg>
+    <p:spTree>
+      <p:nvGrpSpPr>
+        <p:cNvPr id="1" name=""/>
+        <p:cNvGrpSpPr/>
+        <p:nvPr/>
+      </p:nvGrpSpPr>
+      <p:grpSpPr>
+        <a:xfrm>
+          <a:off x="0" y="0"/>
+          <a:ext cx="0" cy="0"/>
+          <a:chOff x="0" y="0"/>
+          <a:chExt cx="0" cy="0"/>
+        </a:xfrm>
+      </p:grpSpPr>
+      <p:sp>
+        <p:nvSpPr>
+          <p:cNvPr id="13339" name="矩形 109"/>
+          <p:cNvSpPr>
+            <a:spLocks noChangeArrowheads="1"/>
+          </p:cNvSpPr>
+          <p:nvPr/>
+        </p:nvSpPr>
+        <p:spPr bwMode="auto">
+          <a:xfrm>
+            <a:off x="0" y="314325"/>
+            <a:ext cx="228600" cy="685800"/>
+          </a:xfrm>
+          <a:prstGeom prst="rect">
+            <a:avLst/>
+          </a:prstGeom>
+          <a:solidFill>
+            <a:srgbClr val="595959"/>
+          </a:solidFill>
+          <a:ln>
+            <a:noFill/>
+          </a:ln>
+          <a:extLst>
+            <a:ext uri="{91240B29-F687-4F45-9708-019B960494DF}">
+              <a14:hiddenLine xmlns:a14="http://schemas.microsoft.com/office/drawing/2010/main" w="12700" cap="flat" cmpd="sng">
+                <a:solidFill>
+                  <a:srgbClr val="42719B"/>
+                </a:solidFill>
+                <a:bevel/>
+                <a:headEnd/>
+                <a:tailEnd/>
+              </a14:hiddenLine>
+            </a:ext>
+          </a:extLst>
+        </p:spPr>
+        <p:txBody>
+          <a:bodyPr anchor="ctr"/>
+          <a:lstStyle/>
+          <a:p>
+            <a:pPr marL="0" marR="0" lvl="0" indent="0" algn="ctr" defTabSz="914400" rtl="0" eaLnBrk="1" fontAlgn="base" latinLnBrk="0" hangingPunct="1">
+              <a:lnSpc>
+                <a:spcPct val="100000"/>
+              </a:lnSpc>
+              <a:spcBef>
+                <a:spcPct val="0"/>
+              </a:spcBef>
+              <a:spcAft>
+                <a:spcPct val="0"/>
+              </a:spcAft>
+              <a:buClrTx/>
+              <a:buSzTx/>
+              <a:buFont typeface="Arial" pitchFamily="34" charset="0"/>
+              <a:buNone/>
+              <a:tabLst/>
+              <a:defRPr/>
+            </a:pPr>
+            <a:endParaRPr kumimoji="0" lang="zh-CN" altLang="zh-CN" sz="1800" b="0" i="0" u="none" strike="noStrike" kern="1200" cap="none" spc="0" normalizeH="0" baseline="0" noProof="0">
+              <a:ln>
+                <a:noFill/>
+              </a:ln>
+              <a:solidFill>
+                <a:srgbClr val="FFFFFF"/>
+              </a:solidFill>
+              <a:effectLst/>
+              <a:uLnTx/>
+              <a:uFillTx/>
+              <a:latin typeface="宋体" pitchFamily="2" charset="-122"/>
+              <a:ea typeface="宋体" pitchFamily="2" charset="-122"/>
+              <a:cs typeface="+mn-cs"/>
+              <a:sym typeface="宋体" pitchFamily="2" charset="-122"/>
+            </a:endParaRPr>
+          </a:p>
+        </p:txBody>
+      </p:sp>
+      <p:sp>
+        <p:nvSpPr>
+          <p:cNvPr id="13340" name="文本框 110"/>
+          <p:cNvSpPr>
+            <a:spLocks noChangeArrowheads="1"/>
+          </p:cNvSpPr>
+          <p:nvPr/>
+        </p:nvSpPr>
+        <p:spPr bwMode="auto">
+          <a:xfrm>
+            <a:off x="320675" y="339725"/>
+            <a:ext cx="5477782" cy="1200329"/>
+          </a:xfrm>
+          <a:prstGeom prst="rect">
+            <a:avLst/>
+          </a:prstGeom>
+          <a:noFill/>
+          <a:ln>
+            <a:noFill/>
+          </a:ln>
+          <a:extLst>
+            <a:ext uri="{909E8E84-426E-40DD-AFC4-6F175D3DCCD1}">
+              <a14:hiddenFill xmlns:a14="http://schemas.microsoft.com/office/drawing/2010/main">
+                <a:solidFill>
+                  <a:srgbClr val="FFFFFF"/>
+                </a:solidFill>
+              </a14:hiddenFill>
+            </a:ext>
+            <a:ext uri="{91240B29-F687-4F45-9708-019B960494DF}">
+              <a14:hiddenLine xmlns:a14="http://schemas.microsoft.com/office/drawing/2010/main" w="9525">
+                <a:solidFill>
+                  <a:srgbClr val="000000"/>
+                </a:solidFill>
+                <a:miter lim="800000"/>
+                <a:headEnd/>
+                <a:tailEnd/>
+              </a14:hiddenLine>
+            </a:ext>
+          </a:extLst>
+        </p:spPr>
+        <p:txBody>
+          <a:bodyPr wrap="none">
+            <a:spAutoFit/>
+          </a:bodyPr>
+          <a:lstStyle/>
+          <a:p>
+            <a:pPr>
+              <a:defRPr/>
+            </a:pPr>
+            <a:r>
+              <a:rPr lang="zh-TW" altLang="en-US" sz="3600" b="1" dirty="0" smtClean="0">
+                <a:solidFill>
+                  <a:srgbClr val="000000"/>
+                </a:solidFill>
+                <a:latin typeface="微软雅黑" pitchFamily="34" charset="-122"/>
+                <a:ea typeface="微软雅黑" pitchFamily="34" charset="-122"/>
+                <a:sym typeface="微软雅黑" pitchFamily="34" charset="-122"/>
+              </a:rPr>
+              <a:t>組員自評 </a:t>
+            </a:r>
+            <a:r>
+              <a:rPr lang="en-US" altLang="zh-TW" sz="3600" b="1" dirty="0"/>
+              <a:t>Self Evaluation</a:t>
+            </a:r>
+          </a:p>
+          <a:p>
+            <a:pPr marL="0" marR="0" lvl="0" indent="0" algn="l" defTabSz="914400" rtl="0" eaLnBrk="1" fontAlgn="base" latinLnBrk="0" hangingPunct="1">
+              <a:lnSpc>
+                <a:spcPct val="100000"/>
+              </a:lnSpc>
+              <a:spcBef>
+                <a:spcPct val="0"/>
+              </a:spcBef>
+              <a:spcAft>
+                <a:spcPct val="0"/>
+              </a:spcAft>
+              <a:buClrTx/>
+              <a:buSzTx/>
+              <a:buFont typeface="Arial" pitchFamily="34" charset="0"/>
+              <a:buNone/>
+              <a:tabLst/>
+              <a:defRPr/>
+            </a:pPr>
+            <a:endParaRPr kumimoji="0" lang="zh-CN" altLang="en-US" sz="3600" b="1" i="0" u="none" strike="noStrike" kern="1200" cap="none" spc="0" normalizeH="0" baseline="0" noProof="0" dirty="0">
+              <a:ln>
+                <a:noFill/>
+              </a:ln>
+              <a:solidFill>
+                <a:srgbClr val="000000"/>
+              </a:solidFill>
+              <a:effectLst/>
+              <a:uLnTx/>
+              <a:uFillTx/>
+              <a:latin typeface="微软雅黑" pitchFamily="34" charset="-122"/>
+              <a:ea typeface="微软雅黑" pitchFamily="34" charset="-122"/>
+              <a:cs typeface="+mn-cs"/>
+              <a:sym typeface="微软雅黑" pitchFamily="34" charset="-122"/>
+            </a:endParaRPr>
+          </a:p>
+        </p:txBody>
+      </p:sp>
+      <p:sp>
+        <p:nvSpPr>
+          <p:cNvPr id="17" name="TextBox 1">
+            <a:extLst>
+              <a:ext uri="{FF2B5EF4-FFF2-40B4-BE49-F238E27FC236}">
+                <a16:creationId xmlns:a16="http://schemas.microsoft.com/office/drawing/2014/main" id="{0B290823-3A14-624D-8E59-A6DD71C5F610}"/>
+              </a:ext>
+            </a:extLst>
+          </p:cNvPr>
+          <p:cNvSpPr txBox="1"/>
+          <p:nvPr/>
+        </p:nvSpPr>
+        <p:spPr>
+          <a:xfrm>
+            <a:off x="5634762" y="2027081"/>
+            <a:ext cx="3232119" cy="461665"/>
+          </a:xfrm>
+          <a:prstGeom prst="rect">
+            <a:avLst/>
+          </a:prstGeom>
+          <a:noFill/>
+        </p:spPr>
+        <p:txBody>
+          <a:bodyPr wrap="square" rtlCol="0">
+            <a:spAutoFit/>
+          </a:bodyPr>
+          <a:lstStyle/>
+          <a:p>
+            <a:r>
+              <a:rPr lang="zh-TW" altLang="en-US" sz="2400" b="1" dirty="0" smtClean="0">
+                <a:latin typeface="Microsoft YaHei" panose="020B0503020204020204" pitchFamily="34" charset="-122"/>
+                <a:ea typeface="Microsoft YaHei" panose="020B0503020204020204" pitchFamily="34" charset="-122"/>
+              </a:rPr>
+              <a:t>       </a:t>
+            </a:r>
+            <a:endParaRPr lang="en-US" altLang="zh-CN" sz="2400" b="1" dirty="0">
+              <a:latin typeface="Microsoft YaHei" panose="020B0503020204020204" pitchFamily="34" charset="-122"/>
+              <a:ea typeface="Microsoft YaHei" panose="020B0503020204020204" pitchFamily="34" charset="-122"/>
+            </a:endParaRPr>
+          </a:p>
+        </p:txBody>
+      </p:sp>
+      <p:pic>
+        <p:nvPicPr>
+          <p:cNvPr id="19" name="圖片 18"/>
+          <p:cNvPicPr>
+            <a:picLocks noChangeAspect="1"/>
+          </p:cNvPicPr>
+          <p:nvPr/>
+        </p:nvPicPr>
+        <p:blipFill>
+          <a:blip r:embed="rId2" cstate="print">
+            <a:extLst>
+              <a:ext uri="{28A0092B-C50C-407E-A947-70E740481C1C}">
+                <a14:useLocalDpi xmlns:a14="http://schemas.microsoft.com/office/drawing/2010/main" val="0"/>
+              </a:ext>
+            </a:extLst>
+          </a:blip>
+          <a:stretch>
+            <a:fillRect/>
+          </a:stretch>
+        </p:blipFill>
+        <p:spPr>
+          <a:xfrm>
+            <a:off x="491359" y="1437710"/>
+            <a:ext cx="1725693" cy="1737677"/>
+          </a:xfrm>
+          <a:prstGeom prst="rect">
+            <a:avLst/>
+          </a:prstGeom>
+        </p:spPr>
+      </p:pic>
+      <p:pic>
+        <p:nvPicPr>
+          <p:cNvPr id="20" name="圖片 19"/>
+          <p:cNvPicPr>
+            <a:picLocks noChangeAspect="1"/>
+          </p:cNvPicPr>
+          <p:nvPr/>
+        </p:nvPicPr>
+        <p:blipFill>
+          <a:blip r:embed="rId3" cstate="print">
+            <a:extLst>
+              <a:ext uri="{28A0092B-C50C-407E-A947-70E740481C1C}">
+                <a14:useLocalDpi xmlns:a14="http://schemas.microsoft.com/office/drawing/2010/main" val="0"/>
+              </a:ext>
+            </a:extLst>
+          </a:blip>
+          <a:stretch>
+            <a:fillRect/>
+          </a:stretch>
+        </p:blipFill>
+        <p:spPr>
+          <a:xfrm>
+            <a:off x="491359" y="4065296"/>
+            <a:ext cx="1737677" cy="1713296"/>
+          </a:xfrm>
+          <a:prstGeom prst="rect">
+            <a:avLst/>
+          </a:prstGeom>
+        </p:spPr>
+      </p:pic>
+      <p:pic>
+        <p:nvPicPr>
+          <p:cNvPr id="21" name="圖片 20"/>
+          <p:cNvPicPr>
+            <a:picLocks noChangeAspect="1"/>
+          </p:cNvPicPr>
+          <p:nvPr/>
+        </p:nvPicPr>
+        <p:blipFill>
+          <a:blip r:embed="rId4" cstate="print">
+            <a:extLst>
+              <a:ext uri="{28A0092B-C50C-407E-A947-70E740481C1C}">
+                <a14:useLocalDpi xmlns:a14="http://schemas.microsoft.com/office/drawing/2010/main" val="0"/>
+              </a:ext>
+            </a:extLst>
+          </a:blip>
+          <a:stretch>
+            <a:fillRect/>
+          </a:stretch>
+        </p:blipFill>
+        <p:spPr>
+          <a:xfrm>
+            <a:off x="6298357" y="4065296"/>
+            <a:ext cx="1731859" cy="1737677"/>
+          </a:xfrm>
+          <a:prstGeom prst="rect">
+            <a:avLst/>
+          </a:prstGeom>
+        </p:spPr>
+      </p:pic>
+      <p:pic>
+        <p:nvPicPr>
+          <p:cNvPr id="22" name="圖片 21"/>
+          <p:cNvPicPr>
+            <a:picLocks noChangeAspect="1"/>
+          </p:cNvPicPr>
+          <p:nvPr/>
+        </p:nvPicPr>
+        <p:blipFill rotWithShape="1">
+          <a:blip r:embed="rId5" cstate="print">
+            <a:extLst>
+              <a:ext uri="{28A0092B-C50C-407E-A947-70E740481C1C}">
+                <a14:useLocalDpi xmlns:a14="http://schemas.microsoft.com/office/drawing/2010/main" val="0"/>
+              </a:ext>
+            </a:extLst>
+          </a:blip>
+          <a:srcRect l="450" t="18930" r="-450" b="6104"/>
+          <a:stretch/>
+        </p:blipFill>
+        <p:spPr>
+          <a:xfrm>
+            <a:off x="6298357" y="1437710"/>
+            <a:ext cx="1737677" cy="1737677"/>
+          </a:xfrm>
+          <a:prstGeom prst="rect">
+            <a:avLst/>
+          </a:prstGeom>
+        </p:spPr>
+      </p:pic>
+      <p:sp>
+        <p:nvSpPr>
+          <p:cNvPr id="4" name="文字方塊 3"/>
+          <p:cNvSpPr txBox="1"/>
+          <p:nvPr/>
+        </p:nvSpPr>
+        <p:spPr>
+          <a:xfrm>
+            <a:off x="2543503" y="1437710"/>
+            <a:ext cx="2617076" cy="1200329"/>
+          </a:xfrm>
+          <a:prstGeom prst="rect">
+            <a:avLst/>
+          </a:prstGeom>
+          <a:noFill/>
+        </p:spPr>
+        <p:txBody>
+          <a:bodyPr wrap="square" rtlCol="0">
+            <a:spAutoFit/>
+          </a:bodyPr>
+          <a:lstStyle/>
+          <a:p>
+            <a:r>
+              <a:rPr lang="zh-CN" altLang="en-US" b="1" dirty="0">
+                <a:solidFill>
+                  <a:srgbClr val="000000"/>
+                </a:solidFill>
+                <a:latin typeface="微软雅黑" pitchFamily="34" charset="-122"/>
+                <a:ea typeface="微软雅黑" pitchFamily="34" charset="-122"/>
+                <a:sym typeface="微软雅黑" pitchFamily="34" charset="-122"/>
+              </a:rPr>
+              <a:t>吳冠儀</a:t>
+            </a:r>
+          </a:p>
+          <a:p>
+            <a:endParaRPr lang="en-US" altLang="zh-TW" dirty="0" smtClean="0"/>
+          </a:p>
+          <a:p>
+            <a:r>
+              <a:rPr lang="zh-TW" altLang="en-US" dirty="0" smtClean="0"/>
+              <a:t>我覺得自己很棒</a:t>
+            </a:r>
+            <a:r>
+              <a:rPr lang="en-US" altLang="zh-TW" dirty="0" smtClean="0"/>
+              <a:t>!</a:t>
+            </a:r>
+          </a:p>
+          <a:p>
+            <a:endParaRPr lang="en-US" altLang="zh-TW" dirty="0"/>
+          </a:p>
+        </p:txBody>
+      </p:sp>
+      <p:sp>
+        <p:nvSpPr>
+          <p:cNvPr id="24" name="文字方塊 23"/>
+          <p:cNvSpPr txBox="1"/>
+          <p:nvPr/>
+        </p:nvSpPr>
+        <p:spPr>
+          <a:xfrm>
+            <a:off x="8391321" y="4065296"/>
+            <a:ext cx="2617076" cy="1477328"/>
+          </a:xfrm>
+          <a:prstGeom prst="rect">
+            <a:avLst/>
+          </a:prstGeom>
+          <a:noFill/>
+        </p:spPr>
+        <p:txBody>
+          <a:bodyPr wrap="square" rtlCol="0">
+            <a:spAutoFit/>
+          </a:bodyPr>
+          <a:lstStyle/>
+          <a:p>
+            <a:r>
+              <a:rPr lang="zh-TW" altLang="en-US" b="1" dirty="0" smtClean="0">
+                <a:solidFill>
+                  <a:srgbClr val="000000"/>
+                </a:solidFill>
+                <a:latin typeface="微软雅黑" pitchFamily="34" charset="-122"/>
+                <a:ea typeface="微软雅黑" pitchFamily="34" charset="-122"/>
+                <a:sym typeface="微软雅黑" pitchFamily="34" charset="-122"/>
+              </a:rPr>
+              <a:t>王國倫</a:t>
+            </a:r>
+            <a:endParaRPr lang="en-US" altLang="zh-TW" b="1" dirty="0" smtClean="0">
+              <a:solidFill>
+                <a:srgbClr val="000000"/>
+              </a:solidFill>
+              <a:latin typeface="微软雅黑" pitchFamily="34" charset="-122"/>
+              <a:ea typeface="微软雅黑" pitchFamily="34" charset="-122"/>
+              <a:sym typeface="微软雅黑" pitchFamily="34" charset="-122"/>
+            </a:endParaRPr>
+          </a:p>
+          <a:p>
+            <a:endParaRPr lang="en-US" altLang="zh-CN" b="1" dirty="0">
+              <a:solidFill>
+                <a:srgbClr val="000000"/>
+              </a:solidFill>
+              <a:latin typeface="微软雅黑" pitchFamily="34" charset="-122"/>
+              <a:ea typeface="微软雅黑" pitchFamily="34" charset="-122"/>
+              <a:sym typeface="微软雅黑" pitchFamily="34" charset="-122"/>
+            </a:endParaRPr>
+          </a:p>
+          <a:p>
+            <a:r>
+              <a:rPr lang="zh-TW" altLang="en-US" dirty="0"/>
+              <a:t>我覺得自己很棒</a:t>
+            </a:r>
+            <a:r>
+              <a:rPr lang="en-US" altLang="zh-TW" dirty="0"/>
+              <a:t>!</a:t>
+            </a:r>
+          </a:p>
+          <a:p>
+            <a:endParaRPr lang="zh-CN" altLang="en-US" b="1" dirty="0">
+              <a:solidFill>
+                <a:srgbClr val="000000"/>
+              </a:solidFill>
+              <a:latin typeface="微软雅黑" pitchFamily="34" charset="-122"/>
+              <a:ea typeface="微软雅黑" pitchFamily="34" charset="-122"/>
+              <a:sym typeface="微软雅黑" pitchFamily="34" charset="-122"/>
+            </a:endParaRPr>
+          </a:p>
+          <a:p>
+            <a:endParaRPr lang="zh-TW" altLang="en-US" dirty="0"/>
+          </a:p>
+        </p:txBody>
+      </p:sp>
+      <p:sp>
+        <p:nvSpPr>
+          <p:cNvPr id="25" name="文字方塊 24"/>
+          <p:cNvSpPr txBox="1"/>
+          <p:nvPr/>
+        </p:nvSpPr>
+        <p:spPr>
+          <a:xfrm>
+            <a:off x="2538513" y="4065296"/>
+            <a:ext cx="2617076" cy="1477328"/>
+          </a:xfrm>
+          <a:prstGeom prst="rect">
+            <a:avLst/>
+          </a:prstGeom>
+          <a:noFill/>
+        </p:spPr>
+        <p:txBody>
+          <a:bodyPr wrap="square" rtlCol="0">
+            <a:spAutoFit/>
+          </a:bodyPr>
+          <a:lstStyle/>
+          <a:p>
+            <a:r>
+              <a:rPr lang="zh-TW" altLang="en-US" b="1" dirty="0" smtClean="0">
+                <a:solidFill>
+                  <a:srgbClr val="000000"/>
+                </a:solidFill>
+                <a:latin typeface="微软雅黑" pitchFamily="34" charset="-122"/>
+                <a:ea typeface="微软雅黑" pitchFamily="34" charset="-122"/>
+                <a:sym typeface="微软雅黑" pitchFamily="34" charset="-122"/>
+              </a:rPr>
+              <a:t>李偉誠</a:t>
+            </a:r>
+            <a:endParaRPr lang="en-US" altLang="zh-TW" b="1" dirty="0" smtClean="0">
+              <a:solidFill>
+                <a:srgbClr val="000000"/>
+              </a:solidFill>
+              <a:latin typeface="微软雅黑" pitchFamily="34" charset="-122"/>
+              <a:ea typeface="微软雅黑" pitchFamily="34" charset="-122"/>
+              <a:sym typeface="微软雅黑" pitchFamily="34" charset="-122"/>
+            </a:endParaRPr>
+          </a:p>
+          <a:p>
+            <a:endParaRPr lang="en-US" altLang="zh-CN" b="1" dirty="0">
+              <a:solidFill>
+                <a:srgbClr val="000000"/>
+              </a:solidFill>
+              <a:latin typeface="微软雅黑" pitchFamily="34" charset="-122"/>
+              <a:ea typeface="微软雅黑" pitchFamily="34" charset="-122"/>
+              <a:sym typeface="微软雅黑" pitchFamily="34" charset="-122"/>
+            </a:endParaRPr>
+          </a:p>
+          <a:p>
+            <a:r>
+              <a:rPr lang="zh-TW" altLang="en-US" dirty="0"/>
+              <a:t>我覺得自己很棒</a:t>
+            </a:r>
+            <a:r>
+              <a:rPr lang="en-US" altLang="zh-TW" dirty="0"/>
+              <a:t>!</a:t>
+            </a:r>
+          </a:p>
+          <a:p>
+            <a:endParaRPr lang="zh-CN" altLang="en-US" b="1" dirty="0">
+              <a:solidFill>
+                <a:srgbClr val="000000"/>
+              </a:solidFill>
+              <a:latin typeface="微软雅黑" pitchFamily="34" charset="-122"/>
+              <a:ea typeface="微软雅黑" pitchFamily="34" charset="-122"/>
+              <a:sym typeface="微软雅黑" pitchFamily="34" charset="-122"/>
+            </a:endParaRPr>
+          </a:p>
+          <a:p>
+            <a:endParaRPr lang="zh-TW" altLang="en-US" dirty="0"/>
+          </a:p>
+        </p:txBody>
+      </p:sp>
+      <p:sp>
+        <p:nvSpPr>
+          <p:cNvPr id="26" name="文字方塊 25"/>
+          <p:cNvSpPr txBox="1"/>
+          <p:nvPr/>
+        </p:nvSpPr>
+        <p:spPr>
+          <a:xfrm>
+            <a:off x="8391321" y="1380750"/>
+            <a:ext cx="2617076" cy="1477328"/>
+          </a:xfrm>
+          <a:prstGeom prst="rect">
+            <a:avLst/>
+          </a:prstGeom>
+          <a:noFill/>
+        </p:spPr>
+        <p:txBody>
+          <a:bodyPr wrap="square" rtlCol="0">
+            <a:spAutoFit/>
+          </a:bodyPr>
+          <a:lstStyle/>
+          <a:p>
+            <a:r>
+              <a:rPr lang="zh-TW" altLang="en-US" b="1" dirty="0" smtClean="0">
+                <a:solidFill>
+                  <a:srgbClr val="000000"/>
+                </a:solidFill>
+                <a:latin typeface="微软雅黑" pitchFamily="34" charset="-122"/>
+                <a:ea typeface="微软雅黑" pitchFamily="34" charset="-122"/>
+                <a:sym typeface="微软雅黑" pitchFamily="34" charset="-122"/>
+              </a:rPr>
+              <a:t>張子凡</a:t>
+            </a:r>
+            <a:endParaRPr lang="en-US" altLang="zh-TW" b="1" dirty="0" smtClean="0">
+              <a:solidFill>
+                <a:srgbClr val="000000"/>
+              </a:solidFill>
+              <a:latin typeface="微软雅黑" pitchFamily="34" charset="-122"/>
+              <a:ea typeface="微软雅黑" pitchFamily="34" charset="-122"/>
+              <a:sym typeface="微软雅黑" pitchFamily="34" charset="-122"/>
+            </a:endParaRPr>
+          </a:p>
+          <a:p>
+            <a:endParaRPr lang="en-US" altLang="zh-TW" b="1" dirty="0">
+              <a:solidFill>
+                <a:srgbClr val="000000"/>
+              </a:solidFill>
+              <a:latin typeface="微软雅黑" pitchFamily="34" charset="-122"/>
+              <a:ea typeface="微软雅黑" pitchFamily="34" charset="-122"/>
+              <a:sym typeface="微软雅黑" pitchFamily="34" charset="-122"/>
+            </a:endParaRPr>
+          </a:p>
+          <a:p>
+            <a:r>
+              <a:rPr lang="zh-TW" altLang="en-US" dirty="0"/>
+              <a:t>我覺得自己很棒</a:t>
+            </a:r>
+            <a:r>
+              <a:rPr lang="en-US" altLang="zh-TW" dirty="0"/>
+              <a:t>!</a:t>
+            </a:r>
+          </a:p>
+          <a:p>
+            <a:endParaRPr lang="en-US" altLang="zh-TW" dirty="0"/>
+          </a:p>
+          <a:p>
+            <a:endParaRPr lang="en-US" altLang="zh-TW" b="1" dirty="0" smtClean="0">
+              <a:solidFill>
+                <a:srgbClr val="000000"/>
+              </a:solidFill>
+              <a:latin typeface="微软雅黑" pitchFamily="34" charset="-122"/>
+              <a:ea typeface="微软雅黑" pitchFamily="34" charset="-122"/>
+              <a:sym typeface="微软雅黑" pitchFamily="34" charset="-122"/>
+            </a:endParaRPr>
+          </a:p>
+        </p:txBody>
+      </p:sp>
+      <p:sp>
+        <p:nvSpPr>
+          <p:cNvPr id="27" name="文字方塊 26"/>
+          <p:cNvSpPr txBox="1"/>
+          <p:nvPr/>
+        </p:nvSpPr>
+        <p:spPr>
+          <a:xfrm>
+            <a:off x="2543503" y="1437710"/>
+            <a:ext cx="2617076" cy="646331"/>
+          </a:xfrm>
+          <a:prstGeom prst="rect">
+            <a:avLst/>
+          </a:prstGeom>
+          <a:noFill/>
+        </p:spPr>
+        <p:txBody>
+          <a:bodyPr wrap="square" rtlCol="0">
+            <a:spAutoFit/>
+          </a:bodyPr>
+          <a:lstStyle/>
+          <a:p>
+            <a:r>
+              <a:rPr lang="zh-CN" altLang="en-US" b="1" dirty="0">
+                <a:solidFill>
+                  <a:srgbClr val="000000"/>
+                </a:solidFill>
+                <a:latin typeface="微软雅黑" pitchFamily="34" charset="-122"/>
+                <a:ea typeface="微软雅黑" pitchFamily="34" charset="-122"/>
+                <a:sym typeface="微软雅黑" pitchFamily="34" charset="-122"/>
+              </a:rPr>
+              <a:t>吳冠儀</a:t>
+            </a:r>
+          </a:p>
+          <a:p>
+            <a:endParaRPr lang="zh-TW" altLang="en-US" dirty="0"/>
+          </a:p>
+        </p:txBody>
+      </p:sp>
+    </p:spTree>
+    <p:extLst>
+      <p:ext uri="{BB962C8B-B14F-4D97-AF65-F5344CB8AC3E}">
+        <p14:creationId xmlns:p14="http://schemas.microsoft.com/office/powerpoint/2010/main" val="1608087004"/>
+      </p:ext>
+    </p:extLst>
+  </p:cSld>
+  <p:clrMapOvr>
+    <a:masterClrMapping/>
+  </p:clrMapOvr>
+  <p:transition spd="slow"/>
+  <p:timing>
+    <p:tnLst>
+      <p:par>
+        <p:cTn id="1" dur="indefinite" restart="never" nodeType="tmRoot"/>
+      </p:par>
+    </p:tnLst>
+  </p:timing>
+</p:sld>
+</file>
+
+<file path=ppt/slides/slide11.xml><?xml version="1.0" encoding="utf-8"?>
 <p:sld xmlns:a="http://schemas.openxmlformats.org/drawingml/2006/main" xmlns:r="http://schemas.openxmlformats.org/officeDocument/2006/relationships" xmlns:p="http://schemas.openxmlformats.org/presentationml/2006/main">
   <p:cSld>
     <p:bg bwMode="auto">
@@ -21243,7 +21410,7 @@
           <p:nvPr>
             <p:extLst>
               <p:ext uri="{D42A27DB-BD31-4B8C-83A1-F6EECF244321}">
-                <p14:modId xmlns:p14="http://schemas.microsoft.com/office/powerpoint/2010/main" val="253112608"/>
+                <p14:modId xmlns:p14="http://schemas.microsoft.com/office/powerpoint/2010/main" val="3281069280"/>
               </p:ext>
             </p:extLst>
           </p:nvPr>
@@ -21648,7 +21815,7 @@
         <p:spPr bwMode="auto">
           <a:xfrm>
             <a:off x="320675" y="339725"/>
-            <a:ext cx="5477782" cy="1200329"/>
+            <a:ext cx="5719130" cy="646331"/>
           </a:xfrm>
           <a:prstGeom prst="rect">
             <a:avLst/>
@@ -21683,26 +21850,6 @@
           </a:bodyPr>
           <a:lstStyle/>
           <a:p>
-            <a:pPr>
-              <a:defRPr/>
-            </a:pPr>
-            <a:r>
-              <a:rPr lang="zh-TW" altLang="en-US" sz="3600" b="1" dirty="0" smtClean="0">
-                <a:solidFill>
-                  <a:srgbClr val="000000"/>
-                </a:solidFill>
-                <a:latin typeface="微软雅黑" pitchFamily="34" charset="-122"/>
-                <a:ea typeface="微软雅黑" pitchFamily="34" charset="-122"/>
-                <a:sym typeface="微软雅黑" pitchFamily="34" charset="-122"/>
-              </a:rPr>
-              <a:t>組員自評 </a:t>
-            </a:r>
-            <a:r>
-              <a:rPr lang="en-US" altLang="zh-TW" sz="3600" b="1" dirty="0"/>
-              <a:t>Self Evaluation</a:t>
-            </a:r>
-          </a:p>
-          <a:p>
             <a:pPr marL="0" marR="0" lvl="0" indent="0" algn="l" defTabSz="914400" rtl="0" eaLnBrk="1" fontAlgn="base" latinLnBrk="0" hangingPunct="1">
               <a:lnSpc>
                 <a:spcPct val="100000"/>
@@ -21720,6 +21867,64 @@
               <a:tabLst/>
               <a:defRPr/>
             </a:pPr>
+            <a:r>
+              <a:rPr kumimoji="0" lang="zh-CN" altLang="en-US" sz="3600" b="1" i="0" u="none" strike="noStrike" kern="1200" cap="none" spc="0" normalizeH="0" baseline="0" noProof="0" dirty="0" smtClean="0">
+                <a:ln>
+                  <a:noFill/>
+                </a:ln>
+                <a:solidFill>
+                  <a:srgbClr val="000000"/>
+                </a:solidFill>
+                <a:effectLst/>
+                <a:uLnTx/>
+                <a:uFillTx/>
+                <a:latin typeface="微软雅黑" pitchFamily="34" charset="-122"/>
+                <a:ea typeface="微软雅黑" pitchFamily="34" charset="-122"/>
+                <a:cs typeface="+mn-cs"/>
+                <a:sym typeface="微软雅黑" pitchFamily="34" charset="-122"/>
+              </a:rPr>
+              <a:t>網站</a:t>
+            </a:r>
+            <a:r>
+              <a:rPr lang="zh-TW" altLang="en-US" sz="3600" b="1" noProof="0" dirty="0" smtClean="0">
+                <a:solidFill>
+                  <a:srgbClr val="000000"/>
+                </a:solidFill>
+                <a:latin typeface="微软雅黑" pitchFamily="34" charset="-122"/>
+                <a:ea typeface="微软雅黑" pitchFamily="34" charset="-122"/>
+                <a:sym typeface="微软雅黑" pitchFamily="34" charset="-122"/>
+              </a:rPr>
+              <a:t>展示 </a:t>
+            </a:r>
+            <a:r>
+              <a:rPr lang="en-US" altLang="zh-TW" sz="3600" b="1" noProof="0" dirty="0" smtClean="0">
+                <a:solidFill>
+                  <a:srgbClr val="000000"/>
+                </a:solidFill>
+                <a:latin typeface="微软雅黑" pitchFamily="34" charset="-122"/>
+                <a:ea typeface="微软雅黑" pitchFamily="34" charset="-122"/>
+                <a:sym typeface="微软雅黑" pitchFamily="34" charset="-122"/>
+              </a:rPr>
+              <a:t>Website Demo</a:t>
+            </a:r>
+            <a:r>
+              <a:rPr kumimoji="0" lang="zh-TW" altLang="en-US" sz="3600" b="1" i="0" u="none" strike="noStrike" kern="1200" cap="none" spc="0" normalizeH="0" baseline="0" noProof="0" dirty="0" smtClean="0">
+                <a:ln>
+                  <a:noFill/>
+                </a:ln>
+                <a:solidFill>
+                  <a:srgbClr val="000000"/>
+                </a:solidFill>
+                <a:effectLst/>
+                <a:uLnTx/>
+                <a:uFillTx/>
+                <a:latin typeface="微软雅黑" pitchFamily="34" charset="-122"/>
+                <a:ea typeface="微软雅黑" pitchFamily="34" charset="-122"/>
+                <a:cs typeface="+mn-cs"/>
+                <a:sym typeface="微软雅黑" pitchFamily="34" charset="-122"/>
+              </a:rPr>
+              <a:t> </a:t>
+            </a:r>
             <a:endParaRPr kumimoji="0" lang="zh-CN" altLang="en-US" sz="3600" b="1" i="0" u="none" strike="noStrike" kern="1200" cap="none" spc="0" normalizeH="0" baseline="0" noProof="0" dirty="0">
               <a:ln>
                 <a:noFill/>
@@ -21741,7 +21946,7 @@
     </p:spTree>
     <p:extLst>
       <p:ext uri="{BB962C8B-B14F-4D97-AF65-F5344CB8AC3E}">
-        <p14:creationId xmlns:p14="http://schemas.microsoft.com/office/powerpoint/2010/main" val="1608087004"/>
+        <p14:creationId xmlns:p14="http://schemas.microsoft.com/office/powerpoint/2010/main" val="3124670911"/>
       </p:ext>
     </p:extLst>
   </p:cSld>

--- a/網頁製作期末報告_team12.pptx
+++ b/網頁製作期末報告_team12.pptx
@@ -3196,78 +3196,78 @@
     </dgm:pt>
   </dgm:ptLst>
   <dgm:cxnLst>
+    <dgm:cxn modelId="{69CAAC18-39B4-47E6-9E71-1A5F35EFC948}" type="presOf" srcId="{482F4C95-C39E-4FE4-8AEE-D23440ACDF34}" destId="{0B87949C-CADD-4ADB-9B44-66536814C313}" srcOrd="0" destOrd="0" presId="urn:microsoft.com/office/officeart/2009/3/layout/HorizontalOrganizationChart"/>
+    <dgm:cxn modelId="{C29F4313-990F-4DEA-9BB3-8FE5883179E5}" type="presOf" srcId="{0370135D-4CB0-41C6-90F3-69D36FCE2812}" destId="{0231FA7D-A8BE-462F-AC4B-251AE6362AA7}" srcOrd="1" destOrd="0" presId="urn:microsoft.com/office/officeart/2009/3/layout/HorizontalOrganizationChart"/>
+    <dgm:cxn modelId="{0E0FAD0D-1F3B-4A70-B061-135CFA50A7C3}" type="presOf" srcId="{1E28F03F-B06A-411F-98AA-D894E72D13F8}" destId="{164642DC-28D3-407D-8442-8E4BE1AECDEE}" srcOrd="0" destOrd="0" presId="urn:microsoft.com/office/officeart/2009/3/layout/HorizontalOrganizationChart"/>
+    <dgm:cxn modelId="{D630D2D1-C54E-4EC1-B4DF-3535839ECE05}" type="presOf" srcId="{A4429014-4AA8-464C-A54D-EC2D244DE0BE}" destId="{2CB3FD73-E719-47C4-BF66-D8B44B85BF6E}" srcOrd="1" destOrd="0" presId="urn:microsoft.com/office/officeart/2009/3/layout/HorizontalOrganizationChart"/>
+    <dgm:cxn modelId="{E88D361C-5A6B-48D6-A745-FB22BB11C370}" srcId="{3066FB2A-3BDB-47F1-B2D7-290D180FEFA8}" destId="{456EFB4D-5F86-49D7-9E7C-1AC24E46B4B3}" srcOrd="0" destOrd="0" parTransId="{29F0002A-D376-49D6-B212-7BA7C73A8D8F}" sibTransId="{720ECC7E-6208-45B2-B917-D6564223DE5A}"/>
+    <dgm:cxn modelId="{3B9D8677-AB80-439C-9075-DFB6C9058224}" type="presOf" srcId="{53277C34-1D1E-459F-9AD3-C0779D377249}" destId="{DAEF1BCF-716E-4F79-A6A0-B873EB34ABFE}" srcOrd="0" destOrd="0" presId="urn:microsoft.com/office/officeart/2009/3/layout/HorizontalOrganizationChart"/>
+    <dgm:cxn modelId="{24A9567C-D79A-4223-A068-52DDA16CA4B5}" type="presOf" srcId="{A870D306-D6D5-4B5D-8235-47138035B827}" destId="{CDA0F56F-8C7E-4BBC-A9AD-C32F01F858BC}" srcOrd="0" destOrd="0" presId="urn:microsoft.com/office/officeart/2009/3/layout/HorizontalOrganizationChart"/>
+    <dgm:cxn modelId="{2FB62ACD-0348-4284-A3FC-9E08AC707455}" type="presOf" srcId="{29F0002A-D376-49D6-B212-7BA7C73A8D8F}" destId="{5DB87ACE-F670-40BC-8C12-494FF3EB8DB8}" srcOrd="0" destOrd="0" presId="urn:microsoft.com/office/officeart/2009/3/layout/HorizontalOrganizationChart"/>
+    <dgm:cxn modelId="{EB5D0473-2E16-437A-AE5F-20616581AD7A}" type="presOf" srcId="{09E4935A-C2CE-4E4B-8C07-CE9BD0D14D62}" destId="{B701F459-8A7A-4102-9920-188A3CFE23CD}" srcOrd="0" destOrd="0" presId="urn:microsoft.com/office/officeart/2009/3/layout/HorizontalOrganizationChart"/>
+    <dgm:cxn modelId="{E5855979-A7B5-437C-BB9F-B51C513E568B}" type="presOf" srcId="{9C57C07B-B624-4E14-8AA6-21FA669B0EB9}" destId="{1810DF6F-3D7E-4284-A074-DAEF315817FA}" srcOrd="0" destOrd="0" presId="urn:microsoft.com/office/officeart/2009/3/layout/HorizontalOrganizationChart"/>
+    <dgm:cxn modelId="{94C99953-E033-4E23-B3D6-08296E7C9500}" type="presOf" srcId="{6B688450-80F7-40AF-A621-CDA54BBE8041}" destId="{72F3265F-EABC-423F-B41E-D53CB31BC9EA}" srcOrd="0" destOrd="0" presId="urn:microsoft.com/office/officeart/2009/3/layout/HorizontalOrganizationChart"/>
+    <dgm:cxn modelId="{59D20FBD-CFF1-44E5-A691-2D5FF58EAD10}" type="presOf" srcId="{A870D306-D6D5-4B5D-8235-47138035B827}" destId="{D54B5BE5-3ADC-4249-A95A-56A54139C7AA}" srcOrd="1" destOrd="0" presId="urn:microsoft.com/office/officeart/2009/3/layout/HorizontalOrganizationChart"/>
+    <dgm:cxn modelId="{F6278E2C-72C7-4348-A097-F1D1544C3C3B}" type="presOf" srcId="{80F7076E-1B48-4A94-960C-3622E1343EDE}" destId="{3CB44A20-29EB-4F4F-B983-F5916E5CC107}" srcOrd="1" destOrd="0" presId="urn:microsoft.com/office/officeart/2009/3/layout/HorizontalOrganizationChart"/>
+    <dgm:cxn modelId="{616517A8-2BC5-4D8C-9757-BD76FBCC4C32}" type="presOf" srcId="{B14781C4-63C4-4A95-B779-F20A7851480D}" destId="{9F7575F3-5B79-42D1-BA96-888F37B0AA43}" srcOrd="0" destOrd="0" presId="urn:microsoft.com/office/officeart/2009/3/layout/HorizontalOrganizationChart"/>
+    <dgm:cxn modelId="{48D57844-EB68-4627-80FB-E2E2FAD95AD4}" type="presOf" srcId="{6964A4E3-E4D8-41F7-9536-D76244C68EA4}" destId="{A1DC0112-D484-4EA5-A810-A055780A2D9B}" srcOrd="0" destOrd="0" presId="urn:microsoft.com/office/officeart/2009/3/layout/HorizontalOrganizationChart"/>
+    <dgm:cxn modelId="{E92F9C12-4F33-41D1-A072-43A5098AB2C7}" type="presOf" srcId="{53277C34-1D1E-459F-9AD3-C0779D377249}" destId="{5232913A-463D-4FE5-B199-34052089008C}" srcOrd="1" destOrd="0" presId="urn:microsoft.com/office/officeart/2009/3/layout/HorizontalOrganizationChart"/>
+    <dgm:cxn modelId="{5CD2DDDB-EE22-4479-B085-4D9A28EB164F}" type="presOf" srcId="{FEEF8090-3A68-4C1D-B4FD-0107C029ED35}" destId="{3FA8ABCE-0A92-4967-90A8-23A264E1B5EA}" srcOrd="0" destOrd="0" presId="urn:microsoft.com/office/officeart/2009/3/layout/HorizontalOrganizationChart"/>
+    <dgm:cxn modelId="{830E5546-DC34-46E4-9557-D0CD6C5F5D9F}" type="presOf" srcId="{4B726AFC-917B-462E-ABD5-ABB0EE292728}" destId="{73AD7060-D478-4BF1-8F1C-3E9BC1E48B9D}" srcOrd="0" destOrd="0" presId="urn:microsoft.com/office/officeart/2009/3/layout/HorizontalOrganizationChart"/>
+    <dgm:cxn modelId="{2CD676E7-FDAF-44A7-B3DC-1472945E274D}" srcId="{6589238D-7105-4711-B647-47273AEFFE8A}" destId="{3066FB2A-3BDB-47F1-B2D7-290D180FEFA8}" srcOrd="0" destOrd="0" parTransId="{4B01905F-FFBC-4707-BB8D-B7156B5C85E2}" sibTransId="{7119E590-E581-4016-842C-A8F918037C3A}"/>
+    <dgm:cxn modelId="{47B48C9D-6EC3-49FF-9480-A37C51BAB2BD}" type="presOf" srcId="{6589238D-7105-4711-B647-47273AEFFE8A}" destId="{7AEC9F57-B00C-41AA-956B-0BCB9CB450F5}" srcOrd="0" destOrd="0" presId="urn:microsoft.com/office/officeart/2009/3/layout/HorizontalOrganizationChart"/>
+    <dgm:cxn modelId="{76FB93B1-041F-426C-A122-F11CD0CCC3C9}" type="presOf" srcId="{24A7A657-2692-4C3F-BF91-B5CF9ABCBF4D}" destId="{1228EBAC-25AD-4134-8AEC-69968979BA7A}" srcOrd="0" destOrd="0" presId="urn:microsoft.com/office/officeart/2009/3/layout/HorizontalOrganizationChart"/>
+    <dgm:cxn modelId="{1535D3E6-D54E-4002-A54B-15C531799CE4}" type="presOf" srcId="{1A1ECAE7-03E0-4037-B94B-CCA02892EC8E}" destId="{BE5D859A-F7E5-4FDD-A3BF-C2DDC37EF257}" srcOrd="0" destOrd="0" presId="urn:microsoft.com/office/officeart/2009/3/layout/HorizontalOrganizationChart"/>
+    <dgm:cxn modelId="{36FE8420-50F7-469B-B737-BD4DFAC4E284}" type="presOf" srcId="{DA582B4F-3C48-48D3-B6BB-FE6E25EDECCE}" destId="{61766B6C-73E2-440E-B346-462F4D023185}" srcOrd="1" destOrd="0" presId="urn:microsoft.com/office/officeart/2009/3/layout/HorizontalOrganizationChart"/>
+    <dgm:cxn modelId="{3236F308-4345-44DC-835D-5BD75BB27137}" srcId="{C488DDC1-257E-4026-BDA2-905482E4C9C8}" destId="{89817D6D-04D1-4CC8-AF7D-15C398DE9063}" srcOrd="1" destOrd="0" parTransId="{BAC266E5-D12F-430D-B56F-D65DBBF23ADD}" sibTransId="{076E4D95-2C3B-41D2-B0F8-736FC2A9D53C}"/>
+    <dgm:cxn modelId="{627E07E8-DB8E-465C-B220-5F3FA3AAB955}" type="presOf" srcId="{89817D6D-04D1-4CC8-AF7D-15C398DE9063}" destId="{58938279-F9FE-475E-A10B-324C3F4EDD94}" srcOrd="0" destOrd="0" presId="urn:microsoft.com/office/officeart/2009/3/layout/HorizontalOrganizationChart"/>
+    <dgm:cxn modelId="{17DF7650-E6A8-46D0-A79A-DD21716062E3}" srcId="{973CCD07-7FB0-4860-8B33-D0306AE4E28B}" destId="{C3FC4818-F09E-46E0-BA77-A22C4FFF5272}" srcOrd="0" destOrd="0" parTransId="{09E4935A-C2CE-4E4B-8C07-CE9BD0D14D62}" sibTransId="{4D5AE663-75F0-4C7A-8869-C3DA98702EB3}"/>
+    <dgm:cxn modelId="{E260CB09-F7EC-407B-BFE0-46B87B886C5E}" type="presOf" srcId="{1A1ECAE7-03E0-4037-B94B-CCA02892EC8E}" destId="{CE33FEB2-0105-4B00-9AF7-D0DED4DA9741}" srcOrd="1" destOrd="0" presId="urn:microsoft.com/office/officeart/2009/3/layout/HorizontalOrganizationChart"/>
+    <dgm:cxn modelId="{2B6C5317-8F7A-46E2-BA94-00B631FD3F29}" srcId="{C488DDC1-257E-4026-BDA2-905482E4C9C8}" destId="{0370135D-4CB0-41C6-90F3-69D36FCE2812}" srcOrd="4" destOrd="0" parTransId="{1E28F03F-B06A-411F-98AA-D894E72D13F8}" sibTransId="{7EEE441B-5534-4FA3-8BF8-558C31EF9AB5}"/>
+    <dgm:cxn modelId="{1BF5404D-A39E-4247-A7F9-043D369BC5AD}" srcId="{C488DDC1-257E-4026-BDA2-905482E4C9C8}" destId="{6589238D-7105-4711-B647-47273AEFFE8A}" srcOrd="2" destOrd="0" parTransId="{A9CB41C0-408C-4E56-BB3B-995A1E6A8DB2}" sibTransId="{4B4450EF-C130-46E9-9C78-831E3565EE4D}"/>
+    <dgm:cxn modelId="{E2C4449D-93B4-4F2E-AFBA-B0A4483617EA}" type="presOf" srcId="{456EFB4D-5F86-49D7-9E7C-1AC24E46B4B3}" destId="{89B501C5-19D8-4241-8237-869FFFEB0097}" srcOrd="1" destOrd="0" presId="urn:microsoft.com/office/officeart/2009/3/layout/HorizontalOrganizationChart"/>
+    <dgm:cxn modelId="{A9BB9392-014E-40C8-8441-E2B67C27B62F}" type="presOf" srcId="{973CCD07-7FB0-4860-8B33-D0306AE4E28B}" destId="{C2A56672-1E2D-40E1-B5EA-F79C5CD37A3F}" srcOrd="1" destOrd="0" presId="urn:microsoft.com/office/officeart/2009/3/layout/HorizontalOrganizationChart"/>
+    <dgm:cxn modelId="{84F736EC-D32D-4FA1-A9B7-64DA4EE3201D}" type="presOf" srcId="{08CE5C67-8365-43AB-962D-6D2673BA6E03}" destId="{7B323650-A8AC-46FB-B935-F4E7D76BB4DF}" srcOrd="0" destOrd="0" presId="urn:microsoft.com/office/officeart/2009/3/layout/HorizontalOrganizationChart"/>
+    <dgm:cxn modelId="{03CD404E-0DDB-4D1E-80CE-0696F86C0530}" type="presOf" srcId="{3066FB2A-3BDB-47F1-B2D7-290D180FEFA8}" destId="{280AAF32-CF85-4DDC-BC1E-E1799EA69538}" srcOrd="0" destOrd="0" presId="urn:microsoft.com/office/officeart/2009/3/layout/HorizontalOrganizationChart"/>
+    <dgm:cxn modelId="{0F2367CF-E311-4F1D-BEC3-917D75975745}" srcId="{A4429014-4AA8-464C-A54D-EC2D244DE0BE}" destId="{1A1ECAE7-03E0-4037-B94B-CCA02892EC8E}" srcOrd="0" destOrd="0" parTransId="{B14781C4-63C4-4A95-B779-F20A7851480D}" sibTransId="{B1105A89-5987-47BA-9BE1-BAF1CCFE64DA}"/>
+    <dgm:cxn modelId="{EAB542E9-D93B-44A6-8ACE-C1CB4E36BA56}" type="presOf" srcId="{4B01905F-FFBC-4707-BB8D-B7156B5C85E2}" destId="{64C95314-F436-4381-9523-85573A0BF7CD}" srcOrd="0" destOrd="0" presId="urn:microsoft.com/office/officeart/2009/3/layout/HorizontalOrganizationChart"/>
+    <dgm:cxn modelId="{8C7CCB68-3BAD-42C8-B383-327476AB1949}" type="presOf" srcId="{5010CE28-93FA-43BD-ABE3-2B210CDDD388}" destId="{C1E59680-54D6-42F6-9DCB-ED0CEE482C8D}" srcOrd="0" destOrd="0" presId="urn:microsoft.com/office/officeart/2009/3/layout/HorizontalOrganizationChart"/>
+    <dgm:cxn modelId="{1DA8BF4D-C8AA-4D63-9F8A-C0AE15BBD30F}" type="presOf" srcId="{4B726AFC-917B-462E-ABD5-ABB0EE292728}" destId="{C0C6F18E-FC4C-4B8D-844C-552E8C7BF176}" srcOrd="1" destOrd="0" presId="urn:microsoft.com/office/officeart/2009/3/layout/HorizontalOrganizationChart"/>
+    <dgm:cxn modelId="{F2BD9738-AA6C-47BD-BD90-8C28E528C41A}" type="presOf" srcId="{5010CE28-93FA-43BD-ABE3-2B210CDDD388}" destId="{3A14D23D-67F3-4D6C-B91C-CE3984F42A17}" srcOrd="1" destOrd="0" presId="urn:microsoft.com/office/officeart/2009/3/layout/HorizontalOrganizationChart"/>
+    <dgm:cxn modelId="{09546176-B5A8-4830-83CF-7CE45B17DAC5}" srcId="{DA582B4F-3C48-48D3-B6BB-FE6E25EDECCE}" destId="{0F7BC3FB-E80C-4CEA-81AA-AA240D39D3F7}" srcOrd="0" destOrd="0" parTransId="{482F4C95-C39E-4FE4-8AEE-D23440ACDF34}" sibTransId="{72B793E9-17E4-4AD0-80E9-4FE0A85865FB}"/>
+    <dgm:cxn modelId="{6C070B33-26FF-4F34-A0BE-7127C91CEB98}" type="presOf" srcId="{C3FC4818-F09E-46E0-BA77-A22C4FFF5272}" destId="{29ED0180-3566-4997-BA7E-553D023ED60B}" srcOrd="1" destOrd="0" presId="urn:microsoft.com/office/officeart/2009/3/layout/HorizontalOrganizationChart"/>
+    <dgm:cxn modelId="{357F1366-5988-463E-835A-8B7F114A27B6}" type="presOf" srcId="{973CCD07-7FB0-4860-8B33-D0306AE4E28B}" destId="{24DDA01A-0185-4AD2-9263-AC3D7FB155FB}" srcOrd="0" destOrd="0" presId="urn:microsoft.com/office/officeart/2009/3/layout/HorizontalOrganizationChart"/>
+    <dgm:cxn modelId="{E488008F-6314-41E7-9EF5-C50FC664A6C7}" type="presOf" srcId="{DA582B4F-3C48-48D3-B6BB-FE6E25EDECCE}" destId="{97C99E41-96AD-44E6-A36A-DF4E5F51DB7B}" srcOrd="0" destOrd="0" presId="urn:microsoft.com/office/officeart/2009/3/layout/HorizontalOrganizationChart"/>
+    <dgm:cxn modelId="{5E1B9FC0-9EB5-4A00-AABC-AE8850500877}" srcId="{FEEF8090-3A68-4C1D-B4FD-0107C029ED35}" destId="{C488DDC1-257E-4026-BDA2-905482E4C9C8}" srcOrd="0" destOrd="0" parTransId="{3AFCC133-CCAB-4011-B342-EF2D27D8624B}" sibTransId="{5045D27D-3FB9-4913-BD00-60BC1101FE97}"/>
+    <dgm:cxn modelId="{A66C9931-19D6-4DBE-839A-B7785551C177}" type="presOf" srcId="{A9CB41C0-408C-4E56-BB3B-995A1E6A8DB2}" destId="{26E0FDD5-602A-40B2-89FA-95393297CE78}" srcOrd="0" destOrd="0" presId="urn:microsoft.com/office/officeart/2009/3/layout/HorizontalOrganizationChart"/>
+    <dgm:cxn modelId="{B21F572C-2D21-4D0D-B25F-D17C6F6CF09E}" type="presOf" srcId="{89817D6D-04D1-4CC8-AF7D-15C398DE9063}" destId="{54DC3190-090A-40EE-A0E7-1E5D8BB8437F}" srcOrd="1" destOrd="0" presId="urn:microsoft.com/office/officeart/2009/3/layout/HorizontalOrganizationChart"/>
+    <dgm:cxn modelId="{4776E2F4-1130-42C5-BE2F-A0B5037A8E9B}" srcId="{89817D6D-04D1-4CC8-AF7D-15C398DE9063}" destId="{DA582B4F-3C48-48D3-B6BB-FE6E25EDECCE}" srcOrd="0" destOrd="0" parTransId="{24A7A657-2692-4C3F-BF91-B5CF9ABCBF4D}" sibTransId="{1D58D5D8-E495-45B0-B35E-DA37E1A0E5EC}"/>
+    <dgm:cxn modelId="{CCDD2691-7ED1-4985-BEB0-B058E6125C50}" srcId="{C488DDC1-257E-4026-BDA2-905482E4C9C8}" destId="{A870D306-D6D5-4B5D-8235-47138035B827}" srcOrd="5" destOrd="0" parTransId="{08CE5C67-8365-43AB-962D-6D2673BA6E03}" sibTransId="{9E021D36-0DB1-4083-A0ED-9A3C723EB2F3}"/>
+    <dgm:cxn modelId="{9B19483A-FBC8-49C8-9FF5-D8CCF37CD529}" type="presOf" srcId="{456EFB4D-5F86-49D7-9E7C-1AC24E46B4B3}" destId="{3E004AE2-9D40-4241-96F1-12E022FC3A31}" srcOrd="0" destOrd="0" presId="urn:microsoft.com/office/officeart/2009/3/layout/HorizontalOrganizationChart"/>
+    <dgm:cxn modelId="{099E79B2-57BD-46ED-B3C8-EBED27A0A9D5}" srcId="{80F7076E-1B48-4A94-960C-3622E1343EDE}" destId="{A4429014-4AA8-464C-A54D-EC2D244DE0BE}" srcOrd="0" destOrd="0" parTransId="{EE410091-5290-4695-BC58-C69249079662}" sibTransId="{F1FDA292-8725-4AE7-B32E-5AFED013B37F}"/>
+    <dgm:cxn modelId="{1FE88A7D-4101-44C4-BF84-05FF804A090E}" type="presOf" srcId="{A4429014-4AA8-464C-A54D-EC2D244DE0BE}" destId="{AA4C86B0-F639-4AEB-9B75-A19178E3A88F}" srcOrd="0" destOrd="0" presId="urn:microsoft.com/office/officeart/2009/3/layout/HorizontalOrganizationChart"/>
+    <dgm:cxn modelId="{B050793B-8B51-4456-BA97-1A152BBE8A23}" srcId="{0370135D-4CB0-41C6-90F3-69D36FCE2812}" destId="{97E0FF12-E87C-4191-BEDA-C2CF8E9C49C6}" srcOrd="0" destOrd="0" parTransId="{9C57C07B-B624-4E14-8AA6-21FA669B0EB9}" sibTransId="{E0E7C847-5ED8-4CBC-B497-1F78152E32BC}"/>
+    <dgm:cxn modelId="{8A3D6693-6667-450F-B8DD-9705B61CC0EE}" srcId="{A870D306-D6D5-4B5D-8235-47138035B827}" destId="{5010CE28-93FA-43BD-ABE3-2B210CDDD388}" srcOrd="0" destOrd="0" parTransId="{D8C7871B-87D3-468E-AC39-96966901E1C4}" sibTransId="{8B8A6D35-B92D-4405-BD84-BDFE19DE5F9C}"/>
+    <dgm:cxn modelId="{DC79B2D0-92FB-4863-956C-6ECF559CB5A7}" type="presOf" srcId="{C488DDC1-257E-4026-BDA2-905482E4C9C8}" destId="{215BDFBD-6852-4495-B7E0-094FD58A2651}" srcOrd="0" destOrd="0" presId="urn:microsoft.com/office/officeart/2009/3/layout/HorizontalOrganizationChart"/>
+    <dgm:cxn modelId="{99DE9D07-0D52-4B37-8779-AD58CDF6238C}" type="presOf" srcId="{6589238D-7105-4711-B647-47273AEFFE8A}" destId="{C7F9608F-81E9-415B-AC4D-B4E48E0FDD6F}" srcOrd="1" destOrd="0" presId="urn:microsoft.com/office/officeart/2009/3/layout/HorizontalOrganizationChart"/>
+    <dgm:cxn modelId="{8F45389F-31FB-4199-8979-DA9BB5202553}" type="presOf" srcId="{80F7076E-1B48-4A94-960C-3622E1343EDE}" destId="{6168AE62-4054-46BA-8243-38082AC90379}" srcOrd="0" destOrd="0" presId="urn:microsoft.com/office/officeart/2009/3/layout/HorizontalOrganizationChart"/>
+    <dgm:cxn modelId="{BD4C3795-D20E-4896-B1A6-012CEC5000B3}" type="presOf" srcId="{C3FC4818-F09E-46E0-BA77-A22C4FFF5272}" destId="{EC035766-3D74-4310-9F9E-75026757262E}" srcOrd="0" destOrd="0" presId="urn:microsoft.com/office/officeart/2009/3/layout/HorizontalOrganizationChart"/>
+    <dgm:cxn modelId="{40A84559-49D2-45E6-AACB-D924895CEA58}" srcId="{C488DDC1-257E-4026-BDA2-905482E4C9C8}" destId="{53277C34-1D1E-459F-9AD3-C0779D377249}" srcOrd="3" destOrd="0" parTransId="{6B688450-80F7-40AF-A621-CDA54BBE8041}" sibTransId="{4C04894C-888A-478A-8FC5-1D6A7E6A8851}"/>
+    <dgm:cxn modelId="{274E7C82-8432-4FF8-B2A2-8134D7D75333}" srcId="{C488DDC1-257E-4026-BDA2-905482E4C9C8}" destId="{973CCD07-7FB0-4860-8B33-D0306AE4E28B}" srcOrd="0" destOrd="0" parTransId="{A4BD198B-4FED-40AF-B9F3-380BA935C3CD}" sibTransId="{C782F34E-03F3-4DE8-B6D3-55C71A70A044}"/>
+    <dgm:cxn modelId="{619B7BC1-66CF-4813-8985-D2E4F4ABE82E}" type="presOf" srcId="{0F7BC3FB-E80C-4CEA-81AA-AA240D39D3F7}" destId="{546555B4-497F-4CFC-9A68-6CAC8179DF4B}" srcOrd="0" destOrd="0" presId="urn:microsoft.com/office/officeart/2009/3/layout/HorizontalOrganizationChart"/>
+    <dgm:cxn modelId="{3D4C84B6-D761-4B0B-98F5-0CB66F29346F}" type="presOf" srcId="{BAC266E5-D12F-430D-B56F-D65DBBF23ADD}" destId="{B157BEF4-9FB3-47F1-A8B8-355283167242}" srcOrd="0" destOrd="0" presId="urn:microsoft.com/office/officeart/2009/3/layout/HorizontalOrganizationChart"/>
+    <dgm:cxn modelId="{A38D7195-56D7-418A-9A1D-B009F4D38435}" type="presOf" srcId="{C488DDC1-257E-4026-BDA2-905482E4C9C8}" destId="{109E3BB9-4E87-4BB6-975A-61F145755FF5}" srcOrd="1" destOrd="0" presId="urn:microsoft.com/office/officeart/2009/3/layout/HorizontalOrganizationChart"/>
+    <dgm:cxn modelId="{03A68A41-BA05-42DA-820F-2F2DFCEFA55C}" type="presOf" srcId="{97E0FF12-E87C-4191-BEDA-C2CF8E9C49C6}" destId="{17EFAFCB-1F6F-434B-B168-74BEDD648862}" srcOrd="0" destOrd="0" presId="urn:microsoft.com/office/officeart/2009/3/layout/HorizontalOrganizationChart"/>
+    <dgm:cxn modelId="{C410BCEA-2760-4F03-A5AD-44E8B6FBA7CF}" srcId="{53277C34-1D1E-459F-9AD3-C0779D377249}" destId="{80F7076E-1B48-4A94-960C-3622E1343EDE}" srcOrd="0" destOrd="0" parTransId="{6964A4E3-E4D8-41F7-9536-D76244C68EA4}" sibTransId="{7C6FE4BC-C13F-42C1-94A6-A63D3CE93742}"/>
     <dgm:cxn modelId="{269BAF42-F384-467F-A6B9-D974A7F5205B}" type="presOf" srcId="{0370135D-4CB0-41C6-90F3-69D36FCE2812}" destId="{1988D759-4C64-49E1-9B0A-C662E4BF8E4E}" srcOrd="0" destOrd="0" presId="urn:microsoft.com/office/officeart/2009/3/layout/HorizontalOrganizationChart"/>
-    <dgm:cxn modelId="{47B48C9D-6EC3-49FF-9480-A37C51BAB2BD}" type="presOf" srcId="{6589238D-7105-4711-B647-47273AEFFE8A}" destId="{7AEC9F57-B00C-41AA-956B-0BCB9CB450F5}" srcOrd="0" destOrd="0" presId="urn:microsoft.com/office/officeart/2009/3/layout/HorizontalOrganizationChart"/>
+    <dgm:cxn modelId="{CCD87678-3421-4870-9931-49803BAECDA0}" type="presOf" srcId="{F0578613-3253-40E2-A678-537EC0662ABF}" destId="{A9E9207E-0E7C-42F3-919C-E73AA3AE5500}" srcOrd="0" destOrd="0" presId="urn:microsoft.com/office/officeart/2009/3/layout/HorizontalOrganizationChart"/>
+    <dgm:cxn modelId="{ADE8322B-49C4-4BC4-8A86-83F919CE20F3}" type="presOf" srcId="{97E0FF12-E87C-4191-BEDA-C2CF8E9C49C6}" destId="{DE9C5D20-9DD3-4735-BA51-F98AED01086B}" srcOrd="1" destOrd="0" presId="urn:microsoft.com/office/officeart/2009/3/layout/HorizontalOrganizationChart"/>
+    <dgm:cxn modelId="{62D284D0-4559-41CC-8E78-B5EC7B995C6D}" srcId="{5010CE28-93FA-43BD-ABE3-2B210CDDD388}" destId="{4B726AFC-917B-462E-ABD5-ABB0EE292728}" srcOrd="0" destOrd="0" parTransId="{F0578613-3253-40E2-A678-537EC0662ABF}" sibTransId="{DA2E0ED2-DE76-4361-BA33-873308FF95AE}"/>
+    <dgm:cxn modelId="{43079730-7CC0-4418-9AA6-49FEBE1B3A4E}" type="presOf" srcId="{0F7BC3FB-E80C-4CEA-81AA-AA240D39D3F7}" destId="{6D6B7336-0BAC-4179-9FC0-2DBC8948A8C6}" srcOrd="1" destOrd="0" presId="urn:microsoft.com/office/officeart/2009/3/layout/HorizontalOrganizationChart"/>
+    <dgm:cxn modelId="{F090A4C8-88C7-4FFC-822D-32AA68213A64}" type="presOf" srcId="{EE410091-5290-4695-BC58-C69249079662}" destId="{CC7A5250-6500-4A51-9436-4C21D6C86379}" srcOrd="0" destOrd="0" presId="urn:microsoft.com/office/officeart/2009/3/layout/HorizontalOrganizationChart"/>
     <dgm:cxn modelId="{ACCF8A68-96BF-47A9-8317-A58B881E6D83}" type="presOf" srcId="{3066FB2A-3BDB-47F1-B2D7-290D180FEFA8}" destId="{9942659A-9E16-4846-9EFD-74683EC9C39F}" srcOrd="1" destOrd="0" presId="urn:microsoft.com/office/officeart/2009/3/layout/HorizontalOrganizationChart"/>
-    <dgm:cxn modelId="{F2BD9738-AA6C-47BD-BD90-8C28E528C41A}" type="presOf" srcId="{5010CE28-93FA-43BD-ABE3-2B210CDDD388}" destId="{3A14D23D-67F3-4D6C-B91C-CE3984F42A17}" srcOrd="1" destOrd="0" presId="urn:microsoft.com/office/officeart/2009/3/layout/HorizontalOrganizationChart"/>
-    <dgm:cxn modelId="{3B9D8677-AB80-439C-9075-DFB6C9058224}" type="presOf" srcId="{53277C34-1D1E-459F-9AD3-C0779D377249}" destId="{DAEF1BCF-716E-4F79-A6A0-B873EB34ABFE}" srcOrd="0" destOrd="0" presId="urn:microsoft.com/office/officeart/2009/3/layout/HorizontalOrganizationChart"/>
-    <dgm:cxn modelId="{5CD2DDDB-EE22-4479-B085-4D9A28EB164F}" type="presOf" srcId="{FEEF8090-3A68-4C1D-B4FD-0107C029ED35}" destId="{3FA8ABCE-0A92-4967-90A8-23A264E1B5EA}" srcOrd="0" destOrd="0" presId="urn:microsoft.com/office/officeart/2009/3/layout/HorizontalOrganizationChart"/>
-    <dgm:cxn modelId="{6C070B33-26FF-4F34-A0BE-7127C91CEB98}" type="presOf" srcId="{C3FC4818-F09E-46E0-BA77-A22C4FFF5272}" destId="{29ED0180-3566-4997-BA7E-553D023ED60B}" srcOrd="1" destOrd="0" presId="urn:microsoft.com/office/officeart/2009/3/layout/HorizontalOrganizationChart"/>
     <dgm:cxn modelId="{DB3CAA60-039D-44CF-A90C-2A05E0CFD066}" type="presOf" srcId="{A4BD198B-4FED-40AF-B9F3-380BA935C3CD}" destId="{DC23F8D1-5AC9-43EA-B960-FFC8783E47D5}" srcOrd="0" destOrd="0" presId="urn:microsoft.com/office/officeart/2009/3/layout/HorizontalOrganizationChart"/>
-    <dgm:cxn modelId="{09546176-B5A8-4830-83CF-7CE45B17DAC5}" srcId="{DA582B4F-3C48-48D3-B6BB-FE6E25EDECCE}" destId="{0F7BC3FB-E80C-4CEA-81AA-AA240D39D3F7}" srcOrd="0" destOrd="0" parTransId="{482F4C95-C39E-4FE4-8AEE-D23440ACDF34}" sibTransId="{72B793E9-17E4-4AD0-80E9-4FE0A85865FB}"/>
-    <dgm:cxn modelId="{A66C9931-19D6-4DBE-839A-B7785551C177}" type="presOf" srcId="{A9CB41C0-408C-4E56-BB3B-995A1E6A8DB2}" destId="{26E0FDD5-602A-40B2-89FA-95393297CE78}" srcOrd="0" destOrd="0" presId="urn:microsoft.com/office/officeart/2009/3/layout/HorizontalOrganizationChart"/>
-    <dgm:cxn modelId="{0E0FAD0D-1F3B-4A70-B061-135CFA50A7C3}" type="presOf" srcId="{1E28F03F-B06A-411F-98AA-D894E72D13F8}" destId="{164642DC-28D3-407D-8442-8E4BE1AECDEE}" srcOrd="0" destOrd="0" presId="urn:microsoft.com/office/officeart/2009/3/layout/HorizontalOrganizationChart"/>
-    <dgm:cxn modelId="{03CD404E-0DDB-4D1E-80CE-0696F86C0530}" type="presOf" srcId="{3066FB2A-3BDB-47F1-B2D7-290D180FEFA8}" destId="{280AAF32-CF85-4DDC-BC1E-E1799EA69538}" srcOrd="0" destOrd="0" presId="urn:microsoft.com/office/officeart/2009/3/layout/HorizontalOrganizationChart"/>
-    <dgm:cxn modelId="{3D4C84B6-D761-4B0B-98F5-0CB66F29346F}" type="presOf" srcId="{BAC266E5-D12F-430D-B56F-D65DBBF23ADD}" destId="{B157BEF4-9FB3-47F1-A8B8-355283167242}" srcOrd="0" destOrd="0" presId="urn:microsoft.com/office/officeart/2009/3/layout/HorizontalOrganizationChart"/>
-    <dgm:cxn modelId="{ADE8322B-49C4-4BC4-8A86-83F919CE20F3}" type="presOf" srcId="{97E0FF12-E87C-4191-BEDA-C2CF8E9C49C6}" destId="{DE9C5D20-9DD3-4735-BA51-F98AED01086B}" srcOrd="1" destOrd="0" presId="urn:microsoft.com/office/officeart/2009/3/layout/HorizontalOrganizationChart"/>
-    <dgm:cxn modelId="{830E5546-DC34-46E4-9557-D0CD6C5F5D9F}" type="presOf" srcId="{4B726AFC-917B-462E-ABD5-ABB0EE292728}" destId="{73AD7060-D478-4BF1-8F1C-3E9BC1E48B9D}" srcOrd="0" destOrd="0" presId="urn:microsoft.com/office/officeart/2009/3/layout/HorizontalOrganizationChart"/>
-    <dgm:cxn modelId="{8A3D6693-6667-450F-B8DD-9705B61CC0EE}" srcId="{A870D306-D6D5-4B5D-8235-47138035B827}" destId="{5010CE28-93FA-43BD-ABE3-2B210CDDD388}" srcOrd="0" destOrd="0" parTransId="{D8C7871B-87D3-468E-AC39-96966901E1C4}" sibTransId="{8B8A6D35-B92D-4405-BD84-BDFE19DE5F9C}"/>
-    <dgm:cxn modelId="{8F45389F-31FB-4199-8979-DA9BB5202553}" type="presOf" srcId="{80F7076E-1B48-4A94-960C-3622E1343EDE}" destId="{6168AE62-4054-46BA-8243-38082AC90379}" srcOrd="0" destOrd="0" presId="urn:microsoft.com/office/officeart/2009/3/layout/HorizontalOrganizationChart"/>
-    <dgm:cxn modelId="{274E7C82-8432-4FF8-B2A2-8134D7D75333}" srcId="{C488DDC1-257E-4026-BDA2-905482E4C9C8}" destId="{973CCD07-7FB0-4860-8B33-D0306AE4E28B}" srcOrd="0" destOrd="0" parTransId="{A4BD198B-4FED-40AF-B9F3-380BA935C3CD}" sibTransId="{C782F34E-03F3-4DE8-B6D3-55C71A70A044}"/>
-    <dgm:cxn modelId="{E5855979-A7B5-437C-BB9F-B51C513E568B}" type="presOf" srcId="{9C57C07B-B624-4E14-8AA6-21FA669B0EB9}" destId="{1810DF6F-3D7E-4284-A074-DAEF315817FA}" srcOrd="0" destOrd="0" presId="urn:microsoft.com/office/officeart/2009/3/layout/HorizontalOrganizationChart"/>
-    <dgm:cxn modelId="{E88D361C-5A6B-48D6-A745-FB22BB11C370}" srcId="{3066FB2A-3BDB-47F1-B2D7-290D180FEFA8}" destId="{456EFB4D-5F86-49D7-9E7C-1AC24E46B4B3}" srcOrd="0" destOrd="0" parTransId="{29F0002A-D376-49D6-B212-7BA7C73A8D8F}" sibTransId="{720ECC7E-6208-45B2-B917-D6564223DE5A}"/>
-    <dgm:cxn modelId="{F090A4C8-88C7-4FFC-822D-32AA68213A64}" type="presOf" srcId="{EE410091-5290-4695-BC58-C69249079662}" destId="{CC7A5250-6500-4A51-9436-4C21D6C86379}" srcOrd="0" destOrd="0" presId="urn:microsoft.com/office/officeart/2009/3/layout/HorizontalOrganizationChart"/>
-    <dgm:cxn modelId="{099E79B2-57BD-46ED-B3C8-EBED27A0A9D5}" srcId="{80F7076E-1B48-4A94-960C-3622E1343EDE}" destId="{A4429014-4AA8-464C-A54D-EC2D244DE0BE}" srcOrd="0" destOrd="0" parTransId="{EE410091-5290-4695-BC58-C69249079662}" sibTransId="{F1FDA292-8725-4AE7-B32E-5AFED013B37F}"/>
-    <dgm:cxn modelId="{62D284D0-4559-41CC-8E78-B5EC7B995C6D}" srcId="{5010CE28-93FA-43BD-ABE3-2B210CDDD388}" destId="{4B726AFC-917B-462E-ABD5-ABB0EE292728}" srcOrd="0" destOrd="0" parTransId="{F0578613-3253-40E2-A678-537EC0662ABF}" sibTransId="{DA2E0ED2-DE76-4361-BA33-873308FF95AE}"/>
-    <dgm:cxn modelId="{1DA8BF4D-C8AA-4D63-9F8A-C0AE15BBD30F}" type="presOf" srcId="{4B726AFC-917B-462E-ABD5-ABB0EE292728}" destId="{C0C6F18E-FC4C-4B8D-844C-552E8C7BF176}" srcOrd="1" destOrd="0" presId="urn:microsoft.com/office/officeart/2009/3/layout/HorizontalOrganizationChart"/>
-    <dgm:cxn modelId="{76FB93B1-041F-426C-A122-F11CD0CCC3C9}" type="presOf" srcId="{24A7A657-2692-4C3F-BF91-B5CF9ABCBF4D}" destId="{1228EBAC-25AD-4134-8AEC-69968979BA7A}" srcOrd="0" destOrd="0" presId="urn:microsoft.com/office/officeart/2009/3/layout/HorizontalOrganizationChart"/>
-    <dgm:cxn modelId="{1FE88A7D-4101-44C4-BF84-05FF804A090E}" type="presOf" srcId="{A4429014-4AA8-464C-A54D-EC2D244DE0BE}" destId="{AA4C86B0-F639-4AEB-9B75-A19178E3A88F}" srcOrd="0" destOrd="0" presId="urn:microsoft.com/office/officeart/2009/3/layout/HorizontalOrganizationChart"/>
-    <dgm:cxn modelId="{99DE9D07-0D52-4B37-8779-AD58CDF6238C}" type="presOf" srcId="{6589238D-7105-4711-B647-47273AEFFE8A}" destId="{C7F9608F-81E9-415B-AC4D-B4E48E0FDD6F}" srcOrd="1" destOrd="0" presId="urn:microsoft.com/office/officeart/2009/3/layout/HorizontalOrganizationChart"/>
-    <dgm:cxn modelId="{F6278E2C-72C7-4348-A097-F1D1544C3C3B}" type="presOf" srcId="{80F7076E-1B48-4A94-960C-3622E1343EDE}" destId="{3CB44A20-29EB-4F4F-B983-F5916E5CC107}" srcOrd="1" destOrd="0" presId="urn:microsoft.com/office/officeart/2009/3/layout/HorizontalOrganizationChart"/>
-    <dgm:cxn modelId="{2CD676E7-FDAF-44A7-B3DC-1472945E274D}" srcId="{6589238D-7105-4711-B647-47273AEFFE8A}" destId="{3066FB2A-3BDB-47F1-B2D7-290D180FEFA8}" srcOrd="0" destOrd="0" parTransId="{4B01905F-FFBC-4707-BB8D-B7156B5C85E2}" sibTransId="{7119E590-E581-4016-842C-A8F918037C3A}"/>
-    <dgm:cxn modelId="{36FE8420-50F7-469B-B737-BD4DFAC4E284}" type="presOf" srcId="{DA582B4F-3C48-48D3-B6BB-FE6E25EDECCE}" destId="{61766B6C-73E2-440E-B346-462F4D023185}" srcOrd="1" destOrd="0" presId="urn:microsoft.com/office/officeart/2009/3/layout/HorizontalOrganizationChart"/>
-    <dgm:cxn modelId="{B050793B-8B51-4456-BA97-1A152BBE8A23}" srcId="{0370135D-4CB0-41C6-90F3-69D36FCE2812}" destId="{97E0FF12-E87C-4191-BEDA-C2CF8E9C49C6}" srcOrd="0" destOrd="0" parTransId="{9C57C07B-B624-4E14-8AA6-21FA669B0EB9}" sibTransId="{E0E7C847-5ED8-4CBC-B497-1F78152E32BC}"/>
-    <dgm:cxn modelId="{9B19483A-FBC8-49C8-9FF5-D8CCF37CD529}" type="presOf" srcId="{456EFB4D-5F86-49D7-9E7C-1AC24E46B4B3}" destId="{3E004AE2-9D40-4241-96F1-12E022FC3A31}" srcOrd="0" destOrd="0" presId="urn:microsoft.com/office/officeart/2009/3/layout/HorizontalOrganizationChart"/>
-    <dgm:cxn modelId="{03A68A41-BA05-42DA-820F-2F2DFCEFA55C}" type="presOf" srcId="{97E0FF12-E87C-4191-BEDA-C2CF8E9C49C6}" destId="{17EFAFCB-1F6F-434B-B168-74BEDD648862}" srcOrd="0" destOrd="0" presId="urn:microsoft.com/office/officeart/2009/3/layout/HorizontalOrganizationChart"/>
     <dgm:cxn modelId="{61691010-1C54-4DC3-837C-20EBCC944B2B}" type="presOf" srcId="{D8C7871B-87D3-468E-AC39-96966901E1C4}" destId="{A4BEB405-E33B-4BA8-A049-A2CCB3FE00CF}" srcOrd="0" destOrd="0" presId="urn:microsoft.com/office/officeart/2009/3/layout/HorizontalOrganizationChart"/>
-    <dgm:cxn modelId="{59D20FBD-CFF1-44E5-A691-2D5FF58EAD10}" type="presOf" srcId="{A870D306-D6D5-4B5D-8235-47138035B827}" destId="{D54B5BE5-3ADC-4249-A95A-56A54139C7AA}" srcOrd="1" destOrd="0" presId="urn:microsoft.com/office/officeart/2009/3/layout/HorizontalOrganizationChart"/>
-    <dgm:cxn modelId="{627E07E8-DB8E-465C-B220-5F3FA3AAB955}" type="presOf" srcId="{89817D6D-04D1-4CC8-AF7D-15C398DE9063}" destId="{58938279-F9FE-475E-A10B-324C3F4EDD94}" srcOrd="0" destOrd="0" presId="urn:microsoft.com/office/officeart/2009/3/layout/HorizontalOrganizationChart"/>
-    <dgm:cxn modelId="{43079730-7CC0-4418-9AA6-49FEBE1B3A4E}" type="presOf" srcId="{0F7BC3FB-E80C-4CEA-81AA-AA240D39D3F7}" destId="{6D6B7336-0BAC-4179-9FC0-2DBC8948A8C6}" srcOrd="1" destOrd="0" presId="urn:microsoft.com/office/officeart/2009/3/layout/HorizontalOrganizationChart"/>
-    <dgm:cxn modelId="{357F1366-5988-463E-835A-8B7F114A27B6}" type="presOf" srcId="{973CCD07-7FB0-4860-8B33-D0306AE4E28B}" destId="{24DDA01A-0185-4AD2-9263-AC3D7FB155FB}" srcOrd="0" destOrd="0" presId="urn:microsoft.com/office/officeart/2009/3/layout/HorizontalOrganizationChart"/>
-    <dgm:cxn modelId="{2B6C5317-8F7A-46E2-BA94-00B631FD3F29}" srcId="{C488DDC1-257E-4026-BDA2-905482E4C9C8}" destId="{0370135D-4CB0-41C6-90F3-69D36FCE2812}" srcOrd="4" destOrd="0" parTransId="{1E28F03F-B06A-411F-98AA-D894E72D13F8}" sibTransId="{7EEE441B-5534-4FA3-8BF8-558C31EF9AB5}"/>
-    <dgm:cxn modelId="{A9BB9392-014E-40C8-8441-E2B67C27B62F}" type="presOf" srcId="{973CCD07-7FB0-4860-8B33-D0306AE4E28B}" destId="{C2A56672-1E2D-40E1-B5EA-F79C5CD37A3F}" srcOrd="1" destOrd="0" presId="urn:microsoft.com/office/officeart/2009/3/layout/HorizontalOrganizationChart"/>
-    <dgm:cxn modelId="{2FB62ACD-0348-4284-A3FC-9E08AC707455}" type="presOf" srcId="{29F0002A-D376-49D6-B212-7BA7C73A8D8F}" destId="{5DB87ACE-F670-40BC-8C12-494FF3EB8DB8}" srcOrd="0" destOrd="0" presId="urn:microsoft.com/office/officeart/2009/3/layout/HorizontalOrganizationChart"/>
-    <dgm:cxn modelId="{40A84559-49D2-45E6-AACB-D924895CEA58}" srcId="{C488DDC1-257E-4026-BDA2-905482E4C9C8}" destId="{53277C34-1D1E-459F-9AD3-C0779D377249}" srcOrd="3" destOrd="0" parTransId="{6B688450-80F7-40AF-A621-CDA54BBE8041}" sibTransId="{4C04894C-888A-478A-8FC5-1D6A7E6A8851}"/>
-    <dgm:cxn modelId="{48D57844-EB68-4627-80FB-E2E2FAD95AD4}" type="presOf" srcId="{6964A4E3-E4D8-41F7-9536-D76244C68EA4}" destId="{A1DC0112-D484-4EA5-A810-A055780A2D9B}" srcOrd="0" destOrd="0" presId="urn:microsoft.com/office/officeart/2009/3/layout/HorizontalOrganizationChart"/>
-    <dgm:cxn modelId="{CCDD2691-7ED1-4985-BEB0-B058E6125C50}" srcId="{C488DDC1-257E-4026-BDA2-905482E4C9C8}" destId="{A870D306-D6D5-4B5D-8235-47138035B827}" srcOrd="5" destOrd="0" parTransId="{08CE5C67-8365-43AB-962D-6D2673BA6E03}" sibTransId="{9E021D36-0DB1-4083-A0ED-9A3C723EB2F3}"/>
-    <dgm:cxn modelId="{BD4C3795-D20E-4896-B1A6-012CEC5000B3}" type="presOf" srcId="{C3FC4818-F09E-46E0-BA77-A22C4FFF5272}" destId="{EC035766-3D74-4310-9F9E-75026757262E}" srcOrd="0" destOrd="0" presId="urn:microsoft.com/office/officeart/2009/3/layout/HorizontalOrganizationChart"/>
-    <dgm:cxn modelId="{D630D2D1-C54E-4EC1-B4DF-3535839ECE05}" type="presOf" srcId="{A4429014-4AA8-464C-A54D-EC2D244DE0BE}" destId="{2CB3FD73-E719-47C4-BF66-D8B44B85BF6E}" srcOrd="1" destOrd="0" presId="urn:microsoft.com/office/officeart/2009/3/layout/HorizontalOrganizationChart"/>
-    <dgm:cxn modelId="{E488008F-6314-41E7-9EF5-C50FC664A6C7}" type="presOf" srcId="{DA582B4F-3C48-48D3-B6BB-FE6E25EDECCE}" destId="{97C99E41-96AD-44E6-A36A-DF4E5F51DB7B}" srcOrd="0" destOrd="0" presId="urn:microsoft.com/office/officeart/2009/3/layout/HorizontalOrganizationChart"/>
-    <dgm:cxn modelId="{B21F572C-2D21-4D0D-B25F-D17C6F6CF09E}" type="presOf" srcId="{89817D6D-04D1-4CC8-AF7D-15C398DE9063}" destId="{54DC3190-090A-40EE-A0E7-1E5D8BB8437F}" srcOrd="1" destOrd="0" presId="urn:microsoft.com/office/officeart/2009/3/layout/HorizontalOrganizationChart"/>
-    <dgm:cxn modelId="{69CAAC18-39B4-47E6-9E71-1A5F35EFC948}" type="presOf" srcId="{482F4C95-C39E-4FE4-8AEE-D23440ACDF34}" destId="{0B87949C-CADD-4ADB-9B44-66536814C313}" srcOrd="0" destOrd="0" presId="urn:microsoft.com/office/officeart/2009/3/layout/HorizontalOrganizationChart"/>
-    <dgm:cxn modelId="{5E1B9FC0-9EB5-4A00-AABC-AE8850500877}" srcId="{FEEF8090-3A68-4C1D-B4FD-0107C029ED35}" destId="{C488DDC1-257E-4026-BDA2-905482E4C9C8}" srcOrd="0" destOrd="0" parTransId="{3AFCC133-CCAB-4011-B342-EF2D27D8624B}" sibTransId="{5045D27D-3FB9-4913-BD00-60BC1101FE97}"/>
-    <dgm:cxn modelId="{EAB542E9-D93B-44A6-8ACE-C1CB4E36BA56}" type="presOf" srcId="{4B01905F-FFBC-4707-BB8D-B7156B5C85E2}" destId="{64C95314-F436-4381-9523-85573A0BF7CD}" srcOrd="0" destOrd="0" presId="urn:microsoft.com/office/officeart/2009/3/layout/HorizontalOrganizationChart"/>
-    <dgm:cxn modelId="{4776E2F4-1130-42C5-BE2F-A0B5037A8E9B}" srcId="{89817D6D-04D1-4CC8-AF7D-15C398DE9063}" destId="{DA582B4F-3C48-48D3-B6BB-FE6E25EDECCE}" srcOrd="0" destOrd="0" parTransId="{24A7A657-2692-4C3F-BF91-B5CF9ABCBF4D}" sibTransId="{1D58D5D8-E495-45B0-B35E-DA37E1A0E5EC}"/>
-    <dgm:cxn modelId="{3236F308-4345-44DC-835D-5BD75BB27137}" srcId="{C488DDC1-257E-4026-BDA2-905482E4C9C8}" destId="{89817D6D-04D1-4CC8-AF7D-15C398DE9063}" srcOrd="1" destOrd="0" parTransId="{BAC266E5-D12F-430D-B56F-D65DBBF23ADD}" sibTransId="{076E4D95-2C3B-41D2-B0F8-736FC2A9D53C}"/>
-    <dgm:cxn modelId="{24A9567C-D79A-4223-A068-52DDA16CA4B5}" type="presOf" srcId="{A870D306-D6D5-4B5D-8235-47138035B827}" destId="{CDA0F56F-8C7E-4BBC-A9AD-C32F01F858BC}" srcOrd="0" destOrd="0" presId="urn:microsoft.com/office/officeart/2009/3/layout/HorizontalOrganizationChart"/>
-    <dgm:cxn modelId="{94C99953-E033-4E23-B3D6-08296E7C9500}" type="presOf" srcId="{6B688450-80F7-40AF-A621-CDA54BBE8041}" destId="{72F3265F-EABC-423F-B41E-D53CB31BC9EA}" srcOrd="0" destOrd="0" presId="urn:microsoft.com/office/officeart/2009/3/layout/HorizontalOrganizationChart"/>
-    <dgm:cxn modelId="{E260CB09-F7EC-407B-BFE0-46B87B886C5E}" type="presOf" srcId="{1A1ECAE7-03E0-4037-B94B-CCA02892EC8E}" destId="{CE33FEB2-0105-4B00-9AF7-D0DED4DA9741}" srcOrd="1" destOrd="0" presId="urn:microsoft.com/office/officeart/2009/3/layout/HorizontalOrganizationChart"/>
-    <dgm:cxn modelId="{0F2367CF-E311-4F1D-BEC3-917D75975745}" srcId="{A4429014-4AA8-464C-A54D-EC2D244DE0BE}" destId="{1A1ECAE7-03E0-4037-B94B-CCA02892EC8E}" srcOrd="0" destOrd="0" parTransId="{B14781C4-63C4-4A95-B779-F20A7851480D}" sibTransId="{B1105A89-5987-47BA-9BE1-BAF1CCFE64DA}"/>
-    <dgm:cxn modelId="{C410BCEA-2760-4F03-A5AD-44E8B6FBA7CF}" srcId="{53277C34-1D1E-459F-9AD3-C0779D377249}" destId="{80F7076E-1B48-4A94-960C-3622E1343EDE}" srcOrd="0" destOrd="0" parTransId="{6964A4E3-E4D8-41F7-9536-D76244C68EA4}" sibTransId="{7C6FE4BC-C13F-42C1-94A6-A63D3CE93742}"/>
-    <dgm:cxn modelId="{E92F9C12-4F33-41D1-A072-43A5098AB2C7}" type="presOf" srcId="{53277C34-1D1E-459F-9AD3-C0779D377249}" destId="{5232913A-463D-4FE5-B199-34052089008C}" srcOrd="1" destOrd="0" presId="urn:microsoft.com/office/officeart/2009/3/layout/HorizontalOrganizationChart"/>
-    <dgm:cxn modelId="{84F736EC-D32D-4FA1-A9B7-64DA4EE3201D}" type="presOf" srcId="{08CE5C67-8365-43AB-962D-6D2673BA6E03}" destId="{7B323650-A8AC-46FB-B935-F4E7D76BB4DF}" srcOrd="0" destOrd="0" presId="urn:microsoft.com/office/officeart/2009/3/layout/HorizontalOrganizationChart"/>
-    <dgm:cxn modelId="{CCD87678-3421-4870-9931-49803BAECDA0}" type="presOf" srcId="{F0578613-3253-40E2-A678-537EC0662ABF}" destId="{A9E9207E-0E7C-42F3-919C-E73AA3AE5500}" srcOrd="0" destOrd="0" presId="urn:microsoft.com/office/officeart/2009/3/layout/HorizontalOrganizationChart"/>
-    <dgm:cxn modelId="{8C7CCB68-3BAD-42C8-B383-327476AB1949}" type="presOf" srcId="{5010CE28-93FA-43BD-ABE3-2B210CDDD388}" destId="{C1E59680-54D6-42F6-9DCB-ED0CEE482C8D}" srcOrd="0" destOrd="0" presId="urn:microsoft.com/office/officeart/2009/3/layout/HorizontalOrganizationChart"/>
-    <dgm:cxn modelId="{619B7BC1-66CF-4813-8985-D2E4F4ABE82E}" type="presOf" srcId="{0F7BC3FB-E80C-4CEA-81AA-AA240D39D3F7}" destId="{546555B4-497F-4CFC-9A68-6CAC8179DF4B}" srcOrd="0" destOrd="0" presId="urn:microsoft.com/office/officeart/2009/3/layout/HorizontalOrganizationChart"/>
-    <dgm:cxn modelId="{1535D3E6-D54E-4002-A54B-15C531799CE4}" type="presOf" srcId="{1A1ECAE7-03E0-4037-B94B-CCA02892EC8E}" destId="{BE5D859A-F7E5-4FDD-A3BF-C2DDC37EF257}" srcOrd="0" destOrd="0" presId="urn:microsoft.com/office/officeart/2009/3/layout/HorizontalOrganizationChart"/>
-    <dgm:cxn modelId="{616517A8-2BC5-4D8C-9757-BD76FBCC4C32}" type="presOf" srcId="{B14781C4-63C4-4A95-B779-F20A7851480D}" destId="{9F7575F3-5B79-42D1-BA96-888F37B0AA43}" srcOrd="0" destOrd="0" presId="urn:microsoft.com/office/officeart/2009/3/layout/HorizontalOrganizationChart"/>
-    <dgm:cxn modelId="{DC79B2D0-92FB-4863-956C-6ECF559CB5A7}" type="presOf" srcId="{C488DDC1-257E-4026-BDA2-905482E4C9C8}" destId="{215BDFBD-6852-4495-B7E0-094FD58A2651}" srcOrd="0" destOrd="0" presId="urn:microsoft.com/office/officeart/2009/3/layout/HorizontalOrganizationChart"/>
-    <dgm:cxn modelId="{E2C4449D-93B4-4F2E-AFBA-B0A4483617EA}" type="presOf" srcId="{456EFB4D-5F86-49D7-9E7C-1AC24E46B4B3}" destId="{89B501C5-19D8-4241-8237-869FFFEB0097}" srcOrd="1" destOrd="0" presId="urn:microsoft.com/office/officeart/2009/3/layout/HorizontalOrganizationChart"/>
-    <dgm:cxn modelId="{17DF7650-E6A8-46D0-A79A-DD21716062E3}" srcId="{973CCD07-7FB0-4860-8B33-D0306AE4E28B}" destId="{C3FC4818-F09E-46E0-BA77-A22C4FFF5272}" srcOrd="0" destOrd="0" parTransId="{09E4935A-C2CE-4E4B-8C07-CE9BD0D14D62}" sibTransId="{4D5AE663-75F0-4C7A-8869-C3DA98702EB3}"/>
-    <dgm:cxn modelId="{1BF5404D-A39E-4247-A7F9-043D369BC5AD}" srcId="{C488DDC1-257E-4026-BDA2-905482E4C9C8}" destId="{6589238D-7105-4711-B647-47273AEFFE8A}" srcOrd="2" destOrd="0" parTransId="{A9CB41C0-408C-4E56-BB3B-995A1E6A8DB2}" sibTransId="{4B4450EF-C130-46E9-9C78-831E3565EE4D}"/>
-    <dgm:cxn modelId="{EB5D0473-2E16-437A-AE5F-20616581AD7A}" type="presOf" srcId="{09E4935A-C2CE-4E4B-8C07-CE9BD0D14D62}" destId="{B701F459-8A7A-4102-9920-188A3CFE23CD}" srcOrd="0" destOrd="0" presId="urn:microsoft.com/office/officeart/2009/3/layout/HorizontalOrganizationChart"/>
-    <dgm:cxn modelId="{C29F4313-990F-4DEA-9BB3-8FE5883179E5}" type="presOf" srcId="{0370135D-4CB0-41C6-90F3-69D36FCE2812}" destId="{0231FA7D-A8BE-462F-AC4B-251AE6362AA7}" srcOrd="1" destOrd="0" presId="urn:microsoft.com/office/officeart/2009/3/layout/HorizontalOrganizationChart"/>
-    <dgm:cxn modelId="{A38D7195-56D7-418A-9A1D-B009F4D38435}" type="presOf" srcId="{C488DDC1-257E-4026-BDA2-905482E4C9C8}" destId="{109E3BB9-4E87-4BB6-975A-61F145755FF5}" srcOrd="1" destOrd="0" presId="urn:microsoft.com/office/officeart/2009/3/layout/HorizontalOrganizationChart"/>
     <dgm:cxn modelId="{D535F9F1-F522-4024-9C5D-C4B378416E34}" type="presParOf" srcId="{3FA8ABCE-0A92-4967-90A8-23A264E1B5EA}" destId="{D3DD1CD1-467C-4A58-A86C-8E5F879FE5B8}" srcOrd="0" destOrd="0" presId="urn:microsoft.com/office/officeart/2009/3/layout/HorizontalOrganizationChart"/>
     <dgm:cxn modelId="{6E4BFAA6-1C33-4AAE-B71F-AF63F28F0B04}" type="presParOf" srcId="{D3DD1CD1-467C-4A58-A86C-8E5F879FE5B8}" destId="{3370557D-77B8-4A7E-B5FD-4F7D98D1E07B}" srcOrd="0" destOrd="0" presId="urn:microsoft.com/office/officeart/2009/3/layout/HorizontalOrganizationChart"/>
     <dgm:cxn modelId="{D287D436-A70B-46D6-816E-79E49782B4F1}" type="presParOf" srcId="{3370557D-77B8-4A7E-B5FD-4F7D98D1E07B}" destId="{215BDFBD-6852-4495-B7E0-094FD58A2651}" srcOrd="0" destOrd="0" presId="urn:microsoft.com/office/officeart/2009/3/layout/HorizontalOrganizationChart"/>
@@ -12829,7 +12829,7 @@
         <p:spPr>
           <a:xfrm>
             <a:off x="2543503" y="1437710"/>
-            <a:ext cx="2617076" cy="1200329"/>
+            <a:ext cx="2617076" cy="1754326"/>
           </a:xfrm>
           <a:prstGeom prst="rect">
             <a:avLst/>
@@ -12855,17 +12855,59 @@
             </a:r>
           </a:p>
           <a:p>
-            <a:endParaRPr lang="en-US" altLang="zh-TW" dirty="0" smtClean="0"/>
+            <a:endParaRPr lang="en-US" altLang="zh-TW" dirty="0" smtClean="0">
+              <a:latin typeface="Microsoft YaHei" panose="020B0503020204020204" pitchFamily="34" charset="-122"/>
+              <a:ea typeface="Microsoft YaHei" panose="020B0503020204020204" pitchFamily="34" charset="-122"/>
+            </a:endParaRPr>
           </a:p>
           <a:p>
             <a:r>
-              <a:rPr lang="zh-TW" altLang="en-US" dirty="0" smtClean="0"/>
+              <a:rPr lang="zh-TW" altLang="en-US" dirty="0" smtClean="0">
+                <a:latin typeface="Microsoft YaHei" panose="020B0503020204020204" pitchFamily="34" charset="-122"/>
+                <a:ea typeface="Microsoft YaHei" panose="020B0503020204020204" pitchFamily="34" charset="-122"/>
+              </a:rPr>
               <a:t>我覺得自己很棒</a:t>
             </a:r>
             <a:r>
-              <a:rPr lang="en-US" altLang="zh-TW" dirty="0" smtClean="0"/>
+              <a:rPr lang="en-US" altLang="zh-TW" dirty="0" smtClean="0">
+                <a:latin typeface="Microsoft YaHei" panose="020B0503020204020204" pitchFamily="34" charset="-122"/>
+                <a:ea typeface="Microsoft YaHei" panose="020B0503020204020204" pitchFamily="34" charset="-122"/>
+              </a:rPr>
               <a:t>!</a:t>
             </a:r>
+          </a:p>
+          <a:p>
+            <a:endParaRPr lang="en-US" altLang="zh-TW" dirty="0">
+              <a:latin typeface="Microsoft YaHei" panose="020B0503020204020204" pitchFamily="34" charset="-122"/>
+              <a:ea typeface="Microsoft YaHei" panose="020B0503020204020204" pitchFamily="34" charset="-122"/>
+            </a:endParaRPr>
+          </a:p>
+          <a:p>
+            <a:r>
+              <a:rPr lang="zh-TW" altLang="en-US" dirty="0" smtClean="0">
+                <a:latin typeface="Microsoft YaHei" panose="020B0503020204020204" pitchFamily="34" charset="-122"/>
+                <a:ea typeface="Microsoft YaHei" panose="020B0503020204020204" pitchFamily="34" charset="-122"/>
+              </a:rPr>
+              <a:t>負責：</a:t>
+            </a:r>
+            <a:r>
+              <a:rPr lang="zh-TW" altLang="en-US" dirty="0" smtClean="0">
+                <a:latin typeface="Microsoft YaHei" panose="020B0503020204020204" pitchFamily="34" charset="-122"/>
+                <a:ea typeface="Microsoft YaHei" panose="020B0503020204020204" pitchFamily="34" charset="-122"/>
+              </a:rPr>
+              <a:t>前</a:t>
+            </a:r>
+            <a:r>
+              <a:rPr lang="zh-TW" altLang="en-US" dirty="0">
+                <a:latin typeface="Microsoft YaHei" panose="020B0503020204020204" pitchFamily="34" charset="-122"/>
+                <a:ea typeface="Microsoft YaHei" panose="020B0503020204020204" pitchFamily="34" charset="-122"/>
+              </a:rPr>
+              <a:t>端</a:t>
+            </a:r>
+            <a:endParaRPr lang="en-US" altLang="zh-TW" dirty="0" smtClean="0">
+              <a:latin typeface="Microsoft YaHei" panose="020B0503020204020204" pitchFamily="34" charset="-122"/>
+              <a:ea typeface="Microsoft YaHei" panose="020B0503020204020204" pitchFamily="34" charset="-122"/>
+            </a:endParaRPr>
           </a:p>
           <a:p>
             <a:endParaRPr lang="en-US" altLang="zh-TW" dirty="0"/>
@@ -12899,8 +12941,8 @@
                 <a:solidFill>
                   <a:srgbClr val="000000"/>
                 </a:solidFill>
-                <a:latin typeface="微软雅黑" pitchFamily="34" charset="-122"/>
-                <a:ea typeface="微软雅黑" pitchFamily="34" charset="-122"/>
+                <a:latin typeface="Microsoft YaHei" panose="020B0503020204020204" pitchFamily="34" charset="-122"/>
+                <a:ea typeface="Microsoft YaHei" panose="020B0503020204020204" pitchFamily="34" charset="-122"/>
                 <a:sym typeface="微软雅黑" pitchFamily="34" charset="-122"/>
               </a:rPr>
               <a:t>王國倫</a:t>
@@ -12909,8 +12951,8 @@
               <a:solidFill>
                 <a:srgbClr val="000000"/>
               </a:solidFill>
-              <a:latin typeface="微软雅黑" pitchFamily="34" charset="-122"/>
-              <a:ea typeface="微软雅黑" pitchFamily="34" charset="-122"/>
+              <a:latin typeface="Microsoft YaHei" panose="020B0503020204020204" pitchFamily="34" charset="-122"/>
+              <a:ea typeface="Microsoft YaHei" panose="020B0503020204020204" pitchFamily="34" charset="-122"/>
               <a:sym typeface="微软雅黑" pitchFamily="34" charset="-122"/>
             </a:endParaRPr>
           </a:p>
@@ -12919,33 +12961,46 @@
               <a:solidFill>
                 <a:srgbClr val="000000"/>
               </a:solidFill>
-              <a:latin typeface="微软雅黑" pitchFamily="34" charset="-122"/>
-              <a:ea typeface="微软雅黑" pitchFamily="34" charset="-122"/>
+              <a:latin typeface="Microsoft YaHei" panose="020B0503020204020204" pitchFamily="34" charset="-122"/>
+              <a:ea typeface="Microsoft YaHei" panose="020B0503020204020204" pitchFamily="34" charset="-122"/>
               <a:sym typeface="微软雅黑" pitchFamily="34" charset="-122"/>
             </a:endParaRPr>
           </a:p>
           <a:p>
             <a:r>
-              <a:rPr lang="zh-TW" altLang="en-US" dirty="0"/>
+              <a:rPr lang="zh-TW" altLang="en-US" dirty="0">
+                <a:latin typeface="Microsoft YaHei" panose="020B0503020204020204" pitchFamily="34" charset="-122"/>
+                <a:ea typeface="Microsoft YaHei" panose="020B0503020204020204" pitchFamily="34" charset="-122"/>
+              </a:rPr>
               <a:t>我覺得自己很棒</a:t>
             </a:r>
             <a:r>
-              <a:rPr lang="en-US" altLang="zh-TW" dirty="0"/>
+              <a:rPr lang="en-US" altLang="zh-TW" dirty="0" smtClean="0">
+                <a:latin typeface="Microsoft YaHei" panose="020B0503020204020204" pitchFamily="34" charset="-122"/>
+                <a:ea typeface="Microsoft YaHei" panose="020B0503020204020204" pitchFamily="34" charset="-122"/>
+              </a:rPr>
               <a:t>!</a:t>
             </a:r>
           </a:p>
           <a:p>
-            <a:endParaRPr lang="zh-CN" altLang="en-US" b="1" dirty="0">
-              <a:solidFill>
-                <a:srgbClr val="000000"/>
-              </a:solidFill>
-              <a:latin typeface="微软雅黑" pitchFamily="34" charset="-122"/>
-              <a:ea typeface="微软雅黑" pitchFamily="34" charset="-122"/>
-              <a:sym typeface="微软雅黑" pitchFamily="34" charset="-122"/>
+            <a:endParaRPr lang="en-US" altLang="zh-TW" dirty="0">
+              <a:latin typeface="Microsoft YaHei" panose="020B0503020204020204" pitchFamily="34" charset="-122"/>
+              <a:ea typeface="Microsoft YaHei" panose="020B0503020204020204" pitchFamily="34" charset="-122"/>
             </a:endParaRPr>
           </a:p>
           <a:p>
-            <a:endParaRPr lang="zh-TW" altLang="en-US" dirty="0"/>
+            <a:r>
+              <a:rPr lang="zh-TW" altLang="en-US" dirty="0">
+                <a:latin typeface="Microsoft YaHei" panose="020B0503020204020204" pitchFamily="34" charset="-122"/>
+                <a:ea typeface="Microsoft YaHei" panose="020B0503020204020204" pitchFamily="34" charset="-122"/>
+                <a:sym typeface="微软雅黑" pitchFamily="34" charset="-122"/>
+              </a:rPr>
+              <a:t>負責：後端</a:t>
+            </a:r>
+            <a:endParaRPr lang="en-US" altLang="zh-TW" dirty="0">
+              <a:latin typeface="Microsoft YaHei" panose="020B0503020204020204" pitchFamily="34" charset="-122"/>
+              <a:ea typeface="Microsoft YaHei" panose="020B0503020204020204" pitchFamily="34" charset="-122"/>
+            </a:endParaRPr>
           </a:p>
         </p:txBody>
       </p:sp>
@@ -12958,7 +13013,7 @@
         <p:spPr>
           <a:xfrm>
             <a:off x="2538513" y="4065296"/>
-            <a:ext cx="2617076" cy="1477328"/>
+            <a:ext cx="2617076" cy="2031325"/>
           </a:xfrm>
           <a:prstGeom prst="rect">
             <a:avLst/>
@@ -12976,8 +13031,8 @@
                 <a:solidFill>
                   <a:srgbClr val="000000"/>
                 </a:solidFill>
-                <a:latin typeface="微软雅黑" pitchFamily="34" charset="-122"/>
-                <a:ea typeface="微软雅黑" pitchFamily="34" charset="-122"/>
+                <a:latin typeface="Microsoft YaHei" panose="020B0503020204020204" pitchFamily="34" charset="-122"/>
+                <a:ea typeface="Microsoft YaHei" panose="020B0503020204020204" pitchFamily="34" charset="-122"/>
                 <a:sym typeface="微软雅黑" pitchFamily="34" charset="-122"/>
               </a:rPr>
               <a:t>李偉誠</a:t>
@@ -12986,8 +13041,8 @@
               <a:solidFill>
                 <a:srgbClr val="000000"/>
               </a:solidFill>
-              <a:latin typeface="微软雅黑" pitchFamily="34" charset="-122"/>
-              <a:ea typeface="微软雅黑" pitchFamily="34" charset="-122"/>
+              <a:latin typeface="Microsoft YaHei" panose="020B0503020204020204" pitchFamily="34" charset="-122"/>
+              <a:ea typeface="Microsoft YaHei" panose="020B0503020204020204" pitchFamily="34" charset="-122"/>
               <a:sym typeface="微软雅黑" pitchFamily="34" charset="-122"/>
             </a:endParaRPr>
           </a:p>
@@ -12996,20 +13051,45 @@
               <a:solidFill>
                 <a:srgbClr val="000000"/>
               </a:solidFill>
-              <a:latin typeface="微软雅黑" pitchFamily="34" charset="-122"/>
-              <a:ea typeface="微软雅黑" pitchFamily="34" charset="-122"/>
+              <a:latin typeface="Microsoft YaHei" panose="020B0503020204020204" pitchFamily="34" charset="-122"/>
+              <a:ea typeface="Microsoft YaHei" panose="020B0503020204020204" pitchFamily="34" charset="-122"/>
               <a:sym typeface="微软雅黑" pitchFamily="34" charset="-122"/>
             </a:endParaRPr>
           </a:p>
           <a:p>
             <a:r>
-              <a:rPr lang="zh-TW" altLang="en-US" dirty="0"/>
+              <a:rPr lang="zh-TW" altLang="en-US" dirty="0">
+                <a:latin typeface="Microsoft YaHei" panose="020B0503020204020204" pitchFamily="34" charset="-122"/>
+                <a:ea typeface="Microsoft YaHei" panose="020B0503020204020204" pitchFamily="34" charset="-122"/>
+              </a:rPr>
               <a:t>我覺得自己很棒</a:t>
             </a:r>
             <a:r>
-              <a:rPr lang="en-US" altLang="zh-TW" dirty="0"/>
+              <a:rPr lang="en-US" altLang="zh-TW" dirty="0" smtClean="0">
+                <a:latin typeface="Microsoft YaHei" panose="020B0503020204020204" pitchFamily="34" charset="-122"/>
+                <a:ea typeface="Microsoft YaHei" panose="020B0503020204020204" pitchFamily="34" charset="-122"/>
+              </a:rPr>
               <a:t>!</a:t>
             </a:r>
+          </a:p>
+          <a:p>
+            <a:endParaRPr lang="en-US" altLang="zh-TW" dirty="0">
+              <a:latin typeface="Microsoft YaHei" panose="020B0503020204020204" pitchFamily="34" charset="-122"/>
+              <a:ea typeface="Microsoft YaHei" panose="020B0503020204020204" pitchFamily="34" charset="-122"/>
+            </a:endParaRPr>
+          </a:p>
+          <a:p>
+            <a:r>
+              <a:rPr lang="zh-TW" altLang="en-US" dirty="0" smtClean="0">
+                <a:latin typeface="Microsoft YaHei" panose="020B0503020204020204" pitchFamily="34" charset="-122"/>
+                <a:ea typeface="Microsoft YaHei" panose="020B0503020204020204" pitchFamily="34" charset="-122"/>
+              </a:rPr>
+              <a:t>負責：前端</a:t>
+            </a:r>
+            <a:endParaRPr lang="en-US" altLang="zh-TW" dirty="0">
+              <a:latin typeface="Microsoft YaHei" panose="020B0503020204020204" pitchFamily="34" charset="-122"/>
+              <a:ea typeface="Microsoft YaHei" panose="020B0503020204020204" pitchFamily="34" charset="-122"/>
+            </a:endParaRPr>
           </a:p>
           <a:p>
             <a:endParaRPr lang="zh-CN" altLang="en-US" b="1" dirty="0">
@@ -13034,8 +13114,8 @@
         </p:nvSpPr>
         <p:spPr>
           <a:xfrm>
-            <a:off x="8391321" y="1380750"/>
-            <a:ext cx="2617076" cy="1477328"/>
+            <a:off x="8391321" y="1391260"/>
+            <a:ext cx="2617076" cy="2308324"/>
           </a:xfrm>
           <a:prstGeom prst="rect">
             <a:avLst/>
@@ -13073,20 +13153,55 @@
               <a:solidFill>
                 <a:srgbClr val="000000"/>
               </a:solidFill>
-              <a:latin typeface="微软雅黑" pitchFamily="34" charset="-122"/>
-              <a:ea typeface="微软雅黑" pitchFamily="34" charset="-122"/>
+              <a:latin typeface="Microsoft YaHei" panose="020B0503020204020204" pitchFamily="34" charset="-122"/>
+              <a:ea typeface="Microsoft YaHei" panose="020B0503020204020204" pitchFamily="34" charset="-122"/>
               <a:sym typeface="微软雅黑" pitchFamily="34" charset="-122"/>
             </a:endParaRPr>
           </a:p>
           <a:p>
             <a:r>
-              <a:rPr lang="zh-TW" altLang="en-US" dirty="0"/>
+              <a:rPr lang="zh-TW" altLang="en-US" dirty="0">
+                <a:latin typeface="Microsoft YaHei" panose="020B0503020204020204" pitchFamily="34" charset="-122"/>
+                <a:ea typeface="Microsoft YaHei" panose="020B0503020204020204" pitchFamily="34" charset="-122"/>
+              </a:rPr>
               <a:t>我覺得自己很棒</a:t>
             </a:r>
             <a:r>
-              <a:rPr lang="en-US" altLang="zh-TW" dirty="0"/>
+              <a:rPr lang="en-US" altLang="zh-TW" dirty="0" smtClean="0">
+                <a:latin typeface="Microsoft YaHei" panose="020B0503020204020204" pitchFamily="34" charset="-122"/>
+                <a:ea typeface="Microsoft YaHei" panose="020B0503020204020204" pitchFamily="34" charset="-122"/>
+              </a:rPr>
               <a:t>!</a:t>
             </a:r>
+          </a:p>
+          <a:p>
+            <a:endParaRPr lang="en-US" altLang="zh-TW" dirty="0">
+              <a:latin typeface="Microsoft YaHei" panose="020B0503020204020204" pitchFamily="34" charset="-122"/>
+              <a:ea typeface="Microsoft YaHei" panose="020B0503020204020204" pitchFamily="34" charset="-122"/>
+            </a:endParaRPr>
+          </a:p>
+          <a:p>
+            <a:r>
+              <a:rPr lang="zh-TW" altLang="en-US" dirty="0">
+                <a:latin typeface="Microsoft YaHei" panose="020B0503020204020204" pitchFamily="34" charset="-122"/>
+                <a:ea typeface="Microsoft YaHei" panose="020B0503020204020204" pitchFamily="34" charset="-122"/>
+              </a:rPr>
+              <a:t>負責</a:t>
+            </a:r>
+            <a:r>
+              <a:rPr lang="zh-TW" altLang="en-US" dirty="0" smtClean="0">
+                <a:latin typeface="Microsoft YaHei" panose="020B0503020204020204" pitchFamily="34" charset="-122"/>
+                <a:ea typeface="Microsoft YaHei" panose="020B0503020204020204" pitchFamily="34" charset="-122"/>
+              </a:rPr>
+              <a:t>：後端</a:t>
+            </a:r>
+            <a:endParaRPr lang="en-US" altLang="zh-TW" dirty="0">
+              <a:latin typeface="Microsoft YaHei" panose="020B0503020204020204" pitchFamily="34" charset="-122"/>
+              <a:ea typeface="Microsoft YaHei" panose="020B0503020204020204" pitchFamily="34" charset="-122"/>
+            </a:endParaRPr>
+          </a:p>
+          <a:p>
+            <a:endParaRPr lang="en-US" altLang="zh-TW" dirty="0"/>
           </a:p>
           <a:p>
             <a:endParaRPr lang="en-US" altLang="zh-TW" dirty="0"/>
@@ -13100,45 +13215,6 @@
               <a:ea typeface="微软雅黑" pitchFamily="34" charset="-122"/>
               <a:sym typeface="微软雅黑" pitchFamily="34" charset="-122"/>
             </a:endParaRPr>
-          </a:p>
-        </p:txBody>
-      </p:sp>
-      <p:sp>
-        <p:nvSpPr>
-          <p:cNvPr id="27" name="文字方塊 26"/>
-          <p:cNvSpPr txBox="1"/>
-          <p:nvPr/>
-        </p:nvSpPr>
-        <p:spPr>
-          <a:xfrm>
-            <a:off x="2543503" y="1437710"/>
-            <a:ext cx="2617076" cy="646331"/>
-          </a:xfrm>
-          <a:prstGeom prst="rect">
-            <a:avLst/>
-          </a:prstGeom>
-          <a:noFill/>
-        </p:spPr>
-        <p:txBody>
-          <a:bodyPr wrap="square" rtlCol="0">
-            <a:spAutoFit/>
-          </a:bodyPr>
-          <a:lstStyle/>
-          <a:p>
-            <a:r>
-              <a:rPr lang="zh-CN" altLang="en-US" b="1" dirty="0">
-                <a:solidFill>
-                  <a:srgbClr val="000000"/>
-                </a:solidFill>
-                <a:latin typeface="微软雅黑" pitchFamily="34" charset="-122"/>
-                <a:ea typeface="微软雅黑" pitchFamily="34" charset="-122"/>
-                <a:sym typeface="微软雅黑" pitchFamily="34" charset="-122"/>
-              </a:rPr>
-              <a:t>吳冠儀</a:t>
-            </a:r>
-          </a:p>
-          <a:p>
-            <a:endParaRPr lang="zh-TW" altLang="en-US" dirty="0"/>
           </a:p>
         </p:txBody>
       </p:sp>
@@ -18974,7 +19050,7 @@
           <p:nvPr>
             <p:extLst>
               <p:ext uri="{D42A27DB-BD31-4B8C-83A1-F6EECF244321}">
-                <p14:modId xmlns:p14="http://schemas.microsoft.com/office/powerpoint/2010/main" val="705767797"/>
+                <p14:modId xmlns:p14="http://schemas.microsoft.com/office/powerpoint/2010/main" val="288891603"/>
               </p:ext>
             </p:extLst>
           </p:nvPr>
@@ -19040,14 +19116,18 @@
                     <a:lstStyle/>
                     <a:p>
                       <a:r>
-                        <a:rPr lang="en-US" altLang="zh-TW" sz="2000" dirty="0" smtClean="0"/>
+                        <a:rPr lang="en-US" altLang="zh-TW" sz="2000" dirty="0" smtClean="0">
+                          <a:latin typeface="Microsoft YaHei" panose="020B0503020204020204" pitchFamily="34" charset="-122"/>
+                          <a:ea typeface="Microsoft YaHei" panose="020B0503020204020204" pitchFamily="34" charset="-122"/>
+                        </a:rPr>
                         <a:t>0227</a:t>
                       </a:r>
                       <a:endParaRPr lang="zh-TW" altLang="en-US" sz="2000" b="0" dirty="0">
                         <a:solidFill>
                           <a:schemeClr val="tx1"/>
                         </a:solidFill>
-                        <a:latin typeface="+mj-lt"/>
+                        <a:latin typeface="Microsoft YaHei" panose="020B0503020204020204" pitchFamily="34" charset="-122"/>
+                        <a:ea typeface="Microsoft YaHei" panose="020B0503020204020204" pitchFamily="34" charset="-122"/>
                       </a:endParaRPr>
                     </a:p>
                   </a:txBody>
@@ -19060,15 +19140,18 @@
                     <a:p>
                       <a:pPr marL="0" algn="l" defTabSz="914400" rtl="0" eaLnBrk="1" latinLnBrk="0" hangingPunct="1"/>
                       <a:r>
-                        <a:rPr lang="en-US" altLang="zh-TW" sz="2000" kern="1200" dirty="0" smtClean="0"/>
+                        <a:rPr lang="en-US" altLang="zh-TW" sz="2000" kern="1200" dirty="0" smtClean="0">
+                          <a:latin typeface="Microsoft YaHei" panose="020B0503020204020204" pitchFamily="34" charset="-122"/>
+                          <a:ea typeface="Microsoft YaHei" panose="020B0503020204020204" pitchFamily="34" charset="-122"/>
+                        </a:rPr>
                         <a:t>0306</a:t>
                       </a:r>
                       <a:endParaRPr lang="zh-TW" altLang="en-US" sz="2000" b="0" kern="1200" dirty="0">
                         <a:solidFill>
                           <a:schemeClr val="tx1"/>
                         </a:solidFill>
-                        <a:latin typeface="+mj-lt"/>
-                        <a:ea typeface="+mn-ea"/>
+                        <a:latin typeface="Microsoft YaHei" panose="020B0503020204020204" pitchFamily="34" charset="-122"/>
+                        <a:ea typeface="Microsoft YaHei" panose="020B0503020204020204" pitchFamily="34" charset="-122"/>
                         <a:cs typeface="+mn-cs"/>
                       </a:endParaRPr>
                     </a:p>
@@ -19098,15 +19181,18 @@
                         <a:defRPr/>
                       </a:pPr>
                       <a:r>
-                        <a:rPr lang="en-US" altLang="zh-TW" sz="2000" kern="1200" dirty="0" smtClean="0"/>
+                        <a:rPr lang="en-US" altLang="zh-TW" sz="2000" kern="1200" dirty="0" smtClean="0">
+                          <a:latin typeface="Microsoft YaHei" panose="020B0503020204020204" pitchFamily="34" charset="-122"/>
+                          <a:ea typeface="Microsoft YaHei" panose="020B0503020204020204" pitchFamily="34" charset="-122"/>
+                        </a:rPr>
                         <a:t>0313</a:t>
                       </a:r>
                       <a:endParaRPr lang="zh-TW" altLang="en-US" sz="2000" b="0" kern="1200" dirty="0" smtClean="0">
                         <a:solidFill>
                           <a:schemeClr val="tx1"/>
                         </a:solidFill>
-                        <a:latin typeface="+mj-lt"/>
-                        <a:ea typeface="+mn-ea"/>
+                        <a:latin typeface="Microsoft YaHei" panose="020B0503020204020204" pitchFamily="34" charset="-122"/>
+                        <a:ea typeface="Microsoft YaHei" panose="020B0503020204020204" pitchFamily="34" charset="-122"/>
                         <a:cs typeface="+mn-cs"/>
                       </a:endParaRPr>
                     </a:p>
@@ -19136,10 +19222,16 @@
                         <a:defRPr/>
                       </a:pPr>
                       <a:r>
-                        <a:rPr lang="en-US" altLang="zh-TW" sz="2000" kern="1200" dirty="0" smtClean="0"/>
+                        <a:rPr lang="en-US" altLang="zh-TW" sz="2000" kern="1200" dirty="0" smtClean="0">
+                          <a:latin typeface="Microsoft YaHei" panose="020B0503020204020204" pitchFamily="34" charset="-122"/>
+                          <a:ea typeface="Microsoft YaHei" panose="020B0503020204020204" pitchFamily="34" charset="-122"/>
+                        </a:rPr>
                         <a:t>0322</a:t>
                       </a:r>
-                      <a:endParaRPr lang="zh-TW" altLang="en-US" sz="2000" kern="1200" dirty="0" smtClean="0"/>
+                      <a:endParaRPr lang="zh-TW" altLang="en-US" sz="2000" kern="1200" dirty="0" smtClean="0">
+                        <a:latin typeface="Microsoft YaHei" panose="020B0503020204020204" pitchFamily="34" charset="-122"/>
+                        <a:ea typeface="Microsoft YaHei" panose="020B0503020204020204" pitchFamily="34" charset="-122"/>
+                      </a:endParaRPr>
                     </a:p>
                     <a:p>
                       <a:pPr marL="0" algn="l" defTabSz="914400" rtl="0" eaLnBrk="1" latinLnBrk="0" hangingPunct="1"/>
@@ -19147,8 +19239,8 @@
                         <a:solidFill>
                           <a:schemeClr val="tx1"/>
                         </a:solidFill>
-                        <a:latin typeface="+mj-lt"/>
-                        <a:ea typeface="+mn-ea"/>
+                        <a:latin typeface="Microsoft YaHei" panose="020B0503020204020204" pitchFamily="34" charset="-122"/>
+                        <a:ea typeface="Microsoft YaHei" panose="020B0503020204020204" pitchFamily="34" charset="-122"/>
                         <a:cs typeface="+mn-cs"/>
                       </a:endParaRPr>
                     </a:p>
@@ -19178,10 +19270,16 @@
                         <a:defRPr/>
                       </a:pPr>
                       <a:r>
-                        <a:rPr lang="en-US" altLang="zh-TW" sz="2000" kern="1200" dirty="0" smtClean="0"/>
+                        <a:rPr lang="en-US" altLang="zh-TW" sz="2000" kern="1200" dirty="0" smtClean="0">
+                          <a:latin typeface="Microsoft YaHei" panose="020B0503020204020204" pitchFamily="34" charset="-122"/>
+                          <a:ea typeface="Microsoft YaHei" panose="020B0503020204020204" pitchFamily="34" charset="-122"/>
+                        </a:rPr>
                         <a:t>0327</a:t>
                       </a:r>
-                      <a:endParaRPr lang="zh-TW" altLang="en-US" sz="2000" kern="1200" dirty="0" smtClean="0"/>
+                      <a:endParaRPr lang="zh-TW" altLang="en-US" sz="2000" kern="1200" dirty="0" smtClean="0">
+                        <a:latin typeface="Microsoft YaHei" panose="020B0503020204020204" pitchFamily="34" charset="-122"/>
+                        <a:ea typeface="Microsoft YaHei" panose="020B0503020204020204" pitchFamily="34" charset="-122"/>
+                      </a:endParaRPr>
                     </a:p>
                     <a:p>
                       <a:pPr marL="0" algn="l" defTabSz="914400" rtl="0" eaLnBrk="1" latinLnBrk="0" hangingPunct="1"/>
@@ -19189,8 +19287,8 @@
                         <a:solidFill>
                           <a:schemeClr val="tx1"/>
                         </a:solidFill>
-                        <a:latin typeface="+mj-lt"/>
-                        <a:ea typeface="+mn-ea"/>
+                        <a:latin typeface="Microsoft YaHei" panose="020B0503020204020204" pitchFamily="34" charset="-122"/>
+                        <a:ea typeface="Microsoft YaHei" panose="020B0503020204020204" pitchFamily="34" charset="-122"/>
                         <a:cs typeface="+mn-cs"/>
                       </a:endParaRPr>
                     </a:p>
@@ -19220,15 +19318,18 @@
                         <a:defRPr/>
                       </a:pPr>
                       <a:r>
-                        <a:rPr lang="en-US" altLang="zh-TW" sz="2000" dirty="0" smtClean="0"/>
+                        <a:rPr lang="en-US" altLang="zh-TW" sz="2000" dirty="0" smtClean="0">
+                          <a:latin typeface="Microsoft YaHei" panose="020B0503020204020204" pitchFamily="34" charset="-122"/>
+                          <a:ea typeface="Microsoft YaHei" panose="020B0503020204020204" pitchFamily="34" charset="-122"/>
+                        </a:rPr>
                         <a:t>0413</a:t>
                       </a:r>
                       <a:endParaRPr lang="zh-TW" altLang="en-US" sz="2000" b="0" kern="1200" dirty="0">
                         <a:solidFill>
                           <a:schemeClr val="tx1"/>
                         </a:solidFill>
-                        <a:latin typeface="+mj-lt"/>
-                        <a:ea typeface="+mn-ea"/>
+                        <a:latin typeface="Microsoft YaHei" panose="020B0503020204020204" pitchFamily="34" charset="-122"/>
+                        <a:ea typeface="Microsoft YaHei" panose="020B0503020204020204" pitchFamily="34" charset="-122"/>
                         <a:cs typeface="+mn-cs"/>
                       </a:endParaRPr>
                     </a:p>
@@ -19249,14 +19350,18 @@
                     <a:p>
                       <a:pPr algn="dist"/>
                       <a:r>
-                        <a:rPr lang="zh-TW" altLang="en-US" sz="2000" dirty="0" smtClean="0"/>
+                        <a:rPr lang="zh-TW" altLang="en-US" sz="2000" dirty="0" smtClean="0">
+                          <a:latin typeface="Microsoft YaHei" panose="020B0503020204020204" pitchFamily="34" charset="-122"/>
+                          <a:ea typeface="Microsoft YaHei" panose="020B0503020204020204" pitchFamily="34" charset="-122"/>
+                        </a:rPr>
                         <a:t>討論主題</a:t>
                       </a:r>
                       <a:endParaRPr lang="zh-TW" altLang="en-US" sz="2000" b="0" dirty="0">
                         <a:solidFill>
                           <a:schemeClr val="tx1"/>
                         </a:solidFill>
-                        <a:latin typeface="+mj-lt"/>
+                        <a:latin typeface="Microsoft YaHei" panose="020B0503020204020204" pitchFamily="34" charset="-122"/>
+                        <a:ea typeface="Microsoft YaHei" panose="020B0503020204020204" pitchFamily="34" charset="-122"/>
                       </a:endParaRPr>
                     </a:p>
                   </a:txBody>
@@ -19269,15 +19374,18 @@
                     <a:p>
                       <a:pPr marL="0" algn="dist" defTabSz="914400" rtl="0" eaLnBrk="1" latinLnBrk="0" hangingPunct="1"/>
                       <a:r>
-                        <a:rPr lang="zh-TW" altLang="en-US" sz="2000" kern="1200" dirty="0" smtClean="0"/>
+                        <a:rPr lang="zh-TW" altLang="en-US" sz="2000" kern="1200" dirty="0" smtClean="0">
+                          <a:latin typeface="Microsoft YaHei" panose="020B0503020204020204" pitchFamily="34" charset="-122"/>
+                          <a:ea typeface="Microsoft YaHei" panose="020B0503020204020204" pitchFamily="34" charset="-122"/>
+                        </a:rPr>
                         <a:t>討論主題</a:t>
                       </a:r>
                       <a:endParaRPr lang="zh-TW" altLang="en-US" sz="2000" b="0" kern="1200" dirty="0">
                         <a:solidFill>
                           <a:schemeClr val="tx1"/>
                         </a:solidFill>
-                        <a:latin typeface="+mj-lt"/>
-                        <a:ea typeface="+mn-ea"/>
+                        <a:latin typeface="Microsoft YaHei" panose="020B0503020204020204" pitchFamily="34" charset="-122"/>
+                        <a:ea typeface="Microsoft YaHei" panose="020B0503020204020204" pitchFamily="34" charset="-122"/>
                         <a:cs typeface="+mn-cs"/>
                       </a:endParaRPr>
                     </a:p>
@@ -19307,15 +19415,18 @@
                         <a:defRPr/>
                       </a:pPr>
                       <a:r>
-                        <a:rPr lang="zh-TW" altLang="en-US" sz="2000" kern="1200" dirty="0" smtClean="0"/>
+                        <a:rPr lang="zh-TW" altLang="en-US" sz="2000" kern="1200" dirty="0" smtClean="0">
+                          <a:latin typeface="Microsoft YaHei" panose="020B0503020204020204" pitchFamily="34" charset="-122"/>
+                          <a:ea typeface="Microsoft YaHei" panose="020B0503020204020204" pitchFamily="34" charset="-122"/>
+                        </a:rPr>
                         <a:t>蒐集資料</a:t>
                       </a:r>
                       <a:endParaRPr lang="zh-TW" altLang="en-US" sz="2000" b="0" kern="1200" dirty="0" smtClean="0">
                         <a:solidFill>
                           <a:schemeClr val="tx1"/>
                         </a:solidFill>
-                        <a:latin typeface="+mj-lt"/>
-                        <a:ea typeface="+mn-ea"/>
+                        <a:latin typeface="Microsoft YaHei" panose="020B0503020204020204" pitchFamily="34" charset="-122"/>
+                        <a:ea typeface="Microsoft YaHei" panose="020B0503020204020204" pitchFamily="34" charset="-122"/>
                         <a:cs typeface="+mn-cs"/>
                       </a:endParaRPr>
                     </a:p>
@@ -19345,15 +19456,18 @@
                         <a:defRPr/>
                       </a:pPr>
                       <a:r>
-                        <a:rPr lang="zh-TW" altLang="en-US" sz="2000" kern="1200" dirty="0" smtClean="0"/>
+                        <a:rPr lang="zh-TW" altLang="en-US" sz="2000" kern="1200" dirty="0" smtClean="0">
+                          <a:latin typeface="Microsoft YaHei" panose="020B0503020204020204" pitchFamily="34" charset="-122"/>
+                          <a:ea typeface="Microsoft YaHei" panose="020B0503020204020204" pitchFamily="34" charset="-122"/>
+                        </a:rPr>
                         <a:t>決定主題</a:t>
                       </a:r>
                       <a:endParaRPr lang="zh-TW" altLang="en-US" sz="2000" b="0" kern="1200" dirty="0" smtClean="0">
                         <a:solidFill>
                           <a:schemeClr val="tx1"/>
                         </a:solidFill>
-                        <a:latin typeface="+mj-lt"/>
-                        <a:ea typeface="+mn-ea"/>
+                        <a:latin typeface="Microsoft YaHei" panose="020B0503020204020204" pitchFamily="34" charset="-122"/>
+                        <a:ea typeface="Microsoft YaHei" panose="020B0503020204020204" pitchFamily="34" charset="-122"/>
                         <a:cs typeface="+mn-cs"/>
                       </a:endParaRPr>
                     </a:p>
@@ -19383,15 +19497,18 @@
                         <a:defRPr/>
                       </a:pPr>
                       <a:r>
-                        <a:rPr lang="zh-TW" altLang="en-US" sz="2000" kern="1200" dirty="0" smtClean="0"/>
+                        <a:rPr lang="zh-TW" altLang="en-US" sz="2000" kern="1200" dirty="0" smtClean="0">
+                          <a:latin typeface="Microsoft YaHei" panose="020B0503020204020204" pitchFamily="34" charset="-122"/>
+                          <a:ea typeface="Microsoft YaHei" panose="020B0503020204020204" pitchFamily="34" charset="-122"/>
+                        </a:rPr>
                         <a:t>設計介面</a:t>
                       </a:r>
                       <a:endParaRPr lang="zh-TW" altLang="en-US" sz="2000" b="0" kern="1200" dirty="0" smtClean="0">
                         <a:solidFill>
                           <a:schemeClr val="tx1"/>
                         </a:solidFill>
-                        <a:latin typeface="+mj-lt"/>
-                        <a:ea typeface="+mn-ea"/>
+                        <a:latin typeface="Microsoft YaHei" panose="020B0503020204020204" pitchFamily="34" charset="-122"/>
+                        <a:ea typeface="Microsoft YaHei" panose="020B0503020204020204" pitchFamily="34" charset="-122"/>
                         <a:cs typeface="+mn-cs"/>
                       </a:endParaRPr>
                     </a:p>
@@ -19421,14 +19538,18 @@
                         <a:defRPr/>
                       </a:pPr>
                       <a:r>
-                        <a:rPr lang="zh-TW" altLang="en-US" sz="2000" dirty="0" smtClean="0"/>
+                        <a:rPr lang="zh-TW" altLang="en-US" sz="2000" dirty="0" smtClean="0">
+                          <a:latin typeface="Microsoft YaHei" panose="020B0503020204020204" pitchFamily="34" charset="-122"/>
+                          <a:ea typeface="Microsoft YaHei" panose="020B0503020204020204" pitchFamily="34" charset="-122"/>
+                        </a:rPr>
                         <a:t>製作前端</a:t>
                       </a:r>
                       <a:endParaRPr lang="zh-TW" altLang="en-US" sz="2000" b="0" dirty="0" smtClean="0">
                         <a:solidFill>
                           <a:schemeClr val="tx1"/>
                         </a:solidFill>
-                        <a:latin typeface="+mj-lt"/>
+                        <a:latin typeface="Microsoft YaHei" panose="020B0503020204020204" pitchFamily="34" charset="-122"/>
+                        <a:ea typeface="Microsoft YaHei" panose="020B0503020204020204" pitchFamily="34" charset="-122"/>
                       </a:endParaRPr>
                     </a:p>
                   </a:txBody>
@@ -19464,10 +19585,16 @@
                         <a:defRPr/>
                       </a:pPr>
                       <a:r>
-                        <a:rPr lang="en-US" altLang="zh-TW" sz="2000" kern="1200" dirty="0" smtClean="0"/>
+                        <a:rPr lang="en-US" altLang="zh-TW" sz="2000" kern="1200" dirty="0" smtClean="0">
+                          <a:latin typeface="Microsoft YaHei" panose="020B0503020204020204" pitchFamily="34" charset="-122"/>
+                          <a:ea typeface="Microsoft YaHei" panose="020B0503020204020204" pitchFamily="34" charset="-122"/>
+                        </a:rPr>
                         <a:t>0424</a:t>
                       </a:r>
-                      <a:endParaRPr lang="zh-TW" altLang="en-US" sz="2000" kern="1200" dirty="0" smtClean="0"/>
+                      <a:endParaRPr lang="zh-TW" altLang="en-US" sz="2000" kern="1200" dirty="0" smtClean="0">
+                        <a:latin typeface="Microsoft YaHei" panose="020B0503020204020204" pitchFamily="34" charset="-122"/>
+                        <a:ea typeface="Microsoft YaHei" panose="020B0503020204020204" pitchFamily="34" charset="-122"/>
+                      </a:endParaRPr>
                     </a:p>
                     <a:p>
                       <a:pPr algn="l"/>
@@ -19475,7 +19602,8 @@
                         <a:solidFill>
                           <a:schemeClr val="tx1"/>
                         </a:solidFill>
-                        <a:latin typeface="+mj-lt"/>
+                        <a:latin typeface="Microsoft YaHei" panose="020B0503020204020204" pitchFamily="34" charset="-122"/>
+                        <a:ea typeface="Microsoft YaHei" panose="020B0503020204020204" pitchFamily="34" charset="-122"/>
                       </a:endParaRPr>
                     </a:p>
                   </a:txBody>
@@ -19488,15 +19616,18 @@
                     <a:p>
                       <a:pPr marL="0" algn="l" defTabSz="914400" rtl="0" eaLnBrk="1" latinLnBrk="0" hangingPunct="1"/>
                       <a:r>
-                        <a:rPr lang="en-US" altLang="zh-TW" sz="2000" kern="1200" dirty="0" smtClean="0"/>
+                        <a:rPr lang="en-US" altLang="zh-TW" sz="2000" kern="1200" dirty="0" smtClean="0">
+                          <a:latin typeface="Microsoft YaHei" panose="020B0503020204020204" pitchFamily="34" charset="-122"/>
+                          <a:ea typeface="Microsoft YaHei" panose="020B0503020204020204" pitchFamily="34" charset="-122"/>
+                        </a:rPr>
                         <a:t>0501</a:t>
                       </a:r>
                       <a:endParaRPr lang="zh-TW" altLang="en-US" sz="2000" b="0" kern="1200" dirty="0">
                         <a:solidFill>
                           <a:schemeClr val="tx1"/>
                         </a:solidFill>
-                        <a:latin typeface="+mj-lt"/>
-                        <a:ea typeface="+mn-ea"/>
+                        <a:latin typeface="Microsoft YaHei" panose="020B0503020204020204" pitchFamily="34" charset="-122"/>
+                        <a:ea typeface="Microsoft YaHei" panose="020B0503020204020204" pitchFamily="34" charset="-122"/>
                         <a:cs typeface="+mn-cs"/>
                       </a:endParaRPr>
                     </a:p>
@@ -19510,15 +19641,18 @@
                     <a:p>
                       <a:pPr marL="0" algn="l" defTabSz="914400" rtl="0" eaLnBrk="1" latinLnBrk="0" hangingPunct="1"/>
                       <a:r>
-                        <a:rPr lang="en-US" altLang="zh-TW" sz="2000" kern="1200" dirty="0" smtClean="0"/>
+                        <a:rPr lang="en-US" altLang="zh-TW" sz="2000" kern="1200" dirty="0" smtClean="0">
+                          <a:latin typeface="Microsoft YaHei" panose="020B0503020204020204" pitchFamily="34" charset="-122"/>
+                          <a:ea typeface="Microsoft YaHei" panose="020B0503020204020204" pitchFamily="34" charset="-122"/>
+                        </a:rPr>
                         <a:t>0515</a:t>
                       </a:r>
                       <a:endParaRPr lang="zh-TW" altLang="en-US" sz="2000" b="0" kern="1200" dirty="0">
                         <a:solidFill>
                           <a:schemeClr val="tx1"/>
                         </a:solidFill>
-                        <a:latin typeface="+mj-lt"/>
-                        <a:ea typeface="+mn-ea"/>
+                        <a:latin typeface="Microsoft YaHei" panose="020B0503020204020204" pitchFamily="34" charset="-122"/>
+                        <a:ea typeface="Microsoft YaHei" panose="020B0503020204020204" pitchFamily="34" charset="-122"/>
                         <a:cs typeface="+mn-cs"/>
                       </a:endParaRPr>
                     </a:p>
@@ -19532,15 +19666,18 @@
                     <a:p>
                       <a:pPr marL="0" algn="l" defTabSz="914400" rtl="0" eaLnBrk="1" latinLnBrk="0" hangingPunct="1"/>
                       <a:r>
-                        <a:rPr lang="en-US" altLang="zh-TW" sz="2000" kern="1200" dirty="0" smtClean="0"/>
+                        <a:rPr lang="en-US" altLang="zh-TW" sz="2000" kern="1200" dirty="0" smtClean="0">
+                          <a:latin typeface="Microsoft YaHei" panose="020B0503020204020204" pitchFamily="34" charset="-122"/>
+                          <a:ea typeface="Microsoft YaHei" panose="020B0503020204020204" pitchFamily="34" charset="-122"/>
+                        </a:rPr>
                         <a:t>0522</a:t>
                       </a:r>
                       <a:endParaRPr lang="zh-TW" altLang="en-US" sz="2000" b="0" kern="1200" dirty="0">
                         <a:solidFill>
                           <a:schemeClr val="tx1"/>
                         </a:solidFill>
-                        <a:latin typeface="+mj-lt"/>
-                        <a:ea typeface="+mn-ea"/>
+                        <a:latin typeface="Microsoft YaHei" panose="020B0503020204020204" pitchFamily="34" charset="-122"/>
+                        <a:ea typeface="Microsoft YaHei" panose="020B0503020204020204" pitchFamily="34" charset="-122"/>
                         <a:cs typeface="+mn-cs"/>
                       </a:endParaRPr>
                     </a:p>
@@ -19554,15 +19691,18 @@
                     <a:p>
                       <a:pPr marL="0" algn="l" defTabSz="914400" rtl="0" eaLnBrk="1" latinLnBrk="0" hangingPunct="1"/>
                       <a:r>
-                        <a:rPr lang="en-US" altLang="zh-TW" sz="2000" kern="1200" dirty="0" smtClean="0"/>
+                        <a:rPr lang="en-US" altLang="zh-TW" sz="2000" kern="1200" dirty="0" smtClean="0">
+                          <a:latin typeface="Microsoft YaHei" panose="020B0503020204020204" pitchFamily="34" charset="-122"/>
+                          <a:ea typeface="Microsoft YaHei" panose="020B0503020204020204" pitchFamily="34" charset="-122"/>
+                        </a:rPr>
                         <a:t>0529</a:t>
                       </a:r>
                       <a:endParaRPr lang="zh-TW" altLang="en-US" sz="2000" b="0" kern="1200" dirty="0">
                         <a:solidFill>
                           <a:schemeClr val="tx1"/>
                         </a:solidFill>
-                        <a:latin typeface="+mj-lt"/>
-                        <a:ea typeface="+mn-ea"/>
+                        <a:latin typeface="Microsoft YaHei" panose="020B0503020204020204" pitchFamily="34" charset="-122"/>
+                        <a:ea typeface="Microsoft YaHei" panose="020B0503020204020204" pitchFamily="34" charset="-122"/>
                         <a:cs typeface="+mn-cs"/>
                       </a:endParaRPr>
                     </a:p>
@@ -19580,8 +19720,8 @@
                           <a:solidFill>
                             <a:schemeClr val="tx1"/>
                           </a:solidFill>
-                          <a:latin typeface="+mn-lt"/>
-                          <a:ea typeface="+mn-ea"/>
+                          <a:latin typeface="Microsoft YaHei" panose="020B0503020204020204" pitchFamily="34" charset="-122"/>
+                          <a:ea typeface="Microsoft YaHei" panose="020B0503020204020204" pitchFamily="34" charset="-122"/>
                           <a:cs typeface="+mn-cs"/>
                         </a:rPr>
                         <a:t>0601.0602</a:t>
@@ -19590,8 +19730,8 @@
                         <a:solidFill>
                           <a:schemeClr val="tx1"/>
                         </a:solidFill>
-                        <a:latin typeface="+mn-lt"/>
-                        <a:ea typeface="+mn-ea"/>
+                        <a:latin typeface="Microsoft YaHei" panose="020B0503020204020204" pitchFamily="34" charset="-122"/>
+                        <a:ea typeface="Microsoft YaHei" panose="020B0503020204020204" pitchFamily="34" charset="-122"/>
                         <a:cs typeface="+mn-cs"/>
                       </a:endParaRPr>
                     </a:p>
@@ -19628,15 +19768,18 @@
                         <a:defRPr/>
                       </a:pPr>
                       <a:r>
-                        <a:rPr lang="zh-TW" altLang="en-US" sz="2000" kern="1200" dirty="0" smtClean="0"/>
+                        <a:rPr lang="zh-TW" altLang="en-US" sz="2000" kern="1200" dirty="0" smtClean="0">
+                          <a:latin typeface="Microsoft YaHei" panose="020B0503020204020204" pitchFamily="34" charset="-122"/>
+                          <a:ea typeface="Microsoft YaHei" panose="020B0503020204020204" pitchFamily="34" charset="-122"/>
+                        </a:rPr>
                         <a:t>製作前端</a:t>
                       </a:r>
                       <a:endParaRPr lang="zh-TW" altLang="en-US" sz="2000" b="0" kern="1200" dirty="0" smtClean="0">
                         <a:solidFill>
                           <a:schemeClr val="tx1"/>
                         </a:solidFill>
-                        <a:latin typeface="+mj-lt"/>
-                        <a:ea typeface="+mn-ea"/>
+                        <a:latin typeface="Microsoft YaHei" panose="020B0503020204020204" pitchFamily="34" charset="-122"/>
+                        <a:ea typeface="Microsoft YaHei" panose="020B0503020204020204" pitchFamily="34" charset="-122"/>
                         <a:cs typeface="+mn-cs"/>
                       </a:endParaRPr>
                     </a:p>
@@ -19650,15 +19793,18 @@
                     <a:p>
                       <a:pPr marL="0" algn="dist" defTabSz="914400" rtl="0" eaLnBrk="1" latinLnBrk="0" hangingPunct="1"/>
                       <a:r>
-                        <a:rPr lang="zh-TW" altLang="en-US" sz="2000" kern="1200" dirty="0" smtClean="0"/>
+                        <a:rPr lang="zh-TW" altLang="en-US" sz="2000" kern="1200" dirty="0" smtClean="0">
+                          <a:latin typeface="Microsoft YaHei" panose="020B0503020204020204" pitchFamily="34" charset="-122"/>
+                          <a:ea typeface="Microsoft YaHei" panose="020B0503020204020204" pitchFamily="34" charset="-122"/>
+                        </a:rPr>
                         <a:t>製作後端</a:t>
                       </a:r>
                       <a:endParaRPr lang="zh-TW" altLang="en-US" sz="2000" b="0" kern="1200" dirty="0">
                         <a:solidFill>
                           <a:schemeClr val="tx1"/>
                         </a:solidFill>
-                        <a:latin typeface="+mj-lt"/>
-                        <a:ea typeface="+mn-ea"/>
+                        <a:latin typeface="Microsoft YaHei" panose="020B0503020204020204" pitchFamily="34" charset="-122"/>
+                        <a:ea typeface="Microsoft YaHei" panose="020B0503020204020204" pitchFamily="34" charset="-122"/>
                         <a:cs typeface="+mn-cs"/>
                       </a:endParaRPr>
                     </a:p>
@@ -19672,15 +19818,18 @@
                     <a:p>
                       <a:pPr marL="0" algn="dist" defTabSz="914400" rtl="0" eaLnBrk="1" latinLnBrk="0" hangingPunct="1"/>
                       <a:r>
-                        <a:rPr lang="zh-TW" altLang="en-US" sz="2000" kern="1200" dirty="0" smtClean="0"/>
+                        <a:rPr lang="zh-TW" altLang="en-US" sz="2000" kern="1200" dirty="0" smtClean="0">
+                          <a:latin typeface="Microsoft YaHei" panose="020B0503020204020204" pitchFamily="34" charset="-122"/>
+                          <a:ea typeface="Microsoft YaHei" panose="020B0503020204020204" pitchFamily="34" charset="-122"/>
+                        </a:rPr>
                         <a:t>製作後端</a:t>
                       </a:r>
                       <a:endParaRPr lang="zh-TW" altLang="en-US" sz="2000" b="0" kern="1200" dirty="0">
                         <a:solidFill>
                           <a:schemeClr val="tx1"/>
                         </a:solidFill>
-                        <a:latin typeface="+mj-lt"/>
-                        <a:ea typeface="+mn-ea"/>
+                        <a:latin typeface="Microsoft YaHei" panose="020B0503020204020204" pitchFamily="34" charset="-122"/>
+                        <a:ea typeface="Microsoft YaHei" panose="020B0503020204020204" pitchFamily="34" charset="-122"/>
                         <a:cs typeface="+mn-cs"/>
                       </a:endParaRPr>
                     </a:p>
@@ -19694,15 +19843,18 @@
                     <a:p>
                       <a:pPr marL="0" algn="dist" defTabSz="914400" rtl="0" eaLnBrk="1" latinLnBrk="0" hangingPunct="1"/>
                       <a:r>
-                        <a:rPr lang="zh-TW" altLang="en-US" sz="2000" kern="1200" dirty="0" smtClean="0"/>
+                        <a:rPr lang="zh-TW" altLang="en-US" sz="2000" kern="1200" dirty="0" smtClean="0">
+                          <a:latin typeface="Microsoft YaHei" panose="020B0503020204020204" pitchFamily="34" charset="-122"/>
+                          <a:ea typeface="Microsoft YaHei" panose="020B0503020204020204" pitchFamily="34" charset="-122"/>
+                        </a:rPr>
                         <a:t>優化介面、全端</a:t>
                       </a:r>
                       <a:endParaRPr lang="zh-TW" altLang="en-US" sz="2000" b="0" kern="1200" dirty="0">
                         <a:solidFill>
                           <a:schemeClr val="tx1"/>
                         </a:solidFill>
-                        <a:latin typeface="+mn-lt"/>
-                        <a:ea typeface="+mn-ea"/>
+                        <a:latin typeface="Microsoft YaHei" panose="020B0503020204020204" pitchFamily="34" charset="-122"/>
+                        <a:ea typeface="Microsoft YaHei" panose="020B0503020204020204" pitchFamily="34" charset="-122"/>
                         <a:cs typeface="+mn-cs"/>
                       </a:endParaRPr>
                     </a:p>
@@ -19716,15 +19868,18 @@
                     <a:p>
                       <a:pPr marL="0" algn="dist" defTabSz="914400" rtl="0" eaLnBrk="1" latinLnBrk="0" hangingPunct="1"/>
                       <a:r>
-                        <a:rPr lang="zh-TW" altLang="en-US" sz="2000" kern="1200" dirty="0" smtClean="0"/>
+                        <a:rPr lang="zh-TW" altLang="en-US" sz="2000" kern="1200" dirty="0" smtClean="0">
+                          <a:latin typeface="Microsoft YaHei" panose="020B0503020204020204" pitchFamily="34" charset="-122"/>
+                          <a:ea typeface="Microsoft YaHei" panose="020B0503020204020204" pitchFamily="34" charset="-122"/>
+                        </a:rPr>
                         <a:t>優化介面、全端</a:t>
                       </a:r>
                       <a:endParaRPr lang="zh-TW" altLang="en-US" sz="2000" b="0" kern="1200" dirty="0">
                         <a:solidFill>
                           <a:schemeClr val="tx1"/>
                         </a:solidFill>
-                        <a:latin typeface="+mn-lt"/>
-                        <a:ea typeface="+mn-ea"/>
+                        <a:latin typeface="Microsoft YaHei" panose="020B0503020204020204" pitchFamily="34" charset="-122"/>
+                        <a:ea typeface="Microsoft YaHei" panose="020B0503020204020204" pitchFamily="34" charset="-122"/>
                         <a:cs typeface="+mn-cs"/>
                       </a:endParaRPr>
                     </a:p>
@@ -19742,8 +19897,8 @@
                           <a:solidFill>
                             <a:schemeClr val="tx1"/>
                           </a:solidFill>
-                          <a:latin typeface="+mj-lt"/>
-                          <a:ea typeface="+mn-ea"/>
+                          <a:latin typeface="Microsoft YaHei" panose="020B0503020204020204" pitchFamily="34" charset="-122"/>
+                          <a:ea typeface="Microsoft YaHei" panose="020B0503020204020204" pitchFamily="34" charset="-122"/>
                           <a:cs typeface="+mn-cs"/>
                         </a:rPr>
                         <a:t>完成網站</a:t>
@@ -19752,8 +19907,8 @@
                         <a:solidFill>
                           <a:schemeClr val="tx1"/>
                         </a:solidFill>
-                        <a:latin typeface="+mj-lt"/>
-                        <a:ea typeface="+mn-ea"/>
+                        <a:latin typeface="Microsoft YaHei" panose="020B0503020204020204" pitchFamily="34" charset="-122"/>
+                        <a:ea typeface="Microsoft YaHei" panose="020B0503020204020204" pitchFamily="34" charset="-122"/>
                         <a:cs typeface="+mn-cs"/>
                       </a:endParaRPr>
                     </a:p>
@@ -19793,10 +19948,16 @@
           <a:lstStyle/>
           <a:p>
             <a:r>
-              <a:rPr lang="zh-TW" altLang="en-US" sz="2400" dirty="0" smtClean="0"/>
+              <a:rPr lang="zh-TW" altLang="en-US" sz="2400" dirty="0" smtClean="0">
+                <a:latin typeface="Microsoft YaHei" panose="020B0503020204020204" pitchFamily="34" charset="-122"/>
+                <a:ea typeface="Microsoft YaHei" panose="020B0503020204020204" pitchFamily="34" charset="-122"/>
+              </a:rPr>
               <a:t>我們每週三晚上都會在圖書館討論小間舉行會議</a:t>
             </a:r>
-            <a:endParaRPr lang="zh-TW" altLang="en-US" sz="2400" dirty="0"/>
+            <a:endParaRPr lang="zh-TW" altLang="en-US" sz="2400" dirty="0">
+              <a:latin typeface="Microsoft YaHei" panose="020B0503020204020204" pitchFamily="34" charset="-122"/>
+              <a:ea typeface="Microsoft YaHei" panose="020B0503020204020204" pitchFamily="34" charset="-122"/>
+            </a:endParaRPr>
           </a:p>
         </p:txBody>
       </p:sp>

--- a/網頁製作期末報告_team12.pptx
+++ b/網頁製作期末報告_team12.pptx
@@ -5,7 +5,7 @@
     <p:sldMasterId id="2147483648" r:id="rId1"/>
   </p:sldMasterIdLst>
   <p:notesMasterIdLst>
-    <p:notesMasterId r:id="rId18"/>
+    <p:notesMasterId r:id="rId19"/>
   </p:notesMasterIdLst>
   <p:sldIdLst>
     <p:sldId id="256" r:id="rId2"/>
@@ -23,7 +23,8 @@
     <p:sldId id="284" r:id="rId14"/>
     <p:sldId id="285" r:id="rId15"/>
     <p:sldId id="283" r:id="rId16"/>
-    <p:sldId id="278" r:id="rId17"/>
+    <p:sldId id="290" r:id="rId17"/>
+    <p:sldId id="278" r:id="rId18"/>
   </p:sldIdLst>
   <p:sldSz cx="12192000" cy="6858000"/>
   <p:notesSz cx="6858000" cy="9144000"/>
@@ -15353,6 +15354,999 @@
           <a:chExt cx="0" cy="0"/>
         </a:xfrm>
       </p:grpSpPr>
+      <p:sp>
+        <p:nvSpPr>
+          <p:cNvPr id="13339" name="矩形 109"/>
+          <p:cNvSpPr>
+            <a:spLocks noChangeArrowheads="1"/>
+          </p:cNvSpPr>
+          <p:nvPr/>
+        </p:nvSpPr>
+        <p:spPr bwMode="auto">
+          <a:xfrm>
+            <a:off x="0" y="314325"/>
+            <a:ext cx="228600" cy="685800"/>
+          </a:xfrm>
+          <a:prstGeom prst="rect">
+            <a:avLst/>
+          </a:prstGeom>
+          <a:solidFill>
+            <a:srgbClr val="595959"/>
+          </a:solidFill>
+          <a:ln>
+            <a:noFill/>
+          </a:ln>
+          <a:extLst>
+            <a:ext uri="{91240B29-F687-4F45-9708-019B960494DF}">
+              <a14:hiddenLine xmlns:a14="http://schemas.microsoft.com/office/drawing/2010/main" w="12700" cap="flat" cmpd="sng">
+                <a:solidFill>
+                  <a:srgbClr val="42719B"/>
+                </a:solidFill>
+                <a:bevel/>
+                <a:headEnd/>
+                <a:tailEnd/>
+              </a14:hiddenLine>
+            </a:ext>
+          </a:extLst>
+        </p:spPr>
+        <p:txBody>
+          <a:bodyPr anchor="ctr"/>
+          <a:lstStyle/>
+          <a:p>
+            <a:pPr marL="0" marR="0" lvl="0" indent="0" algn="ctr" defTabSz="914400" rtl="0" eaLnBrk="1" fontAlgn="base" latinLnBrk="0" hangingPunct="1">
+              <a:lnSpc>
+                <a:spcPct val="100000"/>
+              </a:lnSpc>
+              <a:spcBef>
+                <a:spcPct val="0"/>
+              </a:spcBef>
+              <a:spcAft>
+                <a:spcPct val="0"/>
+              </a:spcAft>
+              <a:buClrTx/>
+              <a:buSzTx/>
+              <a:buFont typeface="Arial" pitchFamily="34" charset="0"/>
+              <a:buNone/>
+              <a:tabLst/>
+              <a:defRPr/>
+            </a:pPr>
+            <a:endParaRPr kumimoji="0" lang="zh-CN" altLang="zh-CN" sz="1800" b="0" i="0" u="none" strike="noStrike" kern="1200" cap="none" spc="0" normalizeH="0" baseline="0" noProof="0">
+              <a:ln>
+                <a:noFill/>
+              </a:ln>
+              <a:solidFill>
+                <a:srgbClr val="FFFFFF"/>
+              </a:solidFill>
+              <a:effectLst/>
+              <a:uLnTx/>
+              <a:uFillTx/>
+              <a:latin typeface="宋体" pitchFamily="2" charset="-122"/>
+              <a:ea typeface="宋体" pitchFamily="2" charset="-122"/>
+              <a:cs typeface="+mn-cs"/>
+              <a:sym typeface="宋体" pitchFamily="2" charset="-122"/>
+            </a:endParaRPr>
+          </a:p>
+        </p:txBody>
+      </p:sp>
+      <p:sp>
+        <p:nvSpPr>
+          <p:cNvPr id="13340" name="文本框 110"/>
+          <p:cNvSpPr>
+            <a:spLocks noChangeArrowheads="1"/>
+          </p:cNvSpPr>
+          <p:nvPr/>
+        </p:nvSpPr>
+        <p:spPr bwMode="auto">
+          <a:xfrm>
+            <a:off x="320675" y="339725"/>
+            <a:ext cx="4644413" cy="646331"/>
+          </a:xfrm>
+          <a:prstGeom prst="rect">
+            <a:avLst/>
+          </a:prstGeom>
+          <a:noFill/>
+          <a:ln>
+            <a:noFill/>
+          </a:ln>
+          <a:extLst>
+            <a:ext uri="{909E8E84-426E-40DD-AFC4-6F175D3DCCD1}">
+              <a14:hiddenFill xmlns:a14="http://schemas.microsoft.com/office/drawing/2010/main">
+                <a:solidFill>
+                  <a:srgbClr val="FFFFFF"/>
+                </a:solidFill>
+              </a14:hiddenFill>
+            </a:ext>
+            <a:ext uri="{91240B29-F687-4F45-9708-019B960494DF}">
+              <a14:hiddenLine xmlns:a14="http://schemas.microsoft.com/office/drawing/2010/main" w="9525">
+                <a:solidFill>
+                  <a:srgbClr val="000000"/>
+                </a:solidFill>
+                <a:miter lim="800000"/>
+                <a:headEnd/>
+                <a:tailEnd/>
+              </a14:hiddenLine>
+            </a:ext>
+          </a:extLst>
+        </p:spPr>
+        <p:txBody>
+          <a:bodyPr wrap="none">
+            <a:spAutoFit/>
+          </a:bodyPr>
+          <a:lstStyle/>
+          <a:p>
+            <a:pPr marL="0" marR="0" lvl="0" indent="0" algn="l" defTabSz="914400" rtl="0" eaLnBrk="1" fontAlgn="base" latinLnBrk="0" hangingPunct="1">
+              <a:lnSpc>
+                <a:spcPct val="100000"/>
+              </a:lnSpc>
+              <a:spcBef>
+                <a:spcPct val="0"/>
+              </a:spcBef>
+              <a:spcAft>
+                <a:spcPct val="0"/>
+              </a:spcAft>
+              <a:buClrTx/>
+              <a:buSzTx/>
+              <a:buFont typeface="Arial" pitchFamily="34" charset="0"/>
+              <a:buNone/>
+              <a:tabLst/>
+              <a:defRPr/>
+            </a:pPr>
+            <a:r>
+              <a:rPr lang="zh-TW" altLang="en-US" sz="3600" b="1" dirty="0" smtClean="0">
+                <a:solidFill>
+                  <a:srgbClr val="000000"/>
+                </a:solidFill>
+                <a:latin typeface="微软雅黑" pitchFamily="34" charset="-122"/>
+                <a:ea typeface="微软雅黑" pitchFamily="34" charset="-122"/>
+                <a:sym typeface="微软雅黑" pitchFamily="34" charset="-122"/>
+              </a:rPr>
+              <a:t>未來展望 </a:t>
+            </a:r>
+            <a:r>
+              <a:rPr lang="en-US" altLang="zh-TW" sz="3600" b="1" dirty="0" smtClean="0">
+                <a:solidFill>
+                  <a:srgbClr val="000000"/>
+                </a:solidFill>
+                <a:latin typeface="微软雅黑" pitchFamily="34" charset="-122"/>
+                <a:ea typeface="微软雅黑" pitchFamily="34" charset="-122"/>
+                <a:sym typeface="微软雅黑" pitchFamily="34" charset="-122"/>
+              </a:rPr>
+              <a:t>Resolution</a:t>
+            </a:r>
+            <a:endParaRPr kumimoji="0" lang="zh-CN" altLang="en-US" sz="3600" b="1" i="0" u="none" strike="noStrike" kern="1200" cap="none" spc="0" normalizeH="0" baseline="0" noProof="0" dirty="0">
+              <a:ln>
+                <a:noFill/>
+              </a:ln>
+              <a:solidFill>
+                <a:srgbClr val="000000"/>
+              </a:solidFill>
+              <a:effectLst/>
+              <a:uLnTx/>
+              <a:uFillTx/>
+              <a:latin typeface="微软雅黑" pitchFamily="34" charset="-122"/>
+              <a:ea typeface="微软雅黑" pitchFamily="34" charset="-122"/>
+              <a:cs typeface="+mn-cs"/>
+              <a:sym typeface="微软雅黑" pitchFamily="34" charset="-122"/>
+            </a:endParaRPr>
+          </a:p>
+        </p:txBody>
+      </p:sp>
+      <p:sp>
+        <p:nvSpPr>
+          <p:cNvPr id="13" name="任意多边形 14"/>
+          <p:cNvSpPr>
+            <a:spLocks noChangeArrowheads="1"/>
+          </p:cNvSpPr>
+          <p:nvPr/>
+        </p:nvSpPr>
+        <p:spPr bwMode="auto">
+          <a:xfrm>
+            <a:off x="1051272" y="2753162"/>
+            <a:ext cx="1741585" cy="1001617"/>
+          </a:xfrm>
+          <a:custGeom>
+            <a:avLst/>
+            <a:gdLst>
+              <a:gd name="T0" fmla="*/ 200025 w 6072187"/>
+              <a:gd name="T1" fmla="*/ 700088 h 3271838"/>
+              <a:gd name="T2" fmla="*/ 3000375 w 6072187"/>
+              <a:gd name="T3" fmla="*/ 2286000 h 3271838"/>
+              <a:gd name="T4" fmla="*/ 4914900 w 6072187"/>
+              <a:gd name="T5" fmla="*/ 0 h 3271838"/>
+              <a:gd name="T6" fmla="*/ 6072187 w 6072187"/>
+              <a:gd name="T7" fmla="*/ 3171825 h 3271838"/>
+              <a:gd name="T8" fmla="*/ 3000375 w 6072187"/>
+              <a:gd name="T9" fmla="*/ 2343150 h 3271838"/>
+              <a:gd name="T10" fmla="*/ 0 w 6072187"/>
+              <a:gd name="T11" fmla="*/ 3271838 h 3271838"/>
+              <a:gd name="T12" fmla="*/ 200025 w 6072187"/>
+              <a:gd name="T13" fmla="*/ 700088 h 3271838"/>
+              <a:gd name="T14" fmla="*/ 0 60000 65536"/>
+              <a:gd name="T15" fmla="*/ 0 60000 65536"/>
+              <a:gd name="T16" fmla="*/ 0 60000 65536"/>
+              <a:gd name="T17" fmla="*/ 0 60000 65536"/>
+              <a:gd name="T18" fmla="*/ 0 60000 65536"/>
+              <a:gd name="T19" fmla="*/ 0 60000 65536"/>
+              <a:gd name="T20" fmla="*/ 0 60000 65536"/>
+              <a:gd name="T21" fmla="*/ 0 w 6072187"/>
+              <a:gd name="T22" fmla="*/ 0 h 3271838"/>
+              <a:gd name="T23" fmla="*/ 6072187 w 6072187"/>
+              <a:gd name="T24" fmla="*/ 3271838 h 3271838"/>
+            </a:gdLst>
+            <a:ahLst/>
+            <a:cxnLst>
+              <a:cxn ang="T14">
+                <a:pos x="T0" y="T1"/>
+              </a:cxn>
+              <a:cxn ang="T15">
+                <a:pos x="T2" y="T3"/>
+              </a:cxn>
+              <a:cxn ang="T16">
+                <a:pos x="T4" y="T5"/>
+              </a:cxn>
+              <a:cxn ang="T17">
+                <a:pos x="T6" y="T7"/>
+              </a:cxn>
+              <a:cxn ang="T18">
+                <a:pos x="T8" y="T9"/>
+              </a:cxn>
+              <a:cxn ang="T19">
+                <a:pos x="T10" y="T11"/>
+              </a:cxn>
+              <a:cxn ang="T20">
+                <a:pos x="T12" y="T13"/>
+              </a:cxn>
+            </a:cxnLst>
+            <a:rect l="T21" t="T22" r="T23" b="T24"/>
+            <a:pathLst>
+              <a:path w="6072187" h="3271838">
+                <a:moveTo>
+                  <a:pt x="200025" y="700088"/>
+                </a:moveTo>
+                <a:lnTo>
+                  <a:pt x="3000375" y="2286000"/>
+                </a:lnTo>
+                <a:lnTo>
+                  <a:pt x="4914900" y="0"/>
+                </a:lnTo>
+                <a:lnTo>
+                  <a:pt x="6072187" y="3171825"/>
+                </a:lnTo>
+                <a:lnTo>
+                  <a:pt x="3000375" y="2343150"/>
+                </a:lnTo>
+                <a:lnTo>
+                  <a:pt x="0" y="3271838"/>
+                </a:lnTo>
+                <a:lnTo>
+                  <a:pt x="200025" y="700088"/>
+                </a:lnTo>
+                <a:close/>
+              </a:path>
+            </a:pathLst>
+          </a:custGeom>
+          <a:noFill/>
+          <a:ln w="12700" cap="flat" cmpd="sng">
+            <a:solidFill>
+              <a:srgbClr val="BFBFBF">
+                <a:alpha val="79999"/>
+              </a:srgbClr>
+            </a:solidFill>
+            <a:bevel/>
+            <a:headEnd/>
+            <a:tailEnd/>
+          </a:ln>
+          <a:extLst>
+            <a:ext uri="{909E8E84-426E-40DD-AFC4-6F175D3DCCD1}">
+              <a14:hiddenFill xmlns:a14="http://schemas.microsoft.com/office/drawing/2010/main">
+                <a:solidFill>
+                  <a:srgbClr val="FFFFFF"/>
+                </a:solidFill>
+              </a14:hiddenFill>
+            </a:ext>
+          </a:extLst>
+        </p:spPr>
+        <p:txBody>
+          <a:bodyPr anchor="ctr"/>
+          <a:lstStyle/>
+          <a:p>
+            <a:pPr algn="ctr"/>
+            <a:endParaRPr lang="zh-CN" altLang="zh-CN">
+              <a:solidFill>
+                <a:srgbClr val="FFFFFF"/>
+              </a:solidFill>
+              <a:latin typeface="宋体" pitchFamily="2" charset="-122"/>
+              <a:sym typeface="宋体" pitchFamily="2" charset="-122"/>
+            </a:endParaRPr>
+          </a:p>
+        </p:txBody>
+      </p:sp>
+      <p:sp>
+        <p:nvSpPr>
+          <p:cNvPr id="14" name="椭圆 6"/>
+          <p:cNvSpPr>
+            <a:spLocks noChangeArrowheads="1"/>
+          </p:cNvSpPr>
+          <p:nvPr/>
+        </p:nvSpPr>
+        <p:spPr bwMode="auto">
+          <a:xfrm>
+            <a:off x="783774" y="3505418"/>
+            <a:ext cx="495384" cy="528266"/>
+          </a:xfrm>
+          <a:prstGeom prst="ellipse">
+            <a:avLst/>
+          </a:prstGeom>
+          <a:solidFill>
+            <a:srgbClr val="FFDD6C"/>
+          </a:solidFill>
+          <a:ln>
+            <a:noFill/>
+          </a:ln>
+          <a:extLst>
+            <a:ext uri="{91240B29-F687-4F45-9708-019B960494DF}">
+              <a14:hiddenLine xmlns:a14="http://schemas.microsoft.com/office/drawing/2010/main" w="12700" cap="flat" cmpd="sng">
+                <a:solidFill>
+                  <a:srgbClr val="42719B"/>
+                </a:solidFill>
+                <a:bevel/>
+                <a:headEnd/>
+                <a:tailEnd/>
+              </a14:hiddenLine>
+            </a:ext>
+          </a:extLst>
+        </p:spPr>
+        <p:txBody>
+          <a:bodyPr anchor="ctr"/>
+          <a:lstStyle/>
+          <a:p>
+            <a:pPr algn="ctr"/>
+            <a:endParaRPr lang="zh-CN" altLang="zh-CN">
+              <a:solidFill>
+                <a:srgbClr val="FFFFFF"/>
+              </a:solidFill>
+              <a:latin typeface="宋体" pitchFamily="2" charset="-122"/>
+              <a:sym typeface="宋体" pitchFamily="2" charset="-122"/>
+            </a:endParaRPr>
+          </a:p>
+        </p:txBody>
+      </p:sp>
+      <p:sp>
+        <p:nvSpPr>
+          <p:cNvPr id="15" name="椭圆 7"/>
+          <p:cNvSpPr>
+            <a:spLocks noChangeArrowheads="1"/>
+          </p:cNvSpPr>
+          <p:nvPr/>
+        </p:nvSpPr>
+        <p:spPr bwMode="auto">
+          <a:xfrm>
+            <a:off x="823386" y="2753162"/>
+            <a:ext cx="455772" cy="485986"/>
+          </a:xfrm>
+          <a:prstGeom prst="ellipse">
+            <a:avLst/>
+          </a:prstGeom>
+          <a:solidFill>
+            <a:srgbClr val="A37F67"/>
+          </a:solidFill>
+          <a:ln>
+            <a:noFill/>
+          </a:ln>
+          <a:extLst>
+            <a:ext uri="{91240B29-F687-4F45-9708-019B960494DF}">
+              <a14:hiddenLine xmlns:a14="http://schemas.microsoft.com/office/drawing/2010/main" w="12700" cap="flat" cmpd="sng">
+                <a:solidFill>
+                  <a:srgbClr val="42719B"/>
+                </a:solidFill>
+                <a:bevel/>
+                <a:headEnd/>
+                <a:tailEnd/>
+              </a14:hiddenLine>
+            </a:ext>
+          </a:extLst>
+        </p:spPr>
+        <p:txBody>
+          <a:bodyPr anchor="ctr"/>
+          <a:lstStyle/>
+          <a:p>
+            <a:pPr algn="ctr"/>
+            <a:endParaRPr lang="zh-CN" altLang="zh-CN">
+              <a:solidFill>
+                <a:srgbClr val="FFFFFF"/>
+              </a:solidFill>
+              <a:latin typeface="宋体" pitchFamily="2" charset="-122"/>
+              <a:sym typeface="宋体" pitchFamily="2" charset="-122"/>
+            </a:endParaRPr>
+          </a:p>
+        </p:txBody>
+      </p:sp>
+      <p:sp>
+        <p:nvSpPr>
+          <p:cNvPr id="16" name="椭圆 8"/>
+          <p:cNvSpPr>
+            <a:spLocks noChangeArrowheads="1"/>
+          </p:cNvSpPr>
+          <p:nvPr/>
+        </p:nvSpPr>
+        <p:spPr bwMode="auto">
+          <a:xfrm>
+            <a:off x="1507044" y="3050880"/>
+            <a:ext cx="712570" cy="761054"/>
+          </a:xfrm>
+          <a:prstGeom prst="ellipse">
+            <a:avLst/>
+          </a:prstGeom>
+          <a:solidFill>
+            <a:srgbClr val="A1BD70"/>
+          </a:solidFill>
+          <a:ln>
+            <a:noFill/>
+          </a:ln>
+          <a:extLst>
+            <a:ext uri="{91240B29-F687-4F45-9708-019B960494DF}">
+              <a14:hiddenLine xmlns:a14="http://schemas.microsoft.com/office/drawing/2010/main" w="12700" cap="flat" cmpd="sng">
+                <a:solidFill>
+                  <a:srgbClr val="42719B"/>
+                </a:solidFill>
+                <a:bevel/>
+                <a:headEnd/>
+                <a:tailEnd/>
+              </a14:hiddenLine>
+            </a:ext>
+          </a:extLst>
+        </p:spPr>
+        <p:txBody>
+          <a:bodyPr anchor="ctr"/>
+          <a:lstStyle/>
+          <a:p>
+            <a:pPr algn="ctr"/>
+            <a:endParaRPr lang="zh-CN" altLang="zh-CN">
+              <a:solidFill>
+                <a:srgbClr val="FFFFFF"/>
+              </a:solidFill>
+              <a:latin typeface="宋体" pitchFamily="2" charset="-122"/>
+              <a:sym typeface="宋体" pitchFamily="2" charset="-122"/>
+            </a:endParaRPr>
+          </a:p>
+        </p:txBody>
+      </p:sp>
+      <p:sp>
+        <p:nvSpPr>
+          <p:cNvPr id="18" name="椭圆 9"/>
+          <p:cNvSpPr>
+            <a:spLocks noChangeArrowheads="1"/>
+          </p:cNvSpPr>
+          <p:nvPr/>
+        </p:nvSpPr>
+        <p:spPr bwMode="auto">
+          <a:xfrm>
+            <a:off x="2223392" y="2403253"/>
+            <a:ext cx="553210" cy="590472"/>
+          </a:xfrm>
+          <a:prstGeom prst="ellipse">
+            <a:avLst/>
+          </a:prstGeom>
+          <a:solidFill>
+            <a:srgbClr val="F58D76"/>
+          </a:solidFill>
+          <a:ln>
+            <a:noFill/>
+          </a:ln>
+          <a:extLst>
+            <a:ext uri="{91240B29-F687-4F45-9708-019B960494DF}">
+              <a14:hiddenLine xmlns:a14="http://schemas.microsoft.com/office/drawing/2010/main" w="12700" cap="flat" cmpd="sng">
+                <a:solidFill>
+                  <a:srgbClr val="42719B"/>
+                </a:solidFill>
+                <a:bevel/>
+                <a:headEnd/>
+                <a:tailEnd/>
+              </a14:hiddenLine>
+            </a:ext>
+          </a:extLst>
+        </p:spPr>
+        <p:txBody>
+          <a:bodyPr anchor="ctr"/>
+          <a:lstStyle/>
+          <a:p>
+            <a:pPr algn="ctr"/>
+            <a:endParaRPr lang="zh-CN" altLang="zh-CN">
+              <a:solidFill>
+                <a:srgbClr val="FFFFFF"/>
+              </a:solidFill>
+              <a:latin typeface="宋体" pitchFamily="2" charset="-122"/>
+              <a:sym typeface="宋体" pitchFamily="2" charset="-122"/>
+            </a:endParaRPr>
+          </a:p>
+        </p:txBody>
+      </p:sp>
+      <p:sp>
+        <p:nvSpPr>
+          <p:cNvPr id="23" name="椭圆 10"/>
+          <p:cNvSpPr>
+            <a:spLocks noChangeArrowheads="1"/>
+          </p:cNvSpPr>
+          <p:nvPr/>
+        </p:nvSpPr>
+        <p:spPr bwMode="auto">
+          <a:xfrm>
+            <a:off x="2505689" y="3479723"/>
+            <a:ext cx="541826" cy="577837"/>
+          </a:xfrm>
+          <a:prstGeom prst="ellipse">
+            <a:avLst/>
+          </a:prstGeom>
+          <a:solidFill>
+            <a:srgbClr val="BCDFDD"/>
+          </a:solidFill>
+          <a:ln>
+            <a:noFill/>
+          </a:ln>
+          <a:extLst>
+            <a:ext uri="{91240B29-F687-4F45-9708-019B960494DF}">
+              <a14:hiddenLine xmlns:a14="http://schemas.microsoft.com/office/drawing/2010/main" w="12700" cap="flat" cmpd="sng">
+                <a:solidFill>
+                  <a:srgbClr val="42719B"/>
+                </a:solidFill>
+                <a:bevel/>
+                <a:headEnd/>
+                <a:tailEnd/>
+              </a14:hiddenLine>
+            </a:ext>
+          </a:extLst>
+        </p:spPr>
+        <p:txBody>
+          <a:bodyPr anchor="ctr"/>
+          <a:lstStyle/>
+          <a:p>
+            <a:pPr algn="ctr"/>
+            <a:endParaRPr lang="zh-CN" altLang="zh-CN">
+              <a:solidFill>
+                <a:srgbClr val="FFFFFF"/>
+              </a:solidFill>
+              <a:latin typeface="宋体" pitchFamily="2" charset="-122"/>
+              <a:sym typeface="宋体" pitchFamily="2" charset="-122"/>
+            </a:endParaRPr>
+          </a:p>
+        </p:txBody>
+      </p:sp>
+      <p:sp>
+        <p:nvSpPr>
+          <p:cNvPr id="27" name="椭圆 20"/>
+          <p:cNvSpPr>
+            <a:spLocks noChangeArrowheads="1"/>
+          </p:cNvSpPr>
+          <p:nvPr/>
+        </p:nvSpPr>
+        <p:spPr bwMode="auto">
+          <a:xfrm>
+            <a:off x="2219614" y="4104688"/>
+            <a:ext cx="170288" cy="181759"/>
+          </a:xfrm>
+          <a:prstGeom prst="ellipse">
+            <a:avLst/>
+          </a:prstGeom>
+          <a:solidFill>
+            <a:srgbClr val="A1BD70"/>
+          </a:solidFill>
+          <a:ln>
+            <a:noFill/>
+          </a:ln>
+          <a:extLst>
+            <a:ext uri="{91240B29-F687-4F45-9708-019B960494DF}">
+              <a14:hiddenLine xmlns:a14="http://schemas.microsoft.com/office/drawing/2010/main" w="12700" cap="flat" cmpd="sng">
+                <a:solidFill>
+                  <a:srgbClr val="42719B"/>
+                </a:solidFill>
+                <a:bevel/>
+                <a:headEnd/>
+                <a:tailEnd/>
+              </a14:hiddenLine>
+            </a:ext>
+          </a:extLst>
+        </p:spPr>
+        <p:txBody>
+          <a:bodyPr anchor="ctr"/>
+          <a:lstStyle/>
+          <a:p>
+            <a:pPr algn="ctr"/>
+            <a:endParaRPr lang="zh-CN" altLang="zh-CN">
+              <a:solidFill>
+                <a:srgbClr val="FFFFFF"/>
+              </a:solidFill>
+              <a:latin typeface="宋体" pitchFamily="2" charset="-122"/>
+              <a:sym typeface="宋体" pitchFamily="2" charset="-122"/>
+            </a:endParaRPr>
+          </a:p>
+        </p:txBody>
+      </p:sp>
+      <p:sp>
+        <p:nvSpPr>
+          <p:cNvPr id="28" name="椭圆 21"/>
+          <p:cNvSpPr>
+            <a:spLocks noChangeArrowheads="1"/>
+          </p:cNvSpPr>
+          <p:nvPr/>
+        </p:nvSpPr>
+        <p:spPr bwMode="auto">
+          <a:xfrm flipH="1">
+            <a:off x="469241" y="3337190"/>
+            <a:ext cx="173294" cy="194191"/>
+          </a:xfrm>
+          <a:prstGeom prst="ellipse">
+            <a:avLst/>
+          </a:prstGeom>
+          <a:solidFill>
+            <a:srgbClr val="A37F67"/>
+          </a:solidFill>
+          <a:ln w="12700" cap="flat" cmpd="sng">
+            <a:solidFill>
+              <a:srgbClr val="FDFDFD"/>
+            </a:solidFill>
+            <a:bevel/>
+            <a:headEnd/>
+            <a:tailEnd/>
+          </a:ln>
+        </p:spPr>
+        <p:txBody>
+          <a:bodyPr anchor="ctr"/>
+          <a:lstStyle/>
+          <a:p>
+            <a:pPr algn="ctr"/>
+            <a:endParaRPr lang="zh-CN" altLang="zh-CN" dirty="0">
+              <a:solidFill>
+                <a:srgbClr val="FFFFFF"/>
+              </a:solidFill>
+              <a:latin typeface="宋体" pitchFamily="2" charset="-122"/>
+              <a:sym typeface="宋体" pitchFamily="2" charset="-122"/>
+            </a:endParaRPr>
+          </a:p>
+        </p:txBody>
+      </p:sp>
+      <p:sp>
+        <p:nvSpPr>
+          <p:cNvPr id="29" name="椭圆 23"/>
+          <p:cNvSpPr>
+            <a:spLocks noChangeArrowheads="1"/>
+          </p:cNvSpPr>
+          <p:nvPr/>
+        </p:nvSpPr>
+        <p:spPr bwMode="auto">
+          <a:xfrm>
+            <a:off x="3177865" y="2698489"/>
+            <a:ext cx="227203" cy="242507"/>
+          </a:xfrm>
+          <a:prstGeom prst="ellipse">
+            <a:avLst/>
+          </a:prstGeom>
+          <a:solidFill>
+            <a:srgbClr val="FFDD6C"/>
+          </a:solidFill>
+          <a:ln>
+            <a:noFill/>
+          </a:ln>
+          <a:extLst>
+            <a:ext uri="{91240B29-F687-4F45-9708-019B960494DF}">
+              <a14:hiddenLine xmlns:a14="http://schemas.microsoft.com/office/drawing/2010/main" w="12700" cap="flat" cmpd="sng">
+                <a:solidFill>
+                  <a:srgbClr val="42719B"/>
+                </a:solidFill>
+                <a:bevel/>
+                <a:headEnd/>
+                <a:tailEnd/>
+              </a14:hiddenLine>
+            </a:ext>
+          </a:extLst>
+        </p:spPr>
+        <p:txBody>
+          <a:bodyPr anchor="ctr"/>
+          <a:lstStyle/>
+          <a:p>
+            <a:pPr algn="ctr"/>
+            <a:endParaRPr lang="zh-CN" altLang="zh-CN">
+              <a:solidFill>
+                <a:srgbClr val="FFFFFF"/>
+              </a:solidFill>
+              <a:latin typeface="宋体" pitchFamily="2" charset="-122"/>
+              <a:sym typeface="宋体" pitchFamily="2" charset="-122"/>
+            </a:endParaRPr>
+          </a:p>
+        </p:txBody>
+      </p:sp>
+      <p:sp>
+        <p:nvSpPr>
+          <p:cNvPr id="30" name="椭圆 25"/>
+          <p:cNvSpPr>
+            <a:spLocks noChangeArrowheads="1"/>
+          </p:cNvSpPr>
+          <p:nvPr/>
+        </p:nvSpPr>
+        <p:spPr bwMode="auto">
+          <a:xfrm>
+            <a:off x="3329941" y="3366679"/>
+            <a:ext cx="150254" cy="160861"/>
+          </a:xfrm>
+          <a:prstGeom prst="ellipse">
+            <a:avLst/>
+          </a:prstGeom>
+          <a:solidFill>
+            <a:srgbClr val="F58D76"/>
+          </a:solidFill>
+          <a:ln>
+            <a:noFill/>
+          </a:ln>
+          <a:extLst>
+            <a:ext uri="{91240B29-F687-4F45-9708-019B960494DF}">
+              <a14:hiddenLine xmlns:a14="http://schemas.microsoft.com/office/drawing/2010/main" w="12700" cap="flat" cmpd="sng">
+                <a:solidFill>
+                  <a:srgbClr val="42719B"/>
+                </a:solidFill>
+                <a:bevel/>
+                <a:headEnd/>
+                <a:tailEnd/>
+              </a14:hiddenLine>
+            </a:ext>
+          </a:extLst>
+        </p:spPr>
+        <p:txBody>
+          <a:bodyPr anchor="ctr"/>
+          <a:lstStyle/>
+          <a:p>
+            <a:pPr algn="ctr"/>
+            <a:endParaRPr lang="zh-CN" altLang="zh-CN">
+              <a:solidFill>
+                <a:srgbClr val="FFFFFF"/>
+              </a:solidFill>
+              <a:latin typeface="宋体" pitchFamily="2" charset="-122"/>
+              <a:sym typeface="宋体" pitchFamily="2" charset="-122"/>
+            </a:endParaRPr>
+          </a:p>
+        </p:txBody>
+      </p:sp>
+      <p:sp>
+        <p:nvSpPr>
+          <p:cNvPr id="31" name="椭圆 26"/>
+          <p:cNvSpPr>
+            <a:spLocks noChangeArrowheads="1"/>
+          </p:cNvSpPr>
+          <p:nvPr/>
+        </p:nvSpPr>
+        <p:spPr bwMode="auto">
+          <a:xfrm>
+            <a:off x="1507044" y="2687702"/>
+            <a:ext cx="208990" cy="223067"/>
+          </a:xfrm>
+          <a:prstGeom prst="ellipse">
+            <a:avLst/>
+          </a:prstGeom>
+          <a:solidFill>
+            <a:srgbClr val="BCDFDD"/>
+          </a:solidFill>
+          <a:ln w="12700" cap="flat" cmpd="sng">
+            <a:solidFill>
+              <a:srgbClr val="FDFDFD"/>
+            </a:solidFill>
+            <a:bevel/>
+            <a:headEnd/>
+            <a:tailEnd/>
+          </a:ln>
+        </p:spPr>
+        <p:txBody>
+          <a:bodyPr anchor="ctr"/>
+          <a:lstStyle/>
+          <a:p>
+            <a:pPr algn="ctr"/>
+            <a:endParaRPr lang="zh-CN" altLang="zh-CN">
+              <a:solidFill>
+                <a:srgbClr val="FFFFFF"/>
+              </a:solidFill>
+              <a:latin typeface="宋体" pitchFamily="2" charset="-122"/>
+              <a:sym typeface="宋体" pitchFamily="2" charset="-122"/>
+            </a:endParaRPr>
+          </a:p>
+        </p:txBody>
+      </p:sp>
+      <p:sp>
+        <p:nvSpPr>
+          <p:cNvPr id="32" name="TextBox 1">
+            <a:extLst>
+              <a:ext uri="{FF2B5EF4-FFF2-40B4-BE49-F238E27FC236}">
+                <a16:creationId xmlns:a16="http://schemas.microsoft.com/office/drawing/2014/main" id="{0B290823-3A14-624D-8E59-A6DD71C5F610}"/>
+              </a:ext>
+            </a:extLst>
+          </p:cNvPr>
+          <p:cNvSpPr txBox="1"/>
+          <p:nvPr/>
+        </p:nvSpPr>
+        <p:spPr>
+          <a:xfrm>
+            <a:off x="3942152" y="2245147"/>
+            <a:ext cx="8459557" cy="3046988"/>
+          </a:xfrm>
+          <a:prstGeom prst="rect">
+            <a:avLst/>
+          </a:prstGeom>
+          <a:noFill/>
+        </p:spPr>
+        <p:txBody>
+          <a:bodyPr wrap="square" rtlCol="0">
+            <a:spAutoFit/>
+          </a:bodyPr>
+          <a:lstStyle/>
+          <a:p>
+            <a:pPr marL="342900" indent="-342900">
+              <a:lnSpc>
+                <a:spcPct val="150000"/>
+              </a:lnSpc>
+              <a:buFont typeface="Arial" panose="020B0604020202020204" pitchFamily="34" charset="0"/>
+              <a:buChar char="•"/>
+            </a:pPr>
+            <a:r>
+              <a:rPr lang="zh-TW" altLang="en-US" sz="2400" b="1" dirty="0" smtClean="0">
+                <a:latin typeface="Microsoft YaHei" panose="020B0503020204020204" pitchFamily="34" charset="-122"/>
+                <a:ea typeface="Microsoft YaHei" panose="020B0503020204020204" pitchFamily="34" charset="-122"/>
+              </a:rPr>
+              <a:t>任務牆，為自己設下目標 </a:t>
+            </a:r>
+            <a:r>
+              <a:rPr lang="en-US" altLang="zh-TW" sz="2400" b="1" dirty="0" smtClean="0">
+                <a:latin typeface="Microsoft YaHei" panose="020B0503020204020204" pitchFamily="34" charset="-122"/>
+                <a:ea typeface="Microsoft YaHei" panose="020B0503020204020204" pitchFamily="34" charset="-122"/>
+              </a:rPr>
+              <a:t>Fighting!</a:t>
+            </a:r>
+            <a:endParaRPr lang="en-US" altLang="zh-TW" sz="2400" b="1" dirty="0" smtClean="0">
+              <a:latin typeface="Microsoft YaHei" panose="020B0503020204020204" pitchFamily="34" charset="-122"/>
+              <a:ea typeface="Microsoft YaHei" panose="020B0503020204020204" pitchFamily="34" charset="-122"/>
+            </a:endParaRPr>
+          </a:p>
+          <a:p>
+            <a:pPr marL="342900" indent="-342900">
+              <a:lnSpc>
+                <a:spcPct val="150000"/>
+              </a:lnSpc>
+              <a:buFont typeface="Arial" panose="020B0604020202020204" pitchFamily="34" charset="0"/>
+              <a:buChar char="•"/>
+            </a:pPr>
+            <a:r>
+              <a:rPr lang="zh-TW" altLang="en-US" sz="2400" b="1" dirty="0" smtClean="0">
+                <a:latin typeface="Microsoft YaHei" panose="020B0503020204020204" pitchFamily="34" charset="-122"/>
+                <a:ea typeface="Microsoft YaHei" panose="020B0503020204020204" pitchFamily="34" charset="-122"/>
+              </a:rPr>
+              <a:t>聊天介面，互動多更多</a:t>
+            </a:r>
+            <a:r>
+              <a:rPr lang="en-US" altLang="zh-TW" sz="2400" b="1" dirty="0" smtClean="0">
+                <a:latin typeface="Microsoft YaHei" panose="020B0503020204020204" pitchFamily="34" charset="-122"/>
+                <a:ea typeface="Microsoft YaHei" panose="020B0503020204020204" pitchFamily="34" charset="-122"/>
+              </a:rPr>
+              <a:t>:O</a:t>
+            </a:r>
+          </a:p>
+          <a:p>
+            <a:pPr marL="342900" indent="-342900">
+              <a:lnSpc>
+                <a:spcPct val="150000"/>
+              </a:lnSpc>
+              <a:buFont typeface="Arial" panose="020B0604020202020204" pitchFamily="34" charset="0"/>
+              <a:buChar char="•"/>
+            </a:pPr>
+            <a:r>
+              <a:rPr lang="zh-TW" altLang="en-US" sz="2400" b="1" dirty="0" smtClean="0">
+                <a:latin typeface="Microsoft YaHei" panose="020B0503020204020204" pitchFamily="34" charset="-122"/>
+                <a:ea typeface="Microsoft YaHei" panose="020B0503020204020204" pitchFamily="34" charset="-122"/>
+              </a:rPr>
+              <a:t>轉盤交友，機率力量大</a:t>
+            </a:r>
+            <a:r>
+              <a:rPr lang="en-US" altLang="zh-TW" sz="2400" b="1" dirty="0" smtClean="0">
+                <a:latin typeface="Microsoft YaHei" panose="020B0503020204020204" pitchFamily="34" charset="-122"/>
+                <a:ea typeface="Microsoft YaHei" panose="020B0503020204020204" pitchFamily="34" charset="-122"/>
+                <a:sym typeface="Wingdings" panose="05000000000000000000" pitchFamily="2" charset="2"/>
+              </a:rPr>
+              <a:t></a:t>
+            </a:r>
+            <a:endParaRPr lang="en-US" altLang="zh-TW" sz="2400" b="1" dirty="0" smtClean="0">
+              <a:latin typeface="Microsoft YaHei" panose="020B0503020204020204" pitchFamily="34" charset="-122"/>
+              <a:ea typeface="Microsoft YaHei" panose="020B0503020204020204" pitchFamily="34" charset="-122"/>
+            </a:endParaRPr>
+          </a:p>
+          <a:p>
+            <a:pPr marL="342900" indent="-342900">
+              <a:lnSpc>
+                <a:spcPct val="150000"/>
+              </a:lnSpc>
+              <a:buFont typeface="Arial" panose="020B0604020202020204" pitchFamily="34" charset="0"/>
+              <a:buChar char="•"/>
+            </a:pPr>
+            <a:r>
+              <a:rPr lang="zh-TW" altLang="en-US" sz="2400" b="1" dirty="0" smtClean="0">
+                <a:latin typeface="Microsoft YaHei" panose="020B0503020204020204" pitchFamily="34" charset="-122"/>
+                <a:ea typeface="Microsoft YaHei" panose="020B0503020204020204" pitchFamily="34" charset="-122"/>
+              </a:rPr>
+              <a:t>成為台科師大之間的橋</a:t>
+            </a:r>
+            <a:r>
+              <a:rPr lang="zh-TW" altLang="en-US" sz="2400" b="1" dirty="0">
+                <a:latin typeface="Microsoft YaHei" panose="020B0503020204020204" pitchFamily="34" charset="-122"/>
+                <a:ea typeface="Microsoft YaHei" panose="020B0503020204020204" pitchFamily="34" charset="-122"/>
+              </a:rPr>
+              <a:t>樑</a:t>
+            </a:r>
+            <a:endParaRPr lang="en-US" altLang="zh-TW" sz="2400" b="1" dirty="0" smtClean="0">
+              <a:latin typeface="Microsoft YaHei" panose="020B0503020204020204" pitchFamily="34" charset="-122"/>
+              <a:ea typeface="Microsoft YaHei" panose="020B0503020204020204" pitchFamily="34" charset="-122"/>
+            </a:endParaRPr>
+          </a:p>
+          <a:p>
+            <a:pPr marL="342900" indent="-342900">
+              <a:buFont typeface="Arial" panose="020B0604020202020204" pitchFamily="34" charset="0"/>
+              <a:buChar char="•"/>
+            </a:pPr>
+            <a:endParaRPr lang="en-US" altLang="zh-CN" sz="2400" b="1" dirty="0" smtClean="0">
+              <a:latin typeface="Microsoft YaHei" panose="020B0503020204020204" pitchFamily="34" charset="-122"/>
+              <a:ea typeface="Microsoft YaHei" panose="020B0503020204020204" pitchFamily="34" charset="-122"/>
+            </a:endParaRPr>
+          </a:p>
+          <a:p>
+            <a:pPr marL="342900" indent="-342900">
+              <a:buFont typeface="Arial" panose="020B0604020202020204" pitchFamily="34" charset="0"/>
+              <a:buChar char="•"/>
+            </a:pPr>
+            <a:endParaRPr lang="en-US" altLang="zh-CN" sz="2400" b="1" dirty="0">
+              <a:latin typeface="Microsoft YaHei" panose="020B0503020204020204" pitchFamily="34" charset="-122"/>
+              <a:ea typeface="Microsoft YaHei" panose="020B0503020204020204" pitchFamily="34" charset="-122"/>
+            </a:endParaRPr>
+          </a:p>
+        </p:txBody>
+      </p:sp>
+    </p:spTree>
+    <p:extLst>
+      <p:ext uri="{BB962C8B-B14F-4D97-AF65-F5344CB8AC3E}">
+        <p14:creationId xmlns:p14="http://schemas.microsoft.com/office/powerpoint/2010/main" val="206417151"/>
+      </p:ext>
+    </p:extLst>
+  </p:cSld>
+  <p:clrMapOvr>
+    <a:masterClrMapping/>
+  </p:clrMapOvr>
+  <p:transition spd="slow"/>
+  <p:timing>
+    <p:tnLst>
+      <p:par>
+        <p:cTn id="1" dur="indefinite" restart="never" nodeType="tmRoot"/>
+      </p:par>
+    </p:tnLst>
+  </p:timing>
+</p:sld>
+</file>
+
+<file path=ppt/slides/slide17.xml><?xml version="1.0" encoding="utf-8"?>
+<p:sld xmlns:a="http://schemas.openxmlformats.org/drawingml/2006/main" xmlns:r="http://schemas.openxmlformats.org/officeDocument/2006/relationships" xmlns:p="http://schemas.openxmlformats.org/presentationml/2006/main">
+  <p:cSld>
+    <p:bg bwMode="auto">
+      <p:bgPr>
+        <a:solidFill>
+          <a:srgbClr val="FFFBEF"/>
+        </a:solidFill>
+        <a:effectLst/>
+      </p:bgPr>
+    </p:bg>
+    <p:spTree>
+      <p:nvGrpSpPr>
+        <p:cNvPr id="1" name=""/>
+        <p:cNvGrpSpPr/>
+        <p:nvPr/>
+      </p:nvGrpSpPr>
+      <p:grpSpPr>
+        <a:xfrm>
+          <a:off x="0" y="0"/>
+          <a:ext cx="0" cy="0"/>
+          <a:chOff x="0" y="0"/>
+          <a:chExt cx="0" cy="0"/>
+        </a:xfrm>
+      </p:grpSpPr>
       <p:grpSp>
         <p:nvGrpSpPr>
           <p:cNvPr id="24578" name="组合 2"/>
@@ -18681,9 +19675,9 @@
         <p:grpSpPr bwMode="auto">
           <a:xfrm>
             <a:off x="8641923" y="4696878"/>
-            <a:ext cx="1800814" cy="461665"/>
+            <a:ext cx="1355884" cy="461665"/>
             <a:chOff x="-17677" y="1102014"/>
-            <a:chExt cx="1801019" cy="462120"/>
+            <a:chExt cx="1356038" cy="462120"/>
           </a:xfrm>
         </p:grpSpPr>
         <p:sp>
@@ -18697,7 +19691,7 @@
           <p:spPr bwMode="auto">
             <a:xfrm>
               <a:off x="-17677" y="1194438"/>
-              <a:ext cx="1801019" cy="369696"/>
+              <a:ext cx="1356038" cy="369696"/>
             </a:xfrm>
             <a:prstGeom prst="rect">
               <a:avLst/>
@@ -18741,7 +19735,7 @@
                   <a:ea typeface="微软雅黑" pitchFamily="34" charset="-122"/>
                   <a:sym typeface="微软雅黑" pitchFamily="34" charset="-122"/>
                 </a:rPr>
-                <a:t>Self Evaluation</a:t>
+                <a:t>Resolution</a:t>
               </a:r>
               <a:endParaRPr lang="zh-CN" altLang="en-US" dirty="0">
                 <a:solidFill>

--- a/網頁製作期末報告_team12.pptx
+++ b/網頁製作期末報告_team12.pptx
@@ -5,7 +5,7 @@
     <p:sldMasterId id="2147483648" r:id="rId1"/>
   </p:sldMasterIdLst>
   <p:notesMasterIdLst>
-    <p:notesMasterId r:id="rId19"/>
+    <p:notesMasterId r:id="rId20"/>
   </p:notesMasterIdLst>
   <p:sldIdLst>
     <p:sldId id="256" r:id="rId2"/>
@@ -22,9 +22,10 @@
     <p:sldId id="286" r:id="rId13"/>
     <p:sldId id="284" r:id="rId14"/>
     <p:sldId id="285" r:id="rId15"/>
-    <p:sldId id="283" r:id="rId16"/>
-    <p:sldId id="290" r:id="rId17"/>
-    <p:sldId id="278" r:id="rId18"/>
+    <p:sldId id="291" r:id="rId16"/>
+    <p:sldId id="283" r:id="rId17"/>
+    <p:sldId id="290" r:id="rId18"/>
+    <p:sldId id="278" r:id="rId19"/>
   </p:sldIdLst>
   <p:sldSz cx="12192000" cy="6858000"/>
   <p:notesSz cx="6858000" cy="9144000"/>
@@ -953,7 +954,7 @@
         <a:lstStyle/>
         <a:p>
           <a:r>
-            <a:rPr lang="zh-TW" altLang="en-US" sz="2000" dirty="0" smtClean="0">
+            <a:rPr lang="zh-TW" altLang="en-US" sz="2000" dirty="0">
               <a:solidFill>
                 <a:schemeClr val="accent1">
                   <a:lumMod val="75000"/>
@@ -964,15 +965,6 @@
             </a:rPr>
             <a:t>首頁</a:t>
           </a:r>
-          <a:endParaRPr lang="zh-TW" altLang="en-US" sz="2000" dirty="0">
-            <a:solidFill>
-              <a:schemeClr val="accent1">
-                <a:lumMod val="75000"/>
-              </a:schemeClr>
-            </a:solidFill>
-            <a:latin typeface="Microsoft YaHei" panose="020B0503020204020204" pitchFamily="34" charset="-122"/>
-            <a:ea typeface="Microsoft YaHei" panose="020B0503020204020204" pitchFamily="34" charset="-122"/>
-          </a:endParaRPr>
         </a:p>
       </dgm:t>
     </dgm:pt>
@@ -1013,7 +1005,7 @@
         <a:lstStyle/>
         <a:p>
           <a:r>
-            <a:rPr lang="zh-TW" altLang="en-US" sz="2000" dirty="0" smtClean="0">
+            <a:rPr lang="zh-TW" altLang="en-US" sz="2000" dirty="0">
               <a:solidFill>
                 <a:schemeClr val="accent1">
                   <a:lumMod val="75000"/>
@@ -1024,15 +1016,6 @@
             </a:rPr>
             <a:t>主頁面</a:t>
           </a:r>
-          <a:endParaRPr lang="zh-TW" altLang="en-US" sz="2000" dirty="0">
-            <a:solidFill>
-              <a:schemeClr val="accent1">
-                <a:lumMod val="75000"/>
-              </a:schemeClr>
-            </a:solidFill>
-            <a:latin typeface="Microsoft YaHei" panose="020B0503020204020204" pitchFamily="34" charset="-122"/>
-            <a:ea typeface="Microsoft YaHei" panose="020B0503020204020204" pitchFamily="34" charset="-122"/>
-          </a:endParaRPr>
         </a:p>
       </dgm:t>
     </dgm:pt>
@@ -1080,7 +1063,7 @@
         <a:lstStyle/>
         <a:p>
           <a:r>
-            <a:rPr lang="zh-TW" altLang="en-US" sz="2000" dirty="0" smtClean="0">
+            <a:rPr lang="zh-TW" altLang="en-US" sz="2000" dirty="0">
               <a:solidFill>
                 <a:schemeClr val="accent1">
                   <a:lumMod val="75000"/>
@@ -1091,15 +1074,6 @@
             </a:rPr>
             <a:t>轉盤</a:t>
           </a:r>
-          <a:endParaRPr lang="zh-TW" altLang="en-US" sz="2000" dirty="0">
-            <a:solidFill>
-              <a:schemeClr val="accent1">
-                <a:lumMod val="75000"/>
-              </a:schemeClr>
-            </a:solidFill>
-            <a:latin typeface="Microsoft YaHei" panose="020B0503020204020204" pitchFamily="34" charset="-122"/>
-            <a:ea typeface="Microsoft YaHei" panose="020B0503020204020204" pitchFamily="34" charset="-122"/>
-          </a:endParaRPr>
         </a:p>
       </dgm:t>
     </dgm:pt>
@@ -1147,7 +1121,7 @@
         <a:lstStyle/>
         <a:p>
           <a:r>
-            <a:rPr lang="zh-TW" altLang="en-US" sz="2000" dirty="0" smtClean="0">
+            <a:rPr lang="zh-TW" altLang="en-US" sz="2000" dirty="0">
               <a:solidFill>
                 <a:schemeClr val="accent1">
                   <a:lumMod val="75000"/>
@@ -1158,15 +1132,6 @@
             </a:rPr>
             <a:t>個人資料</a:t>
           </a:r>
-          <a:endParaRPr lang="zh-TW" altLang="en-US" sz="2000" dirty="0">
-            <a:solidFill>
-              <a:schemeClr val="accent1">
-                <a:lumMod val="75000"/>
-              </a:schemeClr>
-            </a:solidFill>
-            <a:latin typeface="Microsoft YaHei" panose="020B0503020204020204" pitchFamily="34" charset="-122"/>
-            <a:ea typeface="Microsoft YaHei" panose="020B0503020204020204" pitchFamily="34" charset="-122"/>
-          </a:endParaRPr>
         </a:p>
       </dgm:t>
     </dgm:pt>
@@ -1214,7 +1179,7 @@
         <a:lstStyle/>
         <a:p>
           <a:r>
-            <a:rPr lang="zh-TW" altLang="en-US" sz="2000" dirty="0" smtClean="0">
+            <a:rPr lang="zh-TW" altLang="en-US" sz="2000" dirty="0">
               <a:solidFill>
                 <a:schemeClr val="accent1">
                   <a:lumMod val="75000"/>
@@ -1225,15 +1190,6 @@
             </a:rPr>
             <a:t>遊戲</a:t>
           </a:r>
-          <a:endParaRPr lang="zh-TW" altLang="en-US" sz="2000" dirty="0">
-            <a:solidFill>
-              <a:schemeClr val="accent1">
-                <a:lumMod val="75000"/>
-              </a:schemeClr>
-            </a:solidFill>
-            <a:latin typeface="Microsoft YaHei" panose="020B0503020204020204" pitchFamily="34" charset="-122"/>
-            <a:ea typeface="Microsoft YaHei" panose="020B0503020204020204" pitchFamily="34" charset="-122"/>
-          </a:endParaRPr>
         </a:p>
       </dgm:t>
     </dgm:pt>
@@ -1281,7 +1237,7 @@
         <a:lstStyle/>
         <a:p>
           <a:r>
-            <a:rPr lang="zh-TW" altLang="en-US" sz="2000" dirty="0" smtClean="0">
+            <a:rPr lang="zh-TW" altLang="en-US" sz="2000" dirty="0">
               <a:solidFill>
                 <a:schemeClr val="accent1">
                   <a:lumMod val="75000"/>
@@ -1292,15 +1248,6 @@
             </a:rPr>
             <a:t>活動</a:t>
           </a:r>
-          <a:endParaRPr lang="zh-TW" altLang="en-US" sz="2000" dirty="0">
-            <a:solidFill>
-              <a:schemeClr val="accent1">
-                <a:lumMod val="75000"/>
-              </a:schemeClr>
-            </a:solidFill>
-            <a:latin typeface="Microsoft YaHei" panose="020B0503020204020204" pitchFamily="34" charset="-122"/>
-            <a:ea typeface="Microsoft YaHei" panose="020B0503020204020204" pitchFamily="34" charset="-122"/>
-          </a:endParaRPr>
         </a:p>
       </dgm:t>
     </dgm:pt>
@@ -1348,7 +1295,7 @@
         <a:lstStyle/>
         <a:p>
           <a:r>
-            <a:rPr lang="zh-TW" altLang="en-US" sz="2000" dirty="0" smtClean="0">
+            <a:rPr lang="zh-TW" altLang="en-US" sz="2000" dirty="0">
               <a:solidFill>
                 <a:schemeClr val="accent1">
                   <a:lumMod val="75000"/>
@@ -1359,15 +1306,6 @@
             </a:rPr>
             <a:t>尋人啟事</a:t>
           </a:r>
-          <a:endParaRPr lang="zh-TW" altLang="en-US" sz="2000" dirty="0">
-            <a:solidFill>
-              <a:schemeClr val="accent1">
-                <a:lumMod val="75000"/>
-              </a:schemeClr>
-            </a:solidFill>
-            <a:latin typeface="Microsoft YaHei" panose="020B0503020204020204" pitchFamily="34" charset="-122"/>
-            <a:ea typeface="Microsoft YaHei" panose="020B0503020204020204" pitchFamily="34" charset="-122"/>
-          </a:endParaRPr>
         </a:p>
       </dgm:t>
     </dgm:pt>
@@ -1415,7 +1353,7 @@
         <a:lstStyle/>
         <a:p>
           <a:r>
-            <a:rPr lang="zh-TW" altLang="en-US" sz="2000" dirty="0" smtClean="0">
+            <a:rPr lang="zh-TW" altLang="en-US" sz="2000" dirty="0">
               <a:solidFill>
                 <a:schemeClr val="accent1">
                   <a:lumMod val="75000"/>
@@ -1426,15 +1364,6 @@
             </a:rPr>
             <a:t>資料庫</a:t>
           </a:r>
-          <a:endParaRPr lang="zh-TW" altLang="en-US" sz="2000" dirty="0">
-            <a:solidFill>
-              <a:schemeClr val="accent1">
-                <a:lumMod val="75000"/>
-              </a:schemeClr>
-            </a:solidFill>
-            <a:latin typeface="Microsoft YaHei" panose="020B0503020204020204" pitchFamily="34" charset="-122"/>
-            <a:ea typeface="Microsoft YaHei" panose="020B0503020204020204" pitchFamily="34" charset="-122"/>
-          </a:endParaRPr>
         </a:p>
       </dgm:t>
     </dgm:pt>
@@ -1482,7 +1411,7 @@
         <a:lstStyle/>
         <a:p>
           <a:r>
-            <a:rPr lang="zh-TW" altLang="en-US" sz="2000" dirty="0" smtClean="0">
+            <a:rPr lang="zh-TW" altLang="en-US" sz="2000" dirty="0">
               <a:solidFill>
                 <a:schemeClr val="accent1">
                   <a:lumMod val="75000"/>
@@ -1493,15 +1422,6 @@
             </a:rPr>
             <a:t>遊戲介紹</a:t>
           </a:r>
-          <a:endParaRPr lang="zh-TW" altLang="en-US" sz="2000" dirty="0">
-            <a:solidFill>
-              <a:schemeClr val="accent1">
-                <a:lumMod val="75000"/>
-              </a:schemeClr>
-            </a:solidFill>
-            <a:latin typeface="Microsoft YaHei" panose="020B0503020204020204" pitchFamily="34" charset="-122"/>
-            <a:ea typeface="Microsoft YaHei" panose="020B0503020204020204" pitchFamily="34" charset="-122"/>
-          </a:endParaRPr>
         </a:p>
       </dgm:t>
     </dgm:pt>
@@ -1549,7 +1469,7 @@
         <a:lstStyle/>
         <a:p>
           <a:r>
-            <a:rPr lang="zh-TW" altLang="en-US" sz="2000" dirty="0" smtClean="0">
+            <a:rPr lang="zh-TW" altLang="en-US" sz="2000" dirty="0">
               <a:solidFill>
                 <a:schemeClr val="accent1">
                   <a:lumMod val="75000"/>
@@ -1560,15 +1480,6 @@
             </a:rPr>
             <a:t>外部連結</a:t>
           </a:r>
-          <a:endParaRPr lang="zh-TW" altLang="en-US" sz="2000" dirty="0">
-            <a:solidFill>
-              <a:schemeClr val="accent1">
-                <a:lumMod val="75000"/>
-              </a:schemeClr>
-            </a:solidFill>
-            <a:latin typeface="Microsoft YaHei" panose="020B0503020204020204" pitchFamily="34" charset="-122"/>
-            <a:ea typeface="Microsoft YaHei" panose="020B0503020204020204" pitchFamily="34" charset="-122"/>
-          </a:endParaRPr>
         </a:p>
       </dgm:t>
     </dgm:pt>
@@ -1616,7 +1527,7 @@
         <a:lstStyle/>
         <a:p>
           <a:r>
-            <a:rPr lang="zh-TW" altLang="en-US" sz="2000" dirty="0" smtClean="0">
+            <a:rPr lang="zh-TW" altLang="en-US" sz="2000" dirty="0">
               <a:solidFill>
                 <a:schemeClr val="accent1">
                   <a:lumMod val="75000"/>
@@ -1627,15 +1538,6 @@
             </a:rPr>
             <a:t>報名</a:t>
           </a:r>
-          <a:endParaRPr lang="zh-TW" altLang="en-US" sz="2000" dirty="0">
-            <a:solidFill>
-              <a:schemeClr val="accent1">
-                <a:lumMod val="75000"/>
-              </a:schemeClr>
-            </a:solidFill>
-            <a:latin typeface="Microsoft YaHei" panose="020B0503020204020204" pitchFamily="34" charset="-122"/>
-            <a:ea typeface="Microsoft YaHei" panose="020B0503020204020204" pitchFamily="34" charset="-122"/>
-          </a:endParaRPr>
         </a:p>
       </dgm:t>
     </dgm:pt>
@@ -1683,7 +1585,7 @@
         <a:lstStyle/>
         <a:p>
           <a:r>
-            <a:rPr lang="zh-TW" altLang="en-US" sz="2000" dirty="0" smtClean="0">
+            <a:rPr lang="zh-TW" altLang="en-US" sz="2000" dirty="0">
               <a:solidFill>
                 <a:schemeClr val="accent1">
                   <a:lumMod val="75000"/>
@@ -1695,7 +1597,7 @@
             <a:t>報名成功</a:t>
           </a:r>
           <a:r>
-            <a:rPr lang="en-US" altLang="zh-TW" sz="2000" dirty="0" smtClean="0">
+            <a:rPr lang="en-US" altLang="zh-TW" sz="2000" dirty="0">
               <a:solidFill>
                 <a:schemeClr val="accent1">
                   <a:lumMod val="75000"/>
@@ -1707,7 +1609,7 @@
             <a:t>/</a:t>
           </a:r>
           <a:r>
-            <a:rPr lang="zh-TW" altLang="en-US" sz="2000" dirty="0" smtClean="0">
+            <a:rPr lang="zh-TW" altLang="en-US" sz="2000" dirty="0">
               <a:solidFill>
                 <a:schemeClr val="accent1">
                   <a:lumMod val="75000"/>
@@ -1718,15 +1620,6 @@
             </a:rPr>
             <a:t>額滿</a:t>
           </a:r>
-          <a:endParaRPr lang="zh-TW" altLang="en-US" sz="2000" dirty="0">
-            <a:solidFill>
-              <a:schemeClr val="accent1">
-                <a:lumMod val="75000"/>
-              </a:schemeClr>
-            </a:solidFill>
-            <a:latin typeface="Microsoft YaHei" panose="020B0503020204020204" pitchFamily="34" charset="-122"/>
-            <a:ea typeface="Microsoft YaHei" panose="020B0503020204020204" pitchFamily="34" charset="-122"/>
-          </a:endParaRPr>
         </a:p>
       </dgm:t>
     </dgm:pt>
@@ -1774,7 +1667,7 @@
         <a:lstStyle/>
         <a:p>
           <a:r>
-            <a:rPr lang="zh-TW" altLang="en-US" sz="2000" dirty="0" smtClean="0">
+            <a:rPr lang="zh-TW" altLang="en-US" sz="2000" dirty="0">
               <a:solidFill>
                 <a:schemeClr val="accent1">
                   <a:lumMod val="75000"/>
@@ -1785,15 +1678,6 @@
             </a:rPr>
             <a:t>最新消息</a:t>
           </a:r>
-          <a:endParaRPr lang="zh-TW" altLang="en-US" sz="2000" dirty="0">
-            <a:solidFill>
-              <a:schemeClr val="accent1">
-                <a:lumMod val="75000"/>
-              </a:schemeClr>
-            </a:solidFill>
-            <a:latin typeface="Microsoft YaHei" panose="020B0503020204020204" pitchFamily="34" charset="-122"/>
-            <a:ea typeface="Microsoft YaHei" panose="020B0503020204020204" pitchFamily="34" charset="-122"/>
-          </a:endParaRPr>
         </a:p>
       </dgm:t>
     </dgm:pt>
@@ -1841,7 +1725,7 @@
         <a:lstStyle/>
         <a:p>
           <a:r>
-            <a:rPr lang="zh-TW" altLang="en-US" sz="2000" dirty="0" smtClean="0">
+            <a:rPr lang="zh-TW" altLang="en-US" sz="2000" dirty="0">
               <a:solidFill>
                 <a:schemeClr val="accent1">
                   <a:lumMod val="75000"/>
@@ -1852,15 +1736,6 @@
             </a:rPr>
             <a:t>看板娘</a:t>
           </a:r>
-          <a:endParaRPr lang="zh-TW" altLang="en-US" sz="2000" dirty="0">
-            <a:solidFill>
-              <a:schemeClr val="accent1">
-                <a:lumMod val="75000"/>
-              </a:schemeClr>
-            </a:solidFill>
-            <a:latin typeface="Microsoft YaHei" panose="020B0503020204020204" pitchFamily="34" charset="-122"/>
-            <a:ea typeface="Microsoft YaHei" panose="020B0503020204020204" pitchFamily="34" charset="-122"/>
-          </a:endParaRPr>
         </a:p>
       </dgm:t>
     </dgm:pt>
@@ -1908,7 +1783,7 @@
         <a:lstStyle/>
         <a:p>
           <a:r>
-            <a:rPr lang="zh-TW" altLang="en-US" sz="2000" dirty="0" smtClean="0">
+            <a:rPr lang="zh-TW" altLang="en-US" sz="2000" dirty="0">
               <a:solidFill>
                 <a:schemeClr val="accent1">
                   <a:lumMod val="75000"/>
@@ -1919,15 +1794,6 @@
             </a:rPr>
             <a:t>公告</a:t>
           </a:r>
-          <a:endParaRPr lang="zh-TW" altLang="en-US" sz="2000" dirty="0">
-            <a:solidFill>
-              <a:schemeClr val="accent1">
-                <a:lumMod val="75000"/>
-              </a:schemeClr>
-            </a:solidFill>
-            <a:latin typeface="Microsoft YaHei" panose="020B0503020204020204" pitchFamily="34" charset="-122"/>
-            <a:ea typeface="Microsoft YaHei" panose="020B0503020204020204" pitchFamily="34" charset="-122"/>
-          </a:endParaRPr>
         </a:p>
       </dgm:t>
     </dgm:pt>
@@ -1975,7 +1841,7 @@
         <a:lstStyle/>
         <a:p>
           <a:r>
-            <a:rPr lang="zh-TW" altLang="en-US" sz="2000" dirty="0" smtClean="0">
+            <a:rPr lang="zh-TW" altLang="en-US" sz="2000" dirty="0">
               <a:solidFill>
                 <a:schemeClr val="accent1">
                   <a:lumMod val="75000"/>
@@ -1986,15 +1852,6 @@
             </a:rPr>
             <a:t>結果</a:t>
           </a:r>
-          <a:endParaRPr lang="zh-TW" altLang="en-US" sz="2000" dirty="0">
-            <a:solidFill>
-              <a:schemeClr val="accent1">
-                <a:lumMod val="75000"/>
-              </a:schemeClr>
-            </a:solidFill>
-            <a:latin typeface="Microsoft YaHei" panose="020B0503020204020204" pitchFamily="34" charset="-122"/>
-            <a:ea typeface="Microsoft YaHei" panose="020B0503020204020204" pitchFamily="34" charset="-122"/>
-          </a:endParaRPr>
         </a:p>
       </dgm:t>
     </dgm:pt>
@@ -2042,7 +1899,7 @@
         <a:lstStyle/>
         <a:p>
           <a:r>
-            <a:rPr lang="zh-TW" altLang="en-US" sz="2000" dirty="0" smtClean="0">
+            <a:rPr lang="zh-TW" altLang="en-US" sz="2000" dirty="0">
               <a:solidFill>
                 <a:schemeClr val="accent1">
                   <a:lumMod val="75000"/>
@@ -2053,15 +1910,6 @@
             </a:rPr>
             <a:t>最新消息</a:t>
           </a:r>
-          <a:endParaRPr lang="zh-TW" altLang="en-US" sz="2000" dirty="0">
-            <a:solidFill>
-              <a:schemeClr val="accent1">
-                <a:lumMod val="75000"/>
-              </a:schemeClr>
-            </a:solidFill>
-            <a:latin typeface="Microsoft YaHei" panose="020B0503020204020204" pitchFamily="34" charset="-122"/>
-            <a:ea typeface="Microsoft YaHei" panose="020B0503020204020204" pitchFamily="34" charset="-122"/>
-          </a:endParaRPr>
         </a:p>
       </dgm:t>
     </dgm:pt>
@@ -2109,7 +1957,7 @@
         <a:lstStyle/>
         <a:p>
           <a:r>
-            <a:rPr lang="zh-TW" altLang="en-US" sz="2000" dirty="0" smtClean="0">
+            <a:rPr lang="zh-TW" altLang="en-US" sz="2000" dirty="0">
               <a:solidFill>
                 <a:schemeClr val="accent1">
                   <a:lumMod val="75000"/>
@@ -2120,15 +1968,6 @@
             </a:rPr>
             <a:t>報失蹤</a:t>
           </a:r>
-          <a:endParaRPr lang="zh-TW" altLang="en-US" sz="2000" dirty="0">
-            <a:solidFill>
-              <a:schemeClr val="accent1">
-                <a:lumMod val="75000"/>
-              </a:schemeClr>
-            </a:solidFill>
-            <a:latin typeface="Microsoft YaHei" panose="020B0503020204020204" pitchFamily="34" charset="-122"/>
-            <a:ea typeface="Microsoft YaHei" panose="020B0503020204020204" pitchFamily="34" charset="-122"/>
-          </a:endParaRPr>
         </a:p>
       </dgm:t>
     </dgm:pt>
@@ -2173,13 +2012,6 @@
         </dgm:presLayoutVars>
       </dgm:prSet>
       <dgm:spPr/>
-      <dgm:t>
-        <a:bodyPr/>
-        <a:lstStyle/>
-        <a:p>
-          <a:endParaRPr lang="zh-TW" altLang="en-US"/>
-        </a:p>
-      </dgm:t>
     </dgm:pt>
     <dgm:pt modelId="{D3DD1CD1-467C-4A58-A86C-8E5F879FE5B8}" type="pres">
       <dgm:prSet presAssocID="{C488DDC1-257E-4026-BDA2-905482E4C9C8}" presName="hierRoot1" presStyleCnt="0">
@@ -2200,24 +2032,10 @@
         </dgm:presLayoutVars>
       </dgm:prSet>
       <dgm:spPr/>
-      <dgm:t>
-        <a:bodyPr/>
-        <a:lstStyle/>
-        <a:p>
-          <a:endParaRPr lang="zh-TW" altLang="en-US"/>
-        </a:p>
-      </dgm:t>
     </dgm:pt>
     <dgm:pt modelId="{109E3BB9-4E87-4BB6-975A-61F145755FF5}" type="pres">
       <dgm:prSet presAssocID="{C488DDC1-257E-4026-BDA2-905482E4C9C8}" presName="rootConnector1" presStyleLbl="node1" presStyleIdx="0" presStyleCnt="0"/>
       <dgm:spPr/>
-      <dgm:t>
-        <a:bodyPr/>
-        <a:lstStyle/>
-        <a:p>
-          <a:endParaRPr lang="zh-TW" altLang="en-US"/>
-        </a:p>
-      </dgm:t>
     </dgm:pt>
     <dgm:pt modelId="{D5D46D2C-4292-4449-B867-18542388B306}" type="pres">
       <dgm:prSet presAssocID="{C488DDC1-257E-4026-BDA2-905482E4C9C8}" presName="hierChild2" presStyleCnt="0"/>
@@ -2226,13 +2044,6 @@
     <dgm:pt modelId="{DC23F8D1-5AC9-43EA-B960-FFC8783E47D5}" type="pres">
       <dgm:prSet presAssocID="{A4BD198B-4FED-40AF-B9F3-380BA935C3CD}" presName="Name64" presStyleLbl="parChTrans1D2" presStyleIdx="0" presStyleCnt="6"/>
       <dgm:spPr/>
-      <dgm:t>
-        <a:bodyPr/>
-        <a:lstStyle/>
-        <a:p>
-          <a:endParaRPr lang="zh-TW" altLang="en-US"/>
-        </a:p>
-      </dgm:t>
     </dgm:pt>
     <dgm:pt modelId="{7B4424BC-7CB1-4DF7-8C12-A42E1C00F972}" type="pres">
       <dgm:prSet presAssocID="{973CCD07-7FB0-4860-8B33-D0306AE4E28B}" presName="hierRoot2" presStyleCnt="0">
@@ -2253,24 +2064,10 @@
         </dgm:presLayoutVars>
       </dgm:prSet>
       <dgm:spPr/>
-      <dgm:t>
-        <a:bodyPr/>
-        <a:lstStyle/>
-        <a:p>
-          <a:endParaRPr lang="zh-TW" altLang="en-US"/>
-        </a:p>
-      </dgm:t>
     </dgm:pt>
     <dgm:pt modelId="{C2A56672-1E2D-40E1-B5EA-F79C5CD37A3F}" type="pres">
       <dgm:prSet presAssocID="{973CCD07-7FB0-4860-8B33-D0306AE4E28B}" presName="rootConnector" presStyleLbl="node2" presStyleIdx="0" presStyleCnt="6"/>
       <dgm:spPr/>
-      <dgm:t>
-        <a:bodyPr/>
-        <a:lstStyle/>
-        <a:p>
-          <a:endParaRPr lang="zh-TW" altLang="en-US"/>
-        </a:p>
-      </dgm:t>
     </dgm:pt>
     <dgm:pt modelId="{DC1639CC-FE59-439C-8F58-BC046A505C52}" type="pres">
       <dgm:prSet presAssocID="{973CCD07-7FB0-4860-8B33-D0306AE4E28B}" presName="hierChild4" presStyleCnt="0"/>
@@ -2279,13 +2076,6 @@
     <dgm:pt modelId="{B701F459-8A7A-4102-9920-188A3CFE23CD}" type="pres">
       <dgm:prSet presAssocID="{09E4935A-C2CE-4E4B-8C07-CE9BD0D14D62}" presName="Name64" presStyleLbl="parChTrans1D3" presStyleIdx="0" presStyleCnt="6"/>
       <dgm:spPr/>
-      <dgm:t>
-        <a:bodyPr/>
-        <a:lstStyle/>
-        <a:p>
-          <a:endParaRPr lang="zh-TW" altLang="en-US"/>
-        </a:p>
-      </dgm:t>
     </dgm:pt>
     <dgm:pt modelId="{11D8D8C0-A761-4D11-B747-6FA8A00FC927}" type="pres">
       <dgm:prSet presAssocID="{C3FC4818-F09E-46E0-BA77-A22C4FFF5272}" presName="hierRoot2" presStyleCnt="0">
@@ -2310,24 +2100,10 @@
           <a:avLst/>
         </a:prstGeom>
       </dgm:spPr>
-      <dgm:t>
-        <a:bodyPr/>
-        <a:lstStyle/>
-        <a:p>
-          <a:endParaRPr lang="zh-TW" altLang="en-US"/>
-        </a:p>
-      </dgm:t>
     </dgm:pt>
     <dgm:pt modelId="{29ED0180-3566-4997-BA7E-553D023ED60B}" type="pres">
       <dgm:prSet presAssocID="{C3FC4818-F09E-46E0-BA77-A22C4FFF5272}" presName="rootConnector" presStyleLbl="node3" presStyleIdx="0" presStyleCnt="6"/>
       <dgm:spPr/>
-      <dgm:t>
-        <a:bodyPr/>
-        <a:lstStyle/>
-        <a:p>
-          <a:endParaRPr lang="zh-TW" altLang="en-US"/>
-        </a:p>
-      </dgm:t>
     </dgm:pt>
     <dgm:pt modelId="{01A87144-2BA0-4CD0-8040-7E6E2A7BFDE6}" type="pres">
       <dgm:prSet presAssocID="{C3FC4818-F09E-46E0-BA77-A22C4FFF5272}" presName="hierChild4" presStyleCnt="0"/>
@@ -2344,13 +2120,6 @@
     <dgm:pt modelId="{B157BEF4-9FB3-47F1-A8B8-355283167242}" type="pres">
       <dgm:prSet presAssocID="{BAC266E5-D12F-430D-B56F-D65DBBF23ADD}" presName="Name64" presStyleLbl="parChTrans1D2" presStyleIdx="1" presStyleCnt="6"/>
       <dgm:spPr/>
-      <dgm:t>
-        <a:bodyPr/>
-        <a:lstStyle/>
-        <a:p>
-          <a:endParaRPr lang="zh-TW" altLang="en-US"/>
-        </a:p>
-      </dgm:t>
     </dgm:pt>
     <dgm:pt modelId="{D735CAF8-7EC8-4715-9909-E24E8009AF59}" type="pres">
       <dgm:prSet presAssocID="{89817D6D-04D1-4CC8-AF7D-15C398DE9063}" presName="hierRoot2" presStyleCnt="0">
@@ -2371,24 +2140,10 @@
         </dgm:presLayoutVars>
       </dgm:prSet>
       <dgm:spPr/>
-      <dgm:t>
-        <a:bodyPr/>
-        <a:lstStyle/>
-        <a:p>
-          <a:endParaRPr lang="zh-TW" altLang="en-US"/>
-        </a:p>
-      </dgm:t>
     </dgm:pt>
     <dgm:pt modelId="{54DC3190-090A-40EE-A0E7-1E5D8BB8437F}" type="pres">
       <dgm:prSet presAssocID="{89817D6D-04D1-4CC8-AF7D-15C398DE9063}" presName="rootConnector" presStyleLbl="node2" presStyleIdx="1" presStyleCnt="6"/>
       <dgm:spPr/>
-      <dgm:t>
-        <a:bodyPr/>
-        <a:lstStyle/>
-        <a:p>
-          <a:endParaRPr lang="zh-TW" altLang="en-US"/>
-        </a:p>
-      </dgm:t>
     </dgm:pt>
     <dgm:pt modelId="{EFE06C13-94F3-4A21-A00D-F50DA5177F9E}" type="pres">
       <dgm:prSet presAssocID="{89817D6D-04D1-4CC8-AF7D-15C398DE9063}" presName="hierChild4" presStyleCnt="0"/>
@@ -2397,13 +2152,6 @@
     <dgm:pt modelId="{1228EBAC-25AD-4134-8AEC-69968979BA7A}" type="pres">
       <dgm:prSet presAssocID="{24A7A657-2692-4C3F-BF91-B5CF9ABCBF4D}" presName="Name64" presStyleLbl="parChTrans1D3" presStyleIdx="1" presStyleCnt="6"/>
       <dgm:spPr/>
-      <dgm:t>
-        <a:bodyPr/>
-        <a:lstStyle/>
-        <a:p>
-          <a:endParaRPr lang="zh-TW" altLang="en-US"/>
-        </a:p>
-      </dgm:t>
     </dgm:pt>
     <dgm:pt modelId="{53F64A31-0912-4FE8-9BE9-FB38352BAE7C}" type="pres">
       <dgm:prSet presAssocID="{DA582B4F-3C48-48D3-B6BB-FE6E25EDECCE}" presName="hierRoot2" presStyleCnt="0">
@@ -2424,24 +2172,10 @@
         </dgm:presLayoutVars>
       </dgm:prSet>
       <dgm:spPr/>
-      <dgm:t>
-        <a:bodyPr/>
-        <a:lstStyle/>
-        <a:p>
-          <a:endParaRPr lang="zh-TW" altLang="en-US"/>
-        </a:p>
-      </dgm:t>
     </dgm:pt>
     <dgm:pt modelId="{61766B6C-73E2-440E-B346-462F4D023185}" type="pres">
       <dgm:prSet presAssocID="{DA582B4F-3C48-48D3-B6BB-FE6E25EDECCE}" presName="rootConnector" presStyleLbl="node3" presStyleIdx="1" presStyleCnt="6"/>
       <dgm:spPr/>
-      <dgm:t>
-        <a:bodyPr/>
-        <a:lstStyle/>
-        <a:p>
-          <a:endParaRPr lang="zh-TW" altLang="en-US"/>
-        </a:p>
-      </dgm:t>
     </dgm:pt>
     <dgm:pt modelId="{07AD71CC-966F-4989-BBBD-9678DA4DAD2B}" type="pres">
       <dgm:prSet presAssocID="{DA582B4F-3C48-48D3-B6BB-FE6E25EDECCE}" presName="hierChild4" presStyleCnt="0"/>
@@ -2450,13 +2184,6 @@
     <dgm:pt modelId="{0B87949C-CADD-4ADB-9B44-66536814C313}" type="pres">
       <dgm:prSet presAssocID="{482F4C95-C39E-4FE4-8AEE-D23440ACDF34}" presName="Name64" presStyleLbl="parChTrans1D4" presStyleIdx="0" presStyleCnt="5"/>
       <dgm:spPr/>
-      <dgm:t>
-        <a:bodyPr/>
-        <a:lstStyle/>
-        <a:p>
-          <a:endParaRPr lang="zh-TW" altLang="en-US"/>
-        </a:p>
-      </dgm:t>
     </dgm:pt>
     <dgm:pt modelId="{49EC7CF3-2C5B-4F9B-9778-F3533CDDECBD}" type="pres">
       <dgm:prSet presAssocID="{0F7BC3FB-E80C-4CEA-81AA-AA240D39D3F7}" presName="hierRoot2" presStyleCnt="0">
@@ -2477,24 +2204,10 @@
         </dgm:presLayoutVars>
       </dgm:prSet>
       <dgm:spPr/>
-      <dgm:t>
-        <a:bodyPr/>
-        <a:lstStyle/>
-        <a:p>
-          <a:endParaRPr lang="zh-TW" altLang="en-US"/>
-        </a:p>
-      </dgm:t>
     </dgm:pt>
     <dgm:pt modelId="{6D6B7336-0BAC-4179-9FC0-2DBC8948A8C6}" type="pres">
       <dgm:prSet presAssocID="{0F7BC3FB-E80C-4CEA-81AA-AA240D39D3F7}" presName="rootConnector" presStyleLbl="node4" presStyleIdx="0" presStyleCnt="5"/>
       <dgm:spPr/>
-      <dgm:t>
-        <a:bodyPr/>
-        <a:lstStyle/>
-        <a:p>
-          <a:endParaRPr lang="zh-TW" altLang="en-US"/>
-        </a:p>
-      </dgm:t>
     </dgm:pt>
     <dgm:pt modelId="{897757F5-5692-4259-AAF7-EE2F549289BF}" type="pres">
       <dgm:prSet presAssocID="{0F7BC3FB-E80C-4CEA-81AA-AA240D39D3F7}" presName="hierChild4" presStyleCnt="0"/>
@@ -2515,13 +2228,6 @@
     <dgm:pt modelId="{26E0FDD5-602A-40B2-89FA-95393297CE78}" type="pres">
       <dgm:prSet presAssocID="{A9CB41C0-408C-4E56-BB3B-995A1E6A8DB2}" presName="Name64" presStyleLbl="parChTrans1D2" presStyleIdx="2" presStyleCnt="6"/>
       <dgm:spPr/>
-      <dgm:t>
-        <a:bodyPr/>
-        <a:lstStyle/>
-        <a:p>
-          <a:endParaRPr lang="zh-TW" altLang="en-US"/>
-        </a:p>
-      </dgm:t>
     </dgm:pt>
     <dgm:pt modelId="{AAB13DC1-6071-48B8-AF4D-38457F2A7759}" type="pres">
       <dgm:prSet presAssocID="{6589238D-7105-4711-B647-47273AEFFE8A}" presName="hierRoot2" presStyleCnt="0">
@@ -2542,24 +2248,10 @@
         </dgm:presLayoutVars>
       </dgm:prSet>
       <dgm:spPr/>
-      <dgm:t>
-        <a:bodyPr/>
-        <a:lstStyle/>
-        <a:p>
-          <a:endParaRPr lang="zh-TW" altLang="en-US"/>
-        </a:p>
-      </dgm:t>
     </dgm:pt>
     <dgm:pt modelId="{C7F9608F-81E9-415B-AC4D-B4E48E0FDD6F}" type="pres">
       <dgm:prSet presAssocID="{6589238D-7105-4711-B647-47273AEFFE8A}" presName="rootConnector" presStyleLbl="node2" presStyleIdx="2" presStyleCnt="6"/>
       <dgm:spPr/>
-      <dgm:t>
-        <a:bodyPr/>
-        <a:lstStyle/>
-        <a:p>
-          <a:endParaRPr lang="zh-TW" altLang="en-US"/>
-        </a:p>
-      </dgm:t>
     </dgm:pt>
     <dgm:pt modelId="{7C4C02C0-A1B8-446B-87A0-D3CC9A93B774}" type="pres">
       <dgm:prSet presAssocID="{6589238D-7105-4711-B647-47273AEFFE8A}" presName="hierChild4" presStyleCnt="0"/>
@@ -2568,13 +2260,6 @@
     <dgm:pt modelId="{64C95314-F436-4381-9523-85573A0BF7CD}" type="pres">
       <dgm:prSet presAssocID="{4B01905F-FFBC-4707-BB8D-B7156B5C85E2}" presName="Name64" presStyleLbl="parChTrans1D3" presStyleIdx="2" presStyleCnt="6"/>
       <dgm:spPr/>
-      <dgm:t>
-        <a:bodyPr/>
-        <a:lstStyle/>
-        <a:p>
-          <a:endParaRPr lang="zh-TW" altLang="en-US"/>
-        </a:p>
-      </dgm:t>
     </dgm:pt>
     <dgm:pt modelId="{8990CAF5-46D9-4E5E-87DF-05ED7D659B5B}" type="pres">
       <dgm:prSet presAssocID="{3066FB2A-3BDB-47F1-B2D7-290D180FEFA8}" presName="hierRoot2" presStyleCnt="0">
@@ -2595,24 +2280,10 @@
         </dgm:presLayoutVars>
       </dgm:prSet>
       <dgm:spPr/>
-      <dgm:t>
-        <a:bodyPr/>
-        <a:lstStyle/>
-        <a:p>
-          <a:endParaRPr lang="zh-TW" altLang="en-US"/>
-        </a:p>
-      </dgm:t>
     </dgm:pt>
     <dgm:pt modelId="{9942659A-9E16-4846-9EFD-74683EC9C39F}" type="pres">
       <dgm:prSet presAssocID="{3066FB2A-3BDB-47F1-B2D7-290D180FEFA8}" presName="rootConnector" presStyleLbl="node3" presStyleIdx="2" presStyleCnt="6"/>
       <dgm:spPr/>
-      <dgm:t>
-        <a:bodyPr/>
-        <a:lstStyle/>
-        <a:p>
-          <a:endParaRPr lang="zh-TW" altLang="en-US"/>
-        </a:p>
-      </dgm:t>
     </dgm:pt>
     <dgm:pt modelId="{3A562307-D431-492C-9F82-1E356CDE7CF0}" type="pres">
       <dgm:prSet presAssocID="{3066FB2A-3BDB-47F1-B2D7-290D180FEFA8}" presName="hierChild4" presStyleCnt="0"/>
@@ -2621,13 +2292,6 @@
     <dgm:pt modelId="{5DB87ACE-F670-40BC-8C12-494FF3EB8DB8}" type="pres">
       <dgm:prSet presAssocID="{29F0002A-D376-49D6-B212-7BA7C73A8D8F}" presName="Name64" presStyleLbl="parChTrans1D4" presStyleIdx="1" presStyleCnt="5"/>
       <dgm:spPr/>
-      <dgm:t>
-        <a:bodyPr/>
-        <a:lstStyle/>
-        <a:p>
-          <a:endParaRPr lang="zh-TW" altLang="en-US"/>
-        </a:p>
-      </dgm:t>
     </dgm:pt>
     <dgm:pt modelId="{7A27A3A2-7F96-4582-AE64-67F79485D3C0}" type="pres">
       <dgm:prSet presAssocID="{456EFB4D-5F86-49D7-9E7C-1AC24E46B4B3}" presName="hierRoot2" presStyleCnt="0">
@@ -2648,24 +2312,10 @@
         </dgm:presLayoutVars>
       </dgm:prSet>
       <dgm:spPr/>
-      <dgm:t>
-        <a:bodyPr/>
-        <a:lstStyle/>
-        <a:p>
-          <a:endParaRPr lang="zh-TW" altLang="en-US"/>
-        </a:p>
-      </dgm:t>
     </dgm:pt>
     <dgm:pt modelId="{89B501C5-19D8-4241-8237-869FFFEB0097}" type="pres">
       <dgm:prSet presAssocID="{456EFB4D-5F86-49D7-9E7C-1AC24E46B4B3}" presName="rootConnector" presStyleLbl="node4" presStyleIdx="1" presStyleCnt="5"/>
       <dgm:spPr/>
-      <dgm:t>
-        <a:bodyPr/>
-        <a:lstStyle/>
-        <a:p>
-          <a:endParaRPr lang="zh-TW" altLang="en-US"/>
-        </a:p>
-      </dgm:t>
     </dgm:pt>
     <dgm:pt modelId="{44F0CE75-0D94-49B4-9092-904508A7069F}" type="pres">
       <dgm:prSet presAssocID="{456EFB4D-5F86-49D7-9E7C-1AC24E46B4B3}" presName="hierChild4" presStyleCnt="0"/>
@@ -2686,13 +2336,6 @@
     <dgm:pt modelId="{72F3265F-EABC-423F-B41E-D53CB31BC9EA}" type="pres">
       <dgm:prSet presAssocID="{6B688450-80F7-40AF-A621-CDA54BBE8041}" presName="Name64" presStyleLbl="parChTrans1D2" presStyleIdx="3" presStyleCnt="6"/>
       <dgm:spPr/>
-      <dgm:t>
-        <a:bodyPr/>
-        <a:lstStyle/>
-        <a:p>
-          <a:endParaRPr lang="zh-TW" altLang="en-US"/>
-        </a:p>
-      </dgm:t>
     </dgm:pt>
     <dgm:pt modelId="{CA37D0AF-72AA-49C3-AA74-E23188E10A11}" type="pres">
       <dgm:prSet presAssocID="{53277C34-1D1E-459F-9AD3-C0779D377249}" presName="hierRoot2" presStyleCnt="0">
@@ -2713,24 +2356,10 @@
         </dgm:presLayoutVars>
       </dgm:prSet>
       <dgm:spPr/>
-      <dgm:t>
-        <a:bodyPr/>
-        <a:lstStyle/>
-        <a:p>
-          <a:endParaRPr lang="zh-TW" altLang="en-US"/>
-        </a:p>
-      </dgm:t>
     </dgm:pt>
     <dgm:pt modelId="{5232913A-463D-4FE5-B199-34052089008C}" type="pres">
       <dgm:prSet presAssocID="{53277C34-1D1E-459F-9AD3-C0779D377249}" presName="rootConnector" presStyleLbl="node2" presStyleIdx="3" presStyleCnt="6"/>
       <dgm:spPr/>
-      <dgm:t>
-        <a:bodyPr/>
-        <a:lstStyle/>
-        <a:p>
-          <a:endParaRPr lang="zh-TW" altLang="en-US"/>
-        </a:p>
-      </dgm:t>
     </dgm:pt>
     <dgm:pt modelId="{0C843127-5E16-4605-ACB6-DA0732E8C49B}" type="pres">
       <dgm:prSet presAssocID="{53277C34-1D1E-459F-9AD3-C0779D377249}" presName="hierChild4" presStyleCnt="0"/>
@@ -2739,13 +2368,6 @@
     <dgm:pt modelId="{A1DC0112-D484-4EA5-A810-A055780A2D9B}" type="pres">
       <dgm:prSet presAssocID="{6964A4E3-E4D8-41F7-9536-D76244C68EA4}" presName="Name64" presStyleLbl="parChTrans1D3" presStyleIdx="3" presStyleCnt="6"/>
       <dgm:spPr/>
-      <dgm:t>
-        <a:bodyPr/>
-        <a:lstStyle/>
-        <a:p>
-          <a:endParaRPr lang="zh-TW" altLang="en-US"/>
-        </a:p>
-      </dgm:t>
     </dgm:pt>
     <dgm:pt modelId="{38A4E1B7-F914-4B26-8870-388BD55D9E8B}" type="pres">
       <dgm:prSet presAssocID="{80F7076E-1B48-4A94-960C-3622E1343EDE}" presName="hierRoot2" presStyleCnt="0">
@@ -2766,24 +2388,10 @@
         </dgm:presLayoutVars>
       </dgm:prSet>
       <dgm:spPr/>
-      <dgm:t>
-        <a:bodyPr/>
-        <a:lstStyle/>
-        <a:p>
-          <a:endParaRPr lang="zh-TW" altLang="en-US"/>
-        </a:p>
-      </dgm:t>
     </dgm:pt>
     <dgm:pt modelId="{3CB44A20-29EB-4F4F-B983-F5916E5CC107}" type="pres">
       <dgm:prSet presAssocID="{80F7076E-1B48-4A94-960C-3622E1343EDE}" presName="rootConnector" presStyleLbl="node3" presStyleIdx="3" presStyleCnt="6"/>
       <dgm:spPr/>
-      <dgm:t>
-        <a:bodyPr/>
-        <a:lstStyle/>
-        <a:p>
-          <a:endParaRPr lang="zh-TW" altLang="en-US"/>
-        </a:p>
-      </dgm:t>
     </dgm:pt>
     <dgm:pt modelId="{FB71276E-3945-4ACA-BE81-520A6CCD1599}" type="pres">
       <dgm:prSet presAssocID="{80F7076E-1B48-4A94-960C-3622E1343EDE}" presName="hierChild4" presStyleCnt="0"/>
@@ -2792,13 +2400,6 @@
     <dgm:pt modelId="{CC7A5250-6500-4A51-9436-4C21D6C86379}" type="pres">
       <dgm:prSet presAssocID="{EE410091-5290-4695-BC58-C69249079662}" presName="Name64" presStyleLbl="parChTrans1D4" presStyleIdx="2" presStyleCnt="5"/>
       <dgm:spPr/>
-      <dgm:t>
-        <a:bodyPr/>
-        <a:lstStyle/>
-        <a:p>
-          <a:endParaRPr lang="zh-TW" altLang="en-US"/>
-        </a:p>
-      </dgm:t>
     </dgm:pt>
     <dgm:pt modelId="{EDAC009E-9221-401C-9BCF-CED390D637E4}" type="pres">
       <dgm:prSet presAssocID="{A4429014-4AA8-464C-A54D-EC2D244DE0BE}" presName="hierRoot2" presStyleCnt="0">
@@ -2819,24 +2420,10 @@
         </dgm:presLayoutVars>
       </dgm:prSet>
       <dgm:spPr/>
-      <dgm:t>
-        <a:bodyPr/>
-        <a:lstStyle/>
-        <a:p>
-          <a:endParaRPr lang="zh-TW" altLang="en-US"/>
-        </a:p>
-      </dgm:t>
     </dgm:pt>
     <dgm:pt modelId="{2CB3FD73-E719-47C4-BF66-D8B44B85BF6E}" type="pres">
       <dgm:prSet presAssocID="{A4429014-4AA8-464C-A54D-EC2D244DE0BE}" presName="rootConnector" presStyleLbl="node4" presStyleIdx="2" presStyleCnt="5"/>
       <dgm:spPr/>
-      <dgm:t>
-        <a:bodyPr/>
-        <a:lstStyle/>
-        <a:p>
-          <a:endParaRPr lang="zh-TW" altLang="en-US"/>
-        </a:p>
-      </dgm:t>
     </dgm:pt>
     <dgm:pt modelId="{AC1A718A-A0E6-4CCD-B1B5-A3D1DC36EA8D}" type="pres">
       <dgm:prSet presAssocID="{A4429014-4AA8-464C-A54D-EC2D244DE0BE}" presName="hierChild4" presStyleCnt="0"/>
@@ -2845,13 +2432,6 @@
     <dgm:pt modelId="{9F7575F3-5B79-42D1-BA96-888F37B0AA43}" type="pres">
       <dgm:prSet presAssocID="{B14781C4-63C4-4A95-B779-F20A7851480D}" presName="Name64" presStyleLbl="parChTrans1D4" presStyleIdx="3" presStyleCnt="5"/>
       <dgm:spPr/>
-      <dgm:t>
-        <a:bodyPr/>
-        <a:lstStyle/>
-        <a:p>
-          <a:endParaRPr lang="zh-TW" altLang="en-US"/>
-        </a:p>
-      </dgm:t>
     </dgm:pt>
     <dgm:pt modelId="{D6747976-E0FD-4538-BE78-A9C2DF510586}" type="pres">
       <dgm:prSet presAssocID="{1A1ECAE7-03E0-4037-B94B-CCA02892EC8E}" presName="hierRoot2" presStyleCnt="0">
@@ -2872,24 +2452,10 @@
         </dgm:presLayoutVars>
       </dgm:prSet>
       <dgm:spPr/>
-      <dgm:t>
-        <a:bodyPr/>
-        <a:lstStyle/>
-        <a:p>
-          <a:endParaRPr lang="zh-TW" altLang="en-US"/>
-        </a:p>
-      </dgm:t>
     </dgm:pt>
     <dgm:pt modelId="{CE33FEB2-0105-4B00-9AF7-D0DED4DA9741}" type="pres">
       <dgm:prSet presAssocID="{1A1ECAE7-03E0-4037-B94B-CCA02892EC8E}" presName="rootConnector" presStyleLbl="node4" presStyleIdx="3" presStyleCnt="5"/>
       <dgm:spPr/>
-      <dgm:t>
-        <a:bodyPr/>
-        <a:lstStyle/>
-        <a:p>
-          <a:endParaRPr lang="zh-TW" altLang="en-US"/>
-        </a:p>
-      </dgm:t>
     </dgm:pt>
     <dgm:pt modelId="{24410918-9097-407D-9EA6-E531BA3C5CB4}" type="pres">
       <dgm:prSet presAssocID="{1A1ECAE7-03E0-4037-B94B-CCA02892EC8E}" presName="hierChild4" presStyleCnt="0"/>
@@ -2914,13 +2480,6 @@
     <dgm:pt modelId="{164642DC-28D3-407D-8442-8E4BE1AECDEE}" type="pres">
       <dgm:prSet presAssocID="{1E28F03F-B06A-411F-98AA-D894E72D13F8}" presName="Name64" presStyleLbl="parChTrans1D2" presStyleIdx="4" presStyleCnt="6"/>
       <dgm:spPr/>
-      <dgm:t>
-        <a:bodyPr/>
-        <a:lstStyle/>
-        <a:p>
-          <a:endParaRPr lang="zh-TW" altLang="en-US"/>
-        </a:p>
-      </dgm:t>
     </dgm:pt>
     <dgm:pt modelId="{C7DD8106-BA08-4EAE-A805-385409BB394D}" type="pres">
       <dgm:prSet presAssocID="{0370135D-4CB0-41C6-90F3-69D36FCE2812}" presName="hierRoot2" presStyleCnt="0">
@@ -2941,24 +2500,10 @@
         </dgm:presLayoutVars>
       </dgm:prSet>
       <dgm:spPr/>
-      <dgm:t>
-        <a:bodyPr/>
-        <a:lstStyle/>
-        <a:p>
-          <a:endParaRPr lang="zh-TW" altLang="en-US"/>
-        </a:p>
-      </dgm:t>
     </dgm:pt>
     <dgm:pt modelId="{0231FA7D-A8BE-462F-AC4B-251AE6362AA7}" type="pres">
       <dgm:prSet presAssocID="{0370135D-4CB0-41C6-90F3-69D36FCE2812}" presName="rootConnector" presStyleLbl="node2" presStyleIdx="4" presStyleCnt="6"/>
       <dgm:spPr/>
-      <dgm:t>
-        <a:bodyPr/>
-        <a:lstStyle/>
-        <a:p>
-          <a:endParaRPr lang="zh-TW" altLang="en-US"/>
-        </a:p>
-      </dgm:t>
     </dgm:pt>
     <dgm:pt modelId="{A6C8C52B-D11F-443C-BB9F-A3ACAD7EE9F4}" type="pres">
       <dgm:prSet presAssocID="{0370135D-4CB0-41C6-90F3-69D36FCE2812}" presName="hierChild4" presStyleCnt="0"/>
@@ -2967,13 +2512,6 @@
     <dgm:pt modelId="{1810DF6F-3D7E-4284-A074-DAEF315817FA}" type="pres">
       <dgm:prSet presAssocID="{9C57C07B-B624-4E14-8AA6-21FA669B0EB9}" presName="Name64" presStyleLbl="parChTrans1D3" presStyleIdx="4" presStyleCnt="6"/>
       <dgm:spPr/>
-      <dgm:t>
-        <a:bodyPr/>
-        <a:lstStyle/>
-        <a:p>
-          <a:endParaRPr lang="zh-TW" altLang="en-US"/>
-        </a:p>
-      </dgm:t>
     </dgm:pt>
     <dgm:pt modelId="{29E8D192-5A86-429D-9CB2-845933FE9E42}" type="pres">
       <dgm:prSet presAssocID="{97E0FF12-E87C-4191-BEDA-C2CF8E9C49C6}" presName="hierRoot2" presStyleCnt="0">
@@ -2994,24 +2532,10 @@
         </dgm:presLayoutVars>
       </dgm:prSet>
       <dgm:spPr/>
-      <dgm:t>
-        <a:bodyPr/>
-        <a:lstStyle/>
-        <a:p>
-          <a:endParaRPr lang="zh-TW" altLang="en-US"/>
-        </a:p>
-      </dgm:t>
     </dgm:pt>
     <dgm:pt modelId="{DE9C5D20-9DD3-4735-BA51-F98AED01086B}" type="pres">
       <dgm:prSet presAssocID="{97E0FF12-E87C-4191-BEDA-C2CF8E9C49C6}" presName="rootConnector" presStyleLbl="node3" presStyleIdx="4" presStyleCnt="6"/>
       <dgm:spPr/>
-      <dgm:t>
-        <a:bodyPr/>
-        <a:lstStyle/>
-        <a:p>
-          <a:endParaRPr lang="zh-TW" altLang="en-US"/>
-        </a:p>
-      </dgm:t>
     </dgm:pt>
     <dgm:pt modelId="{82F723B6-7402-405D-98FF-67C3F4C7ADEE}" type="pres">
       <dgm:prSet presAssocID="{97E0FF12-E87C-4191-BEDA-C2CF8E9C49C6}" presName="hierChild4" presStyleCnt="0"/>
@@ -3028,13 +2552,6 @@
     <dgm:pt modelId="{7B323650-A8AC-46FB-B935-F4E7D76BB4DF}" type="pres">
       <dgm:prSet presAssocID="{08CE5C67-8365-43AB-962D-6D2673BA6E03}" presName="Name64" presStyleLbl="parChTrans1D2" presStyleIdx="5" presStyleCnt="6"/>
       <dgm:spPr/>
-      <dgm:t>
-        <a:bodyPr/>
-        <a:lstStyle/>
-        <a:p>
-          <a:endParaRPr lang="zh-TW" altLang="en-US"/>
-        </a:p>
-      </dgm:t>
     </dgm:pt>
     <dgm:pt modelId="{4438A663-CDA0-4E34-A08C-7DDB13EAE1FE}" type="pres">
       <dgm:prSet presAssocID="{A870D306-D6D5-4B5D-8235-47138035B827}" presName="hierRoot2" presStyleCnt="0">
@@ -3055,24 +2572,10 @@
         </dgm:presLayoutVars>
       </dgm:prSet>
       <dgm:spPr/>
-      <dgm:t>
-        <a:bodyPr/>
-        <a:lstStyle/>
-        <a:p>
-          <a:endParaRPr lang="zh-TW" altLang="en-US"/>
-        </a:p>
-      </dgm:t>
     </dgm:pt>
     <dgm:pt modelId="{D54B5BE5-3ADC-4249-A95A-56A54139C7AA}" type="pres">
       <dgm:prSet presAssocID="{A870D306-D6D5-4B5D-8235-47138035B827}" presName="rootConnector" presStyleLbl="node2" presStyleIdx="5" presStyleCnt="6"/>
       <dgm:spPr/>
-      <dgm:t>
-        <a:bodyPr/>
-        <a:lstStyle/>
-        <a:p>
-          <a:endParaRPr lang="zh-TW" altLang="en-US"/>
-        </a:p>
-      </dgm:t>
     </dgm:pt>
     <dgm:pt modelId="{591670DC-7434-496B-AE80-A2FFF6EA6A69}" type="pres">
       <dgm:prSet presAssocID="{A870D306-D6D5-4B5D-8235-47138035B827}" presName="hierChild4" presStyleCnt="0"/>
@@ -3081,13 +2584,6 @@
     <dgm:pt modelId="{A4BEB405-E33B-4BA8-A049-A2CCB3FE00CF}" type="pres">
       <dgm:prSet presAssocID="{D8C7871B-87D3-468E-AC39-96966901E1C4}" presName="Name64" presStyleLbl="parChTrans1D3" presStyleIdx="5" presStyleCnt="6"/>
       <dgm:spPr/>
-      <dgm:t>
-        <a:bodyPr/>
-        <a:lstStyle/>
-        <a:p>
-          <a:endParaRPr lang="zh-TW" altLang="en-US"/>
-        </a:p>
-      </dgm:t>
     </dgm:pt>
     <dgm:pt modelId="{42FC59BB-B111-4105-97E7-771E98C90E22}" type="pres">
       <dgm:prSet presAssocID="{5010CE28-93FA-43BD-ABE3-2B210CDDD388}" presName="hierRoot2" presStyleCnt="0">
@@ -3108,24 +2604,10 @@
         </dgm:presLayoutVars>
       </dgm:prSet>
       <dgm:spPr/>
-      <dgm:t>
-        <a:bodyPr/>
-        <a:lstStyle/>
-        <a:p>
-          <a:endParaRPr lang="zh-TW" altLang="en-US"/>
-        </a:p>
-      </dgm:t>
     </dgm:pt>
     <dgm:pt modelId="{3A14D23D-67F3-4D6C-B91C-CE3984F42A17}" type="pres">
       <dgm:prSet presAssocID="{5010CE28-93FA-43BD-ABE3-2B210CDDD388}" presName="rootConnector" presStyleLbl="node3" presStyleIdx="5" presStyleCnt="6"/>
       <dgm:spPr/>
-      <dgm:t>
-        <a:bodyPr/>
-        <a:lstStyle/>
-        <a:p>
-          <a:endParaRPr lang="zh-TW" altLang="en-US"/>
-        </a:p>
-      </dgm:t>
     </dgm:pt>
     <dgm:pt modelId="{CCE97141-12CA-4AE9-9263-E2016E0C0057}" type="pres">
       <dgm:prSet presAssocID="{5010CE28-93FA-43BD-ABE3-2B210CDDD388}" presName="hierChild4" presStyleCnt="0"/>
@@ -3134,13 +2616,6 @@
     <dgm:pt modelId="{A9E9207E-0E7C-42F3-919C-E73AA3AE5500}" type="pres">
       <dgm:prSet presAssocID="{F0578613-3253-40E2-A678-537EC0662ABF}" presName="Name64" presStyleLbl="parChTrans1D4" presStyleIdx="4" presStyleCnt="5"/>
       <dgm:spPr/>
-      <dgm:t>
-        <a:bodyPr/>
-        <a:lstStyle/>
-        <a:p>
-          <a:endParaRPr lang="zh-TW" altLang="en-US"/>
-        </a:p>
-      </dgm:t>
     </dgm:pt>
     <dgm:pt modelId="{E60816D9-54D0-4CE2-8DA0-69B95328607D}" type="pres">
       <dgm:prSet presAssocID="{4B726AFC-917B-462E-ABD5-ABB0EE292728}" presName="hierRoot2" presStyleCnt="0">
@@ -3161,24 +2636,10 @@
         </dgm:presLayoutVars>
       </dgm:prSet>
       <dgm:spPr/>
-      <dgm:t>
-        <a:bodyPr/>
-        <a:lstStyle/>
-        <a:p>
-          <a:endParaRPr lang="zh-TW" altLang="en-US"/>
-        </a:p>
-      </dgm:t>
     </dgm:pt>
     <dgm:pt modelId="{C0C6F18E-FC4C-4B8D-844C-552E8C7BF176}" type="pres">
       <dgm:prSet presAssocID="{4B726AFC-917B-462E-ABD5-ABB0EE292728}" presName="rootConnector" presStyleLbl="node4" presStyleIdx="4" presStyleCnt="5"/>
       <dgm:spPr/>
-      <dgm:t>
-        <a:bodyPr/>
-        <a:lstStyle/>
-        <a:p>
-          <a:endParaRPr lang="zh-TW" altLang="en-US"/>
-        </a:p>
-      </dgm:t>
     </dgm:pt>
     <dgm:pt modelId="{5DA9CEA2-477C-41DA-ADF7-A7E97EB040FD}" type="pres">
       <dgm:prSet presAssocID="{4B726AFC-917B-462E-ABD5-ABB0EE292728}" presName="hierChild4" presStyleCnt="0"/>
@@ -3202,78 +2663,78 @@
     </dgm:pt>
   </dgm:ptLst>
   <dgm:cxnLst>
+    <dgm:cxn modelId="{99DE9D07-0D52-4B37-8779-AD58CDF6238C}" type="presOf" srcId="{6589238D-7105-4711-B647-47273AEFFE8A}" destId="{C7F9608F-81E9-415B-AC4D-B4E48E0FDD6F}" srcOrd="1" destOrd="0" presId="urn:microsoft.com/office/officeart/2009/3/layout/HorizontalOrganizationChart"/>
+    <dgm:cxn modelId="{3236F308-4345-44DC-835D-5BD75BB27137}" srcId="{C488DDC1-257E-4026-BDA2-905482E4C9C8}" destId="{89817D6D-04D1-4CC8-AF7D-15C398DE9063}" srcOrd="1" destOrd="0" parTransId="{BAC266E5-D12F-430D-B56F-D65DBBF23ADD}" sibTransId="{076E4D95-2C3B-41D2-B0F8-736FC2A9D53C}"/>
+    <dgm:cxn modelId="{E260CB09-F7EC-407B-BFE0-46B87B886C5E}" type="presOf" srcId="{1A1ECAE7-03E0-4037-B94B-CCA02892EC8E}" destId="{CE33FEB2-0105-4B00-9AF7-D0DED4DA9741}" srcOrd="1" destOrd="0" presId="urn:microsoft.com/office/officeart/2009/3/layout/HorizontalOrganizationChart"/>
+    <dgm:cxn modelId="{0E0FAD0D-1F3B-4A70-B061-135CFA50A7C3}" type="presOf" srcId="{1E28F03F-B06A-411F-98AA-D894E72D13F8}" destId="{164642DC-28D3-407D-8442-8E4BE1AECDEE}" srcOrd="0" destOrd="0" presId="urn:microsoft.com/office/officeart/2009/3/layout/HorizontalOrganizationChart"/>
+    <dgm:cxn modelId="{61691010-1C54-4DC3-837C-20EBCC944B2B}" type="presOf" srcId="{D8C7871B-87D3-468E-AC39-96966901E1C4}" destId="{A4BEB405-E33B-4BA8-A049-A2CCB3FE00CF}" srcOrd="0" destOrd="0" presId="urn:microsoft.com/office/officeart/2009/3/layout/HorizontalOrganizationChart"/>
+    <dgm:cxn modelId="{E92F9C12-4F33-41D1-A072-43A5098AB2C7}" type="presOf" srcId="{53277C34-1D1E-459F-9AD3-C0779D377249}" destId="{5232913A-463D-4FE5-B199-34052089008C}" srcOrd="1" destOrd="0" presId="urn:microsoft.com/office/officeart/2009/3/layout/HorizontalOrganizationChart"/>
+    <dgm:cxn modelId="{C29F4313-990F-4DEA-9BB3-8FE5883179E5}" type="presOf" srcId="{0370135D-4CB0-41C6-90F3-69D36FCE2812}" destId="{0231FA7D-A8BE-462F-AC4B-251AE6362AA7}" srcOrd="1" destOrd="0" presId="urn:microsoft.com/office/officeart/2009/3/layout/HorizontalOrganizationChart"/>
+    <dgm:cxn modelId="{2B6C5317-8F7A-46E2-BA94-00B631FD3F29}" srcId="{C488DDC1-257E-4026-BDA2-905482E4C9C8}" destId="{0370135D-4CB0-41C6-90F3-69D36FCE2812}" srcOrd="4" destOrd="0" parTransId="{1E28F03F-B06A-411F-98AA-D894E72D13F8}" sibTransId="{7EEE441B-5534-4FA3-8BF8-558C31EF9AB5}"/>
     <dgm:cxn modelId="{69CAAC18-39B4-47E6-9E71-1A5F35EFC948}" type="presOf" srcId="{482F4C95-C39E-4FE4-8AEE-D23440ACDF34}" destId="{0B87949C-CADD-4ADB-9B44-66536814C313}" srcOrd="0" destOrd="0" presId="urn:microsoft.com/office/officeart/2009/3/layout/HorizontalOrganizationChart"/>
-    <dgm:cxn modelId="{C29F4313-990F-4DEA-9BB3-8FE5883179E5}" type="presOf" srcId="{0370135D-4CB0-41C6-90F3-69D36FCE2812}" destId="{0231FA7D-A8BE-462F-AC4B-251AE6362AA7}" srcOrd="1" destOrd="0" presId="urn:microsoft.com/office/officeart/2009/3/layout/HorizontalOrganizationChart"/>
-    <dgm:cxn modelId="{0E0FAD0D-1F3B-4A70-B061-135CFA50A7C3}" type="presOf" srcId="{1E28F03F-B06A-411F-98AA-D894E72D13F8}" destId="{164642DC-28D3-407D-8442-8E4BE1AECDEE}" srcOrd="0" destOrd="0" presId="urn:microsoft.com/office/officeart/2009/3/layout/HorizontalOrganizationChart"/>
+    <dgm:cxn modelId="{E88D361C-5A6B-48D6-A745-FB22BB11C370}" srcId="{3066FB2A-3BDB-47F1-B2D7-290D180FEFA8}" destId="{456EFB4D-5F86-49D7-9E7C-1AC24E46B4B3}" srcOrd="0" destOrd="0" parTransId="{29F0002A-D376-49D6-B212-7BA7C73A8D8F}" sibTransId="{720ECC7E-6208-45B2-B917-D6564223DE5A}"/>
+    <dgm:cxn modelId="{36FE8420-50F7-469B-B737-BD4DFAC4E284}" type="presOf" srcId="{DA582B4F-3C48-48D3-B6BB-FE6E25EDECCE}" destId="{61766B6C-73E2-440E-B346-462F4D023185}" srcOrd="1" destOrd="0" presId="urn:microsoft.com/office/officeart/2009/3/layout/HorizontalOrganizationChart"/>
+    <dgm:cxn modelId="{ADE8322B-49C4-4BC4-8A86-83F919CE20F3}" type="presOf" srcId="{97E0FF12-E87C-4191-BEDA-C2CF8E9C49C6}" destId="{DE9C5D20-9DD3-4735-BA51-F98AED01086B}" srcOrd="1" destOrd="0" presId="urn:microsoft.com/office/officeart/2009/3/layout/HorizontalOrganizationChart"/>
+    <dgm:cxn modelId="{B21F572C-2D21-4D0D-B25F-D17C6F6CF09E}" type="presOf" srcId="{89817D6D-04D1-4CC8-AF7D-15C398DE9063}" destId="{54DC3190-090A-40EE-A0E7-1E5D8BB8437F}" srcOrd="1" destOrd="0" presId="urn:microsoft.com/office/officeart/2009/3/layout/HorizontalOrganizationChart"/>
+    <dgm:cxn modelId="{F6278E2C-72C7-4348-A097-F1D1544C3C3B}" type="presOf" srcId="{80F7076E-1B48-4A94-960C-3622E1343EDE}" destId="{3CB44A20-29EB-4F4F-B983-F5916E5CC107}" srcOrd="1" destOrd="0" presId="urn:microsoft.com/office/officeart/2009/3/layout/HorizontalOrganizationChart"/>
+    <dgm:cxn modelId="{43079730-7CC0-4418-9AA6-49FEBE1B3A4E}" type="presOf" srcId="{0F7BC3FB-E80C-4CEA-81AA-AA240D39D3F7}" destId="{6D6B7336-0BAC-4179-9FC0-2DBC8948A8C6}" srcOrd="1" destOrd="0" presId="urn:microsoft.com/office/officeart/2009/3/layout/HorizontalOrganizationChart"/>
+    <dgm:cxn modelId="{A66C9931-19D6-4DBE-839A-B7785551C177}" type="presOf" srcId="{A9CB41C0-408C-4E56-BB3B-995A1E6A8DB2}" destId="{26E0FDD5-602A-40B2-89FA-95393297CE78}" srcOrd="0" destOrd="0" presId="urn:microsoft.com/office/officeart/2009/3/layout/HorizontalOrganizationChart"/>
+    <dgm:cxn modelId="{6C070B33-26FF-4F34-A0BE-7127C91CEB98}" type="presOf" srcId="{C3FC4818-F09E-46E0-BA77-A22C4FFF5272}" destId="{29ED0180-3566-4997-BA7E-553D023ED60B}" srcOrd="1" destOrd="0" presId="urn:microsoft.com/office/officeart/2009/3/layout/HorizontalOrganizationChart"/>
+    <dgm:cxn modelId="{F2BD9738-AA6C-47BD-BD90-8C28E528C41A}" type="presOf" srcId="{5010CE28-93FA-43BD-ABE3-2B210CDDD388}" destId="{3A14D23D-67F3-4D6C-B91C-CE3984F42A17}" srcOrd="1" destOrd="0" presId="urn:microsoft.com/office/officeart/2009/3/layout/HorizontalOrganizationChart"/>
+    <dgm:cxn modelId="{9B19483A-FBC8-49C8-9FF5-D8CCF37CD529}" type="presOf" srcId="{456EFB4D-5F86-49D7-9E7C-1AC24E46B4B3}" destId="{3E004AE2-9D40-4241-96F1-12E022FC3A31}" srcOrd="0" destOrd="0" presId="urn:microsoft.com/office/officeart/2009/3/layout/HorizontalOrganizationChart"/>
+    <dgm:cxn modelId="{B050793B-8B51-4456-BA97-1A152BBE8A23}" srcId="{0370135D-4CB0-41C6-90F3-69D36FCE2812}" destId="{97E0FF12-E87C-4191-BEDA-C2CF8E9C49C6}" srcOrd="0" destOrd="0" parTransId="{9C57C07B-B624-4E14-8AA6-21FA669B0EB9}" sibTransId="{E0E7C847-5ED8-4CBC-B497-1F78152E32BC}"/>
+    <dgm:cxn modelId="{03A68A41-BA05-42DA-820F-2F2DFCEFA55C}" type="presOf" srcId="{97E0FF12-E87C-4191-BEDA-C2CF8E9C49C6}" destId="{17EFAFCB-1F6F-434B-B168-74BEDD648862}" srcOrd="0" destOrd="0" presId="urn:microsoft.com/office/officeart/2009/3/layout/HorizontalOrganizationChart"/>
+    <dgm:cxn modelId="{269BAF42-F384-467F-A6B9-D974A7F5205B}" type="presOf" srcId="{0370135D-4CB0-41C6-90F3-69D36FCE2812}" destId="{1988D759-4C64-49E1-9B0A-C662E4BF8E4E}" srcOrd="0" destOrd="0" presId="urn:microsoft.com/office/officeart/2009/3/layout/HorizontalOrganizationChart"/>
+    <dgm:cxn modelId="{48D57844-EB68-4627-80FB-E2E2FAD95AD4}" type="presOf" srcId="{6964A4E3-E4D8-41F7-9536-D76244C68EA4}" destId="{A1DC0112-D484-4EA5-A810-A055780A2D9B}" srcOrd="0" destOrd="0" presId="urn:microsoft.com/office/officeart/2009/3/layout/HorizontalOrganizationChart"/>
+    <dgm:cxn modelId="{830E5546-DC34-46E4-9557-D0CD6C5F5D9F}" type="presOf" srcId="{4B726AFC-917B-462E-ABD5-ABB0EE292728}" destId="{73AD7060-D478-4BF1-8F1C-3E9BC1E48B9D}" srcOrd="0" destOrd="0" presId="urn:microsoft.com/office/officeart/2009/3/layout/HorizontalOrganizationChart"/>
+    <dgm:cxn modelId="{1BF5404D-A39E-4247-A7F9-043D369BC5AD}" srcId="{C488DDC1-257E-4026-BDA2-905482E4C9C8}" destId="{6589238D-7105-4711-B647-47273AEFFE8A}" srcOrd="2" destOrd="0" parTransId="{A9CB41C0-408C-4E56-BB3B-995A1E6A8DB2}" sibTransId="{4B4450EF-C130-46E9-9C78-831E3565EE4D}"/>
+    <dgm:cxn modelId="{1DA8BF4D-C8AA-4D63-9F8A-C0AE15BBD30F}" type="presOf" srcId="{4B726AFC-917B-462E-ABD5-ABB0EE292728}" destId="{C0C6F18E-FC4C-4B8D-844C-552E8C7BF176}" srcOrd="1" destOrd="0" presId="urn:microsoft.com/office/officeart/2009/3/layout/HorizontalOrganizationChart"/>
+    <dgm:cxn modelId="{03CD404E-0DDB-4D1E-80CE-0696F86C0530}" type="presOf" srcId="{3066FB2A-3BDB-47F1-B2D7-290D180FEFA8}" destId="{280AAF32-CF85-4DDC-BC1E-E1799EA69538}" srcOrd="0" destOrd="0" presId="urn:microsoft.com/office/officeart/2009/3/layout/HorizontalOrganizationChart"/>
+    <dgm:cxn modelId="{17DF7650-E6A8-46D0-A79A-DD21716062E3}" srcId="{973CCD07-7FB0-4860-8B33-D0306AE4E28B}" destId="{C3FC4818-F09E-46E0-BA77-A22C4FFF5272}" srcOrd="0" destOrd="0" parTransId="{09E4935A-C2CE-4E4B-8C07-CE9BD0D14D62}" sibTransId="{4D5AE663-75F0-4C7A-8869-C3DA98702EB3}"/>
+    <dgm:cxn modelId="{94C99953-E033-4E23-B3D6-08296E7C9500}" type="presOf" srcId="{6B688450-80F7-40AF-A621-CDA54BBE8041}" destId="{72F3265F-EABC-423F-B41E-D53CB31BC9EA}" srcOrd="0" destOrd="0" presId="urn:microsoft.com/office/officeart/2009/3/layout/HorizontalOrganizationChart"/>
+    <dgm:cxn modelId="{40A84559-49D2-45E6-AACB-D924895CEA58}" srcId="{C488DDC1-257E-4026-BDA2-905482E4C9C8}" destId="{53277C34-1D1E-459F-9AD3-C0779D377249}" srcOrd="3" destOrd="0" parTransId="{6B688450-80F7-40AF-A621-CDA54BBE8041}" sibTransId="{4C04894C-888A-478A-8FC5-1D6A7E6A8851}"/>
+    <dgm:cxn modelId="{DB3CAA60-039D-44CF-A90C-2A05E0CFD066}" type="presOf" srcId="{A4BD198B-4FED-40AF-B9F3-380BA935C3CD}" destId="{DC23F8D1-5AC9-43EA-B960-FFC8783E47D5}" srcOrd="0" destOrd="0" presId="urn:microsoft.com/office/officeart/2009/3/layout/HorizontalOrganizationChart"/>
+    <dgm:cxn modelId="{357F1366-5988-463E-835A-8B7F114A27B6}" type="presOf" srcId="{973CCD07-7FB0-4860-8B33-D0306AE4E28B}" destId="{24DDA01A-0185-4AD2-9263-AC3D7FB155FB}" srcOrd="0" destOrd="0" presId="urn:microsoft.com/office/officeart/2009/3/layout/HorizontalOrganizationChart"/>
+    <dgm:cxn modelId="{ACCF8A68-96BF-47A9-8317-A58B881E6D83}" type="presOf" srcId="{3066FB2A-3BDB-47F1-B2D7-290D180FEFA8}" destId="{9942659A-9E16-4846-9EFD-74683EC9C39F}" srcOrd="1" destOrd="0" presId="urn:microsoft.com/office/officeart/2009/3/layout/HorizontalOrganizationChart"/>
+    <dgm:cxn modelId="{8C7CCB68-3BAD-42C8-B383-327476AB1949}" type="presOf" srcId="{5010CE28-93FA-43BD-ABE3-2B210CDDD388}" destId="{C1E59680-54D6-42F6-9DCB-ED0CEE482C8D}" srcOrd="0" destOrd="0" presId="urn:microsoft.com/office/officeart/2009/3/layout/HorizontalOrganizationChart"/>
+    <dgm:cxn modelId="{EB5D0473-2E16-437A-AE5F-20616581AD7A}" type="presOf" srcId="{09E4935A-C2CE-4E4B-8C07-CE9BD0D14D62}" destId="{B701F459-8A7A-4102-9920-188A3CFE23CD}" srcOrd="0" destOrd="0" presId="urn:microsoft.com/office/officeart/2009/3/layout/HorizontalOrganizationChart"/>
+    <dgm:cxn modelId="{09546176-B5A8-4830-83CF-7CE45B17DAC5}" srcId="{DA582B4F-3C48-48D3-B6BB-FE6E25EDECCE}" destId="{0F7BC3FB-E80C-4CEA-81AA-AA240D39D3F7}" srcOrd="0" destOrd="0" parTransId="{482F4C95-C39E-4FE4-8AEE-D23440ACDF34}" sibTransId="{72B793E9-17E4-4AD0-80E9-4FE0A85865FB}"/>
+    <dgm:cxn modelId="{3B9D8677-AB80-439C-9075-DFB6C9058224}" type="presOf" srcId="{53277C34-1D1E-459F-9AD3-C0779D377249}" destId="{DAEF1BCF-716E-4F79-A6A0-B873EB34ABFE}" srcOrd="0" destOrd="0" presId="urn:microsoft.com/office/officeart/2009/3/layout/HorizontalOrganizationChart"/>
+    <dgm:cxn modelId="{CCD87678-3421-4870-9931-49803BAECDA0}" type="presOf" srcId="{F0578613-3253-40E2-A678-537EC0662ABF}" destId="{A9E9207E-0E7C-42F3-919C-E73AA3AE5500}" srcOrd="0" destOrd="0" presId="urn:microsoft.com/office/officeart/2009/3/layout/HorizontalOrganizationChart"/>
+    <dgm:cxn modelId="{E5855979-A7B5-437C-BB9F-B51C513E568B}" type="presOf" srcId="{9C57C07B-B624-4E14-8AA6-21FA669B0EB9}" destId="{1810DF6F-3D7E-4284-A074-DAEF315817FA}" srcOrd="0" destOrd="0" presId="urn:microsoft.com/office/officeart/2009/3/layout/HorizontalOrganizationChart"/>
+    <dgm:cxn modelId="{24A9567C-D79A-4223-A068-52DDA16CA4B5}" type="presOf" srcId="{A870D306-D6D5-4B5D-8235-47138035B827}" destId="{CDA0F56F-8C7E-4BBC-A9AD-C32F01F858BC}" srcOrd="0" destOrd="0" presId="urn:microsoft.com/office/officeart/2009/3/layout/HorizontalOrganizationChart"/>
+    <dgm:cxn modelId="{1FE88A7D-4101-44C4-BF84-05FF804A090E}" type="presOf" srcId="{A4429014-4AA8-464C-A54D-EC2D244DE0BE}" destId="{AA4C86B0-F639-4AEB-9B75-A19178E3A88F}" srcOrd="0" destOrd="0" presId="urn:microsoft.com/office/officeart/2009/3/layout/HorizontalOrganizationChart"/>
+    <dgm:cxn modelId="{274E7C82-8432-4FF8-B2A2-8134D7D75333}" srcId="{C488DDC1-257E-4026-BDA2-905482E4C9C8}" destId="{973CCD07-7FB0-4860-8B33-D0306AE4E28B}" srcOrd="0" destOrd="0" parTransId="{A4BD198B-4FED-40AF-B9F3-380BA935C3CD}" sibTransId="{C782F34E-03F3-4DE8-B6D3-55C71A70A044}"/>
+    <dgm:cxn modelId="{E488008F-6314-41E7-9EF5-C50FC664A6C7}" type="presOf" srcId="{DA582B4F-3C48-48D3-B6BB-FE6E25EDECCE}" destId="{97C99E41-96AD-44E6-A36A-DF4E5F51DB7B}" srcOrd="0" destOrd="0" presId="urn:microsoft.com/office/officeart/2009/3/layout/HorizontalOrganizationChart"/>
+    <dgm:cxn modelId="{CCDD2691-7ED1-4985-BEB0-B058E6125C50}" srcId="{C488DDC1-257E-4026-BDA2-905482E4C9C8}" destId="{A870D306-D6D5-4B5D-8235-47138035B827}" srcOrd="5" destOrd="0" parTransId="{08CE5C67-8365-43AB-962D-6D2673BA6E03}" sibTransId="{9E021D36-0DB1-4083-A0ED-9A3C723EB2F3}"/>
+    <dgm:cxn modelId="{A9BB9392-014E-40C8-8441-E2B67C27B62F}" type="presOf" srcId="{973CCD07-7FB0-4860-8B33-D0306AE4E28B}" destId="{C2A56672-1E2D-40E1-B5EA-F79C5CD37A3F}" srcOrd="1" destOrd="0" presId="urn:microsoft.com/office/officeart/2009/3/layout/HorizontalOrganizationChart"/>
+    <dgm:cxn modelId="{8A3D6693-6667-450F-B8DD-9705B61CC0EE}" srcId="{A870D306-D6D5-4B5D-8235-47138035B827}" destId="{5010CE28-93FA-43BD-ABE3-2B210CDDD388}" srcOrd="0" destOrd="0" parTransId="{D8C7871B-87D3-468E-AC39-96966901E1C4}" sibTransId="{8B8A6D35-B92D-4405-BD84-BDFE19DE5F9C}"/>
+    <dgm:cxn modelId="{BD4C3795-D20E-4896-B1A6-012CEC5000B3}" type="presOf" srcId="{C3FC4818-F09E-46E0-BA77-A22C4FFF5272}" destId="{EC035766-3D74-4310-9F9E-75026757262E}" srcOrd="0" destOrd="0" presId="urn:microsoft.com/office/officeart/2009/3/layout/HorizontalOrganizationChart"/>
+    <dgm:cxn modelId="{A38D7195-56D7-418A-9A1D-B009F4D38435}" type="presOf" srcId="{C488DDC1-257E-4026-BDA2-905482E4C9C8}" destId="{109E3BB9-4E87-4BB6-975A-61F145755FF5}" srcOrd="1" destOrd="0" presId="urn:microsoft.com/office/officeart/2009/3/layout/HorizontalOrganizationChart"/>
+    <dgm:cxn modelId="{E2C4449D-93B4-4F2E-AFBA-B0A4483617EA}" type="presOf" srcId="{456EFB4D-5F86-49D7-9E7C-1AC24E46B4B3}" destId="{89B501C5-19D8-4241-8237-869FFFEB0097}" srcOrd="1" destOrd="0" presId="urn:microsoft.com/office/officeart/2009/3/layout/HorizontalOrganizationChart"/>
+    <dgm:cxn modelId="{47B48C9D-6EC3-49FF-9480-A37C51BAB2BD}" type="presOf" srcId="{6589238D-7105-4711-B647-47273AEFFE8A}" destId="{7AEC9F57-B00C-41AA-956B-0BCB9CB450F5}" srcOrd="0" destOrd="0" presId="urn:microsoft.com/office/officeart/2009/3/layout/HorizontalOrganizationChart"/>
+    <dgm:cxn modelId="{8F45389F-31FB-4199-8979-DA9BB5202553}" type="presOf" srcId="{80F7076E-1B48-4A94-960C-3622E1343EDE}" destId="{6168AE62-4054-46BA-8243-38082AC90379}" srcOrd="0" destOrd="0" presId="urn:microsoft.com/office/officeart/2009/3/layout/HorizontalOrganizationChart"/>
+    <dgm:cxn modelId="{616517A8-2BC5-4D8C-9757-BD76FBCC4C32}" type="presOf" srcId="{B14781C4-63C4-4A95-B779-F20A7851480D}" destId="{9F7575F3-5B79-42D1-BA96-888F37B0AA43}" srcOrd="0" destOrd="0" presId="urn:microsoft.com/office/officeart/2009/3/layout/HorizontalOrganizationChart"/>
+    <dgm:cxn modelId="{76FB93B1-041F-426C-A122-F11CD0CCC3C9}" type="presOf" srcId="{24A7A657-2692-4C3F-BF91-B5CF9ABCBF4D}" destId="{1228EBAC-25AD-4134-8AEC-69968979BA7A}" srcOrd="0" destOrd="0" presId="urn:microsoft.com/office/officeart/2009/3/layout/HorizontalOrganizationChart"/>
+    <dgm:cxn modelId="{099E79B2-57BD-46ED-B3C8-EBED27A0A9D5}" srcId="{80F7076E-1B48-4A94-960C-3622E1343EDE}" destId="{A4429014-4AA8-464C-A54D-EC2D244DE0BE}" srcOrd="0" destOrd="0" parTransId="{EE410091-5290-4695-BC58-C69249079662}" sibTransId="{F1FDA292-8725-4AE7-B32E-5AFED013B37F}"/>
+    <dgm:cxn modelId="{3D4C84B6-D761-4B0B-98F5-0CB66F29346F}" type="presOf" srcId="{BAC266E5-D12F-430D-B56F-D65DBBF23ADD}" destId="{B157BEF4-9FB3-47F1-A8B8-355283167242}" srcOrd="0" destOrd="0" presId="urn:microsoft.com/office/officeart/2009/3/layout/HorizontalOrganizationChart"/>
+    <dgm:cxn modelId="{59D20FBD-CFF1-44E5-A691-2D5FF58EAD10}" type="presOf" srcId="{A870D306-D6D5-4B5D-8235-47138035B827}" destId="{D54B5BE5-3ADC-4249-A95A-56A54139C7AA}" srcOrd="1" destOrd="0" presId="urn:microsoft.com/office/officeart/2009/3/layout/HorizontalOrganizationChart"/>
+    <dgm:cxn modelId="{5E1B9FC0-9EB5-4A00-AABC-AE8850500877}" srcId="{FEEF8090-3A68-4C1D-B4FD-0107C029ED35}" destId="{C488DDC1-257E-4026-BDA2-905482E4C9C8}" srcOrd="0" destOrd="0" parTransId="{3AFCC133-CCAB-4011-B342-EF2D27D8624B}" sibTransId="{5045D27D-3FB9-4913-BD00-60BC1101FE97}"/>
+    <dgm:cxn modelId="{619B7BC1-66CF-4813-8985-D2E4F4ABE82E}" type="presOf" srcId="{0F7BC3FB-E80C-4CEA-81AA-AA240D39D3F7}" destId="{546555B4-497F-4CFC-9A68-6CAC8179DF4B}" srcOrd="0" destOrd="0" presId="urn:microsoft.com/office/officeart/2009/3/layout/HorizontalOrganizationChart"/>
+    <dgm:cxn modelId="{F090A4C8-88C7-4FFC-822D-32AA68213A64}" type="presOf" srcId="{EE410091-5290-4695-BC58-C69249079662}" destId="{CC7A5250-6500-4A51-9436-4C21D6C86379}" srcOrd="0" destOrd="0" presId="urn:microsoft.com/office/officeart/2009/3/layout/HorizontalOrganizationChart"/>
+    <dgm:cxn modelId="{2FB62ACD-0348-4284-A3FC-9E08AC707455}" type="presOf" srcId="{29F0002A-D376-49D6-B212-7BA7C73A8D8F}" destId="{5DB87ACE-F670-40BC-8C12-494FF3EB8DB8}" srcOrd="0" destOrd="0" presId="urn:microsoft.com/office/officeart/2009/3/layout/HorizontalOrganizationChart"/>
+    <dgm:cxn modelId="{0F2367CF-E311-4F1D-BEC3-917D75975745}" srcId="{A4429014-4AA8-464C-A54D-EC2D244DE0BE}" destId="{1A1ECAE7-03E0-4037-B94B-CCA02892EC8E}" srcOrd="0" destOrd="0" parTransId="{B14781C4-63C4-4A95-B779-F20A7851480D}" sibTransId="{B1105A89-5987-47BA-9BE1-BAF1CCFE64DA}"/>
+    <dgm:cxn modelId="{62D284D0-4559-41CC-8E78-B5EC7B995C6D}" srcId="{5010CE28-93FA-43BD-ABE3-2B210CDDD388}" destId="{4B726AFC-917B-462E-ABD5-ABB0EE292728}" srcOrd="0" destOrd="0" parTransId="{F0578613-3253-40E2-A678-537EC0662ABF}" sibTransId="{DA2E0ED2-DE76-4361-BA33-873308FF95AE}"/>
+    <dgm:cxn modelId="{DC79B2D0-92FB-4863-956C-6ECF559CB5A7}" type="presOf" srcId="{C488DDC1-257E-4026-BDA2-905482E4C9C8}" destId="{215BDFBD-6852-4495-B7E0-094FD58A2651}" srcOrd="0" destOrd="0" presId="urn:microsoft.com/office/officeart/2009/3/layout/HorizontalOrganizationChart"/>
     <dgm:cxn modelId="{D630D2D1-C54E-4EC1-B4DF-3535839ECE05}" type="presOf" srcId="{A4429014-4AA8-464C-A54D-EC2D244DE0BE}" destId="{2CB3FD73-E719-47C4-BF66-D8B44B85BF6E}" srcOrd="1" destOrd="0" presId="urn:microsoft.com/office/officeart/2009/3/layout/HorizontalOrganizationChart"/>
-    <dgm:cxn modelId="{E88D361C-5A6B-48D6-A745-FB22BB11C370}" srcId="{3066FB2A-3BDB-47F1-B2D7-290D180FEFA8}" destId="{456EFB4D-5F86-49D7-9E7C-1AC24E46B4B3}" srcOrd="0" destOrd="0" parTransId="{29F0002A-D376-49D6-B212-7BA7C73A8D8F}" sibTransId="{720ECC7E-6208-45B2-B917-D6564223DE5A}"/>
-    <dgm:cxn modelId="{3B9D8677-AB80-439C-9075-DFB6C9058224}" type="presOf" srcId="{53277C34-1D1E-459F-9AD3-C0779D377249}" destId="{DAEF1BCF-716E-4F79-A6A0-B873EB34ABFE}" srcOrd="0" destOrd="0" presId="urn:microsoft.com/office/officeart/2009/3/layout/HorizontalOrganizationChart"/>
-    <dgm:cxn modelId="{24A9567C-D79A-4223-A068-52DDA16CA4B5}" type="presOf" srcId="{A870D306-D6D5-4B5D-8235-47138035B827}" destId="{CDA0F56F-8C7E-4BBC-A9AD-C32F01F858BC}" srcOrd="0" destOrd="0" presId="urn:microsoft.com/office/officeart/2009/3/layout/HorizontalOrganizationChart"/>
-    <dgm:cxn modelId="{2FB62ACD-0348-4284-A3FC-9E08AC707455}" type="presOf" srcId="{29F0002A-D376-49D6-B212-7BA7C73A8D8F}" destId="{5DB87ACE-F670-40BC-8C12-494FF3EB8DB8}" srcOrd="0" destOrd="0" presId="urn:microsoft.com/office/officeart/2009/3/layout/HorizontalOrganizationChart"/>
-    <dgm:cxn modelId="{EB5D0473-2E16-437A-AE5F-20616581AD7A}" type="presOf" srcId="{09E4935A-C2CE-4E4B-8C07-CE9BD0D14D62}" destId="{B701F459-8A7A-4102-9920-188A3CFE23CD}" srcOrd="0" destOrd="0" presId="urn:microsoft.com/office/officeart/2009/3/layout/HorizontalOrganizationChart"/>
-    <dgm:cxn modelId="{E5855979-A7B5-437C-BB9F-B51C513E568B}" type="presOf" srcId="{9C57C07B-B624-4E14-8AA6-21FA669B0EB9}" destId="{1810DF6F-3D7E-4284-A074-DAEF315817FA}" srcOrd="0" destOrd="0" presId="urn:microsoft.com/office/officeart/2009/3/layout/HorizontalOrganizationChart"/>
-    <dgm:cxn modelId="{94C99953-E033-4E23-B3D6-08296E7C9500}" type="presOf" srcId="{6B688450-80F7-40AF-A621-CDA54BBE8041}" destId="{72F3265F-EABC-423F-B41E-D53CB31BC9EA}" srcOrd="0" destOrd="0" presId="urn:microsoft.com/office/officeart/2009/3/layout/HorizontalOrganizationChart"/>
-    <dgm:cxn modelId="{59D20FBD-CFF1-44E5-A691-2D5FF58EAD10}" type="presOf" srcId="{A870D306-D6D5-4B5D-8235-47138035B827}" destId="{D54B5BE5-3ADC-4249-A95A-56A54139C7AA}" srcOrd="1" destOrd="0" presId="urn:microsoft.com/office/officeart/2009/3/layout/HorizontalOrganizationChart"/>
-    <dgm:cxn modelId="{F6278E2C-72C7-4348-A097-F1D1544C3C3B}" type="presOf" srcId="{80F7076E-1B48-4A94-960C-3622E1343EDE}" destId="{3CB44A20-29EB-4F4F-B983-F5916E5CC107}" srcOrd="1" destOrd="0" presId="urn:microsoft.com/office/officeart/2009/3/layout/HorizontalOrganizationChart"/>
-    <dgm:cxn modelId="{616517A8-2BC5-4D8C-9757-BD76FBCC4C32}" type="presOf" srcId="{B14781C4-63C4-4A95-B779-F20A7851480D}" destId="{9F7575F3-5B79-42D1-BA96-888F37B0AA43}" srcOrd="0" destOrd="0" presId="urn:microsoft.com/office/officeart/2009/3/layout/HorizontalOrganizationChart"/>
-    <dgm:cxn modelId="{48D57844-EB68-4627-80FB-E2E2FAD95AD4}" type="presOf" srcId="{6964A4E3-E4D8-41F7-9536-D76244C68EA4}" destId="{A1DC0112-D484-4EA5-A810-A055780A2D9B}" srcOrd="0" destOrd="0" presId="urn:microsoft.com/office/officeart/2009/3/layout/HorizontalOrganizationChart"/>
-    <dgm:cxn modelId="{E92F9C12-4F33-41D1-A072-43A5098AB2C7}" type="presOf" srcId="{53277C34-1D1E-459F-9AD3-C0779D377249}" destId="{5232913A-463D-4FE5-B199-34052089008C}" srcOrd="1" destOrd="0" presId="urn:microsoft.com/office/officeart/2009/3/layout/HorizontalOrganizationChart"/>
     <dgm:cxn modelId="{5CD2DDDB-EE22-4479-B085-4D9A28EB164F}" type="presOf" srcId="{FEEF8090-3A68-4C1D-B4FD-0107C029ED35}" destId="{3FA8ABCE-0A92-4967-90A8-23A264E1B5EA}" srcOrd="0" destOrd="0" presId="urn:microsoft.com/office/officeart/2009/3/layout/HorizontalOrganizationChart"/>
-    <dgm:cxn modelId="{830E5546-DC34-46E4-9557-D0CD6C5F5D9F}" type="presOf" srcId="{4B726AFC-917B-462E-ABD5-ABB0EE292728}" destId="{73AD7060-D478-4BF1-8F1C-3E9BC1E48B9D}" srcOrd="0" destOrd="0" presId="urn:microsoft.com/office/officeart/2009/3/layout/HorizontalOrganizationChart"/>
+    <dgm:cxn modelId="{1535D3E6-D54E-4002-A54B-15C531799CE4}" type="presOf" srcId="{1A1ECAE7-03E0-4037-B94B-CCA02892EC8E}" destId="{BE5D859A-F7E5-4FDD-A3BF-C2DDC37EF257}" srcOrd="0" destOrd="0" presId="urn:microsoft.com/office/officeart/2009/3/layout/HorizontalOrganizationChart"/>
     <dgm:cxn modelId="{2CD676E7-FDAF-44A7-B3DC-1472945E274D}" srcId="{6589238D-7105-4711-B647-47273AEFFE8A}" destId="{3066FB2A-3BDB-47F1-B2D7-290D180FEFA8}" srcOrd="0" destOrd="0" parTransId="{4B01905F-FFBC-4707-BB8D-B7156B5C85E2}" sibTransId="{7119E590-E581-4016-842C-A8F918037C3A}"/>
-    <dgm:cxn modelId="{47B48C9D-6EC3-49FF-9480-A37C51BAB2BD}" type="presOf" srcId="{6589238D-7105-4711-B647-47273AEFFE8A}" destId="{7AEC9F57-B00C-41AA-956B-0BCB9CB450F5}" srcOrd="0" destOrd="0" presId="urn:microsoft.com/office/officeart/2009/3/layout/HorizontalOrganizationChart"/>
-    <dgm:cxn modelId="{76FB93B1-041F-426C-A122-F11CD0CCC3C9}" type="presOf" srcId="{24A7A657-2692-4C3F-BF91-B5CF9ABCBF4D}" destId="{1228EBAC-25AD-4134-8AEC-69968979BA7A}" srcOrd="0" destOrd="0" presId="urn:microsoft.com/office/officeart/2009/3/layout/HorizontalOrganizationChart"/>
-    <dgm:cxn modelId="{1535D3E6-D54E-4002-A54B-15C531799CE4}" type="presOf" srcId="{1A1ECAE7-03E0-4037-B94B-CCA02892EC8E}" destId="{BE5D859A-F7E5-4FDD-A3BF-C2DDC37EF257}" srcOrd="0" destOrd="0" presId="urn:microsoft.com/office/officeart/2009/3/layout/HorizontalOrganizationChart"/>
-    <dgm:cxn modelId="{36FE8420-50F7-469B-B737-BD4DFAC4E284}" type="presOf" srcId="{DA582B4F-3C48-48D3-B6BB-FE6E25EDECCE}" destId="{61766B6C-73E2-440E-B346-462F4D023185}" srcOrd="1" destOrd="0" presId="urn:microsoft.com/office/officeart/2009/3/layout/HorizontalOrganizationChart"/>
-    <dgm:cxn modelId="{3236F308-4345-44DC-835D-5BD75BB27137}" srcId="{C488DDC1-257E-4026-BDA2-905482E4C9C8}" destId="{89817D6D-04D1-4CC8-AF7D-15C398DE9063}" srcOrd="1" destOrd="0" parTransId="{BAC266E5-D12F-430D-B56F-D65DBBF23ADD}" sibTransId="{076E4D95-2C3B-41D2-B0F8-736FC2A9D53C}"/>
     <dgm:cxn modelId="{627E07E8-DB8E-465C-B220-5F3FA3AAB955}" type="presOf" srcId="{89817D6D-04D1-4CC8-AF7D-15C398DE9063}" destId="{58938279-F9FE-475E-A10B-324C3F4EDD94}" srcOrd="0" destOrd="0" presId="urn:microsoft.com/office/officeart/2009/3/layout/HorizontalOrganizationChart"/>
-    <dgm:cxn modelId="{17DF7650-E6A8-46D0-A79A-DD21716062E3}" srcId="{973CCD07-7FB0-4860-8B33-D0306AE4E28B}" destId="{C3FC4818-F09E-46E0-BA77-A22C4FFF5272}" srcOrd="0" destOrd="0" parTransId="{09E4935A-C2CE-4E4B-8C07-CE9BD0D14D62}" sibTransId="{4D5AE663-75F0-4C7A-8869-C3DA98702EB3}"/>
-    <dgm:cxn modelId="{E260CB09-F7EC-407B-BFE0-46B87B886C5E}" type="presOf" srcId="{1A1ECAE7-03E0-4037-B94B-CCA02892EC8E}" destId="{CE33FEB2-0105-4B00-9AF7-D0DED4DA9741}" srcOrd="1" destOrd="0" presId="urn:microsoft.com/office/officeart/2009/3/layout/HorizontalOrganizationChart"/>
-    <dgm:cxn modelId="{2B6C5317-8F7A-46E2-BA94-00B631FD3F29}" srcId="{C488DDC1-257E-4026-BDA2-905482E4C9C8}" destId="{0370135D-4CB0-41C6-90F3-69D36FCE2812}" srcOrd="4" destOrd="0" parTransId="{1E28F03F-B06A-411F-98AA-D894E72D13F8}" sibTransId="{7EEE441B-5534-4FA3-8BF8-558C31EF9AB5}"/>
-    <dgm:cxn modelId="{1BF5404D-A39E-4247-A7F9-043D369BC5AD}" srcId="{C488DDC1-257E-4026-BDA2-905482E4C9C8}" destId="{6589238D-7105-4711-B647-47273AEFFE8A}" srcOrd="2" destOrd="0" parTransId="{A9CB41C0-408C-4E56-BB3B-995A1E6A8DB2}" sibTransId="{4B4450EF-C130-46E9-9C78-831E3565EE4D}"/>
-    <dgm:cxn modelId="{E2C4449D-93B4-4F2E-AFBA-B0A4483617EA}" type="presOf" srcId="{456EFB4D-5F86-49D7-9E7C-1AC24E46B4B3}" destId="{89B501C5-19D8-4241-8237-869FFFEB0097}" srcOrd="1" destOrd="0" presId="urn:microsoft.com/office/officeart/2009/3/layout/HorizontalOrganizationChart"/>
-    <dgm:cxn modelId="{A9BB9392-014E-40C8-8441-E2B67C27B62F}" type="presOf" srcId="{973CCD07-7FB0-4860-8B33-D0306AE4E28B}" destId="{C2A56672-1E2D-40E1-B5EA-F79C5CD37A3F}" srcOrd="1" destOrd="0" presId="urn:microsoft.com/office/officeart/2009/3/layout/HorizontalOrganizationChart"/>
+    <dgm:cxn modelId="{EAB542E9-D93B-44A6-8ACE-C1CB4E36BA56}" type="presOf" srcId="{4B01905F-FFBC-4707-BB8D-B7156B5C85E2}" destId="{64C95314-F436-4381-9523-85573A0BF7CD}" srcOrd="0" destOrd="0" presId="urn:microsoft.com/office/officeart/2009/3/layout/HorizontalOrganizationChart"/>
+    <dgm:cxn modelId="{C410BCEA-2760-4F03-A5AD-44E8B6FBA7CF}" srcId="{53277C34-1D1E-459F-9AD3-C0779D377249}" destId="{80F7076E-1B48-4A94-960C-3622E1343EDE}" srcOrd="0" destOrd="0" parTransId="{6964A4E3-E4D8-41F7-9536-D76244C68EA4}" sibTransId="{7C6FE4BC-C13F-42C1-94A6-A63D3CE93742}"/>
     <dgm:cxn modelId="{84F736EC-D32D-4FA1-A9B7-64DA4EE3201D}" type="presOf" srcId="{08CE5C67-8365-43AB-962D-6D2673BA6E03}" destId="{7B323650-A8AC-46FB-B935-F4E7D76BB4DF}" srcOrd="0" destOrd="0" presId="urn:microsoft.com/office/officeart/2009/3/layout/HorizontalOrganizationChart"/>
-    <dgm:cxn modelId="{03CD404E-0DDB-4D1E-80CE-0696F86C0530}" type="presOf" srcId="{3066FB2A-3BDB-47F1-B2D7-290D180FEFA8}" destId="{280AAF32-CF85-4DDC-BC1E-E1799EA69538}" srcOrd="0" destOrd="0" presId="urn:microsoft.com/office/officeart/2009/3/layout/HorizontalOrganizationChart"/>
-    <dgm:cxn modelId="{0F2367CF-E311-4F1D-BEC3-917D75975745}" srcId="{A4429014-4AA8-464C-A54D-EC2D244DE0BE}" destId="{1A1ECAE7-03E0-4037-B94B-CCA02892EC8E}" srcOrd="0" destOrd="0" parTransId="{B14781C4-63C4-4A95-B779-F20A7851480D}" sibTransId="{B1105A89-5987-47BA-9BE1-BAF1CCFE64DA}"/>
-    <dgm:cxn modelId="{EAB542E9-D93B-44A6-8ACE-C1CB4E36BA56}" type="presOf" srcId="{4B01905F-FFBC-4707-BB8D-B7156B5C85E2}" destId="{64C95314-F436-4381-9523-85573A0BF7CD}" srcOrd="0" destOrd="0" presId="urn:microsoft.com/office/officeart/2009/3/layout/HorizontalOrganizationChart"/>
-    <dgm:cxn modelId="{8C7CCB68-3BAD-42C8-B383-327476AB1949}" type="presOf" srcId="{5010CE28-93FA-43BD-ABE3-2B210CDDD388}" destId="{C1E59680-54D6-42F6-9DCB-ED0CEE482C8D}" srcOrd="0" destOrd="0" presId="urn:microsoft.com/office/officeart/2009/3/layout/HorizontalOrganizationChart"/>
-    <dgm:cxn modelId="{1DA8BF4D-C8AA-4D63-9F8A-C0AE15BBD30F}" type="presOf" srcId="{4B726AFC-917B-462E-ABD5-ABB0EE292728}" destId="{C0C6F18E-FC4C-4B8D-844C-552E8C7BF176}" srcOrd="1" destOrd="0" presId="urn:microsoft.com/office/officeart/2009/3/layout/HorizontalOrganizationChart"/>
-    <dgm:cxn modelId="{F2BD9738-AA6C-47BD-BD90-8C28E528C41A}" type="presOf" srcId="{5010CE28-93FA-43BD-ABE3-2B210CDDD388}" destId="{3A14D23D-67F3-4D6C-B91C-CE3984F42A17}" srcOrd="1" destOrd="0" presId="urn:microsoft.com/office/officeart/2009/3/layout/HorizontalOrganizationChart"/>
-    <dgm:cxn modelId="{09546176-B5A8-4830-83CF-7CE45B17DAC5}" srcId="{DA582B4F-3C48-48D3-B6BB-FE6E25EDECCE}" destId="{0F7BC3FB-E80C-4CEA-81AA-AA240D39D3F7}" srcOrd="0" destOrd="0" parTransId="{482F4C95-C39E-4FE4-8AEE-D23440ACDF34}" sibTransId="{72B793E9-17E4-4AD0-80E9-4FE0A85865FB}"/>
-    <dgm:cxn modelId="{6C070B33-26FF-4F34-A0BE-7127C91CEB98}" type="presOf" srcId="{C3FC4818-F09E-46E0-BA77-A22C4FFF5272}" destId="{29ED0180-3566-4997-BA7E-553D023ED60B}" srcOrd="1" destOrd="0" presId="urn:microsoft.com/office/officeart/2009/3/layout/HorizontalOrganizationChart"/>
-    <dgm:cxn modelId="{357F1366-5988-463E-835A-8B7F114A27B6}" type="presOf" srcId="{973CCD07-7FB0-4860-8B33-D0306AE4E28B}" destId="{24DDA01A-0185-4AD2-9263-AC3D7FB155FB}" srcOrd="0" destOrd="0" presId="urn:microsoft.com/office/officeart/2009/3/layout/HorizontalOrganizationChart"/>
-    <dgm:cxn modelId="{E488008F-6314-41E7-9EF5-C50FC664A6C7}" type="presOf" srcId="{DA582B4F-3C48-48D3-B6BB-FE6E25EDECCE}" destId="{97C99E41-96AD-44E6-A36A-DF4E5F51DB7B}" srcOrd="0" destOrd="0" presId="urn:microsoft.com/office/officeart/2009/3/layout/HorizontalOrganizationChart"/>
-    <dgm:cxn modelId="{5E1B9FC0-9EB5-4A00-AABC-AE8850500877}" srcId="{FEEF8090-3A68-4C1D-B4FD-0107C029ED35}" destId="{C488DDC1-257E-4026-BDA2-905482E4C9C8}" srcOrd="0" destOrd="0" parTransId="{3AFCC133-CCAB-4011-B342-EF2D27D8624B}" sibTransId="{5045D27D-3FB9-4913-BD00-60BC1101FE97}"/>
-    <dgm:cxn modelId="{A66C9931-19D6-4DBE-839A-B7785551C177}" type="presOf" srcId="{A9CB41C0-408C-4E56-BB3B-995A1E6A8DB2}" destId="{26E0FDD5-602A-40B2-89FA-95393297CE78}" srcOrd="0" destOrd="0" presId="urn:microsoft.com/office/officeart/2009/3/layout/HorizontalOrganizationChart"/>
-    <dgm:cxn modelId="{B21F572C-2D21-4D0D-B25F-D17C6F6CF09E}" type="presOf" srcId="{89817D6D-04D1-4CC8-AF7D-15C398DE9063}" destId="{54DC3190-090A-40EE-A0E7-1E5D8BB8437F}" srcOrd="1" destOrd="0" presId="urn:microsoft.com/office/officeart/2009/3/layout/HorizontalOrganizationChart"/>
     <dgm:cxn modelId="{4776E2F4-1130-42C5-BE2F-A0B5037A8E9B}" srcId="{89817D6D-04D1-4CC8-AF7D-15C398DE9063}" destId="{DA582B4F-3C48-48D3-B6BB-FE6E25EDECCE}" srcOrd="0" destOrd="0" parTransId="{24A7A657-2692-4C3F-BF91-B5CF9ABCBF4D}" sibTransId="{1D58D5D8-E495-45B0-B35E-DA37E1A0E5EC}"/>
-    <dgm:cxn modelId="{CCDD2691-7ED1-4985-BEB0-B058E6125C50}" srcId="{C488DDC1-257E-4026-BDA2-905482E4C9C8}" destId="{A870D306-D6D5-4B5D-8235-47138035B827}" srcOrd="5" destOrd="0" parTransId="{08CE5C67-8365-43AB-962D-6D2673BA6E03}" sibTransId="{9E021D36-0DB1-4083-A0ED-9A3C723EB2F3}"/>
-    <dgm:cxn modelId="{9B19483A-FBC8-49C8-9FF5-D8CCF37CD529}" type="presOf" srcId="{456EFB4D-5F86-49D7-9E7C-1AC24E46B4B3}" destId="{3E004AE2-9D40-4241-96F1-12E022FC3A31}" srcOrd="0" destOrd="0" presId="urn:microsoft.com/office/officeart/2009/3/layout/HorizontalOrganizationChart"/>
-    <dgm:cxn modelId="{099E79B2-57BD-46ED-B3C8-EBED27A0A9D5}" srcId="{80F7076E-1B48-4A94-960C-3622E1343EDE}" destId="{A4429014-4AA8-464C-A54D-EC2D244DE0BE}" srcOrd="0" destOrd="0" parTransId="{EE410091-5290-4695-BC58-C69249079662}" sibTransId="{F1FDA292-8725-4AE7-B32E-5AFED013B37F}"/>
-    <dgm:cxn modelId="{1FE88A7D-4101-44C4-BF84-05FF804A090E}" type="presOf" srcId="{A4429014-4AA8-464C-A54D-EC2D244DE0BE}" destId="{AA4C86B0-F639-4AEB-9B75-A19178E3A88F}" srcOrd="0" destOrd="0" presId="urn:microsoft.com/office/officeart/2009/3/layout/HorizontalOrganizationChart"/>
-    <dgm:cxn modelId="{B050793B-8B51-4456-BA97-1A152BBE8A23}" srcId="{0370135D-4CB0-41C6-90F3-69D36FCE2812}" destId="{97E0FF12-E87C-4191-BEDA-C2CF8E9C49C6}" srcOrd="0" destOrd="0" parTransId="{9C57C07B-B624-4E14-8AA6-21FA669B0EB9}" sibTransId="{E0E7C847-5ED8-4CBC-B497-1F78152E32BC}"/>
-    <dgm:cxn modelId="{8A3D6693-6667-450F-B8DD-9705B61CC0EE}" srcId="{A870D306-D6D5-4B5D-8235-47138035B827}" destId="{5010CE28-93FA-43BD-ABE3-2B210CDDD388}" srcOrd="0" destOrd="0" parTransId="{D8C7871B-87D3-468E-AC39-96966901E1C4}" sibTransId="{8B8A6D35-B92D-4405-BD84-BDFE19DE5F9C}"/>
-    <dgm:cxn modelId="{DC79B2D0-92FB-4863-956C-6ECF559CB5A7}" type="presOf" srcId="{C488DDC1-257E-4026-BDA2-905482E4C9C8}" destId="{215BDFBD-6852-4495-B7E0-094FD58A2651}" srcOrd="0" destOrd="0" presId="urn:microsoft.com/office/officeart/2009/3/layout/HorizontalOrganizationChart"/>
-    <dgm:cxn modelId="{99DE9D07-0D52-4B37-8779-AD58CDF6238C}" type="presOf" srcId="{6589238D-7105-4711-B647-47273AEFFE8A}" destId="{C7F9608F-81E9-415B-AC4D-B4E48E0FDD6F}" srcOrd="1" destOrd="0" presId="urn:microsoft.com/office/officeart/2009/3/layout/HorizontalOrganizationChart"/>
-    <dgm:cxn modelId="{8F45389F-31FB-4199-8979-DA9BB5202553}" type="presOf" srcId="{80F7076E-1B48-4A94-960C-3622E1343EDE}" destId="{6168AE62-4054-46BA-8243-38082AC90379}" srcOrd="0" destOrd="0" presId="urn:microsoft.com/office/officeart/2009/3/layout/HorizontalOrganizationChart"/>
-    <dgm:cxn modelId="{BD4C3795-D20E-4896-B1A6-012CEC5000B3}" type="presOf" srcId="{C3FC4818-F09E-46E0-BA77-A22C4FFF5272}" destId="{EC035766-3D74-4310-9F9E-75026757262E}" srcOrd="0" destOrd="0" presId="urn:microsoft.com/office/officeart/2009/3/layout/HorizontalOrganizationChart"/>
-    <dgm:cxn modelId="{40A84559-49D2-45E6-AACB-D924895CEA58}" srcId="{C488DDC1-257E-4026-BDA2-905482E4C9C8}" destId="{53277C34-1D1E-459F-9AD3-C0779D377249}" srcOrd="3" destOrd="0" parTransId="{6B688450-80F7-40AF-A621-CDA54BBE8041}" sibTransId="{4C04894C-888A-478A-8FC5-1D6A7E6A8851}"/>
-    <dgm:cxn modelId="{274E7C82-8432-4FF8-B2A2-8134D7D75333}" srcId="{C488DDC1-257E-4026-BDA2-905482E4C9C8}" destId="{973CCD07-7FB0-4860-8B33-D0306AE4E28B}" srcOrd="0" destOrd="0" parTransId="{A4BD198B-4FED-40AF-B9F3-380BA935C3CD}" sibTransId="{C782F34E-03F3-4DE8-B6D3-55C71A70A044}"/>
-    <dgm:cxn modelId="{619B7BC1-66CF-4813-8985-D2E4F4ABE82E}" type="presOf" srcId="{0F7BC3FB-E80C-4CEA-81AA-AA240D39D3F7}" destId="{546555B4-497F-4CFC-9A68-6CAC8179DF4B}" srcOrd="0" destOrd="0" presId="urn:microsoft.com/office/officeart/2009/3/layout/HorizontalOrganizationChart"/>
-    <dgm:cxn modelId="{3D4C84B6-D761-4B0B-98F5-0CB66F29346F}" type="presOf" srcId="{BAC266E5-D12F-430D-B56F-D65DBBF23ADD}" destId="{B157BEF4-9FB3-47F1-A8B8-355283167242}" srcOrd="0" destOrd="0" presId="urn:microsoft.com/office/officeart/2009/3/layout/HorizontalOrganizationChart"/>
-    <dgm:cxn modelId="{A38D7195-56D7-418A-9A1D-B009F4D38435}" type="presOf" srcId="{C488DDC1-257E-4026-BDA2-905482E4C9C8}" destId="{109E3BB9-4E87-4BB6-975A-61F145755FF5}" srcOrd="1" destOrd="0" presId="urn:microsoft.com/office/officeart/2009/3/layout/HorizontalOrganizationChart"/>
-    <dgm:cxn modelId="{03A68A41-BA05-42DA-820F-2F2DFCEFA55C}" type="presOf" srcId="{97E0FF12-E87C-4191-BEDA-C2CF8E9C49C6}" destId="{17EFAFCB-1F6F-434B-B168-74BEDD648862}" srcOrd="0" destOrd="0" presId="urn:microsoft.com/office/officeart/2009/3/layout/HorizontalOrganizationChart"/>
-    <dgm:cxn modelId="{C410BCEA-2760-4F03-A5AD-44E8B6FBA7CF}" srcId="{53277C34-1D1E-459F-9AD3-C0779D377249}" destId="{80F7076E-1B48-4A94-960C-3622E1343EDE}" srcOrd="0" destOrd="0" parTransId="{6964A4E3-E4D8-41F7-9536-D76244C68EA4}" sibTransId="{7C6FE4BC-C13F-42C1-94A6-A63D3CE93742}"/>
-    <dgm:cxn modelId="{269BAF42-F384-467F-A6B9-D974A7F5205B}" type="presOf" srcId="{0370135D-4CB0-41C6-90F3-69D36FCE2812}" destId="{1988D759-4C64-49E1-9B0A-C662E4BF8E4E}" srcOrd="0" destOrd="0" presId="urn:microsoft.com/office/officeart/2009/3/layout/HorizontalOrganizationChart"/>
-    <dgm:cxn modelId="{CCD87678-3421-4870-9931-49803BAECDA0}" type="presOf" srcId="{F0578613-3253-40E2-A678-537EC0662ABF}" destId="{A9E9207E-0E7C-42F3-919C-E73AA3AE5500}" srcOrd="0" destOrd="0" presId="urn:microsoft.com/office/officeart/2009/3/layout/HorizontalOrganizationChart"/>
-    <dgm:cxn modelId="{ADE8322B-49C4-4BC4-8A86-83F919CE20F3}" type="presOf" srcId="{97E0FF12-E87C-4191-BEDA-C2CF8E9C49C6}" destId="{DE9C5D20-9DD3-4735-BA51-F98AED01086B}" srcOrd="1" destOrd="0" presId="urn:microsoft.com/office/officeart/2009/3/layout/HorizontalOrganizationChart"/>
-    <dgm:cxn modelId="{62D284D0-4559-41CC-8E78-B5EC7B995C6D}" srcId="{5010CE28-93FA-43BD-ABE3-2B210CDDD388}" destId="{4B726AFC-917B-462E-ABD5-ABB0EE292728}" srcOrd="0" destOrd="0" parTransId="{F0578613-3253-40E2-A678-537EC0662ABF}" sibTransId="{DA2E0ED2-DE76-4361-BA33-873308FF95AE}"/>
-    <dgm:cxn modelId="{43079730-7CC0-4418-9AA6-49FEBE1B3A4E}" type="presOf" srcId="{0F7BC3FB-E80C-4CEA-81AA-AA240D39D3F7}" destId="{6D6B7336-0BAC-4179-9FC0-2DBC8948A8C6}" srcOrd="1" destOrd="0" presId="urn:microsoft.com/office/officeart/2009/3/layout/HorizontalOrganizationChart"/>
-    <dgm:cxn modelId="{F090A4C8-88C7-4FFC-822D-32AA68213A64}" type="presOf" srcId="{EE410091-5290-4695-BC58-C69249079662}" destId="{CC7A5250-6500-4A51-9436-4C21D6C86379}" srcOrd="0" destOrd="0" presId="urn:microsoft.com/office/officeart/2009/3/layout/HorizontalOrganizationChart"/>
-    <dgm:cxn modelId="{ACCF8A68-96BF-47A9-8317-A58B881E6D83}" type="presOf" srcId="{3066FB2A-3BDB-47F1-B2D7-290D180FEFA8}" destId="{9942659A-9E16-4846-9EFD-74683EC9C39F}" srcOrd="1" destOrd="0" presId="urn:microsoft.com/office/officeart/2009/3/layout/HorizontalOrganizationChart"/>
-    <dgm:cxn modelId="{DB3CAA60-039D-44CF-A90C-2A05E0CFD066}" type="presOf" srcId="{A4BD198B-4FED-40AF-B9F3-380BA935C3CD}" destId="{DC23F8D1-5AC9-43EA-B960-FFC8783E47D5}" srcOrd="0" destOrd="0" presId="urn:microsoft.com/office/officeart/2009/3/layout/HorizontalOrganizationChart"/>
-    <dgm:cxn modelId="{61691010-1C54-4DC3-837C-20EBCC944B2B}" type="presOf" srcId="{D8C7871B-87D3-468E-AC39-96966901E1C4}" destId="{A4BEB405-E33B-4BA8-A049-A2CCB3FE00CF}" srcOrd="0" destOrd="0" presId="urn:microsoft.com/office/officeart/2009/3/layout/HorizontalOrganizationChart"/>
     <dgm:cxn modelId="{D535F9F1-F522-4024-9C5D-C4B378416E34}" type="presParOf" srcId="{3FA8ABCE-0A92-4967-90A8-23A264E1B5EA}" destId="{D3DD1CD1-467C-4A58-A86C-8E5F879FE5B8}" srcOrd="0" destOrd="0" presId="urn:microsoft.com/office/officeart/2009/3/layout/HorizontalOrganizationChart"/>
     <dgm:cxn modelId="{6E4BFAA6-1C33-4AAE-B71F-AF63F28F0B04}" type="presParOf" srcId="{D3DD1CD1-467C-4A58-A86C-8E5F879FE5B8}" destId="{3370557D-77B8-4A7E-B5FD-4F7D98D1E07B}" srcOrd="0" destOrd="0" presId="urn:microsoft.com/office/officeart/2009/3/layout/HorizontalOrganizationChart"/>
     <dgm:cxn modelId="{D287D436-A70B-46D6-816E-79E49782B4F1}" type="presParOf" srcId="{3370557D-77B8-4A7E-B5FD-4F7D98D1E07B}" destId="{215BDFBD-6852-4495-B7E0-094FD58A2651}" srcOrd="0" destOrd="0" presId="urn:microsoft.com/office/officeart/2009/3/layout/HorizontalOrganizationChart"/>
@@ -4329,7 +3790,7 @@
         </a:bodyPr>
         <a:lstStyle/>
         <a:p>
-          <a:pPr lvl="0" algn="ctr" defTabSz="889000">
+          <a:pPr marL="0" lvl="0" indent="0" algn="ctr" defTabSz="889000">
             <a:lnSpc>
               <a:spcPct val="90000"/>
             </a:lnSpc>
@@ -4339,9 +3800,10 @@
             <a:spcAft>
               <a:spcPct val="35000"/>
             </a:spcAft>
+            <a:buNone/>
           </a:pPr>
           <a:r>
-            <a:rPr lang="zh-TW" altLang="en-US" sz="2000" kern="1200" dirty="0" smtClean="0">
+            <a:rPr lang="zh-TW" altLang="en-US" sz="2000" kern="1200" dirty="0">
               <a:solidFill>
                 <a:schemeClr val="accent1">
                   <a:lumMod val="75000"/>
@@ -4352,15 +3814,6 @@
             </a:rPr>
             <a:t>首頁</a:t>
           </a:r>
-          <a:endParaRPr lang="zh-TW" altLang="en-US" sz="2000" kern="1200" dirty="0">
-            <a:solidFill>
-              <a:schemeClr val="accent1">
-                <a:lumMod val="75000"/>
-              </a:schemeClr>
-            </a:solidFill>
-            <a:latin typeface="Microsoft YaHei" panose="020B0503020204020204" pitchFamily="34" charset="-122"/>
-            <a:ea typeface="Microsoft YaHei" panose="020B0503020204020204" pitchFamily="34" charset="-122"/>
-          </a:endParaRPr>
         </a:p>
       </dsp:txBody>
       <dsp:txXfrm>
@@ -4410,7 +3863,7 @@
         </a:bodyPr>
         <a:lstStyle/>
         <a:p>
-          <a:pPr lvl="0" algn="ctr" defTabSz="889000">
+          <a:pPr marL="0" lvl="0" indent="0" algn="ctr" defTabSz="889000">
             <a:lnSpc>
               <a:spcPct val="90000"/>
             </a:lnSpc>
@@ -4420,9 +3873,10 @@
             <a:spcAft>
               <a:spcPct val="35000"/>
             </a:spcAft>
+            <a:buNone/>
           </a:pPr>
           <a:r>
-            <a:rPr lang="zh-TW" altLang="en-US" sz="2000" kern="1200" dirty="0" smtClean="0">
+            <a:rPr lang="zh-TW" altLang="en-US" sz="2000" kern="1200" dirty="0">
               <a:solidFill>
                 <a:schemeClr val="accent1">
                   <a:lumMod val="75000"/>
@@ -4433,15 +3887,6 @@
             </a:rPr>
             <a:t>個人資料</a:t>
           </a:r>
-          <a:endParaRPr lang="zh-TW" altLang="en-US" sz="2000" kern="1200" dirty="0">
-            <a:solidFill>
-              <a:schemeClr val="accent1">
-                <a:lumMod val="75000"/>
-              </a:schemeClr>
-            </a:solidFill>
-            <a:latin typeface="Microsoft YaHei" panose="020B0503020204020204" pitchFamily="34" charset="-122"/>
-            <a:ea typeface="Microsoft YaHei" panose="020B0503020204020204" pitchFamily="34" charset="-122"/>
-          </a:endParaRPr>
         </a:p>
       </dsp:txBody>
       <dsp:txXfrm>
@@ -4491,7 +3936,7 @@
         </a:bodyPr>
         <a:lstStyle/>
         <a:p>
-          <a:pPr lvl="0" algn="ctr" defTabSz="889000">
+          <a:pPr marL="0" lvl="0" indent="0" algn="ctr" defTabSz="889000">
             <a:lnSpc>
               <a:spcPct val="90000"/>
             </a:lnSpc>
@@ -4501,9 +3946,10 @@
             <a:spcAft>
               <a:spcPct val="35000"/>
             </a:spcAft>
+            <a:buNone/>
           </a:pPr>
           <a:r>
-            <a:rPr lang="zh-TW" altLang="en-US" sz="2000" kern="1200" dirty="0" smtClean="0">
+            <a:rPr lang="zh-TW" altLang="en-US" sz="2000" kern="1200" dirty="0">
               <a:solidFill>
                 <a:schemeClr val="accent1">
                   <a:lumMod val="75000"/>
@@ -4514,15 +3960,6 @@
             </a:rPr>
             <a:t>資料庫</a:t>
           </a:r>
-          <a:endParaRPr lang="zh-TW" altLang="en-US" sz="2000" kern="1200" dirty="0">
-            <a:solidFill>
-              <a:schemeClr val="accent1">
-                <a:lumMod val="75000"/>
-              </a:schemeClr>
-            </a:solidFill>
-            <a:latin typeface="Microsoft YaHei" panose="020B0503020204020204" pitchFamily="34" charset="-122"/>
-            <a:ea typeface="Microsoft YaHei" panose="020B0503020204020204" pitchFamily="34" charset="-122"/>
-          </a:endParaRPr>
         </a:p>
       </dsp:txBody>
       <dsp:txXfrm>
@@ -4572,7 +4009,7 @@
         </a:bodyPr>
         <a:lstStyle/>
         <a:p>
-          <a:pPr lvl="0" algn="ctr" defTabSz="889000">
+          <a:pPr marL="0" lvl="0" indent="0" algn="ctr" defTabSz="889000">
             <a:lnSpc>
               <a:spcPct val="90000"/>
             </a:lnSpc>
@@ -4582,9 +4019,10 @@
             <a:spcAft>
               <a:spcPct val="35000"/>
             </a:spcAft>
+            <a:buNone/>
           </a:pPr>
           <a:r>
-            <a:rPr lang="zh-TW" altLang="en-US" sz="2000" kern="1200" dirty="0" smtClean="0">
+            <a:rPr lang="zh-TW" altLang="en-US" sz="2000" kern="1200" dirty="0">
               <a:solidFill>
                 <a:schemeClr val="accent1">
                   <a:lumMod val="75000"/>
@@ -4595,15 +4033,6 @@
             </a:rPr>
             <a:t>遊戲</a:t>
           </a:r>
-          <a:endParaRPr lang="zh-TW" altLang="en-US" sz="2000" kern="1200" dirty="0">
-            <a:solidFill>
-              <a:schemeClr val="accent1">
-                <a:lumMod val="75000"/>
-              </a:schemeClr>
-            </a:solidFill>
-            <a:latin typeface="Microsoft YaHei" panose="020B0503020204020204" pitchFamily="34" charset="-122"/>
-            <a:ea typeface="Microsoft YaHei" panose="020B0503020204020204" pitchFamily="34" charset="-122"/>
-          </a:endParaRPr>
         </a:p>
       </dsp:txBody>
       <dsp:txXfrm>
@@ -4653,7 +4082,7 @@
         </a:bodyPr>
         <a:lstStyle/>
         <a:p>
-          <a:pPr lvl="0" algn="ctr" defTabSz="889000">
+          <a:pPr marL="0" lvl="0" indent="0" algn="ctr" defTabSz="889000">
             <a:lnSpc>
               <a:spcPct val="90000"/>
             </a:lnSpc>
@@ -4663,9 +4092,10 @@
             <a:spcAft>
               <a:spcPct val="35000"/>
             </a:spcAft>
+            <a:buNone/>
           </a:pPr>
           <a:r>
-            <a:rPr lang="zh-TW" altLang="en-US" sz="2000" kern="1200" dirty="0" smtClean="0">
+            <a:rPr lang="zh-TW" altLang="en-US" sz="2000" kern="1200" dirty="0">
               <a:solidFill>
                 <a:schemeClr val="accent1">
                   <a:lumMod val="75000"/>
@@ -4676,15 +4106,6 @@
             </a:rPr>
             <a:t>遊戲介紹</a:t>
           </a:r>
-          <a:endParaRPr lang="zh-TW" altLang="en-US" sz="2000" kern="1200" dirty="0">
-            <a:solidFill>
-              <a:schemeClr val="accent1">
-                <a:lumMod val="75000"/>
-              </a:schemeClr>
-            </a:solidFill>
-            <a:latin typeface="Microsoft YaHei" panose="020B0503020204020204" pitchFamily="34" charset="-122"/>
-            <a:ea typeface="Microsoft YaHei" panose="020B0503020204020204" pitchFamily="34" charset="-122"/>
-          </a:endParaRPr>
         </a:p>
       </dsp:txBody>
       <dsp:txXfrm>
@@ -4734,7 +4155,7 @@
         </a:bodyPr>
         <a:lstStyle/>
         <a:p>
-          <a:pPr lvl="0" algn="ctr" defTabSz="889000">
+          <a:pPr marL="0" lvl="0" indent="0" algn="ctr" defTabSz="889000">
             <a:lnSpc>
               <a:spcPct val="90000"/>
             </a:lnSpc>
@@ -4744,9 +4165,10 @@
             <a:spcAft>
               <a:spcPct val="35000"/>
             </a:spcAft>
+            <a:buNone/>
           </a:pPr>
           <a:r>
-            <a:rPr lang="zh-TW" altLang="en-US" sz="2000" kern="1200" dirty="0" smtClean="0">
+            <a:rPr lang="zh-TW" altLang="en-US" sz="2000" kern="1200" dirty="0">
               <a:solidFill>
                 <a:schemeClr val="accent1">
                   <a:lumMod val="75000"/>
@@ -4757,15 +4179,6 @@
             </a:rPr>
             <a:t>外部連結</a:t>
           </a:r>
-          <a:endParaRPr lang="zh-TW" altLang="en-US" sz="2000" kern="1200" dirty="0">
-            <a:solidFill>
-              <a:schemeClr val="accent1">
-                <a:lumMod val="75000"/>
-              </a:schemeClr>
-            </a:solidFill>
-            <a:latin typeface="Microsoft YaHei" panose="020B0503020204020204" pitchFamily="34" charset="-122"/>
-            <a:ea typeface="Microsoft YaHei" panose="020B0503020204020204" pitchFamily="34" charset="-122"/>
-          </a:endParaRPr>
         </a:p>
       </dsp:txBody>
       <dsp:txXfrm>
@@ -4815,7 +4228,7 @@
         </a:bodyPr>
         <a:lstStyle/>
         <a:p>
-          <a:pPr lvl="0" algn="ctr" defTabSz="889000">
+          <a:pPr marL="0" lvl="0" indent="0" algn="ctr" defTabSz="889000">
             <a:lnSpc>
               <a:spcPct val="90000"/>
             </a:lnSpc>
@@ -4825,9 +4238,10 @@
             <a:spcAft>
               <a:spcPct val="35000"/>
             </a:spcAft>
+            <a:buNone/>
           </a:pPr>
           <a:r>
-            <a:rPr lang="zh-TW" altLang="en-US" sz="2000" kern="1200" dirty="0" smtClean="0">
+            <a:rPr lang="zh-TW" altLang="en-US" sz="2000" kern="1200" dirty="0">
               <a:solidFill>
                 <a:schemeClr val="accent1">
                   <a:lumMod val="75000"/>
@@ -4838,15 +4252,6 @@
             </a:rPr>
             <a:t>活動</a:t>
           </a:r>
-          <a:endParaRPr lang="zh-TW" altLang="en-US" sz="2000" kern="1200" dirty="0">
-            <a:solidFill>
-              <a:schemeClr val="accent1">
-                <a:lumMod val="75000"/>
-              </a:schemeClr>
-            </a:solidFill>
-            <a:latin typeface="Microsoft YaHei" panose="020B0503020204020204" pitchFamily="34" charset="-122"/>
-            <a:ea typeface="Microsoft YaHei" panose="020B0503020204020204" pitchFamily="34" charset="-122"/>
-          </a:endParaRPr>
         </a:p>
       </dsp:txBody>
       <dsp:txXfrm>
@@ -4896,7 +4301,7 @@
         </a:bodyPr>
         <a:lstStyle/>
         <a:p>
-          <a:pPr lvl="0" algn="ctr" defTabSz="889000">
+          <a:pPr marL="0" lvl="0" indent="0" algn="ctr" defTabSz="889000">
             <a:lnSpc>
               <a:spcPct val="90000"/>
             </a:lnSpc>
@@ -4906,9 +4311,10 @@
             <a:spcAft>
               <a:spcPct val="35000"/>
             </a:spcAft>
+            <a:buNone/>
           </a:pPr>
           <a:r>
-            <a:rPr lang="zh-TW" altLang="en-US" sz="2000" kern="1200" dirty="0" smtClean="0">
+            <a:rPr lang="zh-TW" altLang="en-US" sz="2000" kern="1200" dirty="0">
               <a:solidFill>
                 <a:schemeClr val="accent1">
                   <a:lumMod val="75000"/>
@@ -4919,15 +4325,6 @@
             </a:rPr>
             <a:t>報名</a:t>
           </a:r>
-          <a:endParaRPr lang="zh-TW" altLang="en-US" sz="2000" kern="1200" dirty="0">
-            <a:solidFill>
-              <a:schemeClr val="accent1">
-                <a:lumMod val="75000"/>
-              </a:schemeClr>
-            </a:solidFill>
-            <a:latin typeface="Microsoft YaHei" panose="020B0503020204020204" pitchFamily="34" charset="-122"/>
-            <a:ea typeface="Microsoft YaHei" panose="020B0503020204020204" pitchFamily="34" charset="-122"/>
-          </a:endParaRPr>
         </a:p>
       </dsp:txBody>
       <dsp:txXfrm>
@@ -4977,7 +4374,7 @@
         </a:bodyPr>
         <a:lstStyle/>
         <a:p>
-          <a:pPr lvl="0" algn="ctr" defTabSz="889000">
+          <a:pPr marL="0" lvl="0" indent="0" algn="ctr" defTabSz="889000">
             <a:lnSpc>
               <a:spcPct val="90000"/>
             </a:lnSpc>
@@ -4987,9 +4384,10 @@
             <a:spcAft>
               <a:spcPct val="35000"/>
             </a:spcAft>
+            <a:buNone/>
           </a:pPr>
           <a:r>
-            <a:rPr lang="zh-TW" altLang="en-US" sz="2000" kern="1200" dirty="0" smtClean="0">
+            <a:rPr lang="zh-TW" altLang="en-US" sz="2000" kern="1200" dirty="0">
               <a:solidFill>
                 <a:schemeClr val="accent1">
                   <a:lumMod val="75000"/>
@@ -5001,7 +4399,7 @@
             <a:t>報名成功</a:t>
           </a:r>
           <a:r>
-            <a:rPr lang="en-US" altLang="zh-TW" sz="2000" kern="1200" dirty="0" smtClean="0">
+            <a:rPr lang="en-US" altLang="zh-TW" sz="2000" kern="1200" dirty="0">
               <a:solidFill>
                 <a:schemeClr val="accent1">
                   <a:lumMod val="75000"/>
@@ -5013,7 +4411,7 @@
             <a:t>/</a:t>
           </a:r>
           <a:r>
-            <a:rPr lang="zh-TW" altLang="en-US" sz="2000" kern="1200" dirty="0" smtClean="0">
+            <a:rPr lang="zh-TW" altLang="en-US" sz="2000" kern="1200" dirty="0">
               <a:solidFill>
                 <a:schemeClr val="accent1">
                   <a:lumMod val="75000"/>
@@ -5024,15 +4422,6 @@
             </a:rPr>
             <a:t>額滿</a:t>
           </a:r>
-          <a:endParaRPr lang="zh-TW" altLang="en-US" sz="2000" kern="1200" dirty="0">
-            <a:solidFill>
-              <a:schemeClr val="accent1">
-                <a:lumMod val="75000"/>
-              </a:schemeClr>
-            </a:solidFill>
-            <a:latin typeface="Microsoft YaHei" panose="020B0503020204020204" pitchFamily="34" charset="-122"/>
-            <a:ea typeface="Microsoft YaHei" panose="020B0503020204020204" pitchFamily="34" charset="-122"/>
-          </a:endParaRPr>
         </a:p>
       </dsp:txBody>
       <dsp:txXfrm>
@@ -5082,7 +4471,7 @@
         </a:bodyPr>
         <a:lstStyle/>
         <a:p>
-          <a:pPr lvl="0" algn="ctr" defTabSz="889000">
+          <a:pPr marL="0" lvl="0" indent="0" algn="ctr" defTabSz="889000">
             <a:lnSpc>
               <a:spcPct val="90000"/>
             </a:lnSpc>
@@ -5092,9 +4481,10 @@
             <a:spcAft>
               <a:spcPct val="35000"/>
             </a:spcAft>
+            <a:buNone/>
           </a:pPr>
           <a:r>
-            <a:rPr lang="zh-TW" altLang="en-US" sz="2000" kern="1200" dirty="0" smtClean="0">
+            <a:rPr lang="zh-TW" altLang="en-US" sz="2000" kern="1200" dirty="0">
               <a:solidFill>
                 <a:schemeClr val="accent1">
                   <a:lumMod val="75000"/>
@@ -5105,15 +4495,6 @@
             </a:rPr>
             <a:t>主頁面</a:t>
           </a:r>
-          <a:endParaRPr lang="zh-TW" altLang="en-US" sz="2000" kern="1200" dirty="0">
-            <a:solidFill>
-              <a:schemeClr val="accent1">
-                <a:lumMod val="75000"/>
-              </a:schemeClr>
-            </a:solidFill>
-            <a:latin typeface="Microsoft YaHei" panose="020B0503020204020204" pitchFamily="34" charset="-122"/>
-            <a:ea typeface="Microsoft YaHei" panose="020B0503020204020204" pitchFamily="34" charset="-122"/>
-          </a:endParaRPr>
         </a:p>
       </dsp:txBody>
       <dsp:txXfrm>
@@ -5163,7 +4544,7 @@
         </a:bodyPr>
         <a:lstStyle/>
         <a:p>
-          <a:pPr lvl="0" algn="ctr" defTabSz="889000">
+          <a:pPr marL="0" lvl="0" indent="0" algn="ctr" defTabSz="889000">
             <a:lnSpc>
               <a:spcPct val="90000"/>
             </a:lnSpc>
@@ -5173,9 +4554,10 @@
             <a:spcAft>
               <a:spcPct val="35000"/>
             </a:spcAft>
+            <a:buNone/>
           </a:pPr>
           <a:r>
-            <a:rPr lang="zh-TW" altLang="en-US" sz="2000" kern="1200" dirty="0" smtClean="0">
+            <a:rPr lang="zh-TW" altLang="en-US" sz="2000" kern="1200" dirty="0">
               <a:solidFill>
                 <a:schemeClr val="accent1">
                   <a:lumMod val="75000"/>
@@ -5186,15 +4568,6 @@
             </a:rPr>
             <a:t>最新消息</a:t>
           </a:r>
-          <a:endParaRPr lang="zh-TW" altLang="en-US" sz="2000" kern="1200" dirty="0">
-            <a:solidFill>
-              <a:schemeClr val="accent1">
-                <a:lumMod val="75000"/>
-              </a:schemeClr>
-            </a:solidFill>
-            <a:latin typeface="Microsoft YaHei" panose="020B0503020204020204" pitchFamily="34" charset="-122"/>
-            <a:ea typeface="Microsoft YaHei" panose="020B0503020204020204" pitchFamily="34" charset="-122"/>
-          </a:endParaRPr>
         </a:p>
       </dsp:txBody>
       <dsp:txXfrm>
@@ -5244,7 +4617,7 @@
         </a:bodyPr>
         <a:lstStyle/>
         <a:p>
-          <a:pPr lvl="0" algn="ctr" defTabSz="889000">
+          <a:pPr marL="0" lvl="0" indent="0" algn="ctr" defTabSz="889000">
             <a:lnSpc>
               <a:spcPct val="90000"/>
             </a:lnSpc>
@@ -5254,9 +4627,10 @@
             <a:spcAft>
               <a:spcPct val="35000"/>
             </a:spcAft>
+            <a:buNone/>
           </a:pPr>
           <a:r>
-            <a:rPr lang="zh-TW" altLang="en-US" sz="2000" kern="1200" dirty="0" smtClean="0">
+            <a:rPr lang="zh-TW" altLang="en-US" sz="2000" kern="1200" dirty="0">
               <a:solidFill>
                 <a:schemeClr val="accent1">
                   <a:lumMod val="75000"/>
@@ -5267,15 +4641,6 @@
             </a:rPr>
             <a:t>看板娘</a:t>
           </a:r>
-          <a:endParaRPr lang="zh-TW" altLang="en-US" sz="2000" kern="1200" dirty="0">
-            <a:solidFill>
-              <a:schemeClr val="accent1">
-                <a:lumMod val="75000"/>
-              </a:schemeClr>
-            </a:solidFill>
-            <a:latin typeface="Microsoft YaHei" panose="020B0503020204020204" pitchFamily="34" charset="-122"/>
-            <a:ea typeface="Microsoft YaHei" panose="020B0503020204020204" pitchFamily="34" charset="-122"/>
-          </a:endParaRPr>
         </a:p>
       </dsp:txBody>
       <dsp:txXfrm>
@@ -5325,7 +4690,7 @@
         </a:bodyPr>
         <a:lstStyle/>
         <a:p>
-          <a:pPr lvl="0" algn="ctr" defTabSz="889000">
+          <a:pPr marL="0" lvl="0" indent="0" algn="ctr" defTabSz="889000">
             <a:lnSpc>
               <a:spcPct val="90000"/>
             </a:lnSpc>
@@ -5335,9 +4700,10 @@
             <a:spcAft>
               <a:spcPct val="35000"/>
             </a:spcAft>
+            <a:buNone/>
           </a:pPr>
           <a:r>
-            <a:rPr lang="zh-TW" altLang="en-US" sz="2000" kern="1200" dirty="0" smtClean="0">
+            <a:rPr lang="zh-TW" altLang="en-US" sz="2000" kern="1200" dirty="0">
               <a:solidFill>
                 <a:schemeClr val="accent1">
                   <a:lumMod val="75000"/>
@@ -5348,15 +4714,6 @@
             </a:rPr>
             <a:t>公告</a:t>
           </a:r>
-          <a:endParaRPr lang="zh-TW" altLang="en-US" sz="2000" kern="1200" dirty="0">
-            <a:solidFill>
-              <a:schemeClr val="accent1">
-                <a:lumMod val="75000"/>
-              </a:schemeClr>
-            </a:solidFill>
-            <a:latin typeface="Microsoft YaHei" panose="020B0503020204020204" pitchFamily="34" charset="-122"/>
-            <a:ea typeface="Microsoft YaHei" panose="020B0503020204020204" pitchFamily="34" charset="-122"/>
-          </a:endParaRPr>
         </a:p>
       </dsp:txBody>
       <dsp:txXfrm>
@@ -5406,7 +4763,7 @@
         </a:bodyPr>
         <a:lstStyle/>
         <a:p>
-          <a:pPr lvl="0" algn="ctr" defTabSz="889000">
+          <a:pPr marL="0" lvl="0" indent="0" algn="ctr" defTabSz="889000">
             <a:lnSpc>
               <a:spcPct val="90000"/>
             </a:lnSpc>
@@ -5416,9 +4773,10 @@
             <a:spcAft>
               <a:spcPct val="35000"/>
             </a:spcAft>
+            <a:buNone/>
           </a:pPr>
           <a:r>
-            <a:rPr lang="zh-TW" altLang="en-US" sz="2000" kern="1200" dirty="0" smtClean="0">
+            <a:rPr lang="zh-TW" altLang="en-US" sz="2000" kern="1200" dirty="0">
               <a:solidFill>
                 <a:schemeClr val="accent1">
                   <a:lumMod val="75000"/>
@@ -5429,15 +4787,6 @@
             </a:rPr>
             <a:t>轉盤</a:t>
           </a:r>
-          <a:endParaRPr lang="zh-TW" altLang="en-US" sz="2000" kern="1200" dirty="0">
-            <a:solidFill>
-              <a:schemeClr val="accent1">
-                <a:lumMod val="75000"/>
-              </a:schemeClr>
-            </a:solidFill>
-            <a:latin typeface="Microsoft YaHei" panose="020B0503020204020204" pitchFamily="34" charset="-122"/>
-            <a:ea typeface="Microsoft YaHei" panose="020B0503020204020204" pitchFamily="34" charset="-122"/>
-          </a:endParaRPr>
         </a:p>
       </dsp:txBody>
       <dsp:txXfrm>
@@ -5487,7 +4836,7 @@
         </a:bodyPr>
         <a:lstStyle/>
         <a:p>
-          <a:pPr lvl="0" algn="ctr" defTabSz="889000">
+          <a:pPr marL="0" lvl="0" indent="0" algn="ctr" defTabSz="889000">
             <a:lnSpc>
               <a:spcPct val="90000"/>
             </a:lnSpc>
@@ -5497,9 +4846,10 @@
             <a:spcAft>
               <a:spcPct val="35000"/>
             </a:spcAft>
+            <a:buNone/>
           </a:pPr>
           <a:r>
-            <a:rPr lang="zh-TW" altLang="en-US" sz="2000" kern="1200" dirty="0" smtClean="0">
+            <a:rPr lang="zh-TW" altLang="en-US" sz="2000" kern="1200" dirty="0">
               <a:solidFill>
                 <a:schemeClr val="accent1">
                   <a:lumMod val="75000"/>
@@ -5510,15 +4860,6 @@
             </a:rPr>
             <a:t>結果</a:t>
           </a:r>
-          <a:endParaRPr lang="zh-TW" altLang="en-US" sz="2000" kern="1200" dirty="0">
-            <a:solidFill>
-              <a:schemeClr val="accent1">
-                <a:lumMod val="75000"/>
-              </a:schemeClr>
-            </a:solidFill>
-            <a:latin typeface="Microsoft YaHei" panose="020B0503020204020204" pitchFamily="34" charset="-122"/>
-            <a:ea typeface="Microsoft YaHei" panose="020B0503020204020204" pitchFamily="34" charset="-122"/>
-          </a:endParaRPr>
         </a:p>
       </dsp:txBody>
       <dsp:txXfrm>
@@ -5568,7 +4909,7 @@
         </a:bodyPr>
         <a:lstStyle/>
         <a:p>
-          <a:pPr lvl="0" algn="ctr" defTabSz="889000">
+          <a:pPr marL="0" lvl="0" indent="0" algn="ctr" defTabSz="889000">
             <a:lnSpc>
               <a:spcPct val="90000"/>
             </a:lnSpc>
@@ -5578,9 +4919,10 @@
             <a:spcAft>
               <a:spcPct val="35000"/>
             </a:spcAft>
+            <a:buNone/>
           </a:pPr>
           <a:r>
-            <a:rPr lang="zh-TW" altLang="en-US" sz="2000" kern="1200" dirty="0" smtClean="0">
+            <a:rPr lang="zh-TW" altLang="en-US" sz="2000" kern="1200" dirty="0">
               <a:solidFill>
                 <a:schemeClr val="accent1">
                   <a:lumMod val="75000"/>
@@ -5591,15 +4933,6 @@
             </a:rPr>
             <a:t>尋人啟事</a:t>
           </a:r>
-          <a:endParaRPr lang="zh-TW" altLang="en-US" sz="2000" kern="1200" dirty="0">
-            <a:solidFill>
-              <a:schemeClr val="accent1">
-                <a:lumMod val="75000"/>
-              </a:schemeClr>
-            </a:solidFill>
-            <a:latin typeface="Microsoft YaHei" panose="020B0503020204020204" pitchFamily="34" charset="-122"/>
-            <a:ea typeface="Microsoft YaHei" panose="020B0503020204020204" pitchFamily="34" charset="-122"/>
-          </a:endParaRPr>
         </a:p>
       </dsp:txBody>
       <dsp:txXfrm>
@@ -5649,7 +4982,7 @@
         </a:bodyPr>
         <a:lstStyle/>
         <a:p>
-          <a:pPr lvl="0" algn="ctr" defTabSz="889000">
+          <a:pPr marL="0" lvl="0" indent="0" algn="ctr" defTabSz="889000">
             <a:lnSpc>
               <a:spcPct val="90000"/>
             </a:lnSpc>
@@ -5659,9 +4992,10 @@
             <a:spcAft>
               <a:spcPct val="35000"/>
             </a:spcAft>
+            <a:buNone/>
           </a:pPr>
           <a:r>
-            <a:rPr lang="zh-TW" altLang="en-US" sz="2000" kern="1200" dirty="0" smtClean="0">
+            <a:rPr lang="zh-TW" altLang="en-US" sz="2000" kern="1200" dirty="0">
               <a:solidFill>
                 <a:schemeClr val="accent1">
                   <a:lumMod val="75000"/>
@@ -5672,15 +5006,6 @@
             </a:rPr>
             <a:t>最新消息</a:t>
           </a:r>
-          <a:endParaRPr lang="zh-TW" altLang="en-US" sz="2000" kern="1200" dirty="0">
-            <a:solidFill>
-              <a:schemeClr val="accent1">
-                <a:lumMod val="75000"/>
-              </a:schemeClr>
-            </a:solidFill>
-            <a:latin typeface="Microsoft YaHei" panose="020B0503020204020204" pitchFamily="34" charset="-122"/>
-            <a:ea typeface="Microsoft YaHei" panose="020B0503020204020204" pitchFamily="34" charset="-122"/>
-          </a:endParaRPr>
         </a:p>
       </dsp:txBody>
       <dsp:txXfrm>
@@ -5730,7 +5055,7 @@
         </a:bodyPr>
         <a:lstStyle/>
         <a:p>
-          <a:pPr lvl="0" algn="ctr" defTabSz="889000">
+          <a:pPr marL="0" lvl="0" indent="0" algn="ctr" defTabSz="889000">
             <a:lnSpc>
               <a:spcPct val="90000"/>
             </a:lnSpc>
@@ -5740,9 +5065,10 @@
             <a:spcAft>
               <a:spcPct val="35000"/>
             </a:spcAft>
+            <a:buNone/>
           </a:pPr>
           <a:r>
-            <a:rPr lang="zh-TW" altLang="en-US" sz="2000" kern="1200" dirty="0" smtClean="0">
+            <a:rPr lang="zh-TW" altLang="en-US" sz="2000" kern="1200" dirty="0">
               <a:solidFill>
                 <a:schemeClr val="accent1">
                   <a:lumMod val="75000"/>
@@ -5753,15 +5079,6 @@
             </a:rPr>
             <a:t>報失蹤</a:t>
           </a:r>
-          <a:endParaRPr lang="zh-TW" altLang="en-US" sz="2000" kern="1200" dirty="0">
-            <a:solidFill>
-              <a:schemeClr val="accent1">
-                <a:lumMod val="75000"/>
-              </a:schemeClr>
-            </a:solidFill>
-            <a:latin typeface="Microsoft YaHei" panose="020B0503020204020204" pitchFamily="34" charset="-122"/>
-            <a:ea typeface="Microsoft YaHei" panose="020B0503020204020204" pitchFamily="34" charset="-122"/>
-          </a:endParaRPr>
         </a:p>
       </dsp:txBody>
       <dsp:txXfrm>
@@ -8131,7 +7448,7 @@
             <a:fld id="{C58E8D3C-FBF1-4539-9426-280357BE4821}" type="datetime1">
               <a:rPr lang="zh-CN" altLang="en-US"/>
               <a:pPr/>
-              <a:t>2019/6/2</a:t>
+              <a:t>2019/6/5</a:t>
             </a:fld>
             <a:endParaRPr lang="zh-CN" altLang="en-US" sz="1200"/>
           </a:p>
@@ -8675,7 +7992,7 @@
             <a:fld id="{9AE23ABE-706A-49A6-B353-C9D9ED05DF06}" type="datetime1">
               <a:rPr lang="zh-CN" altLang="en-US"/>
               <a:pPr/>
-              <a:t>2019/6/2</a:t>
+              <a:t>2019/6/5</a:t>
             </a:fld>
             <a:endParaRPr lang="zh-CN" altLang="en-US" sz="1800">
               <a:solidFill>
@@ -8865,7 +8182,7 @@
             <a:fld id="{9AE23ABE-706A-49A6-B353-C9D9ED05DF06}" type="datetime1">
               <a:rPr lang="zh-CN" altLang="en-US"/>
               <a:pPr/>
-              <a:t>2019/6/2</a:t>
+              <a:t>2019/6/5</a:t>
             </a:fld>
             <a:endParaRPr lang="zh-CN" altLang="en-US" sz="1800">
               <a:solidFill>
@@ -9065,7 +8382,7 @@
             <a:fld id="{9AE23ABE-706A-49A6-B353-C9D9ED05DF06}" type="datetime1">
               <a:rPr lang="zh-CN" altLang="en-US"/>
               <a:pPr/>
-              <a:t>2019/6/2</a:t>
+              <a:t>2019/6/5</a:t>
             </a:fld>
             <a:endParaRPr lang="zh-CN" altLang="en-US" sz="1800">
               <a:solidFill>
@@ -9214,7 +8531,7 @@
             <a:fld id="{9AE23ABE-706A-49A6-B353-C9D9ED05DF06}" type="datetime1">
               <a:rPr lang="zh-CN" altLang="en-US"/>
               <a:pPr/>
-              <a:t>2019/6/2</a:t>
+              <a:t>2019/6/5</a:t>
             </a:fld>
             <a:endParaRPr lang="zh-CN" altLang="en-US" sz="1800">
               <a:solidFill>
@@ -9414,7 +8731,7 @@
             <a:fld id="{9AE23ABE-706A-49A6-B353-C9D9ED05DF06}" type="datetime1">
               <a:rPr lang="zh-CN" altLang="en-US"/>
               <a:pPr/>
-              <a:t>2019/6/2</a:t>
+              <a:t>2019/6/5</a:t>
             </a:fld>
             <a:endParaRPr lang="zh-CN" altLang="en-US" sz="1800">
               <a:solidFill>
@@ -9627,7 +8944,7 @@
             <a:fld id="{9AE23ABE-706A-49A6-B353-C9D9ED05DF06}" type="datetime1">
               <a:rPr lang="zh-CN" altLang="en-US"/>
               <a:pPr/>
-              <a:t>2019/6/2</a:t>
+              <a:t>2019/6/5</a:t>
             </a:fld>
             <a:endParaRPr lang="zh-CN" altLang="en-US" sz="1800">
               <a:solidFill>
@@ -9934,7 +9251,7 @@
             <a:fld id="{9AE23ABE-706A-49A6-B353-C9D9ED05DF06}" type="datetime1">
               <a:rPr lang="zh-CN" altLang="en-US"/>
               <a:pPr/>
-              <a:t>2019/6/2</a:t>
+              <a:t>2019/6/5</a:t>
             </a:fld>
             <a:endParaRPr lang="zh-CN" altLang="en-US" sz="1800">
               <a:solidFill>
@@ -10380,7 +9697,7 @@
             <a:fld id="{9AE23ABE-706A-49A6-B353-C9D9ED05DF06}" type="datetime1">
               <a:rPr lang="zh-CN" altLang="en-US"/>
               <a:pPr/>
-              <a:t>2019/6/2</a:t>
+              <a:t>2019/6/5</a:t>
             </a:fld>
             <a:endParaRPr lang="zh-CN" altLang="en-US" sz="1800">
               <a:solidFill>
@@ -10519,7 +9836,7 @@
             <a:fld id="{9AE23ABE-706A-49A6-B353-C9D9ED05DF06}" type="datetime1">
               <a:rPr lang="zh-CN" altLang="en-US"/>
               <a:pPr/>
-              <a:t>2019/6/2</a:t>
+              <a:t>2019/6/5</a:t>
             </a:fld>
             <a:endParaRPr lang="zh-CN" altLang="en-US" sz="1800">
               <a:solidFill>
@@ -10636,7 +9953,7 @@
             <a:fld id="{9AE23ABE-706A-49A6-B353-C9D9ED05DF06}" type="datetime1">
               <a:rPr lang="zh-CN" altLang="en-US"/>
               <a:pPr/>
-              <a:t>2019/6/2</a:t>
+              <a:t>2019/6/5</a:t>
             </a:fld>
             <a:endParaRPr lang="zh-CN" altLang="en-US" sz="1800">
               <a:solidFill>
@@ -10933,7 +10250,7 @@
             <a:fld id="{9AE23ABE-706A-49A6-B353-C9D9ED05DF06}" type="datetime1">
               <a:rPr lang="zh-CN" altLang="en-US"/>
               <a:pPr/>
-              <a:t>2019/6/2</a:t>
+              <a:t>2019/6/5</a:t>
             </a:fld>
             <a:endParaRPr lang="zh-CN" altLang="en-US" sz="1800">
               <a:solidFill>
@@ -11207,7 +10524,7 @@
             <a:fld id="{9AE23ABE-706A-49A6-B353-C9D9ED05DF06}" type="datetime1">
               <a:rPr lang="zh-CN" altLang="en-US"/>
               <a:pPr/>
-              <a:t>2019/6/2</a:t>
+              <a:t>2019/6/5</a:t>
             </a:fld>
             <a:endParaRPr lang="zh-CN" altLang="en-US" sz="1800">
               <a:solidFill>
@@ -11527,7 +10844,7 @@
             <a:fld id="{9AE23ABE-706A-49A6-B353-C9D9ED05DF06}" type="datetime1">
               <a:rPr lang="zh-CN" altLang="en-US"/>
               <a:pPr/>
-              <a:t>2019/6/2</a:t>
+              <a:t>2019/6/5</a:t>
             </a:fld>
             <a:endParaRPr lang="zh-CN" altLang="en-US" sz="1800">
               <a:solidFill>
@@ -12332,13 +11649,13 @@
           <a:p>
             <a:pPr algn="ctr"/>
             <a:r>
-              <a:rPr lang="zh-TW" altLang="en-US" sz="3600" dirty="0" smtClean="0">
+              <a:rPr lang="zh-TW" altLang="en-US" sz="3600" dirty="0">
                 <a:latin typeface="Microsoft YaHei" panose="020B0503020204020204" pitchFamily="34" charset="-122"/>
                 <a:ea typeface="Microsoft YaHei" panose="020B0503020204020204" pitchFamily="34" charset="-122"/>
               </a:rPr>
               <a:t>第十二組</a:t>
             </a:r>
-            <a:endParaRPr lang="en-US" altLang="zh-TW" sz="3600" dirty="0" smtClean="0">
+            <a:endParaRPr lang="en-US" altLang="zh-TW" sz="3600" dirty="0">
               <a:latin typeface="Microsoft YaHei" panose="020B0503020204020204" pitchFamily="34" charset="-122"/>
               <a:ea typeface="Microsoft YaHei" panose="020B0503020204020204" pitchFamily="34" charset="-122"/>
             </a:endParaRPr>
@@ -12353,27 +11670,27 @@
           <a:p>
             <a:pPr algn="ctr"/>
             <a:r>
-              <a:rPr lang="zh-TW" altLang="en-US" sz="3600" dirty="0" smtClean="0">
+              <a:rPr lang="zh-TW" altLang="en-US" sz="3600" dirty="0">
                 <a:latin typeface="Microsoft YaHei" panose="020B0503020204020204" pitchFamily="34" charset="-122"/>
                 <a:ea typeface="Microsoft YaHei" panose="020B0503020204020204" pitchFamily="34" charset="-122"/>
               </a:rPr>
               <a:t>台科大</a:t>
             </a:r>
             <a:r>
-              <a:rPr lang="en-US" altLang="zh-TW" sz="3600" dirty="0" smtClean="0">
+              <a:rPr lang="en-US" altLang="zh-TW" sz="3600" dirty="0">
                 <a:latin typeface="Microsoft YaHei" panose="020B0503020204020204" pitchFamily="34" charset="-122"/>
                 <a:ea typeface="Microsoft YaHei" panose="020B0503020204020204" pitchFamily="34" charset="-122"/>
               </a:rPr>
               <a:t>&amp;</a:t>
             </a:r>
             <a:r>
-              <a:rPr lang="zh-TW" altLang="en-US" sz="3600" dirty="0" smtClean="0">
+              <a:rPr lang="zh-TW" altLang="en-US" sz="3600" dirty="0">
                 <a:latin typeface="Microsoft YaHei" panose="020B0503020204020204" pitchFamily="34" charset="-122"/>
                 <a:ea typeface="Microsoft YaHei" panose="020B0503020204020204" pitchFamily="34" charset="-122"/>
               </a:rPr>
               <a:t>台師大交友網站</a:t>
             </a:r>
-            <a:endParaRPr lang="en-US" altLang="zh-TW" sz="3600" dirty="0" smtClean="0">
+            <a:endParaRPr lang="en-US" altLang="zh-TW" sz="3600" dirty="0">
               <a:latin typeface="Microsoft YaHei" panose="020B0503020204020204" pitchFamily="34" charset="-122"/>
               <a:ea typeface="Microsoft YaHei" panose="020B0503020204020204" pitchFamily="34" charset="-122"/>
             </a:endParaRPr>
@@ -12455,13 +11772,6 @@
     <a:masterClrMapping/>
   </p:clrMapOvr>
   <p:transition spd="slow"/>
-  <p:timing>
-    <p:tnLst>
-      <p:par>
-        <p:cTn id="1" dur="indefinite" restart="never" nodeType="tmRoot"/>
-      </p:par>
-    </p:tnLst>
-  </p:timing>
 </p:sld>
 </file>
 
@@ -12628,7 +11938,7 @@
               <a:defRPr/>
             </a:pPr>
             <a:r>
-              <a:rPr kumimoji="0" lang="zh-CN" altLang="en-US" sz="3600" b="1" i="0" u="none" strike="noStrike" kern="1200" cap="none" spc="0" normalizeH="0" baseline="0" noProof="0" dirty="0" smtClean="0">
+              <a:rPr kumimoji="0" lang="zh-CN" altLang="en-US" sz="3600" b="1" i="0" u="none" strike="noStrike" kern="1200" cap="none" spc="0" normalizeH="0" baseline="0" noProof="0" dirty="0">
                 <a:ln>
                   <a:noFill/>
                 </a:ln>
@@ -12646,7 +11956,7 @@
               <a:t>網站</a:t>
             </a:r>
             <a:r>
-              <a:rPr lang="zh-TW" altLang="en-US" sz="3600" b="1" noProof="0" dirty="0" smtClean="0">
+              <a:rPr lang="zh-TW" altLang="en-US" sz="3600" b="1" noProof="0" dirty="0">
                 <a:solidFill>
                   <a:srgbClr val="000000"/>
                 </a:solidFill>
@@ -12657,7 +11967,7 @@
               <a:t>展示 </a:t>
             </a:r>
             <a:r>
-              <a:rPr lang="en-US" altLang="zh-TW" sz="3600" b="1" noProof="0" dirty="0" smtClean="0">
+              <a:rPr lang="en-US" altLang="zh-TW" sz="3600" b="1" noProof="0" dirty="0">
                 <a:solidFill>
                   <a:srgbClr val="000000"/>
                 </a:solidFill>
@@ -12668,7 +11978,7 @@
               <a:t>Website Demo</a:t>
             </a:r>
             <a:r>
-              <a:rPr kumimoji="0" lang="zh-TW" altLang="en-US" sz="3600" b="1" i="0" u="none" strike="noStrike" kern="1200" cap="none" spc="0" normalizeH="0" baseline="0" noProof="0" dirty="0" smtClean="0">
+              <a:rPr kumimoji="0" lang="zh-TW" altLang="en-US" sz="3600" b="1" i="0" u="none" strike="noStrike" kern="1200" cap="none" spc="0" normalizeH="0" baseline="0" noProof="0" dirty="0">
                 <a:ln>
                   <a:noFill/>
                 </a:ln>
@@ -12759,7 +12069,7 @@
           <a:p>
             <a:pPr algn="ctr"/>
             <a:r>
-              <a:rPr lang="en-US" altLang="zh-TW" sz="5400" b="1" dirty="0" smtClean="0">
+              <a:rPr lang="en-US" altLang="zh-TW" sz="5400" b="1" dirty="0">
                 <a:ln w="12700">
                   <a:solidFill>
                     <a:srgbClr val="A1BD70"/>
@@ -12782,7 +12092,7 @@
               <a:t>HOME </a:t>
             </a:r>
             <a:r>
-              <a:rPr lang="zh-TW" altLang="en-US" sz="5400" b="1" dirty="0" smtClean="0">
+              <a:rPr lang="zh-TW" altLang="en-US" sz="5400" b="1" dirty="0">
                 <a:ln w="12700">
                   <a:solidFill>
                     <a:srgbClr val="A1BD70"/>
@@ -12804,26 +12114,6 @@
               </a:rPr>
               <a:t>介面</a:t>
             </a:r>
-            <a:endParaRPr lang="zh-TW" altLang="en-US" sz="5400" b="1" dirty="0">
-              <a:ln w="12700">
-                <a:solidFill>
-                  <a:srgbClr val="A1BD70"/>
-                </a:solidFill>
-                <a:prstDash val="solid"/>
-              </a:ln>
-              <a:solidFill>
-                <a:srgbClr val="FFDE6F"/>
-              </a:solidFill>
-              <a:effectLst>
-                <a:outerShdw dist="38100" dir="2640000" algn="bl" rotWithShape="0">
-                  <a:schemeClr val="tx2">
-                    <a:lumMod val="75000"/>
-                  </a:schemeClr>
-                </a:outerShdw>
-              </a:effectLst>
-              <a:latin typeface="Microsoft YaHei" panose="020B0503020204020204" pitchFamily="34" charset="-122"/>
-              <a:ea typeface="Microsoft YaHei" panose="020B0503020204020204" pitchFamily="34" charset="-122"/>
-            </a:endParaRPr>
           </a:p>
         </p:txBody>
       </p:sp>
@@ -12838,13 +12128,6 @@
     <a:masterClrMapping/>
   </p:clrMapOvr>
   <p:transition spd="slow"/>
-  <p:timing>
-    <p:tnLst>
-      <p:par>
-        <p:cTn id="1" dur="indefinite" restart="never" nodeType="tmRoot"/>
-      </p:par>
-    </p:tnLst>
-  </p:timing>
 </p:sld>
 </file>
 
@@ -13011,7 +12294,7 @@
               <a:defRPr/>
             </a:pPr>
             <a:r>
-              <a:rPr kumimoji="0" lang="zh-CN" altLang="en-US" sz="3600" b="1" i="0" u="none" strike="noStrike" kern="1200" cap="none" spc="0" normalizeH="0" baseline="0" noProof="0" dirty="0" smtClean="0">
+              <a:rPr kumimoji="0" lang="zh-CN" altLang="en-US" sz="3600" b="1" i="0" u="none" strike="noStrike" kern="1200" cap="none" spc="0" normalizeH="0" baseline="0" noProof="0" dirty="0">
                 <a:ln>
                   <a:noFill/>
                 </a:ln>
@@ -13029,7 +12312,7 @@
               <a:t>網站</a:t>
             </a:r>
             <a:r>
-              <a:rPr lang="zh-TW" altLang="en-US" sz="3600" b="1" noProof="0" dirty="0" smtClean="0">
+              <a:rPr lang="zh-TW" altLang="en-US" sz="3600" b="1" noProof="0" dirty="0">
                 <a:solidFill>
                   <a:srgbClr val="000000"/>
                 </a:solidFill>
@@ -13040,7 +12323,7 @@
               <a:t>展示 </a:t>
             </a:r>
             <a:r>
-              <a:rPr lang="en-US" altLang="zh-TW" sz="3600" b="1" noProof="0" dirty="0" smtClean="0">
+              <a:rPr lang="en-US" altLang="zh-TW" sz="3600" b="1" noProof="0" dirty="0">
                 <a:solidFill>
                   <a:srgbClr val="000000"/>
                 </a:solidFill>
@@ -13051,7 +12334,7 @@
               <a:t>Website Demo</a:t>
             </a:r>
             <a:r>
-              <a:rPr kumimoji="0" lang="zh-TW" altLang="en-US" sz="3600" b="1" i="0" u="none" strike="noStrike" kern="1200" cap="none" spc="0" normalizeH="0" baseline="0" noProof="0" dirty="0" smtClean="0">
+              <a:rPr kumimoji="0" lang="zh-TW" altLang="en-US" sz="3600" b="1" i="0" u="none" strike="noStrike" kern="1200" cap="none" spc="0" normalizeH="0" baseline="0" noProof="0" dirty="0">
                 <a:ln>
                   <a:noFill/>
                 </a:ln>
@@ -13142,7 +12425,7 @@
           <a:p>
             <a:pPr algn="ctr"/>
             <a:r>
-              <a:rPr lang="zh-TW" altLang="en-US" sz="5400" b="1" dirty="0" smtClean="0">
+              <a:rPr lang="zh-TW" altLang="en-US" sz="5400" b="1" dirty="0">
                 <a:ln w="12700">
                   <a:solidFill>
                     <a:srgbClr val="A1BD70"/>
@@ -13164,26 +12447,6 @@
               </a:rPr>
               <a:t>領養介面</a:t>
             </a:r>
-            <a:endParaRPr lang="zh-TW" altLang="en-US" sz="5400" b="1" dirty="0">
-              <a:ln w="12700">
-                <a:solidFill>
-                  <a:srgbClr val="A1BD70"/>
-                </a:solidFill>
-                <a:prstDash val="solid"/>
-              </a:ln>
-              <a:solidFill>
-                <a:srgbClr val="FFDE6F"/>
-              </a:solidFill>
-              <a:effectLst>
-                <a:outerShdw dist="38100" dir="2640000" algn="bl" rotWithShape="0">
-                  <a:schemeClr val="tx2">
-                    <a:lumMod val="75000"/>
-                  </a:schemeClr>
-                </a:outerShdw>
-              </a:effectLst>
-              <a:latin typeface="Microsoft YaHei" panose="020B0503020204020204" pitchFamily="34" charset="-122"/>
-              <a:ea typeface="Microsoft YaHei" panose="020B0503020204020204" pitchFamily="34" charset="-122"/>
-            </a:endParaRPr>
           </a:p>
         </p:txBody>
       </p:sp>
@@ -13198,13 +12461,6 @@
     <a:masterClrMapping/>
   </p:clrMapOvr>
   <p:transition spd="slow"/>
-  <p:timing>
-    <p:tnLst>
-      <p:par>
-        <p:cTn id="1" dur="indefinite" restart="never" nodeType="tmRoot"/>
-      </p:par>
-    </p:tnLst>
-  </p:timing>
 </p:sld>
 </file>
 
@@ -13371,7 +12627,7 @@
               <a:defRPr/>
             </a:pPr>
             <a:r>
-              <a:rPr kumimoji="0" lang="zh-CN" altLang="en-US" sz="3600" b="1" i="0" u="none" strike="noStrike" kern="1200" cap="none" spc="0" normalizeH="0" baseline="0" noProof="0" dirty="0" smtClean="0">
+              <a:rPr kumimoji="0" lang="zh-CN" altLang="en-US" sz="3600" b="1" i="0" u="none" strike="noStrike" kern="1200" cap="none" spc="0" normalizeH="0" baseline="0" noProof="0" dirty="0">
                 <a:ln>
                   <a:noFill/>
                 </a:ln>
@@ -13389,7 +12645,7 @@
               <a:t>網站</a:t>
             </a:r>
             <a:r>
-              <a:rPr lang="zh-TW" altLang="en-US" sz="3600" b="1" noProof="0" dirty="0" smtClean="0">
+              <a:rPr lang="zh-TW" altLang="en-US" sz="3600" b="1" noProof="0" dirty="0">
                 <a:solidFill>
                   <a:srgbClr val="000000"/>
                 </a:solidFill>
@@ -13400,7 +12656,7 @@
               <a:t>展示 </a:t>
             </a:r>
             <a:r>
-              <a:rPr lang="en-US" altLang="zh-TW" sz="3600" b="1" noProof="0" dirty="0" smtClean="0">
+              <a:rPr lang="en-US" altLang="zh-TW" sz="3600" b="1" noProof="0" dirty="0">
                 <a:solidFill>
                   <a:srgbClr val="000000"/>
                 </a:solidFill>
@@ -13411,7 +12667,7 @@
               <a:t>Website Demo</a:t>
             </a:r>
             <a:r>
-              <a:rPr kumimoji="0" lang="zh-TW" altLang="en-US" sz="3600" b="1" i="0" u="none" strike="noStrike" kern="1200" cap="none" spc="0" normalizeH="0" baseline="0" noProof="0" dirty="0" smtClean="0">
+              <a:rPr kumimoji="0" lang="zh-TW" altLang="en-US" sz="3600" b="1" i="0" u="none" strike="noStrike" kern="1200" cap="none" spc="0" normalizeH="0" baseline="0" noProof="0" dirty="0">
                 <a:ln>
                   <a:noFill/>
                 </a:ln>
@@ -13518,7 +12774,6 @@
             <a:tailEnd type="none" w="med" len="med"/>
           </a:ln>
           <a:effectLst/>
-          <a:extLst/>
         </p:spPr>
         <p:txBody>
           <a:bodyPr vert="horz" wrap="square" lIns="91440" tIns="45720" rIns="91440" bIns="45720" numCol="1" rtlCol="0" anchor="t" anchorCtr="0" compatLnSpc="1">
@@ -13544,7 +12799,7 @@
               <a:buNone/>
               <a:tabLst/>
             </a:pPr>
-            <a:endParaRPr kumimoji="0" lang="zh-TW" altLang="en-US" sz="1800" b="0" i="0" u="none" strike="noStrike" cap="none" normalizeH="0" baseline="0" smtClean="0">
+            <a:endParaRPr kumimoji="0" lang="zh-TW" altLang="en-US" sz="1800" b="0" i="0" u="none" strike="noStrike" cap="none" normalizeH="0" baseline="0">
               <a:ln>
                 <a:noFill/>
               </a:ln>
@@ -13584,7 +12839,7 @@
           <a:p>
             <a:pPr algn="ctr"/>
             <a:r>
-              <a:rPr lang="zh-TW" altLang="en-US" sz="5400" b="1" dirty="0" smtClean="0">
+              <a:rPr lang="zh-TW" altLang="en-US" sz="5400" b="1" dirty="0">
                 <a:ln w="12700">
                   <a:solidFill>
                     <a:srgbClr val="A1BD70"/>
@@ -13607,7 +12862,7 @@
               <a:t>轉盤</a:t>
             </a:r>
             <a:r>
-              <a:rPr lang="en-US" altLang="zh-TW" sz="5400" b="1" dirty="0" smtClean="0">
+              <a:rPr lang="en-US" altLang="zh-TW" sz="5400" b="1" dirty="0">
                 <a:ln w="12700">
                   <a:solidFill>
                     <a:srgbClr val="A1BD70"/>
@@ -13630,7 +12885,7 @@
               <a:t>&amp;</a:t>
             </a:r>
             <a:r>
-              <a:rPr lang="zh-TW" altLang="en-US" sz="5400" b="1" dirty="0" smtClean="0">
+              <a:rPr lang="zh-TW" altLang="en-US" sz="5400" b="1" dirty="0">
                 <a:ln w="12700">
                   <a:solidFill>
                     <a:srgbClr val="A1BD70"/>
@@ -13653,7 +12908,7 @@
               <a:t>選單</a:t>
             </a:r>
             <a:r>
-              <a:rPr lang="en-US" altLang="zh-TW" sz="5400" b="1" dirty="0" smtClean="0">
+              <a:rPr lang="en-US" altLang="zh-TW" sz="5400" b="1" dirty="0">
                 <a:ln w="12700">
                   <a:solidFill>
                     <a:srgbClr val="A1BD70"/>
@@ -13676,7 +12931,7 @@
               <a:t> </a:t>
             </a:r>
             <a:r>
-              <a:rPr lang="zh-TW" altLang="en-US" sz="5400" b="1" dirty="0" smtClean="0">
+              <a:rPr lang="zh-TW" altLang="en-US" sz="5400" b="1" dirty="0">
                 <a:ln w="12700">
                   <a:solidFill>
                     <a:srgbClr val="A1BD70"/>
@@ -13698,26 +12953,6 @@
               </a:rPr>
               <a:t>介面</a:t>
             </a:r>
-            <a:endParaRPr lang="zh-TW" altLang="en-US" sz="5400" b="1" dirty="0">
-              <a:ln w="12700">
-                <a:solidFill>
-                  <a:srgbClr val="A1BD70"/>
-                </a:solidFill>
-                <a:prstDash val="solid"/>
-              </a:ln>
-              <a:solidFill>
-                <a:srgbClr val="FFDE6F"/>
-              </a:solidFill>
-              <a:effectLst>
-                <a:outerShdw dist="38100" dir="2640000" algn="bl" rotWithShape="0">
-                  <a:schemeClr val="tx2">
-                    <a:lumMod val="75000"/>
-                  </a:schemeClr>
-                </a:outerShdw>
-              </a:effectLst>
-              <a:latin typeface="Microsoft YaHei" panose="020B0503020204020204" pitchFamily="34" charset="-122"/>
-              <a:ea typeface="Microsoft YaHei" panose="020B0503020204020204" pitchFamily="34" charset="-122"/>
-            </a:endParaRPr>
           </a:p>
         </p:txBody>
       </p:sp>
@@ -13732,13 +12967,6 @@
     <a:masterClrMapping/>
   </p:clrMapOvr>
   <p:transition spd="slow"/>
-  <p:timing>
-    <p:tnLst>
-      <p:par>
-        <p:cTn id="1" dur="indefinite" restart="never" nodeType="tmRoot"/>
-      </p:par>
-    </p:tnLst>
-  </p:timing>
 </p:sld>
 </file>
 
@@ -13905,7 +13133,7 @@
               <a:defRPr/>
             </a:pPr>
             <a:r>
-              <a:rPr kumimoji="0" lang="zh-CN" altLang="en-US" sz="3600" b="1" i="0" u="none" strike="noStrike" kern="1200" cap="none" spc="0" normalizeH="0" baseline="0" noProof="0" dirty="0" smtClean="0">
+              <a:rPr kumimoji="0" lang="zh-CN" altLang="en-US" sz="3600" b="1" i="0" u="none" strike="noStrike" kern="1200" cap="none" spc="0" normalizeH="0" baseline="0" noProof="0" dirty="0">
                 <a:ln>
                   <a:noFill/>
                 </a:ln>
@@ -13923,7 +13151,7 @@
               <a:t>網站</a:t>
             </a:r>
             <a:r>
-              <a:rPr lang="zh-TW" altLang="en-US" sz="3600" b="1" noProof="0" dirty="0" smtClean="0">
+              <a:rPr lang="zh-TW" altLang="en-US" sz="3600" b="1" noProof="0" dirty="0">
                 <a:solidFill>
                   <a:srgbClr val="000000"/>
                 </a:solidFill>
@@ -13934,7 +13162,7 @@
               <a:t>展示 </a:t>
             </a:r>
             <a:r>
-              <a:rPr lang="en-US" altLang="zh-TW" sz="3600" b="1" noProof="0" dirty="0" smtClean="0">
+              <a:rPr lang="en-US" altLang="zh-TW" sz="3600" b="1" noProof="0" dirty="0">
                 <a:solidFill>
                   <a:srgbClr val="000000"/>
                 </a:solidFill>
@@ -13945,7 +13173,7 @@
               <a:t>Website Demo</a:t>
             </a:r>
             <a:r>
-              <a:rPr kumimoji="0" lang="zh-TW" altLang="en-US" sz="3600" b="1" i="0" u="none" strike="noStrike" kern="1200" cap="none" spc="0" normalizeH="0" baseline="0" noProof="0" dirty="0" smtClean="0">
+              <a:rPr kumimoji="0" lang="zh-TW" altLang="en-US" sz="3600" b="1" i="0" u="none" strike="noStrike" kern="1200" cap="none" spc="0" normalizeH="0" baseline="0" noProof="0" dirty="0">
                 <a:ln>
                   <a:noFill/>
                 </a:ln>
@@ -14036,7 +13264,7 @@
           <a:p>
             <a:pPr algn="ctr"/>
             <a:r>
-              <a:rPr lang="zh-TW" altLang="en-US" sz="5400" b="1" dirty="0" smtClean="0">
+              <a:rPr lang="zh-TW" altLang="en-US" sz="5400" b="1" dirty="0">
                 <a:ln w="12700">
                   <a:solidFill>
                     <a:srgbClr val="A1BD70"/>
@@ -14056,33 +13284,10 @@
                 <a:latin typeface="Microsoft YaHei" panose="020B0503020204020204" pitchFamily="34" charset="-122"/>
                 <a:ea typeface="Microsoft YaHei" panose="020B0503020204020204" pitchFamily="34" charset="-122"/>
               </a:rPr>
-              <a:t>帳號</a:t>
+              <a:t>帳號編輯</a:t>
             </a:r>
             <a:r>
-              <a:rPr lang="zh-TW" altLang="en-US" sz="5400" b="1" dirty="0">
-                <a:ln w="12700">
-                  <a:solidFill>
-                    <a:srgbClr val="A1BD70"/>
-                  </a:solidFill>
-                  <a:prstDash val="solid"/>
-                </a:ln>
-                <a:solidFill>
-                  <a:srgbClr val="FFDE6F"/>
-                </a:solidFill>
-                <a:effectLst>
-                  <a:outerShdw dist="38100" dir="2640000" algn="bl" rotWithShape="0">
-                    <a:schemeClr val="tx2">
-                      <a:lumMod val="75000"/>
-                    </a:schemeClr>
-                  </a:outerShdw>
-                </a:effectLst>
-                <a:latin typeface="Microsoft YaHei" panose="020B0503020204020204" pitchFamily="34" charset="-122"/>
-                <a:ea typeface="Microsoft YaHei" panose="020B0503020204020204" pitchFamily="34" charset="-122"/>
-              </a:rPr>
-              <a:t>編輯</a:t>
-            </a:r>
-            <a:r>
-              <a:rPr lang="en-US" altLang="zh-TW" sz="5400" b="1" dirty="0" smtClean="0">
+              <a:rPr lang="en-US" altLang="zh-TW" sz="5400" b="1" dirty="0">
                 <a:ln w="12700">
                   <a:solidFill>
                     <a:srgbClr val="A1BD70"/>
@@ -14105,7 +13310,7 @@
               <a:t> </a:t>
             </a:r>
             <a:r>
-              <a:rPr lang="zh-TW" altLang="en-US" sz="5400" b="1" dirty="0" smtClean="0">
+              <a:rPr lang="zh-TW" altLang="en-US" sz="5400" b="1" dirty="0">
                 <a:ln w="12700">
                   <a:solidFill>
                     <a:srgbClr val="A1BD70"/>
@@ -14127,26 +13332,6 @@
               </a:rPr>
               <a:t>介面</a:t>
             </a:r>
-            <a:endParaRPr lang="zh-TW" altLang="en-US" sz="5400" b="1" dirty="0">
-              <a:ln w="12700">
-                <a:solidFill>
-                  <a:srgbClr val="A1BD70"/>
-                </a:solidFill>
-                <a:prstDash val="solid"/>
-              </a:ln>
-              <a:solidFill>
-                <a:srgbClr val="FFDE6F"/>
-              </a:solidFill>
-              <a:effectLst>
-                <a:outerShdw dist="38100" dir="2640000" algn="bl" rotWithShape="0">
-                  <a:schemeClr val="tx2">
-                    <a:lumMod val="75000"/>
-                  </a:schemeClr>
-                </a:outerShdw>
-              </a:effectLst>
-              <a:latin typeface="Microsoft YaHei" panose="020B0503020204020204" pitchFamily="34" charset="-122"/>
-              <a:ea typeface="Microsoft YaHei" panose="020B0503020204020204" pitchFamily="34" charset="-122"/>
-            </a:endParaRPr>
           </a:p>
         </p:txBody>
       </p:sp>
@@ -14161,13 +13346,6 @@
     <a:masterClrMapping/>
   </p:clrMapOvr>
   <p:transition spd="slow"/>
-  <p:timing>
-    <p:tnLst>
-      <p:par>
-        <p:cTn id="1" dur="indefinite" restart="never" nodeType="tmRoot"/>
-      </p:par>
-    </p:tnLst>
-  </p:timing>
 </p:sld>
 </file>
 
@@ -14334,7 +13512,7 @@
               <a:defRPr/>
             </a:pPr>
             <a:r>
-              <a:rPr kumimoji="0" lang="zh-CN" altLang="en-US" sz="3600" b="1" i="0" u="none" strike="noStrike" kern="1200" cap="none" spc="0" normalizeH="0" baseline="0" noProof="0" dirty="0" smtClean="0">
+              <a:rPr kumimoji="0" lang="zh-CN" altLang="en-US" sz="3600" b="1" i="0" u="none" strike="noStrike" kern="1200" cap="none" spc="0" normalizeH="0" baseline="0" noProof="0" dirty="0">
                 <a:ln>
                   <a:noFill/>
                 </a:ln>
@@ -14352,7 +13530,7 @@
               <a:t>網站</a:t>
             </a:r>
             <a:r>
-              <a:rPr lang="zh-TW" altLang="en-US" sz="3600" b="1" noProof="0" dirty="0" smtClean="0">
+              <a:rPr lang="zh-TW" altLang="en-US" sz="3600" b="1" noProof="0" dirty="0">
                 <a:solidFill>
                   <a:srgbClr val="000000"/>
                 </a:solidFill>
@@ -14363,7 +13541,7 @@
               <a:t>展示 </a:t>
             </a:r>
             <a:r>
-              <a:rPr lang="en-US" altLang="zh-TW" sz="3600" b="1" noProof="0" dirty="0" smtClean="0">
+              <a:rPr lang="en-US" altLang="zh-TW" sz="3600" b="1" noProof="0" dirty="0">
                 <a:solidFill>
                   <a:srgbClr val="000000"/>
                 </a:solidFill>
@@ -14374,7 +13552,7 @@
               <a:t>Website Demo</a:t>
             </a:r>
             <a:r>
-              <a:rPr kumimoji="0" lang="zh-TW" altLang="en-US" sz="3600" b="1" i="0" u="none" strike="noStrike" kern="1200" cap="none" spc="0" normalizeH="0" baseline="0" noProof="0" dirty="0" smtClean="0">
+              <a:rPr kumimoji="0" lang="zh-TW" altLang="en-US" sz="3600" b="1" i="0" u="none" strike="noStrike" kern="1200" cap="none" spc="0" normalizeH="0" baseline="0" noProof="0" dirty="0">
                 <a:ln>
                   <a:noFill/>
                 </a:ln>
@@ -14465,7 +13643,7 @@
           <a:p>
             <a:pPr algn="ctr"/>
             <a:r>
-              <a:rPr lang="zh-TW" altLang="en-US" sz="5400" b="1" dirty="0" smtClean="0">
+              <a:rPr lang="zh-TW" altLang="en-US" sz="5400" b="1" dirty="0">
                 <a:ln w="12700">
                   <a:solidFill>
                     <a:srgbClr val="A1BD70"/>
@@ -14488,7 +13666,7 @@
               <a:t>後臺</a:t>
             </a:r>
             <a:r>
-              <a:rPr lang="en-US" altLang="zh-TW" sz="5400" b="1" dirty="0" smtClean="0">
+              <a:rPr lang="en-US" altLang="zh-TW" sz="5400" b="1" dirty="0">
                 <a:ln w="12700">
                   <a:solidFill>
                     <a:srgbClr val="A1BD70"/>
@@ -14511,7 +13689,333 @@
               <a:t> </a:t>
             </a:r>
             <a:r>
-              <a:rPr lang="zh-TW" altLang="en-US" sz="5400" b="1" dirty="0" smtClean="0">
+              <a:rPr lang="zh-TW" altLang="en-US" sz="5400" b="1" dirty="0">
+                <a:ln w="12700">
+                  <a:solidFill>
+                    <a:srgbClr val="A1BD70"/>
+                  </a:solidFill>
+                  <a:prstDash val="solid"/>
+                </a:ln>
+                <a:solidFill>
+                  <a:srgbClr val="FFDE6F"/>
+                </a:solidFill>
+                <a:effectLst>
+                  <a:outerShdw dist="38100" dir="2640000" algn="bl" rotWithShape="0">
+                    <a:schemeClr val="tx2">
+                      <a:lumMod val="75000"/>
+                    </a:schemeClr>
+                  </a:outerShdw>
+                </a:effectLst>
+                <a:latin typeface="Microsoft YaHei" panose="020B0503020204020204" pitchFamily="34" charset="-122"/>
+                <a:ea typeface="Microsoft YaHei" panose="020B0503020204020204" pitchFamily="34" charset="-122"/>
+              </a:rPr>
+              <a:t>介面</a:t>
+            </a:r>
+          </a:p>
+        </p:txBody>
+      </p:sp>
+    </p:spTree>
+    <p:extLst>
+      <p:ext uri="{BB962C8B-B14F-4D97-AF65-F5344CB8AC3E}">
+        <p14:creationId xmlns:p14="http://schemas.microsoft.com/office/powerpoint/2010/main" val="3494811309"/>
+      </p:ext>
+    </p:extLst>
+  </p:cSld>
+  <p:clrMapOvr>
+    <a:masterClrMapping/>
+  </p:clrMapOvr>
+  <p:transition spd="slow"/>
+</p:sld>
+</file>
+
+<file path=ppt/slides/slide15.xml><?xml version="1.0" encoding="utf-8"?>
+<p:sld xmlns:a="http://schemas.openxmlformats.org/drawingml/2006/main" xmlns:r="http://schemas.openxmlformats.org/officeDocument/2006/relationships" xmlns:p="http://schemas.openxmlformats.org/presentationml/2006/main">
+  <p:cSld>
+    <p:bg bwMode="auto">
+      <p:bgPr>
+        <a:solidFill>
+          <a:srgbClr val="FFFBEF"/>
+        </a:solidFill>
+        <a:effectLst/>
+      </p:bgPr>
+    </p:bg>
+    <p:spTree>
+      <p:nvGrpSpPr>
+        <p:cNvPr id="1" name=""/>
+        <p:cNvGrpSpPr/>
+        <p:nvPr/>
+      </p:nvGrpSpPr>
+      <p:grpSpPr>
+        <a:xfrm>
+          <a:off x="0" y="0"/>
+          <a:ext cx="0" cy="0"/>
+          <a:chOff x="0" y="0"/>
+          <a:chExt cx="0" cy="0"/>
+        </a:xfrm>
+      </p:grpSpPr>
+      <p:sp>
+        <p:nvSpPr>
+          <p:cNvPr id="13339" name="矩形 109"/>
+          <p:cNvSpPr>
+            <a:spLocks noChangeArrowheads="1"/>
+          </p:cNvSpPr>
+          <p:nvPr/>
+        </p:nvSpPr>
+        <p:spPr bwMode="auto">
+          <a:xfrm>
+            <a:off x="0" y="314325"/>
+            <a:ext cx="228600" cy="685800"/>
+          </a:xfrm>
+          <a:prstGeom prst="rect">
+            <a:avLst/>
+          </a:prstGeom>
+          <a:solidFill>
+            <a:srgbClr val="595959"/>
+          </a:solidFill>
+          <a:ln>
+            <a:noFill/>
+          </a:ln>
+          <a:extLst>
+            <a:ext uri="{91240B29-F687-4F45-9708-019B960494DF}">
+              <a14:hiddenLine xmlns:a14="http://schemas.microsoft.com/office/drawing/2010/main" w="12700" cap="flat" cmpd="sng">
+                <a:solidFill>
+                  <a:srgbClr val="42719B"/>
+                </a:solidFill>
+                <a:bevel/>
+                <a:headEnd/>
+                <a:tailEnd/>
+              </a14:hiddenLine>
+            </a:ext>
+          </a:extLst>
+        </p:spPr>
+        <p:txBody>
+          <a:bodyPr anchor="ctr"/>
+          <a:lstStyle/>
+          <a:p>
+            <a:pPr marL="0" marR="0" lvl="0" indent="0" algn="ctr" defTabSz="914400" rtl="0" eaLnBrk="1" fontAlgn="base" latinLnBrk="0" hangingPunct="1">
+              <a:lnSpc>
+                <a:spcPct val="100000"/>
+              </a:lnSpc>
+              <a:spcBef>
+                <a:spcPct val="0"/>
+              </a:spcBef>
+              <a:spcAft>
+                <a:spcPct val="0"/>
+              </a:spcAft>
+              <a:buClrTx/>
+              <a:buSzTx/>
+              <a:buFont typeface="Arial" pitchFamily="34" charset="0"/>
+              <a:buNone/>
+              <a:tabLst/>
+              <a:defRPr/>
+            </a:pPr>
+            <a:endParaRPr kumimoji="0" lang="zh-CN" altLang="zh-CN" sz="1800" b="0" i="0" u="none" strike="noStrike" kern="1200" cap="none" spc="0" normalizeH="0" baseline="0" noProof="0">
+              <a:ln>
+                <a:noFill/>
+              </a:ln>
+              <a:solidFill>
+                <a:srgbClr val="FFFFFF"/>
+              </a:solidFill>
+              <a:effectLst/>
+              <a:uLnTx/>
+              <a:uFillTx/>
+              <a:latin typeface="宋体" pitchFamily="2" charset="-122"/>
+              <a:ea typeface="宋体" pitchFamily="2" charset="-122"/>
+              <a:cs typeface="+mn-cs"/>
+              <a:sym typeface="宋体" pitchFamily="2" charset="-122"/>
+            </a:endParaRPr>
+          </a:p>
+        </p:txBody>
+      </p:sp>
+      <p:sp>
+        <p:nvSpPr>
+          <p:cNvPr id="13340" name="文本框 110"/>
+          <p:cNvSpPr>
+            <a:spLocks noChangeArrowheads="1"/>
+          </p:cNvSpPr>
+          <p:nvPr/>
+        </p:nvSpPr>
+        <p:spPr bwMode="auto">
+          <a:xfrm>
+            <a:off x="320675" y="339725"/>
+            <a:ext cx="5719130" cy="646331"/>
+          </a:xfrm>
+          <a:prstGeom prst="rect">
+            <a:avLst/>
+          </a:prstGeom>
+          <a:noFill/>
+          <a:ln>
+            <a:noFill/>
+          </a:ln>
+          <a:extLst>
+            <a:ext uri="{909E8E84-426E-40DD-AFC4-6F175D3DCCD1}">
+              <a14:hiddenFill xmlns:a14="http://schemas.microsoft.com/office/drawing/2010/main">
+                <a:solidFill>
+                  <a:srgbClr val="FFFFFF"/>
+                </a:solidFill>
+              </a14:hiddenFill>
+            </a:ext>
+            <a:ext uri="{91240B29-F687-4F45-9708-019B960494DF}">
+              <a14:hiddenLine xmlns:a14="http://schemas.microsoft.com/office/drawing/2010/main" w="9525">
+                <a:solidFill>
+                  <a:srgbClr val="000000"/>
+                </a:solidFill>
+                <a:miter lim="800000"/>
+                <a:headEnd/>
+                <a:tailEnd/>
+              </a14:hiddenLine>
+            </a:ext>
+          </a:extLst>
+        </p:spPr>
+        <p:txBody>
+          <a:bodyPr wrap="none">
+            <a:spAutoFit/>
+          </a:bodyPr>
+          <a:lstStyle/>
+          <a:p>
+            <a:pPr marL="0" marR="0" lvl="0" indent="0" algn="l" defTabSz="914400" rtl="0" eaLnBrk="1" fontAlgn="base" latinLnBrk="0" hangingPunct="1">
+              <a:lnSpc>
+                <a:spcPct val="100000"/>
+              </a:lnSpc>
+              <a:spcBef>
+                <a:spcPct val="0"/>
+              </a:spcBef>
+              <a:spcAft>
+                <a:spcPct val="0"/>
+              </a:spcAft>
+              <a:buClrTx/>
+              <a:buSzTx/>
+              <a:buFont typeface="Arial" pitchFamily="34" charset="0"/>
+              <a:buNone/>
+              <a:tabLst/>
+              <a:defRPr/>
+            </a:pPr>
+            <a:r>
+              <a:rPr kumimoji="0" lang="zh-CN" altLang="en-US" sz="3600" b="1" i="0" u="none" strike="noStrike" kern="1200" cap="none" spc="0" normalizeH="0" baseline="0" noProof="0" dirty="0">
+                <a:ln>
+                  <a:noFill/>
+                </a:ln>
+                <a:solidFill>
+                  <a:srgbClr val="000000"/>
+                </a:solidFill>
+                <a:effectLst/>
+                <a:uLnTx/>
+                <a:uFillTx/>
+                <a:latin typeface="微软雅黑" pitchFamily="34" charset="-122"/>
+                <a:ea typeface="微软雅黑" pitchFamily="34" charset="-122"/>
+                <a:cs typeface="+mn-cs"/>
+                <a:sym typeface="微软雅黑" pitchFamily="34" charset="-122"/>
+              </a:rPr>
+              <a:t>網站</a:t>
+            </a:r>
+            <a:r>
+              <a:rPr lang="zh-TW" altLang="en-US" sz="3600" b="1" noProof="0" dirty="0">
+                <a:solidFill>
+                  <a:srgbClr val="000000"/>
+                </a:solidFill>
+                <a:latin typeface="微软雅黑" pitchFamily="34" charset="-122"/>
+                <a:ea typeface="微软雅黑" pitchFamily="34" charset="-122"/>
+                <a:sym typeface="微软雅黑" pitchFamily="34" charset="-122"/>
+              </a:rPr>
+              <a:t>展示 </a:t>
+            </a:r>
+            <a:r>
+              <a:rPr lang="en-US" altLang="zh-TW" sz="3600" b="1" noProof="0" dirty="0">
+                <a:solidFill>
+                  <a:srgbClr val="000000"/>
+                </a:solidFill>
+                <a:latin typeface="微软雅黑" pitchFamily="34" charset="-122"/>
+                <a:ea typeface="微软雅黑" pitchFamily="34" charset="-122"/>
+                <a:sym typeface="微软雅黑" pitchFamily="34" charset="-122"/>
+              </a:rPr>
+              <a:t>Website Demo</a:t>
+            </a:r>
+            <a:r>
+              <a:rPr kumimoji="0" lang="zh-TW" altLang="en-US" sz="3600" b="1" i="0" u="none" strike="noStrike" kern="1200" cap="none" spc="0" normalizeH="0" baseline="0" noProof="0" dirty="0">
+                <a:ln>
+                  <a:noFill/>
+                </a:ln>
+                <a:solidFill>
+                  <a:srgbClr val="000000"/>
+                </a:solidFill>
+                <a:effectLst/>
+                <a:uLnTx/>
+                <a:uFillTx/>
+                <a:latin typeface="微软雅黑" pitchFamily="34" charset="-122"/>
+                <a:ea typeface="微软雅黑" pitchFamily="34" charset="-122"/>
+                <a:cs typeface="+mn-cs"/>
+                <a:sym typeface="微软雅黑" pitchFamily="34" charset="-122"/>
+              </a:rPr>
+              <a:t> </a:t>
+            </a:r>
+            <a:endParaRPr kumimoji="0" lang="zh-CN" altLang="en-US" sz="3600" b="1" i="0" u="none" strike="noStrike" kern="1200" cap="none" spc="0" normalizeH="0" baseline="0" noProof="0" dirty="0">
+              <a:ln>
+                <a:noFill/>
+              </a:ln>
+              <a:solidFill>
+                <a:srgbClr val="000000"/>
+              </a:solidFill>
+              <a:effectLst/>
+              <a:uLnTx/>
+              <a:uFillTx/>
+              <a:latin typeface="微软雅黑" pitchFamily="34" charset="-122"/>
+              <a:ea typeface="微软雅黑" pitchFamily="34" charset="-122"/>
+              <a:cs typeface="+mn-cs"/>
+              <a:sym typeface="微软雅黑" pitchFamily="34" charset="-122"/>
+            </a:endParaRPr>
+          </a:p>
+        </p:txBody>
+      </p:sp>
+      <p:sp>
+        <p:nvSpPr>
+          <p:cNvPr id="6" name="矩形 5"/>
+          <p:cNvSpPr/>
+          <p:nvPr/>
+        </p:nvSpPr>
+        <p:spPr>
+          <a:xfrm>
+            <a:off x="7580672" y="5765528"/>
+            <a:ext cx="4473678" cy="923330"/>
+          </a:xfrm>
+          <a:prstGeom prst="rect">
+            <a:avLst/>
+          </a:prstGeom>
+          <a:solidFill>
+            <a:srgbClr val="F58D76"/>
+          </a:solidFill>
+        </p:spPr>
+        <p:txBody>
+          <a:bodyPr wrap="square" lIns="91440" tIns="45720" rIns="91440" bIns="45720">
+            <a:spAutoFit/>
+          </a:bodyPr>
+          <a:lstStyle/>
+          <a:p>
+            <a:pPr algn="ctr"/>
+            <a:r>
+              <a:rPr lang="zh-CN" altLang="en-US" sz="5400" b="1">
+                <a:ln w="12700">
+                  <a:solidFill>
+                    <a:srgbClr val="A1BD70"/>
+                  </a:solidFill>
+                  <a:prstDash val="solid"/>
+                </a:ln>
+                <a:solidFill>
+                  <a:srgbClr val="FFDE6F"/>
+                </a:solidFill>
+                <a:effectLst>
+                  <a:outerShdw dist="38100" dir="2640000" algn="bl" rotWithShape="0">
+                    <a:schemeClr val="tx2">
+                      <a:lumMod val="75000"/>
+                    </a:schemeClr>
+                  </a:outerShdw>
+                </a:effectLst>
+                <a:latin typeface="Microsoft YaHei" panose="020B0503020204020204" pitchFamily="34" charset="-122"/>
+                <a:ea typeface="Microsoft YaHei" panose="020B0503020204020204" pitchFamily="34" charset="-122"/>
+              </a:rPr>
+              <a:t>更改密碼</a:t>
+            </a:r>
+            <a:r>
+              <a:rPr lang="zh-TW" altLang="en-US" sz="5400" b="1">
                 <a:ln w="12700">
                   <a:solidFill>
                     <a:srgbClr val="A1BD70"/>
@@ -14556,10 +14060,46 @@
           </a:p>
         </p:txBody>
       </p:sp>
+      <p:pic>
+        <p:nvPicPr>
+          <p:cNvPr id="4" name="Picture 3">
+            <a:extLst>
+              <a:ext uri="{FF2B5EF4-FFF2-40B4-BE49-F238E27FC236}">
+                <a16:creationId xmlns:a16="http://schemas.microsoft.com/office/drawing/2014/main" id="{D2FAF8DE-89F3-DF4F-9A1A-61BBE8D7B4F8}"/>
+              </a:ext>
+            </a:extLst>
+          </p:cNvPr>
+          <p:cNvPicPr>
+            <a:picLocks noChangeAspect="1"/>
+          </p:cNvPicPr>
+          <p:nvPr/>
+        </p:nvPicPr>
+        <p:blipFill>
+          <a:blip r:embed="rId2">
+            <a:extLst>
+              <a:ext uri="{28A0092B-C50C-407E-A947-70E740481C1C}">
+                <a14:useLocalDpi xmlns:a14="http://schemas.microsoft.com/office/drawing/2010/main" val="0"/>
+              </a:ext>
+            </a:extLst>
+          </a:blip>
+          <a:stretch>
+            <a:fillRect/>
+          </a:stretch>
+        </p:blipFill>
+        <p:spPr>
+          <a:xfrm>
+            <a:off x="598431" y="1121137"/>
+            <a:ext cx="7972348" cy="4480878"/>
+          </a:xfrm>
+          <a:prstGeom prst="rect">
+            <a:avLst/>
+          </a:prstGeom>
+        </p:spPr>
+      </p:pic>
     </p:spTree>
     <p:extLst>
       <p:ext uri="{BB962C8B-B14F-4D97-AF65-F5344CB8AC3E}">
-        <p14:creationId xmlns:p14="http://schemas.microsoft.com/office/powerpoint/2010/main" val="3494811309"/>
+        <p14:creationId xmlns:p14="http://schemas.microsoft.com/office/powerpoint/2010/main" val="1493202657"/>
       </p:ext>
     </p:extLst>
   </p:cSld>
@@ -14567,17 +14107,10 @@
     <a:masterClrMapping/>
   </p:clrMapOvr>
   <p:transition spd="slow"/>
-  <p:timing>
-    <p:tnLst>
-      <p:par>
-        <p:cTn id="1" dur="indefinite" restart="never" nodeType="tmRoot"/>
-      </p:par>
-    </p:tnLst>
-  </p:timing>
 </p:sld>
 </file>
 
-<file path=ppt/slides/slide15.xml><?xml version="1.0" encoding="utf-8"?>
+<file path=ppt/slides/slide16.xml><?xml version="1.0" encoding="utf-8"?>
 <p:sld xmlns:a="http://schemas.openxmlformats.org/drawingml/2006/main" xmlns:r="http://schemas.openxmlformats.org/officeDocument/2006/relationships" xmlns:p="http://schemas.openxmlformats.org/presentationml/2006/main">
   <p:cSld>
     <p:bg bwMode="auto">
@@ -14726,7 +14259,7 @@
               <a:defRPr/>
             </a:pPr>
             <a:r>
-              <a:rPr lang="zh-TW" altLang="en-US" sz="3600" b="1" dirty="0" smtClean="0">
+              <a:rPr lang="zh-TW" altLang="en-US" sz="3600" b="1" dirty="0">
                 <a:solidFill>
                   <a:srgbClr val="000000"/>
                 </a:solidFill>
@@ -14806,7 +14339,7 @@
           <a:lstStyle/>
           <a:p>
             <a:r>
-              <a:rPr lang="zh-TW" altLang="en-US" sz="2400" b="1" dirty="0" smtClean="0">
+              <a:rPr lang="zh-TW" altLang="en-US" sz="2400" b="1" dirty="0">
                 <a:latin typeface="Microsoft YaHei" panose="020B0503020204020204" pitchFamily="34" charset="-122"/>
                 <a:ea typeface="Microsoft YaHei" panose="020B0503020204020204" pitchFamily="34" charset="-122"/>
               </a:rPr>
@@ -14973,48 +14506,45 @@
             </a:r>
           </a:p>
           <a:p>
-            <a:endParaRPr lang="en-US" altLang="zh-TW" dirty="0" smtClean="0">
-              <a:latin typeface="Microsoft YaHei" panose="020B0503020204020204" pitchFamily="34" charset="-122"/>
-              <a:ea typeface="Microsoft YaHei" panose="020B0503020204020204" pitchFamily="34" charset="-122"/>
-            </a:endParaRPr>
-          </a:p>
-          <a:p>
             <a:r>
-              <a:rPr lang="en-US" altLang="zh-TW" dirty="0" smtClean="0">
+              <a:rPr lang="zh-TW" altLang="en-US" dirty="0">
                 <a:latin typeface="Microsoft YaHei" panose="020B0503020204020204" pitchFamily="34" charset="-122"/>
                 <a:ea typeface="Microsoft YaHei" panose="020B0503020204020204" pitchFamily="34" charset="-122"/>
               </a:rPr>
-              <a:t>BANG!</a:t>
+              <a:t>同心協力合作好</a:t>
             </a:r>
-          </a:p>
-          <a:p>
-            <a:endParaRPr lang="en-US" altLang="zh-TW" dirty="0">
-              <a:latin typeface="Microsoft YaHei" panose="020B0503020204020204" pitchFamily="34" charset="-122"/>
-              <a:ea typeface="Microsoft YaHei" panose="020B0503020204020204" pitchFamily="34" charset="-122"/>
-            </a:endParaRPr>
-          </a:p>
-          <a:p>
             <a:r>
-              <a:rPr lang="zh-TW" altLang="en-US" dirty="0" smtClean="0">
+              <a:rPr lang="en-US" altLang="zh-TW" dirty="0">
                 <a:latin typeface="Microsoft YaHei" panose="020B0503020204020204" pitchFamily="34" charset="-122"/>
                 <a:ea typeface="Microsoft YaHei" panose="020B0503020204020204" pitchFamily="34" charset="-122"/>
               </a:rPr>
-              <a:t>負責：前</a:t>
+              <a:t>BANG</a:t>
             </a:r>
             <a:r>
               <a:rPr lang="zh-TW" altLang="en-US" dirty="0">
                 <a:latin typeface="Microsoft YaHei" panose="020B0503020204020204" pitchFamily="34" charset="-122"/>
                 <a:ea typeface="Microsoft YaHei" panose="020B0503020204020204" pitchFamily="34" charset="-122"/>
               </a:rPr>
-              <a:t>端</a:t>
+              <a:t>！這是我第一次跟別系的學長們合作，十分新鮮的感覺哦：</a:t>
             </a:r>
-            <a:endParaRPr lang="en-US" altLang="zh-TW" dirty="0" smtClean="0">
+            <a:r>
+              <a:rPr lang="en-US" altLang="zh-TW" dirty="0">
+                <a:latin typeface="Microsoft YaHei" panose="020B0503020204020204" pitchFamily="34" charset="-122"/>
+                <a:ea typeface="Microsoft YaHei" panose="020B0503020204020204" pitchFamily="34" charset="-122"/>
+              </a:rPr>
+              <a:t>0</a:t>
+            </a:r>
+            <a:r>
+              <a:rPr lang="zh-TW" altLang="en-US" dirty="0">
+                <a:latin typeface="Microsoft YaHei" panose="020B0503020204020204" pitchFamily="34" charset="-122"/>
+                <a:ea typeface="Microsoft YaHei" panose="020B0503020204020204" pitchFamily="34" charset="-122"/>
+              </a:rPr>
+              <a:t>辛苦大家了！！！！</a:t>
+            </a:r>
+            <a:endParaRPr lang="en-US" altLang="zh-TW" dirty="0">
               <a:latin typeface="Microsoft YaHei" panose="020B0503020204020204" pitchFamily="34" charset="-122"/>
               <a:ea typeface="Microsoft YaHei" panose="020B0503020204020204" pitchFamily="34" charset="-122"/>
             </a:endParaRPr>
-          </a:p>
-          <a:p>
-            <a:endParaRPr lang="en-US" altLang="zh-TW" dirty="0"/>
           </a:p>
         </p:txBody>
       </p:sp>
@@ -15027,7 +14557,7 @@
         <p:spPr>
           <a:xfrm>
             <a:off x="8391321" y="4065296"/>
-            <a:ext cx="2617076" cy="1477328"/>
+            <a:ext cx="2617076" cy="1754326"/>
           </a:xfrm>
           <a:prstGeom prst="rect">
             <a:avLst/>
@@ -15041,7 +14571,7 @@
           <a:lstStyle/>
           <a:p>
             <a:r>
-              <a:rPr lang="zh-TW" altLang="en-US" b="1" dirty="0" smtClean="0">
+              <a:rPr lang="zh-TW" altLang="en-US" b="1" dirty="0">
                 <a:solidFill>
                   <a:srgbClr val="000000"/>
                 </a:solidFill>
@@ -15051,16 +14581,6 @@
               </a:rPr>
               <a:t>王國倫</a:t>
             </a:r>
-            <a:endParaRPr lang="en-US" altLang="zh-TW" b="1" dirty="0" smtClean="0">
-              <a:solidFill>
-                <a:srgbClr val="000000"/>
-              </a:solidFill>
-              <a:latin typeface="Microsoft YaHei" panose="020B0503020204020204" pitchFamily="34" charset="-122"/>
-              <a:ea typeface="Microsoft YaHei" panose="020B0503020204020204" pitchFamily="34" charset="-122"/>
-              <a:sym typeface="微软雅黑" pitchFamily="34" charset="-122"/>
-            </a:endParaRPr>
-          </a:p>
-          <a:p>
             <a:endParaRPr lang="en-US" altLang="zh-CN" b="1" dirty="0">
               <a:solidFill>
                 <a:srgbClr val="000000"/>
@@ -15072,31 +14592,78 @@
           </a:p>
           <a:p>
             <a:r>
-              <a:rPr lang="en-US" altLang="zh-TW" dirty="0">
-                <a:latin typeface="Microsoft YaHei" panose="020B0503020204020204" pitchFamily="34" charset="-122"/>
-                <a:ea typeface="Microsoft YaHei" panose="020B0503020204020204" pitchFamily="34" charset="-122"/>
-              </a:rPr>
-              <a:t>BANG!</a:t>
-            </a:r>
-          </a:p>
-          <a:p>
-            <a:endParaRPr lang="en-US" altLang="zh-TW" dirty="0">
-              <a:latin typeface="Microsoft YaHei" panose="020B0503020204020204" pitchFamily="34" charset="-122"/>
-              <a:ea typeface="Microsoft YaHei" panose="020B0503020204020204" pitchFamily="34" charset="-122"/>
-            </a:endParaRPr>
-          </a:p>
-          <a:p>
-            <a:r>
               <a:rPr lang="zh-TW" altLang="en-US" dirty="0">
+                <a:solidFill>
+                  <a:srgbClr val="000000"/>
+                </a:solidFill>
                 <a:latin typeface="Microsoft YaHei" panose="020B0503020204020204" pitchFamily="34" charset="-122"/>
                 <a:ea typeface="Microsoft YaHei" panose="020B0503020204020204" pitchFamily="34" charset="-122"/>
                 <a:sym typeface="微软雅黑" pitchFamily="34" charset="-122"/>
               </a:rPr>
-              <a:t>負責：後端</a:t>
+              <a:t>同心協力合作好</a:t>
             </a:r>
-            <a:endParaRPr lang="en-US" altLang="zh-TW" dirty="0">
+            <a:r>
+              <a:rPr lang="en-US" altLang="zh-CN" dirty="0">
+                <a:solidFill>
+                  <a:srgbClr val="000000"/>
+                </a:solidFill>
+                <a:latin typeface="Microsoft YaHei" panose="020B0503020204020204" pitchFamily="34" charset="-122"/>
+                <a:ea typeface="Microsoft YaHei" panose="020B0503020204020204" pitchFamily="34" charset="-122"/>
+                <a:sym typeface="微软雅黑" pitchFamily="34" charset="-122"/>
+              </a:rPr>
+              <a:t>BANG</a:t>
+            </a:r>
+            <a:r>
+              <a:rPr lang="zh-CN" altLang="en-US" dirty="0">
+                <a:solidFill>
+                  <a:srgbClr val="000000"/>
+                </a:solidFill>
+                <a:latin typeface="Microsoft YaHei" panose="020B0503020204020204" pitchFamily="34" charset="-122"/>
+                <a:ea typeface="Microsoft YaHei" panose="020B0503020204020204" pitchFamily="34" charset="-122"/>
+                <a:sym typeface="微软雅黑" pitchFamily="34" charset="-122"/>
+              </a:rPr>
+              <a:t>！</a:t>
+            </a:r>
+            <a:r>
+              <a:rPr lang="zh-TW" altLang="en-US" dirty="0">
+                <a:solidFill>
+                  <a:srgbClr val="000000"/>
+                </a:solidFill>
+                <a:latin typeface="Microsoft YaHei" panose="020B0503020204020204" pitchFamily="34" charset="-122"/>
+                <a:ea typeface="Microsoft YaHei" panose="020B0503020204020204" pitchFamily="34" charset="-122"/>
+                <a:sym typeface="微软雅黑" pitchFamily="34" charset="-122"/>
+              </a:rPr>
+              <a:t>這是我第一次跟別系的學長們合作，十分新鮮的感覺哦：</a:t>
+            </a:r>
+            <a:r>
+              <a:rPr lang="en-US" altLang="zh-TW" dirty="0">
+                <a:solidFill>
+                  <a:srgbClr val="000000"/>
+                </a:solidFill>
+                <a:latin typeface="Microsoft YaHei" panose="020B0503020204020204" pitchFamily="34" charset="-122"/>
+                <a:ea typeface="Microsoft YaHei" panose="020B0503020204020204" pitchFamily="34" charset="-122"/>
+                <a:sym typeface="微软雅黑" pitchFamily="34" charset="-122"/>
+              </a:rPr>
+              <a:t>0</a:t>
+            </a:r>
+            <a:r>
+              <a:rPr lang="zh-TW" altLang="en-US" dirty="0">
+                <a:solidFill>
+                  <a:srgbClr val="000000"/>
+                </a:solidFill>
+                <a:latin typeface="Microsoft YaHei" panose="020B0503020204020204" pitchFamily="34" charset="-122"/>
+                <a:ea typeface="Microsoft YaHei" panose="020B0503020204020204" pitchFamily="34" charset="-122"/>
+                <a:sym typeface="微软雅黑" pitchFamily="34" charset="-122"/>
+              </a:rPr>
+              <a:t>辛苦大家了！！！！</a:t>
+            </a:r>
+            <a:endParaRPr lang="en-US" altLang="zh-CN" dirty="0">
+              <a:solidFill>
+                <a:srgbClr val="000000"/>
+              </a:solidFill>
               <a:latin typeface="Microsoft YaHei" panose="020B0503020204020204" pitchFamily="34" charset="-122"/>
               <a:ea typeface="Microsoft YaHei" panose="020B0503020204020204" pitchFamily="34" charset="-122"/>
+              <a:sym typeface="微软雅黑" pitchFamily="34" charset="-122"/>
             </a:endParaRPr>
           </a:p>
         </p:txBody>
@@ -15124,7 +14691,7 @@
           <a:lstStyle/>
           <a:p>
             <a:r>
-              <a:rPr lang="zh-TW" altLang="en-US" b="1" dirty="0" smtClean="0">
+              <a:rPr lang="zh-TW" altLang="en-US" b="1" dirty="0">
                 <a:solidFill>
                   <a:srgbClr val="000000"/>
                 </a:solidFill>
@@ -15134,17 +14701,7 @@
               </a:rPr>
               <a:t>李偉誠</a:t>
             </a:r>
-            <a:endParaRPr lang="en-US" altLang="zh-TW" b="1" dirty="0" smtClean="0">
-              <a:solidFill>
-                <a:srgbClr val="000000"/>
-              </a:solidFill>
-              <a:latin typeface="Microsoft YaHei" panose="020B0503020204020204" pitchFamily="34" charset="-122"/>
-              <a:ea typeface="Microsoft YaHei" panose="020B0503020204020204" pitchFamily="34" charset="-122"/>
-              <a:sym typeface="微软雅黑" pitchFamily="34" charset="-122"/>
-            </a:endParaRPr>
-          </a:p>
-          <a:p>
-            <a:endParaRPr lang="en-US" altLang="zh-CN" b="1" dirty="0">
+            <a:endParaRPr lang="en-US" altLang="zh-TW" b="1" dirty="0">
               <a:solidFill>
                 <a:srgbClr val="000000"/>
               </a:solidFill>
@@ -15155,48 +14712,60 @@
           </a:p>
           <a:p>
             <a:r>
-              <a:rPr lang="en-US" altLang="zh-TW" dirty="0">
-                <a:latin typeface="Microsoft YaHei" panose="020B0503020204020204" pitchFamily="34" charset="-122"/>
-                <a:ea typeface="Microsoft YaHei" panose="020B0503020204020204" pitchFamily="34" charset="-122"/>
+              <a:rPr lang="zh-CN" altLang="en-US" dirty="0">
+                <a:solidFill>
+                  <a:srgbClr val="000000"/>
+                </a:solidFill>
+                <a:latin typeface="微软雅黑" pitchFamily="34" charset="-122"/>
+                <a:ea typeface="微软雅黑" pitchFamily="34" charset="-122"/>
+                <a:sym typeface="微软雅黑" pitchFamily="34" charset="-122"/>
+              </a:rPr>
+              <a:t>同心協力合作好</a:t>
+            </a:r>
+            <a:r>
+              <a:rPr lang="en-US" altLang="zh-CN" dirty="0">
+                <a:solidFill>
+                  <a:srgbClr val="000000"/>
+                </a:solidFill>
+                <a:latin typeface="微软雅黑" pitchFamily="34" charset="-122"/>
+                <a:ea typeface="微软雅黑" pitchFamily="34" charset="-122"/>
+                <a:sym typeface="微软雅黑" pitchFamily="34" charset="-122"/>
               </a:rPr>
               <a:t>BANG</a:t>
             </a:r>
             <a:r>
-              <a:rPr lang="en-US" altLang="zh-TW" dirty="0" smtClean="0">
-                <a:latin typeface="Microsoft YaHei" panose="020B0503020204020204" pitchFamily="34" charset="-122"/>
-                <a:ea typeface="Microsoft YaHei" panose="020B0503020204020204" pitchFamily="34" charset="-122"/>
+              <a:rPr lang="zh-CN" altLang="en-US" dirty="0">
+                <a:solidFill>
+                  <a:srgbClr val="000000"/>
+                </a:solidFill>
+                <a:latin typeface="微软雅黑" pitchFamily="34" charset="-122"/>
+                <a:ea typeface="微软雅黑" pitchFamily="34" charset="-122"/>
+                <a:sym typeface="微软雅黑" pitchFamily="34" charset="-122"/>
               </a:rPr>
-              <a:t>!</a:t>
+              <a:t>！這是我第一次跟別系的學長們合作，十分新鮮的感覺哦：</a:t>
             </a:r>
-          </a:p>
-          <a:p>
-            <a:endParaRPr lang="en-US" altLang="zh-TW" dirty="0">
-              <a:latin typeface="Microsoft YaHei" panose="020B0503020204020204" pitchFamily="34" charset="-122"/>
-              <a:ea typeface="Microsoft YaHei" panose="020B0503020204020204" pitchFamily="34" charset="-122"/>
-            </a:endParaRPr>
-          </a:p>
-          <a:p>
             <a:r>
-              <a:rPr lang="zh-TW" altLang="en-US" dirty="0" smtClean="0">
-                <a:latin typeface="Microsoft YaHei" panose="020B0503020204020204" pitchFamily="34" charset="-122"/>
-                <a:ea typeface="Microsoft YaHei" panose="020B0503020204020204" pitchFamily="34" charset="-122"/>
+              <a:rPr lang="en-US" altLang="zh-CN" dirty="0">
+                <a:solidFill>
+                  <a:srgbClr val="000000"/>
+                </a:solidFill>
+                <a:latin typeface="微软雅黑" pitchFamily="34" charset="-122"/>
+                <a:ea typeface="微软雅黑" pitchFamily="34" charset="-122"/>
+                <a:sym typeface="微软雅黑" pitchFamily="34" charset="-122"/>
               </a:rPr>
-              <a:t>負責：前端</a:t>
+              <a:t>0</a:t>
             </a:r>
-            <a:endParaRPr lang="en-US" altLang="zh-TW" dirty="0">
-              <a:latin typeface="Microsoft YaHei" panose="020B0503020204020204" pitchFamily="34" charset="-122"/>
-              <a:ea typeface="Microsoft YaHei" panose="020B0503020204020204" pitchFamily="34" charset="-122"/>
-            </a:endParaRPr>
-          </a:p>
-          <a:p>
-            <a:endParaRPr lang="zh-CN" altLang="en-US" b="1" dirty="0">
-              <a:solidFill>
-                <a:srgbClr val="000000"/>
-              </a:solidFill>
-              <a:latin typeface="微软雅黑" pitchFamily="34" charset="-122"/>
-              <a:ea typeface="微软雅黑" pitchFamily="34" charset="-122"/>
-              <a:sym typeface="微软雅黑" pitchFamily="34" charset="-122"/>
-            </a:endParaRPr>
+            <a:r>
+              <a:rPr lang="zh-CN" altLang="en-US" dirty="0">
+                <a:solidFill>
+                  <a:srgbClr val="000000"/>
+                </a:solidFill>
+                <a:latin typeface="微软雅黑" pitchFamily="34" charset="-122"/>
+                <a:ea typeface="微软雅黑" pitchFamily="34" charset="-122"/>
+                <a:sym typeface="微软雅黑" pitchFamily="34" charset="-122"/>
+              </a:rPr>
+              <a:t>辛苦大家了！！！！</a:t>
+            </a:r>
           </a:p>
           <a:p>
             <a:endParaRPr lang="zh-TW" altLang="en-US" dirty="0"/>
@@ -15212,7 +14781,7 @@
         <p:spPr>
           <a:xfrm>
             <a:off x="2543503" y="4065296"/>
-            <a:ext cx="2617076" cy="2308324"/>
+            <a:ext cx="2617076" cy="2585323"/>
           </a:xfrm>
           <a:prstGeom prst="rect">
             <a:avLst/>
@@ -15226,7 +14795,7 @@
           <a:lstStyle/>
           <a:p>
             <a:r>
-              <a:rPr lang="zh-TW" altLang="en-US" b="1" dirty="0" smtClean="0">
+              <a:rPr lang="zh-TW" altLang="en-US" b="1" dirty="0">
                 <a:solidFill>
                   <a:srgbClr val="000000"/>
                 </a:solidFill>
@@ -15236,16 +14805,6 @@
               </a:rPr>
               <a:t>張子凡</a:t>
             </a:r>
-            <a:endParaRPr lang="en-US" altLang="zh-TW" b="1" dirty="0" smtClean="0">
-              <a:solidFill>
-                <a:srgbClr val="000000"/>
-              </a:solidFill>
-              <a:latin typeface="微软雅黑" pitchFamily="34" charset="-122"/>
-              <a:ea typeface="微软雅黑" pitchFamily="34" charset="-122"/>
-              <a:sym typeface="微软雅黑" pitchFamily="34" charset="-122"/>
-            </a:endParaRPr>
-          </a:p>
-          <a:p>
             <a:endParaRPr lang="en-US" altLang="zh-TW" b="1" dirty="0">
               <a:solidFill>
                 <a:srgbClr val="000000"/>
@@ -15257,53 +14816,29 @@
           </a:p>
           <a:p>
             <a:r>
+              <a:rPr lang="zh-CN" altLang="en-US" dirty="0">
+                <a:latin typeface="Microsoft YaHei" panose="020B0503020204020204" pitchFamily="34" charset="-122"/>
+                <a:ea typeface="Microsoft YaHei" panose="020B0503020204020204" pitchFamily="34" charset="-122"/>
+              </a:rPr>
+              <a:t>老實說前端真的不是我所擅長的項目，因此一開始我就偏向去開發後端，本身的科系也讓我對後端的程式碼比較熟悉，非常感謝組員的</a:t>
+            </a:r>
+            <a:r>
               <a:rPr lang="en-US" altLang="zh-TW" dirty="0">
                 <a:latin typeface="Microsoft YaHei" panose="020B0503020204020204" pitchFamily="34" charset="-122"/>
                 <a:ea typeface="Microsoft YaHei" panose="020B0503020204020204" pitchFamily="34" charset="-122"/>
               </a:rPr>
-              <a:t>BANG!</a:t>
+              <a:t>carry</a:t>
             </a:r>
-          </a:p>
-          <a:p>
-            <a:endParaRPr lang="en-US" altLang="zh-TW" dirty="0">
-              <a:latin typeface="Microsoft YaHei" panose="020B0503020204020204" pitchFamily="34" charset="-122"/>
-              <a:ea typeface="Microsoft YaHei" panose="020B0503020204020204" pitchFamily="34" charset="-122"/>
-            </a:endParaRPr>
-          </a:p>
-          <a:p>
             <a:r>
-              <a:rPr lang="zh-TW" altLang="en-US" dirty="0">
+              <a:rPr lang="zh-CN" altLang="en-US" dirty="0">
                 <a:latin typeface="Microsoft YaHei" panose="020B0503020204020204" pitchFamily="34" charset="-122"/>
                 <a:ea typeface="Microsoft YaHei" panose="020B0503020204020204" pitchFamily="34" charset="-122"/>
               </a:rPr>
-              <a:t>負責</a:t>
-            </a:r>
-            <a:r>
-              <a:rPr lang="zh-TW" altLang="en-US" dirty="0" smtClean="0">
-                <a:latin typeface="Microsoft YaHei" panose="020B0503020204020204" pitchFamily="34" charset="-122"/>
-                <a:ea typeface="Microsoft YaHei" panose="020B0503020204020204" pitchFamily="34" charset="-122"/>
-              </a:rPr>
-              <a:t>：後端</a:t>
+              <a:t>讓我們的前端這樣的美麗！</a:t>
             </a:r>
             <a:endParaRPr lang="en-US" altLang="zh-TW" dirty="0">
               <a:latin typeface="Microsoft YaHei" panose="020B0503020204020204" pitchFamily="34" charset="-122"/>
               <a:ea typeface="Microsoft YaHei" panose="020B0503020204020204" pitchFamily="34" charset="-122"/>
-            </a:endParaRPr>
-          </a:p>
-          <a:p>
-            <a:endParaRPr lang="en-US" altLang="zh-TW" dirty="0"/>
-          </a:p>
-          <a:p>
-            <a:endParaRPr lang="en-US" altLang="zh-TW" dirty="0"/>
-          </a:p>
-          <a:p>
-            <a:endParaRPr lang="en-US" altLang="zh-TW" b="1" dirty="0" smtClean="0">
-              <a:solidFill>
-                <a:srgbClr val="000000"/>
-              </a:solidFill>
-              <a:latin typeface="微软雅黑" pitchFamily="34" charset="-122"/>
-              <a:ea typeface="微软雅黑" pitchFamily="34" charset="-122"/>
-              <a:sym typeface="微软雅黑" pitchFamily="34" charset="-122"/>
             </a:endParaRPr>
           </a:p>
         </p:txBody>
@@ -15319,17 +14854,10 @@
     <a:masterClrMapping/>
   </p:clrMapOvr>
   <p:transition spd="slow"/>
-  <p:timing>
-    <p:tnLst>
-      <p:par>
-        <p:cTn id="1" dur="indefinite" restart="never" nodeType="tmRoot"/>
-      </p:par>
-    </p:tnLst>
-  </p:timing>
 </p:sld>
 </file>
 
-<file path=ppt/slides/slide16.xml><?xml version="1.0" encoding="utf-8"?>
+<file path=ppt/slides/slide17.xml><?xml version="1.0" encoding="utf-8"?>
 <p:sld xmlns:a="http://schemas.openxmlformats.org/drawingml/2006/main" xmlns:r="http://schemas.openxmlformats.org/officeDocument/2006/relationships" xmlns:p="http://schemas.openxmlformats.org/presentationml/2006/main">
   <p:cSld>
     <p:bg bwMode="auto">
@@ -15492,7 +15020,7 @@
               <a:defRPr/>
             </a:pPr>
             <a:r>
-              <a:rPr lang="zh-TW" altLang="en-US" sz="3600" b="1" dirty="0" smtClean="0">
+              <a:rPr lang="zh-TW" altLang="en-US" sz="3600" b="1" dirty="0">
                 <a:solidFill>
                   <a:srgbClr val="000000"/>
                 </a:solidFill>
@@ -15503,7 +15031,7 @@
               <a:t>未來展望 </a:t>
             </a:r>
             <a:r>
-              <a:rPr lang="en-US" altLang="zh-TW" sz="3600" b="1" dirty="0" smtClean="0">
+              <a:rPr lang="en-US" altLang="zh-TW" sz="3600" b="1" dirty="0">
                 <a:solidFill>
                   <a:srgbClr val="000000"/>
                 </a:solidFill>
@@ -16183,23 +15711,19 @@
               <a:buChar char="•"/>
             </a:pPr>
             <a:r>
-              <a:rPr lang="zh-TW" altLang="en-US" sz="2400" b="1" dirty="0" smtClean="0">
+              <a:rPr lang="zh-TW" altLang="en-US" sz="2400" b="1" dirty="0">
                 <a:latin typeface="Microsoft YaHei" panose="020B0503020204020204" pitchFamily="34" charset="-122"/>
                 <a:ea typeface="Microsoft YaHei" panose="020B0503020204020204" pitchFamily="34" charset="-122"/>
               </a:rPr>
               <a:t>任務牆，為自己設下目標 </a:t>
             </a:r>
             <a:r>
-              <a:rPr lang="en-US" altLang="zh-TW" sz="2400" b="1" dirty="0" smtClean="0">
+              <a:rPr lang="en-US" altLang="zh-TW" sz="2400" b="1" dirty="0">
                 <a:latin typeface="Microsoft YaHei" panose="020B0503020204020204" pitchFamily="34" charset="-122"/>
                 <a:ea typeface="Microsoft YaHei" panose="020B0503020204020204" pitchFamily="34" charset="-122"/>
               </a:rPr>
               <a:t>Fighting!</a:t>
             </a:r>
-            <a:endParaRPr lang="en-US" altLang="zh-TW" sz="2400" b="1" dirty="0" smtClean="0">
-              <a:latin typeface="Microsoft YaHei" panose="020B0503020204020204" pitchFamily="34" charset="-122"/>
-              <a:ea typeface="Microsoft YaHei" panose="020B0503020204020204" pitchFamily="34" charset="-122"/>
-            </a:endParaRPr>
           </a:p>
           <a:p>
             <a:pPr marL="342900" indent="-342900">
@@ -16210,14 +15734,14 @@
               <a:buChar char="•"/>
             </a:pPr>
             <a:r>
-              <a:rPr lang="zh-TW" altLang="en-US" sz="2400" b="1" dirty="0" smtClean="0">
+              <a:rPr lang="zh-TW" altLang="en-US" sz="2400" b="1" dirty="0">
                 <a:latin typeface="Microsoft YaHei" panose="020B0503020204020204" pitchFamily="34" charset="-122"/>
                 <a:ea typeface="Microsoft YaHei" panose="020B0503020204020204" pitchFamily="34" charset="-122"/>
               </a:rPr>
               <a:t>聊天介面，互動多更多</a:t>
             </a:r>
             <a:r>
-              <a:rPr lang="en-US" altLang="zh-TW" sz="2400" b="1" dirty="0" smtClean="0">
+              <a:rPr lang="en-US" altLang="zh-TW" sz="2400" b="1" dirty="0">
                 <a:latin typeface="Microsoft YaHei" panose="020B0503020204020204" pitchFamily="34" charset="-122"/>
                 <a:ea typeface="Microsoft YaHei" panose="020B0503020204020204" pitchFamily="34" charset="-122"/>
               </a:rPr>
@@ -16233,21 +15757,21 @@
               <a:buChar char="•"/>
             </a:pPr>
             <a:r>
-              <a:rPr lang="zh-TW" altLang="en-US" sz="2400" b="1" dirty="0" smtClean="0">
+              <a:rPr lang="zh-TW" altLang="en-US" sz="2400" b="1" dirty="0">
                 <a:latin typeface="Microsoft YaHei" panose="020B0503020204020204" pitchFamily="34" charset="-122"/>
                 <a:ea typeface="Microsoft YaHei" panose="020B0503020204020204" pitchFamily="34" charset="-122"/>
               </a:rPr>
               <a:t>轉盤交友，機率力量大</a:t>
             </a:r>
             <a:r>
-              <a:rPr lang="en-US" altLang="zh-TW" sz="2400" b="1" dirty="0" smtClean="0">
+              <a:rPr lang="en-US" altLang="zh-TW" sz="2400" b="1" dirty="0">
                 <a:latin typeface="Microsoft YaHei" panose="020B0503020204020204" pitchFamily="34" charset="-122"/>
                 <a:ea typeface="Microsoft YaHei" panose="020B0503020204020204" pitchFamily="34" charset="-122"/>
                 <a:sym typeface="Wingdings" panose="05000000000000000000" pitchFamily="2" charset="2"/>
               </a:rPr>
               <a:t></a:t>
             </a:r>
-            <a:endParaRPr lang="en-US" altLang="zh-TW" sz="2400" b="1" dirty="0" smtClean="0">
+            <a:endParaRPr lang="en-US" altLang="zh-TW" sz="2400" b="1" dirty="0">
               <a:latin typeface="Microsoft YaHei" panose="020B0503020204020204" pitchFamily="34" charset="-122"/>
               <a:ea typeface="Microsoft YaHei" panose="020B0503020204020204" pitchFamily="34" charset="-122"/>
             </a:endParaRPr>
@@ -16261,20 +15785,13 @@
               <a:buChar char="•"/>
             </a:pPr>
             <a:r>
-              <a:rPr lang="zh-TW" altLang="en-US" sz="2400" b="1" dirty="0" smtClean="0">
-                <a:latin typeface="Microsoft YaHei" panose="020B0503020204020204" pitchFamily="34" charset="-122"/>
-                <a:ea typeface="Microsoft YaHei" panose="020B0503020204020204" pitchFamily="34" charset="-122"/>
-              </a:rPr>
-              <a:t>成為台科師大之間的橋</a:t>
-            </a:r>
-            <a:r>
               <a:rPr lang="zh-TW" altLang="en-US" sz="2400" b="1" dirty="0">
                 <a:latin typeface="Microsoft YaHei" panose="020B0503020204020204" pitchFamily="34" charset="-122"/>
                 <a:ea typeface="Microsoft YaHei" panose="020B0503020204020204" pitchFamily="34" charset="-122"/>
               </a:rPr>
-              <a:t>樑</a:t>
+              <a:t>成為台科師大之間的橋樑</a:t>
             </a:r>
-            <a:endParaRPr lang="en-US" altLang="zh-TW" sz="2400" b="1" dirty="0" smtClean="0">
+            <a:endParaRPr lang="en-US" altLang="zh-TW" sz="2400" b="1" dirty="0">
               <a:latin typeface="Microsoft YaHei" panose="020B0503020204020204" pitchFamily="34" charset="-122"/>
               <a:ea typeface="Microsoft YaHei" panose="020B0503020204020204" pitchFamily="34" charset="-122"/>
             </a:endParaRPr>
@@ -16284,7 +15801,7 @@
               <a:buFont typeface="Arial" panose="020B0604020202020204" pitchFamily="34" charset="0"/>
               <a:buChar char="•"/>
             </a:pPr>
-            <a:endParaRPr lang="en-US" altLang="zh-CN" sz="2400" b="1" dirty="0" smtClean="0">
+            <a:endParaRPr lang="en-US" altLang="zh-CN" sz="2400" b="1" dirty="0">
               <a:latin typeface="Microsoft YaHei" panose="020B0503020204020204" pitchFamily="34" charset="-122"/>
               <a:ea typeface="Microsoft YaHei" panose="020B0503020204020204" pitchFamily="34" charset="-122"/>
             </a:endParaRPr>
@@ -16312,17 +15829,10 @@
     <a:masterClrMapping/>
   </p:clrMapOvr>
   <p:transition spd="slow"/>
-  <p:timing>
-    <p:tnLst>
-      <p:par>
-        <p:cTn id="1" dur="indefinite" restart="never" nodeType="tmRoot"/>
-      </p:par>
-    </p:tnLst>
-  </p:timing>
 </p:sld>
 </file>
 
-<file path=ppt/slides/slide17.xml><?xml version="1.0" encoding="utf-8"?>
+<file path=ppt/slides/slide18.xml><?xml version="1.0" encoding="utf-8"?>
 <p:sld xmlns:a="http://schemas.openxmlformats.org/drawingml/2006/main" xmlns:r="http://schemas.openxmlformats.org/officeDocument/2006/relationships" xmlns:p="http://schemas.openxmlformats.org/presentationml/2006/main">
   <p:cSld>
     <p:bg bwMode="auto">
@@ -16755,13 +16265,6 @@
     <a:masterClrMapping/>
   </p:clrMapOvr>
   <p:transition spd="slow"/>
-  <p:timing>
-    <p:tnLst>
-      <p:par>
-        <p:cTn id="1" dur="indefinite" restart="never" nodeType="tmRoot"/>
-      </p:par>
-    </p:tnLst>
-  </p:timing>
 </p:sld>
 </file>
 
@@ -17290,7 +16793,6 @@
           <a:ln>
             <a:noFill/>
           </a:ln>
-          <a:extLst/>
         </p:spPr>
         <p:txBody>
           <a:bodyPr anchor="ctr"/>
@@ -17379,7 +16881,6 @@
           <a:ln>
             <a:noFill/>
           </a:ln>
-          <a:extLst/>
         </p:spPr>
         <p:txBody>
           <a:bodyPr anchor="ctr"/>
@@ -18311,7 +17812,7 @@
             <a:lstStyle/>
             <a:p>
               <a:r>
-                <a:rPr lang="en-US" altLang="zh-TW" dirty="0" smtClean="0">
+                <a:rPr lang="en-US" altLang="zh-TW" dirty="0">
                   <a:solidFill>
                     <a:srgbClr val="000000"/>
                   </a:solidFill>
@@ -18379,17 +17880,6 @@
             <a:lstStyle/>
             <a:p>
               <a:r>
-                <a:rPr lang="zh-TW" altLang="en-US" sz="2400" dirty="0" smtClean="0">
-                  <a:solidFill>
-                    <a:srgbClr val="000000"/>
-                  </a:solidFill>
-                  <a:latin typeface="微软雅黑" pitchFamily="34" charset="-122"/>
-                  <a:ea typeface="微软雅黑" pitchFamily="34" charset="-122"/>
-                  <a:sym typeface="微软雅黑" pitchFamily="34" charset="-122"/>
-                </a:rPr>
-                <a:t>時程規</a:t>
-              </a:r>
-              <a:r>
                 <a:rPr lang="zh-TW" altLang="en-US" sz="2400" dirty="0">
                   <a:solidFill>
                     <a:srgbClr val="000000"/>
@@ -18398,7 +17888,7 @@
                   <a:ea typeface="微软雅黑" pitchFamily="34" charset="-122"/>
                   <a:sym typeface="微软雅黑" pitchFamily="34" charset="-122"/>
                 </a:rPr>
-                <a:t>劃</a:t>
+                <a:t>時程規劃</a:t>
               </a:r>
               <a:endParaRPr lang="zh-CN" altLang="en-US" sz="2400" dirty="0">
                 <a:solidFill>
@@ -18475,7 +17965,7 @@
             <a:lstStyle/>
             <a:p>
               <a:r>
-                <a:rPr lang="en-US" altLang="zh-TW" dirty="0" smtClean="0">
+                <a:rPr lang="en-US" altLang="zh-TW" dirty="0">
                   <a:solidFill>
                     <a:srgbClr val="000000"/>
                   </a:solidFill>
@@ -18607,7 +18097,7 @@
           <a:lstStyle/>
           <a:p>
             <a:r>
-              <a:rPr lang="zh-TW" altLang="en-US" sz="2400" dirty="0" smtClean="0">
+              <a:rPr lang="zh-TW" altLang="en-US" sz="2400" dirty="0">
                 <a:solidFill>
                   <a:srgbClr val="000000"/>
                 </a:solidFill>
@@ -18615,18 +18105,7 @@
                 <a:ea typeface="微软雅黑" pitchFamily="34" charset="-122"/>
                 <a:sym typeface="微软雅黑" pitchFamily="34" charset="-122"/>
               </a:rPr>
-              <a:t>網站架</a:t>
-            </a:r>
-            <a:r>
-              <a:rPr lang="zh-TW" altLang="en-US" sz="2400" dirty="0">
-                <a:solidFill>
-                  <a:srgbClr val="000000"/>
-                </a:solidFill>
-                <a:latin typeface="微软雅黑" pitchFamily="34" charset="-122"/>
-                <a:ea typeface="微软雅黑" pitchFamily="34" charset="-122"/>
-                <a:sym typeface="微软雅黑" pitchFamily="34" charset="-122"/>
-              </a:rPr>
-              <a:t>構</a:t>
+              <a:t>網站架構</a:t>
             </a:r>
             <a:endParaRPr lang="zh-CN" altLang="en-US" sz="2400" dirty="0">
               <a:solidFill>
@@ -18754,7 +18233,7 @@
             <a:lstStyle/>
             <a:p>
               <a:r>
-                <a:rPr lang="en-US" altLang="zh-CN" sz="4000" b="1" dirty="0" smtClean="0">
+                <a:rPr lang="en-US" altLang="zh-CN" sz="4000" b="1" dirty="0">
                   <a:solidFill>
                     <a:srgbClr val="FFFBEF"/>
                   </a:solidFill>
@@ -18839,7 +18318,7 @@
             <a:lstStyle/>
             <a:p>
               <a:r>
-                <a:rPr lang="en-US" altLang="zh-TW" dirty="0" smtClean="0">
+                <a:rPr lang="en-US" altLang="zh-TW" dirty="0">
                   <a:solidFill>
                     <a:srgbClr val="000000"/>
                   </a:solidFill>
@@ -18907,17 +18386,6 @@
             <a:lstStyle/>
             <a:p>
               <a:r>
-                <a:rPr lang="zh-TW" altLang="en-US" sz="2400" dirty="0" smtClean="0">
-                  <a:solidFill>
-                    <a:srgbClr val="000000"/>
-                  </a:solidFill>
-                  <a:latin typeface="微软雅黑" pitchFamily="34" charset="-122"/>
-                  <a:ea typeface="微软雅黑" pitchFamily="34" charset="-122"/>
-                  <a:sym typeface="微软雅黑" pitchFamily="34" charset="-122"/>
-                </a:rPr>
-                <a:t>會議</a:t>
-              </a:r>
-              <a:r>
                 <a:rPr lang="zh-TW" altLang="en-US" sz="2400" dirty="0">
                   <a:solidFill>
                     <a:srgbClr val="000000"/>
@@ -18926,7 +18394,7 @@
                   <a:ea typeface="微软雅黑" pitchFamily="34" charset="-122"/>
                   <a:sym typeface="微软雅黑" pitchFamily="34" charset="-122"/>
                 </a:rPr>
-                <a:t>記錄</a:t>
+                <a:t>會議記錄</a:t>
               </a:r>
               <a:endParaRPr lang="zh-CN" altLang="en-US" sz="2400" dirty="0">
                 <a:solidFill>
@@ -19003,7 +18471,7 @@
             <a:lstStyle/>
             <a:p>
               <a:r>
-                <a:rPr lang="en-US" altLang="zh-TW" dirty="0" smtClean="0">
+                <a:rPr lang="en-US" altLang="zh-TW" dirty="0">
                   <a:solidFill>
                     <a:srgbClr val="000000"/>
                   </a:solidFill>
@@ -19135,7 +18603,7 @@
           <a:lstStyle/>
           <a:p>
             <a:r>
-              <a:rPr lang="zh-TW" altLang="en-US" sz="2400" dirty="0" smtClean="0">
+              <a:rPr lang="zh-TW" altLang="en-US" sz="2400" dirty="0">
                 <a:solidFill>
                   <a:srgbClr val="000000"/>
                 </a:solidFill>
@@ -19143,18 +18611,7 @@
                 <a:ea typeface="微软雅黑" pitchFamily="34" charset="-122"/>
                 <a:sym typeface="微软雅黑" pitchFamily="34" charset="-122"/>
               </a:rPr>
-              <a:t>網站展</a:t>
-            </a:r>
-            <a:r>
-              <a:rPr lang="zh-TW" altLang="en-US" sz="2400" dirty="0">
-                <a:solidFill>
-                  <a:srgbClr val="000000"/>
-                </a:solidFill>
-                <a:latin typeface="微软雅黑" pitchFamily="34" charset="-122"/>
-                <a:ea typeface="微软雅黑" pitchFamily="34" charset="-122"/>
-                <a:sym typeface="微软雅黑" pitchFamily="34" charset="-122"/>
-              </a:rPr>
-              <a:t>示</a:t>
+              <a:t>網站展示</a:t>
             </a:r>
             <a:endParaRPr lang="zh-CN" altLang="en-US" sz="2400" dirty="0">
               <a:solidFill>
@@ -19280,7 +18737,7 @@
             <a:lstStyle/>
             <a:p>
               <a:r>
-                <a:rPr lang="en-US" altLang="zh-CN" sz="4000" b="1" dirty="0" smtClean="0">
+                <a:rPr lang="en-US" altLang="zh-CN" sz="4000" b="1" dirty="0">
                   <a:solidFill>
                     <a:srgbClr val="FFFBEF"/>
                   </a:solidFill>
@@ -19365,7 +18822,7 @@
             <a:lstStyle/>
             <a:p>
               <a:r>
-                <a:rPr lang="en-US" altLang="zh-TW" dirty="0" smtClean="0">
+                <a:rPr lang="en-US" altLang="zh-TW" dirty="0">
                   <a:solidFill>
                     <a:srgbClr val="000000"/>
                   </a:solidFill>
@@ -19497,7 +18954,7 @@
           <a:lstStyle/>
           <a:p>
             <a:r>
-              <a:rPr lang="zh-TW" altLang="en-US" sz="2400" dirty="0" smtClean="0">
+              <a:rPr lang="zh-TW" altLang="en-US" sz="2400" dirty="0">
                 <a:solidFill>
                   <a:srgbClr val="000000"/>
                 </a:solidFill>
@@ -19505,18 +18962,7 @@
                 <a:ea typeface="微软雅黑" pitchFamily="34" charset="-122"/>
                 <a:sym typeface="微软雅黑" pitchFamily="34" charset="-122"/>
               </a:rPr>
-              <a:t>組員自</a:t>
-            </a:r>
-            <a:r>
-              <a:rPr lang="zh-TW" altLang="en-US" sz="2400" dirty="0">
-                <a:solidFill>
-                  <a:srgbClr val="000000"/>
-                </a:solidFill>
-                <a:latin typeface="微软雅黑" pitchFamily="34" charset="-122"/>
-                <a:ea typeface="微软雅黑" pitchFamily="34" charset="-122"/>
-                <a:sym typeface="微软雅黑" pitchFamily="34" charset="-122"/>
-              </a:rPr>
-              <a:t>評</a:t>
+              <a:t>組員自評</a:t>
             </a:r>
             <a:endParaRPr lang="zh-CN" altLang="en-US" sz="2400" dirty="0">
               <a:solidFill>
@@ -19642,7 +19088,7 @@
             <a:lstStyle/>
             <a:p>
               <a:r>
-                <a:rPr lang="en-US" altLang="zh-CN" sz="4000" b="1" dirty="0" smtClean="0">
+                <a:rPr lang="en-US" altLang="zh-CN" sz="4000" b="1" dirty="0">
                   <a:solidFill>
                     <a:srgbClr val="FFFBEF"/>
                   </a:solidFill>
@@ -19727,7 +19173,7 @@
             <a:lstStyle/>
             <a:p>
               <a:r>
-                <a:rPr lang="en-US" altLang="zh-TW" dirty="0" smtClean="0">
+                <a:rPr lang="en-US" altLang="zh-TW" dirty="0">
                   <a:solidFill>
                     <a:srgbClr val="000000"/>
                   </a:solidFill>
@@ -19859,7 +19305,7 @@
           <a:lstStyle/>
           <a:p>
             <a:r>
-              <a:rPr lang="zh-TW" altLang="en-US" sz="2400" dirty="0" smtClean="0">
+              <a:rPr lang="zh-TW" altLang="en-US" sz="2400" dirty="0">
                 <a:solidFill>
                   <a:srgbClr val="000000"/>
                 </a:solidFill>
@@ -19867,18 +19313,7 @@
                 <a:ea typeface="微软雅黑" pitchFamily="34" charset="-122"/>
                 <a:sym typeface="微软雅黑" pitchFamily="34" charset="-122"/>
               </a:rPr>
-              <a:t>未來展</a:t>
-            </a:r>
-            <a:r>
-              <a:rPr lang="zh-TW" altLang="en-US" sz="2400" dirty="0">
-                <a:solidFill>
-                  <a:srgbClr val="000000"/>
-                </a:solidFill>
-                <a:latin typeface="微软雅黑" pitchFamily="34" charset="-122"/>
-                <a:ea typeface="微软雅黑" pitchFamily="34" charset="-122"/>
-                <a:sym typeface="微软雅黑" pitchFamily="34" charset="-122"/>
-              </a:rPr>
-              <a:t>望</a:t>
+              <a:t>未來展望</a:t>
             </a:r>
             <a:endParaRPr lang="zh-CN" altLang="en-US" sz="2400" dirty="0">
               <a:solidFill>
@@ -20004,7 +19439,7 @@
             <a:lstStyle/>
             <a:p>
               <a:r>
-                <a:rPr lang="en-US" altLang="zh-CN" sz="4000" b="1" dirty="0" smtClean="0">
+                <a:rPr lang="en-US" altLang="zh-CN" sz="4000" b="1" dirty="0">
                   <a:solidFill>
                     <a:srgbClr val="FFFBEF"/>
                   </a:solidFill>
@@ -20032,13 +19467,6 @@
     <a:masterClrMapping/>
   </p:clrMapOvr>
   <p:transition spd="slow"/>
-  <p:timing>
-    <p:tnLst>
-      <p:par>
-        <p:cTn id="1" dur="indefinite" restart="never" nodeType="tmRoot"/>
-      </p:par>
-    </p:tnLst>
-  </p:timing>
 </p:sld>
 </file>
 
@@ -20540,21 +19968,10 @@
                   <a:ea typeface="微软雅黑" pitchFamily="34" charset="-122"/>
                   <a:sym typeface="微软雅黑" pitchFamily="34" charset="-122"/>
                 </a:rPr>
-                <a:t>四電機</a:t>
+                <a:t>四電機三</a:t>
               </a:r>
               <a:r>
-                <a:rPr lang="zh-CN" altLang="en-US" sz="2000" dirty="0" smtClean="0">
-                  <a:solidFill>
-                    <a:srgbClr val="000000"/>
-                  </a:solidFill>
-                  <a:latin typeface="微软雅黑" pitchFamily="34" charset="-122"/>
-                  <a:ea typeface="微软雅黑" pitchFamily="34" charset="-122"/>
-                  <a:sym typeface="微软雅黑" pitchFamily="34" charset="-122"/>
-                </a:rPr>
-                <a:t>三</a:t>
-              </a:r>
-              <a:r>
-                <a:rPr lang="zh-TW" altLang="en-US" sz="2000" dirty="0" smtClean="0">
+                <a:rPr lang="zh-TW" altLang="en-US" sz="2000" dirty="0">
                   <a:solidFill>
                     <a:srgbClr val="000000"/>
                   </a:solidFill>
@@ -20949,21 +20366,10 @@
                   <a:ea typeface="微软雅黑" pitchFamily="34" charset="-122"/>
                   <a:sym typeface="微软雅黑" pitchFamily="34" charset="-122"/>
                 </a:rPr>
-                <a:t>四電機</a:t>
+                <a:t>四電機三</a:t>
               </a:r>
               <a:r>
-                <a:rPr lang="zh-CN" altLang="en-US" sz="2000" dirty="0" smtClean="0">
-                  <a:solidFill>
-                    <a:srgbClr val="000000"/>
-                  </a:solidFill>
-                  <a:latin typeface="微软雅黑" pitchFamily="34" charset="-122"/>
-                  <a:ea typeface="微软雅黑" pitchFamily="34" charset="-122"/>
-                  <a:sym typeface="微软雅黑" pitchFamily="34" charset="-122"/>
-                </a:rPr>
-                <a:t>三</a:t>
-              </a:r>
-              <a:r>
-                <a:rPr lang="zh-TW" altLang="en-US" sz="2000" dirty="0" smtClean="0">
+                <a:rPr lang="zh-TW" altLang="en-US" sz="2000" dirty="0">
                   <a:solidFill>
                     <a:srgbClr val="000000"/>
                   </a:solidFill>
@@ -21271,13 +20677,6 @@
     <a:masterClrMapping/>
   </p:clrMapOvr>
   <p:transition spd="slow"/>
-  <p:timing>
-    <p:tnLst>
-      <p:par>
-        <p:cTn id="1" dur="indefinite" restart="never" nodeType="tmRoot"/>
-      </p:par>
-    </p:tnLst>
-  </p:timing>
 </p:sld>
 </file>
 
@@ -22091,67 +21490,32 @@
           <a:lstStyle/>
           <a:p>
             <a:r>
-              <a:rPr lang="zh-TW" altLang="en-US" sz="2400" b="1" dirty="0" smtClean="0">
+              <a:rPr lang="zh-TW" altLang="en-US" sz="2400" b="1" dirty="0">
                 <a:latin typeface="Microsoft YaHei" panose="020B0503020204020204" pitchFamily="34" charset="-122"/>
                 <a:ea typeface="Microsoft YaHei" panose="020B0503020204020204" pitchFamily="34" charset="-122"/>
               </a:rPr>
               <a:t>       </a:t>
             </a:r>
             <a:r>
-              <a:rPr lang="zh-CN" altLang="en-US" sz="2400" b="1" dirty="0" smtClean="0">
+              <a:rPr lang="zh-CN" altLang="en-US" sz="2400" b="1" dirty="0">
                 <a:latin typeface="Microsoft YaHei" panose="020B0503020204020204" pitchFamily="34" charset="-122"/>
                 <a:ea typeface="Microsoft YaHei" panose="020B0503020204020204" pitchFamily="34" charset="-122"/>
               </a:rPr>
               <a:t>人</a:t>
             </a:r>
             <a:r>
-              <a:rPr lang="zh-TW" altLang="en-US" sz="2400" b="1" dirty="0" smtClean="0">
+              <a:rPr lang="zh-TW" altLang="en-US" sz="2400" b="1" dirty="0">
                 <a:latin typeface="Microsoft YaHei" panose="020B0503020204020204" pitchFamily="34" charset="-122"/>
                 <a:ea typeface="Microsoft YaHei" panose="020B0503020204020204" pitchFamily="34" charset="-122"/>
               </a:rPr>
               <a:t>，</a:t>
             </a:r>
             <a:r>
-              <a:rPr lang="zh-CN" altLang="en-US" sz="2400" b="1" dirty="0" smtClean="0">
-                <a:latin typeface="Microsoft YaHei" panose="020B0503020204020204" pitchFamily="34" charset="-122"/>
-                <a:ea typeface="Microsoft YaHei" panose="020B0503020204020204" pitchFamily="34" charset="-122"/>
-              </a:rPr>
-              <a:t>是群居</a:t>
-            </a:r>
-            <a:r>
               <a:rPr lang="zh-CN" altLang="en-US" sz="2400" b="1" dirty="0">
                 <a:latin typeface="Microsoft YaHei" panose="020B0503020204020204" pitchFamily="34" charset="-122"/>
                 <a:ea typeface="Microsoft YaHei" panose="020B0503020204020204" pitchFamily="34" charset="-122"/>
               </a:rPr>
-              <a:t>動物。單單只有一個性別，是無法促進人類的</a:t>
-            </a:r>
-            <a:r>
-              <a:rPr lang="zh-CN" altLang="en-US" sz="2400" b="1" dirty="0" smtClean="0">
-                <a:latin typeface="Microsoft YaHei" panose="020B0503020204020204" pitchFamily="34" charset="-122"/>
-                <a:ea typeface="Microsoft YaHei" panose="020B0503020204020204" pitchFamily="34" charset="-122"/>
-              </a:rPr>
-              <a:t>演進和</a:t>
-            </a:r>
-            <a:r>
-              <a:rPr lang="zh-CN" altLang="en-US" sz="2400" b="1" dirty="0">
-                <a:latin typeface="Microsoft YaHei" panose="020B0503020204020204" pitchFamily="34" charset="-122"/>
-                <a:ea typeface="Microsoft YaHei" panose="020B0503020204020204" pitchFamily="34" charset="-122"/>
-              </a:rPr>
-              <a:t>社會的繁榮！因此，我們的壯舉不只是為了台科和師大</a:t>
-            </a:r>
-            <a:r>
-              <a:rPr lang="zh-CN" altLang="en-US" sz="2400" b="1" dirty="0" smtClean="0">
-                <a:latin typeface="Microsoft YaHei" panose="020B0503020204020204" pitchFamily="34" charset="-122"/>
-                <a:ea typeface="Microsoft YaHei" panose="020B0503020204020204" pitchFamily="34" charset="-122"/>
-              </a:rPr>
-              <a:t>學生的</a:t>
-            </a:r>
-            <a:r>
-              <a:rPr lang="zh-CN" altLang="en-US" sz="2400" b="1" dirty="0">
-                <a:latin typeface="Microsoft YaHei" panose="020B0503020204020204" pitchFamily="34" charset="-122"/>
-                <a:ea typeface="Microsoft YaHei" panose="020B0503020204020204" pitchFamily="34" charset="-122"/>
-              </a:rPr>
-              <a:t>福祉著想，更是為了這個國家、這個社會的未來做考量！</a:t>
+              <a:t>是群居動物。單單只有一個性別，是無法促進人類的演進和社會的繁榮！因此，我們的壯舉不只是為了台科和師大學生的福祉著想，更是為了這個國家、這個社會的未來做考量！</a:t>
             </a:r>
             <a:endParaRPr lang="en-US" altLang="zh-CN" sz="2400" b="1" dirty="0">
               <a:latin typeface="Microsoft YaHei" panose="020B0503020204020204" pitchFamily="34" charset="-122"/>
@@ -22166,102 +21530,32 @@
           </a:p>
           <a:p>
             <a:r>
-              <a:rPr lang="zh-TW" altLang="en-US" sz="2400" b="1" dirty="0" smtClean="0">
+              <a:rPr lang="zh-TW" altLang="en-US" sz="2400" b="1" dirty="0">
                 <a:latin typeface="Microsoft YaHei" panose="020B0503020204020204" pitchFamily="34" charset="-122"/>
                 <a:ea typeface="Microsoft YaHei" panose="020B0503020204020204" pitchFamily="34" charset="-122"/>
               </a:rPr>
               <a:t>       </a:t>
             </a:r>
             <a:r>
-              <a:rPr lang="zh-CN" altLang="en-US" sz="2400" b="1" dirty="0" smtClean="0">
+              <a:rPr lang="zh-CN" altLang="en-US" sz="2400" b="1" dirty="0">
                 <a:latin typeface="Microsoft YaHei" panose="020B0503020204020204" pitchFamily="34" charset="-122"/>
                 <a:ea typeface="Microsoft YaHei" panose="020B0503020204020204" pitchFamily="34" charset="-122"/>
               </a:rPr>
-              <a:t>台</a:t>
+              <a:t>台科的男性朋友們可以體會到師大女性朋友的文學氣質，女性朋友則可以感受到師大男性的溫文儒雅。而師大的男性朋友可以認識工科女孩的獨有魅力，至於女性朋友則是能夠體會理工男孩</a:t>
+            </a:r>
+            <a:r>
+              <a:rPr lang="en-US" altLang="zh-TW" sz="2400" b="1" dirty="0">
+                <a:latin typeface="Microsoft YaHei" panose="020B0503020204020204" pitchFamily="34" charset="-122"/>
+                <a:ea typeface="Microsoft YaHei" panose="020B0503020204020204" pitchFamily="34" charset="-122"/>
+              </a:rPr>
+              <a:t>BUBU</a:t>
             </a:r>
             <a:r>
               <a:rPr lang="zh-CN" altLang="en-US" sz="2400" b="1" dirty="0">
                 <a:latin typeface="Microsoft YaHei" panose="020B0503020204020204" pitchFamily="34" charset="-122"/>
                 <a:ea typeface="Microsoft YaHei" panose="020B0503020204020204" pitchFamily="34" charset="-122"/>
               </a:rPr>
-              <a:t>科的男性朋友們可以體會到師大女性朋友的文學氣質，</a:t>
-            </a:r>
-            <a:r>
-              <a:rPr lang="zh-CN" altLang="en-US" sz="2400" b="1" dirty="0" smtClean="0">
-                <a:latin typeface="Microsoft YaHei" panose="020B0503020204020204" pitchFamily="34" charset="-122"/>
-                <a:ea typeface="Microsoft YaHei" panose="020B0503020204020204" pitchFamily="34" charset="-122"/>
-              </a:rPr>
-              <a:t>女性朋友</a:t>
-            </a:r>
-            <a:r>
-              <a:rPr lang="zh-CN" altLang="en-US" sz="2400" b="1" dirty="0">
-                <a:latin typeface="Microsoft YaHei" panose="020B0503020204020204" pitchFamily="34" charset="-122"/>
-                <a:ea typeface="Microsoft YaHei" panose="020B0503020204020204" pitchFamily="34" charset="-122"/>
-              </a:rPr>
-              <a:t>則可以感受到師大男性的溫文儒雅</a:t>
-            </a:r>
-            <a:r>
-              <a:rPr lang="zh-CN" altLang="en-US" sz="2400" b="1" dirty="0" smtClean="0">
-                <a:latin typeface="Microsoft YaHei" panose="020B0503020204020204" pitchFamily="34" charset="-122"/>
-                <a:ea typeface="Microsoft YaHei" panose="020B0503020204020204" pitchFamily="34" charset="-122"/>
-              </a:rPr>
-              <a:t>。而</a:t>
-            </a:r>
-            <a:r>
-              <a:rPr lang="zh-CN" altLang="en-US" sz="2400" b="1" dirty="0">
-                <a:latin typeface="Microsoft YaHei" panose="020B0503020204020204" pitchFamily="34" charset="-122"/>
-                <a:ea typeface="Microsoft YaHei" panose="020B0503020204020204" pitchFamily="34" charset="-122"/>
-              </a:rPr>
-              <a:t>師大的男性朋友可以認識工科女孩的獨有魅力，至於女性</a:t>
-            </a:r>
-            <a:r>
-              <a:rPr lang="zh-CN" altLang="en-US" sz="2400" b="1" dirty="0" smtClean="0">
-                <a:latin typeface="Microsoft YaHei" panose="020B0503020204020204" pitchFamily="34" charset="-122"/>
-                <a:ea typeface="Microsoft YaHei" panose="020B0503020204020204" pitchFamily="34" charset="-122"/>
-              </a:rPr>
-              <a:t>朋友</a:t>
-            </a:r>
-            <a:r>
-              <a:rPr lang="zh-CN" altLang="en-US" sz="2400" b="1" dirty="0">
-                <a:latin typeface="Microsoft YaHei" panose="020B0503020204020204" pitchFamily="34" charset="-122"/>
-                <a:ea typeface="Microsoft YaHei" panose="020B0503020204020204" pitchFamily="34" charset="-122"/>
-              </a:rPr>
-              <a:t>則是能夠體會理工</a:t>
-            </a:r>
-            <a:r>
-              <a:rPr lang="zh-CN" altLang="en-US" sz="2400" b="1" dirty="0" smtClean="0">
-                <a:latin typeface="Microsoft YaHei" panose="020B0503020204020204" pitchFamily="34" charset="-122"/>
-                <a:ea typeface="Microsoft YaHei" panose="020B0503020204020204" pitchFamily="34" charset="-122"/>
-              </a:rPr>
-              <a:t>男孩</a:t>
-            </a:r>
-            <a:r>
-              <a:rPr lang="en-US" altLang="zh-TW" sz="2400" b="1" dirty="0" smtClean="0">
-                <a:latin typeface="Microsoft YaHei" panose="020B0503020204020204" pitchFamily="34" charset="-122"/>
-                <a:ea typeface="Microsoft YaHei" panose="020B0503020204020204" pitchFamily="34" charset="-122"/>
-              </a:rPr>
-              <a:t>BUBU</a:t>
-            </a:r>
-            <a:r>
-              <a:rPr lang="zh-CN" altLang="en-US" sz="2400" b="1" dirty="0" smtClean="0">
-                <a:latin typeface="Microsoft YaHei" panose="020B0503020204020204" pitchFamily="34" charset="-122"/>
-                <a:ea typeface="Microsoft YaHei" panose="020B0503020204020204" pitchFamily="34" charset="-122"/>
-              </a:rPr>
-              <a:t>的浪漫</a:t>
-            </a:r>
-            <a:r>
-              <a:rPr lang="zh-CN" altLang="en-US" sz="2400" b="1" dirty="0">
-                <a:latin typeface="Microsoft YaHei" panose="020B0503020204020204" pitchFamily="34" charset="-122"/>
-                <a:ea typeface="Microsoft YaHei" panose="020B0503020204020204" pitchFamily="34" charset="-122"/>
-              </a:rPr>
-              <a:t>啦</a:t>
-            </a:r>
-            <a:r>
-              <a:rPr lang="zh-CN" altLang="en-US" sz="2400" b="1" dirty="0" smtClean="0">
-                <a:latin typeface="Microsoft YaHei" panose="020B0503020204020204" pitchFamily="34" charset="-122"/>
-                <a:ea typeface="Microsoft YaHei" panose="020B0503020204020204" pitchFamily="34" charset="-122"/>
-              </a:rPr>
-              <a:t>～</a:t>
+              <a:t>的浪漫啦～</a:t>
             </a:r>
             <a:endParaRPr lang="en-US" altLang="zh-CN" sz="2400" b="1" dirty="0">
               <a:latin typeface="Microsoft YaHei" panose="020B0503020204020204" pitchFamily="34" charset="-122"/>
@@ -22276,13 +21570,6 @@
     <a:masterClrMapping/>
   </p:clrMapOvr>
   <p:transition spd="slow"/>
-  <p:timing>
-    <p:tnLst>
-      <p:par>
-        <p:cTn id="1" dur="indefinite" restart="never" nodeType="tmRoot"/>
-      </p:par>
-    </p:tnLst>
-  </p:timing>
 </p:sld>
 </file>
 
@@ -22449,7 +21736,7 @@
               <a:defRPr/>
             </a:pPr>
             <a:r>
-              <a:rPr lang="zh-TW" altLang="en-US" sz="3600" b="1" dirty="0" smtClean="0">
+              <a:rPr lang="zh-TW" altLang="en-US" sz="3600" b="1" dirty="0">
                 <a:solidFill>
                   <a:srgbClr val="000000"/>
                 </a:solidFill>
@@ -22460,7 +21747,7 @@
               <a:t>會議記錄 </a:t>
             </a:r>
             <a:r>
-              <a:rPr lang="en-US" altLang="zh-TW" sz="3600" b="1" dirty="0" smtClean="0">
+              <a:rPr lang="en-US" altLang="zh-TW" sz="3600" b="1" dirty="0">
                 <a:solidFill>
                   <a:srgbClr val="000000"/>
                 </a:solidFill>
@@ -22563,7 +21850,7 @@
                     <a:lstStyle/>
                     <a:p>
                       <a:r>
-                        <a:rPr lang="en-US" altLang="zh-TW" sz="2000" dirty="0" smtClean="0">
+                        <a:rPr lang="en-US" altLang="zh-TW" sz="2000" dirty="0">
                           <a:latin typeface="Microsoft YaHei" panose="020B0503020204020204" pitchFamily="34" charset="-122"/>
                           <a:ea typeface="Microsoft YaHei" panose="020B0503020204020204" pitchFamily="34" charset="-122"/>
                         </a:rPr>
@@ -22587,7 +21874,7 @@
                     <a:p>
                       <a:pPr marL="0" algn="l" defTabSz="914400" rtl="0" eaLnBrk="1" latinLnBrk="0" hangingPunct="1"/>
                       <a:r>
-                        <a:rPr lang="en-US" altLang="zh-TW" sz="2000" kern="1200" dirty="0" smtClean="0">
+                        <a:rPr lang="en-US" altLang="zh-TW" sz="2000" kern="1200" dirty="0">
                           <a:latin typeface="Microsoft YaHei" panose="020B0503020204020204" pitchFamily="34" charset="-122"/>
                           <a:ea typeface="Microsoft YaHei" panose="020B0503020204020204" pitchFamily="34" charset="-122"/>
                         </a:rPr>
@@ -22628,13 +21915,13 @@
                         <a:defRPr/>
                       </a:pPr>
                       <a:r>
-                        <a:rPr lang="en-US" altLang="zh-TW" sz="2000" kern="1200" dirty="0" smtClean="0">
+                        <a:rPr lang="en-US" altLang="zh-TW" sz="2000" kern="1200" dirty="0">
                           <a:latin typeface="Microsoft YaHei" panose="020B0503020204020204" pitchFamily="34" charset="-122"/>
                           <a:ea typeface="Microsoft YaHei" panose="020B0503020204020204" pitchFamily="34" charset="-122"/>
                         </a:rPr>
                         <a:t>0313</a:t>
                       </a:r>
-                      <a:endParaRPr lang="zh-TW" altLang="en-US" sz="2000" b="0" kern="1200" dirty="0" smtClean="0">
+                      <a:endParaRPr lang="zh-TW" altLang="en-US" sz="2000" b="0" kern="1200" dirty="0">
                         <a:solidFill>
                           <a:schemeClr val="tx1"/>
                         </a:solidFill>
@@ -22669,13 +21956,13 @@
                         <a:defRPr/>
                       </a:pPr>
                       <a:r>
-                        <a:rPr lang="en-US" altLang="zh-TW" sz="2000" kern="1200" dirty="0" smtClean="0">
+                        <a:rPr lang="en-US" altLang="zh-TW" sz="2000" kern="1200" dirty="0">
                           <a:latin typeface="Microsoft YaHei" panose="020B0503020204020204" pitchFamily="34" charset="-122"/>
                           <a:ea typeface="Microsoft YaHei" panose="020B0503020204020204" pitchFamily="34" charset="-122"/>
                         </a:rPr>
                         <a:t>0322</a:t>
                       </a:r>
-                      <a:endParaRPr lang="zh-TW" altLang="en-US" sz="2000" kern="1200" dirty="0" smtClean="0">
+                      <a:endParaRPr lang="zh-TW" altLang="en-US" sz="2000" kern="1200" dirty="0">
                         <a:latin typeface="Microsoft YaHei" panose="020B0503020204020204" pitchFamily="34" charset="-122"/>
                         <a:ea typeface="Microsoft YaHei" panose="020B0503020204020204" pitchFamily="34" charset="-122"/>
                       </a:endParaRPr>
@@ -22717,13 +22004,13 @@
                         <a:defRPr/>
                       </a:pPr>
                       <a:r>
-                        <a:rPr lang="en-US" altLang="zh-TW" sz="2000" kern="1200" dirty="0" smtClean="0">
+                        <a:rPr lang="en-US" altLang="zh-TW" sz="2000" kern="1200" dirty="0">
                           <a:latin typeface="Microsoft YaHei" panose="020B0503020204020204" pitchFamily="34" charset="-122"/>
                           <a:ea typeface="Microsoft YaHei" panose="020B0503020204020204" pitchFamily="34" charset="-122"/>
                         </a:rPr>
                         <a:t>0327</a:t>
                       </a:r>
-                      <a:endParaRPr lang="zh-TW" altLang="en-US" sz="2000" kern="1200" dirty="0" smtClean="0">
+                      <a:endParaRPr lang="zh-TW" altLang="en-US" sz="2000" kern="1200" dirty="0">
                         <a:latin typeface="Microsoft YaHei" panose="020B0503020204020204" pitchFamily="34" charset="-122"/>
                         <a:ea typeface="Microsoft YaHei" panose="020B0503020204020204" pitchFamily="34" charset="-122"/>
                       </a:endParaRPr>
@@ -22765,7 +22052,7 @@
                         <a:defRPr/>
                       </a:pPr>
                       <a:r>
-                        <a:rPr lang="en-US" altLang="zh-TW" sz="2000" dirty="0" smtClean="0">
+                        <a:rPr lang="en-US" altLang="zh-TW" sz="2000" dirty="0">
                           <a:latin typeface="Microsoft YaHei" panose="020B0503020204020204" pitchFamily="34" charset="-122"/>
                           <a:ea typeface="Microsoft YaHei" panose="020B0503020204020204" pitchFamily="34" charset="-122"/>
                         </a:rPr>
@@ -22797,7 +22084,7 @@
                     <a:p>
                       <a:pPr algn="dist"/>
                       <a:r>
-                        <a:rPr lang="zh-TW" altLang="en-US" sz="2000" dirty="0" smtClean="0">
+                        <a:rPr lang="zh-TW" altLang="en-US" sz="2000" dirty="0">
                           <a:latin typeface="Microsoft YaHei" panose="020B0503020204020204" pitchFamily="34" charset="-122"/>
                           <a:ea typeface="Microsoft YaHei" panose="020B0503020204020204" pitchFamily="34" charset="-122"/>
                         </a:rPr>
@@ -22821,7 +22108,7 @@
                     <a:p>
                       <a:pPr marL="0" algn="dist" defTabSz="914400" rtl="0" eaLnBrk="1" latinLnBrk="0" hangingPunct="1"/>
                       <a:r>
-                        <a:rPr lang="zh-TW" altLang="en-US" sz="2000" kern="1200" dirty="0" smtClean="0">
+                        <a:rPr lang="zh-TW" altLang="en-US" sz="2000" kern="1200" dirty="0">
                           <a:latin typeface="Microsoft YaHei" panose="020B0503020204020204" pitchFamily="34" charset="-122"/>
                           <a:ea typeface="Microsoft YaHei" panose="020B0503020204020204" pitchFamily="34" charset="-122"/>
                         </a:rPr>
@@ -22862,13 +22149,13 @@
                         <a:defRPr/>
                       </a:pPr>
                       <a:r>
-                        <a:rPr lang="zh-TW" altLang="en-US" sz="2000" kern="1200" dirty="0" smtClean="0">
+                        <a:rPr lang="zh-TW" altLang="en-US" sz="2000" kern="1200" dirty="0">
                           <a:latin typeface="Microsoft YaHei" panose="020B0503020204020204" pitchFamily="34" charset="-122"/>
                           <a:ea typeface="Microsoft YaHei" panose="020B0503020204020204" pitchFamily="34" charset="-122"/>
                         </a:rPr>
                         <a:t>蒐集資料</a:t>
                       </a:r>
-                      <a:endParaRPr lang="zh-TW" altLang="en-US" sz="2000" b="0" kern="1200" dirty="0" smtClean="0">
+                      <a:endParaRPr lang="zh-TW" altLang="en-US" sz="2000" b="0" kern="1200" dirty="0">
                         <a:solidFill>
                           <a:schemeClr val="tx1"/>
                         </a:solidFill>
@@ -22903,13 +22190,13 @@
                         <a:defRPr/>
                       </a:pPr>
                       <a:r>
-                        <a:rPr lang="zh-TW" altLang="en-US" sz="2000" kern="1200" dirty="0" smtClean="0">
+                        <a:rPr lang="zh-TW" altLang="en-US" sz="2000" kern="1200" dirty="0">
                           <a:latin typeface="Microsoft YaHei" panose="020B0503020204020204" pitchFamily="34" charset="-122"/>
                           <a:ea typeface="Microsoft YaHei" panose="020B0503020204020204" pitchFamily="34" charset="-122"/>
                         </a:rPr>
                         <a:t>決定主題</a:t>
                       </a:r>
-                      <a:endParaRPr lang="zh-TW" altLang="en-US" sz="2000" b="0" kern="1200" dirty="0" smtClean="0">
+                      <a:endParaRPr lang="zh-TW" altLang="en-US" sz="2000" b="0" kern="1200" dirty="0">
                         <a:solidFill>
                           <a:schemeClr val="tx1"/>
                         </a:solidFill>
@@ -22944,13 +22231,13 @@
                         <a:defRPr/>
                       </a:pPr>
                       <a:r>
-                        <a:rPr lang="zh-TW" altLang="en-US" sz="2000" kern="1200" dirty="0" smtClean="0">
+                        <a:rPr lang="zh-TW" altLang="en-US" sz="2000" kern="1200" dirty="0">
                           <a:latin typeface="Microsoft YaHei" panose="020B0503020204020204" pitchFamily="34" charset="-122"/>
                           <a:ea typeface="Microsoft YaHei" panose="020B0503020204020204" pitchFamily="34" charset="-122"/>
                         </a:rPr>
                         <a:t>設計介面</a:t>
                       </a:r>
-                      <a:endParaRPr lang="zh-TW" altLang="en-US" sz="2000" b="0" kern="1200" dirty="0" smtClean="0">
+                      <a:endParaRPr lang="zh-TW" altLang="en-US" sz="2000" b="0" kern="1200" dirty="0">
                         <a:solidFill>
                           <a:schemeClr val="tx1"/>
                         </a:solidFill>
@@ -22985,13 +22272,13 @@
                         <a:defRPr/>
                       </a:pPr>
                       <a:r>
-                        <a:rPr lang="zh-TW" altLang="en-US" sz="2000" dirty="0" smtClean="0">
+                        <a:rPr lang="zh-TW" altLang="en-US" sz="2000" dirty="0">
                           <a:latin typeface="Microsoft YaHei" panose="020B0503020204020204" pitchFamily="34" charset="-122"/>
                           <a:ea typeface="Microsoft YaHei" panose="020B0503020204020204" pitchFamily="34" charset="-122"/>
                         </a:rPr>
                         <a:t>製作前端</a:t>
                       </a:r>
-                      <a:endParaRPr lang="zh-TW" altLang="en-US" sz="2000" b="0" dirty="0" smtClean="0">
+                      <a:endParaRPr lang="zh-TW" altLang="en-US" sz="2000" b="0" dirty="0">
                         <a:solidFill>
                           <a:schemeClr val="tx1"/>
                         </a:solidFill>
@@ -23032,13 +22319,13 @@
                         <a:defRPr/>
                       </a:pPr>
                       <a:r>
-                        <a:rPr lang="en-US" altLang="zh-TW" sz="2000" kern="1200" dirty="0" smtClean="0">
+                        <a:rPr lang="en-US" altLang="zh-TW" sz="2000" kern="1200" dirty="0">
                           <a:latin typeface="Microsoft YaHei" panose="020B0503020204020204" pitchFamily="34" charset="-122"/>
                           <a:ea typeface="Microsoft YaHei" panose="020B0503020204020204" pitchFamily="34" charset="-122"/>
                         </a:rPr>
                         <a:t>0424</a:t>
                       </a:r>
-                      <a:endParaRPr lang="zh-TW" altLang="en-US" sz="2000" kern="1200" dirty="0" smtClean="0">
+                      <a:endParaRPr lang="zh-TW" altLang="en-US" sz="2000" kern="1200" dirty="0">
                         <a:latin typeface="Microsoft YaHei" panose="020B0503020204020204" pitchFamily="34" charset="-122"/>
                         <a:ea typeface="Microsoft YaHei" panose="020B0503020204020204" pitchFamily="34" charset="-122"/>
                       </a:endParaRPr>
@@ -23063,7 +22350,7 @@
                     <a:p>
                       <a:pPr marL="0" algn="l" defTabSz="914400" rtl="0" eaLnBrk="1" latinLnBrk="0" hangingPunct="1"/>
                       <a:r>
-                        <a:rPr lang="en-US" altLang="zh-TW" sz="2000" kern="1200" dirty="0" smtClean="0">
+                        <a:rPr lang="en-US" altLang="zh-TW" sz="2000" kern="1200" dirty="0">
                           <a:latin typeface="Microsoft YaHei" panose="020B0503020204020204" pitchFamily="34" charset="-122"/>
                           <a:ea typeface="Microsoft YaHei" panose="020B0503020204020204" pitchFamily="34" charset="-122"/>
                         </a:rPr>
@@ -23088,7 +22375,7 @@
                     <a:p>
                       <a:pPr marL="0" algn="l" defTabSz="914400" rtl="0" eaLnBrk="1" latinLnBrk="0" hangingPunct="1"/>
                       <a:r>
-                        <a:rPr lang="en-US" altLang="zh-TW" sz="2000" kern="1200" dirty="0" smtClean="0">
+                        <a:rPr lang="en-US" altLang="zh-TW" sz="2000" kern="1200" dirty="0">
                           <a:latin typeface="Microsoft YaHei" panose="020B0503020204020204" pitchFamily="34" charset="-122"/>
                           <a:ea typeface="Microsoft YaHei" panose="020B0503020204020204" pitchFamily="34" charset="-122"/>
                         </a:rPr>
@@ -23113,7 +22400,7 @@
                     <a:p>
                       <a:pPr marL="0" algn="l" defTabSz="914400" rtl="0" eaLnBrk="1" latinLnBrk="0" hangingPunct="1"/>
                       <a:r>
-                        <a:rPr lang="en-US" altLang="zh-TW" sz="2000" kern="1200" dirty="0" smtClean="0">
+                        <a:rPr lang="en-US" altLang="zh-TW" sz="2000" kern="1200" dirty="0">
                           <a:latin typeface="Microsoft YaHei" panose="020B0503020204020204" pitchFamily="34" charset="-122"/>
                           <a:ea typeface="Microsoft YaHei" panose="020B0503020204020204" pitchFamily="34" charset="-122"/>
                         </a:rPr>
@@ -23138,7 +22425,7 @@
                     <a:p>
                       <a:pPr marL="0" algn="l" defTabSz="914400" rtl="0" eaLnBrk="1" latinLnBrk="0" hangingPunct="1"/>
                       <a:r>
-                        <a:rPr lang="en-US" altLang="zh-TW" sz="2000" kern="1200" dirty="0" smtClean="0">
+                        <a:rPr lang="en-US" altLang="zh-TW" sz="2000" kern="1200" dirty="0">
                           <a:latin typeface="Microsoft YaHei" panose="020B0503020204020204" pitchFamily="34" charset="-122"/>
                           <a:ea typeface="Microsoft YaHei" panose="020B0503020204020204" pitchFamily="34" charset="-122"/>
                         </a:rPr>
@@ -23163,7 +22450,7 @@
                     <a:p>
                       <a:pPr marL="0" algn="l" defTabSz="914400" rtl="0" eaLnBrk="1" latinLnBrk="0" hangingPunct="1"/>
                       <a:r>
-                        <a:rPr lang="en-US" altLang="zh-TW" sz="2000" b="0" kern="1200" dirty="0" smtClean="0">
+                        <a:rPr lang="en-US" altLang="zh-TW" sz="2000" b="0" kern="1200" dirty="0">
                           <a:solidFill>
                             <a:schemeClr val="tx1"/>
                           </a:solidFill>
@@ -23215,13 +22502,13 @@
                         <a:defRPr/>
                       </a:pPr>
                       <a:r>
-                        <a:rPr lang="zh-TW" altLang="en-US" sz="2000" kern="1200" dirty="0" smtClean="0">
+                        <a:rPr lang="zh-TW" altLang="en-US" sz="2000" kern="1200" dirty="0">
                           <a:latin typeface="Microsoft YaHei" panose="020B0503020204020204" pitchFamily="34" charset="-122"/>
                           <a:ea typeface="Microsoft YaHei" panose="020B0503020204020204" pitchFamily="34" charset="-122"/>
                         </a:rPr>
                         <a:t>製作前端</a:t>
                       </a:r>
-                      <a:endParaRPr lang="zh-TW" altLang="en-US" sz="2000" b="0" kern="1200" dirty="0" smtClean="0">
+                      <a:endParaRPr lang="zh-TW" altLang="en-US" sz="2000" b="0" kern="1200" dirty="0">
                         <a:solidFill>
                           <a:schemeClr val="tx1"/>
                         </a:solidFill>
@@ -23240,7 +22527,7 @@
                     <a:p>
                       <a:pPr marL="0" algn="dist" defTabSz="914400" rtl="0" eaLnBrk="1" latinLnBrk="0" hangingPunct="1"/>
                       <a:r>
-                        <a:rPr lang="zh-TW" altLang="en-US" sz="2000" kern="1200" dirty="0" smtClean="0">
+                        <a:rPr lang="zh-TW" altLang="en-US" sz="2000" kern="1200" dirty="0">
                           <a:latin typeface="Microsoft YaHei" panose="020B0503020204020204" pitchFamily="34" charset="-122"/>
                           <a:ea typeface="Microsoft YaHei" panose="020B0503020204020204" pitchFamily="34" charset="-122"/>
                         </a:rPr>
@@ -23265,7 +22552,7 @@
                     <a:p>
                       <a:pPr marL="0" algn="dist" defTabSz="914400" rtl="0" eaLnBrk="1" latinLnBrk="0" hangingPunct="1"/>
                       <a:r>
-                        <a:rPr lang="zh-TW" altLang="en-US" sz="2000" kern="1200" dirty="0" smtClean="0">
+                        <a:rPr lang="zh-TW" altLang="en-US" sz="2000" kern="1200" dirty="0">
                           <a:latin typeface="Microsoft YaHei" panose="020B0503020204020204" pitchFamily="34" charset="-122"/>
                           <a:ea typeface="Microsoft YaHei" panose="020B0503020204020204" pitchFamily="34" charset="-122"/>
                         </a:rPr>
@@ -23290,7 +22577,7 @@
                     <a:p>
                       <a:pPr marL="0" algn="dist" defTabSz="914400" rtl="0" eaLnBrk="1" latinLnBrk="0" hangingPunct="1"/>
                       <a:r>
-                        <a:rPr lang="zh-TW" altLang="en-US" sz="2000" kern="1200" dirty="0" smtClean="0">
+                        <a:rPr lang="zh-TW" altLang="en-US" sz="2000" kern="1200" dirty="0">
                           <a:latin typeface="Microsoft YaHei" panose="020B0503020204020204" pitchFamily="34" charset="-122"/>
                           <a:ea typeface="Microsoft YaHei" panose="020B0503020204020204" pitchFamily="34" charset="-122"/>
                         </a:rPr>
@@ -23315,7 +22602,7 @@
                     <a:p>
                       <a:pPr marL="0" algn="dist" defTabSz="914400" rtl="0" eaLnBrk="1" latinLnBrk="0" hangingPunct="1"/>
                       <a:r>
-                        <a:rPr lang="zh-TW" altLang="en-US" sz="2000" kern="1200" dirty="0" smtClean="0">
+                        <a:rPr lang="zh-TW" altLang="en-US" sz="2000" kern="1200" dirty="0">
                           <a:latin typeface="Microsoft YaHei" panose="020B0503020204020204" pitchFamily="34" charset="-122"/>
                           <a:ea typeface="Microsoft YaHei" panose="020B0503020204020204" pitchFamily="34" charset="-122"/>
                         </a:rPr>
@@ -23340,7 +22627,7 @@
                     <a:p>
                       <a:pPr marL="0" algn="dist" defTabSz="914400" rtl="0" eaLnBrk="1" latinLnBrk="0" hangingPunct="1"/>
                       <a:r>
-                        <a:rPr lang="zh-TW" altLang="en-US" sz="2000" b="0" kern="1200" dirty="0" smtClean="0">
+                        <a:rPr lang="zh-TW" altLang="en-US" sz="2000" b="0" kern="1200" dirty="0">
                           <a:solidFill>
                             <a:schemeClr val="tx1"/>
                           </a:solidFill>
@@ -23350,14 +22637,6 @@
                         </a:rPr>
                         <a:t>完成及測試網站</a:t>
                       </a:r>
-                      <a:endParaRPr lang="zh-TW" altLang="en-US" sz="2000" b="0" kern="1200" dirty="0">
-                        <a:solidFill>
-                          <a:schemeClr val="tx1"/>
-                        </a:solidFill>
-                        <a:latin typeface="Microsoft YaHei" panose="020B0503020204020204" pitchFamily="34" charset="-122"/>
-                        <a:ea typeface="Microsoft YaHei" panose="020B0503020204020204" pitchFamily="34" charset="-122"/>
-                        <a:cs typeface="+mn-cs"/>
-                      </a:endParaRPr>
                     </a:p>
                   </a:txBody>
                   <a:tcPr/>
@@ -23395,16 +22674,12 @@
           <a:lstStyle/>
           <a:p>
             <a:r>
-              <a:rPr lang="zh-TW" altLang="en-US" sz="2400" dirty="0" smtClean="0">
+              <a:rPr lang="zh-TW" altLang="en-US" sz="2400" dirty="0">
                 <a:latin typeface="Microsoft YaHei" panose="020B0503020204020204" pitchFamily="34" charset="-122"/>
                 <a:ea typeface="Microsoft YaHei" panose="020B0503020204020204" pitchFamily="34" charset="-122"/>
               </a:rPr>
               <a:t>我們每週三晚上都會在圖書館討論小間舉行會議</a:t>
             </a:r>
-            <a:endParaRPr lang="zh-TW" altLang="en-US" sz="2400" dirty="0">
-              <a:latin typeface="Microsoft YaHei" panose="020B0503020204020204" pitchFamily="34" charset="-122"/>
-              <a:ea typeface="Microsoft YaHei" panose="020B0503020204020204" pitchFamily="34" charset="-122"/>
-            </a:endParaRPr>
           </a:p>
         </p:txBody>
       </p:sp>
@@ -23419,13 +22694,6 @@
     <a:masterClrMapping/>
   </p:clrMapOvr>
   <p:transition spd="slow"/>
-  <p:timing>
-    <p:tnLst>
-      <p:par>
-        <p:cTn id="1" dur="indefinite" restart="never" nodeType="tmRoot"/>
-      </p:par>
-    </p:tnLst>
-  </p:timing>
 </p:sld>
 </file>
 
@@ -23911,7 +23179,7 @@
           <a:p>
             <a:pPr algn="ctr"/>
             <a:r>
-              <a:rPr lang="en-US" altLang="zh-CN" sz="3200" b="1" dirty="0" smtClean="0">
+              <a:rPr lang="en-US" altLang="zh-CN" sz="3200" b="1" dirty="0">
                 <a:solidFill>
                   <a:srgbClr val="FFF6E7"/>
                 </a:solidFill>
@@ -23924,7 +23192,7 @@
           </a:p>
           <a:p>
             <a:r>
-              <a:rPr lang="zh-CN" altLang="en-US" sz="3200" b="1" dirty="0" smtClean="0">
+              <a:rPr lang="zh-CN" altLang="en-US" sz="3200" b="1" dirty="0">
                 <a:solidFill>
                   <a:srgbClr val="FFF6E7"/>
                 </a:solidFill>
@@ -23932,18 +23200,7 @@
                 <a:ea typeface="微软雅黑" pitchFamily="34" charset="-122"/>
                 <a:sym typeface="微软雅黑" pitchFamily="34" charset="-122"/>
               </a:rPr>
-              <a:t>確認</a:t>
-            </a:r>
-            <a:r>
-              <a:rPr lang="zh-CN" altLang="en-US" sz="3200" b="1" dirty="0">
-                <a:solidFill>
-                  <a:srgbClr val="FFF6E7"/>
-                </a:solidFill>
-                <a:latin typeface="微软雅黑" pitchFamily="34" charset="-122"/>
-                <a:ea typeface="微软雅黑" pitchFamily="34" charset="-122"/>
-                <a:sym typeface="微软雅黑" pitchFamily="34" charset="-122"/>
-              </a:rPr>
-              <a:t>方向</a:t>
+              <a:t>確認方向</a:t>
             </a:r>
           </a:p>
         </p:txBody>
@@ -24003,27 +23260,8 @@
                 <a:ea typeface="微软雅黑" pitchFamily="34" charset="-122"/>
                 <a:sym typeface="微软雅黑" pitchFamily="34" charset="-122"/>
               </a:rPr>
-              <a:t>  </a:t>
+              <a:t>  05/15</a:t>
             </a:r>
-            <a:r>
-              <a:rPr lang="en-US" sz="3200" b="1" dirty="0" smtClean="0">
-                <a:solidFill>
-                  <a:srgbClr val="FFF6E7"/>
-                </a:solidFill>
-                <a:latin typeface="微软雅黑" pitchFamily="34" charset="-122"/>
-                <a:ea typeface="微软雅黑" pitchFamily="34" charset="-122"/>
-                <a:sym typeface="微软雅黑" pitchFamily="34" charset="-122"/>
-              </a:rPr>
-              <a:t>05/15</a:t>
-            </a:r>
-            <a:endParaRPr lang="en-US" sz="3200" b="1" dirty="0">
-              <a:solidFill>
-                <a:srgbClr val="FFF6E7"/>
-              </a:solidFill>
-              <a:latin typeface="微软雅黑" pitchFamily="34" charset="-122"/>
-              <a:ea typeface="微软雅黑" pitchFamily="34" charset="-122"/>
-              <a:sym typeface="微软雅黑" pitchFamily="34" charset="-122"/>
-            </a:endParaRPr>
           </a:p>
           <a:p>
             <a:r>
@@ -24088,7 +23326,7 @@
           <a:p>
             <a:pPr algn="ctr"/>
             <a:r>
-              <a:rPr lang="en-US" sz="3200" b="1" dirty="0" smtClean="0">
+              <a:rPr lang="en-US" sz="3200" b="1" dirty="0">
                 <a:solidFill>
                   <a:srgbClr val="FFF6E7"/>
                 </a:solidFill>
@@ -24098,14 +23336,6 @@
               </a:rPr>
               <a:t>06/05</a:t>
             </a:r>
-            <a:endParaRPr lang="en-US" sz="3200" b="1" dirty="0">
-              <a:solidFill>
-                <a:srgbClr val="FFF6E7"/>
-              </a:solidFill>
-              <a:latin typeface="微软雅黑" pitchFamily="34" charset="-122"/>
-              <a:ea typeface="微软雅黑" pitchFamily="34" charset="-122"/>
-              <a:sym typeface="微软雅黑" pitchFamily="34" charset="-122"/>
-            </a:endParaRPr>
           </a:p>
           <a:p>
             <a:r>
@@ -24636,7 +23866,7 @@
           <a:p>
             <a:pPr algn="ctr"/>
             <a:r>
-              <a:rPr lang="en-US" sz="3200" b="1" dirty="0" smtClean="0">
+              <a:rPr lang="en-US" sz="3200" b="1" dirty="0">
                 <a:solidFill>
                   <a:srgbClr val="FFF6E7"/>
                 </a:solidFill>
@@ -24650,7 +23880,7 @@
           <a:p>
             <a:pPr algn="ctr"/>
             <a:r>
-              <a:rPr lang="zh-CN" altLang="en-US" sz="3200" b="1" dirty="0" smtClean="0">
+              <a:rPr lang="zh-CN" altLang="en-US" sz="3200" b="1" dirty="0">
                 <a:solidFill>
                   <a:srgbClr val="FFF6E7"/>
                 </a:solidFill>
@@ -24658,18 +23888,7 @@
                 <a:ea typeface="微软雅黑" pitchFamily="34" charset="-122"/>
                 <a:sym typeface="微软雅黑" pitchFamily="34" charset="-122"/>
               </a:rPr>
-              <a:t>前</a:t>
-            </a:r>
-            <a:r>
-              <a:rPr lang="zh-CN" altLang="en-US" sz="3200" b="1" dirty="0">
-                <a:solidFill>
-                  <a:srgbClr val="FFF6E7"/>
-                </a:solidFill>
-                <a:latin typeface="微软雅黑" pitchFamily="34" charset="-122"/>
-                <a:ea typeface="微软雅黑" pitchFamily="34" charset="-122"/>
-                <a:sym typeface="微软雅黑" pitchFamily="34" charset="-122"/>
-              </a:rPr>
-              <a:t>端設計</a:t>
+              <a:t>前端設計</a:t>
             </a:r>
           </a:p>
         </p:txBody>
@@ -24736,27 +23955,8 @@
                 <a:ea typeface="微软雅黑" pitchFamily="34" charset="-122"/>
                 <a:sym typeface="微软雅黑" pitchFamily="34" charset="-122"/>
               </a:rPr>
-              <a:t> </a:t>
+              <a:t> 06/01</a:t>
             </a:r>
-            <a:r>
-              <a:rPr lang="en-US" sz="3200" b="1" dirty="0" smtClean="0">
-                <a:solidFill>
-                  <a:srgbClr val="FFF6E7"/>
-                </a:solidFill>
-                <a:latin typeface="微软雅黑" pitchFamily="34" charset="-122"/>
-                <a:ea typeface="微软雅黑" pitchFamily="34" charset="-122"/>
-                <a:sym typeface="微软雅黑" pitchFamily="34" charset="-122"/>
-              </a:rPr>
-              <a:t>06/01</a:t>
-            </a:r>
-            <a:endParaRPr lang="en-US" sz="3200" b="1" dirty="0">
-              <a:solidFill>
-                <a:srgbClr val="FFF6E7"/>
-              </a:solidFill>
-              <a:latin typeface="微软雅黑" pitchFamily="34" charset="-122"/>
-              <a:ea typeface="微软雅黑" pitchFamily="34" charset="-122"/>
-              <a:sym typeface="微软雅黑" pitchFamily="34" charset="-122"/>
-            </a:endParaRPr>
           </a:p>
           <a:p>
             <a:r>
@@ -24779,13 +23979,6 @@
     <a:masterClrMapping/>
   </p:clrMapOvr>
   <p:transition spd="slow"/>
-  <p:timing>
-    <p:tnLst>
-      <p:par>
-        <p:cTn id="1" dur="indefinite" restart="never" nodeType="tmRoot"/>
-      </p:par>
-    </p:tnLst>
-  </p:timing>
 </p:sld>
 </file>
 
@@ -25044,13 +24237,6 @@
     <a:masterClrMapping/>
   </p:clrMapOvr>
   <p:transition spd="slow"/>
-  <p:timing>
-    <p:tnLst>
-      <p:par>
-        <p:cTn id="1" dur="indefinite" restart="never" nodeType="tmRoot"/>
-      </p:par>
-    </p:tnLst>
-  </p:timing>
 </p:sld>
 </file>
 
@@ -25217,7 +24403,7 @@
               <a:defRPr/>
             </a:pPr>
             <a:r>
-              <a:rPr kumimoji="0" lang="zh-CN" altLang="en-US" sz="3600" b="1" i="0" u="none" strike="noStrike" kern="1200" cap="none" spc="0" normalizeH="0" baseline="0" noProof="0" dirty="0" smtClean="0">
+              <a:rPr kumimoji="0" lang="zh-CN" altLang="en-US" sz="3600" b="1" i="0" u="none" strike="noStrike" kern="1200" cap="none" spc="0" normalizeH="0" baseline="0" noProof="0" dirty="0">
                 <a:ln>
                   <a:noFill/>
                 </a:ln>
@@ -25235,7 +24421,7 @@
               <a:t>網站</a:t>
             </a:r>
             <a:r>
-              <a:rPr lang="zh-TW" altLang="en-US" sz="3600" b="1" noProof="0" dirty="0" smtClean="0">
+              <a:rPr lang="zh-TW" altLang="en-US" sz="3600" b="1" noProof="0" dirty="0">
                 <a:solidFill>
                   <a:srgbClr val="000000"/>
                 </a:solidFill>
@@ -25246,7 +24432,7 @@
               <a:t>展示 </a:t>
             </a:r>
             <a:r>
-              <a:rPr lang="en-US" altLang="zh-TW" sz="3600" b="1" noProof="0" dirty="0" smtClean="0">
+              <a:rPr lang="en-US" altLang="zh-TW" sz="3600" b="1" noProof="0" dirty="0">
                 <a:solidFill>
                   <a:srgbClr val="000000"/>
                 </a:solidFill>
@@ -25257,7 +24443,7 @@
               <a:t>Website Demo</a:t>
             </a:r>
             <a:r>
-              <a:rPr kumimoji="0" lang="zh-TW" altLang="en-US" sz="3600" b="1" i="0" u="none" strike="noStrike" kern="1200" cap="none" spc="0" normalizeH="0" baseline="0" noProof="0" dirty="0" smtClean="0">
+              <a:rPr kumimoji="0" lang="zh-TW" altLang="en-US" sz="3600" b="1" i="0" u="none" strike="noStrike" kern="1200" cap="none" spc="0" normalizeH="0" baseline="0" noProof="0" dirty="0">
                 <a:ln>
                   <a:noFill/>
                 </a:ln>
@@ -25348,7 +24534,7 @@
           <a:p>
             <a:pPr algn="ctr"/>
             <a:r>
-              <a:rPr lang="en-US" altLang="zh-TW" sz="5400" b="1" dirty="0" smtClean="0">
+              <a:rPr lang="en-US" altLang="zh-TW" sz="5400" b="1" dirty="0">
                 <a:ln w="12700">
                   <a:solidFill>
                     <a:srgbClr val="A1BD70"/>
@@ -25371,7 +24557,7 @@
               <a:t>LOG</a:t>
             </a:r>
             <a:r>
-              <a:rPr lang="zh-TW" altLang="en-US" sz="5400" b="1" dirty="0" smtClean="0">
+              <a:rPr lang="zh-TW" altLang="en-US" sz="5400" b="1" dirty="0">
                 <a:ln w="12700">
                   <a:solidFill>
                     <a:srgbClr val="A1BD70"/>
@@ -25394,7 +24580,7 @@
               <a:t> </a:t>
             </a:r>
             <a:r>
-              <a:rPr lang="en-US" altLang="zh-TW" sz="5400" b="1" dirty="0" smtClean="0">
+              <a:rPr lang="en-US" altLang="zh-TW" sz="5400" b="1" dirty="0">
                 <a:ln w="12700">
                   <a:solidFill>
                     <a:srgbClr val="A1BD70"/>
@@ -25417,7 +24603,7 @@
               <a:t>IN</a:t>
             </a:r>
             <a:r>
-              <a:rPr lang="zh-TW" altLang="en-US" sz="5400" b="1" dirty="0" smtClean="0">
+              <a:rPr lang="zh-TW" altLang="en-US" sz="5400" b="1" dirty="0">
                 <a:ln w="12700">
                   <a:solidFill>
                     <a:srgbClr val="A1BD70"/>
@@ -25439,26 +24625,6 @@
               </a:rPr>
               <a:t>介面</a:t>
             </a:r>
-            <a:endParaRPr lang="zh-TW" altLang="en-US" sz="5400" b="1" dirty="0">
-              <a:ln w="12700">
-                <a:solidFill>
-                  <a:srgbClr val="A1BD70"/>
-                </a:solidFill>
-                <a:prstDash val="solid"/>
-              </a:ln>
-              <a:solidFill>
-                <a:srgbClr val="FFDE6F"/>
-              </a:solidFill>
-              <a:effectLst>
-                <a:outerShdw dist="38100" dir="2640000" algn="bl" rotWithShape="0">
-                  <a:schemeClr val="tx2">
-                    <a:lumMod val="75000"/>
-                  </a:schemeClr>
-                </a:outerShdw>
-              </a:effectLst>
-              <a:latin typeface="Microsoft YaHei" panose="020B0503020204020204" pitchFamily="34" charset="-122"/>
-              <a:ea typeface="Microsoft YaHei" panose="020B0503020204020204" pitchFamily="34" charset="-122"/>
-            </a:endParaRPr>
           </a:p>
         </p:txBody>
       </p:sp>
@@ -25473,13 +24639,6 @@
     <a:masterClrMapping/>
   </p:clrMapOvr>
   <p:transition spd="slow"/>
-  <p:timing>
-    <p:tnLst>
-      <p:par>
-        <p:cTn id="1" dur="indefinite" restart="never" nodeType="tmRoot"/>
-      </p:par>
-    </p:tnLst>
-  </p:timing>
 </p:sld>
 </file>
 
@@ -25646,7 +24805,7 @@
               <a:defRPr/>
             </a:pPr>
             <a:r>
-              <a:rPr kumimoji="0" lang="zh-CN" altLang="en-US" sz="3600" b="1" i="0" u="none" strike="noStrike" kern="1200" cap="none" spc="0" normalizeH="0" baseline="0" noProof="0" dirty="0" smtClean="0">
+              <a:rPr kumimoji="0" lang="zh-CN" altLang="en-US" sz="3600" b="1" i="0" u="none" strike="noStrike" kern="1200" cap="none" spc="0" normalizeH="0" baseline="0" noProof="0" dirty="0">
                 <a:ln>
                   <a:noFill/>
                 </a:ln>
@@ -25664,7 +24823,7 @@
               <a:t>網站</a:t>
             </a:r>
             <a:r>
-              <a:rPr lang="zh-TW" altLang="en-US" sz="3600" b="1" noProof="0" dirty="0" smtClean="0">
+              <a:rPr lang="zh-TW" altLang="en-US" sz="3600" b="1" noProof="0" dirty="0">
                 <a:solidFill>
                   <a:srgbClr val="000000"/>
                 </a:solidFill>
@@ -25675,7 +24834,7 @@
               <a:t>展示 </a:t>
             </a:r>
             <a:r>
-              <a:rPr lang="en-US" altLang="zh-TW" sz="3600" b="1" noProof="0" dirty="0" smtClean="0">
+              <a:rPr lang="en-US" altLang="zh-TW" sz="3600" b="1" noProof="0" dirty="0">
                 <a:solidFill>
                   <a:srgbClr val="000000"/>
                 </a:solidFill>
@@ -25686,7 +24845,7 @@
               <a:t>Website Demo</a:t>
             </a:r>
             <a:r>
-              <a:rPr kumimoji="0" lang="zh-TW" altLang="en-US" sz="3600" b="1" i="0" u="none" strike="noStrike" kern="1200" cap="none" spc="0" normalizeH="0" baseline="0" noProof="0" dirty="0" smtClean="0">
+              <a:rPr kumimoji="0" lang="zh-TW" altLang="en-US" sz="3600" b="1" i="0" u="none" strike="noStrike" kern="1200" cap="none" spc="0" normalizeH="0" baseline="0" noProof="0" dirty="0">
                 <a:ln>
                   <a:noFill/>
                 </a:ln>
@@ -25777,7 +24936,7 @@
           <a:p>
             <a:pPr algn="ctr"/>
             <a:r>
-              <a:rPr lang="en-US" altLang="zh-TW" sz="5400" b="1" dirty="0" smtClean="0">
+              <a:rPr lang="en-US" altLang="zh-TW" sz="5400" b="1" dirty="0">
                 <a:ln w="12700">
                   <a:solidFill>
                     <a:srgbClr val="A1BD70"/>
@@ -25800,7 +24959,7 @@
               <a:t>SIGN UP</a:t>
             </a:r>
             <a:r>
-              <a:rPr lang="zh-TW" altLang="en-US" sz="5400" b="1" dirty="0" smtClean="0">
+              <a:rPr lang="zh-TW" altLang="en-US" sz="5400" b="1" dirty="0">
                 <a:ln w="12700">
                   <a:solidFill>
                     <a:srgbClr val="A1BD70"/>
@@ -25822,26 +24981,6 @@
               </a:rPr>
               <a:t>介面</a:t>
             </a:r>
-            <a:endParaRPr lang="zh-TW" altLang="en-US" sz="5400" b="1" dirty="0">
-              <a:ln w="12700">
-                <a:solidFill>
-                  <a:srgbClr val="A1BD70"/>
-                </a:solidFill>
-                <a:prstDash val="solid"/>
-              </a:ln>
-              <a:solidFill>
-                <a:srgbClr val="FFDE6F"/>
-              </a:solidFill>
-              <a:effectLst>
-                <a:outerShdw dist="38100" dir="2640000" algn="bl" rotWithShape="0">
-                  <a:schemeClr val="tx2">
-                    <a:lumMod val="75000"/>
-                  </a:schemeClr>
-                </a:outerShdw>
-              </a:effectLst>
-              <a:latin typeface="Microsoft YaHei" panose="020B0503020204020204" pitchFamily="34" charset="-122"/>
-              <a:ea typeface="Microsoft YaHei" panose="020B0503020204020204" pitchFamily="34" charset="-122"/>
-            </a:endParaRPr>
           </a:p>
         </p:txBody>
       </p:sp>
@@ -25856,13 +24995,6 @@
     <a:masterClrMapping/>
   </p:clrMapOvr>
   <p:transition spd="slow"/>
-  <p:timing>
-    <p:tnLst>
-      <p:par>
-        <p:cTn id="1" dur="indefinite" restart="never" nodeType="tmRoot"/>
-      </p:par>
-    </p:tnLst>
-  </p:timing>
 </p:sld>
 </file>
 
